--- a/bi_ye_lun_wen/cao gao/temp files.pptx
+++ b/bi_ye_lun_wen/cao gao/temp files.pptx
@@ -267,7 +267,7 @@
           <a:p>
             <a:fld id="{AD880408-622A-4071-A052-F5E03FFF4B10}" type="datetimeFigureOut">
               <a:rPr lang="en-US" smtClean="0"/>
-              <a:t>12/6/2017</a:t>
+              <a:t>1/3/2018</a:t>
             </a:fld>
             <a:endParaRPr lang="en-US"/>
           </a:p>
@@ -467,7 +467,7 @@
           <a:p>
             <a:fld id="{AD880408-622A-4071-A052-F5E03FFF4B10}" type="datetimeFigureOut">
               <a:rPr lang="en-US" smtClean="0"/>
-              <a:t>12/6/2017</a:t>
+              <a:t>1/3/2018</a:t>
             </a:fld>
             <a:endParaRPr lang="en-US"/>
           </a:p>
@@ -677,7 +677,7 @@
           <a:p>
             <a:fld id="{AD880408-622A-4071-A052-F5E03FFF4B10}" type="datetimeFigureOut">
               <a:rPr lang="en-US" smtClean="0"/>
-              <a:t>12/6/2017</a:t>
+              <a:t>1/3/2018</a:t>
             </a:fld>
             <a:endParaRPr lang="en-US"/>
           </a:p>
@@ -877,7 +877,7 @@
           <a:p>
             <a:fld id="{AD880408-622A-4071-A052-F5E03FFF4B10}" type="datetimeFigureOut">
               <a:rPr lang="en-US" smtClean="0"/>
-              <a:t>12/6/2017</a:t>
+              <a:t>1/3/2018</a:t>
             </a:fld>
             <a:endParaRPr lang="en-US"/>
           </a:p>
@@ -1153,7 +1153,7 @@
           <a:p>
             <a:fld id="{AD880408-622A-4071-A052-F5E03FFF4B10}" type="datetimeFigureOut">
               <a:rPr lang="en-US" smtClean="0"/>
-              <a:t>12/6/2017</a:t>
+              <a:t>1/3/2018</a:t>
             </a:fld>
             <a:endParaRPr lang="en-US"/>
           </a:p>
@@ -1421,7 +1421,7 @@
           <a:p>
             <a:fld id="{AD880408-622A-4071-A052-F5E03FFF4B10}" type="datetimeFigureOut">
               <a:rPr lang="en-US" smtClean="0"/>
-              <a:t>12/6/2017</a:t>
+              <a:t>1/3/2018</a:t>
             </a:fld>
             <a:endParaRPr lang="en-US"/>
           </a:p>
@@ -1836,7 +1836,7 @@
           <a:p>
             <a:fld id="{AD880408-622A-4071-A052-F5E03FFF4B10}" type="datetimeFigureOut">
               <a:rPr lang="en-US" smtClean="0"/>
-              <a:t>12/6/2017</a:t>
+              <a:t>1/3/2018</a:t>
             </a:fld>
             <a:endParaRPr lang="en-US"/>
           </a:p>
@@ -1978,7 +1978,7 @@
           <a:p>
             <a:fld id="{AD880408-622A-4071-A052-F5E03FFF4B10}" type="datetimeFigureOut">
               <a:rPr lang="en-US" smtClean="0"/>
-              <a:t>12/6/2017</a:t>
+              <a:t>1/3/2018</a:t>
             </a:fld>
             <a:endParaRPr lang="en-US"/>
           </a:p>
@@ -2091,7 +2091,7 @@
           <a:p>
             <a:fld id="{AD880408-622A-4071-A052-F5E03FFF4B10}" type="datetimeFigureOut">
               <a:rPr lang="en-US" smtClean="0"/>
-              <a:t>12/6/2017</a:t>
+              <a:t>1/3/2018</a:t>
             </a:fld>
             <a:endParaRPr lang="en-US"/>
           </a:p>
@@ -2404,7 +2404,7 @@
           <a:p>
             <a:fld id="{AD880408-622A-4071-A052-F5E03FFF4B10}" type="datetimeFigureOut">
               <a:rPr lang="en-US" smtClean="0"/>
-              <a:t>12/6/2017</a:t>
+              <a:t>1/3/2018</a:t>
             </a:fld>
             <a:endParaRPr lang="en-US"/>
           </a:p>
@@ -2693,7 +2693,7 @@
           <a:p>
             <a:fld id="{AD880408-622A-4071-A052-F5E03FFF4B10}" type="datetimeFigureOut">
               <a:rPr lang="en-US" smtClean="0"/>
-              <a:t>12/6/2017</a:t>
+              <a:t>1/3/2018</a:t>
             </a:fld>
             <a:endParaRPr lang="en-US"/>
           </a:p>
@@ -2936,7 +2936,7 @@
           <a:p>
             <a:fld id="{AD880408-622A-4071-A052-F5E03FFF4B10}" type="datetimeFigureOut">
               <a:rPr lang="en-US" smtClean="0"/>
-              <a:t>12/6/2017</a:t>
+              <a:t>1/3/2018</a:t>
             </a:fld>
             <a:endParaRPr lang="en-US"/>
           </a:p>
@@ -3553,7 +3553,7 @@
         </p:nvSpPr>
         <p:spPr>
           <a:xfrm>
-            <a:off x="2305795" y="1981756"/>
+            <a:off x="4911185" y="2073319"/>
             <a:ext cx="2128649" cy="2616529"/>
           </a:xfrm>
           <a:prstGeom prst="rect">
@@ -3581,7 +3581,7 @@
             <a:pPr algn="ctr"/>
             <a:r>
               <a:rPr lang="en-US" dirty="0"/>
-              <a:t>Educational Applications </a:t>
+              <a:t>Educational Applications  Evaluation</a:t>
             </a:r>
           </a:p>
         </p:txBody>
@@ -3600,8 +3600,8 @@
         </p:nvSpPr>
         <p:spPr>
           <a:xfrm>
-            <a:off x="343398" y="1995290"/>
-            <a:ext cx="1581397" cy="1014391"/>
+            <a:off x="343399" y="1995290"/>
+            <a:ext cx="1089560" cy="1014391"/>
           </a:xfrm>
           <a:prstGeom prst="rect">
             <a:avLst/>
@@ -3628,7 +3628,7 @@
             <a:pPr algn="ctr"/>
             <a:r>
               <a:rPr lang="en-US" dirty="0"/>
-              <a:t>AR </a:t>
+              <a:t>VR </a:t>
             </a:r>
           </a:p>
         </p:txBody>
@@ -3647,8 +3647,8 @@
         </p:nvSpPr>
         <p:spPr>
           <a:xfrm>
-            <a:off x="7880266" y="2114444"/>
-            <a:ext cx="3968336" cy="2216334"/>
+            <a:off x="7880261" y="2189776"/>
+            <a:ext cx="2997531" cy="2216334"/>
           </a:xfrm>
           <a:prstGeom prst="rect">
             <a:avLst/>
@@ -3674,14 +3674,13 @@
           <a:p>
             <a:pPr algn="ctr"/>
             <a:r>
+              <a:rPr lang="en-US" altLang="zh-CN" dirty="0"/>
+              <a:t> </a:t>
+            </a:r>
+            <a:r>
               <a:rPr lang="en-US" dirty="0"/>
-              <a:t>MR(M</a:t>
-            </a:r>
-            <a:r>
-              <a:rPr lang="en-US" altLang="zh-CN" dirty="0"/>
-              <a:t>ixed Reality) for Education</a:t>
-            </a:r>
-            <a:endParaRPr lang="en-US" dirty="0"/>
+              <a:t>Principles of the XR(AR,VR,MR) Applications Design for Education</a:t>
+            </a:r>
           </a:p>
         </p:txBody>
       </p:sp>
@@ -3699,8 +3698,8 @@
         </p:nvSpPr>
         <p:spPr>
           <a:xfrm>
-            <a:off x="343398" y="3586288"/>
-            <a:ext cx="1581397" cy="1014391"/>
+            <a:off x="343399" y="3683374"/>
+            <a:ext cx="1089560" cy="1014391"/>
           </a:xfrm>
           <a:prstGeom prst="rect">
             <a:avLst/>
@@ -3727,7 +3726,7 @@
             <a:pPr algn="ctr"/>
             <a:r>
               <a:rPr lang="en-US" dirty="0"/>
-              <a:t>VR</a:t>
+              <a:t>AR</a:t>
             </a:r>
           </a:p>
         </p:txBody>
@@ -3746,8 +3745,8 @@
         </p:nvSpPr>
         <p:spPr>
           <a:xfrm>
-            <a:off x="5184569" y="1192956"/>
-            <a:ext cx="1822861" cy="1180644"/>
+            <a:off x="2247895" y="1531433"/>
+            <a:ext cx="1822861" cy="706919"/>
           </a:xfrm>
           <a:prstGeom prst="rect">
             <a:avLst/>
@@ -3773,21 +3772,17 @@
           <a:p>
             <a:pPr algn="ctr"/>
             <a:r>
-              <a:rPr lang="en-US" dirty="0" err="1"/>
-              <a:t>Vuforia</a:t>
+              <a:rPr lang="en-US" dirty="0"/>
+              <a:t>VR </a:t>
+            </a:r>
+            <a:r>
+              <a:rPr lang="en-US" altLang="zh-CN" dirty="0"/>
+              <a:t>art Show</a:t>
             </a:r>
             <a:r>
               <a:rPr lang="en-US" dirty="0"/>
               <a:t> </a:t>
             </a:r>
-            <a:r>
-              <a:rPr lang="en-US" dirty="0" err="1"/>
-              <a:t>sdk</a:t>
-            </a:r>
-            <a:r>
-              <a:rPr lang="en-US" dirty="0"/>
-              <a:t> </a:t>
-            </a:r>
           </a:p>
         </p:txBody>
       </p:sp>
@@ -3805,8 +3800,8 @@
         </p:nvSpPr>
         <p:spPr>
           <a:xfrm>
-            <a:off x="5184568" y="2588347"/>
-            <a:ext cx="1822861" cy="1071788"/>
+            <a:off x="2247895" y="2656202"/>
+            <a:ext cx="1822861" cy="641741"/>
           </a:xfrm>
           <a:prstGeom prst="rect">
             <a:avLst/>
@@ -3833,7 +3828,7 @@
             <a:pPr algn="ctr"/>
             <a:r>
               <a:rPr lang="en-US" dirty="0"/>
-              <a:t>AR Core</a:t>
+              <a:t>Board game </a:t>
             </a:r>
           </a:p>
         </p:txBody>
@@ -3852,8 +3847,8 @@
         </p:nvSpPr>
         <p:spPr>
           <a:xfrm>
-            <a:off x="5184568" y="4062391"/>
-            <a:ext cx="1822861" cy="1071788"/>
+            <a:off x="2247896" y="4429786"/>
+            <a:ext cx="1822861" cy="641741"/>
           </a:xfrm>
           <a:prstGeom prst="rect">
             <a:avLst/>
@@ -3880,7 +3875,7 @@
             <a:pPr algn="ctr"/>
             <a:r>
               <a:rPr lang="en-US" dirty="0"/>
-              <a:t>VR art show</a:t>
+              <a:t>3D Color game</a:t>
             </a:r>
           </a:p>
         </p:txBody>
@@ -3899,8 +3894,8 @@
         </p:nvSpPr>
         <p:spPr>
           <a:xfrm>
-            <a:off x="1924795" y="2134115"/>
-            <a:ext cx="5955471" cy="641741"/>
+            <a:off x="1432959" y="2134115"/>
+            <a:ext cx="6447307" cy="641741"/>
           </a:xfrm>
           <a:prstGeom prst="rightArrow">
             <a:avLst/>
@@ -3943,8 +3938,8 @@
         </p:nvSpPr>
         <p:spPr>
           <a:xfrm>
-            <a:off x="1924795" y="3630407"/>
-            <a:ext cx="5955471" cy="641741"/>
+            <a:off x="1432959" y="3870468"/>
+            <a:ext cx="6447307" cy="641741"/>
           </a:xfrm>
           <a:prstGeom prst="rightArrow">
             <a:avLst/>
@@ -3970,6 +3965,53 @@
           <a:p>
             <a:pPr algn="ctr"/>
             <a:endParaRPr lang="en-US"/>
+          </a:p>
+        </p:txBody>
+      </p:sp>
+      <p:sp>
+        <p:nvSpPr>
+          <p:cNvPr id="14" name="矩形 13">
+            <a:extLst>
+              <a:ext uri="{FF2B5EF4-FFF2-40B4-BE49-F238E27FC236}">
+                <a16:creationId xmlns:a16="http://schemas.microsoft.com/office/drawing/2014/main" id="{A34E6BDB-2A23-4CAA-A41A-D02051A40703}"/>
+              </a:ext>
+            </a:extLst>
+          </p:cNvPr>
+          <p:cNvSpPr/>
+          <p:nvPr/>
+        </p:nvSpPr>
+        <p:spPr>
+          <a:xfrm>
+            <a:off x="2247895" y="3332964"/>
+            <a:ext cx="1822861" cy="641741"/>
+          </a:xfrm>
+          <a:prstGeom prst="rect">
+            <a:avLst/>
+          </a:prstGeom>
+        </p:spPr>
+        <p:style>
+          <a:lnRef idx="2">
+            <a:schemeClr val="accent6"/>
+          </a:lnRef>
+          <a:fillRef idx="1">
+            <a:schemeClr val="lt1"/>
+          </a:fillRef>
+          <a:effectRef idx="0">
+            <a:schemeClr val="accent6"/>
+          </a:effectRef>
+          <a:fontRef idx="minor">
+            <a:schemeClr val="dk1"/>
+          </a:fontRef>
+        </p:style>
+        <p:txBody>
+          <a:bodyPr rtlCol="0" anchor="ctr"/>
+          <a:lstStyle/>
+          <a:p>
+            <a:pPr algn="ctr"/>
+            <a:r>
+              <a:rPr lang="en-US" dirty="0"/>
+              <a:t>AR &amp; VR Chemistry Lab </a:t>
+            </a:r>
           </a:p>
         </p:txBody>
       </p:sp>

--- a/bi_ye_lun_wen/cao gao/temp files.pptx
+++ b/bi_ye_lun_wen/cao gao/temp files.pptx
@@ -6,8 +6,7 @@
   </p:sldMasterIdLst>
   <p:sldIdLst>
     <p:sldId id="256" r:id="rId2"/>
-    <p:sldId id="257" r:id="rId3"/>
-    <p:sldId id="258" r:id="rId4"/>
+    <p:sldId id="258" r:id="rId3"/>
   </p:sldIdLst>
   <p:sldSz cx="12192000" cy="6858000"/>
   <p:notesSz cx="6858000" cy="9144000"/>
@@ -114,10 +113,6 @@
 </p:presentation>
 </file>
 
-<file path=ppt/revisionInfo.xml><?xml version="1.0" encoding="utf-8"?>
-<p1510:revInfo xmlns:a="http://schemas.openxmlformats.org/drawingml/2006/main" xmlns:r="http://schemas.openxmlformats.org/officeDocument/2006/relationships" xmlns:p1510="http://schemas.microsoft.com/office/powerpoint/2015/10/main"/>
-</file>
-
 <file path=ppt/slideLayouts/slideLayout1.xml><?xml version="1.0" encoding="utf-8"?>
 <p:sldLayout xmlns:a="http://schemas.openxmlformats.org/drawingml/2006/main" xmlns:r="http://schemas.openxmlformats.org/officeDocument/2006/relationships" xmlns:p="http://schemas.openxmlformats.org/presentationml/2006/main" type="title" preserve="1">
   <p:cSld name="标题幻灯片">
@@ -267,7 +262,7 @@
           <a:p>
             <a:fld id="{AD880408-622A-4071-A052-F5E03FFF4B10}" type="datetimeFigureOut">
               <a:rPr lang="en-US" smtClean="0"/>
-              <a:t>1/3/2018</a:t>
+              <a:t>4/10/2018</a:t>
             </a:fld>
             <a:endParaRPr lang="en-US"/>
           </a:p>
@@ -467,7 +462,7 @@
           <a:p>
             <a:fld id="{AD880408-622A-4071-A052-F5E03FFF4B10}" type="datetimeFigureOut">
               <a:rPr lang="en-US" smtClean="0"/>
-              <a:t>1/3/2018</a:t>
+              <a:t>4/10/2018</a:t>
             </a:fld>
             <a:endParaRPr lang="en-US"/>
           </a:p>
@@ -677,7 +672,7 @@
           <a:p>
             <a:fld id="{AD880408-622A-4071-A052-F5E03FFF4B10}" type="datetimeFigureOut">
               <a:rPr lang="en-US" smtClean="0"/>
-              <a:t>1/3/2018</a:t>
+              <a:t>4/10/2018</a:t>
             </a:fld>
             <a:endParaRPr lang="en-US"/>
           </a:p>
@@ -877,7 +872,7 @@
           <a:p>
             <a:fld id="{AD880408-622A-4071-A052-F5E03FFF4B10}" type="datetimeFigureOut">
               <a:rPr lang="en-US" smtClean="0"/>
-              <a:t>1/3/2018</a:t>
+              <a:t>4/10/2018</a:t>
             </a:fld>
             <a:endParaRPr lang="en-US"/>
           </a:p>
@@ -1153,7 +1148,7 @@
           <a:p>
             <a:fld id="{AD880408-622A-4071-A052-F5E03FFF4B10}" type="datetimeFigureOut">
               <a:rPr lang="en-US" smtClean="0"/>
-              <a:t>1/3/2018</a:t>
+              <a:t>4/10/2018</a:t>
             </a:fld>
             <a:endParaRPr lang="en-US"/>
           </a:p>
@@ -1421,7 +1416,7 @@
           <a:p>
             <a:fld id="{AD880408-622A-4071-A052-F5E03FFF4B10}" type="datetimeFigureOut">
               <a:rPr lang="en-US" smtClean="0"/>
-              <a:t>1/3/2018</a:t>
+              <a:t>4/10/2018</a:t>
             </a:fld>
             <a:endParaRPr lang="en-US"/>
           </a:p>
@@ -1836,7 +1831,7 @@
           <a:p>
             <a:fld id="{AD880408-622A-4071-A052-F5E03FFF4B10}" type="datetimeFigureOut">
               <a:rPr lang="en-US" smtClean="0"/>
-              <a:t>1/3/2018</a:t>
+              <a:t>4/10/2018</a:t>
             </a:fld>
             <a:endParaRPr lang="en-US"/>
           </a:p>
@@ -1978,7 +1973,7 @@
           <a:p>
             <a:fld id="{AD880408-622A-4071-A052-F5E03FFF4B10}" type="datetimeFigureOut">
               <a:rPr lang="en-US" smtClean="0"/>
-              <a:t>1/3/2018</a:t>
+              <a:t>4/10/2018</a:t>
             </a:fld>
             <a:endParaRPr lang="en-US"/>
           </a:p>
@@ -2091,7 +2086,7 @@
           <a:p>
             <a:fld id="{AD880408-622A-4071-A052-F5E03FFF4B10}" type="datetimeFigureOut">
               <a:rPr lang="en-US" smtClean="0"/>
-              <a:t>1/3/2018</a:t>
+              <a:t>4/10/2018</a:t>
             </a:fld>
             <a:endParaRPr lang="en-US"/>
           </a:p>
@@ -2404,7 +2399,7 @@
           <a:p>
             <a:fld id="{AD880408-622A-4071-A052-F5E03FFF4B10}" type="datetimeFigureOut">
               <a:rPr lang="en-US" smtClean="0"/>
-              <a:t>1/3/2018</a:t>
+              <a:t>4/10/2018</a:t>
             </a:fld>
             <a:endParaRPr lang="en-US"/>
           </a:p>
@@ -2693,7 +2688,7 @@
           <a:p>
             <a:fld id="{AD880408-622A-4071-A052-F5E03FFF4B10}" type="datetimeFigureOut">
               <a:rPr lang="en-US" smtClean="0"/>
-              <a:t>1/3/2018</a:t>
+              <a:t>4/10/2018</a:t>
             </a:fld>
             <a:endParaRPr lang="en-US"/>
           </a:p>
@@ -2936,7 +2931,7 @@
           <a:p>
             <a:fld id="{AD880408-622A-4071-A052-F5E03FFF4B10}" type="datetimeFigureOut">
               <a:rPr lang="en-US" smtClean="0"/>
-              <a:t>1/3/2018</a:t>
+              <a:t>4/10/2018</a:t>
             </a:fld>
             <a:endParaRPr lang="en-US"/>
           </a:p>
@@ -3435,112 +3430,6 @@
       </p:grpSpPr>
       <p:sp>
         <p:nvSpPr>
-          <p:cNvPr id="2" name="标题 1">
-            <a:extLst>
-              <a:ext uri="{FF2B5EF4-FFF2-40B4-BE49-F238E27FC236}">
-                <a16:creationId xmlns:a16="http://schemas.microsoft.com/office/drawing/2014/main" id="{E8FB9832-AEF5-4CB8-AB75-8F8B6FB4A556}"/>
-              </a:ext>
-            </a:extLst>
-          </p:cNvPr>
-          <p:cNvSpPr>
-            <a:spLocks noGrp="1"/>
-          </p:cNvSpPr>
-          <p:nvPr>
-            <p:ph type="title"/>
-          </p:nvPr>
-        </p:nvSpPr>
-        <p:spPr/>
-        <p:txBody>
-          <a:bodyPr/>
-          <a:lstStyle/>
-          <a:p>
-            <a:endParaRPr lang="en-US"/>
-          </a:p>
-        </p:txBody>
-      </p:sp>
-      <p:sp>
-        <p:nvSpPr>
-          <p:cNvPr id="3" name="内容占位符 2">
-            <a:extLst>
-              <a:ext uri="{FF2B5EF4-FFF2-40B4-BE49-F238E27FC236}">
-                <a16:creationId xmlns:a16="http://schemas.microsoft.com/office/drawing/2014/main" id="{BEA25224-5052-4BF7-8B32-C4572F43F84A}"/>
-              </a:ext>
-            </a:extLst>
-          </p:cNvPr>
-          <p:cNvSpPr>
-            <a:spLocks noGrp="1"/>
-          </p:cNvSpPr>
-          <p:nvPr>
-            <p:ph idx="1"/>
-          </p:nvPr>
-        </p:nvSpPr>
-        <p:spPr/>
-        <p:txBody>
-          <a:bodyPr>
-            <a:normAutofit fontScale="85000" lnSpcReduction="20000"/>
-          </a:bodyPr>
-          <a:lstStyle/>
-          <a:p>
-            <a:r>
-              <a:rPr lang="en-US" dirty="0"/>
-              <a:t>AR and VR are same but different. Confusing? Let me explain </a:t>
-            </a:r>
-            <a:r>
-              <a:rPr lang="en-US" dirty="0">
-                <a:hlinkClick r:id="rId2"/>
-              </a:rPr>
-              <a:t>Difference Between Augmented Reality And Virtual Reality</a:t>
-            </a:r>
-            <a:r>
-              <a:rPr lang="en-US" dirty="0"/>
-              <a:t> When you view VR, you are viewing a completely different reality than the one in front of you. Virtual reality may be artificial, such as an animated scene, or an actual place that has been photographed and included in a virtual reality app. With virtual reality, you can move around and look in every direction -- up, down, sideways and behind you, as if you were physically there. You can view virtual reality through a special VR viewer, such as the Oculus Rift. Other virtual reality viewers use your phone and VR apps, such as Google Cardboard or Daydream View. </a:t>
-            </a:r>
-            <a:r>
-              <a:rPr lang="en-US" dirty="0" err="1"/>
-              <a:t>Pokemon</a:t>
-            </a:r>
-            <a:r>
-              <a:rPr lang="en-US" dirty="0"/>
-              <a:t> go- This game is enough to get your attention towards Augmented reality. Augmented reality is defined as "an enhanced version of reality created by the use of technology to add digital information on an image of something. "AR is used in apps for smartphones and tablets. AR apps use your phone's camera to show you a view of the real world in front of you, then put a layer of information, including text and/or images, on top of that view. Apps can use AR for fun, such as the game Pokémon GO, or for information, such as the app Layer.</a:t>
-            </a:r>
-          </a:p>
-          <a:p>
-            <a:endParaRPr lang="en-US" dirty="0"/>
-          </a:p>
-        </p:txBody>
-      </p:sp>
-    </p:spTree>
-    <p:extLst>
-      <p:ext uri="{BB962C8B-B14F-4D97-AF65-F5344CB8AC3E}">
-        <p14:creationId xmlns:p14="http://schemas.microsoft.com/office/powerpoint/2010/main" val="1631471638"/>
-      </p:ext>
-    </p:extLst>
-  </p:cSld>
-  <p:clrMapOvr>
-    <a:masterClrMapping/>
-  </p:clrMapOvr>
-</p:sld>
-</file>
-
-<file path=ppt/slides/slide3.xml><?xml version="1.0" encoding="utf-8"?>
-<p:sld xmlns:a="http://schemas.openxmlformats.org/drawingml/2006/main" xmlns:r="http://schemas.openxmlformats.org/officeDocument/2006/relationships" xmlns:p="http://schemas.openxmlformats.org/presentationml/2006/main">
-  <p:cSld>
-    <p:spTree>
-      <p:nvGrpSpPr>
-        <p:cNvPr id="1" name=""/>
-        <p:cNvGrpSpPr/>
-        <p:nvPr/>
-      </p:nvGrpSpPr>
-      <p:grpSpPr>
-        <a:xfrm>
-          <a:off x="0" y="0"/>
-          <a:ext cx="0" cy="0"/>
-          <a:chOff x="0" y="0"/>
-          <a:chExt cx="0" cy="0"/>
-        </a:xfrm>
-      </p:grpSpPr>
-      <p:sp>
-        <p:nvSpPr>
           <p:cNvPr id="13" name="矩形 12">
             <a:extLst>
               <a:ext uri="{FF2B5EF4-FFF2-40B4-BE49-F238E27FC236}">
@@ -3679,7 +3568,7 @@
             </a:r>
             <a:r>
               <a:rPr lang="en-US" dirty="0"/>
-              <a:t>Principles of the XR(AR,VR,MR) Applications Design for Education</a:t>
+              <a:t>Principles of the MR(AR,VR) Applications Design for Education</a:t>
             </a:r>
           </a:p>
         </p:txBody>
@@ -3777,11 +3666,11 @@
             </a:r>
             <a:r>
               <a:rPr lang="en-US" altLang="zh-CN" dirty="0"/>
-              <a:t>art Show</a:t>
+              <a:t>art </a:t>
             </a:r>
             <a:r>
               <a:rPr lang="en-US" dirty="0"/>
-              <a:t> </a:t>
+              <a:t>exhibition  </a:t>
             </a:r>
           </a:p>
         </p:txBody>
@@ -3828,7 +3717,7 @@
             <a:pPr algn="ctr"/>
             <a:r>
               <a:rPr lang="en-US" dirty="0"/>
-              <a:t>Board game </a:t>
+              <a:t>Ludo  game </a:t>
             </a:r>
           </a:p>
         </p:txBody>
@@ -4010,7 +3899,7 @@
             <a:pPr algn="ctr"/>
             <a:r>
               <a:rPr lang="en-US" dirty="0"/>
-              <a:t>AR &amp; VR Chemistry Lab </a:t>
+              <a:t>MR(AR &amp; VR) Chemistry Lab </a:t>
             </a:r>
           </a:p>
         </p:txBody>

--- a/bi_ye_lun_wen/cao gao/temp files.pptx
+++ b/bi_ye_lun_wen/cao gao/temp files.pptx
@@ -7,6 +7,7 @@
   <p:sldIdLst>
     <p:sldId id="256" r:id="rId2"/>
     <p:sldId id="258" r:id="rId3"/>
+    <p:sldId id="259" r:id="rId4"/>
   </p:sldIdLst>
   <p:sldSz cx="12192000" cy="6858000"/>
   <p:notesSz cx="6858000" cy="9144000"/>
@@ -262,7 +263,7 @@
           <a:p>
             <a:fld id="{AD880408-622A-4071-A052-F5E03FFF4B10}" type="datetimeFigureOut">
               <a:rPr lang="en-US" smtClean="0"/>
-              <a:t>4/10/2018</a:t>
+              <a:t>4/20/2018</a:t>
             </a:fld>
             <a:endParaRPr lang="en-US"/>
           </a:p>
@@ -462,7 +463,7 @@
           <a:p>
             <a:fld id="{AD880408-622A-4071-A052-F5E03FFF4B10}" type="datetimeFigureOut">
               <a:rPr lang="en-US" smtClean="0"/>
-              <a:t>4/10/2018</a:t>
+              <a:t>4/20/2018</a:t>
             </a:fld>
             <a:endParaRPr lang="en-US"/>
           </a:p>
@@ -672,7 +673,7 @@
           <a:p>
             <a:fld id="{AD880408-622A-4071-A052-F5E03FFF4B10}" type="datetimeFigureOut">
               <a:rPr lang="en-US" smtClean="0"/>
-              <a:t>4/10/2018</a:t>
+              <a:t>4/20/2018</a:t>
             </a:fld>
             <a:endParaRPr lang="en-US"/>
           </a:p>
@@ -872,7 +873,7 @@
           <a:p>
             <a:fld id="{AD880408-622A-4071-A052-F5E03FFF4B10}" type="datetimeFigureOut">
               <a:rPr lang="en-US" smtClean="0"/>
-              <a:t>4/10/2018</a:t>
+              <a:t>4/20/2018</a:t>
             </a:fld>
             <a:endParaRPr lang="en-US"/>
           </a:p>
@@ -1148,7 +1149,7 @@
           <a:p>
             <a:fld id="{AD880408-622A-4071-A052-F5E03FFF4B10}" type="datetimeFigureOut">
               <a:rPr lang="en-US" smtClean="0"/>
-              <a:t>4/10/2018</a:t>
+              <a:t>4/20/2018</a:t>
             </a:fld>
             <a:endParaRPr lang="en-US"/>
           </a:p>
@@ -1416,7 +1417,7 @@
           <a:p>
             <a:fld id="{AD880408-622A-4071-A052-F5E03FFF4B10}" type="datetimeFigureOut">
               <a:rPr lang="en-US" smtClean="0"/>
-              <a:t>4/10/2018</a:t>
+              <a:t>4/20/2018</a:t>
             </a:fld>
             <a:endParaRPr lang="en-US"/>
           </a:p>
@@ -1831,7 +1832,7 @@
           <a:p>
             <a:fld id="{AD880408-622A-4071-A052-F5E03FFF4B10}" type="datetimeFigureOut">
               <a:rPr lang="en-US" smtClean="0"/>
-              <a:t>4/10/2018</a:t>
+              <a:t>4/20/2018</a:t>
             </a:fld>
             <a:endParaRPr lang="en-US"/>
           </a:p>
@@ -1973,7 +1974,7 @@
           <a:p>
             <a:fld id="{AD880408-622A-4071-A052-F5E03FFF4B10}" type="datetimeFigureOut">
               <a:rPr lang="en-US" smtClean="0"/>
-              <a:t>4/10/2018</a:t>
+              <a:t>4/20/2018</a:t>
             </a:fld>
             <a:endParaRPr lang="en-US"/>
           </a:p>
@@ -2086,7 +2087,7 @@
           <a:p>
             <a:fld id="{AD880408-622A-4071-A052-F5E03FFF4B10}" type="datetimeFigureOut">
               <a:rPr lang="en-US" smtClean="0"/>
-              <a:t>4/10/2018</a:t>
+              <a:t>4/20/2018</a:t>
             </a:fld>
             <a:endParaRPr lang="en-US"/>
           </a:p>
@@ -2399,7 +2400,7 @@
           <a:p>
             <a:fld id="{AD880408-622A-4071-A052-F5E03FFF4B10}" type="datetimeFigureOut">
               <a:rPr lang="en-US" smtClean="0"/>
-              <a:t>4/10/2018</a:t>
+              <a:t>4/20/2018</a:t>
             </a:fld>
             <a:endParaRPr lang="en-US"/>
           </a:p>
@@ -2688,7 +2689,7 @@
           <a:p>
             <a:fld id="{AD880408-622A-4071-A052-F5E03FFF4B10}" type="datetimeFigureOut">
               <a:rPr lang="en-US" smtClean="0"/>
-              <a:t>4/10/2018</a:t>
+              <a:t>4/20/2018</a:t>
             </a:fld>
             <a:endParaRPr lang="en-US"/>
           </a:p>
@@ -2931,7 +2932,7 @@
           <a:p>
             <a:fld id="{AD880408-622A-4071-A052-F5E03FFF4B10}" type="datetimeFigureOut">
               <a:rPr lang="en-US" smtClean="0"/>
-              <a:t>4/10/2018</a:t>
+              <a:t>4/20/2018</a:t>
             </a:fld>
             <a:endParaRPr lang="en-US"/>
           </a:p>
@@ -3917,6 +3918,630 @@
 </p:sld>
 </file>
 
+<file path=ppt/slides/slide3.xml><?xml version="1.0" encoding="utf-8"?>
+<p:sld xmlns:a="http://schemas.openxmlformats.org/drawingml/2006/main" xmlns:r="http://schemas.openxmlformats.org/officeDocument/2006/relationships" xmlns:p="http://schemas.openxmlformats.org/presentationml/2006/main">
+  <p:cSld>
+    <p:spTree>
+      <p:nvGrpSpPr>
+        <p:cNvPr id="1" name=""/>
+        <p:cNvGrpSpPr/>
+        <p:nvPr/>
+      </p:nvGrpSpPr>
+      <p:grpSpPr>
+        <a:xfrm>
+          <a:off x="0" y="0"/>
+          <a:ext cx="0" cy="0"/>
+          <a:chOff x="0" y="0"/>
+          <a:chExt cx="0" cy="0"/>
+        </a:xfrm>
+      </p:grpSpPr>
+      <p:sp>
+        <p:nvSpPr>
+          <p:cNvPr id="24" name="矩形 23">
+            <a:extLst>
+              <a:ext uri="{FF2B5EF4-FFF2-40B4-BE49-F238E27FC236}">
+                <a16:creationId xmlns:a16="http://schemas.microsoft.com/office/drawing/2014/main" id="{B8EFE3EB-1118-4B9F-8105-0252A67CA4FA}"/>
+              </a:ext>
+            </a:extLst>
+          </p:cNvPr>
+          <p:cNvSpPr/>
+          <p:nvPr/>
+        </p:nvSpPr>
+        <p:spPr>
+          <a:xfrm>
+            <a:off x="320634" y="2683823"/>
+            <a:ext cx="11297901" cy="3455720"/>
+          </a:xfrm>
+          <a:prstGeom prst="rect">
+            <a:avLst/>
+          </a:prstGeom>
+        </p:spPr>
+        <p:style>
+          <a:lnRef idx="2">
+            <a:schemeClr val="dk1"/>
+          </a:lnRef>
+          <a:fillRef idx="1">
+            <a:schemeClr val="lt1"/>
+          </a:fillRef>
+          <a:effectRef idx="0">
+            <a:schemeClr val="dk1"/>
+          </a:effectRef>
+          <a:fontRef idx="minor">
+            <a:schemeClr val="dk1"/>
+          </a:fontRef>
+        </p:style>
+        <p:txBody>
+          <a:bodyPr rtlCol="0" anchor="ctr"/>
+          <a:lstStyle/>
+          <a:p>
+            <a:pPr algn="ctr"/>
+            <a:endParaRPr lang="en-US"/>
+          </a:p>
+        </p:txBody>
+      </p:sp>
+      <p:sp>
+        <p:nvSpPr>
+          <p:cNvPr id="2" name="标题 1">
+            <a:extLst>
+              <a:ext uri="{FF2B5EF4-FFF2-40B4-BE49-F238E27FC236}">
+                <a16:creationId xmlns:a16="http://schemas.microsoft.com/office/drawing/2014/main" id="{09DD16AE-B63D-4FA1-B16A-548099E2A3FB}"/>
+              </a:ext>
+            </a:extLst>
+          </p:cNvPr>
+          <p:cNvSpPr>
+            <a:spLocks noGrp="1"/>
+          </p:cNvSpPr>
+          <p:nvPr>
+            <p:ph type="title"/>
+          </p:nvPr>
+        </p:nvSpPr>
+        <p:spPr/>
+        <p:txBody>
+          <a:bodyPr/>
+          <a:lstStyle/>
+          <a:p>
+            <a:endParaRPr lang="en-US"/>
+          </a:p>
+        </p:txBody>
+      </p:sp>
+      <p:sp>
+        <p:nvSpPr>
+          <p:cNvPr id="5" name="箭头: 左右 4">
+            <a:extLst>
+              <a:ext uri="{FF2B5EF4-FFF2-40B4-BE49-F238E27FC236}">
+                <a16:creationId xmlns:a16="http://schemas.microsoft.com/office/drawing/2014/main" id="{030B25D8-DC72-4294-A410-04D5160B7F39}"/>
+              </a:ext>
+            </a:extLst>
+          </p:cNvPr>
+          <p:cNvSpPr/>
+          <p:nvPr/>
+        </p:nvSpPr>
+        <p:spPr>
+          <a:xfrm>
+            <a:off x="1639784" y="3716976"/>
+            <a:ext cx="8912431" cy="475013"/>
+          </a:xfrm>
+          <a:prstGeom prst="leftRightArrow">
+            <a:avLst/>
+          </a:prstGeom>
+        </p:spPr>
+        <p:style>
+          <a:lnRef idx="3">
+            <a:schemeClr val="lt1"/>
+          </a:lnRef>
+          <a:fillRef idx="1">
+            <a:schemeClr val="dk1"/>
+          </a:fillRef>
+          <a:effectRef idx="1">
+            <a:schemeClr val="dk1"/>
+          </a:effectRef>
+          <a:fontRef idx="minor">
+            <a:schemeClr val="lt1"/>
+          </a:fontRef>
+        </p:style>
+        <p:txBody>
+          <a:bodyPr rtlCol="0" anchor="ctr"/>
+          <a:lstStyle/>
+          <a:p>
+            <a:pPr algn="ctr"/>
+            <a:endParaRPr lang="en-US"/>
+          </a:p>
+        </p:txBody>
+      </p:sp>
+      <p:cxnSp>
+        <p:nvCxnSpPr>
+          <p:cNvPr id="11" name="直接连接符 10">
+            <a:extLst>
+              <a:ext uri="{FF2B5EF4-FFF2-40B4-BE49-F238E27FC236}">
+                <a16:creationId xmlns:a16="http://schemas.microsoft.com/office/drawing/2014/main" id="{332F3831-F23B-4B7B-99D9-6CD80BE0C8BE}"/>
+              </a:ext>
+            </a:extLst>
+          </p:cNvPr>
+          <p:cNvCxnSpPr>
+            <a:cxnSpLocks/>
+          </p:cNvCxnSpPr>
+          <p:nvPr/>
+        </p:nvCxnSpPr>
+        <p:spPr>
+          <a:xfrm>
+            <a:off x="2624446" y="3201412"/>
+            <a:ext cx="2006930" cy="16800"/>
+          </a:xfrm>
+          <a:prstGeom prst="line">
+            <a:avLst/>
+          </a:prstGeom>
+        </p:spPr>
+        <p:style>
+          <a:lnRef idx="1">
+            <a:schemeClr val="dk1"/>
+          </a:lnRef>
+          <a:fillRef idx="0">
+            <a:schemeClr val="dk1"/>
+          </a:fillRef>
+          <a:effectRef idx="0">
+            <a:schemeClr val="dk1"/>
+          </a:effectRef>
+          <a:fontRef idx="minor">
+            <a:schemeClr val="tx1"/>
+          </a:fontRef>
+        </p:style>
+      </p:cxnSp>
+      <p:cxnSp>
+        <p:nvCxnSpPr>
+          <p:cNvPr id="12" name="直接连接符 11">
+            <a:extLst>
+              <a:ext uri="{FF2B5EF4-FFF2-40B4-BE49-F238E27FC236}">
+                <a16:creationId xmlns:a16="http://schemas.microsoft.com/office/drawing/2014/main" id="{E9DE7931-EB33-48A9-9E8A-0A80B0D71E1D}"/>
+              </a:ext>
+            </a:extLst>
+          </p:cNvPr>
+          <p:cNvCxnSpPr/>
+          <p:nvPr/>
+        </p:nvCxnSpPr>
+        <p:spPr>
+          <a:xfrm>
+            <a:off x="7230093" y="3230088"/>
+            <a:ext cx="1971304" cy="0"/>
+          </a:xfrm>
+          <a:prstGeom prst="line">
+            <a:avLst/>
+          </a:prstGeom>
+        </p:spPr>
+        <p:style>
+          <a:lnRef idx="1">
+            <a:schemeClr val="dk1"/>
+          </a:lnRef>
+          <a:fillRef idx="0">
+            <a:schemeClr val="dk1"/>
+          </a:fillRef>
+          <a:effectRef idx="0">
+            <a:schemeClr val="dk1"/>
+          </a:effectRef>
+          <a:fontRef idx="minor">
+            <a:schemeClr val="tx1"/>
+          </a:fontRef>
+        </p:style>
+      </p:cxnSp>
+      <p:sp>
+        <p:nvSpPr>
+          <p:cNvPr id="14" name="文本框 13">
+            <a:extLst>
+              <a:ext uri="{FF2B5EF4-FFF2-40B4-BE49-F238E27FC236}">
+                <a16:creationId xmlns:a16="http://schemas.microsoft.com/office/drawing/2014/main" id="{7F95B74E-B684-467B-BEB5-6E64ED5E4EDC}"/>
+              </a:ext>
+            </a:extLst>
+          </p:cNvPr>
+          <p:cNvSpPr txBox="1"/>
+          <p:nvPr/>
+        </p:nvSpPr>
+        <p:spPr>
+          <a:xfrm>
+            <a:off x="4874073" y="3013233"/>
+            <a:ext cx="2289409" cy="400110"/>
+          </a:xfrm>
+          <a:prstGeom prst="rect">
+            <a:avLst/>
+          </a:prstGeom>
+          <a:noFill/>
+        </p:spPr>
+        <p:txBody>
+          <a:bodyPr wrap="none" rtlCol="0">
+            <a:spAutoFit/>
+          </a:bodyPr>
+          <a:lstStyle/>
+          <a:p>
+            <a:r>
+              <a:rPr lang="en-US" sz="2000" dirty="0">
+                <a:latin typeface="Times New Roman" panose="02020603050405020304" pitchFamily="18" charset="0"/>
+                <a:cs typeface="Times New Roman" panose="02020603050405020304" pitchFamily="18" charset="0"/>
+              </a:rPr>
+              <a:t>Mixed</a:t>
+            </a:r>
+            <a:r>
+              <a:rPr lang="zh-CN" altLang="en-US" sz="2000" dirty="0">
+                <a:latin typeface="Times New Roman" panose="02020603050405020304" pitchFamily="18" charset="0"/>
+                <a:cs typeface="Times New Roman" panose="02020603050405020304" pitchFamily="18" charset="0"/>
+              </a:rPr>
+              <a:t> </a:t>
+            </a:r>
+            <a:r>
+              <a:rPr lang="en-US" altLang="zh-CN" sz="2000" dirty="0">
+                <a:latin typeface="Times New Roman" panose="02020603050405020304" pitchFamily="18" charset="0"/>
+                <a:cs typeface="Times New Roman" panose="02020603050405020304" pitchFamily="18" charset="0"/>
+              </a:rPr>
+              <a:t>Reality (MR)</a:t>
+            </a:r>
+            <a:endParaRPr lang="en-US" sz="2000" dirty="0">
+              <a:latin typeface="Times New Roman" panose="02020603050405020304" pitchFamily="18" charset="0"/>
+              <a:cs typeface="Times New Roman" panose="02020603050405020304" pitchFamily="18" charset="0"/>
+            </a:endParaRPr>
+          </a:p>
+        </p:txBody>
+      </p:sp>
+      <p:cxnSp>
+        <p:nvCxnSpPr>
+          <p:cNvPr id="16" name="直接箭头连接符 15">
+            <a:extLst>
+              <a:ext uri="{FF2B5EF4-FFF2-40B4-BE49-F238E27FC236}">
+                <a16:creationId xmlns:a16="http://schemas.microsoft.com/office/drawing/2014/main" id="{01E74EF6-5BD8-4974-A6C1-186982C1D0DC}"/>
+              </a:ext>
+            </a:extLst>
+          </p:cNvPr>
+          <p:cNvCxnSpPr/>
+          <p:nvPr/>
+        </p:nvCxnSpPr>
+        <p:spPr>
+          <a:xfrm>
+            <a:off x="2624446" y="3201412"/>
+            <a:ext cx="0" cy="486888"/>
+          </a:xfrm>
+          <a:prstGeom prst="straightConnector1">
+            <a:avLst/>
+          </a:prstGeom>
+          <a:ln>
+            <a:tailEnd type="triangle"/>
+          </a:ln>
+        </p:spPr>
+        <p:style>
+          <a:lnRef idx="1">
+            <a:schemeClr val="dk1"/>
+          </a:lnRef>
+          <a:fillRef idx="0">
+            <a:schemeClr val="dk1"/>
+          </a:fillRef>
+          <a:effectRef idx="0">
+            <a:schemeClr val="dk1"/>
+          </a:effectRef>
+          <a:fontRef idx="minor">
+            <a:schemeClr val="tx1"/>
+          </a:fontRef>
+        </p:style>
+      </p:cxnSp>
+      <p:cxnSp>
+        <p:nvCxnSpPr>
+          <p:cNvPr id="18" name="直接箭头连接符 17">
+            <a:extLst>
+              <a:ext uri="{FF2B5EF4-FFF2-40B4-BE49-F238E27FC236}">
+                <a16:creationId xmlns:a16="http://schemas.microsoft.com/office/drawing/2014/main" id="{9D04A334-A17E-4496-8D63-DCCD8D1F1C48}"/>
+              </a:ext>
+            </a:extLst>
+          </p:cNvPr>
+          <p:cNvCxnSpPr/>
+          <p:nvPr/>
+        </p:nvCxnSpPr>
+        <p:spPr>
+          <a:xfrm>
+            <a:off x="9201397" y="3230088"/>
+            <a:ext cx="0" cy="486888"/>
+          </a:xfrm>
+          <a:prstGeom prst="straightConnector1">
+            <a:avLst/>
+          </a:prstGeom>
+          <a:ln>
+            <a:tailEnd type="triangle"/>
+          </a:ln>
+        </p:spPr>
+        <p:style>
+          <a:lnRef idx="1">
+            <a:schemeClr val="dk1"/>
+          </a:lnRef>
+          <a:fillRef idx="0">
+            <a:schemeClr val="dk1"/>
+          </a:fillRef>
+          <a:effectRef idx="0">
+            <a:schemeClr val="dk1"/>
+          </a:effectRef>
+          <a:fontRef idx="minor">
+            <a:schemeClr val="tx1"/>
+          </a:fontRef>
+        </p:style>
+      </p:cxnSp>
+      <p:sp>
+        <p:nvSpPr>
+          <p:cNvPr id="19" name="文本框 18">
+            <a:extLst>
+              <a:ext uri="{FF2B5EF4-FFF2-40B4-BE49-F238E27FC236}">
+                <a16:creationId xmlns:a16="http://schemas.microsoft.com/office/drawing/2014/main" id="{CEBC8049-F01B-4435-A45D-6D865BE26B9C}"/>
+              </a:ext>
+            </a:extLst>
+          </p:cNvPr>
+          <p:cNvSpPr txBox="1"/>
+          <p:nvPr/>
+        </p:nvSpPr>
+        <p:spPr>
+          <a:xfrm>
+            <a:off x="9791430" y="4375989"/>
+            <a:ext cx="1521570" cy="707886"/>
+          </a:xfrm>
+          <a:prstGeom prst="rect">
+            <a:avLst/>
+          </a:prstGeom>
+          <a:noFill/>
+        </p:spPr>
+        <p:txBody>
+          <a:bodyPr wrap="none" rtlCol="0">
+            <a:spAutoFit/>
+          </a:bodyPr>
+          <a:lstStyle/>
+          <a:p>
+            <a:pPr algn="ctr"/>
+            <a:r>
+              <a:rPr lang="en-US" altLang="zh-CN" sz="2000" dirty="0">
+                <a:latin typeface="Times New Roman" panose="02020603050405020304" pitchFamily="18" charset="0"/>
+                <a:cs typeface="Times New Roman" panose="02020603050405020304" pitchFamily="18" charset="0"/>
+              </a:rPr>
+              <a:t>Virtual </a:t>
+            </a:r>
+          </a:p>
+          <a:p>
+            <a:pPr algn="ctr"/>
+            <a:r>
+              <a:rPr lang="en-US" altLang="zh-CN" sz="2000" dirty="0">
+                <a:latin typeface="Times New Roman" panose="02020603050405020304" pitchFamily="18" charset="0"/>
+                <a:cs typeface="Times New Roman" panose="02020603050405020304" pitchFamily="18" charset="0"/>
+              </a:rPr>
+              <a:t>Environment</a:t>
+            </a:r>
+            <a:endParaRPr lang="en-US" sz="2000" dirty="0">
+              <a:latin typeface="Times New Roman" panose="02020603050405020304" pitchFamily="18" charset="0"/>
+              <a:cs typeface="Times New Roman" panose="02020603050405020304" pitchFamily="18" charset="0"/>
+            </a:endParaRPr>
+          </a:p>
+        </p:txBody>
+      </p:sp>
+      <p:sp>
+        <p:nvSpPr>
+          <p:cNvPr id="20" name="文本框 19">
+            <a:extLst>
+              <a:ext uri="{FF2B5EF4-FFF2-40B4-BE49-F238E27FC236}">
+                <a16:creationId xmlns:a16="http://schemas.microsoft.com/office/drawing/2014/main" id="{AC7C8D57-02C5-4F9C-A908-353F9EB584C8}"/>
+              </a:ext>
+            </a:extLst>
+          </p:cNvPr>
+          <p:cNvSpPr txBox="1"/>
+          <p:nvPr/>
+        </p:nvSpPr>
+        <p:spPr>
+          <a:xfrm>
+            <a:off x="6757696" y="4376192"/>
+            <a:ext cx="1735988" cy="707886"/>
+          </a:xfrm>
+          <a:prstGeom prst="rect">
+            <a:avLst/>
+          </a:prstGeom>
+          <a:noFill/>
+        </p:spPr>
+        <p:txBody>
+          <a:bodyPr wrap="none" rtlCol="0">
+            <a:spAutoFit/>
+          </a:bodyPr>
+          <a:lstStyle/>
+          <a:p>
+            <a:r>
+              <a:rPr lang="en-US" altLang="zh-CN" sz="2000" dirty="0">
+                <a:latin typeface="Times New Roman" panose="02020603050405020304" pitchFamily="18" charset="0"/>
+                <a:cs typeface="Times New Roman" panose="02020603050405020304" pitchFamily="18" charset="0"/>
+              </a:rPr>
+              <a:t>Augmented</a:t>
+            </a:r>
+          </a:p>
+          <a:p>
+            <a:r>
+              <a:rPr lang="en-US" altLang="zh-CN" sz="2000" dirty="0" err="1">
+                <a:latin typeface="Times New Roman" panose="02020603050405020304" pitchFamily="18" charset="0"/>
+                <a:cs typeface="Times New Roman" panose="02020603050405020304" pitchFamily="18" charset="0"/>
+              </a:rPr>
+              <a:t>Virtuality</a:t>
+            </a:r>
+            <a:r>
+              <a:rPr lang="en-US" altLang="zh-CN" sz="2000" dirty="0">
+                <a:latin typeface="Times New Roman" panose="02020603050405020304" pitchFamily="18" charset="0"/>
+                <a:cs typeface="Times New Roman" panose="02020603050405020304" pitchFamily="18" charset="0"/>
+              </a:rPr>
+              <a:t> (AV)</a:t>
+            </a:r>
+            <a:endParaRPr lang="en-US" sz="2000" dirty="0">
+              <a:latin typeface="Times New Roman" panose="02020603050405020304" pitchFamily="18" charset="0"/>
+              <a:cs typeface="Times New Roman" panose="02020603050405020304" pitchFamily="18" charset="0"/>
+            </a:endParaRPr>
+          </a:p>
+        </p:txBody>
+      </p:sp>
+      <p:sp>
+        <p:nvSpPr>
+          <p:cNvPr id="21" name="文本框 20">
+            <a:extLst>
+              <a:ext uri="{FF2B5EF4-FFF2-40B4-BE49-F238E27FC236}">
+                <a16:creationId xmlns:a16="http://schemas.microsoft.com/office/drawing/2014/main" id="{7BB3022A-B0E4-4BC4-A074-843E55C92C5D}"/>
+              </a:ext>
+            </a:extLst>
+          </p:cNvPr>
+          <p:cNvSpPr txBox="1"/>
+          <p:nvPr/>
+        </p:nvSpPr>
+        <p:spPr>
+          <a:xfrm>
+            <a:off x="3606478" y="4375989"/>
+            <a:ext cx="1451038" cy="707886"/>
+          </a:xfrm>
+          <a:prstGeom prst="rect">
+            <a:avLst/>
+          </a:prstGeom>
+          <a:noFill/>
+        </p:spPr>
+        <p:txBody>
+          <a:bodyPr wrap="none" rtlCol="0">
+            <a:spAutoFit/>
+          </a:bodyPr>
+          <a:lstStyle/>
+          <a:p>
+            <a:pPr algn="ctr"/>
+            <a:r>
+              <a:rPr lang="en-US" sz="2000" dirty="0">
+                <a:latin typeface="Times New Roman" panose="02020603050405020304" pitchFamily="18" charset="0"/>
+                <a:cs typeface="Times New Roman" panose="02020603050405020304" pitchFamily="18" charset="0"/>
+              </a:rPr>
+              <a:t>Augmented </a:t>
+            </a:r>
+          </a:p>
+          <a:p>
+            <a:pPr algn="ctr"/>
+            <a:r>
+              <a:rPr lang="en-US" sz="2000" dirty="0">
+                <a:latin typeface="Times New Roman" panose="02020603050405020304" pitchFamily="18" charset="0"/>
+                <a:cs typeface="Times New Roman" panose="02020603050405020304" pitchFamily="18" charset="0"/>
+              </a:rPr>
+              <a:t>Reality</a:t>
+            </a:r>
+            <a:r>
+              <a:rPr lang="en-US" altLang="zh-CN" sz="2000" dirty="0">
+                <a:latin typeface="Times New Roman" panose="02020603050405020304" pitchFamily="18" charset="0"/>
+                <a:cs typeface="Times New Roman" panose="02020603050405020304" pitchFamily="18" charset="0"/>
+              </a:rPr>
+              <a:t>(AR)</a:t>
+            </a:r>
+            <a:endParaRPr lang="en-US" sz="2000" dirty="0">
+              <a:latin typeface="Times New Roman" panose="02020603050405020304" pitchFamily="18" charset="0"/>
+              <a:cs typeface="Times New Roman" panose="02020603050405020304" pitchFamily="18" charset="0"/>
+            </a:endParaRPr>
+          </a:p>
+        </p:txBody>
+      </p:sp>
+      <p:sp>
+        <p:nvSpPr>
+          <p:cNvPr id="22" name="文本框 21">
+            <a:extLst>
+              <a:ext uri="{FF2B5EF4-FFF2-40B4-BE49-F238E27FC236}">
+                <a16:creationId xmlns:a16="http://schemas.microsoft.com/office/drawing/2014/main" id="{9AF2D43E-E4F0-4F2F-8545-DBCC4516DDFD}"/>
+              </a:ext>
+            </a:extLst>
+          </p:cNvPr>
+          <p:cNvSpPr txBox="1"/>
+          <p:nvPr/>
+        </p:nvSpPr>
+        <p:spPr>
+          <a:xfrm>
+            <a:off x="573465" y="4375989"/>
+            <a:ext cx="1521570" cy="707886"/>
+          </a:xfrm>
+          <a:prstGeom prst="rect">
+            <a:avLst/>
+          </a:prstGeom>
+          <a:noFill/>
+        </p:spPr>
+        <p:txBody>
+          <a:bodyPr wrap="none" rtlCol="0">
+            <a:spAutoFit/>
+          </a:bodyPr>
+          <a:lstStyle/>
+          <a:p>
+            <a:pPr algn="ctr"/>
+            <a:r>
+              <a:rPr lang="en-US" altLang="zh-CN" sz="2000" dirty="0">
+                <a:latin typeface="Times New Roman" panose="02020603050405020304" pitchFamily="18" charset="0"/>
+                <a:cs typeface="Times New Roman" panose="02020603050405020304" pitchFamily="18" charset="0"/>
+              </a:rPr>
+              <a:t>Real </a:t>
+            </a:r>
+          </a:p>
+          <a:p>
+            <a:pPr algn="ctr"/>
+            <a:r>
+              <a:rPr lang="en-US" altLang="zh-CN" sz="2000" dirty="0">
+                <a:latin typeface="Times New Roman" panose="02020603050405020304" pitchFamily="18" charset="0"/>
+                <a:cs typeface="Times New Roman" panose="02020603050405020304" pitchFamily="18" charset="0"/>
+              </a:rPr>
+              <a:t>Environment</a:t>
+            </a:r>
+            <a:endParaRPr lang="en-US" sz="2000" dirty="0">
+              <a:latin typeface="Times New Roman" panose="02020603050405020304" pitchFamily="18" charset="0"/>
+              <a:cs typeface="Times New Roman" panose="02020603050405020304" pitchFamily="18" charset="0"/>
+            </a:endParaRPr>
+          </a:p>
+        </p:txBody>
+      </p:sp>
+      <p:sp>
+        <p:nvSpPr>
+          <p:cNvPr id="23" name="文本框 22">
+            <a:extLst>
+              <a:ext uri="{FF2B5EF4-FFF2-40B4-BE49-F238E27FC236}">
+                <a16:creationId xmlns:a16="http://schemas.microsoft.com/office/drawing/2014/main" id="{EC254B6B-AE8C-40A3-A42C-535A1162F821}"/>
+              </a:ext>
+            </a:extLst>
+          </p:cNvPr>
+          <p:cNvSpPr txBox="1"/>
+          <p:nvPr/>
+        </p:nvSpPr>
+        <p:spPr>
+          <a:xfrm>
+            <a:off x="4219834" y="5378309"/>
+            <a:ext cx="4487605" cy="400110"/>
+          </a:xfrm>
+          <a:prstGeom prst="rect">
+            <a:avLst/>
+          </a:prstGeom>
+          <a:noFill/>
+        </p:spPr>
+        <p:txBody>
+          <a:bodyPr wrap="square" rtlCol="0">
+            <a:spAutoFit/>
+          </a:bodyPr>
+          <a:lstStyle/>
+          <a:p>
+            <a:r>
+              <a:rPr lang="en-US" altLang="zh-CN" sz="2000" dirty="0" err="1">
+                <a:latin typeface="Times New Roman" panose="02020603050405020304" pitchFamily="18" charset="0"/>
+                <a:cs typeface="Times New Roman" panose="02020603050405020304" pitchFamily="18" charset="0"/>
+              </a:rPr>
+              <a:t>Virtuality</a:t>
+            </a:r>
+            <a:r>
+              <a:rPr lang="en-US" altLang="zh-CN" sz="2000" dirty="0">
+                <a:latin typeface="Times New Roman" panose="02020603050405020304" pitchFamily="18" charset="0"/>
+                <a:cs typeface="Times New Roman" panose="02020603050405020304" pitchFamily="18" charset="0"/>
+              </a:rPr>
+              <a:t> Continuum (VC)</a:t>
+            </a:r>
+            <a:endParaRPr lang="en-US" sz="2000" dirty="0">
+              <a:latin typeface="Times New Roman" panose="02020603050405020304" pitchFamily="18" charset="0"/>
+              <a:cs typeface="Times New Roman" panose="02020603050405020304" pitchFamily="18" charset="0"/>
+            </a:endParaRPr>
+          </a:p>
+        </p:txBody>
+      </p:sp>
+    </p:spTree>
+    <p:extLst>
+      <p:ext uri="{BB962C8B-B14F-4D97-AF65-F5344CB8AC3E}">
+        <p14:creationId xmlns:p14="http://schemas.microsoft.com/office/powerpoint/2010/main" val="266222268"/>
+      </p:ext>
+    </p:extLst>
+  </p:cSld>
+  <p:clrMapOvr>
+    <a:masterClrMapping/>
+  </p:clrMapOvr>
+</p:sld>
+</file>
+
 <file path=ppt/theme/theme1.xml><?xml version="1.0" encoding="utf-8"?>
 <a:theme xmlns:a="http://schemas.openxmlformats.org/drawingml/2006/main" name="Office 主题​​">
   <a:themeElements>

--- a/bi_ye_lun_wen/cao gao/temp files.pptx
+++ b/bi_ye_lun_wen/cao gao/temp files.pptx
@@ -8,6 +8,9 @@
     <p:sldId id="256" r:id="rId2"/>
     <p:sldId id="258" r:id="rId3"/>
     <p:sldId id="259" r:id="rId4"/>
+    <p:sldId id="260" r:id="rId5"/>
+    <p:sldId id="261" r:id="rId6"/>
+    <p:sldId id="262" r:id="rId7"/>
   </p:sldIdLst>
   <p:sldSz cx="12192000" cy="6858000"/>
   <p:notesSz cx="6858000" cy="9144000"/>
@@ -263,7 +266,7 @@
           <a:p>
             <a:fld id="{AD880408-622A-4071-A052-F5E03FFF4B10}" type="datetimeFigureOut">
               <a:rPr lang="en-US" smtClean="0"/>
-              <a:t>4/20/2018</a:t>
+              <a:t>4/22/2018</a:t>
             </a:fld>
             <a:endParaRPr lang="en-US"/>
           </a:p>
@@ -463,7 +466,7 @@
           <a:p>
             <a:fld id="{AD880408-622A-4071-A052-F5E03FFF4B10}" type="datetimeFigureOut">
               <a:rPr lang="en-US" smtClean="0"/>
-              <a:t>4/20/2018</a:t>
+              <a:t>4/22/2018</a:t>
             </a:fld>
             <a:endParaRPr lang="en-US"/>
           </a:p>
@@ -673,7 +676,7 @@
           <a:p>
             <a:fld id="{AD880408-622A-4071-A052-F5E03FFF4B10}" type="datetimeFigureOut">
               <a:rPr lang="en-US" smtClean="0"/>
-              <a:t>4/20/2018</a:t>
+              <a:t>4/22/2018</a:t>
             </a:fld>
             <a:endParaRPr lang="en-US"/>
           </a:p>
@@ -873,7 +876,7 @@
           <a:p>
             <a:fld id="{AD880408-622A-4071-A052-F5E03FFF4B10}" type="datetimeFigureOut">
               <a:rPr lang="en-US" smtClean="0"/>
-              <a:t>4/20/2018</a:t>
+              <a:t>4/22/2018</a:t>
             </a:fld>
             <a:endParaRPr lang="en-US"/>
           </a:p>
@@ -1149,7 +1152,7 @@
           <a:p>
             <a:fld id="{AD880408-622A-4071-A052-F5E03FFF4B10}" type="datetimeFigureOut">
               <a:rPr lang="en-US" smtClean="0"/>
-              <a:t>4/20/2018</a:t>
+              <a:t>4/22/2018</a:t>
             </a:fld>
             <a:endParaRPr lang="en-US"/>
           </a:p>
@@ -1417,7 +1420,7 @@
           <a:p>
             <a:fld id="{AD880408-622A-4071-A052-F5E03FFF4B10}" type="datetimeFigureOut">
               <a:rPr lang="en-US" smtClean="0"/>
-              <a:t>4/20/2018</a:t>
+              <a:t>4/22/2018</a:t>
             </a:fld>
             <a:endParaRPr lang="en-US"/>
           </a:p>
@@ -1832,7 +1835,7 @@
           <a:p>
             <a:fld id="{AD880408-622A-4071-A052-F5E03FFF4B10}" type="datetimeFigureOut">
               <a:rPr lang="en-US" smtClean="0"/>
-              <a:t>4/20/2018</a:t>
+              <a:t>4/22/2018</a:t>
             </a:fld>
             <a:endParaRPr lang="en-US"/>
           </a:p>
@@ -1974,7 +1977,7 @@
           <a:p>
             <a:fld id="{AD880408-622A-4071-A052-F5E03FFF4B10}" type="datetimeFigureOut">
               <a:rPr lang="en-US" smtClean="0"/>
-              <a:t>4/20/2018</a:t>
+              <a:t>4/22/2018</a:t>
             </a:fld>
             <a:endParaRPr lang="en-US"/>
           </a:p>
@@ -2087,7 +2090,7 @@
           <a:p>
             <a:fld id="{AD880408-622A-4071-A052-F5E03FFF4B10}" type="datetimeFigureOut">
               <a:rPr lang="en-US" smtClean="0"/>
-              <a:t>4/20/2018</a:t>
+              <a:t>4/22/2018</a:t>
             </a:fld>
             <a:endParaRPr lang="en-US"/>
           </a:p>
@@ -2400,7 +2403,7 @@
           <a:p>
             <a:fld id="{AD880408-622A-4071-A052-F5E03FFF4B10}" type="datetimeFigureOut">
               <a:rPr lang="en-US" smtClean="0"/>
-              <a:t>4/20/2018</a:t>
+              <a:t>4/22/2018</a:t>
             </a:fld>
             <a:endParaRPr lang="en-US"/>
           </a:p>
@@ -2689,7 +2692,7 @@
           <a:p>
             <a:fld id="{AD880408-622A-4071-A052-F5E03FFF4B10}" type="datetimeFigureOut">
               <a:rPr lang="en-US" smtClean="0"/>
-              <a:t>4/20/2018</a:t>
+              <a:t>4/22/2018</a:t>
             </a:fld>
             <a:endParaRPr lang="en-US"/>
           </a:p>
@@ -2932,7 +2935,7 @@
           <a:p>
             <a:fld id="{AD880408-622A-4071-A052-F5E03FFF4B10}" type="datetimeFigureOut">
               <a:rPr lang="en-US" smtClean="0"/>
-              <a:t>4/20/2018</a:t>
+              <a:t>4/22/2018</a:t>
             </a:fld>
             <a:endParaRPr lang="en-US"/>
           </a:p>
@@ -4542,6 +4545,6565 @@
 </p:sld>
 </file>
 
+<file path=ppt/slides/slide4.xml><?xml version="1.0" encoding="utf-8"?>
+<p:sld xmlns:a="http://schemas.openxmlformats.org/drawingml/2006/main" xmlns:r="http://schemas.openxmlformats.org/officeDocument/2006/relationships" xmlns:p="http://schemas.openxmlformats.org/presentationml/2006/main">
+  <p:cSld>
+    <p:spTree>
+      <p:nvGrpSpPr>
+        <p:cNvPr id="1" name=""/>
+        <p:cNvGrpSpPr/>
+        <p:nvPr/>
+      </p:nvGrpSpPr>
+      <p:grpSpPr>
+        <a:xfrm>
+          <a:off x="0" y="0"/>
+          <a:ext cx="0" cy="0"/>
+          <a:chOff x="0" y="0"/>
+          <a:chExt cx="0" cy="0"/>
+        </a:xfrm>
+      </p:grpSpPr>
+      <p:graphicFrame>
+        <p:nvGraphicFramePr>
+          <p:cNvPr id="4" name="内容占位符 3">
+            <a:extLst>
+              <a:ext uri="{FF2B5EF4-FFF2-40B4-BE49-F238E27FC236}">
+                <a16:creationId xmlns:a16="http://schemas.microsoft.com/office/drawing/2014/main" id="{C14BDC17-90C6-4987-88BA-9203F4F0529A}"/>
+              </a:ext>
+            </a:extLst>
+          </p:cNvPr>
+          <p:cNvGraphicFramePr>
+            <a:graphicFrameLocks noGrp="1"/>
+          </p:cNvGraphicFramePr>
+          <p:nvPr>
+            <p:ph idx="1"/>
+            <p:extLst>
+              <p:ext uri="{D42A27DB-BD31-4B8C-83A1-F6EECF244321}">
+                <p14:modId xmlns:p14="http://schemas.microsoft.com/office/powerpoint/2010/main" val="2715588814"/>
+              </p:ext>
+            </p:extLst>
+          </p:nvPr>
+        </p:nvGraphicFramePr>
+        <p:xfrm>
+          <a:off x="319952" y="558137"/>
+          <a:ext cx="11552096" cy="5611740"/>
+        </p:xfrm>
+        <a:graphic>
+          <a:graphicData uri="http://schemas.openxmlformats.org/drawingml/2006/table">
+            <a:tbl>
+              <a:tblPr firstRow="1" firstCol="1" bandRow="1">
+                <a:tableStyleId>{5940675A-B579-460E-94D1-54222C63F5DA}</a:tableStyleId>
+              </a:tblPr>
+              <a:tblGrid>
+                <a:gridCol w="1612449">
+                  <a:extLst>
+                    <a:ext uri="{9D8B030D-6E8A-4147-A177-3AD203B41FA5}">
+                      <a16:colId xmlns:a16="http://schemas.microsoft.com/office/drawing/2014/main" val="3557805364"/>
+                    </a:ext>
+                  </a:extLst>
+                </a:gridCol>
+                <a:gridCol w="1377537">
+                  <a:extLst>
+                    <a:ext uri="{9D8B030D-6E8A-4147-A177-3AD203B41FA5}">
+                      <a16:colId xmlns:a16="http://schemas.microsoft.com/office/drawing/2014/main" val="3524856799"/>
+                    </a:ext>
+                  </a:extLst>
+                </a:gridCol>
+                <a:gridCol w="570016">
+                  <a:extLst>
+                    <a:ext uri="{9D8B030D-6E8A-4147-A177-3AD203B41FA5}">
+                      <a16:colId xmlns:a16="http://schemas.microsoft.com/office/drawing/2014/main" val="1805124618"/>
+                    </a:ext>
+                  </a:extLst>
+                </a:gridCol>
+                <a:gridCol w="3372592">
+                  <a:extLst>
+                    <a:ext uri="{9D8B030D-6E8A-4147-A177-3AD203B41FA5}">
+                      <a16:colId xmlns:a16="http://schemas.microsoft.com/office/drawing/2014/main" val="1387593033"/>
+                    </a:ext>
+                  </a:extLst>
+                </a:gridCol>
+                <a:gridCol w="1745673">
+                  <a:extLst>
+                    <a:ext uri="{9D8B030D-6E8A-4147-A177-3AD203B41FA5}">
+                      <a16:colId xmlns:a16="http://schemas.microsoft.com/office/drawing/2014/main" val="776739422"/>
+                    </a:ext>
+                  </a:extLst>
+                </a:gridCol>
+                <a:gridCol w="2873829">
+                  <a:extLst>
+                    <a:ext uri="{9D8B030D-6E8A-4147-A177-3AD203B41FA5}">
+                      <a16:colId xmlns:a16="http://schemas.microsoft.com/office/drawing/2014/main" val="1361186130"/>
+                    </a:ext>
+                  </a:extLst>
+                </a:gridCol>
+              </a:tblGrid>
+              <a:tr h="474453">
+                <a:tc>
+                  <a:txBody>
+                    <a:bodyPr/>
+                    <a:lstStyle/>
+                    <a:p>
+                      <a:pPr marL="0" marR="0" algn="ctr">
+                        <a:lnSpc>
+                          <a:spcPct val="107000"/>
+                        </a:lnSpc>
+                        <a:spcBef>
+                          <a:spcPts val="0"/>
+                        </a:spcBef>
+                        <a:spcAft>
+                          <a:spcPts val="0"/>
+                        </a:spcAft>
+                      </a:pPr>
+                      <a:r>
+                        <a:rPr lang="en-US" sz="1800" dirty="0">
+                          <a:effectLst/>
+                          <a:latin typeface="Times New Roman" panose="02020603050405020304" pitchFamily="18" charset="0"/>
+                          <a:cs typeface="Times New Roman" panose="02020603050405020304" pitchFamily="18" charset="0"/>
+                        </a:rPr>
+                        <a:t>Author</a:t>
+                      </a:r>
+                      <a:endParaRPr lang="en-US" sz="1800" dirty="0">
+                        <a:effectLst/>
+                        <a:latin typeface="Times New Roman" panose="02020603050405020304" pitchFamily="18" charset="0"/>
+                        <a:ea typeface="맑은 고딕" panose="020B0503020000020004" pitchFamily="50" charset="-127"/>
+                        <a:cs typeface="Times New Roman" panose="02020603050405020304" pitchFamily="18" charset="0"/>
+                      </a:endParaRPr>
+                    </a:p>
+                  </a:txBody>
+                  <a:tcPr marL="68580" marR="68580" marT="0" marB="0" anchor="ctr"/>
+                </a:tc>
+                <a:tc>
+                  <a:txBody>
+                    <a:bodyPr/>
+                    <a:lstStyle/>
+                    <a:p>
+                      <a:pPr marL="0" marR="0" algn="ctr">
+                        <a:lnSpc>
+                          <a:spcPct val="107000"/>
+                        </a:lnSpc>
+                        <a:spcBef>
+                          <a:spcPts val="0"/>
+                        </a:spcBef>
+                        <a:spcAft>
+                          <a:spcPts val="0"/>
+                        </a:spcAft>
+                      </a:pPr>
+                      <a:r>
+                        <a:rPr lang="en-US" sz="1800" dirty="0">
+                          <a:effectLst/>
+                          <a:latin typeface="Times New Roman" panose="02020603050405020304" pitchFamily="18" charset="0"/>
+                          <a:cs typeface="Times New Roman" panose="02020603050405020304" pitchFamily="18" charset="0"/>
+                        </a:rPr>
+                        <a:t>Essay topic</a:t>
+                      </a:r>
+                      <a:endParaRPr lang="en-US" sz="1800" dirty="0">
+                        <a:effectLst/>
+                        <a:latin typeface="Times New Roman" panose="02020603050405020304" pitchFamily="18" charset="0"/>
+                        <a:ea typeface="맑은 고딕" panose="020B0503020000020004" pitchFamily="50" charset="-127"/>
+                        <a:cs typeface="Times New Roman" panose="02020603050405020304" pitchFamily="18" charset="0"/>
+                      </a:endParaRPr>
+                    </a:p>
+                  </a:txBody>
+                  <a:tcPr marL="68580" marR="68580" marT="0" marB="0" anchor="ctr"/>
+                </a:tc>
+                <a:tc gridSpan="2">
+                  <a:txBody>
+                    <a:bodyPr/>
+                    <a:lstStyle/>
+                    <a:p>
+                      <a:pPr marL="0" marR="0" algn="ctr">
+                        <a:lnSpc>
+                          <a:spcPct val="107000"/>
+                        </a:lnSpc>
+                        <a:spcBef>
+                          <a:spcPts val="0"/>
+                        </a:spcBef>
+                        <a:spcAft>
+                          <a:spcPts val="0"/>
+                        </a:spcAft>
+                      </a:pPr>
+                      <a:r>
+                        <a:rPr lang="en-US" sz="1800" dirty="0">
+                          <a:effectLst/>
+                          <a:latin typeface="Times New Roman" panose="02020603050405020304" pitchFamily="18" charset="0"/>
+                          <a:cs typeface="Times New Roman" panose="02020603050405020304" pitchFamily="18" charset="0"/>
+                        </a:rPr>
+                        <a:t>Gauge dimensions</a:t>
+                      </a:r>
+                      <a:endParaRPr lang="en-US" sz="1800" dirty="0">
+                        <a:effectLst/>
+                        <a:latin typeface="Times New Roman" panose="02020603050405020304" pitchFamily="18" charset="0"/>
+                        <a:ea typeface="맑은 고딕" panose="020B0503020000020004" pitchFamily="50" charset="-127"/>
+                        <a:cs typeface="Times New Roman" panose="02020603050405020304" pitchFamily="18" charset="0"/>
+                      </a:endParaRPr>
+                    </a:p>
+                  </a:txBody>
+                  <a:tcPr marL="68580" marR="68580" marT="0" marB="0" anchor="ctr"/>
+                </a:tc>
+                <a:tc hMerge="1">
+                  <a:txBody>
+                    <a:bodyPr/>
+                    <a:lstStyle/>
+                    <a:p>
+                      <a:endParaRPr lang="en-US"/>
+                    </a:p>
+                  </a:txBody>
+                  <a:tcPr/>
+                </a:tc>
+                <a:tc>
+                  <a:txBody>
+                    <a:bodyPr/>
+                    <a:lstStyle/>
+                    <a:p>
+                      <a:pPr marL="0" marR="0" algn="ctr">
+                        <a:lnSpc>
+                          <a:spcPct val="107000"/>
+                        </a:lnSpc>
+                        <a:spcBef>
+                          <a:spcPts val="0"/>
+                        </a:spcBef>
+                        <a:spcAft>
+                          <a:spcPts val="0"/>
+                        </a:spcAft>
+                      </a:pPr>
+                      <a:r>
+                        <a:rPr lang="en-US" sz="1800" dirty="0">
+                          <a:effectLst/>
+                          <a:latin typeface="Times New Roman" panose="02020603050405020304" pitchFamily="18" charset="0"/>
+                          <a:cs typeface="Times New Roman" panose="02020603050405020304" pitchFamily="18" charset="0"/>
+                        </a:rPr>
+                        <a:t>Applicable people</a:t>
+                      </a:r>
+                      <a:endParaRPr lang="en-US" sz="1800" dirty="0">
+                        <a:effectLst/>
+                        <a:latin typeface="Times New Roman" panose="02020603050405020304" pitchFamily="18" charset="0"/>
+                        <a:ea typeface="맑은 고딕" panose="020B0503020000020004" pitchFamily="50" charset="-127"/>
+                        <a:cs typeface="Times New Roman" panose="02020603050405020304" pitchFamily="18" charset="0"/>
+                      </a:endParaRPr>
+                    </a:p>
+                  </a:txBody>
+                  <a:tcPr marL="68580" marR="68580" marT="0" marB="0" anchor="ctr"/>
+                </a:tc>
+                <a:tc>
+                  <a:txBody>
+                    <a:bodyPr/>
+                    <a:lstStyle/>
+                    <a:p>
+                      <a:pPr marL="0" marR="0" algn="ctr">
+                        <a:lnSpc>
+                          <a:spcPct val="107000"/>
+                        </a:lnSpc>
+                        <a:spcBef>
+                          <a:spcPts val="0"/>
+                        </a:spcBef>
+                        <a:spcAft>
+                          <a:spcPts val="0"/>
+                        </a:spcAft>
+                      </a:pPr>
+                      <a:r>
+                        <a:rPr lang="en-US" sz="1800" dirty="0">
+                          <a:effectLst/>
+                          <a:latin typeface="Times New Roman" panose="02020603050405020304" pitchFamily="18" charset="0"/>
+                          <a:cs typeface="Times New Roman" panose="02020603050405020304" pitchFamily="18" charset="0"/>
+                        </a:rPr>
+                        <a:t>Gauge features</a:t>
+                      </a:r>
+                      <a:endParaRPr lang="en-US" sz="1800" dirty="0">
+                        <a:effectLst/>
+                        <a:latin typeface="Times New Roman" panose="02020603050405020304" pitchFamily="18" charset="0"/>
+                        <a:ea typeface="맑은 고딕" panose="020B0503020000020004" pitchFamily="50" charset="-127"/>
+                        <a:cs typeface="Times New Roman" panose="02020603050405020304" pitchFamily="18" charset="0"/>
+                      </a:endParaRPr>
+                    </a:p>
+                  </a:txBody>
+                  <a:tcPr marL="68580" marR="68580" marT="0" marB="0" anchor="ctr"/>
+                </a:tc>
+                <a:extLst>
+                  <a:ext uri="{0D108BD9-81ED-4DB2-BD59-A6C34878D82A}">
+                    <a16:rowId xmlns:a16="http://schemas.microsoft.com/office/drawing/2014/main" val="477381270"/>
+                  </a:ext>
+                </a:extLst>
+              </a:tr>
+              <a:tr h="388038">
+                <a:tc rowSpan="7">
+                  <a:txBody>
+                    <a:bodyPr/>
+                    <a:lstStyle/>
+                    <a:p>
+                      <a:pPr marL="0" marR="0" algn="ctr">
+                        <a:lnSpc>
+                          <a:spcPct val="107000"/>
+                        </a:lnSpc>
+                        <a:spcBef>
+                          <a:spcPts val="0"/>
+                        </a:spcBef>
+                        <a:spcAft>
+                          <a:spcPts val="0"/>
+                        </a:spcAft>
+                      </a:pPr>
+                      <a:r>
+                        <a:rPr lang="en-US" sz="1800" dirty="0">
+                          <a:effectLst/>
+                          <a:latin typeface="Times New Roman" panose="02020603050405020304" pitchFamily="18" charset="0"/>
+                          <a:cs typeface="Times New Roman" panose="02020603050405020304" pitchFamily="18" charset="0"/>
+                        </a:rPr>
+                        <a:t>Alvaro &amp; Babette []</a:t>
+                      </a:r>
+                      <a:endParaRPr lang="en-US" sz="1800" dirty="0">
+                        <a:effectLst/>
+                        <a:latin typeface="Times New Roman" panose="02020603050405020304" pitchFamily="18" charset="0"/>
+                        <a:ea typeface="맑은 고딕" panose="020B0503020000020004" pitchFamily="50" charset="-127"/>
+                        <a:cs typeface="Times New Roman" panose="02020603050405020304" pitchFamily="18" charset="0"/>
+                      </a:endParaRPr>
+                    </a:p>
+                  </a:txBody>
+                  <a:tcPr marL="68580" marR="68580" marT="0" marB="0" anchor="ctr"/>
+                </a:tc>
+                <a:tc rowSpan="7">
+                  <a:txBody>
+                    <a:bodyPr/>
+                    <a:lstStyle/>
+                    <a:p>
+                      <a:pPr marL="0" marR="0" algn="ctr">
+                        <a:lnSpc>
+                          <a:spcPct val="107000"/>
+                        </a:lnSpc>
+                        <a:spcBef>
+                          <a:spcPts val="0"/>
+                        </a:spcBef>
+                        <a:spcAft>
+                          <a:spcPts val="0"/>
+                        </a:spcAft>
+                      </a:pPr>
+                      <a:r>
+                        <a:rPr lang="en-US" sz="1800" dirty="0">
+                          <a:effectLst/>
+                          <a:latin typeface="Times New Roman" panose="02020603050405020304" pitchFamily="18" charset="0"/>
+                          <a:cs typeface="Times New Roman" panose="02020603050405020304" pitchFamily="18" charset="0"/>
+                        </a:rPr>
+                        <a:t>Rubric for Assessing or Designing Digital Playful Learning Spaces(2001)</a:t>
+                      </a:r>
+                      <a:endParaRPr lang="en-US" sz="1800" dirty="0">
+                        <a:effectLst/>
+                        <a:latin typeface="Times New Roman" panose="02020603050405020304" pitchFamily="18" charset="0"/>
+                        <a:ea typeface="맑은 고딕" panose="020B0503020000020004" pitchFamily="50" charset="-127"/>
+                        <a:cs typeface="Times New Roman" panose="02020603050405020304" pitchFamily="18" charset="0"/>
+                      </a:endParaRPr>
+                    </a:p>
+                  </a:txBody>
+                  <a:tcPr marL="68580" marR="68580" marT="0" marB="0" anchor="ctr"/>
+                </a:tc>
+                <a:tc rowSpan="7">
+                  <a:txBody>
+                    <a:bodyPr/>
+                    <a:lstStyle/>
+                    <a:p>
+                      <a:pPr marL="0" marR="0" algn="ctr">
+                        <a:lnSpc>
+                          <a:spcPct val="107000"/>
+                        </a:lnSpc>
+                        <a:spcBef>
+                          <a:spcPts val="0"/>
+                        </a:spcBef>
+                        <a:spcAft>
+                          <a:spcPts val="0"/>
+                        </a:spcAft>
+                      </a:pPr>
+                      <a:r>
+                        <a:rPr lang="en-US" sz="1800" dirty="0">
+                          <a:effectLst/>
+                          <a:latin typeface="Times New Roman" panose="02020603050405020304" pitchFamily="18" charset="0"/>
+                          <a:cs typeface="Times New Roman" panose="02020603050405020304" pitchFamily="18" charset="0"/>
+                        </a:rPr>
+                        <a:t>7D</a:t>
+                      </a:r>
+                      <a:endParaRPr lang="en-US" sz="1800" dirty="0">
+                        <a:effectLst/>
+                        <a:latin typeface="Times New Roman" panose="02020603050405020304" pitchFamily="18" charset="0"/>
+                        <a:ea typeface="맑은 고딕" panose="020B0503020000020004" pitchFamily="50" charset="-127"/>
+                        <a:cs typeface="Times New Roman" panose="02020603050405020304" pitchFamily="18" charset="0"/>
+                      </a:endParaRPr>
+                    </a:p>
+                  </a:txBody>
+                  <a:tcPr marL="68580" marR="68580" marT="0" marB="0" anchor="ctr"/>
+                </a:tc>
+                <a:tc>
+                  <a:txBody>
+                    <a:bodyPr/>
+                    <a:lstStyle/>
+                    <a:p>
+                      <a:pPr marL="0" marR="0" algn="ctr">
+                        <a:lnSpc>
+                          <a:spcPct val="107000"/>
+                        </a:lnSpc>
+                        <a:spcBef>
+                          <a:spcPts val="0"/>
+                        </a:spcBef>
+                        <a:spcAft>
+                          <a:spcPts val="0"/>
+                        </a:spcAft>
+                      </a:pPr>
+                      <a:r>
+                        <a:rPr lang="en-US" sz="1800" dirty="0">
+                          <a:effectLst/>
+                          <a:latin typeface="Times New Roman" panose="02020603050405020304" pitchFamily="18" charset="0"/>
+                          <a:cs typeface="Times New Roman" panose="02020603050405020304" pitchFamily="18" charset="0"/>
+                        </a:rPr>
+                        <a:t>Fantasy space</a:t>
+                      </a:r>
+                      <a:endParaRPr lang="en-US" sz="1800" dirty="0">
+                        <a:effectLst/>
+                        <a:latin typeface="Times New Roman" panose="02020603050405020304" pitchFamily="18" charset="0"/>
+                        <a:ea typeface="맑은 고딕" panose="020B0503020000020004" pitchFamily="50" charset="-127"/>
+                        <a:cs typeface="Times New Roman" panose="02020603050405020304" pitchFamily="18" charset="0"/>
+                      </a:endParaRPr>
+                    </a:p>
+                  </a:txBody>
+                  <a:tcPr marL="68580" marR="68580" marT="0" marB="0" anchor="ctr"/>
+                </a:tc>
+                <a:tc rowSpan="7">
+                  <a:txBody>
+                    <a:bodyPr/>
+                    <a:lstStyle/>
+                    <a:p>
+                      <a:pPr marL="0" marR="0" lvl="0" indent="0" algn="ctr" defTabSz="914400" rtl="0" eaLnBrk="1" fontAlgn="auto" latinLnBrk="0" hangingPunct="1">
+                        <a:lnSpc>
+                          <a:spcPct val="107000"/>
+                        </a:lnSpc>
+                        <a:spcBef>
+                          <a:spcPts val="0"/>
+                        </a:spcBef>
+                        <a:spcAft>
+                          <a:spcPts val="0"/>
+                        </a:spcAft>
+                        <a:buClrTx/>
+                        <a:buSzTx/>
+                        <a:buFontTx/>
+                        <a:buNone/>
+                        <a:tabLst/>
+                        <a:defRPr/>
+                      </a:pPr>
+                      <a:r>
+                        <a:rPr lang="en-US" sz="1800" dirty="0">
+                          <a:effectLst/>
+                          <a:latin typeface="Times New Roman" panose="02020603050405020304" pitchFamily="18" charset="0"/>
+                          <a:cs typeface="Times New Roman" panose="02020603050405020304" pitchFamily="18" charset="0"/>
+                        </a:rPr>
+                        <a:t>Decision makers</a:t>
+                      </a:r>
+                    </a:p>
+                    <a:p>
+                      <a:pPr marL="0" marR="0" lvl="0" indent="0" algn="ctr" defTabSz="914400" rtl="0" eaLnBrk="1" fontAlgn="auto" latinLnBrk="0" hangingPunct="1">
+                        <a:lnSpc>
+                          <a:spcPct val="107000"/>
+                        </a:lnSpc>
+                        <a:spcBef>
+                          <a:spcPts val="0"/>
+                        </a:spcBef>
+                        <a:spcAft>
+                          <a:spcPts val="0"/>
+                        </a:spcAft>
+                        <a:buClrTx/>
+                        <a:buSzTx/>
+                        <a:buFontTx/>
+                        <a:buNone/>
+                        <a:tabLst/>
+                        <a:defRPr/>
+                      </a:pPr>
+                      <a:r>
+                        <a:rPr lang="en-US" sz="1800" dirty="0">
+                          <a:effectLst/>
+                          <a:latin typeface="Times New Roman" panose="02020603050405020304" pitchFamily="18" charset="0"/>
+                          <a:cs typeface="Times New Roman" panose="02020603050405020304" pitchFamily="18" charset="0"/>
+                        </a:rPr>
+                        <a:t>Parents Teachers  </a:t>
+                      </a:r>
+                    </a:p>
+                    <a:p>
+                      <a:pPr marL="0" marR="0" lvl="0" indent="0" algn="ctr" defTabSz="914400" rtl="0" eaLnBrk="1" fontAlgn="auto" latinLnBrk="0" hangingPunct="1">
+                        <a:lnSpc>
+                          <a:spcPct val="107000"/>
+                        </a:lnSpc>
+                        <a:spcBef>
+                          <a:spcPts val="0"/>
+                        </a:spcBef>
+                        <a:spcAft>
+                          <a:spcPts val="0"/>
+                        </a:spcAft>
+                        <a:buClrTx/>
+                        <a:buSzTx/>
+                        <a:buFontTx/>
+                        <a:buNone/>
+                        <a:tabLst/>
+                        <a:defRPr/>
+                      </a:pPr>
+                      <a:r>
+                        <a:rPr lang="en-US" sz="1800" dirty="0">
+                          <a:effectLst/>
+                          <a:latin typeface="Times New Roman" panose="02020603050405020304" pitchFamily="18" charset="0"/>
+                          <a:cs typeface="Times New Roman" panose="02020603050405020304" pitchFamily="18" charset="0"/>
+                        </a:rPr>
+                        <a:t>Businesses  </a:t>
+                      </a:r>
+                    </a:p>
+                    <a:p>
+                      <a:pPr marL="0" marR="0" lvl="0" indent="0" algn="ctr" defTabSz="914400" rtl="0" eaLnBrk="1" fontAlgn="auto" latinLnBrk="0" hangingPunct="1">
+                        <a:lnSpc>
+                          <a:spcPct val="107000"/>
+                        </a:lnSpc>
+                        <a:spcBef>
+                          <a:spcPts val="0"/>
+                        </a:spcBef>
+                        <a:spcAft>
+                          <a:spcPts val="0"/>
+                        </a:spcAft>
+                        <a:buClrTx/>
+                        <a:buSzTx/>
+                        <a:buFontTx/>
+                        <a:buNone/>
+                        <a:tabLst/>
+                        <a:defRPr/>
+                      </a:pPr>
+                      <a:r>
+                        <a:rPr lang="en-US" sz="1800" dirty="0">
+                          <a:effectLst/>
+                          <a:latin typeface="Times New Roman" panose="02020603050405020304" pitchFamily="18" charset="0"/>
+                          <a:cs typeface="Times New Roman" panose="02020603050405020304" pitchFamily="18" charset="0"/>
+                        </a:rPr>
+                        <a:t>Educators </a:t>
+                      </a:r>
+                    </a:p>
+                    <a:p>
+                      <a:pPr marL="0" marR="0" lvl="0" indent="0" algn="ctr" defTabSz="914400" rtl="0" eaLnBrk="1" fontAlgn="auto" latinLnBrk="0" hangingPunct="1">
+                        <a:lnSpc>
+                          <a:spcPct val="107000"/>
+                        </a:lnSpc>
+                        <a:spcBef>
+                          <a:spcPts val="0"/>
+                        </a:spcBef>
+                        <a:spcAft>
+                          <a:spcPts val="0"/>
+                        </a:spcAft>
+                        <a:buClrTx/>
+                        <a:buSzTx/>
+                        <a:buFontTx/>
+                        <a:buNone/>
+                        <a:tabLst/>
+                        <a:defRPr/>
+                      </a:pPr>
+                      <a:r>
+                        <a:rPr lang="en-US" sz="1800" dirty="0">
+                          <a:effectLst/>
+                          <a:latin typeface="Times New Roman" panose="02020603050405020304" pitchFamily="18" charset="0"/>
+                          <a:cs typeface="Times New Roman" panose="02020603050405020304" pitchFamily="18" charset="0"/>
+                        </a:rPr>
+                        <a:t>Developers</a:t>
+                      </a:r>
+                    </a:p>
+                  </a:txBody>
+                  <a:tcPr marL="68580" marR="68580" marT="0" marB="0" anchor="ctr"/>
+                </a:tc>
+                <a:tc rowSpan="7">
+                  <a:txBody>
+                    <a:bodyPr/>
+                    <a:lstStyle/>
+                    <a:p>
+                      <a:pPr marL="0" marR="0" lvl="0" indent="0" algn="ctr" defTabSz="914400" rtl="0" eaLnBrk="1" fontAlgn="auto" latinLnBrk="0" hangingPunct="1">
+                        <a:lnSpc>
+                          <a:spcPct val="107000"/>
+                        </a:lnSpc>
+                        <a:spcBef>
+                          <a:spcPts val="0"/>
+                        </a:spcBef>
+                        <a:spcAft>
+                          <a:spcPts val="0"/>
+                        </a:spcAft>
+                        <a:buClrTx/>
+                        <a:buSzTx/>
+                        <a:buFontTx/>
+                        <a:buNone/>
+                        <a:tabLst/>
+                        <a:defRPr/>
+                      </a:pPr>
+                      <a:r>
+                        <a:rPr lang="en-US" sz="1800" dirty="0">
+                          <a:effectLst/>
+                          <a:latin typeface="Times New Roman" panose="02020603050405020304" pitchFamily="18" charset="0"/>
+                          <a:cs typeface="Times New Roman" panose="02020603050405020304" pitchFamily="18" charset="0"/>
+                        </a:rPr>
+                        <a:t>Emphasis is placed on the learning needs of users and less attention is paid to gameplay and entertainment. In the form of questions, it is a qualitative assessment</a:t>
+                      </a:r>
+                    </a:p>
+                  </a:txBody>
+                  <a:tcPr marL="68580" marR="68580" marT="0" marB="0" anchor="ctr"/>
+                </a:tc>
+                <a:extLst>
+                  <a:ext uri="{0D108BD9-81ED-4DB2-BD59-A6C34878D82A}">
+                    <a16:rowId xmlns:a16="http://schemas.microsoft.com/office/drawing/2014/main" val="372984438"/>
+                  </a:ext>
+                </a:extLst>
+              </a:tr>
+              <a:tr h="388038">
+                <a:tc vMerge="1">
+                  <a:txBody>
+                    <a:bodyPr/>
+                    <a:lstStyle/>
+                    <a:p>
+                      <a:endParaRPr lang="en-US"/>
+                    </a:p>
+                  </a:txBody>
+                  <a:tcPr/>
+                </a:tc>
+                <a:tc vMerge="1">
+                  <a:txBody>
+                    <a:bodyPr/>
+                    <a:lstStyle/>
+                    <a:p>
+                      <a:endParaRPr lang="en-US"/>
+                    </a:p>
+                  </a:txBody>
+                  <a:tcPr/>
+                </a:tc>
+                <a:tc vMerge="1">
+                  <a:txBody>
+                    <a:bodyPr/>
+                    <a:lstStyle/>
+                    <a:p>
+                      <a:endParaRPr lang="en-US"/>
+                    </a:p>
+                  </a:txBody>
+                  <a:tcPr/>
+                </a:tc>
+                <a:tc>
+                  <a:txBody>
+                    <a:bodyPr/>
+                    <a:lstStyle/>
+                    <a:p>
+                      <a:pPr marL="0" marR="0" algn="ctr">
+                        <a:spcBef>
+                          <a:spcPts val="0"/>
+                        </a:spcBef>
+                        <a:spcAft>
+                          <a:spcPts val="1200"/>
+                        </a:spcAft>
+                      </a:pPr>
+                      <a:r>
+                        <a:rPr lang="en-US" sz="1800" dirty="0">
+                          <a:effectLst/>
+                          <a:latin typeface="Times New Roman" panose="02020603050405020304" pitchFamily="18" charset="0"/>
+                          <a:cs typeface="Times New Roman" panose="02020603050405020304" pitchFamily="18" charset="0"/>
+                        </a:rPr>
+                        <a:t>Feedback</a:t>
+                      </a:r>
+                      <a:endParaRPr lang="en-US" sz="1800" dirty="0">
+                        <a:effectLst/>
+                        <a:latin typeface="Times New Roman" panose="02020603050405020304" pitchFamily="18" charset="0"/>
+                        <a:ea typeface="Times New Roman" panose="02020603050405020304" pitchFamily="18" charset="0"/>
+                        <a:cs typeface="Times New Roman" panose="02020603050405020304" pitchFamily="18" charset="0"/>
+                      </a:endParaRPr>
+                    </a:p>
+                  </a:txBody>
+                  <a:tcPr marL="68580" marR="68580" marT="0" marB="0" anchor="ctr"/>
+                </a:tc>
+                <a:tc vMerge="1">
+                  <a:txBody>
+                    <a:bodyPr/>
+                    <a:lstStyle/>
+                    <a:p>
+                      <a:pPr marL="0" marR="0" algn="ctr">
+                        <a:spcBef>
+                          <a:spcPts val="0"/>
+                        </a:spcBef>
+                        <a:spcAft>
+                          <a:spcPts val="1200"/>
+                        </a:spcAft>
+                      </a:pPr>
+                      <a:endParaRPr lang="en-US" sz="1200" dirty="0">
+                        <a:effectLst/>
+                        <a:latin typeface="Times New Roman" panose="02020603050405020304" pitchFamily="18" charset="0"/>
+                        <a:ea typeface="Times New Roman" panose="02020603050405020304" pitchFamily="18" charset="0"/>
+                        <a:cs typeface="Times New Roman" panose="02020603050405020304" pitchFamily="18" charset="0"/>
+                      </a:endParaRPr>
+                    </a:p>
+                  </a:txBody>
+                  <a:tcPr marL="68580" marR="68580" marT="0" marB="0"/>
+                </a:tc>
+                <a:tc vMerge="1">
+                  <a:txBody>
+                    <a:bodyPr/>
+                    <a:lstStyle/>
+                    <a:p>
+                      <a:pPr marL="0" marR="0" algn="ctr">
+                        <a:spcBef>
+                          <a:spcPts val="0"/>
+                        </a:spcBef>
+                        <a:spcAft>
+                          <a:spcPts val="1200"/>
+                        </a:spcAft>
+                      </a:pPr>
+                      <a:endParaRPr lang="en-US" sz="1200" dirty="0">
+                        <a:effectLst/>
+                        <a:latin typeface="Times New Roman" panose="02020603050405020304" pitchFamily="18" charset="0"/>
+                        <a:ea typeface="Times New Roman" panose="02020603050405020304" pitchFamily="18" charset="0"/>
+                        <a:cs typeface="Times New Roman" panose="02020603050405020304" pitchFamily="18" charset="0"/>
+                      </a:endParaRPr>
+                    </a:p>
+                  </a:txBody>
+                  <a:tcPr marL="68580" marR="68580" marT="0" marB="0"/>
+                </a:tc>
+                <a:extLst>
+                  <a:ext uri="{0D108BD9-81ED-4DB2-BD59-A6C34878D82A}">
+                    <a16:rowId xmlns:a16="http://schemas.microsoft.com/office/drawing/2014/main" val="152148575"/>
+                  </a:ext>
+                </a:extLst>
+              </a:tr>
+              <a:tr h="388038">
+                <a:tc vMerge="1">
+                  <a:txBody>
+                    <a:bodyPr/>
+                    <a:lstStyle/>
+                    <a:p>
+                      <a:endParaRPr lang="en-US"/>
+                    </a:p>
+                  </a:txBody>
+                  <a:tcPr/>
+                </a:tc>
+                <a:tc vMerge="1">
+                  <a:txBody>
+                    <a:bodyPr/>
+                    <a:lstStyle/>
+                    <a:p>
+                      <a:endParaRPr lang="en-US"/>
+                    </a:p>
+                  </a:txBody>
+                  <a:tcPr/>
+                </a:tc>
+                <a:tc vMerge="1">
+                  <a:txBody>
+                    <a:bodyPr/>
+                    <a:lstStyle/>
+                    <a:p>
+                      <a:endParaRPr lang="en-US"/>
+                    </a:p>
+                  </a:txBody>
+                  <a:tcPr/>
+                </a:tc>
+                <a:tc>
+                  <a:txBody>
+                    <a:bodyPr/>
+                    <a:lstStyle/>
+                    <a:p>
+                      <a:pPr marL="0" marR="0" algn="ctr">
+                        <a:spcBef>
+                          <a:spcPts val="0"/>
+                        </a:spcBef>
+                        <a:spcAft>
+                          <a:spcPts val="1200"/>
+                        </a:spcAft>
+                      </a:pPr>
+                      <a:r>
+                        <a:rPr lang="en-US" sz="1800" dirty="0">
+                          <a:effectLst/>
+                          <a:latin typeface="Times New Roman" panose="02020603050405020304" pitchFamily="18" charset="0"/>
+                          <a:cs typeface="Times New Roman" panose="02020603050405020304" pitchFamily="18" charset="0"/>
+                        </a:rPr>
+                        <a:t>Sense of control</a:t>
+                      </a:r>
+                      <a:endParaRPr lang="en-US" sz="1800" dirty="0">
+                        <a:effectLst/>
+                        <a:latin typeface="Times New Roman" panose="02020603050405020304" pitchFamily="18" charset="0"/>
+                        <a:ea typeface="Times New Roman" panose="02020603050405020304" pitchFamily="18" charset="0"/>
+                        <a:cs typeface="Times New Roman" panose="02020603050405020304" pitchFamily="18" charset="0"/>
+                      </a:endParaRPr>
+                    </a:p>
+                  </a:txBody>
+                  <a:tcPr marL="68580" marR="68580" marT="0" marB="0" anchor="ctr"/>
+                </a:tc>
+                <a:tc vMerge="1">
+                  <a:txBody>
+                    <a:bodyPr/>
+                    <a:lstStyle/>
+                    <a:p>
+                      <a:pPr marL="0" marR="0" algn="ctr">
+                        <a:spcBef>
+                          <a:spcPts val="0"/>
+                        </a:spcBef>
+                        <a:spcAft>
+                          <a:spcPts val="1200"/>
+                        </a:spcAft>
+                      </a:pPr>
+                      <a:endParaRPr lang="en-US" sz="1200" dirty="0">
+                        <a:effectLst/>
+                        <a:latin typeface="Times New Roman" panose="02020603050405020304" pitchFamily="18" charset="0"/>
+                        <a:ea typeface="Times New Roman" panose="02020603050405020304" pitchFamily="18" charset="0"/>
+                        <a:cs typeface="Times New Roman" panose="02020603050405020304" pitchFamily="18" charset="0"/>
+                      </a:endParaRPr>
+                    </a:p>
+                  </a:txBody>
+                  <a:tcPr marL="68580" marR="68580" marT="0" marB="0"/>
+                </a:tc>
+                <a:tc vMerge="1">
+                  <a:txBody>
+                    <a:bodyPr/>
+                    <a:lstStyle/>
+                    <a:p>
+                      <a:pPr marL="0" marR="0" algn="ctr">
+                        <a:spcBef>
+                          <a:spcPts val="0"/>
+                        </a:spcBef>
+                        <a:spcAft>
+                          <a:spcPts val="1200"/>
+                        </a:spcAft>
+                      </a:pPr>
+                      <a:endParaRPr lang="en-US" sz="1200" dirty="0">
+                        <a:effectLst/>
+                        <a:latin typeface="Times New Roman" panose="02020603050405020304" pitchFamily="18" charset="0"/>
+                        <a:ea typeface="Times New Roman" panose="02020603050405020304" pitchFamily="18" charset="0"/>
+                        <a:cs typeface="Times New Roman" panose="02020603050405020304" pitchFamily="18" charset="0"/>
+                      </a:endParaRPr>
+                    </a:p>
+                  </a:txBody>
+                  <a:tcPr marL="68580" marR="68580" marT="0" marB="0"/>
+                </a:tc>
+                <a:extLst>
+                  <a:ext uri="{0D108BD9-81ED-4DB2-BD59-A6C34878D82A}">
+                    <a16:rowId xmlns:a16="http://schemas.microsoft.com/office/drawing/2014/main" val="4197519745"/>
+                  </a:ext>
+                </a:extLst>
+              </a:tr>
+              <a:tr h="388038">
+                <a:tc vMerge="1">
+                  <a:txBody>
+                    <a:bodyPr/>
+                    <a:lstStyle/>
+                    <a:p>
+                      <a:endParaRPr lang="en-US"/>
+                    </a:p>
+                  </a:txBody>
+                  <a:tcPr/>
+                </a:tc>
+                <a:tc vMerge="1">
+                  <a:txBody>
+                    <a:bodyPr/>
+                    <a:lstStyle/>
+                    <a:p>
+                      <a:endParaRPr lang="en-US"/>
+                    </a:p>
+                  </a:txBody>
+                  <a:tcPr/>
+                </a:tc>
+                <a:tc vMerge="1">
+                  <a:txBody>
+                    <a:bodyPr/>
+                    <a:lstStyle/>
+                    <a:p>
+                      <a:endParaRPr lang="en-US"/>
+                    </a:p>
+                  </a:txBody>
+                  <a:tcPr/>
+                </a:tc>
+                <a:tc>
+                  <a:txBody>
+                    <a:bodyPr/>
+                    <a:lstStyle/>
+                    <a:p>
+                      <a:pPr marL="0" marR="0" algn="ctr">
+                        <a:spcBef>
+                          <a:spcPts val="0"/>
+                        </a:spcBef>
+                        <a:spcAft>
+                          <a:spcPts val="1200"/>
+                        </a:spcAft>
+                      </a:pPr>
+                      <a:r>
+                        <a:rPr lang="en-US" sz="1800" dirty="0">
+                          <a:effectLst/>
+                          <a:latin typeface="Times New Roman" panose="02020603050405020304" pitchFamily="18" charset="0"/>
+                          <a:cs typeface="Times New Roman" panose="02020603050405020304" pitchFamily="18" charset="0"/>
+                        </a:rPr>
+                        <a:t>Gamification learning curve</a:t>
+                      </a:r>
+                      <a:endParaRPr lang="en-US" sz="1800" dirty="0">
+                        <a:effectLst/>
+                        <a:latin typeface="Times New Roman" panose="02020603050405020304" pitchFamily="18" charset="0"/>
+                        <a:ea typeface="Times New Roman" panose="02020603050405020304" pitchFamily="18" charset="0"/>
+                        <a:cs typeface="Times New Roman" panose="02020603050405020304" pitchFamily="18" charset="0"/>
+                      </a:endParaRPr>
+                    </a:p>
+                  </a:txBody>
+                  <a:tcPr marL="68580" marR="68580" marT="0" marB="0" anchor="ctr"/>
+                </a:tc>
+                <a:tc vMerge="1">
+                  <a:txBody>
+                    <a:bodyPr/>
+                    <a:lstStyle/>
+                    <a:p>
+                      <a:pPr marL="0" marR="0" algn="ctr">
+                        <a:spcBef>
+                          <a:spcPts val="0"/>
+                        </a:spcBef>
+                        <a:spcAft>
+                          <a:spcPts val="1200"/>
+                        </a:spcAft>
+                      </a:pPr>
+                      <a:endParaRPr lang="en-US" sz="1200" dirty="0">
+                        <a:effectLst/>
+                        <a:latin typeface="Times New Roman" panose="02020603050405020304" pitchFamily="18" charset="0"/>
+                        <a:ea typeface="Times New Roman" panose="02020603050405020304" pitchFamily="18" charset="0"/>
+                        <a:cs typeface="Times New Roman" panose="02020603050405020304" pitchFamily="18" charset="0"/>
+                      </a:endParaRPr>
+                    </a:p>
+                  </a:txBody>
+                  <a:tcPr marL="68580" marR="68580" marT="0" marB="0"/>
+                </a:tc>
+                <a:tc vMerge="1">
+                  <a:txBody>
+                    <a:bodyPr/>
+                    <a:lstStyle/>
+                    <a:p>
+                      <a:pPr marL="0" marR="0" algn="ctr">
+                        <a:spcBef>
+                          <a:spcPts val="0"/>
+                        </a:spcBef>
+                        <a:spcAft>
+                          <a:spcPts val="1200"/>
+                        </a:spcAft>
+                      </a:pPr>
+                      <a:endParaRPr lang="en-US" sz="1200" dirty="0">
+                        <a:effectLst/>
+                        <a:latin typeface="Times New Roman" panose="02020603050405020304" pitchFamily="18" charset="0"/>
+                        <a:ea typeface="Times New Roman" panose="02020603050405020304" pitchFamily="18" charset="0"/>
+                        <a:cs typeface="Times New Roman" panose="02020603050405020304" pitchFamily="18" charset="0"/>
+                      </a:endParaRPr>
+                    </a:p>
+                  </a:txBody>
+                  <a:tcPr marL="68580" marR="68580" marT="0" marB="0"/>
+                </a:tc>
+                <a:extLst>
+                  <a:ext uri="{0D108BD9-81ED-4DB2-BD59-A6C34878D82A}">
+                    <a16:rowId xmlns:a16="http://schemas.microsoft.com/office/drawing/2014/main" val="3515630180"/>
+                  </a:ext>
+                </a:extLst>
+              </a:tr>
+              <a:tr h="388038">
+                <a:tc vMerge="1">
+                  <a:txBody>
+                    <a:bodyPr/>
+                    <a:lstStyle/>
+                    <a:p>
+                      <a:endParaRPr lang="en-US"/>
+                    </a:p>
+                  </a:txBody>
+                  <a:tcPr/>
+                </a:tc>
+                <a:tc vMerge="1">
+                  <a:txBody>
+                    <a:bodyPr/>
+                    <a:lstStyle/>
+                    <a:p>
+                      <a:endParaRPr lang="en-US"/>
+                    </a:p>
+                  </a:txBody>
+                  <a:tcPr/>
+                </a:tc>
+                <a:tc vMerge="1">
+                  <a:txBody>
+                    <a:bodyPr/>
+                    <a:lstStyle/>
+                    <a:p>
+                      <a:endParaRPr lang="en-US"/>
+                    </a:p>
+                  </a:txBody>
+                  <a:tcPr/>
+                </a:tc>
+                <a:tc>
+                  <a:txBody>
+                    <a:bodyPr/>
+                    <a:lstStyle/>
+                    <a:p>
+                      <a:pPr marL="0" marR="0" algn="ctr">
+                        <a:spcBef>
+                          <a:spcPts val="0"/>
+                        </a:spcBef>
+                        <a:spcAft>
+                          <a:spcPts val="1200"/>
+                        </a:spcAft>
+                      </a:pPr>
+                      <a:r>
+                        <a:rPr lang="en-US" sz="1800" dirty="0">
+                          <a:effectLst/>
+                          <a:latin typeface="Times New Roman" panose="02020603050405020304" pitchFamily="18" charset="0"/>
+                          <a:cs typeface="Times New Roman" panose="02020603050405020304" pitchFamily="18" charset="0"/>
+                        </a:rPr>
+                        <a:t>Special needs adaptability</a:t>
+                      </a:r>
+                      <a:endParaRPr lang="en-US" sz="1800" dirty="0">
+                        <a:effectLst/>
+                        <a:latin typeface="Times New Roman" panose="02020603050405020304" pitchFamily="18" charset="0"/>
+                        <a:ea typeface="Times New Roman" panose="02020603050405020304" pitchFamily="18" charset="0"/>
+                        <a:cs typeface="Times New Roman" panose="02020603050405020304" pitchFamily="18" charset="0"/>
+                      </a:endParaRPr>
+                    </a:p>
+                  </a:txBody>
+                  <a:tcPr marL="68580" marR="68580" marT="0" marB="0" anchor="ctr"/>
+                </a:tc>
+                <a:tc vMerge="1">
+                  <a:txBody>
+                    <a:bodyPr/>
+                    <a:lstStyle/>
+                    <a:p>
+                      <a:pPr marL="0" marR="0" algn="ctr">
+                        <a:spcBef>
+                          <a:spcPts val="0"/>
+                        </a:spcBef>
+                        <a:spcAft>
+                          <a:spcPts val="1200"/>
+                        </a:spcAft>
+                      </a:pPr>
+                      <a:endParaRPr lang="en-US" sz="1200" dirty="0">
+                        <a:effectLst/>
+                        <a:latin typeface="Times New Roman" panose="02020603050405020304" pitchFamily="18" charset="0"/>
+                        <a:ea typeface="Times New Roman" panose="02020603050405020304" pitchFamily="18" charset="0"/>
+                        <a:cs typeface="Times New Roman" panose="02020603050405020304" pitchFamily="18" charset="0"/>
+                      </a:endParaRPr>
+                    </a:p>
+                  </a:txBody>
+                  <a:tcPr marL="68580" marR="68580" marT="0" marB="0"/>
+                </a:tc>
+                <a:tc vMerge="1">
+                  <a:txBody>
+                    <a:bodyPr/>
+                    <a:lstStyle/>
+                    <a:p>
+                      <a:pPr marL="0" marR="0" algn="ctr">
+                        <a:spcBef>
+                          <a:spcPts val="0"/>
+                        </a:spcBef>
+                        <a:spcAft>
+                          <a:spcPts val="1200"/>
+                        </a:spcAft>
+                      </a:pPr>
+                      <a:endParaRPr lang="en-US" sz="1200" dirty="0">
+                        <a:effectLst/>
+                        <a:latin typeface="Times New Roman" panose="02020603050405020304" pitchFamily="18" charset="0"/>
+                        <a:ea typeface="Times New Roman" panose="02020603050405020304" pitchFamily="18" charset="0"/>
+                        <a:cs typeface="Times New Roman" panose="02020603050405020304" pitchFamily="18" charset="0"/>
+                      </a:endParaRPr>
+                    </a:p>
+                  </a:txBody>
+                  <a:tcPr marL="68580" marR="68580" marT="0" marB="0"/>
+                </a:tc>
+                <a:extLst>
+                  <a:ext uri="{0D108BD9-81ED-4DB2-BD59-A6C34878D82A}">
+                    <a16:rowId xmlns:a16="http://schemas.microsoft.com/office/drawing/2014/main" val="3188764998"/>
+                  </a:ext>
+                </a:extLst>
+              </a:tr>
+              <a:tr h="388038">
+                <a:tc vMerge="1">
+                  <a:txBody>
+                    <a:bodyPr/>
+                    <a:lstStyle/>
+                    <a:p>
+                      <a:endParaRPr lang="en-US"/>
+                    </a:p>
+                  </a:txBody>
+                  <a:tcPr/>
+                </a:tc>
+                <a:tc vMerge="1">
+                  <a:txBody>
+                    <a:bodyPr/>
+                    <a:lstStyle/>
+                    <a:p>
+                      <a:endParaRPr lang="en-US"/>
+                    </a:p>
+                  </a:txBody>
+                  <a:tcPr/>
+                </a:tc>
+                <a:tc vMerge="1">
+                  <a:txBody>
+                    <a:bodyPr/>
+                    <a:lstStyle/>
+                    <a:p>
+                      <a:endParaRPr lang="en-US"/>
+                    </a:p>
+                  </a:txBody>
+                  <a:tcPr/>
+                </a:tc>
+                <a:tc>
+                  <a:txBody>
+                    <a:bodyPr/>
+                    <a:lstStyle/>
+                    <a:p>
+                      <a:pPr marL="0" marR="0" algn="ctr">
+                        <a:spcBef>
+                          <a:spcPts val="0"/>
+                        </a:spcBef>
+                        <a:spcAft>
+                          <a:spcPts val="1200"/>
+                        </a:spcAft>
+                      </a:pPr>
+                      <a:r>
+                        <a:rPr lang="en-US" sz="1800" dirty="0">
+                          <a:effectLst/>
+                          <a:latin typeface="Times New Roman" panose="02020603050405020304" pitchFamily="18" charset="0"/>
+                          <a:cs typeface="Times New Roman" panose="02020603050405020304" pitchFamily="18" charset="0"/>
+                        </a:rPr>
+                        <a:t>Learning opportunities</a:t>
+                      </a:r>
+                      <a:endParaRPr lang="en-US" sz="1800" dirty="0">
+                        <a:effectLst/>
+                        <a:latin typeface="Times New Roman" panose="02020603050405020304" pitchFamily="18" charset="0"/>
+                        <a:ea typeface="Times New Roman" panose="02020603050405020304" pitchFamily="18" charset="0"/>
+                        <a:cs typeface="Times New Roman" panose="02020603050405020304" pitchFamily="18" charset="0"/>
+                      </a:endParaRPr>
+                    </a:p>
+                  </a:txBody>
+                  <a:tcPr marL="68580" marR="68580" marT="0" marB="0" anchor="ctr"/>
+                </a:tc>
+                <a:tc vMerge="1">
+                  <a:txBody>
+                    <a:bodyPr/>
+                    <a:lstStyle/>
+                    <a:p>
+                      <a:pPr marL="0" marR="0" algn="ctr">
+                        <a:spcBef>
+                          <a:spcPts val="0"/>
+                        </a:spcBef>
+                        <a:spcAft>
+                          <a:spcPts val="1200"/>
+                        </a:spcAft>
+                      </a:pPr>
+                      <a:endParaRPr lang="en-US" sz="1200" dirty="0">
+                        <a:effectLst/>
+                        <a:latin typeface="Times New Roman" panose="02020603050405020304" pitchFamily="18" charset="0"/>
+                        <a:ea typeface="Times New Roman" panose="02020603050405020304" pitchFamily="18" charset="0"/>
+                        <a:cs typeface="Times New Roman" panose="02020603050405020304" pitchFamily="18" charset="0"/>
+                      </a:endParaRPr>
+                    </a:p>
+                  </a:txBody>
+                  <a:tcPr marL="68580" marR="68580" marT="0" marB="0"/>
+                </a:tc>
+                <a:tc vMerge="1">
+                  <a:txBody>
+                    <a:bodyPr/>
+                    <a:lstStyle/>
+                    <a:p>
+                      <a:pPr marL="0" marR="0" algn="ctr">
+                        <a:spcBef>
+                          <a:spcPts val="0"/>
+                        </a:spcBef>
+                        <a:spcAft>
+                          <a:spcPts val="1200"/>
+                        </a:spcAft>
+                      </a:pPr>
+                      <a:endParaRPr lang="en-US" sz="1200" dirty="0">
+                        <a:effectLst/>
+                        <a:latin typeface="Times New Roman" panose="02020603050405020304" pitchFamily="18" charset="0"/>
+                        <a:ea typeface="Times New Roman" panose="02020603050405020304" pitchFamily="18" charset="0"/>
+                        <a:cs typeface="Times New Roman" panose="02020603050405020304" pitchFamily="18" charset="0"/>
+                      </a:endParaRPr>
+                    </a:p>
+                  </a:txBody>
+                  <a:tcPr marL="68580" marR="68580" marT="0" marB="0"/>
+                </a:tc>
+                <a:extLst>
+                  <a:ext uri="{0D108BD9-81ED-4DB2-BD59-A6C34878D82A}">
+                    <a16:rowId xmlns:a16="http://schemas.microsoft.com/office/drawing/2014/main" val="1267695427"/>
+                  </a:ext>
+                </a:extLst>
+              </a:tr>
+              <a:tr h="388038">
+                <a:tc vMerge="1">
+                  <a:txBody>
+                    <a:bodyPr/>
+                    <a:lstStyle/>
+                    <a:p>
+                      <a:endParaRPr lang="en-US"/>
+                    </a:p>
+                  </a:txBody>
+                  <a:tcPr/>
+                </a:tc>
+                <a:tc vMerge="1">
+                  <a:txBody>
+                    <a:bodyPr/>
+                    <a:lstStyle/>
+                    <a:p>
+                      <a:endParaRPr lang="en-US"/>
+                    </a:p>
+                  </a:txBody>
+                  <a:tcPr/>
+                </a:tc>
+                <a:tc vMerge="1">
+                  <a:txBody>
+                    <a:bodyPr/>
+                    <a:lstStyle/>
+                    <a:p>
+                      <a:endParaRPr lang="en-US"/>
+                    </a:p>
+                  </a:txBody>
+                  <a:tcPr/>
+                </a:tc>
+                <a:tc>
+                  <a:txBody>
+                    <a:bodyPr/>
+                    <a:lstStyle/>
+                    <a:p>
+                      <a:pPr marL="0" marR="0" algn="ctr">
+                        <a:spcBef>
+                          <a:spcPts val="0"/>
+                        </a:spcBef>
+                        <a:spcAft>
+                          <a:spcPts val="1200"/>
+                        </a:spcAft>
+                      </a:pPr>
+                      <a:r>
+                        <a:rPr lang="en-US" sz="1800" dirty="0">
+                          <a:effectLst/>
+                          <a:latin typeface="Times New Roman" panose="02020603050405020304" pitchFamily="18" charset="0"/>
+                          <a:cs typeface="Times New Roman" panose="02020603050405020304" pitchFamily="18" charset="0"/>
+                        </a:rPr>
+                        <a:t>Various educational opportunities</a:t>
+                      </a:r>
+                      <a:endParaRPr lang="en-US" sz="1800" dirty="0">
+                        <a:effectLst/>
+                        <a:latin typeface="Times New Roman" panose="02020603050405020304" pitchFamily="18" charset="0"/>
+                        <a:ea typeface="Times New Roman" panose="02020603050405020304" pitchFamily="18" charset="0"/>
+                        <a:cs typeface="Times New Roman" panose="02020603050405020304" pitchFamily="18" charset="0"/>
+                      </a:endParaRPr>
+                    </a:p>
+                  </a:txBody>
+                  <a:tcPr marL="68580" marR="68580" marT="0" marB="0" anchor="ctr"/>
+                </a:tc>
+                <a:tc vMerge="1">
+                  <a:txBody>
+                    <a:bodyPr/>
+                    <a:lstStyle/>
+                    <a:p>
+                      <a:pPr marL="0" marR="0" algn="ctr">
+                        <a:spcBef>
+                          <a:spcPts val="0"/>
+                        </a:spcBef>
+                        <a:spcAft>
+                          <a:spcPts val="1200"/>
+                        </a:spcAft>
+                      </a:pPr>
+                      <a:endParaRPr lang="en-US" sz="1200" dirty="0">
+                        <a:effectLst/>
+                        <a:latin typeface="Times New Roman" panose="02020603050405020304" pitchFamily="18" charset="0"/>
+                        <a:ea typeface="Times New Roman" panose="02020603050405020304" pitchFamily="18" charset="0"/>
+                        <a:cs typeface="Times New Roman" panose="02020603050405020304" pitchFamily="18" charset="0"/>
+                      </a:endParaRPr>
+                    </a:p>
+                  </a:txBody>
+                  <a:tcPr marL="68580" marR="68580" marT="0" marB="0"/>
+                </a:tc>
+                <a:tc vMerge="1">
+                  <a:txBody>
+                    <a:bodyPr/>
+                    <a:lstStyle/>
+                    <a:p>
+                      <a:pPr marL="0" marR="0" algn="ctr">
+                        <a:spcBef>
+                          <a:spcPts val="0"/>
+                        </a:spcBef>
+                        <a:spcAft>
+                          <a:spcPts val="1200"/>
+                        </a:spcAft>
+                      </a:pPr>
+                      <a:endParaRPr lang="en-US" sz="1200" dirty="0">
+                        <a:effectLst/>
+                        <a:latin typeface="Times New Roman" panose="02020603050405020304" pitchFamily="18" charset="0"/>
+                        <a:ea typeface="Times New Roman" panose="02020603050405020304" pitchFamily="18" charset="0"/>
+                        <a:cs typeface="Times New Roman" panose="02020603050405020304" pitchFamily="18" charset="0"/>
+                      </a:endParaRPr>
+                    </a:p>
+                  </a:txBody>
+                  <a:tcPr marL="68580" marR="68580" marT="0" marB="0"/>
+                </a:tc>
+                <a:extLst>
+                  <a:ext uri="{0D108BD9-81ED-4DB2-BD59-A6C34878D82A}">
+                    <a16:rowId xmlns:a16="http://schemas.microsoft.com/office/drawing/2014/main" val="1515937901"/>
+                  </a:ext>
+                </a:extLst>
+              </a:tr>
+              <a:tr h="388038">
+                <a:tc rowSpan="6">
+                  <a:txBody>
+                    <a:bodyPr/>
+                    <a:lstStyle/>
+                    <a:p>
+                      <a:pPr marL="0" marR="0" lvl="0" indent="0" algn="ctr" defTabSz="914400" rtl="0" eaLnBrk="1" fontAlgn="auto" latinLnBrk="0" hangingPunct="1">
+                        <a:lnSpc>
+                          <a:spcPct val="107000"/>
+                        </a:lnSpc>
+                        <a:spcBef>
+                          <a:spcPts val="0"/>
+                        </a:spcBef>
+                        <a:spcAft>
+                          <a:spcPts val="0"/>
+                        </a:spcAft>
+                        <a:buClrTx/>
+                        <a:buSzTx/>
+                        <a:buFontTx/>
+                        <a:buNone/>
+                        <a:tabLst/>
+                        <a:defRPr/>
+                      </a:pPr>
+                      <a:r>
+                        <a:rPr lang="en-US" sz="1800" kern="1200" dirty="0">
+                          <a:solidFill>
+                            <a:schemeClr val="tx1"/>
+                          </a:solidFill>
+                          <a:effectLst/>
+                          <a:latin typeface="Times New Roman" panose="02020603050405020304" pitchFamily="18" charset="0"/>
+                          <a:ea typeface="+mn-ea"/>
+                          <a:cs typeface="Times New Roman" panose="02020603050405020304" pitchFamily="18" charset="0"/>
+                        </a:rPr>
+                        <a:t>British Teacher Evaluation Education Media Organization []</a:t>
+                      </a:r>
+                    </a:p>
+                  </a:txBody>
+                  <a:tcPr marL="68580" marR="68580" marT="0" marB="0" anchor="ctr"/>
+                </a:tc>
+                <a:tc rowSpan="6">
+                  <a:txBody>
+                    <a:bodyPr/>
+                    <a:lstStyle/>
+                    <a:p>
+                      <a:pPr marL="0" marR="0" lvl="0" indent="0" algn="ctr" defTabSz="914400" rtl="0" eaLnBrk="1" fontAlgn="auto" latinLnBrk="0" hangingPunct="1">
+                        <a:lnSpc>
+                          <a:spcPct val="107000"/>
+                        </a:lnSpc>
+                        <a:spcBef>
+                          <a:spcPts val="0"/>
+                        </a:spcBef>
+                        <a:spcAft>
+                          <a:spcPts val="0"/>
+                        </a:spcAft>
+                        <a:buClrTx/>
+                        <a:buSzTx/>
+                        <a:buFontTx/>
+                        <a:buNone/>
+                        <a:tabLst/>
+                        <a:defRPr/>
+                      </a:pPr>
+                      <a:r>
+                        <a:rPr lang="en-US" sz="1800" kern="1200" dirty="0">
+                          <a:solidFill>
+                            <a:schemeClr val="tx1"/>
+                          </a:solidFill>
+                          <a:effectLst/>
+                          <a:latin typeface="Times New Roman" panose="02020603050405020304" pitchFamily="18" charset="0"/>
+                          <a:ea typeface="+mn-ea"/>
+                          <a:cs typeface="Times New Roman" panose="02020603050405020304" pitchFamily="18" charset="0"/>
+                        </a:rPr>
+                        <a:t>TEEM Teacher Evaluation Framework (2002)</a:t>
+                      </a:r>
+                    </a:p>
+                  </a:txBody>
+                  <a:tcPr marL="68580" marR="68580" marT="0" marB="0" anchor="ctr"/>
+                </a:tc>
+                <a:tc rowSpan="6">
+                  <a:txBody>
+                    <a:bodyPr/>
+                    <a:lstStyle/>
+                    <a:p>
+                      <a:pPr marL="0" marR="0" lvl="0" indent="0" algn="ctr" defTabSz="914400" rtl="0" eaLnBrk="1" fontAlgn="auto" latinLnBrk="0" hangingPunct="1">
+                        <a:lnSpc>
+                          <a:spcPct val="107000"/>
+                        </a:lnSpc>
+                        <a:spcBef>
+                          <a:spcPts val="0"/>
+                        </a:spcBef>
+                        <a:spcAft>
+                          <a:spcPts val="0"/>
+                        </a:spcAft>
+                        <a:buClrTx/>
+                        <a:buSzTx/>
+                        <a:buFontTx/>
+                        <a:buNone/>
+                        <a:tabLst/>
+                        <a:defRPr/>
+                      </a:pPr>
+                      <a:r>
+                        <a:rPr lang="en-US" sz="1800" kern="1200" dirty="0">
+                          <a:solidFill>
+                            <a:schemeClr val="tx1"/>
+                          </a:solidFill>
+                          <a:effectLst/>
+                          <a:latin typeface="Times New Roman" panose="02020603050405020304" pitchFamily="18" charset="0"/>
+                          <a:ea typeface="+mn-ea"/>
+                          <a:cs typeface="Times New Roman" panose="02020603050405020304" pitchFamily="18" charset="0"/>
+                        </a:rPr>
+                        <a:t>6D</a:t>
+                      </a:r>
+                    </a:p>
+                  </a:txBody>
+                  <a:tcPr marL="68580" marR="68580" marT="0" marB="0" anchor="ctr"/>
+                </a:tc>
+                <a:tc>
+                  <a:txBody>
+                    <a:bodyPr/>
+                    <a:lstStyle/>
+                    <a:p>
+                      <a:pPr marL="0" marR="0" lvl="0" indent="0" algn="ctr" defTabSz="914400" rtl="0" eaLnBrk="1" fontAlgn="auto" latinLnBrk="0" hangingPunct="1">
+                        <a:lnSpc>
+                          <a:spcPct val="107000"/>
+                        </a:lnSpc>
+                        <a:spcBef>
+                          <a:spcPts val="0"/>
+                        </a:spcBef>
+                        <a:spcAft>
+                          <a:spcPts val="0"/>
+                        </a:spcAft>
+                        <a:buClrTx/>
+                        <a:buSzTx/>
+                        <a:buFontTx/>
+                        <a:buNone/>
+                        <a:tabLst/>
+                        <a:defRPr/>
+                      </a:pPr>
+                      <a:r>
+                        <a:rPr lang="en-US" sz="1800" kern="1200" dirty="0">
+                          <a:solidFill>
+                            <a:schemeClr val="tx1"/>
+                          </a:solidFill>
+                          <a:effectLst/>
+                          <a:latin typeface="Times New Roman" panose="02020603050405020304" pitchFamily="18" charset="0"/>
+                          <a:ea typeface="+mn-ea"/>
+                          <a:cs typeface="Times New Roman" panose="02020603050405020304" pitchFamily="18" charset="0"/>
+                        </a:rPr>
+                        <a:t>Use profile</a:t>
+                      </a:r>
+                    </a:p>
+                  </a:txBody>
+                  <a:tcPr marL="68580" marR="68580" marT="0" marB="0" anchor="ctr"/>
+                </a:tc>
+                <a:tc rowSpan="6">
+                  <a:txBody>
+                    <a:bodyPr/>
+                    <a:lstStyle/>
+                    <a:p>
+                      <a:pPr marL="0" marR="0" lvl="0" indent="0" algn="ctr" defTabSz="914400" rtl="0" eaLnBrk="1" fontAlgn="auto" latinLnBrk="0" hangingPunct="1">
+                        <a:lnSpc>
+                          <a:spcPct val="107000"/>
+                        </a:lnSpc>
+                        <a:spcBef>
+                          <a:spcPts val="0"/>
+                        </a:spcBef>
+                        <a:spcAft>
+                          <a:spcPts val="0"/>
+                        </a:spcAft>
+                        <a:buClrTx/>
+                        <a:buSzTx/>
+                        <a:buFontTx/>
+                        <a:buNone/>
+                        <a:tabLst/>
+                        <a:defRPr/>
+                      </a:pPr>
+                      <a:r>
+                        <a:rPr lang="en-US" sz="1800" kern="1200" dirty="0">
+                          <a:solidFill>
+                            <a:schemeClr val="tx1"/>
+                          </a:solidFill>
+                          <a:effectLst/>
+                          <a:latin typeface="Times New Roman" panose="02020603050405020304" pitchFamily="18" charset="0"/>
+                          <a:ea typeface="+mn-ea"/>
+                          <a:cs typeface="Times New Roman" panose="02020603050405020304" pitchFamily="18" charset="0"/>
+                        </a:rPr>
+                        <a:t>Teachers </a:t>
+                      </a:r>
+                    </a:p>
+                  </a:txBody>
+                  <a:tcPr marL="68580" marR="68580" marT="0" marB="0" anchor="ctr"/>
+                </a:tc>
+                <a:tc rowSpan="6">
+                  <a:txBody>
+                    <a:bodyPr/>
+                    <a:lstStyle/>
+                    <a:p>
+                      <a:pPr marL="0" marR="0" lvl="0" indent="0" algn="ctr" defTabSz="914400" rtl="0" eaLnBrk="1" fontAlgn="auto" latinLnBrk="0" hangingPunct="1">
+                        <a:lnSpc>
+                          <a:spcPct val="107000"/>
+                        </a:lnSpc>
+                        <a:spcBef>
+                          <a:spcPts val="0"/>
+                        </a:spcBef>
+                        <a:spcAft>
+                          <a:spcPts val="0"/>
+                        </a:spcAft>
+                        <a:buClrTx/>
+                        <a:buSzTx/>
+                        <a:buFontTx/>
+                        <a:buNone/>
+                        <a:tabLst/>
+                        <a:defRPr/>
+                      </a:pPr>
+                      <a:r>
+                        <a:rPr lang="en-US" sz="1800" kern="1200" dirty="0">
+                          <a:solidFill>
+                            <a:schemeClr val="tx1"/>
+                          </a:solidFill>
+                          <a:effectLst/>
+                          <a:latin typeface="Times New Roman" panose="02020603050405020304" pitchFamily="18" charset="0"/>
+                          <a:ea typeface="+mn-ea"/>
+                          <a:cs typeface="Times New Roman" panose="02020603050405020304" pitchFamily="18" charset="0"/>
+                        </a:rPr>
+                        <a:t>There are a total of 37 questions, each of which must be enlarged with a complete sentence. This evaluation is more rigorous. Focuses on teachers’ teaching applications and is a qualitative assessment</a:t>
+                      </a:r>
+                    </a:p>
+                  </a:txBody>
+                  <a:tcPr marL="68580" marR="68580" marT="0" marB="0" anchor="ctr"/>
+                </a:tc>
+                <a:extLst>
+                  <a:ext uri="{0D108BD9-81ED-4DB2-BD59-A6C34878D82A}">
+                    <a16:rowId xmlns:a16="http://schemas.microsoft.com/office/drawing/2014/main" val="4287505450"/>
+                  </a:ext>
+                </a:extLst>
+              </a:tr>
+              <a:tr h="388038">
+                <a:tc vMerge="1">
+                  <a:txBody>
+                    <a:bodyPr/>
+                    <a:lstStyle/>
+                    <a:p>
+                      <a:pPr marL="0" marR="0" algn="ctr">
+                        <a:lnSpc>
+                          <a:spcPct val="107000"/>
+                        </a:lnSpc>
+                        <a:spcBef>
+                          <a:spcPts val="0"/>
+                        </a:spcBef>
+                        <a:spcAft>
+                          <a:spcPts val="0"/>
+                        </a:spcAft>
+                      </a:pPr>
+                      <a:endParaRPr lang="en-US" sz="1800" dirty="0">
+                        <a:effectLst/>
+                        <a:latin typeface="Times New Roman" panose="02020603050405020304" pitchFamily="18" charset="0"/>
+                        <a:ea typeface="맑은 고딕" panose="020B0503020000020004" pitchFamily="50" charset="-127"/>
+                        <a:cs typeface="Times New Roman" panose="02020603050405020304" pitchFamily="18" charset="0"/>
+                      </a:endParaRPr>
+                    </a:p>
+                  </a:txBody>
+                  <a:tcPr marL="68580" marR="68580" marT="0" marB="0" anchor="ctr"/>
+                </a:tc>
+                <a:tc vMerge="1">
+                  <a:txBody>
+                    <a:bodyPr/>
+                    <a:lstStyle/>
+                    <a:p>
+                      <a:pPr marL="0" marR="0" algn="ctr">
+                        <a:lnSpc>
+                          <a:spcPct val="107000"/>
+                        </a:lnSpc>
+                        <a:spcBef>
+                          <a:spcPts val="0"/>
+                        </a:spcBef>
+                        <a:spcAft>
+                          <a:spcPts val="0"/>
+                        </a:spcAft>
+                      </a:pPr>
+                      <a:endParaRPr lang="en-US" sz="1800" dirty="0">
+                        <a:effectLst/>
+                        <a:latin typeface="Times New Roman" panose="02020603050405020304" pitchFamily="18" charset="0"/>
+                        <a:ea typeface="맑은 고딕" panose="020B0503020000020004" pitchFamily="50" charset="-127"/>
+                        <a:cs typeface="Times New Roman" panose="02020603050405020304" pitchFamily="18" charset="0"/>
+                      </a:endParaRPr>
+                    </a:p>
+                  </a:txBody>
+                  <a:tcPr marL="68580" marR="68580" marT="0" marB="0" anchor="ctr"/>
+                </a:tc>
+                <a:tc vMerge="1">
+                  <a:txBody>
+                    <a:bodyPr/>
+                    <a:lstStyle/>
+                    <a:p>
+                      <a:pPr marL="0" marR="0" algn="ctr">
+                        <a:lnSpc>
+                          <a:spcPct val="107000"/>
+                        </a:lnSpc>
+                        <a:spcBef>
+                          <a:spcPts val="0"/>
+                        </a:spcBef>
+                        <a:spcAft>
+                          <a:spcPts val="0"/>
+                        </a:spcAft>
+                      </a:pPr>
+                      <a:endParaRPr lang="en-US" sz="1800" dirty="0">
+                        <a:effectLst/>
+                        <a:latin typeface="Times New Roman" panose="02020603050405020304" pitchFamily="18" charset="0"/>
+                        <a:ea typeface="맑은 고딕" panose="020B0503020000020004" pitchFamily="50" charset="-127"/>
+                        <a:cs typeface="Times New Roman" panose="02020603050405020304" pitchFamily="18" charset="0"/>
+                      </a:endParaRPr>
+                    </a:p>
+                  </a:txBody>
+                  <a:tcPr marL="68580" marR="68580" marT="0" marB="0" anchor="ctr"/>
+                </a:tc>
+                <a:tc>
+                  <a:txBody>
+                    <a:bodyPr/>
+                    <a:lstStyle/>
+                    <a:p>
+                      <a:pPr marL="0" marR="0" lvl="0" indent="0" algn="ctr" defTabSz="914400" rtl="0" eaLnBrk="1" fontAlgn="auto" latinLnBrk="0" hangingPunct="1">
+                        <a:lnSpc>
+                          <a:spcPct val="107000"/>
+                        </a:lnSpc>
+                        <a:spcBef>
+                          <a:spcPts val="0"/>
+                        </a:spcBef>
+                        <a:spcAft>
+                          <a:spcPts val="0"/>
+                        </a:spcAft>
+                        <a:buClrTx/>
+                        <a:buSzTx/>
+                        <a:buFontTx/>
+                        <a:buNone/>
+                        <a:tabLst/>
+                        <a:defRPr/>
+                      </a:pPr>
+                      <a:r>
+                        <a:rPr lang="en-US" sz="1800" kern="1200" dirty="0">
+                          <a:solidFill>
+                            <a:schemeClr val="tx1"/>
+                          </a:solidFill>
+                          <a:effectLst/>
+                          <a:latin typeface="Times New Roman" panose="02020603050405020304" pitchFamily="18" charset="0"/>
+                          <a:ea typeface="+mn-ea"/>
+                          <a:cs typeface="Times New Roman" panose="02020603050405020304" pitchFamily="18" charset="0"/>
+                        </a:rPr>
+                        <a:t>Course relevance</a:t>
+                      </a:r>
+                    </a:p>
+                  </a:txBody>
+                  <a:tcPr marL="68580" marR="68580" marT="0" marB="0" anchor="ctr"/>
+                </a:tc>
+                <a:tc vMerge="1">
+                  <a:txBody>
+                    <a:bodyPr/>
+                    <a:lstStyle/>
+                    <a:p>
+                      <a:pPr marL="0" marR="0" lvl="0" indent="0" algn="ctr" defTabSz="914400" rtl="0" eaLnBrk="1" fontAlgn="auto" latinLnBrk="0" hangingPunct="1">
+                        <a:lnSpc>
+                          <a:spcPct val="107000"/>
+                        </a:lnSpc>
+                        <a:spcBef>
+                          <a:spcPts val="0"/>
+                        </a:spcBef>
+                        <a:spcAft>
+                          <a:spcPts val="0"/>
+                        </a:spcAft>
+                        <a:buClrTx/>
+                        <a:buSzTx/>
+                        <a:buFontTx/>
+                        <a:buNone/>
+                        <a:tabLst/>
+                        <a:defRPr/>
+                      </a:pPr>
+                      <a:endParaRPr lang="en-US" sz="1800" dirty="0">
+                        <a:effectLst/>
+                        <a:latin typeface="Times New Roman" panose="02020603050405020304" pitchFamily="18" charset="0"/>
+                        <a:cs typeface="Times New Roman" panose="02020603050405020304" pitchFamily="18" charset="0"/>
+                      </a:endParaRPr>
+                    </a:p>
+                  </a:txBody>
+                  <a:tcPr marL="68580" marR="68580" marT="0" marB="0" anchor="ctr"/>
+                </a:tc>
+                <a:tc vMerge="1">
+                  <a:txBody>
+                    <a:bodyPr/>
+                    <a:lstStyle/>
+                    <a:p>
+                      <a:pPr marL="0" marR="0" lvl="0" indent="0" algn="ctr" defTabSz="914400" rtl="0" eaLnBrk="1" fontAlgn="auto" latinLnBrk="0" hangingPunct="1">
+                        <a:lnSpc>
+                          <a:spcPct val="107000"/>
+                        </a:lnSpc>
+                        <a:spcBef>
+                          <a:spcPts val="0"/>
+                        </a:spcBef>
+                        <a:spcAft>
+                          <a:spcPts val="0"/>
+                        </a:spcAft>
+                        <a:buClrTx/>
+                        <a:buSzTx/>
+                        <a:buFontTx/>
+                        <a:buNone/>
+                        <a:tabLst/>
+                        <a:defRPr/>
+                      </a:pPr>
+                      <a:endParaRPr lang="en-US" sz="1800" dirty="0">
+                        <a:effectLst/>
+                        <a:latin typeface="Times New Roman" panose="02020603050405020304" pitchFamily="18" charset="0"/>
+                        <a:cs typeface="Times New Roman" panose="02020603050405020304" pitchFamily="18" charset="0"/>
+                      </a:endParaRPr>
+                    </a:p>
+                  </a:txBody>
+                  <a:tcPr marL="68580" marR="68580" marT="0" marB="0" anchor="ctr"/>
+                </a:tc>
+                <a:extLst>
+                  <a:ext uri="{0D108BD9-81ED-4DB2-BD59-A6C34878D82A}">
+                    <a16:rowId xmlns:a16="http://schemas.microsoft.com/office/drawing/2014/main" val="1101848338"/>
+                  </a:ext>
+                </a:extLst>
+              </a:tr>
+              <a:tr h="388038">
+                <a:tc vMerge="1">
+                  <a:txBody>
+                    <a:bodyPr/>
+                    <a:lstStyle/>
+                    <a:p>
+                      <a:pPr marL="0" marR="0" algn="ctr">
+                        <a:lnSpc>
+                          <a:spcPct val="107000"/>
+                        </a:lnSpc>
+                        <a:spcBef>
+                          <a:spcPts val="0"/>
+                        </a:spcBef>
+                        <a:spcAft>
+                          <a:spcPts val="0"/>
+                        </a:spcAft>
+                      </a:pPr>
+                      <a:endParaRPr lang="en-US" sz="1800" dirty="0">
+                        <a:effectLst/>
+                        <a:latin typeface="Times New Roman" panose="02020603050405020304" pitchFamily="18" charset="0"/>
+                        <a:ea typeface="맑은 고딕" panose="020B0503020000020004" pitchFamily="50" charset="-127"/>
+                        <a:cs typeface="Times New Roman" panose="02020603050405020304" pitchFamily="18" charset="0"/>
+                      </a:endParaRPr>
+                    </a:p>
+                  </a:txBody>
+                  <a:tcPr marL="68580" marR="68580" marT="0" marB="0" anchor="ctr"/>
+                </a:tc>
+                <a:tc vMerge="1">
+                  <a:txBody>
+                    <a:bodyPr/>
+                    <a:lstStyle/>
+                    <a:p>
+                      <a:pPr marL="0" marR="0" algn="ctr">
+                        <a:lnSpc>
+                          <a:spcPct val="107000"/>
+                        </a:lnSpc>
+                        <a:spcBef>
+                          <a:spcPts val="0"/>
+                        </a:spcBef>
+                        <a:spcAft>
+                          <a:spcPts val="0"/>
+                        </a:spcAft>
+                      </a:pPr>
+                      <a:endParaRPr lang="en-US" sz="1800" dirty="0">
+                        <a:effectLst/>
+                        <a:latin typeface="Times New Roman" panose="02020603050405020304" pitchFamily="18" charset="0"/>
+                        <a:ea typeface="맑은 고딕" panose="020B0503020000020004" pitchFamily="50" charset="-127"/>
+                        <a:cs typeface="Times New Roman" panose="02020603050405020304" pitchFamily="18" charset="0"/>
+                      </a:endParaRPr>
+                    </a:p>
+                  </a:txBody>
+                  <a:tcPr marL="68580" marR="68580" marT="0" marB="0" anchor="ctr"/>
+                </a:tc>
+                <a:tc vMerge="1">
+                  <a:txBody>
+                    <a:bodyPr/>
+                    <a:lstStyle/>
+                    <a:p>
+                      <a:pPr marL="0" marR="0" algn="ctr">
+                        <a:lnSpc>
+                          <a:spcPct val="107000"/>
+                        </a:lnSpc>
+                        <a:spcBef>
+                          <a:spcPts val="0"/>
+                        </a:spcBef>
+                        <a:spcAft>
+                          <a:spcPts val="0"/>
+                        </a:spcAft>
+                      </a:pPr>
+                      <a:endParaRPr lang="en-US" sz="1800" dirty="0">
+                        <a:effectLst/>
+                        <a:latin typeface="Times New Roman" panose="02020603050405020304" pitchFamily="18" charset="0"/>
+                        <a:ea typeface="맑은 고딕" panose="020B0503020000020004" pitchFamily="50" charset="-127"/>
+                        <a:cs typeface="Times New Roman" panose="02020603050405020304" pitchFamily="18" charset="0"/>
+                      </a:endParaRPr>
+                    </a:p>
+                  </a:txBody>
+                  <a:tcPr marL="68580" marR="68580" marT="0" marB="0" anchor="ctr"/>
+                </a:tc>
+                <a:tc>
+                  <a:txBody>
+                    <a:bodyPr/>
+                    <a:lstStyle/>
+                    <a:p>
+                      <a:pPr marL="0" marR="0" lvl="0" indent="0" algn="ctr" defTabSz="914400" rtl="0" eaLnBrk="1" fontAlgn="auto" latinLnBrk="0" hangingPunct="1">
+                        <a:lnSpc>
+                          <a:spcPct val="107000"/>
+                        </a:lnSpc>
+                        <a:spcBef>
+                          <a:spcPts val="0"/>
+                        </a:spcBef>
+                        <a:spcAft>
+                          <a:spcPts val="0"/>
+                        </a:spcAft>
+                        <a:buClrTx/>
+                        <a:buSzTx/>
+                        <a:buFontTx/>
+                        <a:buNone/>
+                        <a:tabLst/>
+                        <a:defRPr/>
+                      </a:pPr>
+                      <a:r>
+                        <a:rPr lang="en-US" sz="1800" kern="1200" dirty="0">
+                          <a:solidFill>
+                            <a:schemeClr val="tx1"/>
+                          </a:solidFill>
+                          <a:effectLst/>
+                          <a:latin typeface="Times New Roman" panose="02020603050405020304" pitchFamily="18" charset="0"/>
+                          <a:ea typeface="+mn-ea"/>
+                          <a:cs typeface="Times New Roman" panose="02020603050405020304" pitchFamily="18" charset="0"/>
+                        </a:rPr>
+                        <a:t>Design and navigation</a:t>
+                      </a:r>
+                    </a:p>
+                  </a:txBody>
+                  <a:tcPr marL="68580" marR="68580" marT="0" marB="0" anchor="ctr"/>
+                </a:tc>
+                <a:tc vMerge="1">
+                  <a:txBody>
+                    <a:bodyPr/>
+                    <a:lstStyle/>
+                    <a:p>
+                      <a:pPr marL="0" marR="0" lvl="0" indent="0" algn="ctr" defTabSz="914400" rtl="0" eaLnBrk="1" fontAlgn="auto" latinLnBrk="0" hangingPunct="1">
+                        <a:lnSpc>
+                          <a:spcPct val="107000"/>
+                        </a:lnSpc>
+                        <a:spcBef>
+                          <a:spcPts val="0"/>
+                        </a:spcBef>
+                        <a:spcAft>
+                          <a:spcPts val="0"/>
+                        </a:spcAft>
+                        <a:buClrTx/>
+                        <a:buSzTx/>
+                        <a:buFontTx/>
+                        <a:buNone/>
+                        <a:tabLst/>
+                        <a:defRPr/>
+                      </a:pPr>
+                      <a:endParaRPr lang="en-US" sz="1800" dirty="0">
+                        <a:effectLst/>
+                        <a:latin typeface="Times New Roman" panose="02020603050405020304" pitchFamily="18" charset="0"/>
+                        <a:cs typeface="Times New Roman" panose="02020603050405020304" pitchFamily="18" charset="0"/>
+                      </a:endParaRPr>
+                    </a:p>
+                  </a:txBody>
+                  <a:tcPr marL="68580" marR="68580" marT="0" marB="0" anchor="ctr"/>
+                </a:tc>
+                <a:tc vMerge="1">
+                  <a:txBody>
+                    <a:bodyPr/>
+                    <a:lstStyle/>
+                    <a:p>
+                      <a:pPr marL="0" marR="0" lvl="0" indent="0" algn="ctr" defTabSz="914400" rtl="0" eaLnBrk="1" fontAlgn="auto" latinLnBrk="0" hangingPunct="1">
+                        <a:lnSpc>
+                          <a:spcPct val="107000"/>
+                        </a:lnSpc>
+                        <a:spcBef>
+                          <a:spcPts val="0"/>
+                        </a:spcBef>
+                        <a:spcAft>
+                          <a:spcPts val="0"/>
+                        </a:spcAft>
+                        <a:buClrTx/>
+                        <a:buSzTx/>
+                        <a:buFontTx/>
+                        <a:buNone/>
+                        <a:tabLst/>
+                        <a:defRPr/>
+                      </a:pPr>
+                      <a:endParaRPr lang="en-US" sz="1800" dirty="0">
+                        <a:effectLst/>
+                        <a:latin typeface="Times New Roman" panose="02020603050405020304" pitchFamily="18" charset="0"/>
+                        <a:cs typeface="Times New Roman" panose="02020603050405020304" pitchFamily="18" charset="0"/>
+                      </a:endParaRPr>
+                    </a:p>
+                  </a:txBody>
+                  <a:tcPr marL="68580" marR="68580" marT="0" marB="0" anchor="ctr"/>
+                </a:tc>
+                <a:extLst>
+                  <a:ext uri="{0D108BD9-81ED-4DB2-BD59-A6C34878D82A}">
+                    <a16:rowId xmlns:a16="http://schemas.microsoft.com/office/drawing/2014/main" val="2222031645"/>
+                  </a:ext>
+                </a:extLst>
+              </a:tr>
+              <a:tr h="388038">
+                <a:tc vMerge="1">
+                  <a:txBody>
+                    <a:bodyPr/>
+                    <a:lstStyle/>
+                    <a:p>
+                      <a:pPr marL="0" marR="0" algn="ctr">
+                        <a:lnSpc>
+                          <a:spcPct val="107000"/>
+                        </a:lnSpc>
+                        <a:spcBef>
+                          <a:spcPts val="0"/>
+                        </a:spcBef>
+                        <a:spcAft>
+                          <a:spcPts val="0"/>
+                        </a:spcAft>
+                      </a:pPr>
+                      <a:endParaRPr lang="en-US" sz="1800" dirty="0">
+                        <a:effectLst/>
+                        <a:latin typeface="Times New Roman" panose="02020603050405020304" pitchFamily="18" charset="0"/>
+                        <a:ea typeface="맑은 고딕" panose="020B0503020000020004" pitchFamily="50" charset="-127"/>
+                        <a:cs typeface="Times New Roman" panose="02020603050405020304" pitchFamily="18" charset="0"/>
+                      </a:endParaRPr>
+                    </a:p>
+                  </a:txBody>
+                  <a:tcPr marL="68580" marR="68580" marT="0" marB="0" anchor="ctr"/>
+                </a:tc>
+                <a:tc vMerge="1">
+                  <a:txBody>
+                    <a:bodyPr/>
+                    <a:lstStyle/>
+                    <a:p>
+                      <a:pPr marL="0" marR="0" algn="ctr">
+                        <a:lnSpc>
+                          <a:spcPct val="107000"/>
+                        </a:lnSpc>
+                        <a:spcBef>
+                          <a:spcPts val="0"/>
+                        </a:spcBef>
+                        <a:spcAft>
+                          <a:spcPts val="0"/>
+                        </a:spcAft>
+                      </a:pPr>
+                      <a:endParaRPr lang="en-US" sz="1800" dirty="0">
+                        <a:effectLst/>
+                        <a:latin typeface="Times New Roman" panose="02020603050405020304" pitchFamily="18" charset="0"/>
+                        <a:ea typeface="맑은 고딕" panose="020B0503020000020004" pitchFamily="50" charset="-127"/>
+                        <a:cs typeface="Times New Roman" panose="02020603050405020304" pitchFamily="18" charset="0"/>
+                      </a:endParaRPr>
+                    </a:p>
+                  </a:txBody>
+                  <a:tcPr marL="68580" marR="68580" marT="0" marB="0" anchor="ctr"/>
+                </a:tc>
+                <a:tc vMerge="1">
+                  <a:txBody>
+                    <a:bodyPr/>
+                    <a:lstStyle/>
+                    <a:p>
+                      <a:pPr marL="0" marR="0" algn="ctr">
+                        <a:lnSpc>
+                          <a:spcPct val="107000"/>
+                        </a:lnSpc>
+                        <a:spcBef>
+                          <a:spcPts val="0"/>
+                        </a:spcBef>
+                        <a:spcAft>
+                          <a:spcPts val="0"/>
+                        </a:spcAft>
+                      </a:pPr>
+                      <a:endParaRPr lang="en-US" sz="1800" dirty="0">
+                        <a:effectLst/>
+                        <a:latin typeface="Times New Roman" panose="02020603050405020304" pitchFamily="18" charset="0"/>
+                        <a:ea typeface="맑은 고딕" panose="020B0503020000020004" pitchFamily="50" charset="-127"/>
+                        <a:cs typeface="Times New Roman" panose="02020603050405020304" pitchFamily="18" charset="0"/>
+                      </a:endParaRPr>
+                    </a:p>
+                  </a:txBody>
+                  <a:tcPr marL="68580" marR="68580" marT="0" marB="0" anchor="ctr"/>
+                </a:tc>
+                <a:tc>
+                  <a:txBody>
+                    <a:bodyPr/>
+                    <a:lstStyle/>
+                    <a:p>
+                      <a:pPr marL="0" marR="0" lvl="0" indent="0" algn="ctr" defTabSz="914400" rtl="0" eaLnBrk="1" fontAlgn="auto" latinLnBrk="0" hangingPunct="1">
+                        <a:lnSpc>
+                          <a:spcPct val="107000"/>
+                        </a:lnSpc>
+                        <a:spcBef>
+                          <a:spcPts val="0"/>
+                        </a:spcBef>
+                        <a:spcAft>
+                          <a:spcPts val="0"/>
+                        </a:spcAft>
+                        <a:buClrTx/>
+                        <a:buSzTx/>
+                        <a:buFontTx/>
+                        <a:buNone/>
+                        <a:tabLst/>
+                        <a:defRPr/>
+                      </a:pPr>
+                      <a:r>
+                        <a:rPr lang="en-US" sz="1800" kern="1200" dirty="0">
+                          <a:solidFill>
+                            <a:schemeClr val="tx1"/>
+                          </a:solidFill>
+                          <a:effectLst/>
+                          <a:latin typeface="Times New Roman" panose="02020603050405020304" pitchFamily="18" charset="0"/>
+                          <a:ea typeface="+mn-ea"/>
+                          <a:cs typeface="Times New Roman" panose="02020603050405020304" pitchFamily="18" charset="0"/>
+                        </a:rPr>
+                        <a:t>Ease of use</a:t>
+                      </a:r>
+                    </a:p>
+                  </a:txBody>
+                  <a:tcPr marL="68580" marR="68580" marT="0" marB="0" anchor="ctr"/>
+                </a:tc>
+                <a:tc vMerge="1">
+                  <a:txBody>
+                    <a:bodyPr/>
+                    <a:lstStyle/>
+                    <a:p>
+                      <a:pPr marL="0" marR="0" lvl="0" indent="0" algn="ctr" defTabSz="914400" rtl="0" eaLnBrk="1" fontAlgn="auto" latinLnBrk="0" hangingPunct="1">
+                        <a:lnSpc>
+                          <a:spcPct val="107000"/>
+                        </a:lnSpc>
+                        <a:spcBef>
+                          <a:spcPts val="0"/>
+                        </a:spcBef>
+                        <a:spcAft>
+                          <a:spcPts val="0"/>
+                        </a:spcAft>
+                        <a:buClrTx/>
+                        <a:buSzTx/>
+                        <a:buFontTx/>
+                        <a:buNone/>
+                        <a:tabLst/>
+                        <a:defRPr/>
+                      </a:pPr>
+                      <a:endParaRPr lang="en-US" sz="1800" dirty="0">
+                        <a:effectLst/>
+                        <a:latin typeface="Times New Roman" panose="02020603050405020304" pitchFamily="18" charset="0"/>
+                        <a:cs typeface="Times New Roman" panose="02020603050405020304" pitchFamily="18" charset="0"/>
+                      </a:endParaRPr>
+                    </a:p>
+                  </a:txBody>
+                  <a:tcPr marL="68580" marR="68580" marT="0" marB="0" anchor="ctr"/>
+                </a:tc>
+                <a:tc vMerge="1">
+                  <a:txBody>
+                    <a:bodyPr/>
+                    <a:lstStyle/>
+                    <a:p>
+                      <a:pPr marL="0" marR="0" lvl="0" indent="0" algn="ctr" defTabSz="914400" rtl="0" eaLnBrk="1" fontAlgn="auto" latinLnBrk="0" hangingPunct="1">
+                        <a:lnSpc>
+                          <a:spcPct val="107000"/>
+                        </a:lnSpc>
+                        <a:spcBef>
+                          <a:spcPts val="0"/>
+                        </a:spcBef>
+                        <a:spcAft>
+                          <a:spcPts val="0"/>
+                        </a:spcAft>
+                        <a:buClrTx/>
+                        <a:buSzTx/>
+                        <a:buFontTx/>
+                        <a:buNone/>
+                        <a:tabLst/>
+                        <a:defRPr/>
+                      </a:pPr>
+                      <a:endParaRPr lang="en-US" sz="1800" dirty="0">
+                        <a:effectLst/>
+                        <a:latin typeface="Times New Roman" panose="02020603050405020304" pitchFamily="18" charset="0"/>
+                        <a:cs typeface="Times New Roman" panose="02020603050405020304" pitchFamily="18" charset="0"/>
+                      </a:endParaRPr>
+                    </a:p>
+                  </a:txBody>
+                  <a:tcPr marL="68580" marR="68580" marT="0" marB="0" anchor="ctr"/>
+                </a:tc>
+                <a:extLst>
+                  <a:ext uri="{0D108BD9-81ED-4DB2-BD59-A6C34878D82A}">
+                    <a16:rowId xmlns:a16="http://schemas.microsoft.com/office/drawing/2014/main" val="1880694230"/>
+                  </a:ext>
+                </a:extLst>
+              </a:tr>
+              <a:tr h="388038">
+                <a:tc vMerge="1">
+                  <a:txBody>
+                    <a:bodyPr/>
+                    <a:lstStyle/>
+                    <a:p>
+                      <a:pPr marL="0" marR="0" algn="ctr">
+                        <a:lnSpc>
+                          <a:spcPct val="107000"/>
+                        </a:lnSpc>
+                        <a:spcBef>
+                          <a:spcPts val="0"/>
+                        </a:spcBef>
+                        <a:spcAft>
+                          <a:spcPts val="0"/>
+                        </a:spcAft>
+                      </a:pPr>
+                      <a:endParaRPr lang="en-US" sz="1800" dirty="0">
+                        <a:effectLst/>
+                        <a:latin typeface="Times New Roman" panose="02020603050405020304" pitchFamily="18" charset="0"/>
+                        <a:ea typeface="맑은 고딕" panose="020B0503020000020004" pitchFamily="50" charset="-127"/>
+                        <a:cs typeface="Times New Roman" panose="02020603050405020304" pitchFamily="18" charset="0"/>
+                      </a:endParaRPr>
+                    </a:p>
+                  </a:txBody>
+                  <a:tcPr marL="68580" marR="68580" marT="0" marB="0" anchor="ctr"/>
+                </a:tc>
+                <a:tc vMerge="1">
+                  <a:txBody>
+                    <a:bodyPr/>
+                    <a:lstStyle/>
+                    <a:p>
+                      <a:pPr marL="0" marR="0" algn="ctr">
+                        <a:lnSpc>
+                          <a:spcPct val="107000"/>
+                        </a:lnSpc>
+                        <a:spcBef>
+                          <a:spcPts val="0"/>
+                        </a:spcBef>
+                        <a:spcAft>
+                          <a:spcPts val="0"/>
+                        </a:spcAft>
+                      </a:pPr>
+                      <a:endParaRPr lang="en-US" sz="1800" dirty="0">
+                        <a:effectLst/>
+                        <a:latin typeface="Times New Roman" panose="02020603050405020304" pitchFamily="18" charset="0"/>
+                        <a:ea typeface="맑은 고딕" panose="020B0503020000020004" pitchFamily="50" charset="-127"/>
+                        <a:cs typeface="Times New Roman" panose="02020603050405020304" pitchFamily="18" charset="0"/>
+                      </a:endParaRPr>
+                    </a:p>
+                  </a:txBody>
+                  <a:tcPr marL="68580" marR="68580" marT="0" marB="0" anchor="ctr"/>
+                </a:tc>
+                <a:tc vMerge="1">
+                  <a:txBody>
+                    <a:bodyPr/>
+                    <a:lstStyle/>
+                    <a:p>
+                      <a:pPr marL="0" marR="0" algn="ctr">
+                        <a:lnSpc>
+                          <a:spcPct val="107000"/>
+                        </a:lnSpc>
+                        <a:spcBef>
+                          <a:spcPts val="0"/>
+                        </a:spcBef>
+                        <a:spcAft>
+                          <a:spcPts val="0"/>
+                        </a:spcAft>
+                      </a:pPr>
+                      <a:endParaRPr lang="en-US" sz="1800" dirty="0">
+                        <a:effectLst/>
+                        <a:latin typeface="Times New Roman" panose="02020603050405020304" pitchFamily="18" charset="0"/>
+                        <a:ea typeface="맑은 고딕" panose="020B0503020000020004" pitchFamily="50" charset="-127"/>
+                        <a:cs typeface="Times New Roman" panose="02020603050405020304" pitchFamily="18" charset="0"/>
+                      </a:endParaRPr>
+                    </a:p>
+                  </a:txBody>
+                  <a:tcPr marL="68580" marR="68580" marT="0" marB="0" anchor="ctr"/>
+                </a:tc>
+                <a:tc>
+                  <a:txBody>
+                    <a:bodyPr/>
+                    <a:lstStyle/>
+                    <a:p>
+                      <a:pPr marL="0" marR="0" lvl="0" indent="0" algn="ctr" defTabSz="914400" rtl="0" eaLnBrk="1" fontAlgn="auto" latinLnBrk="0" hangingPunct="1">
+                        <a:lnSpc>
+                          <a:spcPct val="107000"/>
+                        </a:lnSpc>
+                        <a:spcBef>
+                          <a:spcPts val="0"/>
+                        </a:spcBef>
+                        <a:spcAft>
+                          <a:spcPts val="0"/>
+                        </a:spcAft>
+                        <a:buClrTx/>
+                        <a:buSzTx/>
+                        <a:buFontTx/>
+                        <a:buNone/>
+                        <a:tabLst/>
+                        <a:defRPr/>
+                      </a:pPr>
+                      <a:r>
+                        <a:rPr lang="en-US" sz="1800" kern="1200" dirty="0">
+                          <a:solidFill>
+                            <a:schemeClr val="tx1"/>
+                          </a:solidFill>
+                          <a:effectLst/>
+                          <a:latin typeface="Times New Roman" panose="02020603050405020304" pitchFamily="18" charset="0"/>
+                          <a:ea typeface="+mn-ea"/>
+                          <a:cs typeface="Times New Roman" panose="02020603050405020304" pitchFamily="18" charset="0"/>
+                        </a:rPr>
+                        <a:t>Recreational</a:t>
+                      </a:r>
+                    </a:p>
+                  </a:txBody>
+                  <a:tcPr marL="68580" marR="68580" marT="0" marB="0" anchor="ctr"/>
+                </a:tc>
+                <a:tc vMerge="1">
+                  <a:txBody>
+                    <a:bodyPr/>
+                    <a:lstStyle/>
+                    <a:p>
+                      <a:pPr marL="0" marR="0" lvl="0" indent="0" algn="ctr" defTabSz="914400" rtl="0" eaLnBrk="1" fontAlgn="auto" latinLnBrk="0" hangingPunct="1">
+                        <a:lnSpc>
+                          <a:spcPct val="107000"/>
+                        </a:lnSpc>
+                        <a:spcBef>
+                          <a:spcPts val="0"/>
+                        </a:spcBef>
+                        <a:spcAft>
+                          <a:spcPts val="0"/>
+                        </a:spcAft>
+                        <a:buClrTx/>
+                        <a:buSzTx/>
+                        <a:buFontTx/>
+                        <a:buNone/>
+                        <a:tabLst/>
+                        <a:defRPr/>
+                      </a:pPr>
+                      <a:endParaRPr lang="en-US" sz="1800" dirty="0">
+                        <a:effectLst/>
+                        <a:latin typeface="Times New Roman" panose="02020603050405020304" pitchFamily="18" charset="0"/>
+                        <a:cs typeface="Times New Roman" panose="02020603050405020304" pitchFamily="18" charset="0"/>
+                      </a:endParaRPr>
+                    </a:p>
+                  </a:txBody>
+                  <a:tcPr marL="68580" marR="68580" marT="0" marB="0" anchor="ctr"/>
+                </a:tc>
+                <a:tc vMerge="1">
+                  <a:txBody>
+                    <a:bodyPr/>
+                    <a:lstStyle/>
+                    <a:p>
+                      <a:pPr marL="0" marR="0" lvl="0" indent="0" algn="ctr" defTabSz="914400" rtl="0" eaLnBrk="1" fontAlgn="auto" latinLnBrk="0" hangingPunct="1">
+                        <a:lnSpc>
+                          <a:spcPct val="107000"/>
+                        </a:lnSpc>
+                        <a:spcBef>
+                          <a:spcPts val="0"/>
+                        </a:spcBef>
+                        <a:spcAft>
+                          <a:spcPts val="0"/>
+                        </a:spcAft>
+                        <a:buClrTx/>
+                        <a:buSzTx/>
+                        <a:buFontTx/>
+                        <a:buNone/>
+                        <a:tabLst/>
+                        <a:defRPr/>
+                      </a:pPr>
+                      <a:endParaRPr lang="en-US" sz="1800" dirty="0">
+                        <a:effectLst/>
+                        <a:latin typeface="Times New Roman" panose="02020603050405020304" pitchFamily="18" charset="0"/>
+                        <a:cs typeface="Times New Roman" panose="02020603050405020304" pitchFamily="18" charset="0"/>
+                      </a:endParaRPr>
+                    </a:p>
+                  </a:txBody>
+                  <a:tcPr marL="68580" marR="68580" marT="0" marB="0" anchor="ctr"/>
+                </a:tc>
+                <a:extLst>
+                  <a:ext uri="{0D108BD9-81ED-4DB2-BD59-A6C34878D82A}">
+                    <a16:rowId xmlns:a16="http://schemas.microsoft.com/office/drawing/2014/main" val="2194076708"/>
+                  </a:ext>
+                </a:extLst>
+              </a:tr>
+              <a:tr h="388038">
+                <a:tc vMerge="1">
+                  <a:txBody>
+                    <a:bodyPr/>
+                    <a:lstStyle/>
+                    <a:p>
+                      <a:pPr marL="0" marR="0" algn="ctr">
+                        <a:lnSpc>
+                          <a:spcPct val="107000"/>
+                        </a:lnSpc>
+                        <a:spcBef>
+                          <a:spcPts val="0"/>
+                        </a:spcBef>
+                        <a:spcAft>
+                          <a:spcPts val="0"/>
+                        </a:spcAft>
+                      </a:pPr>
+                      <a:endParaRPr lang="en-US" sz="1800" dirty="0">
+                        <a:effectLst/>
+                        <a:latin typeface="Times New Roman" panose="02020603050405020304" pitchFamily="18" charset="0"/>
+                        <a:ea typeface="맑은 고딕" panose="020B0503020000020004" pitchFamily="50" charset="-127"/>
+                        <a:cs typeface="Times New Roman" panose="02020603050405020304" pitchFamily="18" charset="0"/>
+                      </a:endParaRPr>
+                    </a:p>
+                  </a:txBody>
+                  <a:tcPr marL="68580" marR="68580" marT="0" marB="0" anchor="ctr"/>
+                </a:tc>
+                <a:tc vMerge="1">
+                  <a:txBody>
+                    <a:bodyPr/>
+                    <a:lstStyle/>
+                    <a:p>
+                      <a:pPr marL="0" marR="0" algn="ctr">
+                        <a:lnSpc>
+                          <a:spcPct val="107000"/>
+                        </a:lnSpc>
+                        <a:spcBef>
+                          <a:spcPts val="0"/>
+                        </a:spcBef>
+                        <a:spcAft>
+                          <a:spcPts val="0"/>
+                        </a:spcAft>
+                      </a:pPr>
+                      <a:endParaRPr lang="en-US" sz="1800" dirty="0">
+                        <a:effectLst/>
+                        <a:latin typeface="Times New Roman" panose="02020603050405020304" pitchFamily="18" charset="0"/>
+                        <a:ea typeface="맑은 고딕" panose="020B0503020000020004" pitchFamily="50" charset="-127"/>
+                        <a:cs typeface="Times New Roman" panose="02020603050405020304" pitchFamily="18" charset="0"/>
+                      </a:endParaRPr>
+                    </a:p>
+                  </a:txBody>
+                  <a:tcPr marL="68580" marR="68580" marT="0" marB="0" anchor="ctr"/>
+                </a:tc>
+                <a:tc vMerge="1">
+                  <a:txBody>
+                    <a:bodyPr/>
+                    <a:lstStyle/>
+                    <a:p>
+                      <a:pPr marL="0" marR="0" algn="ctr">
+                        <a:lnSpc>
+                          <a:spcPct val="107000"/>
+                        </a:lnSpc>
+                        <a:spcBef>
+                          <a:spcPts val="0"/>
+                        </a:spcBef>
+                        <a:spcAft>
+                          <a:spcPts val="0"/>
+                        </a:spcAft>
+                      </a:pPr>
+                      <a:endParaRPr lang="en-US" sz="1800" dirty="0">
+                        <a:effectLst/>
+                        <a:latin typeface="Times New Roman" panose="02020603050405020304" pitchFamily="18" charset="0"/>
+                        <a:ea typeface="맑은 고딕" panose="020B0503020000020004" pitchFamily="50" charset="-127"/>
+                        <a:cs typeface="Times New Roman" panose="02020603050405020304" pitchFamily="18" charset="0"/>
+                      </a:endParaRPr>
+                    </a:p>
+                  </a:txBody>
+                  <a:tcPr marL="68580" marR="68580" marT="0" marB="0" anchor="ctr"/>
+                </a:tc>
+                <a:tc>
+                  <a:txBody>
+                    <a:bodyPr/>
+                    <a:lstStyle/>
+                    <a:p>
+                      <a:pPr marL="0" marR="0" lvl="0" indent="0" algn="ctr" defTabSz="914400" rtl="0" eaLnBrk="1" fontAlgn="auto" latinLnBrk="0" hangingPunct="1">
+                        <a:lnSpc>
+                          <a:spcPct val="107000"/>
+                        </a:lnSpc>
+                        <a:spcBef>
+                          <a:spcPts val="0"/>
+                        </a:spcBef>
+                        <a:spcAft>
+                          <a:spcPts val="0"/>
+                        </a:spcAft>
+                        <a:buClrTx/>
+                        <a:buSzTx/>
+                        <a:buFontTx/>
+                        <a:buNone/>
+                        <a:tabLst/>
+                        <a:defRPr/>
+                      </a:pPr>
+                      <a:r>
+                        <a:rPr lang="en-US" sz="1800" kern="1200" dirty="0">
+                          <a:solidFill>
+                            <a:schemeClr val="tx1"/>
+                          </a:solidFill>
+                          <a:effectLst/>
+                          <a:latin typeface="Times New Roman" panose="02020603050405020304" pitchFamily="18" charset="0"/>
+                          <a:ea typeface="+mn-ea"/>
+                          <a:cs typeface="Times New Roman" panose="02020603050405020304" pitchFamily="18" charset="0"/>
+                        </a:rPr>
+                        <a:t>Installation</a:t>
+                      </a:r>
+                    </a:p>
+                  </a:txBody>
+                  <a:tcPr marL="68580" marR="68580" marT="0" marB="0" anchor="ctr"/>
+                </a:tc>
+                <a:tc vMerge="1">
+                  <a:txBody>
+                    <a:bodyPr/>
+                    <a:lstStyle/>
+                    <a:p>
+                      <a:pPr marL="0" marR="0" lvl="0" indent="0" algn="ctr" defTabSz="914400" rtl="0" eaLnBrk="1" fontAlgn="auto" latinLnBrk="0" hangingPunct="1">
+                        <a:lnSpc>
+                          <a:spcPct val="107000"/>
+                        </a:lnSpc>
+                        <a:spcBef>
+                          <a:spcPts val="0"/>
+                        </a:spcBef>
+                        <a:spcAft>
+                          <a:spcPts val="0"/>
+                        </a:spcAft>
+                        <a:buClrTx/>
+                        <a:buSzTx/>
+                        <a:buFontTx/>
+                        <a:buNone/>
+                        <a:tabLst/>
+                        <a:defRPr/>
+                      </a:pPr>
+                      <a:endParaRPr lang="en-US" sz="1800" dirty="0">
+                        <a:effectLst/>
+                        <a:latin typeface="Times New Roman" panose="02020603050405020304" pitchFamily="18" charset="0"/>
+                        <a:cs typeface="Times New Roman" panose="02020603050405020304" pitchFamily="18" charset="0"/>
+                      </a:endParaRPr>
+                    </a:p>
+                  </a:txBody>
+                  <a:tcPr marL="68580" marR="68580" marT="0" marB="0" anchor="ctr"/>
+                </a:tc>
+                <a:tc vMerge="1">
+                  <a:txBody>
+                    <a:bodyPr/>
+                    <a:lstStyle/>
+                    <a:p>
+                      <a:pPr marL="0" marR="0" lvl="0" indent="0" algn="ctr" defTabSz="914400" rtl="0" eaLnBrk="1" fontAlgn="auto" latinLnBrk="0" hangingPunct="1">
+                        <a:lnSpc>
+                          <a:spcPct val="107000"/>
+                        </a:lnSpc>
+                        <a:spcBef>
+                          <a:spcPts val="0"/>
+                        </a:spcBef>
+                        <a:spcAft>
+                          <a:spcPts val="0"/>
+                        </a:spcAft>
+                        <a:buClrTx/>
+                        <a:buSzTx/>
+                        <a:buFontTx/>
+                        <a:buNone/>
+                        <a:tabLst/>
+                        <a:defRPr/>
+                      </a:pPr>
+                      <a:endParaRPr lang="en-US" sz="1800" dirty="0">
+                        <a:effectLst/>
+                        <a:latin typeface="Times New Roman" panose="02020603050405020304" pitchFamily="18" charset="0"/>
+                        <a:cs typeface="Times New Roman" panose="02020603050405020304" pitchFamily="18" charset="0"/>
+                      </a:endParaRPr>
+                    </a:p>
+                  </a:txBody>
+                  <a:tcPr marL="68580" marR="68580" marT="0" marB="0" anchor="ctr"/>
+                </a:tc>
+                <a:extLst>
+                  <a:ext uri="{0D108BD9-81ED-4DB2-BD59-A6C34878D82A}">
+                    <a16:rowId xmlns:a16="http://schemas.microsoft.com/office/drawing/2014/main" val="4289513594"/>
+                  </a:ext>
+                </a:extLst>
+              </a:tr>
+            </a:tbl>
+          </a:graphicData>
+        </a:graphic>
+      </p:graphicFrame>
+    </p:spTree>
+    <p:extLst>
+      <p:ext uri="{BB962C8B-B14F-4D97-AF65-F5344CB8AC3E}">
+        <p14:creationId xmlns:p14="http://schemas.microsoft.com/office/powerpoint/2010/main" val="1111873732"/>
+      </p:ext>
+    </p:extLst>
+  </p:cSld>
+  <p:clrMapOvr>
+    <a:masterClrMapping/>
+  </p:clrMapOvr>
+</p:sld>
+</file>
+
+<file path=ppt/slides/slide5.xml><?xml version="1.0" encoding="utf-8"?>
+<p:sld xmlns:a="http://schemas.openxmlformats.org/drawingml/2006/main" xmlns:r="http://schemas.openxmlformats.org/officeDocument/2006/relationships" xmlns:p="http://schemas.openxmlformats.org/presentationml/2006/main">
+  <p:cSld>
+    <p:spTree>
+      <p:nvGrpSpPr>
+        <p:cNvPr id="1" name=""/>
+        <p:cNvGrpSpPr/>
+        <p:nvPr/>
+      </p:nvGrpSpPr>
+      <p:grpSpPr>
+        <a:xfrm>
+          <a:off x="0" y="0"/>
+          <a:ext cx="0" cy="0"/>
+          <a:chOff x="0" y="0"/>
+          <a:chExt cx="0" cy="0"/>
+        </a:xfrm>
+      </p:grpSpPr>
+      <p:graphicFrame>
+        <p:nvGraphicFramePr>
+          <p:cNvPr id="4" name="内容占位符 3">
+            <a:extLst>
+              <a:ext uri="{FF2B5EF4-FFF2-40B4-BE49-F238E27FC236}">
+                <a16:creationId xmlns:a16="http://schemas.microsoft.com/office/drawing/2014/main" id="{C14BDC17-90C6-4987-88BA-9203F4F0529A}"/>
+              </a:ext>
+            </a:extLst>
+          </p:cNvPr>
+          <p:cNvGraphicFramePr>
+            <a:graphicFrameLocks noGrp="1"/>
+          </p:cNvGraphicFramePr>
+          <p:nvPr>
+            <p:ph idx="1"/>
+            <p:extLst>
+              <p:ext uri="{D42A27DB-BD31-4B8C-83A1-F6EECF244321}">
+                <p14:modId xmlns:p14="http://schemas.microsoft.com/office/powerpoint/2010/main" val="2585127409"/>
+              </p:ext>
+            </p:extLst>
+          </p:nvPr>
+        </p:nvGraphicFramePr>
+        <p:xfrm>
+          <a:off x="204476" y="154378"/>
+          <a:ext cx="11552096" cy="6383784"/>
+        </p:xfrm>
+        <a:graphic>
+          <a:graphicData uri="http://schemas.openxmlformats.org/drawingml/2006/table">
+            <a:tbl>
+              <a:tblPr firstRow="1" firstCol="1" bandRow="1">
+                <a:tableStyleId>{5940675A-B579-460E-94D1-54222C63F5DA}</a:tableStyleId>
+              </a:tblPr>
+              <a:tblGrid>
+                <a:gridCol w="1612449">
+                  <a:extLst>
+                    <a:ext uri="{9D8B030D-6E8A-4147-A177-3AD203B41FA5}">
+                      <a16:colId xmlns:a16="http://schemas.microsoft.com/office/drawing/2014/main" val="3557805364"/>
+                    </a:ext>
+                  </a:extLst>
+                </a:gridCol>
+                <a:gridCol w="1377537">
+                  <a:extLst>
+                    <a:ext uri="{9D8B030D-6E8A-4147-A177-3AD203B41FA5}">
+                      <a16:colId xmlns:a16="http://schemas.microsoft.com/office/drawing/2014/main" val="3524856799"/>
+                    </a:ext>
+                  </a:extLst>
+                </a:gridCol>
+                <a:gridCol w="570016">
+                  <a:extLst>
+                    <a:ext uri="{9D8B030D-6E8A-4147-A177-3AD203B41FA5}">
+                      <a16:colId xmlns:a16="http://schemas.microsoft.com/office/drawing/2014/main" val="1805124618"/>
+                    </a:ext>
+                  </a:extLst>
+                </a:gridCol>
+                <a:gridCol w="3372592">
+                  <a:extLst>
+                    <a:ext uri="{9D8B030D-6E8A-4147-A177-3AD203B41FA5}">
+                      <a16:colId xmlns:a16="http://schemas.microsoft.com/office/drawing/2014/main" val="1387593033"/>
+                    </a:ext>
+                  </a:extLst>
+                </a:gridCol>
+                <a:gridCol w="1745673">
+                  <a:extLst>
+                    <a:ext uri="{9D8B030D-6E8A-4147-A177-3AD203B41FA5}">
+                      <a16:colId xmlns:a16="http://schemas.microsoft.com/office/drawing/2014/main" val="776739422"/>
+                    </a:ext>
+                  </a:extLst>
+                </a:gridCol>
+                <a:gridCol w="2873829">
+                  <a:extLst>
+                    <a:ext uri="{9D8B030D-6E8A-4147-A177-3AD203B41FA5}">
+                      <a16:colId xmlns:a16="http://schemas.microsoft.com/office/drawing/2014/main" val="1361186130"/>
+                    </a:ext>
+                  </a:extLst>
+                </a:gridCol>
+              </a:tblGrid>
+              <a:tr h="507472">
+                <a:tc>
+                  <a:txBody>
+                    <a:bodyPr/>
+                    <a:lstStyle/>
+                    <a:p>
+                      <a:pPr marL="0" marR="0" algn="ctr">
+                        <a:lnSpc>
+                          <a:spcPct val="107000"/>
+                        </a:lnSpc>
+                        <a:spcBef>
+                          <a:spcPts val="0"/>
+                        </a:spcBef>
+                        <a:spcAft>
+                          <a:spcPts val="0"/>
+                        </a:spcAft>
+                      </a:pPr>
+                      <a:r>
+                        <a:rPr lang="en-US" sz="1800" dirty="0">
+                          <a:effectLst/>
+                          <a:latin typeface="Times New Roman" panose="02020603050405020304" pitchFamily="18" charset="0"/>
+                          <a:cs typeface="Times New Roman" panose="02020603050405020304" pitchFamily="18" charset="0"/>
+                        </a:rPr>
+                        <a:t>Author</a:t>
+                      </a:r>
+                      <a:endParaRPr lang="en-US" sz="1800" dirty="0">
+                        <a:effectLst/>
+                        <a:latin typeface="Times New Roman" panose="02020603050405020304" pitchFamily="18" charset="0"/>
+                        <a:ea typeface="맑은 고딕" panose="020B0503020000020004" pitchFamily="50" charset="-127"/>
+                        <a:cs typeface="Times New Roman" panose="02020603050405020304" pitchFamily="18" charset="0"/>
+                      </a:endParaRPr>
+                    </a:p>
+                  </a:txBody>
+                  <a:tcPr marL="68580" marR="68580" marT="0" marB="0" anchor="ctr"/>
+                </a:tc>
+                <a:tc>
+                  <a:txBody>
+                    <a:bodyPr/>
+                    <a:lstStyle/>
+                    <a:p>
+                      <a:pPr marL="0" marR="0" algn="ctr">
+                        <a:lnSpc>
+                          <a:spcPct val="107000"/>
+                        </a:lnSpc>
+                        <a:spcBef>
+                          <a:spcPts val="0"/>
+                        </a:spcBef>
+                        <a:spcAft>
+                          <a:spcPts val="0"/>
+                        </a:spcAft>
+                      </a:pPr>
+                      <a:r>
+                        <a:rPr lang="en-US" sz="1800" dirty="0">
+                          <a:effectLst/>
+                          <a:latin typeface="Times New Roman" panose="02020603050405020304" pitchFamily="18" charset="0"/>
+                          <a:cs typeface="Times New Roman" panose="02020603050405020304" pitchFamily="18" charset="0"/>
+                        </a:rPr>
+                        <a:t>Essay topic</a:t>
+                      </a:r>
+                      <a:endParaRPr lang="en-US" sz="1800" dirty="0">
+                        <a:effectLst/>
+                        <a:latin typeface="Times New Roman" panose="02020603050405020304" pitchFamily="18" charset="0"/>
+                        <a:ea typeface="맑은 고딕" panose="020B0503020000020004" pitchFamily="50" charset="-127"/>
+                        <a:cs typeface="Times New Roman" panose="02020603050405020304" pitchFamily="18" charset="0"/>
+                      </a:endParaRPr>
+                    </a:p>
+                  </a:txBody>
+                  <a:tcPr marL="68580" marR="68580" marT="0" marB="0" anchor="ctr"/>
+                </a:tc>
+                <a:tc gridSpan="2">
+                  <a:txBody>
+                    <a:bodyPr/>
+                    <a:lstStyle/>
+                    <a:p>
+                      <a:pPr marL="0" marR="0" algn="ctr">
+                        <a:lnSpc>
+                          <a:spcPct val="107000"/>
+                        </a:lnSpc>
+                        <a:spcBef>
+                          <a:spcPts val="0"/>
+                        </a:spcBef>
+                        <a:spcAft>
+                          <a:spcPts val="0"/>
+                        </a:spcAft>
+                      </a:pPr>
+                      <a:r>
+                        <a:rPr lang="en-US" sz="1800" dirty="0">
+                          <a:effectLst/>
+                          <a:latin typeface="Times New Roman" panose="02020603050405020304" pitchFamily="18" charset="0"/>
+                          <a:cs typeface="Times New Roman" panose="02020603050405020304" pitchFamily="18" charset="0"/>
+                        </a:rPr>
+                        <a:t>Gauge dimensions</a:t>
+                      </a:r>
+                      <a:endParaRPr lang="en-US" sz="1800" dirty="0">
+                        <a:effectLst/>
+                        <a:latin typeface="Times New Roman" panose="02020603050405020304" pitchFamily="18" charset="0"/>
+                        <a:ea typeface="맑은 고딕" panose="020B0503020000020004" pitchFamily="50" charset="-127"/>
+                        <a:cs typeface="Times New Roman" panose="02020603050405020304" pitchFamily="18" charset="0"/>
+                      </a:endParaRPr>
+                    </a:p>
+                  </a:txBody>
+                  <a:tcPr marL="68580" marR="68580" marT="0" marB="0" anchor="ctr"/>
+                </a:tc>
+                <a:tc hMerge="1">
+                  <a:txBody>
+                    <a:bodyPr/>
+                    <a:lstStyle/>
+                    <a:p>
+                      <a:endParaRPr lang="en-US"/>
+                    </a:p>
+                  </a:txBody>
+                  <a:tcPr/>
+                </a:tc>
+                <a:tc>
+                  <a:txBody>
+                    <a:bodyPr/>
+                    <a:lstStyle/>
+                    <a:p>
+                      <a:pPr marL="0" marR="0" algn="ctr">
+                        <a:lnSpc>
+                          <a:spcPct val="107000"/>
+                        </a:lnSpc>
+                        <a:spcBef>
+                          <a:spcPts val="0"/>
+                        </a:spcBef>
+                        <a:spcAft>
+                          <a:spcPts val="0"/>
+                        </a:spcAft>
+                      </a:pPr>
+                      <a:r>
+                        <a:rPr lang="en-US" sz="1800" dirty="0">
+                          <a:effectLst/>
+                          <a:latin typeface="Times New Roman" panose="02020603050405020304" pitchFamily="18" charset="0"/>
+                          <a:cs typeface="Times New Roman" panose="02020603050405020304" pitchFamily="18" charset="0"/>
+                        </a:rPr>
+                        <a:t>Applicable people</a:t>
+                      </a:r>
+                      <a:endParaRPr lang="en-US" sz="1800" dirty="0">
+                        <a:effectLst/>
+                        <a:latin typeface="Times New Roman" panose="02020603050405020304" pitchFamily="18" charset="0"/>
+                        <a:ea typeface="맑은 고딕" panose="020B0503020000020004" pitchFamily="50" charset="-127"/>
+                        <a:cs typeface="Times New Roman" panose="02020603050405020304" pitchFamily="18" charset="0"/>
+                      </a:endParaRPr>
+                    </a:p>
+                  </a:txBody>
+                  <a:tcPr marL="68580" marR="68580" marT="0" marB="0" anchor="ctr"/>
+                </a:tc>
+                <a:tc>
+                  <a:txBody>
+                    <a:bodyPr/>
+                    <a:lstStyle/>
+                    <a:p>
+                      <a:pPr marL="0" marR="0" algn="ctr">
+                        <a:lnSpc>
+                          <a:spcPct val="107000"/>
+                        </a:lnSpc>
+                        <a:spcBef>
+                          <a:spcPts val="0"/>
+                        </a:spcBef>
+                        <a:spcAft>
+                          <a:spcPts val="0"/>
+                        </a:spcAft>
+                      </a:pPr>
+                      <a:r>
+                        <a:rPr lang="en-US" sz="1800" dirty="0">
+                          <a:effectLst/>
+                          <a:latin typeface="Times New Roman" panose="02020603050405020304" pitchFamily="18" charset="0"/>
+                          <a:cs typeface="Times New Roman" panose="02020603050405020304" pitchFamily="18" charset="0"/>
+                        </a:rPr>
+                        <a:t>Gauge features</a:t>
+                      </a:r>
+                      <a:endParaRPr lang="en-US" sz="1800" dirty="0">
+                        <a:effectLst/>
+                        <a:latin typeface="Times New Roman" panose="02020603050405020304" pitchFamily="18" charset="0"/>
+                        <a:ea typeface="맑은 고딕" panose="020B0503020000020004" pitchFamily="50" charset="-127"/>
+                        <a:cs typeface="Times New Roman" panose="02020603050405020304" pitchFamily="18" charset="0"/>
+                      </a:endParaRPr>
+                    </a:p>
+                  </a:txBody>
+                  <a:tcPr marL="68580" marR="68580" marT="0" marB="0" anchor="ctr"/>
+                </a:tc>
+                <a:extLst>
+                  <a:ext uri="{0D108BD9-81ED-4DB2-BD59-A6C34878D82A}">
+                    <a16:rowId xmlns:a16="http://schemas.microsoft.com/office/drawing/2014/main" val="477381270"/>
+                  </a:ext>
+                </a:extLst>
+              </a:tr>
+              <a:tr h="1447737">
+                <a:tc rowSpan="2">
+                  <a:txBody>
+                    <a:bodyPr/>
+                    <a:lstStyle/>
+                    <a:p>
+                      <a:pPr marL="0" marR="0" algn="ctr" defTabSz="914400" rtl="0" eaLnBrk="1" latinLnBrk="0" hangingPunct="1">
+                        <a:lnSpc>
+                          <a:spcPct val="107000"/>
+                        </a:lnSpc>
+                        <a:spcBef>
+                          <a:spcPts val="0"/>
+                        </a:spcBef>
+                        <a:spcAft>
+                          <a:spcPts val="1200"/>
+                        </a:spcAft>
+                      </a:pPr>
+                      <a:r>
+                        <a:rPr lang="en-US" sz="1800" kern="1200" dirty="0">
+                          <a:solidFill>
+                            <a:schemeClr val="tx1"/>
+                          </a:solidFill>
+                          <a:effectLst/>
+                          <a:latin typeface="Times New Roman" panose="02020603050405020304" pitchFamily="18" charset="0"/>
+                          <a:ea typeface="+mn-ea"/>
+                          <a:cs typeface="Times New Roman" panose="02020603050405020304" pitchFamily="18" charset="0"/>
+                        </a:rPr>
+                        <a:t>RICAR_DO JAVIER RADEMA CHER MENA</a:t>
+                      </a:r>
+                    </a:p>
+                  </a:txBody>
+                  <a:tcPr marL="68580" marR="68580" marT="0" marB="0" anchor="ctr"/>
+                </a:tc>
+                <a:tc rowSpan="2">
+                  <a:txBody>
+                    <a:bodyPr/>
+                    <a:lstStyle/>
+                    <a:p>
+                      <a:pPr marL="0" marR="0" algn="ctr" defTabSz="914400" rtl="0" eaLnBrk="1" latinLnBrk="0" hangingPunct="1">
+                        <a:lnSpc>
+                          <a:spcPct val="107000"/>
+                        </a:lnSpc>
+                        <a:spcBef>
+                          <a:spcPts val="0"/>
+                        </a:spcBef>
+                        <a:spcAft>
+                          <a:spcPts val="1200"/>
+                        </a:spcAft>
+                      </a:pPr>
+                      <a:r>
+                        <a:rPr lang="en-US" sz="1800" kern="1200" dirty="0">
+                          <a:solidFill>
+                            <a:schemeClr val="tx1"/>
+                          </a:solidFill>
+                          <a:effectLst/>
+                          <a:latin typeface="Times New Roman" panose="02020603050405020304" pitchFamily="18" charset="0"/>
+                          <a:ea typeface="+mn-ea"/>
+                          <a:cs typeface="Times New Roman" panose="02020603050405020304" pitchFamily="18" charset="0"/>
+                        </a:rPr>
+                        <a:t>E/E Grid (EDU Grid &amp;ENT Grid) (2010)</a:t>
+                      </a:r>
+                    </a:p>
+                  </a:txBody>
+                  <a:tcPr marL="68580" marR="68580" marT="0" marB="0" anchor="ctr"/>
+                </a:tc>
+                <a:tc rowSpan="2">
+                  <a:txBody>
+                    <a:bodyPr/>
+                    <a:lstStyle/>
+                    <a:p>
+                      <a:pPr marL="0" marR="0" algn="ctr" defTabSz="914400" rtl="0" eaLnBrk="1" latinLnBrk="0" hangingPunct="1">
+                        <a:lnSpc>
+                          <a:spcPct val="107000"/>
+                        </a:lnSpc>
+                        <a:spcBef>
+                          <a:spcPts val="0"/>
+                        </a:spcBef>
+                        <a:spcAft>
+                          <a:spcPts val="1200"/>
+                        </a:spcAft>
+                      </a:pPr>
+                      <a:r>
+                        <a:rPr lang="en-US" sz="1800" kern="1200" dirty="0">
+                          <a:solidFill>
+                            <a:schemeClr val="tx1"/>
+                          </a:solidFill>
+                          <a:effectLst/>
+                          <a:latin typeface="Times New Roman" panose="02020603050405020304" pitchFamily="18" charset="0"/>
+                          <a:ea typeface="+mn-ea"/>
+                          <a:cs typeface="Times New Roman" panose="02020603050405020304" pitchFamily="18" charset="0"/>
+                        </a:rPr>
+                        <a:t>2D</a:t>
+                      </a:r>
+                    </a:p>
+                  </a:txBody>
+                  <a:tcPr marL="68580" marR="68580" marT="0" marB="0" anchor="ctr"/>
+                </a:tc>
+                <a:tc>
+                  <a:txBody>
+                    <a:bodyPr/>
+                    <a:lstStyle/>
+                    <a:p>
+                      <a:pPr marL="0" marR="0" algn="ctr" defTabSz="914400" rtl="0" eaLnBrk="1" latinLnBrk="0" hangingPunct="1">
+                        <a:lnSpc>
+                          <a:spcPct val="107000"/>
+                        </a:lnSpc>
+                        <a:spcBef>
+                          <a:spcPts val="0"/>
+                        </a:spcBef>
+                        <a:spcAft>
+                          <a:spcPts val="1200"/>
+                        </a:spcAft>
+                      </a:pPr>
+                      <a:r>
+                        <a:rPr lang="en-US" sz="1800" kern="1200" dirty="0">
+                          <a:solidFill>
+                            <a:schemeClr val="tx1"/>
+                          </a:solidFill>
+                          <a:effectLst/>
+                          <a:latin typeface="Times New Roman" panose="02020603050405020304" pitchFamily="18" charset="0"/>
+                          <a:ea typeface="+mn-ea"/>
+                          <a:cs typeface="Times New Roman" panose="02020603050405020304" pitchFamily="18" charset="0"/>
+                        </a:rPr>
+                        <a:t>Education (as a specific indicator of the " knowledge" dimension in Gardner's Multiple Intelligences and the 2001 Anderson Educational Target Classification)</a:t>
+                      </a:r>
+                    </a:p>
+                  </a:txBody>
+                  <a:tcPr marL="68580" marR="68580" marT="0" marB="0" anchor="ctr" anchorCtr="1"/>
+                </a:tc>
+                <a:tc rowSpan="2">
+                  <a:txBody>
+                    <a:bodyPr/>
+                    <a:lstStyle/>
+                    <a:p>
+                      <a:pPr marL="0" marR="0" lvl="0" indent="0" algn="ctr" defTabSz="914400" rtl="0" eaLnBrk="1" fontAlgn="auto" latinLnBrk="0" hangingPunct="1">
+                        <a:lnSpc>
+                          <a:spcPct val="107000"/>
+                        </a:lnSpc>
+                        <a:spcBef>
+                          <a:spcPts val="0"/>
+                        </a:spcBef>
+                        <a:spcAft>
+                          <a:spcPts val="1200"/>
+                        </a:spcAft>
+                        <a:buClrTx/>
+                        <a:buSzTx/>
+                        <a:buFontTx/>
+                        <a:buNone/>
+                        <a:tabLst/>
+                        <a:defRPr/>
+                      </a:pPr>
+                      <a:r>
+                        <a:rPr lang="en-US" sz="1800" kern="1200" dirty="0">
+                          <a:solidFill>
+                            <a:schemeClr val="tx1"/>
+                          </a:solidFill>
+                          <a:effectLst/>
+                          <a:latin typeface="Times New Roman" panose="02020603050405020304" pitchFamily="18" charset="0"/>
+                          <a:ea typeface="+mn-ea"/>
+                          <a:cs typeface="Times New Roman" panose="02020603050405020304" pitchFamily="18" charset="0"/>
+                        </a:rPr>
+                        <a:t>Game designer</a:t>
+                      </a:r>
+                    </a:p>
+                    <a:p>
+                      <a:pPr marL="0" marR="0" lvl="0" indent="0" algn="ctr" defTabSz="914400" rtl="0" eaLnBrk="1" fontAlgn="auto" latinLnBrk="0" hangingPunct="1">
+                        <a:lnSpc>
+                          <a:spcPct val="107000"/>
+                        </a:lnSpc>
+                        <a:spcBef>
+                          <a:spcPts val="0"/>
+                        </a:spcBef>
+                        <a:spcAft>
+                          <a:spcPts val="1200"/>
+                        </a:spcAft>
+                        <a:buClrTx/>
+                        <a:buSzTx/>
+                        <a:buFontTx/>
+                        <a:buNone/>
+                        <a:tabLst/>
+                        <a:defRPr/>
+                      </a:pPr>
+                      <a:r>
+                        <a:rPr lang="en-US" sz="1800" kern="1200" dirty="0">
+                          <a:solidFill>
+                            <a:schemeClr val="tx1"/>
+                          </a:solidFill>
+                          <a:effectLst/>
+                          <a:latin typeface="Times New Roman" panose="02020603050405020304" pitchFamily="18" charset="0"/>
+                          <a:ea typeface="+mn-ea"/>
+                          <a:cs typeface="Times New Roman" panose="02020603050405020304" pitchFamily="18" charset="0"/>
+                        </a:rPr>
+                        <a:t>Teacher </a:t>
+                      </a:r>
+                    </a:p>
+                    <a:p>
+                      <a:pPr marL="0" marR="0" lvl="0" indent="0" algn="ctr" defTabSz="914400" rtl="0" eaLnBrk="1" fontAlgn="auto" latinLnBrk="0" hangingPunct="1">
+                        <a:lnSpc>
+                          <a:spcPct val="107000"/>
+                        </a:lnSpc>
+                        <a:spcBef>
+                          <a:spcPts val="0"/>
+                        </a:spcBef>
+                        <a:spcAft>
+                          <a:spcPts val="1200"/>
+                        </a:spcAft>
+                        <a:buClrTx/>
+                        <a:buSzTx/>
+                        <a:buFontTx/>
+                        <a:buNone/>
+                        <a:tabLst/>
+                        <a:defRPr/>
+                      </a:pPr>
+                      <a:r>
+                        <a:rPr lang="en-US" sz="1800" kern="1200" dirty="0">
+                          <a:solidFill>
+                            <a:schemeClr val="tx1"/>
+                          </a:solidFill>
+                          <a:effectLst/>
+                          <a:latin typeface="Times New Roman" panose="02020603050405020304" pitchFamily="18" charset="0"/>
+                          <a:ea typeface="+mn-ea"/>
+                          <a:cs typeface="Times New Roman" panose="02020603050405020304" pitchFamily="18" charset="0"/>
+                        </a:rPr>
+                        <a:t>Educator</a:t>
+                      </a:r>
+                    </a:p>
+                  </a:txBody>
+                  <a:tcPr marL="68580" marR="68580" marT="0" marB="0" anchor="ctr"/>
+                </a:tc>
+                <a:tc rowSpan="2">
+                  <a:txBody>
+                    <a:bodyPr/>
+                    <a:lstStyle/>
+                    <a:p>
+                      <a:pPr marL="0" marR="0" lvl="0" indent="0" algn="ctr" defTabSz="914400" rtl="0" eaLnBrk="1" fontAlgn="auto" latinLnBrk="0" hangingPunct="1">
+                        <a:lnSpc>
+                          <a:spcPct val="107000"/>
+                        </a:lnSpc>
+                        <a:spcBef>
+                          <a:spcPts val="0"/>
+                        </a:spcBef>
+                        <a:spcAft>
+                          <a:spcPts val="1200"/>
+                        </a:spcAft>
+                        <a:buClrTx/>
+                        <a:buSzTx/>
+                        <a:buFontTx/>
+                        <a:buNone/>
+                        <a:tabLst/>
+                        <a:defRPr/>
+                      </a:pPr>
+                      <a:r>
+                        <a:rPr lang="en-US" sz="1800" kern="1200" dirty="0">
+                          <a:solidFill>
+                            <a:schemeClr val="tx1"/>
+                          </a:solidFill>
+                          <a:effectLst/>
+                          <a:latin typeface="Times New Roman" panose="02020603050405020304" pitchFamily="18" charset="0"/>
+                          <a:ea typeface="+mn-ea"/>
+                          <a:cs typeface="Times New Roman" panose="02020603050405020304" pitchFamily="18" charset="0"/>
+                        </a:rPr>
+                        <a:t>full account of the balance between educational and gameplay, using </a:t>
+                      </a:r>
+                      <a:r>
+                        <a:rPr lang="en-US" sz="1800" kern="1200" dirty="0" err="1">
+                          <a:solidFill>
+                            <a:schemeClr val="tx1"/>
+                          </a:solidFill>
+                          <a:effectLst/>
+                          <a:latin typeface="Times New Roman" panose="02020603050405020304" pitchFamily="18" charset="0"/>
+                          <a:ea typeface="+mn-ea"/>
+                          <a:cs typeface="Times New Roman" panose="02020603050405020304" pitchFamily="18" charset="0"/>
+                        </a:rPr>
+                        <a:t>Caillois's</a:t>
+                      </a:r>
+                      <a:r>
+                        <a:rPr lang="en-US" sz="1800" kern="1200" dirty="0">
+                          <a:solidFill>
+                            <a:schemeClr val="tx1"/>
+                          </a:solidFill>
+                          <a:effectLst/>
+                          <a:latin typeface="Times New Roman" panose="02020603050405020304" pitchFamily="18" charset="0"/>
+                          <a:ea typeface="+mn-ea"/>
+                          <a:cs typeface="Times New Roman" panose="02020603050405020304" pitchFamily="18" charset="0"/>
+                        </a:rPr>
+                        <a:t> game type classification is not very suitable for the types of games in modern educational games, and it is a qualitative evaluation.</a:t>
+                      </a:r>
+                    </a:p>
+                  </a:txBody>
+                  <a:tcPr marL="68580" marR="68580" marT="0" marB="0" anchor="ctr"/>
+                </a:tc>
+                <a:extLst>
+                  <a:ext uri="{0D108BD9-81ED-4DB2-BD59-A6C34878D82A}">
+                    <a16:rowId xmlns:a16="http://schemas.microsoft.com/office/drawing/2014/main" val="372984438"/>
+                  </a:ext>
+                </a:extLst>
+              </a:tr>
+              <a:tr h="1447737">
+                <a:tc vMerge="1">
+                  <a:txBody>
+                    <a:bodyPr/>
+                    <a:lstStyle/>
+                    <a:p>
+                      <a:endParaRPr lang="en-US"/>
+                    </a:p>
+                  </a:txBody>
+                  <a:tcPr/>
+                </a:tc>
+                <a:tc vMerge="1">
+                  <a:txBody>
+                    <a:bodyPr/>
+                    <a:lstStyle/>
+                    <a:p>
+                      <a:endParaRPr lang="en-US"/>
+                    </a:p>
+                  </a:txBody>
+                  <a:tcPr/>
+                </a:tc>
+                <a:tc vMerge="1">
+                  <a:txBody>
+                    <a:bodyPr/>
+                    <a:lstStyle/>
+                    <a:p>
+                      <a:endParaRPr lang="en-US"/>
+                    </a:p>
+                  </a:txBody>
+                  <a:tcPr/>
+                </a:tc>
+                <a:tc>
+                  <a:txBody>
+                    <a:bodyPr/>
+                    <a:lstStyle/>
+                    <a:p>
+                      <a:pPr marL="0" marR="0" lvl="0" indent="0" algn="ctr" defTabSz="914400" rtl="0" eaLnBrk="1" fontAlgn="auto" latinLnBrk="0" hangingPunct="1">
+                        <a:lnSpc>
+                          <a:spcPct val="100000"/>
+                        </a:lnSpc>
+                        <a:spcBef>
+                          <a:spcPts val="0"/>
+                        </a:spcBef>
+                        <a:spcAft>
+                          <a:spcPts val="1200"/>
+                        </a:spcAft>
+                        <a:buClrTx/>
+                        <a:buSzTx/>
+                        <a:buFontTx/>
+                        <a:buNone/>
+                        <a:tabLst/>
+                        <a:defRPr/>
+                      </a:pPr>
+                      <a:r>
+                        <a:rPr lang="en-US" sz="1800" kern="1200" dirty="0">
+                          <a:solidFill>
+                            <a:schemeClr val="tx1"/>
+                          </a:solidFill>
+                          <a:effectLst/>
+                          <a:latin typeface="Times New Roman" panose="02020603050405020304" pitchFamily="18" charset="0"/>
+                          <a:ea typeface="+mn-ea"/>
+                          <a:cs typeface="Times New Roman" panose="02020603050405020304" pitchFamily="18" charset="0"/>
+                        </a:rPr>
+                        <a:t>Gameplay (as a specific indicator of the Battle virtual world player type and </a:t>
+                      </a:r>
+                      <a:r>
+                        <a:rPr lang="en-US" sz="1800" kern="1200" dirty="0" err="1">
+                          <a:solidFill>
+                            <a:schemeClr val="tx1"/>
+                          </a:solidFill>
+                          <a:effectLst/>
+                          <a:latin typeface="Times New Roman" panose="02020603050405020304" pitchFamily="18" charset="0"/>
+                          <a:ea typeface="+mn-ea"/>
+                          <a:cs typeface="Times New Roman" panose="02020603050405020304" pitchFamily="18" charset="0"/>
+                        </a:rPr>
+                        <a:t>Caillois</a:t>
+                      </a:r>
+                      <a:r>
+                        <a:rPr lang="en-US" sz="1800" kern="1200" dirty="0">
+                          <a:solidFill>
+                            <a:schemeClr val="tx1"/>
+                          </a:solidFill>
+                          <a:effectLst/>
+                          <a:latin typeface="Times New Roman" panose="02020603050405020304" pitchFamily="18" charset="0"/>
+                          <a:ea typeface="+mn-ea"/>
+                          <a:cs typeface="Times New Roman" panose="02020603050405020304" pitchFamily="18" charset="0"/>
+                        </a:rPr>
+                        <a:t> game type)</a:t>
+                      </a:r>
+                    </a:p>
+                    <a:p>
+                      <a:pPr marL="0" marR="0" algn="ctr" defTabSz="914400" rtl="0" eaLnBrk="1" latinLnBrk="0" hangingPunct="1">
+                        <a:spcBef>
+                          <a:spcPts val="0"/>
+                        </a:spcBef>
+                        <a:spcAft>
+                          <a:spcPts val="1200"/>
+                        </a:spcAft>
+                      </a:pPr>
+                      <a:endParaRPr lang="en-US" sz="1800" kern="1200" dirty="0">
+                        <a:solidFill>
+                          <a:schemeClr val="tx1"/>
+                        </a:solidFill>
+                        <a:effectLst/>
+                        <a:latin typeface="Times New Roman" panose="02020603050405020304" pitchFamily="18" charset="0"/>
+                        <a:ea typeface="+mn-ea"/>
+                        <a:cs typeface="Times New Roman" panose="02020603050405020304" pitchFamily="18" charset="0"/>
+                      </a:endParaRPr>
+                    </a:p>
+                  </a:txBody>
+                  <a:tcPr marL="68580" marR="68580" marT="0" marB="0" anchor="ctr" anchorCtr="1"/>
+                </a:tc>
+                <a:tc vMerge="1">
+                  <a:txBody>
+                    <a:bodyPr/>
+                    <a:lstStyle/>
+                    <a:p>
+                      <a:pPr marL="0" marR="0" algn="ctr">
+                        <a:spcBef>
+                          <a:spcPts val="0"/>
+                        </a:spcBef>
+                        <a:spcAft>
+                          <a:spcPts val="1200"/>
+                        </a:spcAft>
+                      </a:pPr>
+                      <a:endParaRPr lang="en-US" sz="1200" dirty="0">
+                        <a:effectLst/>
+                        <a:latin typeface="Times New Roman" panose="02020603050405020304" pitchFamily="18" charset="0"/>
+                        <a:ea typeface="Times New Roman" panose="02020603050405020304" pitchFamily="18" charset="0"/>
+                        <a:cs typeface="Times New Roman" panose="02020603050405020304" pitchFamily="18" charset="0"/>
+                      </a:endParaRPr>
+                    </a:p>
+                  </a:txBody>
+                  <a:tcPr marL="68580" marR="68580" marT="0" marB="0"/>
+                </a:tc>
+                <a:tc vMerge="1">
+                  <a:txBody>
+                    <a:bodyPr/>
+                    <a:lstStyle/>
+                    <a:p>
+                      <a:pPr marL="0" marR="0" algn="ctr">
+                        <a:spcBef>
+                          <a:spcPts val="0"/>
+                        </a:spcBef>
+                        <a:spcAft>
+                          <a:spcPts val="1200"/>
+                        </a:spcAft>
+                      </a:pPr>
+                      <a:endParaRPr lang="en-US" sz="1200" dirty="0">
+                        <a:effectLst/>
+                        <a:latin typeface="Times New Roman" panose="02020603050405020304" pitchFamily="18" charset="0"/>
+                        <a:ea typeface="Times New Roman" panose="02020603050405020304" pitchFamily="18" charset="0"/>
+                        <a:cs typeface="Times New Roman" panose="02020603050405020304" pitchFamily="18" charset="0"/>
+                      </a:endParaRPr>
+                    </a:p>
+                  </a:txBody>
+                  <a:tcPr marL="68580" marR="68580" marT="0" marB="0"/>
+                </a:tc>
+                <a:extLst>
+                  <a:ext uri="{0D108BD9-81ED-4DB2-BD59-A6C34878D82A}">
+                    <a16:rowId xmlns:a16="http://schemas.microsoft.com/office/drawing/2014/main" val="4197519745"/>
+                  </a:ext>
+                </a:extLst>
+              </a:tr>
+              <a:tr h="973688">
+                <a:tc rowSpan="3">
+                  <a:txBody>
+                    <a:bodyPr/>
+                    <a:lstStyle/>
+                    <a:p>
+                      <a:pPr marL="0" marR="0" lvl="0" indent="0" algn="ctr" defTabSz="914400" rtl="0" eaLnBrk="1" fontAlgn="auto" latinLnBrk="0" hangingPunct="1">
+                        <a:lnSpc>
+                          <a:spcPct val="107000"/>
+                        </a:lnSpc>
+                        <a:spcBef>
+                          <a:spcPts val="0"/>
+                        </a:spcBef>
+                        <a:spcAft>
+                          <a:spcPts val="1200"/>
+                        </a:spcAft>
+                        <a:buClrTx/>
+                        <a:buSzTx/>
+                        <a:buFontTx/>
+                        <a:buNone/>
+                        <a:tabLst/>
+                        <a:defRPr/>
+                      </a:pPr>
+                      <a:r>
+                        <a:rPr lang="en-US" sz="1800" kern="1200" dirty="0">
+                          <a:solidFill>
+                            <a:schemeClr val="tx1"/>
+                          </a:solidFill>
+                          <a:effectLst/>
+                          <a:latin typeface="Times New Roman" panose="02020603050405020304" pitchFamily="18" charset="0"/>
+                          <a:ea typeface="+mn-ea"/>
+                          <a:cs typeface="Times New Roman" panose="02020603050405020304" pitchFamily="18" charset="0"/>
+                        </a:rPr>
+                        <a:t>Wang Wei[37]</a:t>
+                      </a:r>
+                    </a:p>
+                  </a:txBody>
+                  <a:tcPr marL="68580" marR="68580" marT="0" marB="0" anchor="ctr" anchorCtr="1"/>
+                </a:tc>
+                <a:tc rowSpan="3">
+                  <a:txBody>
+                    <a:bodyPr/>
+                    <a:lstStyle/>
+                    <a:p>
+                      <a:pPr marL="0" marR="0" lvl="0" indent="0" algn="ctr" defTabSz="914400" rtl="0" eaLnBrk="1" fontAlgn="auto" latinLnBrk="0" hangingPunct="1">
+                        <a:lnSpc>
+                          <a:spcPct val="107000"/>
+                        </a:lnSpc>
+                        <a:spcBef>
+                          <a:spcPts val="0"/>
+                        </a:spcBef>
+                        <a:spcAft>
+                          <a:spcPts val="1200"/>
+                        </a:spcAft>
+                        <a:buClrTx/>
+                        <a:buSzTx/>
+                        <a:buFontTx/>
+                        <a:buNone/>
+                        <a:tabLst/>
+                        <a:defRPr/>
+                      </a:pPr>
+                      <a:r>
+                        <a:rPr lang="en-US" sz="1800" kern="1200" dirty="0">
+                          <a:solidFill>
+                            <a:schemeClr val="tx1"/>
+                          </a:solidFill>
+                          <a:effectLst/>
+                          <a:latin typeface="Times New Roman" panose="02020603050405020304" pitchFamily="18" charset="0"/>
+                          <a:ea typeface="+mn-ea"/>
+                          <a:cs typeface="Times New Roman" panose="02020603050405020304" pitchFamily="18" charset="0"/>
+                        </a:rPr>
+                        <a:t>Multi-intelligence-based electronic game education comprehensive evaluation index system</a:t>
+                      </a:r>
+                      <a:r>
+                        <a:rPr lang="zh-CN" altLang="en-US" sz="1800" kern="1200" dirty="0">
+                          <a:solidFill>
+                            <a:schemeClr val="tx1"/>
+                          </a:solidFill>
+                          <a:effectLst/>
+                          <a:latin typeface="Times New Roman" panose="02020603050405020304" pitchFamily="18" charset="0"/>
+                          <a:ea typeface="+mn-ea"/>
+                          <a:cs typeface="Times New Roman" panose="02020603050405020304" pitchFamily="18" charset="0"/>
+                        </a:rPr>
+                        <a:t>（</a:t>
+                      </a:r>
+                      <a:r>
+                        <a:rPr lang="en-US" sz="1800" kern="1200" dirty="0">
+                          <a:solidFill>
+                            <a:schemeClr val="tx1"/>
+                          </a:solidFill>
+                          <a:effectLst/>
+                          <a:latin typeface="Times New Roman" panose="02020603050405020304" pitchFamily="18" charset="0"/>
+                          <a:ea typeface="+mn-ea"/>
+                          <a:cs typeface="Times New Roman" panose="02020603050405020304" pitchFamily="18" charset="0"/>
+                        </a:rPr>
+                        <a:t>2009</a:t>
+                      </a:r>
+                      <a:r>
+                        <a:rPr lang="zh-CN" altLang="en-US" sz="1800" kern="1200" dirty="0">
+                          <a:solidFill>
+                            <a:schemeClr val="tx1"/>
+                          </a:solidFill>
+                          <a:effectLst/>
+                          <a:latin typeface="Times New Roman" panose="02020603050405020304" pitchFamily="18" charset="0"/>
+                          <a:ea typeface="+mn-ea"/>
+                          <a:cs typeface="Times New Roman" panose="02020603050405020304" pitchFamily="18" charset="0"/>
+                        </a:rPr>
+                        <a:t>）</a:t>
+                      </a:r>
+                      <a:endParaRPr lang="en-US" sz="1800" kern="1200" dirty="0">
+                        <a:solidFill>
+                          <a:schemeClr val="tx1"/>
+                        </a:solidFill>
+                        <a:effectLst/>
+                        <a:latin typeface="Times New Roman" panose="02020603050405020304" pitchFamily="18" charset="0"/>
+                        <a:ea typeface="+mn-ea"/>
+                        <a:cs typeface="Times New Roman" panose="02020603050405020304" pitchFamily="18" charset="0"/>
+                      </a:endParaRPr>
+                    </a:p>
+                  </a:txBody>
+                  <a:tcPr marL="68580" marR="68580" marT="0" marB="0" anchor="ctr" anchorCtr="1"/>
+                </a:tc>
+                <a:tc rowSpan="3">
+                  <a:txBody>
+                    <a:bodyPr/>
+                    <a:lstStyle/>
+                    <a:p>
+                      <a:pPr marL="0" marR="0" lvl="0" indent="0" algn="ctr" defTabSz="914400" rtl="0" eaLnBrk="1" fontAlgn="auto" latinLnBrk="0" hangingPunct="1">
+                        <a:lnSpc>
+                          <a:spcPct val="107000"/>
+                        </a:lnSpc>
+                        <a:spcBef>
+                          <a:spcPts val="0"/>
+                        </a:spcBef>
+                        <a:spcAft>
+                          <a:spcPts val="1200"/>
+                        </a:spcAft>
+                        <a:buClrTx/>
+                        <a:buSzTx/>
+                        <a:buFontTx/>
+                        <a:buNone/>
+                        <a:tabLst/>
+                        <a:defRPr/>
+                      </a:pPr>
+                      <a:r>
+                        <a:rPr lang="en-US" sz="1800" kern="1200" dirty="0">
+                          <a:solidFill>
+                            <a:schemeClr val="tx1"/>
+                          </a:solidFill>
+                          <a:effectLst/>
+                          <a:latin typeface="Times New Roman" panose="02020603050405020304" pitchFamily="18" charset="0"/>
+                          <a:ea typeface="+mn-ea"/>
+                          <a:cs typeface="Times New Roman" panose="02020603050405020304" pitchFamily="18" charset="0"/>
+                        </a:rPr>
+                        <a:t>3D</a:t>
+                      </a:r>
+                    </a:p>
+                  </a:txBody>
+                  <a:tcPr marL="68580" marR="68580" marT="0" marB="0" anchor="ctr" anchorCtr="1"/>
+                </a:tc>
+                <a:tc>
+                  <a:txBody>
+                    <a:bodyPr/>
+                    <a:lstStyle/>
+                    <a:p>
+                      <a:pPr marL="0" marR="0" lvl="0" indent="0" algn="ctr" defTabSz="914400" rtl="0" eaLnBrk="1" fontAlgn="auto" latinLnBrk="0" hangingPunct="1">
+                        <a:lnSpc>
+                          <a:spcPct val="107000"/>
+                        </a:lnSpc>
+                        <a:spcBef>
+                          <a:spcPts val="0"/>
+                        </a:spcBef>
+                        <a:spcAft>
+                          <a:spcPts val="1200"/>
+                        </a:spcAft>
+                        <a:buClrTx/>
+                        <a:buSzTx/>
+                        <a:buFontTx/>
+                        <a:buNone/>
+                        <a:tabLst/>
+                        <a:defRPr/>
+                      </a:pPr>
+                      <a:r>
+                        <a:rPr lang="en-US" sz="1800" kern="1200" dirty="0">
+                          <a:solidFill>
+                            <a:schemeClr val="tx1"/>
+                          </a:solidFill>
+                          <a:effectLst/>
+                          <a:latin typeface="Times New Roman" panose="02020603050405020304" pitchFamily="18" charset="0"/>
+                          <a:ea typeface="+mn-ea"/>
+                          <a:cs typeface="Times New Roman" panose="02020603050405020304" pitchFamily="18" charset="0"/>
+                        </a:rPr>
+                        <a:t>Tasks</a:t>
+                      </a:r>
+                    </a:p>
+                  </a:txBody>
+                  <a:tcPr marL="68580" marR="68580" marT="0" marB="0" anchor="ctr" anchorCtr="1"/>
+                </a:tc>
+                <a:tc rowSpan="3">
+                  <a:txBody>
+                    <a:bodyPr/>
+                    <a:lstStyle/>
+                    <a:p>
+                      <a:pPr marL="0" marR="0" lvl="0" indent="0" algn="ctr" defTabSz="914400" rtl="0" eaLnBrk="1" fontAlgn="auto" latinLnBrk="0" hangingPunct="1">
+                        <a:lnSpc>
+                          <a:spcPct val="107000"/>
+                        </a:lnSpc>
+                        <a:spcBef>
+                          <a:spcPts val="0"/>
+                        </a:spcBef>
+                        <a:spcAft>
+                          <a:spcPts val="1200"/>
+                        </a:spcAft>
+                        <a:buClrTx/>
+                        <a:buSzTx/>
+                        <a:buFontTx/>
+                        <a:buNone/>
+                        <a:tabLst/>
+                        <a:defRPr/>
+                      </a:pPr>
+                      <a:r>
+                        <a:rPr lang="en-US" sz="1800" kern="1200" dirty="0">
+                          <a:solidFill>
+                            <a:schemeClr val="tx1"/>
+                          </a:solidFill>
+                          <a:effectLst/>
+                          <a:latin typeface="Times New Roman" panose="02020603050405020304" pitchFamily="18" charset="0"/>
+                          <a:ea typeface="+mn-ea"/>
+                          <a:cs typeface="Times New Roman" panose="02020603050405020304" pitchFamily="18" charset="0"/>
+                        </a:rPr>
+                        <a:t>Teacher </a:t>
+                      </a:r>
+                    </a:p>
+                    <a:p>
+                      <a:pPr marL="0" marR="0" lvl="0" indent="0" algn="ctr" defTabSz="914400" rtl="0" eaLnBrk="1" fontAlgn="auto" latinLnBrk="0" hangingPunct="1">
+                        <a:lnSpc>
+                          <a:spcPct val="107000"/>
+                        </a:lnSpc>
+                        <a:spcBef>
+                          <a:spcPts val="0"/>
+                        </a:spcBef>
+                        <a:spcAft>
+                          <a:spcPts val="1200"/>
+                        </a:spcAft>
+                        <a:buClrTx/>
+                        <a:buSzTx/>
+                        <a:buFontTx/>
+                        <a:buNone/>
+                        <a:tabLst/>
+                        <a:defRPr/>
+                      </a:pPr>
+                      <a:r>
+                        <a:rPr lang="en-US" sz="1800" kern="1200" dirty="0">
+                          <a:solidFill>
+                            <a:schemeClr val="tx1"/>
+                          </a:solidFill>
+                          <a:effectLst/>
+                          <a:latin typeface="Times New Roman" panose="02020603050405020304" pitchFamily="18" charset="0"/>
+                          <a:ea typeface="+mn-ea"/>
+                          <a:cs typeface="Times New Roman" panose="02020603050405020304" pitchFamily="18" charset="0"/>
+                        </a:rPr>
+                        <a:t>User </a:t>
+                      </a:r>
+                    </a:p>
+                    <a:p>
+                      <a:pPr marL="0" marR="0" lvl="0" indent="0" algn="ctr" defTabSz="914400" rtl="0" eaLnBrk="1" fontAlgn="auto" latinLnBrk="0" hangingPunct="1">
+                        <a:lnSpc>
+                          <a:spcPct val="107000"/>
+                        </a:lnSpc>
+                        <a:spcBef>
+                          <a:spcPts val="0"/>
+                        </a:spcBef>
+                        <a:spcAft>
+                          <a:spcPts val="1200"/>
+                        </a:spcAft>
+                        <a:buClrTx/>
+                        <a:buSzTx/>
+                        <a:buFontTx/>
+                        <a:buNone/>
+                        <a:tabLst/>
+                        <a:defRPr/>
+                      </a:pPr>
+                      <a:r>
+                        <a:rPr lang="en-US" sz="1800" kern="1200" dirty="0">
+                          <a:solidFill>
+                            <a:schemeClr val="tx1"/>
+                          </a:solidFill>
+                          <a:effectLst/>
+                          <a:latin typeface="Times New Roman" panose="02020603050405020304" pitchFamily="18" charset="0"/>
+                          <a:ea typeface="+mn-ea"/>
+                          <a:cs typeface="Times New Roman" panose="02020603050405020304" pitchFamily="18" charset="0"/>
+                        </a:rPr>
+                        <a:t>Educational game development company</a:t>
+                      </a:r>
+                    </a:p>
+                  </a:txBody>
+                  <a:tcPr marL="68580" marR="68580" marT="0" marB="0" anchor="ctr" anchorCtr="1"/>
+                </a:tc>
+                <a:tc rowSpan="3">
+                  <a:txBody>
+                    <a:bodyPr/>
+                    <a:lstStyle/>
+                    <a:p>
+                      <a:pPr marL="0" marR="0" lvl="0" indent="0" algn="ctr" defTabSz="914400" rtl="0" eaLnBrk="1" fontAlgn="auto" latinLnBrk="0" hangingPunct="1">
+                        <a:lnSpc>
+                          <a:spcPct val="107000"/>
+                        </a:lnSpc>
+                        <a:spcBef>
+                          <a:spcPts val="0"/>
+                        </a:spcBef>
+                        <a:spcAft>
+                          <a:spcPts val="1200"/>
+                        </a:spcAft>
+                        <a:buClrTx/>
+                        <a:buSzTx/>
+                        <a:buFontTx/>
+                        <a:buNone/>
+                        <a:tabLst/>
+                        <a:defRPr/>
+                      </a:pPr>
+                      <a:r>
+                        <a:rPr lang="en-US" sz="1800" kern="1200" dirty="0">
+                          <a:solidFill>
+                            <a:schemeClr val="tx1"/>
+                          </a:solidFill>
+                          <a:effectLst/>
+                          <a:latin typeface="Times New Roman" panose="02020603050405020304" pitchFamily="18" charset="0"/>
+                          <a:ea typeface="+mn-ea"/>
+                          <a:cs typeface="Times New Roman" panose="02020603050405020304" pitchFamily="18" charset="0"/>
+                        </a:rPr>
+                        <a:t>11 task boxes, 27 scene indicators and 25 interaction indicators. The indicators are very subtle and have the right to restate, which helps to evaluate the accuracy of the results. It belongs to quantitative evaluation</a:t>
+                      </a:r>
+                    </a:p>
+                  </a:txBody>
+                  <a:tcPr marL="68580" marR="68580" marT="0" marB="0" anchor="ctr" anchorCtr="1"/>
+                </a:tc>
+                <a:extLst>
+                  <a:ext uri="{0D108BD9-81ED-4DB2-BD59-A6C34878D82A}">
+                    <a16:rowId xmlns:a16="http://schemas.microsoft.com/office/drawing/2014/main" val="3761455560"/>
+                  </a:ext>
+                </a:extLst>
+              </a:tr>
+              <a:tr h="973688">
+                <a:tc vMerge="1">
+                  <a:txBody>
+                    <a:bodyPr/>
+                    <a:lstStyle/>
+                    <a:p>
+                      <a:pPr marL="0" marR="0" algn="ctr" defTabSz="914400" rtl="0" eaLnBrk="1" latinLnBrk="0" hangingPunct="1">
+                        <a:lnSpc>
+                          <a:spcPct val="107000"/>
+                        </a:lnSpc>
+                        <a:spcBef>
+                          <a:spcPts val="0"/>
+                        </a:spcBef>
+                        <a:spcAft>
+                          <a:spcPts val="1200"/>
+                        </a:spcAft>
+                      </a:pPr>
+                      <a:endParaRPr lang="en-US" sz="1800" kern="1200" dirty="0">
+                        <a:solidFill>
+                          <a:schemeClr val="tx1"/>
+                        </a:solidFill>
+                        <a:effectLst/>
+                        <a:latin typeface="Times New Roman" panose="02020603050405020304" pitchFamily="18" charset="0"/>
+                        <a:ea typeface="+mn-ea"/>
+                        <a:cs typeface="Times New Roman" panose="02020603050405020304" pitchFamily="18" charset="0"/>
+                      </a:endParaRPr>
+                    </a:p>
+                  </a:txBody>
+                  <a:tcPr marL="68580" marR="68580" marT="0" marB="0" anchor="ctr"/>
+                </a:tc>
+                <a:tc vMerge="1">
+                  <a:txBody>
+                    <a:bodyPr/>
+                    <a:lstStyle/>
+                    <a:p>
+                      <a:pPr marL="0" marR="0" algn="ctr" defTabSz="914400" rtl="0" eaLnBrk="1" latinLnBrk="0" hangingPunct="1">
+                        <a:lnSpc>
+                          <a:spcPct val="107000"/>
+                        </a:lnSpc>
+                        <a:spcBef>
+                          <a:spcPts val="0"/>
+                        </a:spcBef>
+                        <a:spcAft>
+                          <a:spcPts val="1200"/>
+                        </a:spcAft>
+                      </a:pPr>
+                      <a:endParaRPr lang="en-US" sz="1800" kern="1200" dirty="0">
+                        <a:solidFill>
+                          <a:schemeClr val="tx1"/>
+                        </a:solidFill>
+                        <a:effectLst/>
+                        <a:latin typeface="Times New Roman" panose="02020603050405020304" pitchFamily="18" charset="0"/>
+                        <a:ea typeface="+mn-ea"/>
+                        <a:cs typeface="Times New Roman" panose="02020603050405020304" pitchFamily="18" charset="0"/>
+                      </a:endParaRPr>
+                    </a:p>
+                  </a:txBody>
+                  <a:tcPr marL="68580" marR="68580" marT="0" marB="0" anchor="ctr"/>
+                </a:tc>
+                <a:tc vMerge="1">
+                  <a:txBody>
+                    <a:bodyPr/>
+                    <a:lstStyle/>
+                    <a:p>
+                      <a:pPr marL="0" marR="0" algn="ctr" defTabSz="914400" rtl="0" eaLnBrk="1" latinLnBrk="0" hangingPunct="1">
+                        <a:lnSpc>
+                          <a:spcPct val="107000"/>
+                        </a:lnSpc>
+                        <a:spcBef>
+                          <a:spcPts val="0"/>
+                        </a:spcBef>
+                        <a:spcAft>
+                          <a:spcPts val="1200"/>
+                        </a:spcAft>
+                      </a:pPr>
+                      <a:endParaRPr lang="en-US" sz="1800" kern="1200" dirty="0">
+                        <a:solidFill>
+                          <a:schemeClr val="tx1"/>
+                        </a:solidFill>
+                        <a:effectLst/>
+                        <a:latin typeface="Times New Roman" panose="02020603050405020304" pitchFamily="18" charset="0"/>
+                        <a:ea typeface="+mn-ea"/>
+                        <a:cs typeface="Times New Roman" panose="02020603050405020304" pitchFamily="18" charset="0"/>
+                      </a:endParaRPr>
+                    </a:p>
+                  </a:txBody>
+                  <a:tcPr marL="68580" marR="68580" marT="0" marB="0" anchor="ctr"/>
+                </a:tc>
+                <a:tc>
+                  <a:txBody>
+                    <a:bodyPr/>
+                    <a:lstStyle/>
+                    <a:p>
+                      <a:pPr marL="0" marR="0" lvl="0" indent="0" algn="ctr" defTabSz="914400" rtl="0" eaLnBrk="1" fontAlgn="auto" latinLnBrk="0" hangingPunct="1">
+                        <a:lnSpc>
+                          <a:spcPct val="107000"/>
+                        </a:lnSpc>
+                        <a:spcBef>
+                          <a:spcPts val="0"/>
+                        </a:spcBef>
+                        <a:spcAft>
+                          <a:spcPts val="1200"/>
+                        </a:spcAft>
+                        <a:buClrTx/>
+                        <a:buSzTx/>
+                        <a:buFontTx/>
+                        <a:buNone/>
+                        <a:tabLst/>
+                        <a:defRPr/>
+                      </a:pPr>
+                      <a:r>
+                        <a:rPr lang="en-US" sz="1800" kern="1200" dirty="0">
+                          <a:solidFill>
+                            <a:schemeClr val="tx1"/>
+                          </a:solidFill>
+                          <a:effectLst/>
+                          <a:latin typeface="Times New Roman" panose="02020603050405020304" pitchFamily="18" charset="0"/>
+                          <a:ea typeface="+mn-ea"/>
+                          <a:cs typeface="Times New Roman" panose="02020603050405020304" pitchFamily="18" charset="0"/>
+                        </a:rPr>
+                        <a:t>Scenes</a:t>
+                      </a:r>
+                    </a:p>
+                  </a:txBody>
+                  <a:tcPr marL="68580" marR="68580" marT="0" marB="0" anchor="ctr" anchorCtr="1"/>
+                </a:tc>
+                <a:tc vMerge="1">
+                  <a:txBody>
+                    <a:bodyPr/>
+                    <a:lstStyle/>
+                    <a:p>
+                      <a:pPr marL="0" marR="0" lvl="0" indent="0" algn="ctr" defTabSz="914400" rtl="0" eaLnBrk="1" fontAlgn="auto" latinLnBrk="0" hangingPunct="1">
+                        <a:lnSpc>
+                          <a:spcPct val="107000"/>
+                        </a:lnSpc>
+                        <a:spcBef>
+                          <a:spcPts val="0"/>
+                        </a:spcBef>
+                        <a:spcAft>
+                          <a:spcPts val="1200"/>
+                        </a:spcAft>
+                        <a:buClrTx/>
+                        <a:buSzTx/>
+                        <a:buFontTx/>
+                        <a:buNone/>
+                        <a:tabLst/>
+                        <a:defRPr/>
+                      </a:pPr>
+                      <a:endParaRPr lang="en-US" sz="1800" kern="1200" dirty="0">
+                        <a:solidFill>
+                          <a:schemeClr val="tx1"/>
+                        </a:solidFill>
+                        <a:effectLst/>
+                        <a:latin typeface="Times New Roman" panose="02020603050405020304" pitchFamily="18" charset="0"/>
+                        <a:ea typeface="+mn-ea"/>
+                        <a:cs typeface="Times New Roman" panose="02020603050405020304" pitchFamily="18" charset="0"/>
+                      </a:endParaRPr>
+                    </a:p>
+                  </a:txBody>
+                  <a:tcPr marL="68580" marR="68580" marT="0" marB="0" anchor="ctr"/>
+                </a:tc>
+                <a:tc vMerge="1">
+                  <a:txBody>
+                    <a:bodyPr/>
+                    <a:lstStyle/>
+                    <a:p>
+                      <a:pPr marL="0" marR="0" lvl="0" indent="0" algn="ctr" defTabSz="914400" rtl="0" eaLnBrk="1" fontAlgn="auto" latinLnBrk="0" hangingPunct="1">
+                        <a:lnSpc>
+                          <a:spcPct val="107000"/>
+                        </a:lnSpc>
+                        <a:spcBef>
+                          <a:spcPts val="0"/>
+                        </a:spcBef>
+                        <a:spcAft>
+                          <a:spcPts val="1200"/>
+                        </a:spcAft>
+                        <a:buClrTx/>
+                        <a:buSzTx/>
+                        <a:buFontTx/>
+                        <a:buNone/>
+                        <a:tabLst/>
+                        <a:defRPr/>
+                      </a:pPr>
+                      <a:endParaRPr lang="en-US" sz="1800" kern="1200" dirty="0">
+                        <a:solidFill>
+                          <a:schemeClr val="tx1"/>
+                        </a:solidFill>
+                        <a:effectLst/>
+                        <a:latin typeface="Times New Roman" panose="02020603050405020304" pitchFamily="18" charset="0"/>
+                        <a:ea typeface="+mn-ea"/>
+                        <a:cs typeface="Times New Roman" panose="02020603050405020304" pitchFamily="18" charset="0"/>
+                      </a:endParaRPr>
+                    </a:p>
+                  </a:txBody>
+                  <a:tcPr marL="68580" marR="68580" marT="0" marB="0" anchor="ctr"/>
+                </a:tc>
+                <a:extLst>
+                  <a:ext uri="{0D108BD9-81ED-4DB2-BD59-A6C34878D82A}">
+                    <a16:rowId xmlns:a16="http://schemas.microsoft.com/office/drawing/2014/main" val="2357341974"/>
+                  </a:ext>
+                </a:extLst>
+              </a:tr>
+              <a:tr h="973688">
+                <a:tc vMerge="1">
+                  <a:txBody>
+                    <a:bodyPr/>
+                    <a:lstStyle/>
+                    <a:p>
+                      <a:pPr marL="0" marR="0" algn="ctr" defTabSz="914400" rtl="0" eaLnBrk="1" latinLnBrk="0" hangingPunct="1">
+                        <a:lnSpc>
+                          <a:spcPct val="107000"/>
+                        </a:lnSpc>
+                        <a:spcBef>
+                          <a:spcPts val="0"/>
+                        </a:spcBef>
+                        <a:spcAft>
+                          <a:spcPts val="1200"/>
+                        </a:spcAft>
+                      </a:pPr>
+                      <a:endParaRPr lang="en-US" sz="1800" kern="1200" dirty="0">
+                        <a:solidFill>
+                          <a:schemeClr val="tx1"/>
+                        </a:solidFill>
+                        <a:effectLst/>
+                        <a:latin typeface="Times New Roman" panose="02020603050405020304" pitchFamily="18" charset="0"/>
+                        <a:ea typeface="+mn-ea"/>
+                        <a:cs typeface="Times New Roman" panose="02020603050405020304" pitchFamily="18" charset="0"/>
+                      </a:endParaRPr>
+                    </a:p>
+                  </a:txBody>
+                  <a:tcPr marL="68580" marR="68580" marT="0" marB="0" anchor="ctr"/>
+                </a:tc>
+                <a:tc vMerge="1">
+                  <a:txBody>
+                    <a:bodyPr/>
+                    <a:lstStyle/>
+                    <a:p>
+                      <a:pPr marL="0" marR="0" algn="ctr" defTabSz="914400" rtl="0" eaLnBrk="1" latinLnBrk="0" hangingPunct="1">
+                        <a:lnSpc>
+                          <a:spcPct val="107000"/>
+                        </a:lnSpc>
+                        <a:spcBef>
+                          <a:spcPts val="0"/>
+                        </a:spcBef>
+                        <a:spcAft>
+                          <a:spcPts val="1200"/>
+                        </a:spcAft>
+                      </a:pPr>
+                      <a:endParaRPr lang="en-US" sz="1800" kern="1200" dirty="0">
+                        <a:solidFill>
+                          <a:schemeClr val="tx1"/>
+                        </a:solidFill>
+                        <a:effectLst/>
+                        <a:latin typeface="Times New Roman" panose="02020603050405020304" pitchFamily="18" charset="0"/>
+                        <a:ea typeface="+mn-ea"/>
+                        <a:cs typeface="Times New Roman" panose="02020603050405020304" pitchFamily="18" charset="0"/>
+                      </a:endParaRPr>
+                    </a:p>
+                  </a:txBody>
+                  <a:tcPr marL="68580" marR="68580" marT="0" marB="0" anchor="ctr"/>
+                </a:tc>
+                <a:tc vMerge="1">
+                  <a:txBody>
+                    <a:bodyPr/>
+                    <a:lstStyle/>
+                    <a:p>
+                      <a:pPr marL="0" marR="0" algn="ctr" defTabSz="914400" rtl="0" eaLnBrk="1" latinLnBrk="0" hangingPunct="1">
+                        <a:lnSpc>
+                          <a:spcPct val="107000"/>
+                        </a:lnSpc>
+                        <a:spcBef>
+                          <a:spcPts val="0"/>
+                        </a:spcBef>
+                        <a:spcAft>
+                          <a:spcPts val="1200"/>
+                        </a:spcAft>
+                      </a:pPr>
+                      <a:endParaRPr lang="en-US" sz="1800" kern="1200" dirty="0">
+                        <a:solidFill>
+                          <a:schemeClr val="tx1"/>
+                        </a:solidFill>
+                        <a:effectLst/>
+                        <a:latin typeface="Times New Roman" panose="02020603050405020304" pitchFamily="18" charset="0"/>
+                        <a:ea typeface="+mn-ea"/>
+                        <a:cs typeface="Times New Roman" panose="02020603050405020304" pitchFamily="18" charset="0"/>
+                      </a:endParaRPr>
+                    </a:p>
+                  </a:txBody>
+                  <a:tcPr marL="68580" marR="68580" marT="0" marB="0" anchor="ctr"/>
+                </a:tc>
+                <a:tc>
+                  <a:txBody>
+                    <a:bodyPr/>
+                    <a:lstStyle/>
+                    <a:p>
+                      <a:pPr marL="0" marR="0" lvl="0" indent="0" algn="ctr" defTabSz="914400" rtl="0" eaLnBrk="1" fontAlgn="auto" latinLnBrk="0" hangingPunct="1">
+                        <a:lnSpc>
+                          <a:spcPct val="107000"/>
+                        </a:lnSpc>
+                        <a:spcBef>
+                          <a:spcPts val="0"/>
+                        </a:spcBef>
+                        <a:spcAft>
+                          <a:spcPts val="1200"/>
+                        </a:spcAft>
+                        <a:buClrTx/>
+                        <a:buSzTx/>
+                        <a:buFontTx/>
+                        <a:buNone/>
+                        <a:tabLst/>
+                        <a:defRPr/>
+                      </a:pPr>
+                      <a:r>
+                        <a:rPr lang="en-US" sz="1800" kern="1200" dirty="0">
+                          <a:solidFill>
+                            <a:schemeClr val="tx1"/>
+                          </a:solidFill>
+                          <a:effectLst/>
+                          <a:latin typeface="Times New Roman" panose="02020603050405020304" pitchFamily="18" charset="0"/>
+                          <a:ea typeface="+mn-ea"/>
+                          <a:cs typeface="Times New Roman" panose="02020603050405020304" pitchFamily="18" charset="0"/>
+                        </a:rPr>
+                        <a:t>Interaction</a:t>
+                      </a:r>
+                    </a:p>
+                  </a:txBody>
+                  <a:tcPr marL="68580" marR="68580" marT="0" marB="0" anchor="ctr" anchorCtr="1"/>
+                </a:tc>
+                <a:tc vMerge="1">
+                  <a:txBody>
+                    <a:bodyPr/>
+                    <a:lstStyle/>
+                    <a:p>
+                      <a:pPr marL="0" marR="0" lvl="0" indent="0" algn="ctr" defTabSz="914400" rtl="0" eaLnBrk="1" fontAlgn="auto" latinLnBrk="0" hangingPunct="1">
+                        <a:lnSpc>
+                          <a:spcPct val="107000"/>
+                        </a:lnSpc>
+                        <a:spcBef>
+                          <a:spcPts val="0"/>
+                        </a:spcBef>
+                        <a:spcAft>
+                          <a:spcPts val="1200"/>
+                        </a:spcAft>
+                        <a:buClrTx/>
+                        <a:buSzTx/>
+                        <a:buFontTx/>
+                        <a:buNone/>
+                        <a:tabLst/>
+                        <a:defRPr/>
+                      </a:pPr>
+                      <a:endParaRPr lang="en-US" sz="1800" kern="1200" dirty="0">
+                        <a:solidFill>
+                          <a:schemeClr val="tx1"/>
+                        </a:solidFill>
+                        <a:effectLst/>
+                        <a:latin typeface="Times New Roman" panose="02020603050405020304" pitchFamily="18" charset="0"/>
+                        <a:ea typeface="+mn-ea"/>
+                        <a:cs typeface="Times New Roman" panose="02020603050405020304" pitchFamily="18" charset="0"/>
+                      </a:endParaRPr>
+                    </a:p>
+                  </a:txBody>
+                  <a:tcPr marL="68580" marR="68580" marT="0" marB="0" anchor="ctr"/>
+                </a:tc>
+                <a:tc vMerge="1">
+                  <a:txBody>
+                    <a:bodyPr/>
+                    <a:lstStyle/>
+                    <a:p>
+                      <a:pPr marL="0" marR="0" lvl="0" indent="0" algn="ctr" defTabSz="914400" rtl="0" eaLnBrk="1" fontAlgn="auto" latinLnBrk="0" hangingPunct="1">
+                        <a:lnSpc>
+                          <a:spcPct val="107000"/>
+                        </a:lnSpc>
+                        <a:spcBef>
+                          <a:spcPts val="0"/>
+                        </a:spcBef>
+                        <a:spcAft>
+                          <a:spcPts val="1200"/>
+                        </a:spcAft>
+                        <a:buClrTx/>
+                        <a:buSzTx/>
+                        <a:buFontTx/>
+                        <a:buNone/>
+                        <a:tabLst/>
+                        <a:defRPr/>
+                      </a:pPr>
+                      <a:endParaRPr lang="en-US" sz="1800" kern="1200" dirty="0">
+                        <a:solidFill>
+                          <a:schemeClr val="tx1"/>
+                        </a:solidFill>
+                        <a:effectLst/>
+                        <a:latin typeface="Times New Roman" panose="02020603050405020304" pitchFamily="18" charset="0"/>
+                        <a:ea typeface="+mn-ea"/>
+                        <a:cs typeface="Times New Roman" panose="02020603050405020304" pitchFamily="18" charset="0"/>
+                      </a:endParaRPr>
+                    </a:p>
+                  </a:txBody>
+                  <a:tcPr marL="68580" marR="68580" marT="0" marB="0" anchor="ctr"/>
+                </a:tc>
+                <a:extLst>
+                  <a:ext uri="{0D108BD9-81ED-4DB2-BD59-A6C34878D82A}">
+                    <a16:rowId xmlns:a16="http://schemas.microsoft.com/office/drawing/2014/main" val="4277747385"/>
+                  </a:ext>
+                </a:extLst>
+              </a:tr>
+            </a:tbl>
+          </a:graphicData>
+        </a:graphic>
+      </p:graphicFrame>
+    </p:spTree>
+    <p:extLst>
+      <p:ext uri="{BB962C8B-B14F-4D97-AF65-F5344CB8AC3E}">
+        <p14:creationId xmlns:p14="http://schemas.microsoft.com/office/powerpoint/2010/main" val="4279097912"/>
+      </p:ext>
+    </p:extLst>
+  </p:cSld>
+  <p:clrMapOvr>
+    <a:masterClrMapping/>
+  </p:clrMapOvr>
+</p:sld>
+</file>
+
+<file path=ppt/slides/slide6.xml><?xml version="1.0" encoding="utf-8"?>
+<p:sld xmlns:a="http://schemas.openxmlformats.org/drawingml/2006/main" xmlns:r="http://schemas.openxmlformats.org/officeDocument/2006/relationships" xmlns:p="http://schemas.openxmlformats.org/presentationml/2006/main">
+  <p:cSld>
+    <p:spTree>
+      <p:nvGrpSpPr>
+        <p:cNvPr id="1" name=""/>
+        <p:cNvGrpSpPr/>
+        <p:nvPr/>
+      </p:nvGrpSpPr>
+      <p:grpSpPr>
+        <a:xfrm>
+          <a:off x="0" y="0"/>
+          <a:ext cx="0" cy="0"/>
+          <a:chOff x="0" y="0"/>
+          <a:chExt cx="0" cy="0"/>
+        </a:xfrm>
+      </p:grpSpPr>
+      <p:graphicFrame>
+        <p:nvGraphicFramePr>
+          <p:cNvPr id="4" name="内容占位符 3">
+            <a:extLst>
+              <a:ext uri="{FF2B5EF4-FFF2-40B4-BE49-F238E27FC236}">
+                <a16:creationId xmlns:a16="http://schemas.microsoft.com/office/drawing/2014/main" id="{C14BDC17-90C6-4987-88BA-9203F4F0529A}"/>
+              </a:ext>
+            </a:extLst>
+          </p:cNvPr>
+          <p:cNvGraphicFramePr>
+            <a:graphicFrameLocks noGrp="1"/>
+          </p:cNvGraphicFramePr>
+          <p:nvPr>
+            <p:ph idx="1"/>
+            <p:extLst>
+              <p:ext uri="{D42A27DB-BD31-4B8C-83A1-F6EECF244321}">
+                <p14:modId xmlns:p14="http://schemas.microsoft.com/office/powerpoint/2010/main" val="2954564717"/>
+              </p:ext>
+            </p:extLst>
+          </p:nvPr>
+        </p:nvGraphicFramePr>
+        <p:xfrm>
+          <a:off x="204476" y="154375"/>
+          <a:ext cx="11552096" cy="5463436"/>
+        </p:xfrm>
+        <a:graphic>
+          <a:graphicData uri="http://schemas.openxmlformats.org/drawingml/2006/table">
+            <a:tbl>
+              <a:tblPr firstRow="1" firstCol="1" bandRow="1">
+                <a:tableStyleId>{5940675A-B579-460E-94D1-54222C63F5DA}</a:tableStyleId>
+              </a:tblPr>
+              <a:tblGrid>
+                <a:gridCol w="1612449">
+                  <a:extLst>
+                    <a:ext uri="{9D8B030D-6E8A-4147-A177-3AD203B41FA5}">
+                      <a16:colId xmlns:a16="http://schemas.microsoft.com/office/drawing/2014/main" val="3557805364"/>
+                    </a:ext>
+                  </a:extLst>
+                </a:gridCol>
+                <a:gridCol w="1377537">
+                  <a:extLst>
+                    <a:ext uri="{9D8B030D-6E8A-4147-A177-3AD203B41FA5}">
+                      <a16:colId xmlns:a16="http://schemas.microsoft.com/office/drawing/2014/main" val="3524856799"/>
+                    </a:ext>
+                  </a:extLst>
+                </a:gridCol>
+                <a:gridCol w="570016">
+                  <a:extLst>
+                    <a:ext uri="{9D8B030D-6E8A-4147-A177-3AD203B41FA5}">
+                      <a16:colId xmlns:a16="http://schemas.microsoft.com/office/drawing/2014/main" val="1805124618"/>
+                    </a:ext>
+                  </a:extLst>
+                </a:gridCol>
+                <a:gridCol w="3372592">
+                  <a:extLst>
+                    <a:ext uri="{9D8B030D-6E8A-4147-A177-3AD203B41FA5}">
+                      <a16:colId xmlns:a16="http://schemas.microsoft.com/office/drawing/2014/main" val="1387593033"/>
+                    </a:ext>
+                  </a:extLst>
+                </a:gridCol>
+                <a:gridCol w="1745673">
+                  <a:extLst>
+                    <a:ext uri="{9D8B030D-6E8A-4147-A177-3AD203B41FA5}">
+                      <a16:colId xmlns:a16="http://schemas.microsoft.com/office/drawing/2014/main" val="776739422"/>
+                    </a:ext>
+                  </a:extLst>
+                </a:gridCol>
+                <a:gridCol w="2873829">
+                  <a:extLst>
+                    <a:ext uri="{9D8B030D-6E8A-4147-A177-3AD203B41FA5}">
+                      <a16:colId xmlns:a16="http://schemas.microsoft.com/office/drawing/2014/main" val="1361186130"/>
+                    </a:ext>
+                  </a:extLst>
+                </a:gridCol>
+              </a:tblGrid>
+              <a:tr h="486672">
+                <a:tc>
+                  <a:txBody>
+                    <a:bodyPr/>
+                    <a:lstStyle/>
+                    <a:p>
+                      <a:pPr marL="0" marR="0" algn="ctr">
+                        <a:lnSpc>
+                          <a:spcPct val="107000"/>
+                        </a:lnSpc>
+                        <a:spcBef>
+                          <a:spcPts val="0"/>
+                        </a:spcBef>
+                        <a:spcAft>
+                          <a:spcPts val="0"/>
+                        </a:spcAft>
+                      </a:pPr>
+                      <a:r>
+                        <a:rPr lang="en-US" sz="1800" dirty="0">
+                          <a:effectLst/>
+                          <a:latin typeface="Times New Roman" panose="02020603050405020304" pitchFamily="18" charset="0"/>
+                          <a:cs typeface="Times New Roman" panose="02020603050405020304" pitchFamily="18" charset="0"/>
+                        </a:rPr>
+                        <a:t>Author</a:t>
+                      </a:r>
+                      <a:endParaRPr lang="en-US" sz="1800" dirty="0">
+                        <a:effectLst/>
+                        <a:latin typeface="Times New Roman" panose="02020603050405020304" pitchFamily="18" charset="0"/>
+                        <a:ea typeface="맑은 고딕" panose="020B0503020000020004" pitchFamily="50" charset="-127"/>
+                        <a:cs typeface="Times New Roman" panose="02020603050405020304" pitchFamily="18" charset="0"/>
+                      </a:endParaRPr>
+                    </a:p>
+                  </a:txBody>
+                  <a:tcPr marL="68580" marR="68580" marT="0" marB="0" anchor="ctr"/>
+                </a:tc>
+                <a:tc>
+                  <a:txBody>
+                    <a:bodyPr/>
+                    <a:lstStyle/>
+                    <a:p>
+                      <a:pPr marL="0" marR="0" algn="ctr">
+                        <a:lnSpc>
+                          <a:spcPct val="107000"/>
+                        </a:lnSpc>
+                        <a:spcBef>
+                          <a:spcPts val="0"/>
+                        </a:spcBef>
+                        <a:spcAft>
+                          <a:spcPts val="0"/>
+                        </a:spcAft>
+                      </a:pPr>
+                      <a:r>
+                        <a:rPr lang="en-US" sz="1800" dirty="0">
+                          <a:effectLst/>
+                          <a:latin typeface="Times New Roman" panose="02020603050405020304" pitchFamily="18" charset="0"/>
+                          <a:cs typeface="Times New Roman" panose="02020603050405020304" pitchFamily="18" charset="0"/>
+                        </a:rPr>
+                        <a:t>Essay topic</a:t>
+                      </a:r>
+                      <a:endParaRPr lang="en-US" sz="1800" dirty="0">
+                        <a:effectLst/>
+                        <a:latin typeface="Times New Roman" panose="02020603050405020304" pitchFamily="18" charset="0"/>
+                        <a:ea typeface="맑은 고딕" panose="020B0503020000020004" pitchFamily="50" charset="-127"/>
+                        <a:cs typeface="Times New Roman" panose="02020603050405020304" pitchFamily="18" charset="0"/>
+                      </a:endParaRPr>
+                    </a:p>
+                  </a:txBody>
+                  <a:tcPr marL="68580" marR="68580" marT="0" marB="0" anchor="ctr"/>
+                </a:tc>
+                <a:tc gridSpan="2">
+                  <a:txBody>
+                    <a:bodyPr/>
+                    <a:lstStyle/>
+                    <a:p>
+                      <a:pPr marL="0" marR="0" algn="ctr">
+                        <a:lnSpc>
+                          <a:spcPct val="107000"/>
+                        </a:lnSpc>
+                        <a:spcBef>
+                          <a:spcPts val="0"/>
+                        </a:spcBef>
+                        <a:spcAft>
+                          <a:spcPts val="0"/>
+                        </a:spcAft>
+                      </a:pPr>
+                      <a:r>
+                        <a:rPr lang="en-US" sz="1800" dirty="0">
+                          <a:effectLst/>
+                          <a:latin typeface="Times New Roman" panose="02020603050405020304" pitchFamily="18" charset="0"/>
+                          <a:cs typeface="Times New Roman" panose="02020603050405020304" pitchFamily="18" charset="0"/>
+                        </a:rPr>
+                        <a:t>Gauge dimensions</a:t>
+                      </a:r>
+                      <a:endParaRPr lang="en-US" sz="1800" dirty="0">
+                        <a:effectLst/>
+                        <a:latin typeface="Times New Roman" panose="02020603050405020304" pitchFamily="18" charset="0"/>
+                        <a:ea typeface="맑은 고딕" panose="020B0503020000020004" pitchFamily="50" charset="-127"/>
+                        <a:cs typeface="Times New Roman" panose="02020603050405020304" pitchFamily="18" charset="0"/>
+                      </a:endParaRPr>
+                    </a:p>
+                  </a:txBody>
+                  <a:tcPr marL="68580" marR="68580" marT="0" marB="0" anchor="ctr"/>
+                </a:tc>
+                <a:tc hMerge="1">
+                  <a:txBody>
+                    <a:bodyPr/>
+                    <a:lstStyle/>
+                    <a:p>
+                      <a:endParaRPr lang="en-US"/>
+                    </a:p>
+                  </a:txBody>
+                  <a:tcPr/>
+                </a:tc>
+                <a:tc>
+                  <a:txBody>
+                    <a:bodyPr/>
+                    <a:lstStyle/>
+                    <a:p>
+                      <a:pPr marL="0" marR="0" algn="ctr">
+                        <a:lnSpc>
+                          <a:spcPct val="107000"/>
+                        </a:lnSpc>
+                        <a:spcBef>
+                          <a:spcPts val="0"/>
+                        </a:spcBef>
+                        <a:spcAft>
+                          <a:spcPts val="0"/>
+                        </a:spcAft>
+                      </a:pPr>
+                      <a:r>
+                        <a:rPr lang="en-US" sz="1800" dirty="0">
+                          <a:effectLst/>
+                          <a:latin typeface="Times New Roman" panose="02020603050405020304" pitchFamily="18" charset="0"/>
+                          <a:cs typeface="Times New Roman" panose="02020603050405020304" pitchFamily="18" charset="0"/>
+                        </a:rPr>
+                        <a:t>Applicable people</a:t>
+                      </a:r>
+                      <a:endParaRPr lang="en-US" sz="1800" dirty="0">
+                        <a:effectLst/>
+                        <a:latin typeface="Times New Roman" panose="02020603050405020304" pitchFamily="18" charset="0"/>
+                        <a:ea typeface="맑은 고딕" panose="020B0503020000020004" pitchFamily="50" charset="-127"/>
+                        <a:cs typeface="Times New Roman" panose="02020603050405020304" pitchFamily="18" charset="0"/>
+                      </a:endParaRPr>
+                    </a:p>
+                  </a:txBody>
+                  <a:tcPr marL="68580" marR="68580" marT="0" marB="0" anchor="ctr"/>
+                </a:tc>
+                <a:tc>
+                  <a:txBody>
+                    <a:bodyPr/>
+                    <a:lstStyle/>
+                    <a:p>
+                      <a:pPr marL="0" marR="0" algn="ctr">
+                        <a:lnSpc>
+                          <a:spcPct val="107000"/>
+                        </a:lnSpc>
+                        <a:spcBef>
+                          <a:spcPts val="0"/>
+                        </a:spcBef>
+                        <a:spcAft>
+                          <a:spcPts val="0"/>
+                        </a:spcAft>
+                      </a:pPr>
+                      <a:r>
+                        <a:rPr lang="en-US" sz="1800" dirty="0">
+                          <a:effectLst/>
+                          <a:latin typeface="Times New Roman" panose="02020603050405020304" pitchFamily="18" charset="0"/>
+                          <a:cs typeface="Times New Roman" panose="02020603050405020304" pitchFamily="18" charset="0"/>
+                        </a:rPr>
+                        <a:t>Gauge features</a:t>
+                      </a:r>
+                      <a:endParaRPr lang="en-US" sz="1800" dirty="0">
+                        <a:effectLst/>
+                        <a:latin typeface="Times New Roman" panose="02020603050405020304" pitchFamily="18" charset="0"/>
+                        <a:ea typeface="맑은 고딕" panose="020B0503020000020004" pitchFamily="50" charset="-127"/>
+                        <a:cs typeface="Times New Roman" panose="02020603050405020304" pitchFamily="18" charset="0"/>
+                      </a:endParaRPr>
+                    </a:p>
+                  </a:txBody>
+                  <a:tcPr marL="68580" marR="68580" marT="0" marB="0" anchor="ctr"/>
+                </a:tc>
+                <a:extLst>
+                  <a:ext uri="{0D108BD9-81ED-4DB2-BD59-A6C34878D82A}">
+                    <a16:rowId xmlns:a16="http://schemas.microsoft.com/office/drawing/2014/main" val="477381270"/>
+                  </a:ext>
+                </a:extLst>
+              </a:tr>
+              <a:tr h="376630">
+                <a:tc rowSpan="13">
+                  <a:txBody>
+                    <a:bodyPr/>
+                    <a:lstStyle/>
+                    <a:p>
+                      <a:pPr marL="0" marR="0" lvl="0" indent="0" algn="ctr" defTabSz="914400" rtl="0" eaLnBrk="1" fontAlgn="auto" latinLnBrk="0" hangingPunct="1">
+                        <a:lnSpc>
+                          <a:spcPct val="107000"/>
+                        </a:lnSpc>
+                        <a:spcBef>
+                          <a:spcPts val="0"/>
+                        </a:spcBef>
+                        <a:spcAft>
+                          <a:spcPts val="0"/>
+                        </a:spcAft>
+                        <a:buClrTx/>
+                        <a:buSzTx/>
+                        <a:buFontTx/>
+                        <a:buNone/>
+                        <a:tabLst/>
+                        <a:defRPr/>
+                      </a:pPr>
+                      <a:r>
+                        <a:rPr lang="en-US" sz="1800" kern="1200" dirty="0">
+                          <a:solidFill>
+                            <a:schemeClr val="tx1"/>
+                          </a:solidFill>
+                          <a:effectLst/>
+                          <a:latin typeface="Times New Roman" panose="02020603050405020304" pitchFamily="18" charset="0"/>
+                          <a:ea typeface="+mn-ea"/>
+                          <a:cs typeface="Times New Roman" panose="02020603050405020304" pitchFamily="18" charset="0"/>
+                        </a:rPr>
+                        <a:t>LEONAR D A. ANNET_TA, RICHAR DLAMB &amp;MAR_CUS STONE[]</a:t>
+                      </a:r>
+                    </a:p>
+                  </a:txBody>
+                  <a:tcPr marL="68580" marR="68580" marT="0" marB="0" anchor="ctr" anchorCtr="1"/>
+                </a:tc>
+                <a:tc rowSpan="13">
+                  <a:txBody>
+                    <a:bodyPr/>
+                    <a:lstStyle/>
+                    <a:p>
+                      <a:pPr marL="0" marR="0" lvl="0" indent="0" algn="ctr" defTabSz="914400" rtl="0" eaLnBrk="1" fontAlgn="auto" latinLnBrk="0" hangingPunct="1">
+                        <a:lnSpc>
+                          <a:spcPct val="107000"/>
+                        </a:lnSpc>
+                        <a:spcBef>
+                          <a:spcPts val="0"/>
+                        </a:spcBef>
+                        <a:spcAft>
+                          <a:spcPts val="0"/>
+                        </a:spcAft>
+                        <a:buClrTx/>
+                        <a:buSzTx/>
+                        <a:buFontTx/>
+                        <a:buNone/>
+                        <a:tabLst/>
+                        <a:defRPr/>
+                      </a:pPr>
+                      <a:r>
+                        <a:rPr lang="en-US" sz="1800" kern="1200" dirty="0">
+                          <a:solidFill>
+                            <a:schemeClr val="tx1"/>
+                          </a:solidFill>
+                          <a:effectLst/>
+                          <a:latin typeface="Times New Roman" panose="02020603050405020304" pitchFamily="18" charset="0"/>
+                          <a:ea typeface="+mn-ea"/>
+                          <a:cs typeface="Times New Roman" panose="02020603050405020304" pitchFamily="18" charset="0"/>
+                        </a:rPr>
+                        <a:t>Serious Educational Game Rubric [SEGR] (2011)</a:t>
+                      </a:r>
+                    </a:p>
+                  </a:txBody>
+                  <a:tcPr marL="68580" marR="68580" marT="0" marB="0" anchor="ctr" anchorCtr="1"/>
+                </a:tc>
+                <a:tc rowSpan="13">
+                  <a:txBody>
+                    <a:bodyPr/>
+                    <a:lstStyle/>
+                    <a:p>
+                      <a:pPr marL="0" marR="0" lvl="0" indent="0" algn="ctr" defTabSz="914400" rtl="0" eaLnBrk="1" fontAlgn="auto" latinLnBrk="0" hangingPunct="1">
+                        <a:lnSpc>
+                          <a:spcPct val="107000"/>
+                        </a:lnSpc>
+                        <a:spcBef>
+                          <a:spcPts val="0"/>
+                        </a:spcBef>
+                        <a:spcAft>
+                          <a:spcPts val="0"/>
+                        </a:spcAft>
+                        <a:buClrTx/>
+                        <a:buSzTx/>
+                        <a:buFontTx/>
+                        <a:buNone/>
+                        <a:tabLst/>
+                        <a:defRPr/>
+                      </a:pPr>
+                      <a:r>
+                        <a:rPr lang="en-US" sz="1800" kern="1200" dirty="0">
+                          <a:solidFill>
+                            <a:schemeClr val="tx1"/>
+                          </a:solidFill>
+                          <a:effectLst/>
+                          <a:latin typeface="Times New Roman" panose="02020603050405020304" pitchFamily="18" charset="0"/>
+                          <a:ea typeface="+mn-ea"/>
+                          <a:cs typeface="Times New Roman" panose="02020603050405020304" pitchFamily="18" charset="0"/>
+                        </a:rPr>
+                        <a:t>13D</a:t>
+                      </a:r>
+                    </a:p>
+                  </a:txBody>
+                  <a:tcPr marL="68580" marR="68580" marT="0" marB="0" anchor="ctr" anchorCtr="1"/>
+                </a:tc>
+                <a:tc>
+                  <a:txBody>
+                    <a:bodyPr/>
+                    <a:lstStyle/>
+                    <a:p>
+                      <a:r>
+                        <a:rPr lang="en-US" sz="1800" kern="1200" dirty="0">
+                          <a:solidFill>
+                            <a:schemeClr val="tx1"/>
+                          </a:solidFill>
+                          <a:effectLst/>
+                          <a:latin typeface="Times New Roman" panose="02020603050405020304" pitchFamily="18" charset="0"/>
+                          <a:ea typeface="+mn-ea"/>
+                          <a:cs typeface="Times New Roman" panose="02020603050405020304" pitchFamily="18" charset="0"/>
+                        </a:rPr>
+                        <a:t>Preface</a:t>
+                      </a:r>
+                    </a:p>
+                  </a:txBody>
+                  <a:tcPr marL="68580" marR="68580" marT="0" marB="0" anchor="ctr" anchorCtr="1"/>
+                </a:tc>
+                <a:tc rowSpan="13">
+                  <a:txBody>
+                    <a:bodyPr/>
+                    <a:lstStyle/>
+                    <a:p>
+                      <a:pPr marL="0" marR="0" lvl="0" indent="0" algn="ctr" defTabSz="914400" rtl="0" eaLnBrk="1" fontAlgn="auto" latinLnBrk="0" hangingPunct="1">
+                        <a:lnSpc>
+                          <a:spcPct val="107000"/>
+                        </a:lnSpc>
+                        <a:spcBef>
+                          <a:spcPts val="0"/>
+                        </a:spcBef>
+                        <a:spcAft>
+                          <a:spcPts val="0"/>
+                        </a:spcAft>
+                        <a:buClrTx/>
+                        <a:buSzTx/>
+                        <a:buFontTx/>
+                        <a:buNone/>
+                        <a:tabLst/>
+                        <a:defRPr/>
+                      </a:pPr>
+                      <a:r>
+                        <a:rPr lang="en-US" sz="1800" kern="1200" dirty="0">
+                          <a:solidFill>
+                            <a:schemeClr val="tx1"/>
+                          </a:solidFill>
+                          <a:effectLst/>
+                          <a:latin typeface="Times New Roman" panose="02020603050405020304" pitchFamily="18" charset="0"/>
+                          <a:ea typeface="+mn-ea"/>
+                          <a:cs typeface="Times New Roman" panose="02020603050405020304" pitchFamily="18" charset="0"/>
+                        </a:rPr>
+                        <a:t>Teachers, game developers, etc.</a:t>
+                      </a:r>
+                    </a:p>
+                  </a:txBody>
+                  <a:tcPr marL="68580" marR="68580" marT="0" marB="0" anchor="ctr" anchorCtr="1"/>
+                </a:tc>
+                <a:tc rowSpan="13">
+                  <a:txBody>
+                    <a:bodyPr/>
+                    <a:lstStyle/>
+                    <a:p>
+                      <a:pPr marL="0" marR="0" lvl="0" indent="0" algn="ctr" defTabSz="914400" rtl="0" eaLnBrk="1" fontAlgn="auto" latinLnBrk="0" hangingPunct="1">
+                        <a:lnSpc>
+                          <a:spcPct val="107000"/>
+                        </a:lnSpc>
+                        <a:spcBef>
+                          <a:spcPts val="0"/>
+                        </a:spcBef>
+                        <a:spcAft>
+                          <a:spcPts val="0"/>
+                        </a:spcAft>
+                        <a:buClrTx/>
+                        <a:buSzTx/>
+                        <a:buFontTx/>
+                        <a:buNone/>
+                        <a:tabLst/>
+                        <a:defRPr/>
+                      </a:pPr>
+                      <a:r>
+                        <a:rPr lang="en-US" sz="1800" kern="1200" dirty="0">
+                          <a:solidFill>
+                            <a:schemeClr val="tx1"/>
+                          </a:solidFill>
+                          <a:effectLst/>
+                          <a:latin typeface="Times New Roman" panose="02020603050405020304" pitchFamily="18" charset="0"/>
+                          <a:ea typeface="+mn-ea"/>
+                          <a:cs typeface="Times New Roman" panose="02020603050405020304" pitchFamily="18" charset="0"/>
+                        </a:rPr>
+                        <a:t>The integration of education and playability, using Kappa coefficient to test the various factors of the rating scale, improved reliability and validity. Really combine education games with classroom teaching and student’s psychology characteristics to formulate evaluation indicators, and consider the teaching needs of teachers. Each indicator (0 points, 1 point, 2 points...) is a quantitative evaluation</a:t>
+                      </a:r>
+                    </a:p>
+                  </a:txBody>
+                  <a:tcPr marL="68580" marR="68580" marT="0" marB="0" anchor="ctr" anchorCtr="1"/>
+                </a:tc>
+                <a:extLst>
+                  <a:ext uri="{0D108BD9-81ED-4DB2-BD59-A6C34878D82A}">
+                    <a16:rowId xmlns:a16="http://schemas.microsoft.com/office/drawing/2014/main" val="372984438"/>
+                  </a:ext>
+                </a:extLst>
+              </a:tr>
+              <a:tr h="376630">
+                <a:tc vMerge="1">
+                  <a:txBody>
+                    <a:bodyPr/>
+                    <a:lstStyle/>
+                    <a:p>
+                      <a:pPr marL="0" marR="0" algn="ctr">
+                        <a:lnSpc>
+                          <a:spcPct val="107000"/>
+                        </a:lnSpc>
+                        <a:spcBef>
+                          <a:spcPts val="0"/>
+                        </a:spcBef>
+                        <a:spcAft>
+                          <a:spcPts val="0"/>
+                        </a:spcAft>
+                      </a:pPr>
+                      <a:endParaRPr lang="en-US" sz="1800" dirty="0">
+                        <a:effectLst/>
+                        <a:latin typeface="Times New Roman" panose="02020603050405020304" pitchFamily="18" charset="0"/>
+                        <a:ea typeface="맑은 고딕" panose="020B0503020000020004" pitchFamily="50" charset="-127"/>
+                        <a:cs typeface="Times New Roman" panose="02020603050405020304" pitchFamily="18" charset="0"/>
+                      </a:endParaRPr>
+                    </a:p>
+                  </a:txBody>
+                  <a:tcPr marL="68580" marR="68580" marT="0" marB="0" anchor="ctr"/>
+                </a:tc>
+                <a:tc vMerge="1">
+                  <a:txBody>
+                    <a:bodyPr/>
+                    <a:lstStyle/>
+                    <a:p>
+                      <a:pPr marL="0" marR="0" algn="ctr">
+                        <a:lnSpc>
+                          <a:spcPct val="107000"/>
+                        </a:lnSpc>
+                        <a:spcBef>
+                          <a:spcPts val="0"/>
+                        </a:spcBef>
+                        <a:spcAft>
+                          <a:spcPts val="0"/>
+                        </a:spcAft>
+                      </a:pPr>
+                      <a:endParaRPr lang="en-US" sz="1800" dirty="0">
+                        <a:effectLst/>
+                        <a:latin typeface="Times New Roman" panose="02020603050405020304" pitchFamily="18" charset="0"/>
+                        <a:ea typeface="맑은 고딕" panose="020B0503020000020004" pitchFamily="50" charset="-127"/>
+                        <a:cs typeface="Times New Roman" panose="02020603050405020304" pitchFamily="18" charset="0"/>
+                      </a:endParaRPr>
+                    </a:p>
+                  </a:txBody>
+                  <a:tcPr marL="68580" marR="68580" marT="0" marB="0" anchor="ctr"/>
+                </a:tc>
+                <a:tc vMerge="1">
+                  <a:txBody>
+                    <a:bodyPr/>
+                    <a:lstStyle/>
+                    <a:p>
+                      <a:pPr marL="0" marR="0" algn="ctr">
+                        <a:lnSpc>
+                          <a:spcPct val="107000"/>
+                        </a:lnSpc>
+                        <a:spcBef>
+                          <a:spcPts val="0"/>
+                        </a:spcBef>
+                        <a:spcAft>
+                          <a:spcPts val="0"/>
+                        </a:spcAft>
+                      </a:pPr>
+                      <a:endParaRPr lang="en-US" sz="1800" dirty="0">
+                        <a:effectLst/>
+                        <a:latin typeface="Times New Roman" panose="02020603050405020304" pitchFamily="18" charset="0"/>
+                        <a:ea typeface="맑은 고딕" panose="020B0503020000020004" pitchFamily="50" charset="-127"/>
+                        <a:cs typeface="Times New Roman" panose="02020603050405020304" pitchFamily="18" charset="0"/>
+                      </a:endParaRPr>
+                    </a:p>
+                  </a:txBody>
+                  <a:tcPr marL="68580" marR="68580" marT="0" marB="0" anchor="ctr"/>
+                </a:tc>
+                <a:tc>
+                  <a:txBody>
+                    <a:bodyPr/>
+                    <a:lstStyle/>
+                    <a:p>
+                      <a:pPr marL="0" marR="0" algn="just">
+                        <a:spcBef>
+                          <a:spcPts val="0"/>
+                        </a:spcBef>
+                        <a:spcAft>
+                          <a:spcPts val="1200"/>
+                        </a:spcAft>
+                      </a:pPr>
+                      <a:r>
+                        <a:rPr lang="en-US" sz="1800" kern="1200" dirty="0">
+                          <a:solidFill>
+                            <a:schemeClr val="tx1"/>
+                          </a:solidFill>
+                          <a:effectLst/>
+                          <a:latin typeface="Times New Roman" panose="02020603050405020304" pitchFamily="18" charset="0"/>
+                          <a:ea typeface="+mn-ea"/>
+                          <a:cs typeface="Times New Roman" panose="02020603050405020304" pitchFamily="18" charset="0"/>
+                        </a:rPr>
+                        <a:t>Tutorial</a:t>
+                      </a:r>
+                    </a:p>
+                  </a:txBody>
+                  <a:tcPr marL="68580" marR="68580" marT="0" marB="0" anchor="ctr" anchorCtr="1"/>
+                </a:tc>
+                <a:tc vMerge="1">
+                  <a:txBody>
+                    <a:bodyPr/>
+                    <a:lstStyle/>
+                    <a:p>
+                      <a:pPr marL="0" marR="0" lvl="0" indent="0" algn="ctr" defTabSz="914400" rtl="0" eaLnBrk="1" fontAlgn="auto" latinLnBrk="0" hangingPunct="1">
+                        <a:lnSpc>
+                          <a:spcPct val="107000"/>
+                        </a:lnSpc>
+                        <a:spcBef>
+                          <a:spcPts val="0"/>
+                        </a:spcBef>
+                        <a:spcAft>
+                          <a:spcPts val="0"/>
+                        </a:spcAft>
+                        <a:buClrTx/>
+                        <a:buSzTx/>
+                        <a:buFontTx/>
+                        <a:buNone/>
+                        <a:tabLst/>
+                        <a:defRPr/>
+                      </a:pPr>
+                      <a:endParaRPr lang="en-US" sz="1800" dirty="0">
+                        <a:effectLst/>
+                        <a:latin typeface="Times New Roman" panose="02020603050405020304" pitchFamily="18" charset="0"/>
+                        <a:cs typeface="Times New Roman" panose="02020603050405020304" pitchFamily="18" charset="0"/>
+                      </a:endParaRPr>
+                    </a:p>
+                  </a:txBody>
+                  <a:tcPr marL="68580" marR="68580" marT="0" marB="0" anchor="ctr"/>
+                </a:tc>
+                <a:tc vMerge="1">
+                  <a:txBody>
+                    <a:bodyPr/>
+                    <a:lstStyle/>
+                    <a:p>
+                      <a:pPr marL="0" marR="0" lvl="0" indent="0" algn="ctr" defTabSz="914400" rtl="0" eaLnBrk="1" fontAlgn="auto" latinLnBrk="0" hangingPunct="1">
+                        <a:lnSpc>
+                          <a:spcPct val="107000"/>
+                        </a:lnSpc>
+                        <a:spcBef>
+                          <a:spcPts val="0"/>
+                        </a:spcBef>
+                        <a:spcAft>
+                          <a:spcPts val="0"/>
+                        </a:spcAft>
+                        <a:buClrTx/>
+                        <a:buSzTx/>
+                        <a:buFontTx/>
+                        <a:buNone/>
+                        <a:tabLst/>
+                        <a:defRPr/>
+                      </a:pPr>
+                      <a:endParaRPr lang="en-US" sz="1800" dirty="0">
+                        <a:effectLst/>
+                        <a:latin typeface="Times New Roman" panose="02020603050405020304" pitchFamily="18" charset="0"/>
+                        <a:cs typeface="Times New Roman" panose="02020603050405020304" pitchFamily="18" charset="0"/>
+                      </a:endParaRPr>
+                    </a:p>
+                  </a:txBody>
+                  <a:tcPr marL="68580" marR="68580" marT="0" marB="0" anchor="ctr"/>
+                </a:tc>
+                <a:extLst>
+                  <a:ext uri="{0D108BD9-81ED-4DB2-BD59-A6C34878D82A}">
+                    <a16:rowId xmlns:a16="http://schemas.microsoft.com/office/drawing/2014/main" val="152148575"/>
+                  </a:ext>
+                </a:extLst>
+              </a:tr>
+              <a:tr h="376630">
+                <a:tc vMerge="1">
+                  <a:txBody>
+                    <a:bodyPr/>
+                    <a:lstStyle/>
+                    <a:p>
+                      <a:pPr marL="0" marR="0" algn="ctr">
+                        <a:lnSpc>
+                          <a:spcPct val="107000"/>
+                        </a:lnSpc>
+                        <a:spcBef>
+                          <a:spcPts val="0"/>
+                        </a:spcBef>
+                        <a:spcAft>
+                          <a:spcPts val="0"/>
+                        </a:spcAft>
+                      </a:pPr>
+                      <a:endParaRPr lang="en-US" sz="1800" dirty="0">
+                        <a:effectLst/>
+                        <a:latin typeface="Times New Roman" panose="02020603050405020304" pitchFamily="18" charset="0"/>
+                        <a:ea typeface="맑은 고딕" panose="020B0503020000020004" pitchFamily="50" charset="-127"/>
+                        <a:cs typeface="Times New Roman" panose="02020603050405020304" pitchFamily="18" charset="0"/>
+                      </a:endParaRPr>
+                    </a:p>
+                  </a:txBody>
+                  <a:tcPr marL="68580" marR="68580" marT="0" marB="0" anchor="ctr"/>
+                </a:tc>
+                <a:tc vMerge="1">
+                  <a:txBody>
+                    <a:bodyPr/>
+                    <a:lstStyle/>
+                    <a:p>
+                      <a:pPr marL="0" marR="0" algn="ctr">
+                        <a:lnSpc>
+                          <a:spcPct val="107000"/>
+                        </a:lnSpc>
+                        <a:spcBef>
+                          <a:spcPts val="0"/>
+                        </a:spcBef>
+                        <a:spcAft>
+                          <a:spcPts val="0"/>
+                        </a:spcAft>
+                      </a:pPr>
+                      <a:endParaRPr lang="en-US" sz="1800" dirty="0">
+                        <a:effectLst/>
+                        <a:latin typeface="Times New Roman" panose="02020603050405020304" pitchFamily="18" charset="0"/>
+                        <a:ea typeface="맑은 고딕" panose="020B0503020000020004" pitchFamily="50" charset="-127"/>
+                        <a:cs typeface="Times New Roman" panose="02020603050405020304" pitchFamily="18" charset="0"/>
+                      </a:endParaRPr>
+                    </a:p>
+                  </a:txBody>
+                  <a:tcPr marL="68580" marR="68580" marT="0" marB="0" anchor="ctr"/>
+                </a:tc>
+                <a:tc vMerge="1">
+                  <a:txBody>
+                    <a:bodyPr/>
+                    <a:lstStyle/>
+                    <a:p>
+                      <a:pPr marL="0" marR="0" algn="ctr">
+                        <a:lnSpc>
+                          <a:spcPct val="107000"/>
+                        </a:lnSpc>
+                        <a:spcBef>
+                          <a:spcPts val="0"/>
+                        </a:spcBef>
+                        <a:spcAft>
+                          <a:spcPts val="0"/>
+                        </a:spcAft>
+                      </a:pPr>
+                      <a:endParaRPr lang="en-US" sz="1800" dirty="0">
+                        <a:effectLst/>
+                        <a:latin typeface="Times New Roman" panose="02020603050405020304" pitchFamily="18" charset="0"/>
+                        <a:ea typeface="맑은 고딕" panose="020B0503020000020004" pitchFamily="50" charset="-127"/>
+                        <a:cs typeface="Times New Roman" panose="02020603050405020304" pitchFamily="18" charset="0"/>
+                      </a:endParaRPr>
+                    </a:p>
+                  </a:txBody>
+                  <a:tcPr marL="68580" marR="68580" marT="0" marB="0" anchor="ctr"/>
+                </a:tc>
+                <a:tc>
+                  <a:txBody>
+                    <a:bodyPr/>
+                    <a:lstStyle/>
+                    <a:p>
+                      <a:pPr marL="0" marR="0" algn="just">
+                        <a:spcBef>
+                          <a:spcPts val="0"/>
+                        </a:spcBef>
+                        <a:spcAft>
+                          <a:spcPts val="1200"/>
+                        </a:spcAft>
+                      </a:pPr>
+                      <a:r>
+                        <a:rPr lang="en-US" sz="1800" kern="1200" dirty="0">
+                          <a:solidFill>
+                            <a:schemeClr val="tx1"/>
+                          </a:solidFill>
+                          <a:effectLst/>
+                          <a:latin typeface="Times New Roman" panose="02020603050405020304" pitchFamily="18" charset="0"/>
+                          <a:ea typeface="+mn-ea"/>
+                          <a:cs typeface="Times New Roman" panose="02020603050405020304" pitchFamily="18" charset="0"/>
+                        </a:rPr>
+                        <a:t>Interaction</a:t>
+                      </a:r>
+                    </a:p>
+                  </a:txBody>
+                  <a:tcPr marL="68580" marR="68580" marT="0" marB="0" anchor="ctr" anchorCtr="1"/>
+                </a:tc>
+                <a:tc vMerge="1">
+                  <a:txBody>
+                    <a:bodyPr/>
+                    <a:lstStyle/>
+                    <a:p>
+                      <a:pPr marL="0" marR="0" lvl="0" indent="0" algn="ctr" defTabSz="914400" rtl="0" eaLnBrk="1" fontAlgn="auto" latinLnBrk="0" hangingPunct="1">
+                        <a:lnSpc>
+                          <a:spcPct val="107000"/>
+                        </a:lnSpc>
+                        <a:spcBef>
+                          <a:spcPts val="0"/>
+                        </a:spcBef>
+                        <a:spcAft>
+                          <a:spcPts val="0"/>
+                        </a:spcAft>
+                        <a:buClrTx/>
+                        <a:buSzTx/>
+                        <a:buFontTx/>
+                        <a:buNone/>
+                        <a:tabLst/>
+                        <a:defRPr/>
+                      </a:pPr>
+                      <a:endParaRPr lang="en-US" sz="1800" dirty="0">
+                        <a:effectLst/>
+                        <a:latin typeface="Times New Roman" panose="02020603050405020304" pitchFamily="18" charset="0"/>
+                        <a:cs typeface="Times New Roman" panose="02020603050405020304" pitchFamily="18" charset="0"/>
+                      </a:endParaRPr>
+                    </a:p>
+                  </a:txBody>
+                  <a:tcPr marL="68580" marR="68580" marT="0" marB="0" anchor="ctr"/>
+                </a:tc>
+                <a:tc vMerge="1">
+                  <a:txBody>
+                    <a:bodyPr/>
+                    <a:lstStyle/>
+                    <a:p>
+                      <a:pPr marL="0" marR="0" lvl="0" indent="0" algn="ctr" defTabSz="914400" rtl="0" eaLnBrk="1" fontAlgn="auto" latinLnBrk="0" hangingPunct="1">
+                        <a:lnSpc>
+                          <a:spcPct val="107000"/>
+                        </a:lnSpc>
+                        <a:spcBef>
+                          <a:spcPts val="0"/>
+                        </a:spcBef>
+                        <a:spcAft>
+                          <a:spcPts val="0"/>
+                        </a:spcAft>
+                        <a:buClrTx/>
+                        <a:buSzTx/>
+                        <a:buFontTx/>
+                        <a:buNone/>
+                        <a:tabLst/>
+                        <a:defRPr/>
+                      </a:pPr>
+                      <a:endParaRPr lang="en-US" sz="1800" dirty="0">
+                        <a:effectLst/>
+                        <a:latin typeface="Times New Roman" panose="02020603050405020304" pitchFamily="18" charset="0"/>
+                        <a:cs typeface="Times New Roman" panose="02020603050405020304" pitchFamily="18" charset="0"/>
+                      </a:endParaRPr>
+                    </a:p>
+                  </a:txBody>
+                  <a:tcPr marL="68580" marR="68580" marT="0" marB="0" anchor="ctr"/>
+                </a:tc>
+                <a:extLst>
+                  <a:ext uri="{0D108BD9-81ED-4DB2-BD59-A6C34878D82A}">
+                    <a16:rowId xmlns:a16="http://schemas.microsoft.com/office/drawing/2014/main" val="4197519745"/>
+                  </a:ext>
+                </a:extLst>
+              </a:tr>
+              <a:tr h="376630">
+                <a:tc vMerge="1">
+                  <a:txBody>
+                    <a:bodyPr/>
+                    <a:lstStyle/>
+                    <a:p>
+                      <a:pPr marL="0" marR="0" algn="ctr">
+                        <a:lnSpc>
+                          <a:spcPct val="107000"/>
+                        </a:lnSpc>
+                        <a:spcBef>
+                          <a:spcPts val="0"/>
+                        </a:spcBef>
+                        <a:spcAft>
+                          <a:spcPts val="0"/>
+                        </a:spcAft>
+                      </a:pPr>
+                      <a:endParaRPr lang="en-US" sz="1800" dirty="0">
+                        <a:effectLst/>
+                        <a:latin typeface="Times New Roman" panose="02020603050405020304" pitchFamily="18" charset="0"/>
+                        <a:ea typeface="맑은 고딕" panose="020B0503020000020004" pitchFamily="50" charset="-127"/>
+                        <a:cs typeface="Times New Roman" panose="02020603050405020304" pitchFamily="18" charset="0"/>
+                      </a:endParaRPr>
+                    </a:p>
+                  </a:txBody>
+                  <a:tcPr marL="68580" marR="68580" marT="0" marB="0" anchor="ctr"/>
+                </a:tc>
+                <a:tc vMerge="1">
+                  <a:txBody>
+                    <a:bodyPr/>
+                    <a:lstStyle/>
+                    <a:p>
+                      <a:pPr marL="0" marR="0" algn="ctr">
+                        <a:lnSpc>
+                          <a:spcPct val="107000"/>
+                        </a:lnSpc>
+                        <a:spcBef>
+                          <a:spcPts val="0"/>
+                        </a:spcBef>
+                        <a:spcAft>
+                          <a:spcPts val="0"/>
+                        </a:spcAft>
+                      </a:pPr>
+                      <a:endParaRPr lang="en-US" sz="1800" dirty="0">
+                        <a:effectLst/>
+                        <a:latin typeface="Times New Roman" panose="02020603050405020304" pitchFamily="18" charset="0"/>
+                        <a:ea typeface="맑은 고딕" panose="020B0503020000020004" pitchFamily="50" charset="-127"/>
+                        <a:cs typeface="Times New Roman" panose="02020603050405020304" pitchFamily="18" charset="0"/>
+                      </a:endParaRPr>
+                    </a:p>
+                  </a:txBody>
+                  <a:tcPr marL="68580" marR="68580" marT="0" marB="0" anchor="ctr"/>
+                </a:tc>
+                <a:tc vMerge="1">
+                  <a:txBody>
+                    <a:bodyPr/>
+                    <a:lstStyle/>
+                    <a:p>
+                      <a:pPr marL="0" marR="0" algn="ctr">
+                        <a:lnSpc>
+                          <a:spcPct val="107000"/>
+                        </a:lnSpc>
+                        <a:spcBef>
+                          <a:spcPts val="0"/>
+                        </a:spcBef>
+                        <a:spcAft>
+                          <a:spcPts val="0"/>
+                        </a:spcAft>
+                      </a:pPr>
+                      <a:endParaRPr lang="en-US" sz="1800" dirty="0">
+                        <a:effectLst/>
+                        <a:latin typeface="Times New Roman" panose="02020603050405020304" pitchFamily="18" charset="0"/>
+                        <a:ea typeface="맑은 고딕" panose="020B0503020000020004" pitchFamily="50" charset="-127"/>
+                        <a:cs typeface="Times New Roman" panose="02020603050405020304" pitchFamily="18" charset="0"/>
+                      </a:endParaRPr>
+                    </a:p>
+                  </a:txBody>
+                  <a:tcPr marL="68580" marR="68580" marT="0" marB="0" anchor="ctr"/>
+                </a:tc>
+                <a:tc>
+                  <a:txBody>
+                    <a:bodyPr/>
+                    <a:lstStyle/>
+                    <a:p>
+                      <a:pPr marL="0" marR="0" algn="ctr">
+                        <a:spcBef>
+                          <a:spcPts val="0"/>
+                        </a:spcBef>
+                        <a:spcAft>
+                          <a:spcPts val="1200"/>
+                        </a:spcAft>
+                      </a:pPr>
+                      <a:r>
+                        <a:rPr lang="en-US" sz="1800" kern="1200" dirty="0">
+                          <a:solidFill>
+                            <a:schemeClr val="tx1"/>
+                          </a:solidFill>
+                          <a:effectLst/>
+                          <a:latin typeface="Times New Roman" panose="02020603050405020304" pitchFamily="18" charset="0"/>
+                          <a:ea typeface="+mn-ea"/>
+                          <a:cs typeface="Times New Roman" panose="02020603050405020304" pitchFamily="18" charset="0"/>
+                        </a:rPr>
+                        <a:t>Feedback</a:t>
+                      </a:r>
+                    </a:p>
+                  </a:txBody>
+                  <a:tcPr marL="68580" marR="68580" marT="0" marB="0" anchor="ctr" anchorCtr="1"/>
+                </a:tc>
+                <a:tc vMerge="1">
+                  <a:txBody>
+                    <a:bodyPr/>
+                    <a:lstStyle/>
+                    <a:p>
+                      <a:pPr marL="0" marR="0" lvl="0" indent="0" algn="ctr" defTabSz="914400" rtl="0" eaLnBrk="1" fontAlgn="auto" latinLnBrk="0" hangingPunct="1">
+                        <a:lnSpc>
+                          <a:spcPct val="107000"/>
+                        </a:lnSpc>
+                        <a:spcBef>
+                          <a:spcPts val="0"/>
+                        </a:spcBef>
+                        <a:spcAft>
+                          <a:spcPts val="0"/>
+                        </a:spcAft>
+                        <a:buClrTx/>
+                        <a:buSzTx/>
+                        <a:buFontTx/>
+                        <a:buNone/>
+                        <a:tabLst/>
+                        <a:defRPr/>
+                      </a:pPr>
+                      <a:endParaRPr lang="en-US" sz="1800" dirty="0">
+                        <a:effectLst/>
+                        <a:latin typeface="Times New Roman" panose="02020603050405020304" pitchFamily="18" charset="0"/>
+                        <a:cs typeface="Times New Roman" panose="02020603050405020304" pitchFamily="18" charset="0"/>
+                      </a:endParaRPr>
+                    </a:p>
+                  </a:txBody>
+                  <a:tcPr marL="68580" marR="68580" marT="0" marB="0" anchor="ctr"/>
+                </a:tc>
+                <a:tc vMerge="1">
+                  <a:txBody>
+                    <a:bodyPr/>
+                    <a:lstStyle/>
+                    <a:p>
+                      <a:pPr marL="0" marR="0" lvl="0" indent="0" algn="ctr" defTabSz="914400" rtl="0" eaLnBrk="1" fontAlgn="auto" latinLnBrk="0" hangingPunct="1">
+                        <a:lnSpc>
+                          <a:spcPct val="107000"/>
+                        </a:lnSpc>
+                        <a:spcBef>
+                          <a:spcPts val="0"/>
+                        </a:spcBef>
+                        <a:spcAft>
+                          <a:spcPts val="0"/>
+                        </a:spcAft>
+                        <a:buClrTx/>
+                        <a:buSzTx/>
+                        <a:buFontTx/>
+                        <a:buNone/>
+                        <a:tabLst/>
+                        <a:defRPr/>
+                      </a:pPr>
+                      <a:endParaRPr lang="en-US" sz="1800" dirty="0">
+                        <a:effectLst/>
+                        <a:latin typeface="Times New Roman" panose="02020603050405020304" pitchFamily="18" charset="0"/>
+                        <a:cs typeface="Times New Roman" panose="02020603050405020304" pitchFamily="18" charset="0"/>
+                      </a:endParaRPr>
+                    </a:p>
+                  </a:txBody>
+                  <a:tcPr marL="68580" marR="68580" marT="0" marB="0" anchor="ctr"/>
+                </a:tc>
+                <a:extLst>
+                  <a:ext uri="{0D108BD9-81ED-4DB2-BD59-A6C34878D82A}">
+                    <a16:rowId xmlns:a16="http://schemas.microsoft.com/office/drawing/2014/main" val="3515630180"/>
+                  </a:ext>
+                </a:extLst>
+              </a:tr>
+              <a:tr h="376630">
+                <a:tc vMerge="1">
+                  <a:txBody>
+                    <a:bodyPr/>
+                    <a:lstStyle/>
+                    <a:p>
+                      <a:pPr marL="0" marR="0" algn="ctr">
+                        <a:lnSpc>
+                          <a:spcPct val="107000"/>
+                        </a:lnSpc>
+                        <a:spcBef>
+                          <a:spcPts val="0"/>
+                        </a:spcBef>
+                        <a:spcAft>
+                          <a:spcPts val="0"/>
+                        </a:spcAft>
+                      </a:pPr>
+                      <a:endParaRPr lang="en-US" sz="1800" dirty="0">
+                        <a:effectLst/>
+                        <a:latin typeface="Times New Roman" panose="02020603050405020304" pitchFamily="18" charset="0"/>
+                        <a:ea typeface="맑은 고딕" panose="020B0503020000020004" pitchFamily="50" charset="-127"/>
+                        <a:cs typeface="Times New Roman" panose="02020603050405020304" pitchFamily="18" charset="0"/>
+                      </a:endParaRPr>
+                    </a:p>
+                  </a:txBody>
+                  <a:tcPr marL="68580" marR="68580" marT="0" marB="0" anchor="ctr"/>
+                </a:tc>
+                <a:tc vMerge="1">
+                  <a:txBody>
+                    <a:bodyPr/>
+                    <a:lstStyle/>
+                    <a:p>
+                      <a:pPr marL="0" marR="0" algn="ctr">
+                        <a:lnSpc>
+                          <a:spcPct val="107000"/>
+                        </a:lnSpc>
+                        <a:spcBef>
+                          <a:spcPts val="0"/>
+                        </a:spcBef>
+                        <a:spcAft>
+                          <a:spcPts val="0"/>
+                        </a:spcAft>
+                      </a:pPr>
+                      <a:endParaRPr lang="en-US" sz="1800" dirty="0">
+                        <a:effectLst/>
+                        <a:latin typeface="Times New Roman" panose="02020603050405020304" pitchFamily="18" charset="0"/>
+                        <a:ea typeface="맑은 고딕" panose="020B0503020000020004" pitchFamily="50" charset="-127"/>
+                        <a:cs typeface="Times New Roman" panose="02020603050405020304" pitchFamily="18" charset="0"/>
+                      </a:endParaRPr>
+                    </a:p>
+                  </a:txBody>
+                  <a:tcPr marL="68580" marR="68580" marT="0" marB="0" anchor="ctr"/>
+                </a:tc>
+                <a:tc vMerge="1">
+                  <a:txBody>
+                    <a:bodyPr/>
+                    <a:lstStyle/>
+                    <a:p>
+                      <a:pPr marL="0" marR="0" algn="ctr">
+                        <a:lnSpc>
+                          <a:spcPct val="107000"/>
+                        </a:lnSpc>
+                        <a:spcBef>
+                          <a:spcPts val="0"/>
+                        </a:spcBef>
+                        <a:spcAft>
+                          <a:spcPts val="0"/>
+                        </a:spcAft>
+                      </a:pPr>
+                      <a:endParaRPr lang="en-US" sz="1800" dirty="0">
+                        <a:effectLst/>
+                        <a:latin typeface="Times New Roman" panose="02020603050405020304" pitchFamily="18" charset="0"/>
+                        <a:ea typeface="맑은 고딕" panose="020B0503020000020004" pitchFamily="50" charset="-127"/>
+                        <a:cs typeface="Times New Roman" panose="02020603050405020304" pitchFamily="18" charset="0"/>
+                      </a:endParaRPr>
+                    </a:p>
+                  </a:txBody>
+                  <a:tcPr marL="68580" marR="68580" marT="0" marB="0" anchor="ctr"/>
+                </a:tc>
+                <a:tc>
+                  <a:txBody>
+                    <a:bodyPr/>
+                    <a:lstStyle/>
+                    <a:p>
+                      <a:pPr marL="0" marR="0" algn="ctr">
+                        <a:spcBef>
+                          <a:spcPts val="0"/>
+                        </a:spcBef>
+                        <a:spcAft>
+                          <a:spcPts val="1200"/>
+                        </a:spcAft>
+                      </a:pPr>
+                      <a:r>
+                        <a:rPr lang="en-US" sz="1800" kern="1200" dirty="0">
+                          <a:solidFill>
+                            <a:schemeClr val="tx1"/>
+                          </a:solidFill>
+                          <a:effectLst/>
+                          <a:latin typeface="Times New Roman" panose="02020603050405020304" pitchFamily="18" charset="0"/>
+                          <a:ea typeface="+mn-ea"/>
+                          <a:cs typeface="Times New Roman" panose="02020603050405020304" pitchFamily="18" charset="0"/>
+                        </a:rPr>
+                        <a:t>Identity</a:t>
+                      </a:r>
+                    </a:p>
+                  </a:txBody>
+                  <a:tcPr marL="68580" marR="68580" marT="0" marB="0" anchor="ctr" anchorCtr="1"/>
+                </a:tc>
+                <a:tc vMerge="1">
+                  <a:txBody>
+                    <a:bodyPr/>
+                    <a:lstStyle/>
+                    <a:p>
+                      <a:pPr marL="0" marR="0" lvl="0" indent="0" algn="ctr" defTabSz="914400" rtl="0" eaLnBrk="1" fontAlgn="auto" latinLnBrk="0" hangingPunct="1">
+                        <a:lnSpc>
+                          <a:spcPct val="107000"/>
+                        </a:lnSpc>
+                        <a:spcBef>
+                          <a:spcPts val="0"/>
+                        </a:spcBef>
+                        <a:spcAft>
+                          <a:spcPts val="0"/>
+                        </a:spcAft>
+                        <a:buClrTx/>
+                        <a:buSzTx/>
+                        <a:buFontTx/>
+                        <a:buNone/>
+                        <a:tabLst/>
+                        <a:defRPr/>
+                      </a:pPr>
+                      <a:endParaRPr lang="en-US" sz="1800" dirty="0">
+                        <a:effectLst/>
+                        <a:latin typeface="Times New Roman" panose="02020603050405020304" pitchFamily="18" charset="0"/>
+                        <a:cs typeface="Times New Roman" panose="02020603050405020304" pitchFamily="18" charset="0"/>
+                      </a:endParaRPr>
+                    </a:p>
+                  </a:txBody>
+                  <a:tcPr marL="68580" marR="68580" marT="0" marB="0" anchor="ctr"/>
+                </a:tc>
+                <a:tc vMerge="1">
+                  <a:txBody>
+                    <a:bodyPr/>
+                    <a:lstStyle/>
+                    <a:p>
+                      <a:pPr marL="0" marR="0" lvl="0" indent="0" algn="ctr" defTabSz="914400" rtl="0" eaLnBrk="1" fontAlgn="auto" latinLnBrk="0" hangingPunct="1">
+                        <a:lnSpc>
+                          <a:spcPct val="107000"/>
+                        </a:lnSpc>
+                        <a:spcBef>
+                          <a:spcPts val="0"/>
+                        </a:spcBef>
+                        <a:spcAft>
+                          <a:spcPts val="0"/>
+                        </a:spcAft>
+                        <a:buClrTx/>
+                        <a:buSzTx/>
+                        <a:buFontTx/>
+                        <a:buNone/>
+                        <a:tabLst/>
+                        <a:defRPr/>
+                      </a:pPr>
+                      <a:endParaRPr lang="en-US" sz="1800" dirty="0">
+                        <a:effectLst/>
+                        <a:latin typeface="Times New Roman" panose="02020603050405020304" pitchFamily="18" charset="0"/>
+                        <a:cs typeface="Times New Roman" panose="02020603050405020304" pitchFamily="18" charset="0"/>
+                      </a:endParaRPr>
+                    </a:p>
+                  </a:txBody>
+                  <a:tcPr marL="68580" marR="68580" marT="0" marB="0" anchor="ctr"/>
+                </a:tc>
+                <a:extLst>
+                  <a:ext uri="{0D108BD9-81ED-4DB2-BD59-A6C34878D82A}">
+                    <a16:rowId xmlns:a16="http://schemas.microsoft.com/office/drawing/2014/main" val="3188764998"/>
+                  </a:ext>
+                </a:extLst>
+              </a:tr>
+              <a:tr h="376630">
+                <a:tc vMerge="1">
+                  <a:txBody>
+                    <a:bodyPr/>
+                    <a:lstStyle/>
+                    <a:p>
+                      <a:pPr marL="0" marR="0" algn="ctr">
+                        <a:lnSpc>
+                          <a:spcPct val="107000"/>
+                        </a:lnSpc>
+                        <a:spcBef>
+                          <a:spcPts val="0"/>
+                        </a:spcBef>
+                        <a:spcAft>
+                          <a:spcPts val="0"/>
+                        </a:spcAft>
+                      </a:pPr>
+                      <a:endParaRPr lang="en-US" sz="1800" dirty="0">
+                        <a:effectLst/>
+                        <a:latin typeface="Times New Roman" panose="02020603050405020304" pitchFamily="18" charset="0"/>
+                        <a:ea typeface="맑은 고딕" panose="020B0503020000020004" pitchFamily="50" charset="-127"/>
+                        <a:cs typeface="Times New Roman" panose="02020603050405020304" pitchFamily="18" charset="0"/>
+                      </a:endParaRPr>
+                    </a:p>
+                  </a:txBody>
+                  <a:tcPr marL="68580" marR="68580" marT="0" marB="0" anchor="ctr"/>
+                </a:tc>
+                <a:tc vMerge="1">
+                  <a:txBody>
+                    <a:bodyPr/>
+                    <a:lstStyle/>
+                    <a:p>
+                      <a:pPr marL="0" marR="0" algn="ctr">
+                        <a:lnSpc>
+                          <a:spcPct val="107000"/>
+                        </a:lnSpc>
+                        <a:spcBef>
+                          <a:spcPts val="0"/>
+                        </a:spcBef>
+                        <a:spcAft>
+                          <a:spcPts val="0"/>
+                        </a:spcAft>
+                      </a:pPr>
+                      <a:endParaRPr lang="en-US" sz="1800" dirty="0">
+                        <a:effectLst/>
+                        <a:latin typeface="Times New Roman" panose="02020603050405020304" pitchFamily="18" charset="0"/>
+                        <a:ea typeface="맑은 고딕" panose="020B0503020000020004" pitchFamily="50" charset="-127"/>
+                        <a:cs typeface="Times New Roman" panose="02020603050405020304" pitchFamily="18" charset="0"/>
+                      </a:endParaRPr>
+                    </a:p>
+                  </a:txBody>
+                  <a:tcPr marL="68580" marR="68580" marT="0" marB="0" anchor="ctr"/>
+                </a:tc>
+                <a:tc vMerge="1">
+                  <a:txBody>
+                    <a:bodyPr/>
+                    <a:lstStyle/>
+                    <a:p>
+                      <a:pPr marL="0" marR="0" algn="ctr">
+                        <a:lnSpc>
+                          <a:spcPct val="107000"/>
+                        </a:lnSpc>
+                        <a:spcBef>
+                          <a:spcPts val="0"/>
+                        </a:spcBef>
+                        <a:spcAft>
+                          <a:spcPts val="0"/>
+                        </a:spcAft>
+                      </a:pPr>
+                      <a:endParaRPr lang="en-US" sz="1800" dirty="0">
+                        <a:effectLst/>
+                        <a:latin typeface="Times New Roman" panose="02020603050405020304" pitchFamily="18" charset="0"/>
+                        <a:ea typeface="맑은 고딕" panose="020B0503020000020004" pitchFamily="50" charset="-127"/>
+                        <a:cs typeface="Times New Roman" panose="02020603050405020304" pitchFamily="18" charset="0"/>
+                      </a:endParaRPr>
+                    </a:p>
+                  </a:txBody>
+                  <a:tcPr marL="68580" marR="68580" marT="0" marB="0" anchor="ctr"/>
+                </a:tc>
+                <a:tc>
+                  <a:txBody>
+                    <a:bodyPr/>
+                    <a:lstStyle/>
+                    <a:p>
+                      <a:pPr marL="0" marR="0" algn="ctr" defTabSz="914400" rtl="0" eaLnBrk="1" latinLnBrk="0" hangingPunct="1">
+                        <a:spcBef>
+                          <a:spcPts val="0"/>
+                        </a:spcBef>
+                        <a:spcAft>
+                          <a:spcPts val="1200"/>
+                        </a:spcAft>
+                      </a:pPr>
+                      <a:r>
+                        <a:rPr lang="en-US" sz="1800" kern="1200">
+                          <a:solidFill>
+                            <a:schemeClr val="tx1"/>
+                          </a:solidFill>
+                          <a:effectLst/>
+                          <a:latin typeface="Times New Roman" panose="02020603050405020304" pitchFamily="18" charset="0"/>
+                          <a:ea typeface="+mn-ea"/>
+                          <a:cs typeface="Times New Roman" panose="02020603050405020304" pitchFamily="18" charset="0"/>
+                        </a:rPr>
+                        <a:t>Happy / depressed</a:t>
+                      </a:r>
+                    </a:p>
+                  </a:txBody>
+                  <a:tcPr marL="68580" marR="68580" marT="0" marB="0" anchor="ctr" anchorCtr="1"/>
+                </a:tc>
+                <a:tc vMerge="1">
+                  <a:txBody>
+                    <a:bodyPr/>
+                    <a:lstStyle/>
+                    <a:p>
+                      <a:pPr marL="0" marR="0" lvl="0" indent="0" algn="ctr" defTabSz="914400" rtl="0" eaLnBrk="1" fontAlgn="auto" latinLnBrk="0" hangingPunct="1">
+                        <a:lnSpc>
+                          <a:spcPct val="107000"/>
+                        </a:lnSpc>
+                        <a:spcBef>
+                          <a:spcPts val="0"/>
+                        </a:spcBef>
+                        <a:spcAft>
+                          <a:spcPts val="0"/>
+                        </a:spcAft>
+                        <a:buClrTx/>
+                        <a:buSzTx/>
+                        <a:buFontTx/>
+                        <a:buNone/>
+                        <a:tabLst/>
+                        <a:defRPr/>
+                      </a:pPr>
+                      <a:endParaRPr lang="en-US" sz="1800" dirty="0">
+                        <a:effectLst/>
+                        <a:latin typeface="Times New Roman" panose="02020603050405020304" pitchFamily="18" charset="0"/>
+                        <a:cs typeface="Times New Roman" panose="02020603050405020304" pitchFamily="18" charset="0"/>
+                      </a:endParaRPr>
+                    </a:p>
+                  </a:txBody>
+                  <a:tcPr marL="68580" marR="68580" marT="0" marB="0" anchor="ctr"/>
+                </a:tc>
+                <a:tc vMerge="1">
+                  <a:txBody>
+                    <a:bodyPr/>
+                    <a:lstStyle/>
+                    <a:p>
+                      <a:pPr marL="0" marR="0" lvl="0" indent="0" algn="ctr" defTabSz="914400" rtl="0" eaLnBrk="1" fontAlgn="auto" latinLnBrk="0" hangingPunct="1">
+                        <a:lnSpc>
+                          <a:spcPct val="107000"/>
+                        </a:lnSpc>
+                        <a:spcBef>
+                          <a:spcPts val="0"/>
+                        </a:spcBef>
+                        <a:spcAft>
+                          <a:spcPts val="0"/>
+                        </a:spcAft>
+                        <a:buClrTx/>
+                        <a:buSzTx/>
+                        <a:buFontTx/>
+                        <a:buNone/>
+                        <a:tabLst/>
+                        <a:defRPr/>
+                      </a:pPr>
+                      <a:endParaRPr lang="en-US" sz="1800" dirty="0">
+                        <a:effectLst/>
+                        <a:latin typeface="Times New Roman" panose="02020603050405020304" pitchFamily="18" charset="0"/>
+                        <a:cs typeface="Times New Roman" panose="02020603050405020304" pitchFamily="18" charset="0"/>
+                      </a:endParaRPr>
+                    </a:p>
+                  </a:txBody>
+                  <a:tcPr marL="68580" marR="68580" marT="0" marB="0" anchor="ctr"/>
+                </a:tc>
+                <a:extLst>
+                  <a:ext uri="{0D108BD9-81ED-4DB2-BD59-A6C34878D82A}">
+                    <a16:rowId xmlns:a16="http://schemas.microsoft.com/office/drawing/2014/main" val="1267695427"/>
+                  </a:ext>
+                </a:extLst>
+              </a:tr>
+              <a:tr h="376630">
+                <a:tc vMerge="1">
+                  <a:txBody>
+                    <a:bodyPr/>
+                    <a:lstStyle/>
+                    <a:p>
+                      <a:endParaRPr lang="en-US" dirty="0"/>
+                    </a:p>
+                  </a:txBody>
+                  <a:tcPr/>
+                </a:tc>
+                <a:tc vMerge="1">
+                  <a:txBody>
+                    <a:bodyPr/>
+                    <a:lstStyle/>
+                    <a:p>
+                      <a:endParaRPr lang="en-US" dirty="0"/>
+                    </a:p>
+                  </a:txBody>
+                  <a:tcPr/>
+                </a:tc>
+                <a:tc vMerge="1">
+                  <a:txBody>
+                    <a:bodyPr/>
+                    <a:lstStyle/>
+                    <a:p>
+                      <a:endParaRPr lang="en-US" dirty="0"/>
+                    </a:p>
+                  </a:txBody>
+                  <a:tcPr/>
+                </a:tc>
+                <a:tc>
+                  <a:txBody>
+                    <a:bodyPr/>
+                    <a:lstStyle/>
+                    <a:p>
+                      <a:pPr marL="0" marR="0" algn="ctr" defTabSz="914400" rtl="0" eaLnBrk="1" latinLnBrk="0" hangingPunct="1">
+                        <a:spcBef>
+                          <a:spcPts val="0"/>
+                        </a:spcBef>
+                        <a:spcAft>
+                          <a:spcPts val="1200"/>
+                        </a:spcAft>
+                      </a:pPr>
+                      <a:r>
+                        <a:rPr lang="en-US" sz="1800" kern="1200">
+                          <a:solidFill>
+                            <a:schemeClr val="tx1"/>
+                          </a:solidFill>
+                          <a:effectLst/>
+                          <a:latin typeface="Times New Roman" panose="02020603050405020304" pitchFamily="18" charset="0"/>
+                          <a:ea typeface="+mn-ea"/>
+                          <a:cs typeface="Times New Roman" panose="02020603050405020304" pitchFamily="18" charset="0"/>
+                        </a:rPr>
+                        <a:t>Sense of control</a:t>
+                      </a:r>
+                    </a:p>
+                  </a:txBody>
+                  <a:tcPr marL="68580" marR="68580" marT="0" marB="0" anchor="ctr" anchorCtr="1"/>
+                </a:tc>
+                <a:tc vMerge="1">
+                  <a:txBody>
+                    <a:bodyPr/>
+                    <a:lstStyle/>
+                    <a:p>
+                      <a:pPr marL="0" marR="0" algn="ctr">
+                        <a:spcBef>
+                          <a:spcPts val="0"/>
+                        </a:spcBef>
+                        <a:spcAft>
+                          <a:spcPts val="1200"/>
+                        </a:spcAft>
+                      </a:pPr>
+                      <a:endParaRPr lang="en-US" sz="1200" dirty="0">
+                        <a:effectLst/>
+                        <a:latin typeface="Times New Roman" panose="02020603050405020304" pitchFamily="18" charset="0"/>
+                        <a:ea typeface="Times New Roman" panose="02020603050405020304" pitchFamily="18" charset="0"/>
+                        <a:cs typeface="Times New Roman" panose="02020603050405020304" pitchFamily="18" charset="0"/>
+                      </a:endParaRPr>
+                    </a:p>
+                  </a:txBody>
+                  <a:tcPr marL="68580" marR="68580" marT="0" marB="0"/>
+                </a:tc>
+                <a:tc vMerge="1">
+                  <a:txBody>
+                    <a:bodyPr/>
+                    <a:lstStyle/>
+                    <a:p>
+                      <a:pPr marL="0" marR="0" algn="ctr">
+                        <a:spcBef>
+                          <a:spcPts val="0"/>
+                        </a:spcBef>
+                        <a:spcAft>
+                          <a:spcPts val="1200"/>
+                        </a:spcAft>
+                      </a:pPr>
+                      <a:endParaRPr lang="en-US" sz="1200" dirty="0">
+                        <a:effectLst/>
+                        <a:latin typeface="Times New Roman" panose="02020603050405020304" pitchFamily="18" charset="0"/>
+                        <a:ea typeface="Times New Roman" panose="02020603050405020304" pitchFamily="18" charset="0"/>
+                        <a:cs typeface="Times New Roman" panose="02020603050405020304" pitchFamily="18" charset="0"/>
+                      </a:endParaRPr>
+                    </a:p>
+                  </a:txBody>
+                  <a:tcPr marL="68580" marR="68580" marT="0" marB="0"/>
+                </a:tc>
+                <a:extLst>
+                  <a:ext uri="{0D108BD9-81ED-4DB2-BD59-A6C34878D82A}">
+                    <a16:rowId xmlns:a16="http://schemas.microsoft.com/office/drawing/2014/main" val="1515937901"/>
+                  </a:ext>
+                </a:extLst>
+              </a:tr>
+              <a:tr h="376630">
+                <a:tc vMerge="1">
+                  <a:txBody>
+                    <a:bodyPr/>
+                    <a:lstStyle/>
+                    <a:p>
+                      <a:pPr marL="0" marR="0" lvl="0" indent="0" algn="ctr" defTabSz="914400" rtl="0" eaLnBrk="1" fontAlgn="auto" latinLnBrk="0" hangingPunct="1">
+                        <a:lnSpc>
+                          <a:spcPct val="107000"/>
+                        </a:lnSpc>
+                        <a:spcBef>
+                          <a:spcPts val="0"/>
+                        </a:spcBef>
+                        <a:spcAft>
+                          <a:spcPts val="0"/>
+                        </a:spcAft>
+                        <a:buClrTx/>
+                        <a:buSzTx/>
+                        <a:buFontTx/>
+                        <a:buNone/>
+                        <a:tabLst/>
+                        <a:defRPr/>
+                      </a:pPr>
+                      <a:endParaRPr lang="en-US" sz="1800" kern="1200" dirty="0">
+                        <a:solidFill>
+                          <a:schemeClr val="tx1"/>
+                        </a:solidFill>
+                        <a:effectLst/>
+                        <a:latin typeface="Times New Roman" panose="02020603050405020304" pitchFamily="18" charset="0"/>
+                        <a:ea typeface="+mn-ea"/>
+                        <a:cs typeface="Times New Roman" panose="02020603050405020304" pitchFamily="18" charset="0"/>
+                      </a:endParaRPr>
+                    </a:p>
+                  </a:txBody>
+                  <a:tcPr marL="68580" marR="68580" marT="0" marB="0" anchor="ctr"/>
+                </a:tc>
+                <a:tc vMerge="1">
+                  <a:txBody>
+                    <a:bodyPr/>
+                    <a:lstStyle/>
+                    <a:p>
+                      <a:pPr marL="0" marR="0" lvl="0" indent="0" algn="ctr" defTabSz="914400" rtl="0" eaLnBrk="1" fontAlgn="auto" latinLnBrk="0" hangingPunct="1">
+                        <a:lnSpc>
+                          <a:spcPct val="107000"/>
+                        </a:lnSpc>
+                        <a:spcBef>
+                          <a:spcPts val="0"/>
+                        </a:spcBef>
+                        <a:spcAft>
+                          <a:spcPts val="0"/>
+                        </a:spcAft>
+                        <a:buClrTx/>
+                        <a:buSzTx/>
+                        <a:buFontTx/>
+                        <a:buNone/>
+                        <a:tabLst/>
+                        <a:defRPr/>
+                      </a:pPr>
+                      <a:endParaRPr lang="en-US" sz="1800" kern="1200" dirty="0">
+                        <a:solidFill>
+                          <a:schemeClr val="tx1"/>
+                        </a:solidFill>
+                        <a:effectLst/>
+                        <a:latin typeface="Times New Roman" panose="02020603050405020304" pitchFamily="18" charset="0"/>
+                        <a:ea typeface="+mn-ea"/>
+                        <a:cs typeface="Times New Roman" panose="02020603050405020304" pitchFamily="18" charset="0"/>
+                      </a:endParaRPr>
+                    </a:p>
+                  </a:txBody>
+                  <a:tcPr marL="68580" marR="68580" marT="0" marB="0" anchor="ctr"/>
+                </a:tc>
+                <a:tc vMerge="1">
+                  <a:txBody>
+                    <a:bodyPr/>
+                    <a:lstStyle/>
+                    <a:p>
+                      <a:pPr marL="0" marR="0" lvl="0" indent="0" algn="ctr" defTabSz="914400" rtl="0" eaLnBrk="1" fontAlgn="auto" latinLnBrk="0" hangingPunct="1">
+                        <a:lnSpc>
+                          <a:spcPct val="107000"/>
+                        </a:lnSpc>
+                        <a:spcBef>
+                          <a:spcPts val="0"/>
+                        </a:spcBef>
+                        <a:spcAft>
+                          <a:spcPts val="0"/>
+                        </a:spcAft>
+                        <a:buClrTx/>
+                        <a:buSzTx/>
+                        <a:buFontTx/>
+                        <a:buNone/>
+                        <a:tabLst/>
+                        <a:defRPr/>
+                      </a:pPr>
+                      <a:endParaRPr lang="en-US" sz="1800" kern="1200" dirty="0">
+                        <a:solidFill>
+                          <a:schemeClr val="tx1"/>
+                        </a:solidFill>
+                        <a:effectLst/>
+                        <a:latin typeface="Times New Roman" panose="02020603050405020304" pitchFamily="18" charset="0"/>
+                        <a:ea typeface="+mn-ea"/>
+                        <a:cs typeface="Times New Roman" panose="02020603050405020304" pitchFamily="18" charset="0"/>
+                      </a:endParaRPr>
+                    </a:p>
+                  </a:txBody>
+                  <a:tcPr marL="68580" marR="68580" marT="0" marB="0" anchor="ctr"/>
+                </a:tc>
+                <a:tc>
+                  <a:txBody>
+                    <a:bodyPr/>
+                    <a:lstStyle/>
+                    <a:p>
+                      <a:pPr marL="0" marR="0" algn="ctr" defTabSz="914400" rtl="0" eaLnBrk="1" latinLnBrk="0" hangingPunct="1">
+                        <a:spcBef>
+                          <a:spcPts val="0"/>
+                        </a:spcBef>
+                        <a:spcAft>
+                          <a:spcPts val="1200"/>
+                        </a:spcAft>
+                      </a:pPr>
+                      <a:r>
+                        <a:rPr lang="en-US" sz="1800" kern="1200">
+                          <a:solidFill>
+                            <a:schemeClr val="tx1"/>
+                          </a:solidFill>
+                          <a:effectLst/>
+                          <a:latin typeface="Times New Roman" panose="02020603050405020304" pitchFamily="18" charset="0"/>
+                          <a:ea typeface="+mn-ea"/>
+                          <a:cs typeface="Times New Roman" panose="02020603050405020304" pitchFamily="18" charset="0"/>
+                        </a:rPr>
+                        <a:t>Degree of difficulty</a:t>
+                      </a:r>
+                    </a:p>
+                  </a:txBody>
+                  <a:tcPr marL="68580" marR="68580" marT="0" marB="0" anchor="ctr" anchorCtr="1"/>
+                </a:tc>
+                <a:tc vMerge="1">
+                  <a:txBody>
+                    <a:bodyPr/>
+                    <a:lstStyle/>
+                    <a:p>
+                      <a:pPr marL="0" marR="0" lvl="0" indent="0" algn="ctr" defTabSz="914400" rtl="0" eaLnBrk="1" fontAlgn="auto" latinLnBrk="0" hangingPunct="1">
+                        <a:lnSpc>
+                          <a:spcPct val="107000"/>
+                        </a:lnSpc>
+                        <a:spcBef>
+                          <a:spcPts val="0"/>
+                        </a:spcBef>
+                        <a:spcAft>
+                          <a:spcPts val="0"/>
+                        </a:spcAft>
+                        <a:buClrTx/>
+                        <a:buSzTx/>
+                        <a:buFontTx/>
+                        <a:buNone/>
+                        <a:tabLst/>
+                        <a:defRPr/>
+                      </a:pPr>
+                      <a:endParaRPr lang="en-US" sz="1800" kern="1200" dirty="0">
+                        <a:solidFill>
+                          <a:schemeClr val="tx1"/>
+                        </a:solidFill>
+                        <a:effectLst/>
+                        <a:latin typeface="Times New Roman" panose="02020603050405020304" pitchFamily="18" charset="0"/>
+                        <a:ea typeface="+mn-ea"/>
+                        <a:cs typeface="Times New Roman" panose="02020603050405020304" pitchFamily="18" charset="0"/>
+                      </a:endParaRPr>
+                    </a:p>
+                  </a:txBody>
+                  <a:tcPr marL="68580" marR="68580" marT="0" marB="0" anchor="ctr"/>
+                </a:tc>
+                <a:tc vMerge="1">
+                  <a:txBody>
+                    <a:bodyPr/>
+                    <a:lstStyle/>
+                    <a:p>
+                      <a:pPr marL="0" marR="0" lvl="0" indent="0" algn="ctr" defTabSz="914400" rtl="0" eaLnBrk="1" fontAlgn="auto" latinLnBrk="0" hangingPunct="1">
+                        <a:lnSpc>
+                          <a:spcPct val="107000"/>
+                        </a:lnSpc>
+                        <a:spcBef>
+                          <a:spcPts val="0"/>
+                        </a:spcBef>
+                        <a:spcAft>
+                          <a:spcPts val="0"/>
+                        </a:spcAft>
+                        <a:buClrTx/>
+                        <a:buSzTx/>
+                        <a:buFontTx/>
+                        <a:buNone/>
+                        <a:tabLst/>
+                        <a:defRPr/>
+                      </a:pPr>
+                      <a:endParaRPr lang="en-US" sz="1800" kern="1200" dirty="0">
+                        <a:solidFill>
+                          <a:schemeClr val="tx1"/>
+                        </a:solidFill>
+                        <a:effectLst/>
+                        <a:latin typeface="Times New Roman" panose="02020603050405020304" pitchFamily="18" charset="0"/>
+                        <a:ea typeface="+mn-ea"/>
+                        <a:cs typeface="Times New Roman" panose="02020603050405020304" pitchFamily="18" charset="0"/>
+                      </a:endParaRPr>
+                    </a:p>
+                  </a:txBody>
+                  <a:tcPr marL="68580" marR="68580" marT="0" marB="0" anchor="ctr"/>
+                </a:tc>
+                <a:extLst>
+                  <a:ext uri="{0D108BD9-81ED-4DB2-BD59-A6C34878D82A}">
+                    <a16:rowId xmlns:a16="http://schemas.microsoft.com/office/drawing/2014/main" val="4287505450"/>
+                  </a:ext>
+                </a:extLst>
+              </a:tr>
+              <a:tr h="376630">
+                <a:tc vMerge="1">
+                  <a:txBody>
+                    <a:bodyPr/>
+                    <a:lstStyle/>
+                    <a:p>
+                      <a:pPr marL="0" marR="0" algn="ctr">
+                        <a:lnSpc>
+                          <a:spcPct val="107000"/>
+                        </a:lnSpc>
+                        <a:spcBef>
+                          <a:spcPts val="0"/>
+                        </a:spcBef>
+                        <a:spcAft>
+                          <a:spcPts val="0"/>
+                        </a:spcAft>
+                      </a:pPr>
+                      <a:endParaRPr lang="en-US" sz="1800" dirty="0">
+                        <a:effectLst/>
+                        <a:latin typeface="Times New Roman" panose="02020603050405020304" pitchFamily="18" charset="0"/>
+                        <a:ea typeface="맑은 고딕" panose="020B0503020000020004" pitchFamily="50" charset="-127"/>
+                        <a:cs typeface="Times New Roman" panose="02020603050405020304" pitchFamily="18" charset="0"/>
+                      </a:endParaRPr>
+                    </a:p>
+                  </a:txBody>
+                  <a:tcPr marL="68580" marR="68580" marT="0" marB="0" anchor="ctr"/>
+                </a:tc>
+                <a:tc vMerge="1">
+                  <a:txBody>
+                    <a:bodyPr/>
+                    <a:lstStyle/>
+                    <a:p>
+                      <a:pPr marL="0" marR="0" algn="ctr">
+                        <a:lnSpc>
+                          <a:spcPct val="107000"/>
+                        </a:lnSpc>
+                        <a:spcBef>
+                          <a:spcPts val="0"/>
+                        </a:spcBef>
+                        <a:spcAft>
+                          <a:spcPts val="0"/>
+                        </a:spcAft>
+                      </a:pPr>
+                      <a:endParaRPr lang="en-US" sz="1800" dirty="0">
+                        <a:effectLst/>
+                        <a:latin typeface="Times New Roman" panose="02020603050405020304" pitchFamily="18" charset="0"/>
+                        <a:ea typeface="맑은 고딕" panose="020B0503020000020004" pitchFamily="50" charset="-127"/>
+                        <a:cs typeface="Times New Roman" panose="02020603050405020304" pitchFamily="18" charset="0"/>
+                      </a:endParaRPr>
+                    </a:p>
+                  </a:txBody>
+                  <a:tcPr marL="68580" marR="68580" marT="0" marB="0" anchor="ctr"/>
+                </a:tc>
+                <a:tc vMerge="1">
+                  <a:txBody>
+                    <a:bodyPr/>
+                    <a:lstStyle/>
+                    <a:p>
+                      <a:pPr marL="0" marR="0" algn="ctr">
+                        <a:lnSpc>
+                          <a:spcPct val="107000"/>
+                        </a:lnSpc>
+                        <a:spcBef>
+                          <a:spcPts val="0"/>
+                        </a:spcBef>
+                        <a:spcAft>
+                          <a:spcPts val="0"/>
+                        </a:spcAft>
+                      </a:pPr>
+                      <a:endParaRPr lang="en-US" sz="1800" dirty="0">
+                        <a:effectLst/>
+                        <a:latin typeface="Times New Roman" panose="02020603050405020304" pitchFamily="18" charset="0"/>
+                        <a:ea typeface="맑은 고딕" panose="020B0503020000020004" pitchFamily="50" charset="-127"/>
+                        <a:cs typeface="Times New Roman" panose="02020603050405020304" pitchFamily="18" charset="0"/>
+                      </a:endParaRPr>
+                    </a:p>
+                  </a:txBody>
+                  <a:tcPr marL="68580" marR="68580" marT="0" marB="0" anchor="ctr"/>
+                </a:tc>
+                <a:tc>
+                  <a:txBody>
+                    <a:bodyPr/>
+                    <a:lstStyle/>
+                    <a:p>
+                      <a:pPr marL="0" marR="0" algn="ctr" defTabSz="914400" rtl="0" eaLnBrk="1" latinLnBrk="0" hangingPunct="1">
+                        <a:spcBef>
+                          <a:spcPts val="0"/>
+                        </a:spcBef>
+                        <a:spcAft>
+                          <a:spcPts val="1200"/>
+                        </a:spcAft>
+                      </a:pPr>
+                      <a:r>
+                        <a:rPr lang="en-US" sz="1800" kern="1200" dirty="0">
+                          <a:solidFill>
+                            <a:schemeClr val="tx1"/>
+                          </a:solidFill>
+                          <a:effectLst/>
+                          <a:latin typeface="Times New Roman" panose="02020603050405020304" pitchFamily="18" charset="0"/>
+                          <a:ea typeface="+mn-ea"/>
+                          <a:cs typeface="Times New Roman" panose="02020603050405020304" pitchFamily="18" charset="0"/>
+                        </a:rPr>
+                        <a:t>Rule</a:t>
+                      </a:r>
+                    </a:p>
+                  </a:txBody>
+                  <a:tcPr marL="68580" marR="68580" marT="0" marB="0" anchor="ctr" anchorCtr="1"/>
+                </a:tc>
+                <a:tc vMerge="1">
+                  <a:txBody>
+                    <a:bodyPr/>
+                    <a:lstStyle/>
+                    <a:p>
+                      <a:pPr marL="0" marR="0" lvl="0" indent="0" algn="ctr" defTabSz="914400" rtl="0" eaLnBrk="1" fontAlgn="auto" latinLnBrk="0" hangingPunct="1">
+                        <a:lnSpc>
+                          <a:spcPct val="107000"/>
+                        </a:lnSpc>
+                        <a:spcBef>
+                          <a:spcPts val="0"/>
+                        </a:spcBef>
+                        <a:spcAft>
+                          <a:spcPts val="0"/>
+                        </a:spcAft>
+                        <a:buClrTx/>
+                        <a:buSzTx/>
+                        <a:buFontTx/>
+                        <a:buNone/>
+                        <a:tabLst/>
+                        <a:defRPr/>
+                      </a:pPr>
+                      <a:endParaRPr lang="en-US" sz="1800" dirty="0">
+                        <a:effectLst/>
+                        <a:latin typeface="Times New Roman" panose="02020603050405020304" pitchFamily="18" charset="0"/>
+                        <a:cs typeface="Times New Roman" panose="02020603050405020304" pitchFamily="18" charset="0"/>
+                      </a:endParaRPr>
+                    </a:p>
+                  </a:txBody>
+                  <a:tcPr marL="68580" marR="68580" marT="0" marB="0" anchor="ctr"/>
+                </a:tc>
+                <a:tc vMerge="1">
+                  <a:txBody>
+                    <a:bodyPr/>
+                    <a:lstStyle/>
+                    <a:p>
+                      <a:pPr marL="0" marR="0" lvl="0" indent="0" algn="ctr" defTabSz="914400" rtl="0" eaLnBrk="1" fontAlgn="auto" latinLnBrk="0" hangingPunct="1">
+                        <a:lnSpc>
+                          <a:spcPct val="107000"/>
+                        </a:lnSpc>
+                        <a:spcBef>
+                          <a:spcPts val="0"/>
+                        </a:spcBef>
+                        <a:spcAft>
+                          <a:spcPts val="0"/>
+                        </a:spcAft>
+                        <a:buClrTx/>
+                        <a:buSzTx/>
+                        <a:buFontTx/>
+                        <a:buNone/>
+                        <a:tabLst/>
+                        <a:defRPr/>
+                      </a:pPr>
+                      <a:endParaRPr lang="en-US" sz="1800" dirty="0">
+                        <a:effectLst/>
+                        <a:latin typeface="Times New Roman" panose="02020603050405020304" pitchFamily="18" charset="0"/>
+                        <a:cs typeface="Times New Roman" panose="02020603050405020304" pitchFamily="18" charset="0"/>
+                      </a:endParaRPr>
+                    </a:p>
+                  </a:txBody>
+                  <a:tcPr marL="68580" marR="68580" marT="0" marB="0" anchor="ctr"/>
+                </a:tc>
+                <a:extLst>
+                  <a:ext uri="{0D108BD9-81ED-4DB2-BD59-A6C34878D82A}">
+                    <a16:rowId xmlns:a16="http://schemas.microsoft.com/office/drawing/2014/main" val="1101848338"/>
+                  </a:ext>
+                </a:extLst>
+              </a:tr>
+              <a:tr h="376630">
+                <a:tc vMerge="1">
+                  <a:txBody>
+                    <a:bodyPr/>
+                    <a:lstStyle/>
+                    <a:p>
+                      <a:pPr marL="0" marR="0" algn="ctr">
+                        <a:lnSpc>
+                          <a:spcPct val="107000"/>
+                        </a:lnSpc>
+                        <a:spcBef>
+                          <a:spcPts val="0"/>
+                        </a:spcBef>
+                        <a:spcAft>
+                          <a:spcPts val="0"/>
+                        </a:spcAft>
+                      </a:pPr>
+                      <a:endParaRPr lang="en-US" sz="1800" dirty="0">
+                        <a:effectLst/>
+                        <a:latin typeface="Times New Roman" panose="02020603050405020304" pitchFamily="18" charset="0"/>
+                        <a:ea typeface="맑은 고딕" panose="020B0503020000020004" pitchFamily="50" charset="-127"/>
+                        <a:cs typeface="Times New Roman" panose="02020603050405020304" pitchFamily="18" charset="0"/>
+                      </a:endParaRPr>
+                    </a:p>
+                  </a:txBody>
+                  <a:tcPr marL="68580" marR="68580" marT="0" marB="0" anchor="ctr"/>
+                </a:tc>
+                <a:tc vMerge="1">
+                  <a:txBody>
+                    <a:bodyPr/>
+                    <a:lstStyle/>
+                    <a:p>
+                      <a:pPr marL="0" marR="0" algn="ctr">
+                        <a:lnSpc>
+                          <a:spcPct val="107000"/>
+                        </a:lnSpc>
+                        <a:spcBef>
+                          <a:spcPts val="0"/>
+                        </a:spcBef>
+                        <a:spcAft>
+                          <a:spcPts val="0"/>
+                        </a:spcAft>
+                      </a:pPr>
+                      <a:endParaRPr lang="en-US" sz="1800" dirty="0">
+                        <a:effectLst/>
+                        <a:latin typeface="Times New Roman" panose="02020603050405020304" pitchFamily="18" charset="0"/>
+                        <a:ea typeface="맑은 고딕" panose="020B0503020000020004" pitchFamily="50" charset="-127"/>
+                        <a:cs typeface="Times New Roman" panose="02020603050405020304" pitchFamily="18" charset="0"/>
+                      </a:endParaRPr>
+                    </a:p>
+                  </a:txBody>
+                  <a:tcPr marL="68580" marR="68580" marT="0" marB="0" anchor="ctr"/>
+                </a:tc>
+                <a:tc vMerge="1">
+                  <a:txBody>
+                    <a:bodyPr/>
+                    <a:lstStyle/>
+                    <a:p>
+                      <a:pPr marL="0" marR="0" algn="ctr">
+                        <a:lnSpc>
+                          <a:spcPct val="107000"/>
+                        </a:lnSpc>
+                        <a:spcBef>
+                          <a:spcPts val="0"/>
+                        </a:spcBef>
+                        <a:spcAft>
+                          <a:spcPts val="0"/>
+                        </a:spcAft>
+                      </a:pPr>
+                      <a:endParaRPr lang="en-US" sz="1800" dirty="0">
+                        <a:effectLst/>
+                        <a:latin typeface="Times New Roman" panose="02020603050405020304" pitchFamily="18" charset="0"/>
+                        <a:ea typeface="맑은 고딕" panose="020B0503020000020004" pitchFamily="50" charset="-127"/>
+                        <a:cs typeface="Times New Roman" panose="02020603050405020304" pitchFamily="18" charset="0"/>
+                      </a:endParaRPr>
+                    </a:p>
+                  </a:txBody>
+                  <a:tcPr marL="68580" marR="68580" marT="0" marB="0" anchor="ctr"/>
+                </a:tc>
+                <a:tc>
+                  <a:txBody>
+                    <a:bodyPr/>
+                    <a:lstStyle/>
+                    <a:p>
+                      <a:pPr marL="0" marR="0" algn="ctr" defTabSz="914400" rtl="0" eaLnBrk="1" latinLnBrk="0" hangingPunct="1">
+                        <a:spcBef>
+                          <a:spcPts val="0"/>
+                        </a:spcBef>
+                        <a:spcAft>
+                          <a:spcPts val="1200"/>
+                        </a:spcAft>
+                      </a:pPr>
+                      <a:r>
+                        <a:rPr lang="en-US" sz="1800" kern="1200">
+                          <a:solidFill>
+                            <a:schemeClr val="tx1"/>
+                          </a:solidFill>
+                          <a:effectLst/>
+                          <a:latin typeface="Times New Roman" panose="02020603050405020304" pitchFamily="18" charset="0"/>
+                          <a:ea typeface="+mn-ea"/>
+                          <a:cs typeface="Times New Roman" panose="02020603050405020304" pitchFamily="18" charset="0"/>
+                        </a:rPr>
+                        <a:t>Learning Content</a:t>
+                      </a:r>
+                    </a:p>
+                  </a:txBody>
+                  <a:tcPr marL="68580" marR="68580" marT="0" marB="0" anchor="ctr" anchorCtr="1"/>
+                </a:tc>
+                <a:tc vMerge="1">
+                  <a:txBody>
+                    <a:bodyPr/>
+                    <a:lstStyle/>
+                    <a:p>
+                      <a:pPr marL="0" marR="0" lvl="0" indent="0" algn="ctr" defTabSz="914400" rtl="0" eaLnBrk="1" fontAlgn="auto" latinLnBrk="0" hangingPunct="1">
+                        <a:lnSpc>
+                          <a:spcPct val="107000"/>
+                        </a:lnSpc>
+                        <a:spcBef>
+                          <a:spcPts val="0"/>
+                        </a:spcBef>
+                        <a:spcAft>
+                          <a:spcPts val="0"/>
+                        </a:spcAft>
+                        <a:buClrTx/>
+                        <a:buSzTx/>
+                        <a:buFontTx/>
+                        <a:buNone/>
+                        <a:tabLst/>
+                        <a:defRPr/>
+                      </a:pPr>
+                      <a:endParaRPr lang="en-US" sz="1800" dirty="0">
+                        <a:effectLst/>
+                        <a:latin typeface="Times New Roman" panose="02020603050405020304" pitchFamily="18" charset="0"/>
+                        <a:cs typeface="Times New Roman" panose="02020603050405020304" pitchFamily="18" charset="0"/>
+                      </a:endParaRPr>
+                    </a:p>
+                  </a:txBody>
+                  <a:tcPr marL="68580" marR="68580" marT="0" marB="0" anchor="ctr"/>
+                </a:tc>
+                <a:tc vMerge="1">
+                  <a:txBody>
+                    <a:bodyPr/>
+                    <a:lstStyle/>
+                    <a:p>
+                      <a:pPr marL="0" marR="0" lvl="0" indent="0" algn="ctr" defTabSz="914400" rtl="0" eaLnBrk="1" fontAlgn="auto" latinLnBrk="0" hangingPunct="1">
+                        <a:lnSpc>
+                          <a:spcPct val="107000"/>
+                        </a:lnSpc>
+                        <a:spcBef>
+                          <a:spcPts val="0"/>
+                        </a:spcBef>
+                        <a:spcAft>
+                          <a:spcPts val="0"/>
+                        </a:spcAft>
+                        <a:buClrTx/>
+                        <a:buSzTx/>
+                        <a:buFontTx/>
+                        <a:buNone/>
+                        <a:tabLst/>
+                        <a:defRPr/>
+                      </a:pPr>
+                      <a:endParaRPr lang="en-US" sz="1800" dirty="0">
+                        <a:effectLst/>
+                        <a:latin typeface="Times New Roman" panose="02020603050405020304" pitchFamily="18" charset="0"/>
+                        <a:cs typeface="Times New Roman" panose="02020603050405020304" pitchFamily="18" charset="0"/>
+                      </a:endParaRPr>
+                    </a:p>
+                  </a:txBody>
+                  <a:tcPr marL="68580" marR="68580" marT="0" marB="0" anchor="ctr"/>
+                </a:tc>
+                <a:extLst>
+                  <a:ext uri="{0D108BD9-81ED-4DB2-BD59-A6C34878D82A}">
+                    <a16:rowId xmlns:a16="http://schemas.microsoft.com/office/drawing/2014/main" val="2222031645"/>
+                  </a:ext>
+                </a:extLst>
+              </a:tr>
+              <a:tr h="376630">
+                <a:tc vMerge="1">
+                  <a:txBody>
+                    <a:bodyPr/>
+                    <a:lstStyle/>
+                    <a:p>
+                      <a:pPr marL="0" marR="0" algn="ctr">
+                        <a:lnSpc>
+                          <a:spcPct val="107000"/>
+                        </a:lnSpc>
+                        <a:spcBef>
+                          <a:spcPts val="0"/>
+                        </a:spcBef>
+                        <a:spcAft>
+                          <a:spcPts val="0"/>
+                        </a:spcAft>
+                      </a:pPr>
+                      <a:endParaRPr lang="en-US" sz="1800" dirty="0">
+                        <a:effectLst/>
+                        <a:latin typeface="Times New Roman" panose="02020603050405020304" pitchFamily="18" charset="0"/>
+                        <a:ea typeface="맑은 고딕" panose="020B0503020000020004" pitchFamily="50" charset="-127"/>
+                        <a:cs typeface="Times New Roman" panose="02020603050405020304" pitchFamily="18" charset="0"/>
+                      </a:endParaRPr>
+                    </a:p>
+                  </a:txBody>
+                  <a:tcPr marL="68580" marR="68580" marT="0" marB="0" anchor="ctr"/>
+                </a:tc>
+                <a:tc vMerge="1">
+                  <a:txBody>
+                    <a:bodyPr/>
+                    <a:lstStyle/>
+                    <a:p>
+                      <a:pPr marL="0" marR="0" algn="ctr">
+                        <a:lnSpc>
+                          <a:spcPct val="107000"/>
+                        </a:lnSpc>
+                        <a:spcBef>
+                          <a:spcPts val="0"/>
+                        </a:spcBef>
+                        <a:spcAft>
+                          <a:spcPts val="0"/>
+                        </a:spcAft>
+                      </a:pPr>
+                      <a:endParaRPr lang="en-US" sz="1800" dirty="0">
+                        <a:effectLst/>
+                        <a:latin typeface="Times New Roman" panose="02020603050405020304" pitchFamily="18" charset="0"/>
+                        <a:ea typeface="맑은 고딕" panose="020B0503020000020004" pitchFamily="50" charset="-127"/>
+                        <a:cs typeface="Times New Roman" panose="02020603050405020304" pitchFamily="18" charset="0"/>
+                      </a:endParaRPr>
+                    </a:p>
+                  </a:txBody>
+                  <a:tcPr marL="68580" marR="68580" marT="0" marB="0" anchor="ctr"/>
+                </a:tc>
+                <a:tc vMerge="1">
+                  <a:txBody>
+                    <a:bodyPr/>
+                    <a:lstStyle/>
+                    <a:p>
+                      <a:pPr marL="0" marR="0" algn="ctr">
+                        <a:lnSpc>
+                          <a:spcPct val="107000"/>
+                        </a:lnSpc>
+                        <a:spcBef>
+                          <a:spcPts val="0"/>
+                        </a:spcBef>
+                        <a:spcAft>
+                          <a:spcPts val="0"/>
+                        </a:spcAft>
+                      </a:pPr>
+                      <a:endParaRPr lang="en-US" sz="1800" dirty="0">
+                        <a:effectLst/>
+                        <a:latin typeface="Times New Roman" panose="02020603050405020304" pitchFamily="18" charset="0"/>
+                        <a:ea typeface="맑은 고딕" panose="020B0503020000020004" pitchFamily="50" charset="-127"/>
+                        <a:cs typeface="Times New Roman" panose="02020603050405020304" pitchFamily="18" charset="0"/>
+                      </a:endParaRPr>
+                    </a:p>
+                  </a:txBody>
+                  <a:tcPr marL="68580" marR="68580" marT="0" marB="0" anchor="ctr"/>
+                </a:tc>
+                <a:tc>
+                  <a:txBody>
+                    <a:bodyPr/>
+                    <a:lstStyle/>
+                    <a:p>
+                      <a:pPr marL="0" marR="0" algn="ctr" defTabSz="914400" rtl="0" eaLnBrk="1" latinLnBrk="0" hangingPunct="1">
+                        <a:spcBef>
+                          <a:spcPts val="0"/>
+                        </a:spcBef>
+                        <a:spcAft>
+                          <a:spcPts val="1200"/>
+                        </a:spcAft>
+                      </a:pPr>
+                      <a:r>
+                        <a:rPr lang="en-US" sz="1800" kern="1200">
+                          <a:solidFill>
+                            <a:schemeClr val="tx1"/>
+                          </a:solidFill>
+                          <a:effectLst/>
+                          <a:latin typeface="Times New Roman" panose="02020603050405020304" pitchFamily="18" charset="0"/>
+                          <a:ea typeface="+mn-ea"/>
+                          <a:cs typeface="Times New Roman" panose="02020603050405020304" pitchFamily="18" charset="0"/>
+                        </a:rPr>
+                        <a:t>learning target</a:t>
+                      </a:r>
+                    </a:p>
+                  </a:txBody>
+                  <a:tcPr marL="68580" marR="68580" marT="0" marB="0" anchor="ctr" anchorCtr="1"/>
+                </a:tc>
+                <a:tc vMerge="1">
+                  <a:txBody>
+                    <a:bodyPr/>
+                    <a:lstStyle/>
+                    <a:p>
+                      <a:pPr marL="0" marR="0" lvl="0" indent="0" algn="ctr" defTabSz="914400" rtl="0" eaLnBrk="1" fontAlgn="auto" latinLnBrk="0" hangingPunct="1">
+                        <a:lnSpc>
+                          <a:spcPct val="107000"/>
+                        </a:lnSpc>
+                        <a:spcBef>
+                          <a:spcPts val="0"/>
+                        </a:spcBef>
+                        <a:spcAft>
+                          <a:spcPts val="0"/>
+                        </a:spcAft>
+                        <a:buClrTx/>
+                        <a:buSzTx/>
+                        <a:buFontTx/>
+                        <a:buNone/>
+                        <a:tabLst/>
+                        <a:defRPr/>
+                      </a:pPr>
+                      <a:endParaRPr lang="en-US" sz="1800" dirty="0">
+                        <a:effectLst/>
+                        <a:latin typeface="Times New Roman" panose="02020603050405020304" pitchFamily="18" charset="0"/>
+                        <a:cs typeface="Times New Roman" panose="02020603050405020304" pitchFamily="18" charset="0"/>
+                      </a:endParaRPr>
+                    </a:p>
+                  </a:txBody>
+                  <a:tcPr marL="68580" marR="68580" marT="0" marB="0" anchor="ctr"/>
+                </a:tc>
+                <a:tc vMerge="1">
+                  <a:txBody>
+                    <a:bodyPr/>
+                    <a:lstStyle/>
+                    <a:p>
+                      <a:pPr marL="0" marR="0" lvl="0" indent="0" algn="ctr" defTabSz="914400" rtl="0" eaLnBrk="1" fontAlgn="auto" latinLnBrk="0" hangingPunct="1">
+                        <a:lnSpc>
+                          <a:spcPct val="107000"/>
+                        </a:lnSpc>
+                        <a:spcBef>
+                          <a:spcPts val="0"/>
+                        </a:spcBef>
+                        <a:spcAft>
+                          <a:spcPts val="0"/>
+                        </a:spcAft>
+                        <a:buClrTx/>
+                        <a:buSzTx/>
+                        <a:buFontTx/>
+                        <a:buNone/>
+                        <a:tabLst/>
+                        <a:defRPr/>
+                      </a:pPr>
+                      <a:endParaRPr lang="en-US" sz="1800" dirty="0">
+                        <a:effectLst/>
+                        <a:latin typeface="Times New Roman" panose="02020603050405020304" pitchFamily="18" charset="0"/>
+                        <a:cs typeface="Times New Roman" panose="02020603050405020304" pitchFamily="18" charset="0"/>
+                      </a:endParaRPr>
+                    </a:p>
+                  </a:txBody>
+                  <a:tcPr marL="68580" marR="68580" marT="0" marB="0" anchor="ctr"/>
+                </a:tc>
+                <a:extLst>
+                  <a:ext uri="{0D108BD9-81ED-4DB2-BD59-A6C34878D82A}">
+                    <a16:rowId xmlns:a16="http://schemas.microsoft.com/office/drawing/2014/main" val="1880694230"/>
+                  </a:ext>
+                </a:extLst>
+              </a:tr>
+              <a:tr h="376630">
+                <a:tc vMerge="1">
+                  <a:txBody>
+                    <a:bodyPr/>
+                    <a:lstStyle/>
+                    <a:p>
+                      <a:pPr marL="0" marR="0" algn="ctr">
+                        <a:lnSpc>
+                          <a:spcPct val="107000"/>
+                        </a:lnSpc>
+                        <a:spcBef>
+                          <a:spcPts val="0"/>
+                        </a:spcBef>
+                        <a:spcAft>
+                          <a:spcPts val="0"/>
+                        </a:spcAft>
+                      </a:pPr>
+                      <a:endParaRPr lang="en-US" sz="1800" dirty="0">
+                        <a:effectLst/>
+                        <a:latin typeface="Times New Roman" panose="02020603050405020304" pitchFamily="18" charset="0"/>
+                        <a:ea typeface="맑은 고딕" panose="020B0503020000020004" pitchFamily="50" charset="-127"/>
+                        <a:cs typeface="Times New Roman" panose="02020603050405020304" pitchFamily="18" charset="0"/>
+                      </a:endParaRPr>
+                    </a:p>
+                  </a:txBody>
+                  <a:tcPr marL="68580" marR="68580" marT="0" marB="0" anchor="ctr"/>
+                </a:tc>
+                <a:tc vMerge="1">
+                  <a:txBody>
+                    <a:bodyPr/>
+                    <a:lstStyle/>
+                    <a:p>
+                      <a:pPr marL="0" marR="0" algn="ctr">
+                        <a:lnSpc>
+                          <a:spcPct val="107000"/>
+                        </a:lnSpc>
+                        <a:spcBef>
+                          <a:spcPts val="0"/>
+                        </a:spcBef>
+                        <a:spcAft>
+                          <a:spcPts val="0"/>
+                        </a:spcAft>
+                      </a:pPr>
+                      <a:endParaRPr lang="en-US" sz="1800" dirty="0">
+                        <a:effectLst/>
+                        <a:latin typeface="Times New Roman" panose="02020603050405020304" pitchFamily="18" charset="0"/>
+                        <a:ea typeface="맑은 고딕" panose="020B0503020000020004" pitchFamily="50" charset="-127"/>
+                        <a:cs typeface="Times New Roman" panose="02020603050405020304" pitchFamily="18" charset="0"/>
+                      </a:endParaRPr>
+                    </a:p>
+                  </a:txBody>
+                  <a:tcPr marL="68580" marR="68580" marT="0" marB="0" anchor="ctr"/>
+                </a:tc>
+                <a:tc vMerge="1">
+                  <a:txBody>
+                    <a:bodyPr/>
+                    <a:lstStyle/>
+                    <a:p>
+                      <a:pPr marL="0" marR="0" algn="ctr">
+                        <a:lnSpc>
+                          <a:spcPct val="107000"/>
+                        </a:lnSpc>
+                        <a:spcBef>
+                          <a:spcPts val="0"/>
+                        </a:spcBef>
+                        <a:spcAft>
+                          <a:spcPts val="0"/>
+                        </a:spcAft>
+                      </a:pPr>
+                      <a:endParaRPr lang="en-US" sz="1800" dirty="0">
+                        <a:effectLst/>
+                        <a:latin typeface="Times New Roman" panose="02020603050405020304" pitchFamily="18" charset="0"/>
+                        <a:ea typeface="맑은 고딕" panose="020B0503020000020004" pitchFamily="50" charset="-127"/>
+                        <a:cs typeface="Times New Roman" panose="02020603050405020304" pitchFamily="18" charset="0"/>
+                      </a:endParaRPr>
+                    </a:p>
+                  </a:txBody>
+                  <a:tcPr marL="68580" marR="68580" marT="0" marB="0" anchor="ctr"/>
+                </a:tc>
+                <a:tc>
+                  <a:txBody>
+                    <a:bodyPr/>
+                    <a:lstStyle/>
+                    <a:p>
+                      <a:pPr marL="0" marR="0" algn="ctr" defTabSz="914400" rtl="0" eaLnBrk="1" latinLnBrk="0" hangingPunct="1">
+                        <a:spcBef>
+                          <a:spcPts val="0"/>
+                        </a:spcBef>
+                        <a:spcAft>
+                          <a:spcPts val="1200"/>
+                        </a:spcAft>
+                      </a:pPr>
+                      <a:r>
+                        <a:rPr lang="en-US" sz="1800" kern="1200">
+                          <a:solidFill>
+                            <a:schemeClr val="tx1"/>
+                          </a:solidFill>
+                          <a:effectLst/>
+                          <a:latin typeface="Times New Roman" panose="02020603050405020304" pitchFamily="18" charset="0"/>
+                          <a:ea typeface="+mn-ea"/>
+                          <a:cs typeface="Times New Roman" panose="02020603050405020304" pitchFamily="18" charset="0"/>
+                        </a:rPr>
+                        <a:t>Teaching effect</a:t>
+                      </a:r>
+                    </a:p>
+                  </a:txBody>
+                  <a:tcPr marL="68580" marR="68580" marT="0" marB="0" anchor="ctr" anchorCtr="1"/>
+                </a:tc>
+                <a:tc vMerge="1">
+                  <a:txBody>
+                    <a:bodyPr/>
+                    <a:lstStyle/>
+                    <a:p>
+                      <a:pPr marL="0" marR="0" lvl="0" indent="0" algn="ctr" defTabSz="914400" rtl="0" eaLnBrk="1" fontAlgn="auto" latinLnBrk="0" hangingPunct="1">
+                        <a:lnSpc>
+                          <a:spcPct val="107000"/>
+                        </a:lnSpc>
+                        <a:spcBef>
+                          <a:spcPts val="0"/>
+                        </a:spcBef>
+                        <a:spcAft>
+                          <a:spcPts val="0"/>
+                        </a:spcAft>
+                        <a:buClrTx/>
+                        <a:buSzTx/>
+                        <a:buFontTx/>
+                        <a:buNone/>
+                        <a:tabLst/>
+                        <a:defRPr/>
+                      </a:pPr>
+                      <a:endParaRPr lang="en-US" sz="1800" dirty="0">
+                        <a:effectLst/>
+                        <a:latin typeface="Times New Roman" panose="02020603050405020304" pitchFamily="18" charset="0"/>
+                        <a:cs typeface="Times New Roman" panose="02020603050405020304" pitchFamily="18" charset="0"/>
+                      </a:endParaRPr>
+                    </a:p>
+                  </a:txBody>
+                  <a:tcPr marL="68580" marR="68580" marT="0" marB="0" anchor="ctr"/>
+                </a:tc>
+                <a:tc vMerge="1">
+                  <a:txBody>
+                    <a:bodyPr/>
+                    <a:lstStyle/>
+                    <a:p>
+                      <a:pPr marL="0" marR="0" lvl="0" indent="0" algn="ctr" defTabSz="914400" rtl="0" eaLnBrk="1" fontAlgn="auto" latinLnBrk="0" hangingPunct="1">
+                        <a:lnSpc>
+                          <a:spcPct val="107000"/>
+                        </a:lnSpc>
+                        <a:spcBef>
+                          <a:spcPts val="0"/>
+                        </a:spcBef>
+                        <a:spcAft>
+                          <a:spcPts val="0"/>
+                        </a:spcAft>
+                        <a:buClrTx/>
+                        <a:buSzTx/>
+                        <a:buFontTx/>
+                        <a:buNone/>
+                        <a:tabLst/>
+                        <a:defRPr/>
+                      </a:pPr>
+                      <a:endParaRPr lang="en-US" sz="1800" dirty="0">
+                        <a:effectLst/>
+                        <a:latin typeface="Times New Roman" panose="02020603050405020304" pitchFamily="18" charset="0"/>
+                        <a:cs typeface="Times New Roman" panose="02020603050405020304" pitchFamily="18" charset="0"/>
+                      </a:endParaRPr>
+                    </a:p>
+                  </a:txBody>
+                  <a:tcPr marL="68580" marR="68580" marT="0" marB="0" anchor="ctr"/>
+                </a:tc>
+                <a:extLst>
+                  <a:ext uri="{0D108BD9-81ED-4DB2-BD59-A6C34878D82A}">
+                    <a16:rowId xmlns:a16="http://schemas.microsoft.com/office/drawing/2014/main" val="2194076708"/>
+                  </a:ext>
+                </a:extLst>
+              </a:tr>
+              <a:tr h="376630">
+                <a:tc vMerge="1">
+                  <a:txBody>
+                    <a:bodyPr/>
+                    <a:lstStyle/>
+                    <a:p>
+                      <a:pPr marL="0" marR="0" algn="ctr">
+                        <a:lnSpc>
+                          <a:spcPct val="107000"/>
+                        </a:lnSpc>
+                        <a:spcBef>
+                          <a:spcPts val="0"/>
+                        </a:spcBef>
+                        <a:spcAft>
+                          <a:spcPts val="0"/>
+                        </a:spcAft>
+                      </a:pPr>
+                      <a:endParaRPr lang="en-US" sz="1800" dirty="0">
+                        <a:effectLst/>
+                        <a:latin typeface="Times New Roman" panose="02020603050405020304" pitchFamily="18" charset="0"/>
+                        <a:ea typeface="맑은 고딕" panose="020B0503020000020004" pitchFamily="50" charset="-127"/>
+                        <a:cs typeface="Times New Roman" panose="02020603050405020304" pitchFamily="18" charset="0"/>
+                      </a:endParaRPr>
+                    </a:p>
+                  </a:txBody>
+                  <a:tcPr marL="68580" marR="68580" marT="0" marB="0" anchor="ctr"/>
+                </a:tc>
+                <a:tc vMerge="1">
+                  <a:txBody>
+                    <a:bodyPr/>
+                    <a:lstStyle/>
+                    <a:p>
+                      <a:pPr marL="0" marR="0" algn="ctr">
+                        <a:lnSpc>
+                          <a:spcPct val="107000"/>
+                        </a:lnSpc>
+                        <a:spcBef>
+                          <a:spcPts val="0"/>
+                        </a:spcBef>
+                        <a:spcAft>
+                          <a:spcPts val="0"/>
+                        </a:spcAft>
+                      </a:pPr>
+                      <a:endParaRPr lang="en-US" sz="1800" dirty="0">
+                        <a:effectLst/>
+                        <a:latin typeface="Times New Roman" panose="02020603050405020304" pitchFamily="18" charset="0"/>
+                        <a:ea typeface="맑은 고딕" panose="020B0503020000020004" pitchFamily="50" charset="-127"/>
+                        <a:cs typeface="Times New Roman" panose="02020603050405020304" pitchFamily="18" charset="0"/>
+                      </a:endParaRPr>
+                    </a:p>
+                  </a:txBody>
+                  <a:tcPr marL="68580" marR="68580" marT="0" marB="0" anchor="ctr"/>
+                </a:tc>
+                <a:tc vMerge="1">
+                  <a:txBody>
+                    <a:bodyPr/>
+                    <a:lstStyle/>
+                    <a:p>
+                      <a:pPr marL="0" marR="0" algn="ctr">
+                        <a:lnSpc>
+                          <a:spcPct val="107000"/>
+                        </a:lnSpc>
+                        <a:spcBef>
+                          <a:spcPts val="0"/>
+                        </a:spcBef>
+                        <a:spcAft>
+                          <a:spcPts val="0"/>
+                        </a:spcAft>
+                      </a:pPr>
+                      <a:endParaRPr lang="en-US" sz="1800" dirty="0">
+                        <a:effectLst/>
+                        <a:latin typeface="Times New Roman" panose="02020603050405020304" pitchFamily="18" charset="0"/>
+                        <a:ea typeface="맑은 고딕" panose="020B0503020000020004" pitchFamily="50" charset="-127"/>
+                        <a:cs typeface="Times New Roman" panose="02020603050405020304" pitchFamily="18" charset="0"/>
+                      </a:endParaRPr>
+                    </a:p>
+                  </a:txBody>
+                  <a:tcPr marL="68580" marR="68580" marT="0" marB="0" anchor="ctr"/>
+                </a:tc>
+                <a:tc>
+                  <a:txBody>
+                    <a:bodyPr/>
+                    <a:lstStyle/>
+                    <a:p>
+                      <a:pPr marL="0" marR="0" algn="ctr" defTabSz="914400" rtl="0" eaLnBrk="1" latinLnBrk="0" hangingPunct="1">
+                        <a:spcBef>
+                          <a:spcPts val="0"/>
+                        </a:spcBef>
+                        <a:spcAft>
+                          <a:spcPts val="1200"/>
+                        </a:spcAft>
+                      </a:pPr>
+                      <a:r>
+                        <a:rPr lang="en-US" sz="1800" kern="1200" dirty="0">
+                          <a:solidFill>
+                            <a:schemeClr val="tx1"/>
+                          </a:solidFill>
+                          <a:effectLst/>
+                          <a:latin typeface="Times New Roman" panose="02020603050405020304" pitchFamily="18" charset="0"/>
+                          <a:ea typeface="+mn-ea"/>
+                          <a:cs typeface="Times New Roman" panose="02020603050405020304" pitchFamily="18" charset="0"/>
+                        </a:rPr>
+                        <a:t>Communication channel</a:t>
+                      </a:r>
+                    </a:p>
+                  </a:txBody>
+                  <a:tcPr marL="68580" marR="68580" marT="0" marB="0" anchor="ctr" anchorCtr="1"/>
+                </a:tc>
+                <a:tc vMerge="1">
+                  <a:txBody>
+                    <a:bodyPr/>
+                    <a:lstStyle/>
+                    <a:p>
+                      <a:pPr marL="0" marR="0" lvl="0" indent="0" algn="ctr" defTabSz="914400" rtl="0" eaLnBrk="1" fontAlgn="auto" latinLnBrk="0" hangingPunct="1">
+                        <a:lnSpc>
+                          <a:spcPct val="107000"/>
+                        </a:lnSpc>
+                        <a:spcBef>
+                          <a:spcPts val="0"/>
+                        </a:spcBef>
+                        <a:spcAft>
+                          <a:spcPts val="0"/>
+                        </a:spcAft>
+                        <a:buClrTx/>
+                        <a:buSzTx/>
+                        <a:buFontTx/>
+                        <a:buNone/>
+                        <a:tabLst/>
+                        <a:defRPr/>
+                      </a:pPr>
+                      <a:endParaRPr lang="en-US" sz="1800" dirty="0">
+                        <a:effectLst/>
+                        <a:latin typeface="Times New Roman" panose="02020603050405020304" pitchFamily="18" charset="0"/>
+                        <a:cs typeface="Times New Roman" panose="02020603050405020304" pitchFamily="18" charset="0"/>
+                      </a:endParaRPr>
+                    </a:p>
+                  </a:txBody>
+                  <a:tcPr marL="68580" marR="68580" marT="0" marB="0" anchor="ctr"/>
+                </a:tc>
+                <a:tc vMerge="1">
+                  <a:txBody>
+                    <a:bodyPr/>
+                    <a:lstStyle/>
+                    <a:p>
+                      <a:pPr marL="0" marR="0" lvl="0" indent="0" algn="ctr" defTabSz="914400" rtl="0" eaLnBrk="1" fontAlgn="auto" latinLnBrk="0" hangingPunct="1">
+                        <a:lnSpc>
+                          <a:spcPct val="107000"/>
+                        </a:lnSpc>
+                        <a:spcBef>
+                          <a:spcPts val="0"/>
+                        </a:spcBef>
+                        <a:spcAft>
+                          <a:spcPts val="0"/>
+                        </a:spcAft>
+                        <a:buClrTx/>
+                        <a:buSzTx/>
+                        <a:buFontTx/>
+                        <a:buNone/>
+                        <a:tabLst/>
+                        <a:defRPr/>
+                      </a:pPr>
+                      <a:endParaRPr lang="en-US" sz="1800" dirty="0">
+                        <a:effectLst/>
+                        <a:latin typeface="Times New Roman" panose="02020603050405020304" pitchFamily="18" charset="0"/>
+                        <a:cs typeface="Times New Roman" panose="02020603050405020304" pitchFamily="18" charset="0"/>
+                      </a:endParaRPr>
+                    </a:p>
+                  </a:txBody>
+                  <a:tcPr marL="68580" marR="68580" marT="0" marB="0" anchor="ctr"/>
+                </a:tc>
+                <a:extLst>
+                  <a:ext uri="{0D108BD9-81ED-4DB2-BD59-A6C34878D82A}">
+                    <a16:rowId xmlns:a16="http://schemas.microsoft.com/office/drawing/2014/main" val="4289513594"/>
+                  </a:ext>
+                </a:extLst>
+              </a:tr>
+            </a:tbl>
+          </a:graphicData>
+        </a:graphic>
+      </p:graphicFrame>
+    </p:spTree>
+    <p:extLst>
+      <p:ext uri="{BB962C8B-B14F-4D97-AF65-F5344CB8AC3E}">
+        <p14:creationId xmlns:p14="http://schemas.microsoft.com/office/powerpoint/2010/main" val="230305432"/>
+      </p:ext>
+    </p:extLst>
+  </p:cSld>
+  <p:clrMapOvr>
+    <a:masterClrMapping/>
+  </p:clrMapOvr>
+</p:sld>
+</file>
+
 <file path=ppt/theme/theme1.xml><?xml version="1.0" encoding="utf-8"?>
 <a:theme xmlns:a="http://schemas.openxmlformats.org/drawingml/2006/main" name="Office 主题​​">
   <a:themeElements>

--- a/bi_ye_lun_wen/cao gao/temp files.pptx
+++ b/bi_ye_lun_wen/cao gao/temp files.pptx
@@ -266,7 +266,7 @@
           <a:p>
             <a:fld id="{AD880408-622A-4071-A052-F5E03FFF4B10}" type="datetimeFigureOut">
               <a:rPr lang="en-US" smtClean="0"/>
-              <a:t>4/22/2018</a:t>
+              <a:t>4/23/2018</a:t>
             </a:fld>
             <a:endParaRPr lang="en-US"/>
           </a:p>
@@ -466,7 +466,7 @@
           <a:p>
             <a:fld id="{AD880408-622A-4071-A052-F5E03FFF4B10}" type="datetimeFigureOut">
               <a:rPr lang="en-US" smtClean="0"/>
-              <a:t>4/22/2018</a:t>
+              <a:t>4/23/2018</a:t>
             </a:fld>
             <a:endParaRPr lang="en-US"/>
           </a:p>
@@ -676,7 +676,7 @@
           <a:p>
             <a:fld id="{AD880408-622A-4071-A052-F5E03FFF4B10}" type="datetimeFigureOut">
               <a:rPr lang="en-US" smtClean="0"/>
-              <a:t>4/22/2018</a:t>
+              <a:t>4/23/2018</a:t>
             </a:fld>
             <a:endParaRPr lang="en-US"/>
           </a:p>
@@ -876,7 +876,7 @@
           <a:p>
             <a:fld id="{AD880408-622A-4071-A052-F5E03FFF4B10}" type="datetimeFigureOut">
               <a:rPr lang="en-US" smtClean="0"/>
-              <a:t>4/22/2018</a:t>
+              <a:t>4/23/2018</a:t>
             </a:fld>
             <a:endParaRPr lang="en-US"/>
           </a:p>
@@ -1152,7 +1152,7 @@
           <a:p>
             <a:fld id="{AD880408-622A-4071-A052-F5E03FFF4B10}" type="datetimeFigureOut">
               <a:rPr lang="en-US" smtClean="0"/>
-              <a:t>4/22/2018</a:t>
+              <a:t>4/23/2018</a:t>
             </a:fld>
             <a:endParaRPr lang="en-US"/>
           </a:p>
@@ -1420,7 +1420,7 @@
           <a:p>
             <a:fld id="{AD880408-622A-4071-A052-F5E03FFF4B10}" type="datetimeFigureOut">
               <a:rPr lang="en-US" smtClean="0"/>
-              <a:t>4/22/2018</a:t>
+              <a:t>4/23/2018</a:t>
             </a:fld>
             <a:endParaRPr lang="en-US"/>
           </a:p>
@@ -1835,7 +1835,7 @@
           <a:p>
             <a:fld id="{AD880408-622A-4071-A052-F5E03FFF4B10}" type="datetimeFigureOut">
               <a:rPr lang="en-US" smtClean="0"/>
-              <a:t>4/22/2018</a:t>
+              <a:t>4/23/2018</a:t>
             </a:fld>
             <a:endParaRPr lang="en-US"/>
           </a:p>
@@ -1977,7 +1977,7 @@
           <a:p>
             <a:fld id="{AD880408-622A-4071-A052-F5E03FFF4B10}" type="datetimeFigureOut">
               <a:rPr lang="en-US" smtClean="0"/>
-              <a:t>4/22/2018</a:t>
+              <a:t>4/23/2018</a:t>
             </a:fld>
             <a:endParaRPr lang="en-US"/>
           </a:p>
@@ -2090,7 +2090,7 @@
           <a:p>
             <a:fld id="{AD880408-622A-4071-A052-F5E03FFF4B10}" type="datetimeFigureOut">
               <a:rPr lang="en-US" smtClean="0"/>
-              <a:t>4/22/2018</a:t>
+              <a:t>4/23/2018</a:t>
             </a:fld>
             <a:endParaRPr lang="en-US"/>
           </a:p>
@@ -2403,7 +2403,7 @@
           <a:p>
             <a:fld id="{AD880408-622A-4071-A052-F5E03FFF4B10}" type="datetimeFigureOut">
               <a:rPr lang="en-US" smtClean="0"/>
-              <a:t>4/22/2018</a:t>
+              <a:t>4/23/2018</a:t>
             </a:fld>
             <a:endParaRPr lang="en-US"/>
           </a:p>
@@ -2692,7 +2692,7 @@
           <a:p>
             <a:fld id="{AD880408-622A-4071-A052-F5E03FFF4B10}" type="datetimeFigureOut">
               <a:rPr lang="en-US" smtClean="0"/>
-              <a:t>4/22/2018</a:t>
+              <a:t>4/23/2018</a:t>
             </a:fld>
             <a:endParaRPr lang="en-US"/>
           </a:p>
@@ -2935,7 +2935,7 @@
           <a:p>
             <a:fld id="{AD880408-622A-4071-A052-F5E03FFF4B10}" type="datetimeFigureOut">
               <a:rPr lang="en-US" smtClean="0"/>
-              <a:t>4/22/2018</a:t>
+              <a:t>4/23/2018</a:t>
             </a:fld>
             <a:endParaRPr lang="en-US"/>
           </a:p>
@@ -3567,13 +3567,13 @@
           <a:p>
             <a:pPr algn="ctr"/>
             <a:r>
-              <a:rPr lang="en-US" altLang="zh-CN" dirty="0"/>
-              <a:t> </a:t>
+              <a:rPr lang="en-US" dirty="0"/>
+              <a:t>Development and Evaluation of Mixed Reality Educational Applications</a:t>
             </a:r>
-            <a:r>
-              <a:rPr lang="en-US" dirty="0"/>
-              <a:t>Principles of the MR(AR,VR) Applications Design for Education</a:t>
-            </a:r>
+          </a:p>
+          <a:p>
+            <a:pPr algn="ctr"/>
+            <a:endParaRPr lang="en-US" dirty="0"/>
           </a:p>
         </p:txBody>
       </p:sp>
@@ -3638,8 +3638,8 @@
         </p:nvSpPr>
         <p:spPr>
           <a:xfrm>
-            <a:off x="2247895" y="1531433"/>
-            <a:ext cx="1822861" cy="706919"/>
+            <a:off x="2273387" y="1727835"/>
+            <a:ext cx="1822860" cy="706919"/>
           </a:xfrm>
           <a:prstGeom prst="rect">
             <a:avLst/>
@@ -3681,10 +3681,10 @@
       </p:sp>
       <p:sp>
         <p:nvSpPr>
-          <p:cNvPr id="8" name="矩形 7">
+          <p:cNvPr id="9" name="矩形 8">
             <a:extLst>
               <a:ext uri="{FF2B5EF4-FFF2-40B4-BE49-F238E27FC236}">
-                <a16:creationId xmlns:a16="http://schemas.microsoft.com/office/drawing/2014/main" id="{586CD597-EAF6-4C3D-9111-722899DDDA8E}"/>
+                <a16:creationId xmlns:a16="http://schemas.microsoft.com/office/drawing/2014/main" id="{742779B0-0A1D-4F3F-8813-651E969D1916}"/>
               </a:ext>
             </a:extLst>
           </p:cNvPr>
@@ -3693,8 +3693,8 @@
         </p:nvSpPr>
         <p:spPr>
           <a:xfrm>
-            <a:off x="2247895" y="2656202"/>
-            <a:ext cx="1822861" cy="641741"/>
+            <a:off x="2247896" y="4429786"/>
+            <a:ext cx="1848351" cy="641741"/>
           </a:xfrm>
           <a:prstGeom prst="rect">
             <a:avLst/>
@@ -3721,54 +3721,15 @@
             <a:pPr algn="ctr"/>
             <a:r>
               <a:rPr lang="en-US" dirty="0"/>
-              <a:t>Ludo  game </a:t>
+              <a:t>3D Color</a:t>
             </a:r>
-          </a:p>
-        </p:txBody>
-      </p:sp>
-      <p:sp>
-        <p:nvSpPr>
-          <p:cNvPr id="9" name="矩形 8">
-            <a:extLst>
-              <a:ext uri="{FF2B5EF4-FFF2-40B4-BE49-F238E27FC236}">
-                <a16:creationId xmlns:a16="http://schemas.microsoft.com/office/drawing/2014/main" id="{742779B0-0A1D-4F3F-8813-651E969D1916}"/>
-              </a:ext>
-            </a:extLst>
-          </p:cNvPr>
-          <p:cNvSpPr/>
-          <p:nvPr/>
-        </p:nvSpPr>
-        <p:spPr>
-          <a:xfrm>
-            <a:off x="2247896" y="4429786"/>
-            <a:ext cx="1822861" cy="641741"/>
-          </a:xfrm>
-          <a:prstGeom prst="rect">
-            <a:avLst/>
-          </a:prstGeom>
-        </p:spPr>
-        <p:style>
-          <a:lnRef idx="2">
-            <a:schemeClr val="accent6"/>
-          </a:lnRef>
-          <a:fillRef idx="1">
-            <a:schemeClr val="lt1"/>
-          </a:fillRef>
-          <a:effectRef idx="0">
-            <a:schemeClr val="accent6"/>
-          </a:effectRef>
-          <a:fontRef idx="minor">
-            <a:schemeClr val="dk1"/>
-          </a:fontRef>
-        </p:style>
-        <p:txBody>
-          <a:bodyPr rtlCol="0" anchor="ctr"/>
-          <a:lstStyle/>
-          <a:p>
-            <a:pPr algn="ctr"/>
+            <a:r>
+              <a:rPr lang="en-US" altLang="zh-CN" dirty="0"/>
+              <a:t>ing </a:t>
+            </a:r>
             <a:r>
               <a:rPr lang="en-US" dirty="0"/>
-              <a:t>3D Color game</a:t>
+              <a:t>game</a:t>
             </a:r>
           </a:p>
         </p:txBody>
@@ -3875,8 +3836,8 @@
         </p:nvSpPr>
         <p:spPr>
           <a:xfrm>
-            <a:off x="2247895" y="3332964"/>
-            <a:ext cx="1822861" cy="641741"/>
+            <a:off x="2247895" y="2892866"/>
+            <a:ext cx="1848351" cy="977602"/>
           </a:xfrm>
           <a:prstGeom prst="rect">
             <a:avLst/>

--- a/bi_ye_lun_wen/cao gao/temp files.pptx
+++ b/bi_ye_lun_wen/cao gao/temp files.pptx
@@ -11,6 +11,9 @@
     <p:sldId id="260" r:id="rId5"/>
     <p:sldId id="261" r:id="rId6"/>
     <p:sldId id="262" r:id="rId7"/>
+    <p:sldId id="263" r:id="rId8"/>
+    <p:sldId id="265" r:id="rId9"/>
+    <p:sldId id="264" r:id="rId10"/>
   </p:sldIdLst>
   <p:sldSz cx="12192000" cy="6858000"/>
   <p:notesSz cx="6858000" cy="9144000"/>
@@ -266,7 +269,7 @@
           <a:p>
             <a:fld id="{AD880408-622A-4071-A052-F5E03FFF4B10}" type="datetimeFigureOut">
               <a:rPr lang="en-US" smtClean="0"/>
-              <a:t>4/23/2018</a:t>
+              <a:t>5/7/2018</a:t>
             </a:fld>
             <a:endParaRPr lang="en-US"/>
           </a:p>
@@ -466,7 +469,7 @@
           <a:p>
             <a:fld id="{AD880408-622A-4071-A052-F5E03FFF4B10}" type="datetimeFigureOut">
               <a:rPr lang="en-US" smtClean="0"/>
-              <a:t>4/23/2018</a:t>
+              <a:t>5/7/2018</a:t>
             </a:fld>
             <a:endParaRPr lang="en-US"/>
           </a:p>
@@ -676,7 +679,7 @@
           <a:p>
             <a:fld id="{AD880408-622A-4071-A052-F5E03FFF4B10}" type="datetimeFigureOut">
               <a:rPr lang="en-US" smtClean="0"/>
-              <a:t>4/23/2018</a:t>
+              <a:t>5/7/2018</a:t>
             </a:fld>
             <a:endParaRPr lang="en-US"/>
           </a:p>
@@ -876,7 +879,7 @@
           <a:p>
             <a:fld id="{AD880408-622A-4071-A052-F5E03FFF4B10}" type="datetimeFigureOut">
               <a:rPr lang="en-US" smtClean="0"/>
-              <a:t>4/23/2018</a:t>
+              <a:t>5/7/2018</a:t>
             </a:fld>
             <a:endParaRPr lang="en-US"/>
           </a:p>
@@ -1152,7 +1155,7 @@
           <a:p>
             <a:fld id="{AD880408-622A-4071-A052-F5E03FFF4B10}" type="datetimeFigureOut">
               <a:rPr lang="en-US" smtClean="0"/>
-              <a:t>4/23/2018</a:t>
+              <a:t>5/7/2018</a:t>
             </a:fld>
             <a:endParaRPr lang="en-US"/>
           </a:p>
@@ -1420,7 +1423,7 @@
           <a:p>
             <a:fld id="{AD880408-622A-4071-A052-F5E03FFF4B10}" type="datetimeFigureOut">
               <a:rPr lang="en-US" smtClean="0"/>
-              <a:t>4/23/2018</a:t>
+              <a:t>5/7/2018</a:t>
             </a:fld>
             <a:endParaRPr lang="en-US"/>
           </a:p>
@@ -1835,7 +1838,7 @@
           <a:p>
             <a:fld id="{AD880408-622A-4071-A052-F5E03FFF4B10}" type="datetimeFigureOut">
               <a:rPr lang="en-US" smtClean="0"/>
-              <a:t>4/23/2018</a:t>
+              <a:t>5/7/2018</a:t>
             </a:fld>
             <a:endParaRPr lang="en-US"/>
           </a:p>
@@ -1977,7 +1980,7 @@
           <a:p>
             <a:fld id="{AD880408-622A-4071-A052-F5E03FFF4B10}" type="datetimeFigureOut">
               <a:rPr lang="en-US" smtClean="0"/>
-              <a:t>4/23/2018</a:t>
+              <a:t>5/7/2018</a:t>
             </a:fld>
             <a:endParaRPr lang="en-US"/>
           </a:p>
@@ -2090,7 +2093,7 @@
           <a:p>
             <a:fld id="{AD880408-622A-4071-A052-F5E03FFF4B10}" type="datetimeFigureOut">
               <a:rPr lang="en-US" smtClean="0"/>
-              <a:t>4/23/2018</a:t>
+              <a:t>5/7/2018</a:t>
             </a:fld>
             <a:endParaRPr lang="en-US"/>
           </a:p>
@@ -2403,7 +2406,7 @@
           <a:p>
             <a:fld id="{AD880408-622A-4071-A052-F5E03FFF4B10}" type="datetimeFigureOut">
               <a:rPr lang="en-US" smtClean="0"/>
-              <a:t>4/23/2018</a:t>
+              <a:t>5/7/2018</a:t>
             </a:fld>
             <a:endParaRPr lang="en-US"/>
           </a:p>
@@ -2692,7 +2695,7 @@
           <a:p>
             <a:fld id="{AD880408-622A-4071-A052-F5E03FFF4B10}" type="datetimeFigureOut">
               <a:rPr lang="en-US" smtClean="0"/>
-              <a:t>4/23/2018</a:t>
+              <a:t>5/7/2018</a:t>
             </a:fld>
             <a:endParaRPr lang="en-US"/>
           </a:p>
@@ -2935,7 +2938,7 @@
           <a:p>
             <a:fld id="{AD880408-622A-4071-A052-F5E03FFF4B10}" type="datetimeFigureOut">
               <a:rPr lang="en-US" smtClean="0"/>
-              <a:t>4/23/2018</a:t>
+              <a:t>5/7/2018</a:t>
             </a:fld>
             <a:endParaRPr lang="en-US"/>
           </a:p>
@@ -11065,6 +11068,1885 @@
 </p:sld>
 </file>
 
+<file path=ppt/slides/slide7.xml><?xml version="1.0" encoding="utf-8"?>
+<p:sld xmlns:a="http://schemas.openxmlformats.org/drawingml/2006/main" xmlns:r="http://schemas.openxmlformats.org/officeDocument/2006/relationships" xmlns:p="http://schemas.openxmlformats.org/presentationml/2006/main">
+  <p:cSld>
+    <p:spTree>
+      <p:nvGrpSpPr>
+        <p:cNvPr id="1" name=""/>
+        <p:cNvGrpSpPr/>
+        <p:nvPr/>
+      </p:nvGrpSpPr>
+      <p:grpSpPr>
+        <a:xfrm>
+          <a:off x="0" y="0"/>
+          <a:ext cx="0" cy="0"/>
+          <a:chOff x="0" y="0"/>
+          <a:chExt cx="0" cy="0"/>
+        </a:xfrm>
+      </p:grpSpPr>
+      <p:cxnSp>
+        <p:nvCxnSpPr>
+          <p:cNvPr id="6" name="连接符: 肘形 5">
+            <a:extLst>
+              <a:ext uri="{FF2B5EF4-FFF2-40B4-BE49-F238E27FC236}">
+                <a16:creationId xmlns:a16="http://schemas.microsoft.com/office/drawing/2014/main" id="{1538B9A1-D01F-4B97-9590-06E5F428C9A5}"/>
+              </a:ext>
+            </a:extLst>
+          </p:cNvPr>
+          <p:cNvCxnSpPr>
+            <a:cxnSpLocks/>
+            <a:stCxn id="32" idx="0"/>
+            <a:endCxn id="7" idx="1"/>
+          </p:cNvCxnSpPr>
+          <p:nvPr/>
+        </p:nvCxnSpPr>
+        <p:spPr>
+          <a:xfrm rot="5400000" flipH="1" flipV="1">
+            <a:off x="3565389" y="1887621"/>
+            <a:ext cx="898813" cy="1317046"/>
+          </a:xfrm>
+          <a:prstGeom prst="bentConnector2">
+            <a:avLst/>
+          </a:prstGeom>
+          <a:ln>
+            <a:tailEnd type="triangle"/>
+          </a:ln>
+        </p:spPr>
+        <p:style>
+          <a:lnRef idx="1">
+            <a:schemeClr val="accent1"/>
+          </a:lnRef>
+          <a:fillRef idx="0">
+            <a:schemeClr val="accent1"/>
+          </a:fillRef>
+          <a:effectRef idx="0">
+            <a:schemeClr val="accent1"/>
+          </a:effectRef>
+          <a:fontRef idx="minor">
+            <a:schemeClr val="tx1"/>
+          </a:fontRef>
+        </p:style>
+      </p:cxnSp>
+      <p:sp>
+        <p:nvSpPr>
+          <p:cNvPr id="7" name="矩形 6">
+            <a:extLst>
+              <a:ext uri="{FF2B5EF4-FFF2-40B4-BE49-F238E27FC236}">
+                <a16:creationId xmlns:a16="http://schemas.microsoft.com/office/drawing/2014/main" id="{420D9387-5601-4D37-8FE3-6B1D7CA394B9}"/>
+              </a:ext>
+            </a:extLst>
+          </p:cNvPr>
+          <p:cNvSpPr/>
+          <p:nvPr/>
+        </p:nvSpPr>
+        <p:spPr>
+          <a:xfrm>
+            <a:off x="4673318" y="1295897"/>
+            <a:ext cx="1809500" cy="1601680"/>
+          </a:xfrm>
+          <a:prstGeom prst="rect">
+            <a:avLst/>
+          </a:prstGeom>
+        </p:spPr>
+        <p:style>
+          <a:lnRef idx="2">
+            <a:schemeClr val="accent6">
+              <a:shade val="50000"/>
+            </a:schemeClr>
+          </a:lnRef>
+          <a:fillRef idx="1">
+            <a:schemeClr val="accent6"/>
+          </a:fillRef>
+          <a:effectRef idx="0">
+            <a:schemeClr val="accent6"/>
+          </a:effectRef>
+          <a:fontRef idx="minor">
+            <a:schemeClr val="lt1"/>
+          </a:fontRef>
+        </p:style>
+        <p:txBody>
+          <a:bodyPr rtlCol="0" anchor="ctr"/>
+          <a:lstStyle/>
+          <a:p>
+            <a:pPr algn="ctr"/>
+            <a:r>
+              <a:rPr lang="en-US" dirty="0">
+                <a:latin typeface="Times New Roman" panose="02020603050405020304" pitchFamily="18" charset="0"/>
+                <a:cs typeface="Times New Roman" panose="02020603050405020304" pitchFamily="18" charset="0"/>
+              </a:rPr>
+              <a:t>Identification map show green; Call delay function</a:t>
+            </a:r>
+          </a:p>
+        </p:txBody>
+      </p:sp>
+      <p:cxnSp>
+        <p:nvCxnSpPr>
+          <p:cNvPr id="10" name="连接符: 肘形 9">
+            <a:extLst>
+              <a:ext uri="{FF2B5EF4-FFF2-40B4-BE49-F238E27FC236}">
+                <a16:creationId xmlns:a16="http://schemas.microsoft.com/office/drawing/2014/main" id="{6DAA315A-0809-4EDD-930D-248E6CED8824}"/>
+              </a:ext>
+            </a:extLst>
+          </p:cNvPr>
+          <p:cNvCxnSpPr>
+            <a:cxnSpLocks/>
+            <a:stCxn id="32" idx="2"/>
+            <a:endCxn id="11" idx="1"/>
+          </p:cNvCxnSpPr>
+          <p:nvPr/>
+        </p:nvCxnSpPr>
+        <p:spPr>
+          <a:xfrm rot="16200000" flipH="1">
+            <a:off x="3657051" y="4256377"/>
+            <a:ext cx="715489" cy="1317046"/>
+          </a:xfrm>
+          <a:prstGeom prst="bentConnector2">
+            <a:avLst/>
+          </a:prstGeom>
+          <a:ln>
+            <a:tailEnd type="triangle"/>
+          </a:ln>
+        </p:spPr>
+        <p:style>
+          <a:lnRef idx="1">
+            <a:schemeClr val="accent1"/>
+          </a:lnRef>
+          <a:fillRef idx="0">
+            <a:schemeClr val="accent1"/>
+          </a:fillRef>
+          <a:effectRef idx="0">
+            <a:schemeClr val="accent1"/>
+          </a:effectRef>
+          <a:fontRef idx="minor">
+            <a:schemeClr val="tx1"/>
+          </a:fontRef>
+        </p:style>
+      </p:cxnSp>
+      <p:sp>
+        <p:nvSpPr>
+          <p:cNvPr id="11" name="矩形 10">
+            <a:extLst>
+              <a:ext uri="{FF2B5EF4-FFF2-40B4-BE49-F238E27FC236}">
+                <a16:creationId xmlns:a16="http://schemas.microsoft.com/office/drawing/2014/main" id="{3D884ABA-B61C-4175-AAA3-F7436699A92E}"/>
+              </a:ext>
+            </a:extLst>
+          </p:cNvPr>
+          <p:cNvSpPr/>
+          <p:nvPr/>
+        </p:nvSpPr>
+        <p:spPr>
+          <a:xfrm>
+            <a:off x="4673318" y="4655129"/>
+            <a:ext cx="1728839" cy="1235032"/>
+          </a:xfrm>
+          <a:prstGeom prst="rect">
+            <a:avLst/>
+          </a:prstGeom>
+          <a:solidFill>
+            <a:srgbClr val="FF0000"/>
+          </a:solidFill>
+        </p:spPr>
+        <p:style>
+          <a:lnRef idx="3">
+            <a:schemeClr val="lt1"/>
+          </a:lnRef>
+          <a:fillRef idx="1">
+            <a:schemeClr val="accent2"/>
+          </a:fillRef>
+          <a:effectRef idx="1">
+            <a:schemeClr val="accent2"/>
+          </a:effectRef>
+          <a:fontRef idx="minor">
+            <a:schemeClr val="lt1"/>
+          </a:fontRef>
+        </p:style>
+        <p:txBody>
+          <a:bodyPr rtlCol="0" anchor="ctr"/>
+          <a:lstStyle/>
+          <a:p>
+            <a:pPr algn="ctr"/>
+            <a:r>
+              <a:rPr lang="en-US" dirty="0">
+                <a:latin typeface="Times New Roman" panose="02020603050405020304" pitchFamily="18" charset="0"/>
+                <a:cs typeface="Times New Roman" panose="02020603050405020304" pitchFamily="18" charset="0"/>
+              </a:rPr>
+              <a:t>Identification map show red</a:t>
+            </a:r>
+          </a:p>
+        </p:txBody>
+      </p:sp>
+      <p:sp>
+        <p:nvSpPr>
+          <p:cNvPr id="13" name="文本框 12">
+            <a:extLst>
+              <a:ext uri="{FF2B5EF4-FFF2-40B4-BE49-F238E27FC236}">
+                <a16:creationId xmlns:a16="http://schemas.microsoft.com/office/drawing/2014/main" id="{80644A3E-2439-4E47-B22B-0565490221E4}"/>
+              </a:ext>
+            </a:extLst>
+          </p:cNvPr>
+          <p:cNvSpPr txBox="1"/>
+          <p:nvPr/>
+        </p:nvSpPr>
+        <p:spPr>
+          <a:xfrm>
+            <a:off x="2940764" y="2545770"/>
+            <a:ext cx="351378" cy="369332"/>
+          </a:xfrm>
+          <a:prstGeom prst="rect">
+            <a:avLst/>
+          </a:prstGeom>
+          <a:noFill/>
+        </p:spPr>
+        <p:txBody>
+          <a:bodyPr wrap="none" rtlCol="0">
+            <a:spAutoFit/>
+          </a:bodyPr>
+          <a:lstStyle/>
+          <a:p>
+            <a:r>
+              <a:rPr lang="en-US" dirty="0">
+                <a:latin typeface="Times New Roman" panose="02020603050405020304" pitchFamily="18" charset="0"/>
+                <a:cs typeface="Times New Roman" panose="02020603050405020304" pitchFamily="18" charset="0"/>
+              </a:rPr>
+              <a:t>Y</a:t>
+            </a:r>
+          </a:p>
+        </p:txBody>
+      </p:sp>
+      <p:sp>
+        <p:nvSpPr>
+          <p:cNvPr id="14" name="文本框 13">
+            <a:extLst>
+              <a:ext uri="{FF2B5EF4-FFF2-40B4-BE49-F238E27FC236}">
+                <a16:creationId xmlns:a16="http://schemas.microsoft.com/office/drawing/2014/main" id="{E52AA9F5-15E7-4C9C-A2E3-390824605666}"/>
+              </a:ext>
+            </a:extLst>
+          </p:cNvPr>
+          <p:cNvSpPr txBox="1"/>
+          <p:nvPr/>
+        </p:nvSpPr>
+        <p:spPr>
+          <a:xfrm>
+            <a:off x="2922329" y="4637603"/>
+            <a:ext cx="351378" cy="369332"/>
+          </a:xfrm>
+          <a:prstGeom prst="rect">
+            <a:avLst/>
+          </a:prstGeom>
+          <a:noFill/>
+        </p:spPr>
+        <p:txBody>
+          <a:bodyPr wrap="none" rtlCol="0">
+            <a:spAutoFit/>
+          </a:bodyPr>
+          <a:lstStyle/>
+          <a:p>
+            <a:r>
+              <a:rPr lang="en-US" dirty="0">
+                <a:latin typeface="Times New Roman" panose="02020603050405020304" pitchFamily="18" charset="0"/>
+                <a:cs typeface="Times New Roman" panose="02020603050405020304" pitchFamily="18" charset="0"/>
+              </a:rPr>
+              <a:t>N</a:t>
+            </a:r>
+          </a:p>
+        </p:txBody>
+      </p:sp>
+      <p:sp>
+        <p:nvSpPr>
+          <p:cNvPr id="19" name="矩形 18">
+            <a:extLst>
+              <a:ext uri="{FF2B5EF4-FFF2-40B4-BE49-F238E27FC236}">
+                <a16:creationId xmlns:a16="http://schemas.microsoft.com/office/drawing/2014/main" id="{C590C424-5BAD-4D2C-AD91-9125E05AEFF0}"/>
+              </a:ext>
+            </a:extLst>
+          </p:cNvPr>
+          <p:cNvSpPr/>
+          <p:nvPr/>
+        </p:nvSpPr>
+        <p:spPr>
+          <a:xfrm>
+            <a:off x="10024615" y="1246910"/>
+            <a:ext cx="2131628" cy="1699654"/>
+          </a:xfrm>
+          <a:prstGeom prst="rect">
+            <a:avLst/>
+          </a:prstGeom>
+        </p:spPr>
+        <p:style>
+          <a:lnRef idx="2">
+            <a:schemeClr val="accent6">
+              <a:shade val="50000"/>
+            </a:schemeClr>
+          </a:lnRef>
+          <a:fillRef idx="1">
+            <a:schemeClr val="accent6"/>
+          </a:fillRef>
+          <a:effectRef idx="0">
+            <a:schemeClr val="accent6"/>
+          </a:effectRef>
+          <a:fontRef idx="minor">
+            <a:schemeClr val="lt1"/>
+          </a:fontRef>
+        </p:style>
+        <p:txBody>
+          <a:bodyPr rtlCol="0" anchor="ctr"/>
+          <a:lstStyle/>
+          <a:p>
+            <a:pPr algn="ctr"/>
+            <a:r>
+              <a:rPr lang="en-US" dirty="0">
+                <a:latin typeface="Times New Roman" panose="02020603050405020304" pitchFamily="18" charset="0"/>
+                <a:cs typeface="Times New Roman" panose="02020603050405020304" pitchFamily="18" charset="0"/>
+              </a:rPr>
+              <a:t>Pass the screenshot to the material of the object as a texture; Pass the parameters to Shader</a:t>
+            </a:r>
+          </a:p>
+        </p:txBody>
+      </p:sp>
+      <p:sp>
+        <p:nvSpPr>
+          <p:cNvPr id="20" name="矩形 19">
+            <a:extLst>
+              <a:ext uri="{FF2B5EF4-FFF2-40B4-BE49-F238E27FC236}">
+                <a16:creationId xmlns:a16="http://schemas.microsoft.com/office/drawing/2014/main" id="{5A5AFBD5-32D2-4306-BB49-D154CC7CEE24}"/>
+              </a:ext>
+            </a:extLst>
+          </p:cNvPr>
+          <p:cNvSpPr/>
+          <p:nvPr/>
+        </p:nvSpPr>
+        <p:spPr>
+          <a:xfrm>
+            <a:off x="7852177" y="4363439"/>
+            <a:ext cx="1983179" cy="1102922"/>
+          </a:xfrm>
+          <a:prstGeom prst="rect">
+            <a:avLst/>
+          </a:prstGeom>
+          <a:solidFill>
+            <a:srgbClr val="FF0000"/>
+          </a:solidFill>
+        </p:spPr>
+        <p:style>
+          <a:lnRef idx="3">
+            <a:schemeClr val="lt1"/>
+          </a:lnRef>
+          <a:fillRef idx="1">
+            <a:schemeClr val="accent2"/>
+          </a:fillRef>
+          <a:effectRef idx="1">
+            <a:schemeClr val="accent2"/>
+          </a:effectRef>
+          <a:fontRef idx="minor">
+            <a:schemeClr val="lt1"/>
+          </a:fontRef>
+        </p:style>
+        <p:txBody>
+          <a:bodyPr rtlCol="0" anchor="ctr"/>
+          <a:lstStyle/>
+          <a:p>
+            <a:pPr algn="ctr"/>
+            <a:r>
+              <a:rPr lang="en-US" dirty="0">
+                <a:latin typeface="Times New Roman" panose="02020603050405020304" pitchFamily="18" charset="0"/>
+                <a:cs typeface="Times New Roman" panose="02020603050405020304" pitchFamily="18" charset="0"/>
+              </a:rPr>
+              <a:t>Stop the delay function</a:t>
+            </a:r>
+          </a:p>
+        </p:txBody>
+      </p:sp>
+      <p:cxnSp>
+        <p:nvCxnSpPr>
+          <p:cNvPr id="22" name="直接箭头连接符 21">
+            <a:extLst>
+              <a:ext uri="{FF2B5EF4-FFF2-40B4-BE49-F238E27FC236}">
+                <a16:creationId xmlns:a16="http://schemas.microsoft.com/office/drawing/2014/main" id="{9700F34B-1C09-42F5-B798-85E0E605E065}"/>
+              </a:ext>
+            </a:extLst>
+          </p:cNvPr>
+          <p:cNvCxnSpPr>
+            <a:cxnSpLocks/>
+            <a:stCxn id="7" idx="3"/>
+            <a:endCxn id="53" idx="1"/>
+          </p:cNvCxnSpPr>
+          <p:nvPr/>
+        </p:nvCxnSpPr>
+        <p:spPr>
+          <a:xfrm flipV="1">
+            <a:off x="6482818" y="2086346"/>
+            <a:ext cx="296876" cy="10391"/>
+          </a:xfrm>
+          <a:prstGeom prst="straightConnector1">
+            <a:avLst/>
+          </a:prstGeom>
+          <a:ln>
+            <a:tailEnd type="triangle"/>
+          </a:ln>
+        </p:spPr>
+        <p:style>
+          <a:lnRef idx="1">
+            <a:schemeClr val="accent1"/>
+          </a:lnRef>
+          <a:fillRef idx="0">
+            <a:schemeClr val="accent1"/>
+          </a:fillRef>
+          <a:effectRef idx="0">
+            <a:schemeClr val="accent1"/>
+          </a:effectRef>
+          <a:fontRef idx="minor">
+            <a:schemeClr val="tx1"/>
+          </a:fontRef>
+        </p:style>
+      </p:cxnSp>
+      <p:cxnSp>
+        <p:nvCxnSpPr>
+          <p:cNvPr id="24" name="连接符: 肘形 23">
+            <a:extLst>
+              <a:ext uri="{FF2B5EF4-FFF2-40B4-BE49-F238E27FC236}">
+                <a16:creationId xmlns:a16="http://schemas.microsoft.com/office/drawing/2014/main" id="{AB10E6E2-4FC0-4F89-9D9F-18E6412307F1}"/>
+              </a:ext>
+            </a:extLst>
+          </p:cNvPr>
+          <p:cNvCxnSpPr>
+            <a:cxnSpLocks/>
+            <a:stCxn id="53" idx="2"/>
+            <a:endCxn id="20" idx="0"/>
+          </p:cNvCxnSpPr>
+          <p:nvPr/>
+        </p:nvCxnSpPr>
+        <p:spPr>
+          <a:xfrm rot="16200000" flipH="1">
+            <a:off x="7851809" y="3371480"/>
+            <a:ext cx="1353045" cy="630871"/>
+          </a:xfrm>
+          <a:prstGeom prst="bentConnector3">
+            <a:avLst>
+              <a:gd name="adj1" fmla="val 50000"/>
+            </a:avLst>
+          </a:prstGeom>
+          <a:ln>
+            <a:tailEnd type="triangle"/>
+          </a:ln>
+        </p:spPr>
+        <p:style>
+          <a:lnRef idx="1">
+            <a:schemeClr val="accent1"/>
+          </a:lnRef>
+          <a:fillRef idx="0">
+            <a:schemeClr val="accent1"/>
+          </a:fillRef>
+          <a:effectRef idx="0">
+            <a:schemeClr val="accent1"/>
+          </a:effectRef>
+          <a:fontRef idx="minor">
+            <a:schemeClr val="tx1"/>
+          </a:fontRef>
+        </p:style>
+      </p:cxnSp>
+      <p:cxnSp>
+        <p:nvCxnSpPr>
+          <p:cNvPr id="26" name="连接符: 肘形 25">
+            <a:extLst>
+              <a:ext uri="{FF2B5EF4-FFF2-40B4-BE49-F238E27FC236}">
+                <a16:creationId xmlns:a16="http://schemas.microsoft.com/office/drawing/2014/main" id="{60BE317A-7D40-48A1-86A6-58D380E04EB3}"/>
+              </a:ext>
+            </a:extLst>
+          </p:cNvPr>
+          <p:cNvCxnSpPr>
+            <a:cxnSpLocks/>
+            <a:stCxn id="20" idx="2"/>
+            <a:endCxn id="11" idx="2"/>
+          </p:cNvCxnSpPr>
+          <p:nvPr/>
+        </p:nvCxnSpPr>
+        <p:spPr>
+          <a:xfrm rot="5400000">
+            <a:off x="6978853" y="4025247"/>
+            <a:ext cx="423800" cy="3306029"/>
+          </a:xfrm>
+          <a:prstGeom prst="bentConnector3">
+            <a:avLst>
+              <a:gd name="adj1" fmla="val 153941"/>
+            </a:avLst>
+          </a:prstGeom>
+          <a:ln>
+            <a:tailEnd type="triangle"/>
+          </a:ln>
+        </p:spPr>
+        <p:style>
+          <a:lnRef idx="1">
+            <a:schemeClr val="accent1"/>
+          </a:lnRef>
+          <a:fillRef idx="0">
+            <a:schemeClr val="accent1"/>
+          </a:fillRef>
+          <a:effectRef idx="0">
+            <a:schemeClr val="accent1"/>
+          </a:effectRef>
+          <a:fontRef idx="minor">
+            <a:schemeClr val="tx1"/>
+          </a:fontRef>
+        </p:style>
+      </p:cxnSp>
+      <p:sp>
+        <p:nvSpPr>
+          <p:cNvPr id="32" name="流程图: 决策 31">
+            <a:extLst>
+              <a:ext uri="{FF2B5EF4-FFF2-40B4-BE49-F238E27FC236}">
+                <a16:creationId xmlns:a16="http://schemas.microsoft.com/office/drawing/2014/main" id="{A8150B37-BF93-4770-BE74-6361FD6E7359}"/>
+              </a:ext>
+            </a:extLst>
+          </p:cNvPr>
+          <p:cNvSpPr/>
+          <p:nvPr/>
+        </p:nvSpPr>
+        <p:spPr>
+          <a:xfrm>
+            <a:off x="1910944" y="2995550"/>
+            <a:ext cx="2890655" cy="1561606"/>
+          </a:xfrm>
+          <a:prstGeom prst="flowChartDecision">
+            <a:avLst/>
+          </a:prstGeom>
+        </p:spPr>
+        <p:style>
+          <a:lnRef idx="2">
+            <a:schemeClr val="dk1"/>
+          </a:lnRef>
+          <a:fillRef idx="1">
+            <a:schemeClr val="lt1"/>
+          </a:fillRef>
+          <a:effectRef idx="0">
+            <a:schemeClr val="dk1"/>
+          </a:effectRef>
+          <a:fontRef idx="minor">
+            <a:schemeClr val="dk1"/>
+          </a:fontRef>
+        </p:style>
+        <p:txBody>
+          <a:bodyPr rtlCol="0" anchor="ctr"/>
+          <a:lstStyle/>
+          <a:p>
+            <a:pPr algn="ctr"/>
+            <a:r>
+              <a:rPr lang="en-US" dirty="0">
+                <a:latin typeface="Times New Roman" panose="02020603050405020304" pitchFamily="18" charset="0"/>
+                <a:cs typeface="Times New Roman" panose="02020603050405020304" pitchFamily="18" charset="0"/>
+              </a:rPr>
+              <a:t>Identification map is in the scan box</a:t>
+            </a:r>
+          </a:p>
+        </p:txBody>
+      </p:sp>
+      <p:sp>
+        <p:nvSpPr>
+          <p:cNvPr id="37" name="矩形 36">
+            <a:extLst>
+              <a:ext uri="{FF2B5EF4-FFF2-40B4-BE49-F238E27FC236}">
+                <a16:creationId xmlns:a16="http://schemas.microsoft.com/office/drawing/2014/main" id="{7BE92F61-FE33-49BF-B30A-46435B6EDB52}"/>
+              </a:ext>
+            </a:extLst>
+          </p:cNvPr>
+          <p:cNvSpPr/>
+          <p:nvPr/>
+        </p:nvSpPr>
+        <p:spPr>
+          <a:xfrm>
+            <a:off x="95501" y="3010394"/>
+            <a:ext cx="1379520" cy="1531917"/>
+          </a:xfrm>
+          <a:prstGeom prst="rect">
+            <a:avLst/>
+          </a:prstGeom>
+        </p:spPr>
+        <p:style>
+          <a:lnRef idx="2">
+            <a:schemeClr val="dk1"/>
+          </a:lnRef>
+          <a:fillRef idx="1">
+            <a:schemeClr val="lt1"/>
+          </a:fillRef>
+          <a:effectRef idx="0">
+            <a:schemeClr val="dk1"/>
+          </a:effectRef>
+          <a:fontRef idx="minor">
+            <a:schemeClr val="dk1"/>
+          </a:fontRef>
+        </p:style>
+        <p:txBody>
+          <a:bodyPr rtlCol="0" anchor="ctr"/>
+          <a:lstStyle/>
+          <a:p>
+            <a:pPr algn="ctr"/>
+            <a:r>
+              <a:rPr lang="en-US" dirty="0">
+                <a:latin typeface="Times New Roman" panose="02020603050405020304" pitchFamily="18" charset="0"/>
+                <a:cs typeface="Times New Roman" panose="02020603050405020304" pitchFamily="18" charset="0"/>
+              </a:rPr>
+              <a:t>Scan the identification map with camera</a:t>
+            </a:r>
+          </a:p>
+        </p:txBody>
+      </p:sp>
+      <p:cxnSp>
+        <p:nvCxnSpPr>
+          <p:cNvPr id="51" name="直接箭头连接符 50">
+            <a:extLst>
+              <a:ext uri="{FF2B5EF4-FFF2-40B4-BE49-F238E27FC236}">
+                <a16:creationId xmlns:a16="http://schemas.microsoft.com/office/drawing/2014/main" id="{49B12BB1-D6E3-460B-8EA0-C6DD2796B0A4}"/>
+              </a:ext>
+            </a:extLst>
+          </p:cNvPr>
+          <p:cNvCxnSpPr>
+            <a:cxnSpLocks/>
+            <a:stCxn id="37" idx="3"/>
+            <a:endCxn id="32" idx="1"/>
+          </p:cNvCxnSpPr>
+          <p:nvPr/>
+        </p:nvCxnSpPr>
+        <p:spPr>
+          <a:xfrm>
+            <a:off x="1475021" y="3776353"/>
+            <a:ext cx="435923" cy="0"/>
+          </a:xfrm>
+          <a:prstGeom prst="straightConnector1">
+            <a:avLst/>
+          </a:prstGeom>
+          <a:ln>
+            <a:tailEnd type="triangle"/>
+          </a:ln>
+        </p:spPr>
+        <p:style>
+          <a:lnRef idx="1">
+            <a:schemeClr val="accent1"/>
+          </a:lnRef>
+          <a:fillRef idx="0">
+            <a:schemeClr val="accent1"/>
+          </a:fillRef>
+          <a:effectRef idx="0">
+            <a:schemeClr val="accent1"/>
+          </a:effectRef>
+          <a:fontRef idx="minor">
+            <a:schemeClr val="tx1"/>
+          </a:fontRef>
+        </p:style>
+      </p:cxnSp>
+      <p:sp>
+        <p:nvSpPr>
+          <p:cNvPr id="53" name="流程图: 决策 52">
+            <a:extLst>
+              <a:ext uri="{FF2B5EF4-FFF2-40B4-BE49-F238E27FC236}">
+                <a16:creationId xmlns:a16="http://schemas.microsoft.com/office/drawing/2014/main" id="{D7C10FE3-76BF-46CA-8D22-5873F717F2BE}"/>
+              </a:ext>
+            </a:extLst>
+          </p:cNvPr>
+          <p:cNvSpPr/>
+          <p:nvPr/>
+        </p:nvSpPr>
+        <p:spPr>
+          <a:xfrm>
+            <a:off x="6779694" y="1162298"/>
+            <a:ext cx="2866404" cy="1848096"/>
+          </a:xfrm>
+          <a:prstGeom prst="flowChartDecision">
+            <a:avLst/>
+          </a:prstGeom>
+        </p:spPr>
+        <p:style>
+          <a:lnRef idx="2">
+            <a:schemeClr val="dk1"/>
+          </a:lnRef>
+          <a:fillRef idx="1">
+            <a:schemeClr val="lt1"/>
+          </a:fillRef>
+          <a:effectRef idx="0">
+            <a:schemeClr val="dk1"/>
+          </a:effectRef>
+          <a:fontRef idx="minor">
+            <a:schemeClr val="dk1"/>
+          </a:fontRef>
+        </p:style>
+        <p:txBody>
+          <a:bodyPr rtlCol="0" anchor="ctr"/>
+          <a:lstStyle/>
+          <a:p>
+            <a:pPr algn="ctr"/>
+            <a:r>
+              <a:rPr lang="en-US" dirty="0">
+                <a:latin typeface="Times New Roman" panose="02020603050405020304" pitchFamily="18" charset="0"/>
+                <a:cs typeface="Times New Roman" panose="02020603050405020304" pitchFamily="18" charset="0"/>
+              </a:rPr>
+              <a:t>Identification map is stable in the scan box</a:t>
+            </a:r>
+          </a:p>
+        </p:txBody>
+      </p:sp>
+      <p:cxnSp>
+        <p:nvCxnSpPr>
+          <p:cNvPr id="65" name="直接箭头连接符 64">
+            <a:extLst>
+              <a:ext uri="{FF2B5EF4-FFF2-40B4-BE49-F238E27FC236}">
+                <a16:creationId xmlns:a16="http://schemas.microsoft.com/office/drawing/2014/main" id="{1B194BA2-7381-40D9-BB8F-E0951B02F38C}"/>
+              </a:ext>
+            </a:extLst>
+          </p:cNvPr>
+          <p:cNvCxnSpPr>
+            <a:cxnSpLocks/>
+            <a:stCxn id="53" idx="3"/>
+            <a:endCxn id="19" idx="1"/>
+          </p:cNvCxnSpPr>
+          <p:nvPr/>
+        </p:nvCxnSpPr>
+        <p:spPr>
+          <a:xfrm>
+            <a:off x="9646098" y="2086346"/>
+            <a:ext cx="378517" cy="10391"/>
+          </a:xfrm>
+          <a:prstGeom prst="straightConnector1">
+            <a:avLst/>
+          </a:prstGeom>
+          <a:ln>
+            <a:tailEnd type="triangle"/>
+          </a:ln>
+        </p:spPr>
+        <p:style>
+          <a:lnRef idx="1">
+            <a:schemeClr val="accent1"/>
+          </a:lnRef>
+          <a:fillRef idx="0">
+            <a:schemeClr val="accent1"/>
+          </a:fillRef>
+          <a:effectRef idx="0">
+            <a:schemeClr val="accent1"/>
+          </a:effectRef>
+          <a:fontRef idx="minor">
+            <a:schemeClr val="tx1"/>
+          </a:fontRef>
+        </p:style>
+      </p:cxnSp>
+      <p:sp>
+        <p:nvSpPr>
+          <p:cNvPr id="74" name="文本框 73">
+            <a:extLst>
+              <a:ext uri="{FF2B5EF4-FFF2-40B4-BE49-F238E27FC236}">
+                <a16:creationId xmlns:a16="http://schemas.microsoft.com/office/drawing/2014/main" id="{E5B142CD-21FB-43FA-943F-FDF0E2E0F7D9}"/>
+              </a:ext>
+            </a:extLst>
+          </p:cNvPr>
+          <p:cNvSpPr txBox="1"/>
+          <p:nvPr/>
+        </p:nvSpPr>
+        <p:spPr>
+          <a:xfrm>
+            <a:off x="9605318" y="1717014"/>
+            <a:ext cx="351378" cy="369332"/>
+          </a:xfrm>
+          <a:prstGeom prst="rect">
+            <a:avLst/>
+          </a:prstGeom>
+          <a:noFill/>
+        </p:spPr>
+        <p:txBody>
+          <a:bodyPr wrap="none" rtlCol="0">
+            <a:spAutoFit/>
+          </a:bodyPr>
+          <a:lstStyle/>
+          <a:p>
+            <a:r>
+              <a:rPr lang="en-US" dirty="0">
+                <a:latin typeface="Times New Roman" panose="02020603050405020304" pitchFamily="18" charset="0"/>
+                <a:cs typeface="Times New Roman" panose="02020603050405020304" pitchFamily="18" charset="0"/>
+              </a:rPr>
+              <a:t>Y</a:t>
+            </a:r>
+          </a:p>
+        </p:txBody>
+      </p:sp>
+      <p:sp>
+        <p:nvSpPr>
+          <p:cNvPr id="75" name="文本框 74">
+            <a:extLst>
+              <a:ext uri="{FF2B5EF4-FFF2-40B4-BE49-F238E27FC236}">
+                <a16:creationId xmlns:a16="http://schemas.microsoft.com/office/drawing/2014/main" id="{4F2FC3E7-869C-4CBA-97D3-6F547F8DBEC9}"/>
+              </a:ext>
+            </a:extLst>
+          </p:cNvPr>
+          <p:cNvSpPr txBox="1"/>
+          <p:nvPr/>
+        </p:nvSpPr>
+        <p:spPr>
+          <a:xfrm>
+            <a:off x="7855278" y="2995984"/>
+            <a:ext cx="351378" cy="369332"/>
+          </a:xfrm>
+          <a:prstGeom prst="rect">
+            <a:avLst/>
+          </a:prstGeom>
+          <a:noFill/>
+        </p:spPr>
+        <p:txBody>
+          <a:bodyPr wrap="none" rtlCol="0">
+            <a:spAutoFit/>
+          </a:bodyPr>
+          <a:lstStyle/>
+          <a:p>
+            <a:r>
+              <a:rPr lang="en-US" dirty="0">
+                <a:latin typeface="Times New Roman" panose="02020603050405020304" pitchFamily="18" charset="0"/>
+                <a:cs typeface="Times New Roman" panose="02020603050405020304" pitchFamily="18" charset="0"/>
+              </a:rPr>
+              <a:t>N</a:t>
+            </a:r>
+          </a:p>
+        </p:txBody>
+      </p:sp>
+      <p:cxnSp>
+        <p:nvCxnSpPr>
+          <p:cNvPr id="105" name="连接符: 肘形 104">
+            <a:extLst>
+              <a:ext uri="{FF2B5EF4-FFF2-40B4-BE49-F238E27FC236}">
+                <a16:creationId xmlns:a16="http://schemas.microsoft.com/office/drawing/2014/main" id="{2233FF1D-C786-40F0-A1F0-387C4A85B280}"/>
+              </a:ext>
+            </a:extLst>
+          </p:cNvPr>
+          <p:cNvCxnSpPr>
+            <a:cxnSpLocks/>
+            <a:stCxn id="11" idx="0"/>
+            <a:endCxn id="32" idx="3"/>
+          </p:cNvCxnSpPr>
+          <p:nvPr/>
+        </p:nvCxnSpPr>
+        <p:spPr>
+          <a:xfrm rot="16200000" flipV="1">
+            <a:off x="4730281" y="3847671"/>
+            <a:ext cx="878776" cy="736139"/>
+          </a:xfrm>
+          <a:prstGeom prst="bentConnector2">
+            <a:avLst/>
+          </a:prstGeom>
+          <a:ln>
+            <a:tailEnd type="triangle"/>
+          </a:ln>
+        </p:spPr>
+        <p:style>
+          <a:lnRef idx="1">
+            <a:schemeClr val="accent1"/>
+          </a:lnRef>
+          <a:fillRef idx="0">
+            <a:schemeClr val="accent1"/>
+          </a:fillRef>
+          <a:effectRef idx="0">
+            <a:schemeClr val="accent1"/>
+          </a:effectRef>
+          <a:fontRef idx="minor">
+            <a:schemeClr val="tx1"/>
+          </a:fontRef>
+        </p:style>
+      </p:cxnSp>
+    </p:spTree>
+    <p:extLst>
+      <p:ext uri="{BB962C8B-B14F-4D97-AF65-F5344CB8AC3E}">
+        <p14:creationId xmlns:p14="http://schemas.microsoft.com/office/powerpoint/2010/main" val="973632859"/>
+      </p:ext>
+    </p:extLst>
+  </p:cSld>
+  <p:clrMapOvr>
+    <a:masterClrMapping/>
+  </p:clrMapOvr>
+</p:sld>
+</file>
+
+<file path=ppt/slides/slide8.xml><?xml version="1.0" encoding="utf-8"?>
+<p:sld xmlns:a="http://schemas.openxmlformats.org/drawingml/2006/main" xmlns:r="http://schemas.openxmlformats.org/officeDocument/2006/relationships" xmlns:p="http://schemas.openxmlformats.org/presentationml/2006/main">
+  <p:cSld>
+    <p:spTree>
+      <p:nvGrpSpPr>
+        <p:cNvPr id="1" name=""/>
+        <p:cNvGrpSpPr/>
+        <p:nvPr/>
+      </p:nvGrpSpPr>
+      <p:grpSpPr>
+        <a:xfrm>
+          <a:off x="0" y="0"/>
+          <a:ext cx="0" cy="0"/>
+          <a:chOff x="0" y="0"/>
+          <a:chExt cx="0" cy="0"/>
+        </a:xfrm>
+      </p:grpSpPr>
+      <p:cxnSp>
+        <p:nvCxnSpPr>
+          <p:cNvPr id="6" name="连接符: 肘形 5">
+            <a:extLst>
+              <a:ext uri="{FF2B5EF4-FFF2-40B4-BE49-F238E27FC236}">
+                <a16:creationId xmlns:a16="http://schemas.microsoft.com/office/drawing/2014/main" id="{1538B9A1-D01F-4B97-9590-06E5F428C9A5}"/>
+              </a:ext>
+            </a:extLst>
+          </p:cNvPr>
+          <p:cNvCxnSpPr>
+            <a:cxnSpLocks/>
+            <a:stCxn id="32" idx="0"/>
+            <a:endCxn id="7" idx="1"/>
+          </p:cNvCxnSpPr>
+          <p:nvPr/>
+        </p:nvCxnSpPr>
+        <p:spPr>
+          <a:xfrm rot="5400000" flipH="1" flipV="1">
+            <a:off x="3015982" y="2125997"/>
+            <a:ext cx="881288" cy="857819"/>
+          </a:xfrm>
+          <a:prstGeom prst="bentConnector2">
+            <a:avLst/>
+          </a:prstGeom>
+          <a:ln>
+            <a:tailEnd type="triangle"/>
+          </a:ln>
+        </p:spPr>
+        <p:style>
+          <a:lnRef idx="1">
+            <a:schemeClr val="accent1"/>
+          </a:lnRef>
+          <a:fillRef idx="0">
+            <a:schemeClr val="accent1"/>
+          </a:fillRef>
+          <a:effectRef idx="0">
+            <a:schemeClr val="accent1"/>
+          </a:effectRef>
+          <a:fontRef idx="minor">
+            <a:schemeClr val="tx1"/>
+          </a:fontRef>
+        </p:style>
+      </p:cxnSp>
+      <p:sp>
+        <p:nvSpPr>
+          <p:cNvPr id="7" name="矩形 6">
+            <a:extLst>
+              <a:ext uri="{FF2B5EF4-FFF2-40B4-BE49-F238E27FC236}">
+                <a16:creationId xmlns:a16="http://schemas.microsoft.com/office/drawing/2014/main" id="{420D9387-5601-4D37-8FE3-6B1D7CA394B9}"/>
+              </a:ext>
+            </a:extLst>
+          </p:cNvPr>
+          <p:cNvSpPr/>
+          <p:nvPr/>
+        </p:nvSpPr>
+        <p:spPr>
+          <a:xfrm>
+            <a:off x="3885536" y="1313422"/>
+            <a:ext cx="1809500" cy="1601680"/>
+          </a:xfrm>
+          <a:prstGeom prst="rect">
+            <a:avLst/>
+          </a:prstGeom>
+        </p:spPr>
+        <p:style>
+          <a:lnRef idx="2">
+            <a:schemeClr val="accent6">
+              <a:shade val="50000"/>
+            </a:schemeClr>
+          </a:lnRef>
+          <a:fillRef idx="1">
+            <a:schemeClr val="accent6"/>
+          </a:fillRef>
+          <a:effectRef idx="0">
+            <a:schemeClr val="accent6"/>
+          </a:effectRef>
+          <a:fontRef idx="minor">
+            <a:schemeClr val="lt1"/>
+          </a:fontRef>
+        </p:style>
+        <p:txBody>
+          <a:bodyPr rtlCol="0" anchor="ctr"/>
+          <a:lstStyle/>
+          <a:p>
+            <a:pPr algn="ctr"/>
+            <a:r>
+              <a:rPr lang="en-US" dirty="0">
+                <a:latin typeface="Times New Roman" panose="02020603050405020304" pitchFamily="18" charset="0"/>
+                <a:cs typeface="Times New Roman" panose="02020603050405020304" pitchFamily="18" charset="0"/>
+              </a:rPr>
+              <a:t>Identification map show green; Call delay function</a:t>
+            </a:r>
+          </a:p>
+        </p:txBody>
+      </p:sp>
+      <p:cxnSp>
+        <p:nvCxnSpPr>
+          <p:cNvPr id="10" name="连接符: 肘形 9">
+            <a:extLst>
+              <a:ext uri="{FF2B5EF4-FFF2-40B4-BE49-F238E27FC236}">
+                <a16:creationId xmlns:a16="http://schemas.microsoft.com/office/drawing/2014/main" id="{6DAA315A-0809-4EDD-930D-248E6CED8824}"/>
+              </a:ext>
+            </a:extLst>
+          </p:cNvPr>
+          <p:cNvCxnSpPr>
+            <a:cxnSpLocks/>
+            <a:stCxn id="32" idx="2"/>
+            <a:endCxn id="11" idx="1"/>
+          </p:cNvCxnSpPr>
+          <p:nvPr/>
+        </p:nvCxnSpPr>
+        <p:spPr>
+          <a:xfrm rot="16200000" flipH="1">
+            <a:off x="3492773" y="4092099"/>
+            <a:ext cx="715489" cy="1645601"/>
+          </a:xfrm>
+          <a:prstGeom prst="bentConnector2">
+            <a:avLst/>
+          </a:prstGeom>
+          <a:ln>
+            <a:tailEnd type="triangle"/>
+          </a:ln>
+        </p:spPr>
+        <p:style>
+          <a:lnRef idx="1">
+            <a:schemeClr val="accent1"/>
+          </a:lnRef>
+          <a:fillRef idx="0">
+            <a:schemeClr val="accent1"/>
+          </a:fillRef>
+          <a:effectRef idx="0">
+            <a:schemeClr val="accent1"/>
+          </a:effectRef>
+          <a:fontRef idx="minor">
+            <a:schemeClr val="tx1"/>
+          </a:fontRef>
+        </p:style>
+      </p:cxnSp>
+      <p:sp>
+        <p:nvSpPr>
+          <p:cNvPr id="11" name="矩形 10">
+            <a:extLst>
+              <a:ext uri="{FF2B5EF4-FFF2-40B4-BE49-F238E27FC236}">
+                <a16:creationId xmlns:a16="http://schemas.microsoft.com/office/drawing/2014/main" id="{3D884ABA-B61C-4175-AAA3-F7436699A92E}"/>
+              </a:ext>
+            </a:extLst>
+          </p:cNvPr>
+          <p:cNvSpPr/>
+          <p:nvPr/>
+        </p:nvSpPr>
+        <p:spPr>
+          <a:xfrm>
+            <a:off x="4673318" y="4655129"/>
+            <a:ext cx="1728839" cy="1235032"/>
+          </a:xfrm>
+          <a:prstGeom prst="rect">
+            <a:avLst/>
+          </a:prstGeom>
+          <a:solidFill>
+            <a:srgbClr val="FF0000"/>
+          </a:solidFill>
+        </p:spPr>
+        <p:style>
+          <a:lnRef idx="3">
+            <a:schemeClr val="lt1"/>
+          </a:lnRef>
+          <a:fillRef idx="1">
+            <a:schemeClr val="accent2"/>
+          </a:fillRef>
+          <a:effectRef idx="1">
+            <a:schemeClr val="accent2"/>
+          </a:effectRef>
+          <a:fontRef idx="minor">
+            <a:schemeClr val="lt1"/>
+          </a:fontRef>
+        </p:style>
+        <p:txBody>
+          <a:bodyPr rtlCol="0" anchor="ctr"/>
+          <a:lstStyle/>
+          <a:p>
+            <a:pPr algn="ctr"/>
+            <a:r>
+              <a:rPr lang="en-US" dirty="0">
+                <a:latin typeface="Times New Roman" panose="02020603050405020304" pitchFamily="18" charset="0"/>
+                <a:cs typeface="Times New Roman" panose="02020603050405020304" pitchFamily="18" charset="0"/>
+              </a:rPr>
+              <a:t>Identification map show red</a:t>
+            </a:r>
+          </a:p>
+        </p:txBody>
+      </p:sp>
+      <p:sp>
+        <p:nvSpPr>
+          <p:cNvPr id="13" name="文本框 12">
+            <a:extLst>
+              <a:ext uri="{FF2B5EF4-FFF2-40B4-BE49-F238E27FC236}">
+                <a16:creationId xmlns:a16="http://schemas.microsoft.com/office/drawing/2014/main" id="{80644A3E-2439-4E47-B22B-0565490221E4}"/>
+              </a:ext>
+            </a:extLst>
+          </p:cNvPr>
+          <p:cNvSpPr txBox="1"/>
+          <p:nvPr/>
+        </p:nvSpPr>
+        <p:spPr>
+          <a:xfrm>
+            <a:off x="2544340" y="2545770"/>
+            <a:ext cx="351378" cy="369332"/>
+          </a:xfrm>
+          <a:prstGeom prst="rect">
+            <a:avLst/>
+          </a:prstGeom>
+          <a:noFill/>
+        </p:spPr>
+        <p:txBody>
+          <a:bodyPr wrap="none" rtlCol="0">
+            <a:spAutoFit/>
+          </a:bodyPr>
+          <a:lstStyle/>
+          <a:p>
+            <a:r>
+              <a:rPr lang="en-US" dirty="0">
+                <a:latin typeface="Times New Roman" panose="02020603050405020304" pitchFamily="18" charset="0"/>
+                <a:cs typeface="Times New Roman" panose="02020603050405020304" pitchFamily="18" charset="0"/>
+              </a:rPr>
+              <a:t>Y</a:t>
+            </a:r>
+          </a:p>
+        </p:txBody>
+      </p:sp>
+      <p:sp>
+        <p:nvSpPr>
+          <p:cNvPr id="14" name="文本框 13">
+            <a:extLst>
+              <a:ext uri="{FF2B5EF4-FFF2-40B4-BE49-F238E27FC236}">
+                <a16:creationId xmlns:a16="http://schemas.microsoft.com/office/drawing/2014/main" id="{E52AA9F5-15E7-4C9C-A2E3-390824605666}"/>
+              </a:ext>
+            </a:extLst>
+          </p:cNvPr>
+          <p:cNvSpPr txBox="1"/>
+          <p:nvPr/>
+        </p:nvSpPr>
+        <p:spPr>
+          <a:xfrm>
+            <a:off x="2525905" y="4637603"/>
+            <a:ext cx="351378" cy="369332"/>
+          </a:xfrm>
+          <a:prstGeom prst="rect">
+            <a:avLst/>
+          </a:prstGeom>
+          <a:noFill/>
+        </p:spPr>
+        <p:txBody>
+          <a:bodyPr wrap="none" rtlCol="0">
+            <a:spAutoFit/>
+          </a:bodyPr>
+          <a:lstStyle/>
+          <a:p>
+            <a:r>
+              <a:rPr lang="en-US" dirty="0">
+                <a:latin typeface="Times New Roman" panose="02020603050405020304" pitchFamily="18" charset="0"/>
+                <a:cs typeface="Times New Roman" panose="02020603050405020304" pitchFamily="18" charset="0"/>
+              </a:rPr>
+              <a:t>N</a:t>
+            </a:r>
+          </a:p>
+        </p:txBody>
+      </p:sp>
+      <p:sp>
+        <p:nvSpPr>
+          <p:cNvPr id="19" name="矩形 18">
+            <a:extLst>
+              <a:ext uri="{FF2B5EF4-FFF2-40B4-BE49-F238E27FC236}">
+                <a16:creationId xmlns:a16="http://schemas.microsoft.com/office/drawing/2014/main" id="{C590C424-5BAD-4D2C-AD91-9125E05AEFF0}"/>
+              </a:ext>
+            </a:extLst>
+          </p:cNvPr>
+          <p:cNvSpPr/>
+          <p:nvPr/>
+        </p:nvSpPr>
+        <p:spPr>
+          <a:xfrm>
+            <a:off x="8206656" y="1656316"/>
+            <a:ext cx="2216120" cy="849827"/>
+          </a:xfrm>
+          <a:prstGeom prst="rect">
+            <a:avLst/>
+          </a:prstGeom>
+        </p:spPr>
+        <p:style>
+          <a:lnRef idx="2">
+            <a:schemeClr val="dk1"/>
+          </a:lnRef>
+          <a:fillRef idx="1">
+            <a:schemeClr val="lt1"/>
+          </a:fillRef>
+          <a:effectRef idx="0">
+            <a:schemeClr val="dk1"/>
+          </a:effectRef>
+          <a:fontRef idx="minor">
+            <a:schemeClr val="dk1"/>
+          </a:fontRef>
+        </p:style>
+        <p:txBody>
+          <a:bodyPr rtlCol="0" anchor="ctr"/>
+          <a:lstStyle/>
+          <a:p>
+            <a:pPr algn="ctr"/>
+            <a:r>
+              <a:rPr lang="en-US" dirty="0">
+                <a:latin typeface="Times New Roman" panose="02020603050405020304" pitchFamily="18" charset="0"/>
+                <a:cs typeface="Times New Roman" panose="02020603050405020304" pitchFamily="18" charset="0"/>
+              </a:rPr>
+              <a:t>The earth model rotate</a:t>
+            </a:r>
+          </a:p>
+        </p:txBody>
+      </p:sp>
+      <p:cxnSp>
+        <p:nvCxnSpPr>
+          <p:cNvPr id="22" name="直接箭头连接符 21">
+            <a:extLst>
+              <a:ext uri="{FF2B5EF4-FFF2-40B4-BE49-F238E27FC236}">
+                <a16:creationId xmlns:a16="http://schemas.microsoft.com/office/drawing/2014/main" id="{9700F34B-1C09-42F5-B798-85E0E605E065}"/>
+              </a:ext>
+            </a:extLst>
+          </p:cNvPr>
+          <p:cNvCxnSpPr>
+            <a:cxnSpLocks/>
+            <a:stCxn id="7" idx="3"/>
+          </p:cNvCxnSpPr>
+          <p:nvPr/>
+        </p:nvCxnSpPr>
+        <p:spPr>
+          <a:xfrm>
+            <a:off x="5695036" y="2114262"/>
+            <a:ext cx="376912" cy="0"/>
+          </a:xfrm>
+          <a:prstGeom prst="straightConnector1">
+            <a:avLst/>
+          </a:prstGeom>
+          <a:ln>
+            <a:tailEnd type="triangle"/>
+          </a:ln>
+        </p:spPr>
+        <p:style>
+          <a:lnRef idx="1">
+            <a:schemeClr val="accent1"/>
+          </a:lnRef>
+          <a:fillRef idx="0">
+            <a:schemeClr val="accent1"/>
+          </a:fillRef>
+          <a:effectRef idx="0">
+            <a:schemeClr val="accent1"/>
+          </a:effectRef>
+          <a:fontRef idx="minor">
+            <a:schemeClr val="tx1"/>
+          </a:fontRef>
+        </p:style>
+      </p:cxnSp>
+      <p:sp>
+        <p:nvSpPr>
+          <p:cNvPr id="32" name="流程图: 决策 31">
+            <a:extLst>
+              <a:ext uri="{FF2B5EF4-FFF2-40B4-BE49-F238E27FC236}">
+                <a16:creationId xmlns:a16="http://schemas.microsoft.com/office/drawing/2014/main" id="{A8150B37-BF93-4770-BE74-6361FD6E7359}"/>
+              </a:ext>
+            </a:extLst>
+          </p:cNvPr>
+          <p:cNvSpPr/>
+          <p:nvPr/>
+        </p:nvSpPr>
+        <p:spPr>
+          <a:xfrm>
+            <a:off x="1910945" y="2995550"/>
+            <a:ext cx="2233544" cy="1561606"/>
+          </a:xfrm>
+          <a:prstGeom prst="flowChartDecision">
+            <a:avLst/>
+          </a:prstGeom>
+        </p:spPr>
+        <p:style>
+          <a:lnRef idx="2">
+            <a:schemeClr val="dk1"/>
+          </a:lnRef>
+          <a:fillRef idx="1">
+            <a:schemeClr val="lt1"/>
+          </a:fillRef>
+          <a:effectRef idx="0">
+            <a:schemeClr val="dk1"/>
+          </a:effectRef>
+          <a:fontRef idx="minor">
+            <a:schemeClr val="dk1"/>
+          </a:fontRef>
+        </p:style>
+        <p:txBody>
+          <a:bodyPr rtlCol="0" anchor="ctr"/>
+          <a:lstStyle/>
+          <a:p>
+            <a:pPr algn="ctr"/>
+            <a:r>
+              <a:rPr lang="en-US" dirty="0">
+                <a:latin typeface="Times New Roman" panose="02020603050405020304" pitchFamily="18" charset="0"/>
+                <a:cs typeface="Times New Roman" panose="02020603050405020304" pitchFamily="18" charset="0"/>
+              </a:rPr>
+              <a:t>Identification map is in the scan box</a:t>
+            </a:r>
+          </a:p>
+        </p:txBody>
+      </p:sp>
+      <p:sp>
+        <p:nvSpPr>
+          <p:cNvPr id="37" name="矩形 36">
+            <a:extLst>
+              <a:ext uri="{FF2B5EF4-FFF2-40B4-BE49-F238E27FC236}">
+                <a16:creationId xmlns:a16="http://schemas.microsoft.com/office/drawing/2014/main" id="{7BE92F61-FE33-49BF-B30A-46435B6EDB52}"/>
+              </a:ext>
+            </a:extLst>
+          </p:cNvPr>
+          <p:cNvSpPr/>
+          <p:nvPr/>
+        </p:nvSpPr>
+        <p:spPr>
+          <a:xfrm>
+            <a:off x="95501" y="3010394"/>
+            <a:ext cx="1379520" cy="1531917"/>
+          </a:xfrm>
+          <a:prstGeom prst="rect">
+            <a:avLst/>
+          </a:prstGeom>
+        </p:spPr>
+        <p:style>
+          <a:lnRef idx="2">
+            <a:schemeClr val="dk1"/>
+          </a:lnRef>
+          <a:fillRef idx="1">
+            <a:schemeClr val="lt1"/>
+          </a:fillRef>
+          <a:effectRef idx="0">
+            <a:schemeClr val="dk1"/>
+          </a:effectRef>
+          <a:fontRef idx="minor">
+            <a:schemeClr val="dk1"/>
+          </a:fontRef>
+        </p:style>
+        <p:txBody>
+          <a:bodyPr rtlCol="0" anchor="ctr"/>
+          <a:lstStyle/>
+          <a:p>
+            <a:pPr algn="ctr"/>
+            <a:r>
+              <a:rPr lang="en-US" dirty="0">
+                <a:latin typeface="Times New Roman" panose="02020603050405020304" pitchFamily="18" charset="0"/>
+                <a:cs typeface="Times New Roman" panose="02020603050405020304" pitchFamily="18" charset="0"/>
+              </a:rPr>
+              <a:t>Scan the identification map with camera</a:t>
+            </a:r>
+          </a:p>
+        </p:txBody>
+      </p:sp>
+      <p:cxnSp>
+        <p:nvCxnSpPr>
+          <p:cNvPr id="51" name="直接箭头连接符 50">
+            <a:extLst>
+              <a:ext uri="{FF2B5EF4-FFF2-40B4-BE49-F238E27FC236}">
+                <a16:creationId xmlns:a16="http://schemas.microsoft.com/office/drawing/2014/main" id="{49B12BB1-D6E3-460B-8EA0-C6DD2796B0A4}"/>
+              </a:ext>
+            </a:extLst>
+          </p:cNvPr>
+          <p:cNvCxnSpPr>
+            <a:cxnSpLocks/>
+            <a:stCxn id="37" idx="3"/>
+            <a:endCxn id="32" idx="1"/>
+          </p:cNvCxnSpPr>
+          <p:nvPr/>
+        </p:nvCxnSpPr>
+        <p:spPr>
+          <a:xfrm>
+            <a:off x="1475021" y="3776353"/>
+            <a:ext cx="435924" cy="0"/>
+          </a:xfrm>
+          <a:prstGeom prst="straightConnector1">
+            <a:avLst/>
+          </a:prstGeom>
+          <a:ln>
+            <a:tailEnd type="triangle"/>
+          </a:ln>
+        </p:spPr>
+        <p:style>
+          <a:lnRef idx="1">
+            <a:schemeClr val="accent1"/>
+          </a:lnRef>
+          <a:fillRef idx="0">
+            <a:schemeClr val="accent1"/>
+          </a:fillRef>
+          <a:effectRef idx="0">
+            <a:schemeClr val="accent1"/>
+          </a:effectRef>
+          <a:fontRef idx="minor">
+            <a:schemeClr val="tx1"/>
+          </a:fontRef>
+        </p:style>
+      </p:cxnSp>
+      <p:cxnSp>
+        <p:nvCxnSpPr>
+          <p:cNvPr id="65" name="直接箭头连接符 64">
+            <a:extLst>
+              <a:ext uri="{FF2B5EF4-FFF2-40B4-BE49-F238E27FC236}">
+                <a16:creationId xmlns:a16="http://schemas.microsoft.com/office/drawing/2014/main" id="{1B194BA2-7381-40D9-BB8F-E0951B02F38C}"/>
+              </a:ext>
+            </a:extLst>
+          </p:cNvPr>
+          <p:cNvCxnSpPr>
+            <a:cxnSpLocks/>
+            <a:stCxn id="44" idx="3"/>
+            <a:endCxn id="19" idx="1"/>
+          </p:cNvCxnSpPr>
+          <p:nvPr/>
+        </p:nvCxnSpPr>
+        <p:spPr>
+          <a:xfrm flipV="1">
+            <a:off x="7759833" y="2081230"/>
+            <a:ext cx="446823" cy="7340"/>
+          </a:xfrm>
+          <a:prstGeom prst="straightConnector1">
+            <a:avLst/>
+          </a:prstGeom>
+          <a:ln>
+            <a:tailEnd type="triangle"/>
+          </a:ln>
+        </p:spPr>
+        <p:style>
+          <a:lnRef idx="1">
+            <a:schemeClr val="accent1"/>
+          </a:lnRef>
+          <a:fillRef idx="0">
+            <a:schemeClr val="accent1"/>
+          </a:fillRef>
+          <a:effectRef idx="0">
+            <a:schemeClr val="accent1"/>
+          </a:effectRef>
+          <a:fontRef idx="minor">
+            <a:schemeClr val="tx1"/>
+          </a:fontRef>
+        </p:style>
+      </p:cxnSp>
+      <p:cxnSp>
+        <p:nvCxnSpPr>
+          <p:cNvPr id="105" name="连接符: 肘形 104">
+            <a:extLst>
+              <a:ext uri="{FF2B5EF4-FFF2-40B4-BE49-F238E27FC236}">
+                <a16:creationId xmlns:a16="http://schemas.microsoft.com/office/drawing/2014/main" id="{2233FF1D-C786-40F0-A1F0-387C4A85B280}"/>
+              </a:ext>
+            </a:extLst>
+          </p:cNvPr>
+          <p:cNvCxnSpPr>
+            <a:cxnSpLocks/>
+            <a:stCxn id="11" idx="0"/>
+            <a:endCxn id="32" idx="3"/>
+          </p:cNvCxnSpPr>
+          <p:nvPr/>
+        </p:nvCxnSpPr>
+        <p:spPr>
+          <a:xfrm rot="16200000" flipV="1">
+            <a:off x="4401726" y="3519116"/>
+            <a:ext cx="878776" cy="1393249"/>
+          </a:xfrm>
+          <a:prstGeom prst="bentConnector2">
+            <a:avLst/>
+          </a:prstGeom>
+          <a:ln>
+            <a:tailEnd type="triangle"/>
+          </a:ln>
+        </p:spPr>
+        <p:style>
+          <a:lnRef idx="1">
+            <a:schemeClr val="accent1"/>
+          </a:lnRef>
+          <a:fillRef idx="0">
+            <a:schemeClr val="accent1"/>
+          </a:fillRef>
+          <a:effectRef idx="0">
+            <a:schemeClr val="accent1"/>
+          </a:effectRef>
+          <a:fontRef idx="minor">
+            <a:schemeClr val="tx1"/>
+          </a:fontRef>
+        </p:style>
+      </p:cxnSp>
+      <p:sp>
+        <p:nvSpPr>
+          <p:cNvPr id="44" name="矩形 43">
+            <a:extLst>
+              <a:ext uri="{FF2B5EF4-FFF2-40B4-BE49-F238E27FC236}">
+                <a16:creationId xmlns:a16="http://schemas.microsoft.com/office/drawing/2014/main" id="{1F9A55EE-2AC1-46B9-BAC9-B50A5AAB8A1B}"/>
+              </a:ext>
+            </a:extLst>
+          </p:cNvPr>
+          <p:cNvSpPr/>
+          <p:nvPr/>
+        </p:nvSpPr>
+        <p:spPr>
+          <a:xfrm>
+            <a:off x="6068971" y="1631370"/>
+            <a:ext cx="1690862" cy="914400"/>
+          </a:xfrm>
+          <a:prstGeom prst="rect">
+            <a:avLst/>
+          </a:prstGeom>
+        </p:spPr>
+        <p:style>
+          <a:lnRef idx="2">
+            <a:schemeClr val="dk1"/>
+          </a:lnRef>
+          <a:fillRef idx="1">
+            <a:schemeClr val="lt1"/>
+          </a:fillRef>
+          <a:effectRef idx="0">
+            <a:schemeClr val="dk1"/>
+          </a:effectRef>
+          <a:fontRef idx="minor">
+            <a:schemeClr val="dk1"/>
+          </a:fontRef>
+        </p:style>
+        <p:txBody>
+          <a:bodyPr rtlCol="0" anchor="ctr"/>
+          <a:lstStyle/>
+          <a:p>
+            <a:pPr algn="ctr"/>
+            <a:r>
+              <a:rPr lang="en-US" dirty="0">
+                <a:latin typeface="Times New Roman" panose="02020603050405020304" pitchFamily="18" charset="0"/>
+                <a:cs typeface="Times New Roman" panose="02020603050405020304" pitchFamily="18" charset="0"/>
+              </a:rPr>
+              <a:t>Click the Screen</a:t>
+            </a:r>
+          </a:p>
+        </p:txBody>
+      </p:sp>
+      <p:sp>
+        <p:nvSpPr>
+          <p:cNvPr id="54" name="矩形 53">
+            <a:extLst>
+              <a:ext uri="{FF2B5EF4-FFF2-40B4-BE49-F238E27FC236}">
+                <a16:creationId xmlns:a16="http://schemas.microsoft.com/office/drawing/2014/main" id="{ABAF350C-FC3E-4B93-A22E-6E684B826A45}"/>
+              </a:ext>
+            </a:extLst>
+          </p:cNvPr>
+          <p:cNvSpPr/>
+          <p:nvPr/>
+        </p:nvSpPr>
+        <p:spPr>
+          <a:xfrm>
+            <a:off x="8469285" y="3013734"/>
+            <a:ext cx="1690862" cy="914400"/>
+          </a:xfrm>
+          <a:prstGeom prst="rect">
+            <a:avLst/>
+          </a:prstGeom>
+        </p:spPr>
+        <p:style>
+          <a:lnRef idx="2">
+            <a:schemeClr val="dk1"/>
+          </a:lnRef>
+          <a:fillRef idx="1">
+            <a:schemeClr val="lt1"/>
+          </a:fillRef>
+          <a:effectRef idx="0">
+            <a:schemeClr val="dk1"/>
+          </a:effectRef>
+          <a:fontRef idx="minor">
+            <a:schemeClr val="dk1"/>
+          </a:fontRef>
+        </p:style>
+        <p:txBody>
+          <a:bodyPr rtlCol="0" anchor="ctr"/>
+          <a:lstStyle/>
+          <a:p>
+            <a:pPr algn="ctr"/>
+            <a:r>
+              <a:rPr lang="en-US" dirty="0">
+                <a:latin typeface="Times New Roman" panose="02020603050405020304" pitchFamily="18" charset="0"/>
+                <a:cs typeface="Times New Roman" panose="02020603050405020304" pitchFamily="18" charset="0"/>
+              </a:rPr>
+              <a:t>Click the Screen</a:t>
+            </a:r>
+          </a:p>
+        </p:txBody>
+      </p:sp>
+      <p:cxnSp>
+        <p:nvCxnSpPr>
+          <p:cNvPr id="48" name="直接箭头连接符 47">
+            <a:extLst>
+              <a:ext uri="{FF2B5EF4-FFF2-40B4-BE49-F238E27FC236}">
+                <a16:creationId xmlns:a16="http://schemas.microsoft.com/office/drawing/2014/main" id="{C08A10AC-4F5C-4358-B4B6-56D9E1B95FE0}"/>
+              </a:ext>
+            </a:extLst>
+          </p:cNvPr>
+          <p:cNvCxnSpPr>
+            <a:stCxn id="19" idx="2"/>
+            <a:endCxn id="54" idx="0"/>
+          </p:cNvCxnSpPr>
+          <p:nvPr/>
+        </p:nvCxnSpPr>
+        <p:spPr>
+          <a:xfrm>
+            <a:off x="9314716" y="2506143"/>
+            <a:ext cx="0" cy="507591"/>
+          </a:xfrm>
+          <a:prstGeom prst="straightConnector1">
+            <a:avLst/>
+          </a:prstGeom>
+          <a:ln>
+            <a:tailEnd type="triangle"/>
+          </a:ln>
+        </p:spPr>
+        <p:style>
+          <a:lnRef idx="1">
+            <a:schemeClr val="accent1"/>
+          </a:lnRef>
+          <a:fillRef idx="0">
+            <a:schemeClr val="accent1"/>
+          </a:fillRef>
+          <a:effectRef idx="0">
+            <a:schemeClr val="accent1"/>
+          </a:effectRef>
+          <a:fontRef idx="minor">
+            <a:schemeClr val="tx1"/>
+          </a:fontRef>
+        </p:style>
+      </p:cxnSp>
+      <p:sp>
+        <p:nvSpPr>
+          <p:cNvPr id="57" name="矩形 56">
+            <a:extLst>
+              <a:ext uri="{FF2B5EF4-FFF2-40B4-BE49-F238E27FC236}">
+                <a16:creationId xmlns:a16="http://schemas.microsoft.com/office/drawing/2014/main" id="{938684AF-00BC-4873-91E5-CBFEE3F5D2C0}"/>
+              </a:ext>
+            </a:extLst>
+          </p:cNvPr>
+          <p:cNvSpPr/>
+          <p:nvPr/>
+        </p:nvSpPr>
+        <p:spPr>
+          <a:xfrm>
+            <a:off x="8206656" y="4435725"/>
+            <a:ext cx="2216120" cy="849827"/>
+          </a:xfrm>
+          <a:prstGeom prst="rect">
+            <a:avLst/>
+          </a:prstGeom>
+        </p:spPr>
+        <p:style>
+          <a:lnRef idx="2">
+            <a:schemeClr val="dk1"/>
+          </a:lnRef>
+          <a:fillRef idx="1">
+            <a:schemeClr val="lt1"/>
+          </a:fillRef>
+          <a:effectRef idx="0">
+            <a:schemeClr val="dk1"/>
+          </a:effectRef>
+          <a:fontRef idx="minor">
+            <a:schemeClr val="dk1"/>
+          </a:fontRef>
+        </p:style>
+        <p:txBody>
+          <a:bodyPr rtlCol="0" anchor="ctr"/>
+          <a:lstStyle/>
+          <a:p>
+            <a:pPr algn="ctr"/>
+            <a:r>
+              <a:rPr lang="en-US" dirty="0">
+                <a:latin typeface="Times New Roman" panose="02020603050405020304" pitchFamily="18" charset="0"/>
+                <a:cs typeface="Times New Roman" panose="02020603050405020304" pitchFamily="18" charset="0"/>
+              </a:rPr>
+              <a:t>Show the Solar system </a:t>
+            </a:r>
+          </a:p>
+        </p:txBody>
+      </p:sp>
+      <p:cxnSp>
+        <p:nvCxnSpPr>
+          <p:cNvPr id="52" name="直接箭头连接符 51">
+            <a:extLst>
+              <a:ext uri="{FF2B5EF4-FFF2-40B4-BE49-F238E27FC236}">
+                <a16:creationId xmlns:a16="http://schemas.microsoft.com/office/drawing/2014/main" id="{DE7DAD6A-6062-4518-BAD4-2D0FF01EFFD1}"/>
+              </a:ext>
+            </a:extLst>
+          </p:cNvPr>
+          <p:cNvCxnSpPr>
+            <a:stCxn id="54" idx="2"/>
+            <a:endCxn id="57" idx="0"/>
+          </p:cNvCxnSpPr>
+          <p:nvPr/>
+        </p:nvCxnSpPr>
+        <p:spPr>
+          <a:xfrm>
+            <a:off x="9314716" y="3928134"/>
+            <a:ext cx="0" cy="507591"/>
+          </a:xfrm>
+          <a:prstGeom prst="straightConnector1">
+            <a:avLst/>
+          </a:prstGeom>
+          <a:ln>
+            <a:tailEnd type="triangle"/>
+          </a:ln>
+        </p:spPr>
+        <p:style>
+          <a:lnRef idx="1">
+            <a:schemeClr val="accent1"/>
+          </a:lnRef>
+          <a:fillRef idx="0">
+            <a:schemeClr val="accent1"/>
+          </a:fillRef>
+          <a:effectRef idx="0">
+            <a:schemeClr val="accent1"/>
+          </a:effectRef>
+          <a:fontRef idx="minor">
+            <a:schemeClr val="tx1"/>
+          </a:fontRef>
+        </p:style>
+      </p:cxnSp>
+    </p:spTree>
+    <p:extLst>
+      <p:ext uri="{BB962C8B-B14F-4D97-AF65-F5344CB8AC3E}">
+        <p14:creationId xmlns:p14="http://schemas.microsoft.com/office/powerpoint/2010/main" val="689950717"/>
+      </p:ext>
+    </p:extLst>
+  </p:cSld>
+  <p:clrMapOvr>
+    <a:masterClrMapping/>
+  </p:clrMapOvr>
+</p:sld>
+</file>
+
+<file path=ppt/slides/slide9.xml><?xml version="1.0" encoding="utf-8"?>
+<p:sld xmlns:a="http://schemas.openxmlformats.org/drawingml/2006/main" xmlns:r="http://schemas.openxmlformats.org/officeDocument/2006/relationships" xmlns:p="http://schemas.openxmlformats.org/presentationml/2006/main">
+  <p:cSld>
+    <p:spTree>
+      <p:nvGrpSpPr>
+        <p:cNvPr id="1" name=""/>
+        <p:cNvGrpSpPr/>
+        <p:nvPr/>
+      </p:nvGrpSpPr>
+      <p:grpSpPr>
+        <a:xfrm>
+          <a:off x="0" y="0"/>
+          <a:ext cx="0" cy="0"/>
+          <a:chOff x="0" y="0"/>
+          <a:chExt cx="0" cy="0"/>
+        </a:xfrm>
+      </p:grpSpPr>
+      <p:pic>
+        <p:nvPicPr>
+          <p:cNvPr id="5" name="内容占位符 4">
+            <a:extLst>
+              <a:ext uri="{FF2B5EF4-FFF2-40B4-BE49-F238E27FC236}">
+                <a16:creationId xmlns:a16="http://schemas.microsoft.com/office/drawing/2014/main" id="{49B770A1-67AF-445D-886F-687CB225696E}"/>
+              </a:ext>
+            </a:extLst>
+          </p:cNvPr>
+          <p:cNvPicPr>
+            <a:picLocks noGrp="1" noChangeAspect="1"/>
+          </p:cNvPicPr>
+          <p:nvPr>
+            <p:ph idx="1"/>
+          </p:nvPr>
+        </p:nvPicPr>
+        <p:blipFill>
+          <a:blip r:embed="rId2">
+            <a:extLst>
+              <a:ext uri="{28A0092B-C50C-407E-A947-70E740481C1C}">
+                <a14:useLocalDpi xmlns:a14="http://schemas.microsoft.com/office/drawing/2010/main" val="0"/>
+              </a:ext>
+            </a:extLst>
+          </a:blip>
+          <a:stretch>
+            <a:fillRect/>
+          </a:stretch>
+        </p:blipFill>
+        <p:spPr>
+          <a:xfrm>
+            <a:off x="3777827" y="1253331"/>
+            <a:ext cx="4351338" cy="4351338"/>
+          </a:xfrm>
+        </p:spPr>
+        <p:style>
+          <a:lnRef idx="2">
+            <a:schemeClr val="dk1"/>
+          </a:lnRef>
+          <a:fillRef idx="1">
+            <a:schemeClr val="lt1"/>
+          </a:fillRef>
+          <a:effectRef idx="0">
+            <a:schemeClr val="dk1"/>
+          </a:effectRef>
+          <a:fontRef idx="minor">
+            <a:schemeClr val="dk1"/>
+          </a:fontRef>
+        </p:style>
+      </p:pic>
+      <p:sp>
+        <p:nvSpPr>
+          <p:cNvPr id="6" name="文本框 5">
+            <a:extLst>
+              <a:ext uri="{FF2B5EF4-FFF2-40B4-BE49-F238E27FC236}">
+                <a16:creationId xmlns:a16="http://schemas.microsoft.com/office/drawing/2014/main" id="{75B5B689-8B27-4B3D-B71B-1E684FAF03E7}"/>
+              </a:ext>
+            </a:extLst>
+          </p:cNvPr>
+          <p:cNvSpPr txBox="1"/>
+          <p:nvPr/>
+        </p:nvSpPr>
+        <p:spPr>
+          <a:xfrm>
+            <a:off x="4275117" y="2113807"/>
+            <a:ext cx="3443843" cy="784830"/>
+          </a:xfrm>
+          <a:prstGeom prst="rect">
+            <a:avLst/>
+          </a:prstGeom>
+          <a:ln>
+            <a:noFill/>
+          </a:ln>
+        </p:spPr>
+        <p:style>
+          <a:lnRef idx="2">
+            <a:schemeClr val="dk1"/>
+          </a:lnRef>
+          <a:fillRef idx="1">
+            <a:schemeClr val="lt1"/>
+          </a:fillRef>
+          <a:effectRef idx="0">
+            <a:schemeClr val="dk1"/>
+          </a:effectRef>
+          <a:fontRef idx="minor">
+            <a:schemeClr val="dk1"/>
+          </a:fontRef>
+        </p:style>
+        <p:txBody>
+          <a:bodyPr wrap="square" rtlCol="0">
+            <a:spAutoFit/>
+          </a:bodyPr>
+          <a:lstStyle/>
+          <a:p>
+            <a:pPr algn="ctr"/>
+            <a:r>
+              <a:rPr lang="en-US" sz="4500" dirty="0">
+                <a:solidFill>
+                  <a:srgbClr val="32BF99"/>
+                </a:solidFill>
+                <a:latin typeface="Berlin Sans FB" panose="020E0602020502020306" pitchFamily="34" charset="0"/>
+                <a:cs typeface="Times New Roman" panose="02020603050405020304" pitchFamily="18" charset="0"/>
+              </a:rPr>
+              <a:t>Success</a:t>
+            </a:r>
+          </a:p>
+        </p:txBody>
+      </p:sp>
+    </p:spTree>
+    <p:extLst>
+      <p:ext uri="{BB962C8B-B14F-4D97-AF65-F5344CB8AC3E}">
+        <p14:creationId xmlns:p14="http://schemas.microsoft.com/office/powerpoint/2010/main" val="1850865747"/>
+      </p:ext>
+    </p:extLst>
+  </p:cSld>
+  <p:clrMapOvr>
+    <a:masterClrMapping/>
+  </p:clrMapOvr>
+</p:sld>
+</file>
+
 <file path=ppt/theme/theme1.xml><?xml version="1.0" encoding="utf-8"?>
 <a:theme xmlns:a="http://schemas.openxmlformats.org/drawingml/2006/main" name="Office 主题​​">
   <a:themeElements>

--- a/bi_ye_lun_wen/cao gao/temp files.pptx
+++ b/bi_ye_lun_wen/cao gao/temp files.pptx
@@ -13,7 +13,8 @@
     <p:sldId id="262" r:id="rId7"/>
     <p:sldId id="263" r:id="rId8"/>
     <p:sldId id="265" r:id="rId9"/>
-    <p:sldId id="264" r:id="rId10"/>
+    <p:sldId id="266" r:id="rId10"/>
+    <p:sldId id="264" r:id="rId11"/>
   </p:sldIdLst>
   <p:sldSz cx="12192000" cy="6858000"/>
   <p:notesSz cx="6858000" cy="9144000"/>
@@ -269,7 +270,7 @@
           <a:p>
             <a:fld id="{AD880408-622A-4071-A052-F5E03FFF4B10}" type="datetimeFigureOut">
               <a:rPr lang="en-US" smtClean="0"/>
-              <a:t>5/7/2018</a:t>
+              <a:t>5/10/2018</a:t>
             </a:fld>
             <a:endParaRPr lang="en-US"/>
           </a:p>
@@ -469,7 +470,7 @@
           <a:p>
             <a:fld id="{AD880408-622A-4071-A052-F5E03FFF4B10}" type="datetimeFigureOut">
               <a:rPr lang="en-US" smtClean="0"/>
-              <a:t>5/7/2018</a:t>
+              <a:t>5/10/2018</a:t>
             </a:fld>
             <a:endParaRPr lang="en-US"/>
           </a:p>
@@ -679,7 +680,7 @@
           <a:p>
             <a:fld id="{AD880408-622A-4071-A052-F5E03FFF4B10}" type="datetimeFigureOut">
               <a:rPr lang="en-US" smtClean="0"/>
-              <a:t>5/7/2018</a:t>
+              <a:t>5/10/2018</a:t>
             </a:fld>
             <a:endParaRPr lang="en-US"/>
           </a:p>
@@ -879,7 +880,7 @@
           <a:p>
             <a:fld id="{AD880408-622A-4071-A052-F5E03FFF4B10}" type="datetimeFigureOut">
               <a:rPr lang="en-US" smtClean="0"/>
-              <a:t>5/7/2018</a:t>
+              <a:t>5/10/2018</a:t>
             </a:fld>
             <a:endParaRPr lang="en-US"/>
           </a:p>
@@ -1155,7 +1156,7 @@
           <a:p>
             <a:fld id="{AD880408-622A-4071-A052-F5E03FFF4B10}" type="datetimeFigureOut">
               <a:rPr lang="en-US" smtClean="0"/>
-              <a:t>5/7/2018</a:t>
+              <a:t>5/10/2018</a:t>
             </a:fld>
             <a:endParaRPr lang="en-US"/>
           </a:p>
@@ -1423,7 +1424,7 @@
           <a:p>
             <a:fld id="{AD880408-622A-4071-A052-F5E03FFF4B10}" type="datetimeFigureOut">
               <a:rPr lang="en-US" smtClean="0"/>
-              <a:t>5/7/2018</a:t>
+              <a:t>5/10/2018</a:t>
             </a:fld>
             <a:endParaRPr lang="en-US"/>
           </a:p>
@@ -1838,7 +1839,7 @@
           <a:p>
             <a:fld id="{AD880408-622A-4071-A052-F5E03FFF4B10}" type="datetimeFigureOut">
               <a:rPr lang="en-US" smtClean="0"/>
-              <a:t>5/7/2018</a:t>
+              <a:t>5/10/2018</a:t>
             </a:fld>
             <a:endParaRPr lang="en-US"/>
           </a:p>
@@ -1980,7 +1981,7 @@
           <a:p>
             <a:fld id="{AD880408-622A-4071-A052-F5E03FFF4B10}" type="datetimeFigureOut">
               <a:rPr lang="en-US" smtClean="0"/>
-              <a:t>5/7/2018</a:t>
+              <a:t>5/10/2018</a:t>
             </a:fld>
             <a:endParaRPr lang="en-US"/>
           </a:p>
@@ -2093,7 +2094,7 @@
           <a:p>
             <a:fld id="{AD880408-622A-4071-A052-F5E03FFF4B10}" type="datetimeFigureOut">
               <a:rPr lang="en-US" smtClean="0"/>
-              <a:t>5/7/2018</a:t>
+              <a:t>5/10/2018</a:t>
             </a:fld>
             <a:endParaRPr lang="en-US"/>
           </a:p>
@@ -2406,7 +2407,7 @@
           <a:p>
             <a:fld id="{AD880408-622A-4071-A052-F5E03FFF4B10}" type="datetimeFigureOut">
               <a:rPr lang="en-US" smtClean="0"/>
-              <a:t>5/7/2018</a:t>
+              <a:t>5/10/2018</a:t>
             </a:fld>
             <a:endParaRPr lang="en-US"/>
           </a:p>
@@ -2695,7 +2696,7 @@
           <a:p>
             <a:fld id="{AD880408-622A-4071-A052-F5E03FFF4B10}" type="datetimeFigureOut">
               <a:rPr lang="en-US" smtClean="0"/>
-              <a:t>5/7/2018</a:t>
+              <a:t>5/10/2018</a:t>
             </a:fld>
             <a:endParaRPr lang="en-US"/>
           </a:p>
@@ -2938,7 +2939,7 @@
           <a:p>
             <a:fld id="{AD880408-622A-4071-A052-F5E03FFF4B10}" type="datetimeFigureOut">
               <a:rPr lang="en-US" smtClean="0"/>
-              <a:t>5/7/2018</a:t>
+              <a:t>5/10/2018</a:t>
             </a:fld>
             <a:endParaRPr lang="en-US"/>
           </a:p>
@@ -3418,6 +3419,143 @@
 </p:sld>
 </file>
 
+<file path=ppt/slides/slide10.xml><?xml version="1.0" encoding="utf-8"?>
+<p:sld xmlns:a="http://schemas.openxmlformats.org/drawingml/2006/main" xmlns:r="http://schemas.openxmlformats.org/officeDocument/2006/relationships" xmlns:p="http://schemas.openxmlformats.org/presentationml/2006/main">
+  <p:cSld>
+    <p:spTree>
+      <p:nvGrpSpPr>
+        <p:cNvPr id="1" name=""/>
+        <p:cNvGrpSpPr/>
+        <p:nvPr/>
+      </p:nvGrpSpPr>
+      <p:grpSpPr>
+        <a:xfrm>
+          <a:off x="0" y="0"/>
+          <a:ext cx="0" cy="0"/>
+          <a:chOff x="0" y="0"/>
+          <a:chExt cx="0" cy="0"/>
+        </a:xfrm>
+      </p:grpSpPr>
+      <p:pic>
+        <p:nvPicPr>
+          <p:cNvPr id="5" name="内容占位符 4">
+            <a:extLst>
+              <a:ext uri="{FF2B5EF4-FFF2-40B4-BE49-F238E27FC236}">
+                <a16:creationId xmlns:a16="http://schemas.microsoft.com/office/drawing/2014/main" id="{49B770A1-67AF-445D-886F-687CB225696E}"/>
+              </a:ext>
+            </a:extLst>
+          </p:cNvPr>
+          <p:cNvPicPr>
+            <a:picLocks noGrp="1" noChangeAspect="1"/>
+          </p:cNvPicPr>
+          <p:nvPr>
+            <p:ph idx="1"/>
+          </p:nvPr>
+        </p:nvPicPr>
+        <p:blipFill>
+          <a:blip r:embed="rId2">
+            <a:extLst>
+              <a:ext uri="{28A0092B-C50C-407E-A947-70E740481C1C}">
+                <a14:useLocalDpi xmlns:a14="http://schemas.microsoft.com/office/drawing/2010/main" val="0"/>
+              </a:ext>
+            </a:extLst>
+          </a:blip>
+          <a:stretch>
+            <a:fillRect/>
+          </a:stretch>
+        </p:blipFill>
+        <p:spPr>
+          <a:xfrm>
+            <a:off x="3777827" y="1253331"/>
+            <a:ext cx="4351338" cy="4351338"/>
+          </a:xfrm>
+        </p:spPr>
+        <p:style>
+          <a:lnRef idx="2">
+            <a:schemeClr val="dk1"/>
+          </a:lnRef>
+          <a:fillRef idx="1">
+            <a:schemeClr val="lt1"/>
+          </a:fillRef>
+          <a:effectRef idx="0">
+            <a:schemeClr val="dk1"/>
+          </a:effectRef>
+          <a:fontRef idx="minor">
+            <a:schemeClr val="dk1"/>
+          </a:fontRef>
+        </p:style>
+      </p:pic>
+      <p:sp>
+        <p:nvSpPr>
+          <p:cNvPr id="6" name="文本框 5">
+            <a:extLst>
+              <a:ext uri="{FF2B5EF4-FFF2-40B4-BE49-F238E27FC236}">
+                <a16:creationId xmlns:a16="http://schemas.microsoft.com/office/drawing/2014/main" id="{75B5B689-8B27-4B3D-B71B-1E684FAF03E7}"/>
+              </a:ext>
+            </a:extLst>
+          </p:cNvPr>
+          <p:cNvSpPr txBox="1"/>
+          <p:nvPr/>
+        </p:nvSpPr>
+        <p:spPr>
+          <a:xfrm>
+            <a:off x="4275117" y="2113807"/>
+            <a:ext cx="3443843" cy="784830"/>
+          </a:xfrm>
+          <a:prstGeom prst="rect">
+            <a:avLst/>
+          </a:prstGeom>
+          <a:ln>
+            <a:noFill/>
+          </a:ln>
+        </p:spPr>
+        <p:style>
+          <a:lnRef idx="2">
+            <a:schemeClr val="dk1"/>
+          </a:lnRef>
+          <a:fillRef idx="1">
+            <a:schemeClr val="lt1"/>
+          </a:fillRef>
+          <a:effectRef idx="0">
+            <a:schemeClr val="dk1"/>
+          </a:effectRef>
+          <a:fontRef idx="minor">
+            <a:schemeClr val="dk1"/>
+          </a:fontRef>
+        </p:style>
+        <p:txBody>
+          <a:bodyPr wrap="square" rtlCol="0">
+            <a:spAutoFit/>
+          </a:bodyPr>
+          <a:lstStyle/>
+          <a:p>
+            <a:pPr algn="ctr"/>
+            <a:r>
+              <a:rPr lang="en-US" sz="4500" dirty="0">
+                <a:solidFill>
+                  <a:srgbClr val="32BF99"/>
+                </a:solidFill>
+                <a:latin typeface="Berlin Sans FB" panose="020E0602020502020306" pitchFamily="34" charset="0"/>
+                <a:cs typeface="Times New Roman" panose="02020603050405020304" pitchFamily="18" charset="0"/>
+              </a:rPr>
+              <a:t>Success</a:t>
+            </a:r>
+          </a:p>
+        </p:txBody>
+      </p:sp>
+    </p:spTree>
+    <p:extLst>
+      <p:ext uri="{BB962C8B-B14F-4D97-AF65-F5344CB8AC3E}">
+        <p14:creationId xmlns:p14="http://schemas.microsoft.com/office/powerpoint/2010/main" val="1850865747"/>
+      </p:ext>
+    </p:extLst>
+  </p:cSld>
+  <p:clrMapOvr>
+    <a:masterClrMapping/>
+  </p:clrMapOvr>
+</p:sld>
+</file>
+
 <file path=ppt/slides/slide2.xml><?xml version="1.0" encoding="utf-8"?>
 <p:sld xmlns:a="http://schemas.openxmlformats.org/drawingml/2006/main" xmlns:r="http://schemas.openxmlformats.org/officeDocument/2006/relationships" xmlns:p="http://schemas.openxmlformats.org/presentationml/2006/main">
   <p:cSld>
@@ -12041,18 +12179,16 @@
         </p:spPr>
         <p:style>
           <a:lnRef idx="2">
-            <a:schemeClr val="accent6">
-              <a:shade val="50000"/>
-            </a:schemeClr>
+            <a:schemeClr val="dk1"/>
           </a:lnRef>
           <a:fillRef idx="1">
-            <a:schemeClr val="accent6"/>
+            <a:schemeClr val="lt1"/>
           </a:fillRef>
           <a:effectRef idx="0">
-            <a:schemeClr val="accent6"/>
+            <a:schemeClr val="dk1"/>
           </a:effectRef>
           <a:fontRef idx="minor">
-            <a:schemeClr val="lt1"/>
+            <a:schemeClr val="dk1"/>
           </a:fontRef>
         </p:style>
         <p:txBody>
@@ -12065,7 +12201,21 @@
                 <a:latin typeface="Times New Roman" panose="02020603050405020304" pitchFamily="18" charset="0"/>
                 <a:cs typeface="Times New Roman" panose="02020603050405020304" pitchFamily="18" charset="0"/>
               </a:rPr>
-              <a:t>Identification map show green; Call delay function</a:t>
+              <a:t>Identification map </a:t>
+            </a:r>
+            <a:r>
+              <a:rPr lang="en-US" dirty="0" smtClean="0">
+                <a:latin typeface="Times New Roman" panose="02020603050405020304" pitchFamily="18" charset="0"/>
+                <a:cs typeface="Times New Roman" panose="02020603050405020304" pitchFamily="18" charset="0"/>
+              </a:rPr>
+              <a:t>turn </a:t>
+            </a:r>
+            <a:r>
+              <a:rPr lang="en-US" dirty="0">
+                <a:latin typeface="Times New Roman" panose="02020603050405020304" pitchFamily="18" charset="0"/>
+                <a:cs typeface="Times New Roman" panose="02020603050405020304" pitchFamily="18" charset="0"/>
+              </a:rPr>
+              <a:t>green; Call delay function</a:t>
             </a:r>
           </a:p>
         </p:txBody>
@@ -12133,22 +12283,19 @@
           <a:prstGeom prst="rect">
             <a:avLst/>
           </a:prstGeom>
-          <a:solidFill>
-            <a:srgbClr val="FF0000"/>
-          </a:solidFill>
         </p:spPr>
         <p:style>
-          <a:lnRef idx="3">
-            <a:schemeClr val="lt1"/>
+          <a:lnRef idx="2">
+            <a:schemeClr val="dk1"/>
           </a:lnRef>
           <a:fillRef idx="1">
-            <a:schemeClr val="accent2"/>
+            <a:schemeClr val="lt1"/>
           </a:fillRef>
-          <a:effectRef idx="1">
-            <a:schemeClr val="accent2"/>
+          <a:effectRef idx="0">
+            <a:schemeClr val="dk1"/>
           </a:effectRef>
           <a:fontRef idx="minor">
-            <a:schemeClr val="lt1"/>
+            <a:schemeClr val="dk1"/>
           </a:fontRef>
         </p:style>
         <p:txBody>
@@ -12161,7 +12308,21 @@
                 <a:latin typeface="Times New Roman" panose="02020603050405020304" pitchFamily="18" charset="0"/>
                 <a:cs typeface="Times New Roman" panose="02020603050405020304" pitchFamily="18" charset="0"/>
               </a:rPr>
-              <a:t>Identification map show red</a:t>
+              <a:t>Identification map </a:t>
+            </a:r>
+            <a:r>
+              <a:rPr lang="en-US" dirty="0" smtClean="0">
+                <a:latin typeface="Times New Roman" panose="02020603050405020304" pitchFamily="18" charset="0"/>
+                <a:cs typeface="Times New Roman" panose="02020603050405020304" pitchFamily="18" charset="0"/>
+              </a:rPr>
+              <a:t>turn </a:t>
+            </a:r>
+            <a:r>
+              <a:rPr lang="en-US" dirty="0">
+                <a:latin typeface="Times New Roman" panose="02020603050405020304" pitchFamily="18" charset="0"/>
+                <a:cs typeface="Times New Roman" panose="02020603050405020304" pitchFamily="18" charset="0"/>
+              </a:rPr>
+              <a:t>red</a:t>
             </a:r>
           </a:p>
         </p:txBody>
@@ -12256,7 +12417,7 @@
         </p:nvSpPr>
         <p:spPr>
           <a:xfrm>
-            <a:off x="8206656" y="1656316"/>
+            <a:off x="8047758" y="1643408"/>
             <a:ext cx="2216120" cy="849827"/>
           </a:xfrm>
           <a:prstGeom prst="rect">
@@ -12287,7 +12448,21 @@
                 <a:latin typeface="Times New Roman" panose="02020603050405020304" pitchFamily="18" charset="0"/>
                 <a:cs typeface="Times New Roman" panose="02020603050405020304" pitchFamily="18" charset="0"/>
               </a:rPr>
-              <a:t>The earth model rotate</a:t>
+              <a:t>The </a:t>
+            </a:r>
+            <a:r>
+              <a:rPr lang="en-US" dirty="0" smtClean="0">
+                <a:latin typeface="Times New Roman" panose="02020603050405020304" pitchFamily="18" charset="0"/>
+                <a:cs typeface="Times New Roman" panose="02020603050405020304" pitchFamily="18" charset="0"/>
+              </a:rPr>
+              <a:t>Earth </a:t>
+            </a:r>
+            <a:r>
+              <a:rPr lang="en-US" dirty="0">
+                <a:latin typeface="Times New Roman" panose="02020603050405020304" pitchFamily="18" charset="0"/>
+                <a:cs typeface="Times New Roman" panose="02020603050405020304" pitchFamily="18" charset="0"/>
+              </a:rPr>
+              <a:t>rotate</a:t>
             </a:r>
           </a:p>
         </p:txBody>
@@ -12398,7 +12573,7 @@
         </p:nvSpPr>
         <p:spPr>
           <a:xfrm>
-            <a:off x="95501" y="3010394"/>
+            <a:off x="201077" y="3010393"/>
             <a:ext cx="1379520" cy="1531917"/>
           </a:xfrm>
           <a:prstGeom prst="rect">
@@ -12452,8 +12627,8 @@
         </p:nvCxnSpPr>
         <p:spPr>
           <a:xfrm>
-            <a:off x="1475021" y="3776353"/>
-            <a:ext cx="435924" cy="0"/>
+            <a:off x="1580597" y="3776352"/>
+            <a:ext cx="330348" cy="1"/>
           </a:xfrm>
           <a:prstGeom prst="straightConnector1">
             <a:avLst/>
@@ -12494,9 +12669,9 @@
           <p:nvPr/>
         </p:nvCxnSpPr>
         <p:spPr>
-          <a:xfrm flipV="1">
-            <a:off x="7759833" y="2081230"/>
-            <a:ext cx="446823" cy="7340"/>
+          <a:xfrm>
+            <a:off x="7695210" y="2068322"/>
+            <a:ext cx="352548" cy="0"/>
           </a:xfrm>
           <a:prstGeom prst="straightConnector1">
             <a:avLst/>
@@ -12577,8 +12752,8 @@
         </p:nvSpPr>
         <p:spPr>
           <a:xfrm>
-            <a:off x="6068971" y="1631370"/>
-            <a:ext cx="1690862" cy="914400"/>
+            <a:off x="6068971" y="1643408"/>
+            <a:ext cx="1626239" cy="849827"/>
           </a:xfrm>
           <a:prstGeom prst="rect">
             <a:avLst/>
@@ -12608,8 +12783,19 @@
                 <a:latin typeface="Times New Roman" panose="02020603050405020304" pitchFamily="18" charset="0"/>
                 <a:cs typeface="Times New Roman" panose="02020603050405020304" pitchFamily="18" charset="0"/>
               </a:rPr>
-              <a:t>Click the Screen</a:t>
+              <a:t>Click the </a:t>
             </a:r>
+            <a:r>
+              <a:rPr lang="en-US" dirty="0" smtClean="0">
+                <a:latin typeface="Times New Roman" panose="02020603050405020304" pitchFamily="18" charset="0"/>
+                <a:cs typeface="Times New Roman" panose="02020603050405020304" pitchFamily="18" charset="0"/>
+              </a:rPr>
+              <a:t>Earth</a:t>
+            </a:r>
+            <a:endParaRPr lang="en-US" dirty="0">
+              <a:latin typeface="Times New Roman" panose="02020603050405020304" pitchFamily="18" charset="0"/>
+              <a:cs typeface="Times New Roman" panose="02020603050405020304" pitchFamily="18" charset="0"/>
+            </a:endParaRPr>
           </a:p>
         </p:txBody>
       </p:sp>
@@ -12627,8 +12813,8 @@
         </p:nvSpPr>
         <p:spPr>
           <a:xfrm>
-            <a:off x="8469285" y="3013734"/>
-            <a:ext cx="1690862" cy="914400"/>
+            <a:off x="8310387" y="3000826"/>
+            <a:ext cx="1690862" cy="775526"/>
           </a:xfrm>
           <a:prstGeom prst="rect">
             <a:avLst/>
@@ -12658,8 +12844,19 @@
                 <a:latin typeface="Times New Roman" panose="02020603050405020304" pitchFamily="18" charset="0"/>
                 <a:cs typeface="Times New Roman" panose="02020603050405020304" pitchFamily="18" charset="0"/>
               </a:rPr>
-              <a:t>Click the Screen</a:t>
+              <a:t>Click the </a:t>
             </a:r>
+            <a:r>
+              <a:rPr lang="en-US" dirty="0">
+                <a:latin typeface="Times New Roman" panose="02020603050405020304" pitchFamily="18" charset="0"/>
+                <a:cs typeface="Times New Roman" panose="02020603050405020304" pitchFamily="18" charset="0"/>
+              </a:rPr>
+              <a:t>Earth</a:t>
+            </a:r>
+            <a:endParaRPr lang="en-US" dirty="0">
+              <a:latin typeface="Times New Roman" panose="02020603050405020304" pitchFamily="18" charset="0"/>
+              <a:cs typeface="Times New Roman" panose="02020603050405020304" pitchFamily="18" charset="0"/>
+            </a:endParaRPr>
           </a:p>
         </p:txBody>
       </p:sp>
@@ -12680,7 +12877,7 @@
         </p:nvCxnSpPr>
         <p:spPr>
           <a:xfrm>
-            <a:off x="9314716" y="2506143"/>
+            <a:off x="9155818" y="2493235"/>
             <a:ext cx="0" cy="507591"/>
           </a:xfrm>
           <a:prstGeom prst="straightConnector1">
@@ -12719,7 +12916,7 @@
         </p:nvSpPr>
         <p:spPr>
           <a:xfrm>
-            <a:off x="8206656" y="4435725"/>
+            <a:off x="8047758" y="4117396"/>
             <a:ext cx="2216120" cy="849827"/>
           </a:xfrm>
           <a:prstGeom prst="rect">
@@ -12772,8 +12969,8 @@
         </p:nvCxnSpPr>
         <p:spPr>
           <a:xfrm>
-            <a:off x="9314716" y="3928134"/>
-            <a:ext cx="0" cy="507591"/>
+            <a:off x="9155818" y="3776352"/>
+            <a:ext cx="0" cy="341044"/>
           </a:xfrm>
           <a:prstGeom prst="straightConnector1">
             <a:avLst/>
@@ -12827,78 +13024,26 @@
           <a:chExt cx="0" cy="0"/>
         </a:xfrm>
       </p:grpSpPr>
-      <p:pic>
-        <p:nvPicPr>
-          <p:cNvPr id="5" name="内容占位符 4">
+      <p:sp>
+        <p:nvSpPr>
+          <p:cNvPr id="37" name="矩形 36">
             <a:extLst>
               <a:ext uri="{FF2B5EF4-FFF2-40B4-BE49-F238E27FC236}">
-                <a16:creationId xmlns:a16="http://schemas.microsoft.com/office/drawing/2014/main" id="{49B770A1-67AF-445D-886F-687CB225696E}"/>
+                <a16:creationId xmlns:a16="http://schemas.microsoft.com/office/drawing/2014/main" id="{7BE92F61-FE33-49BF-B30A-46435B6EDB52}"/>
               </a:ext>
             </a:extLst>
           </p:cNvPr>
-          <p:cNvPicPr>
-            <a:picLocks noGrp="1" noChangeAspect="1"/>
-          </p:cNvPicPr>
-          <p:nvPr>
-            <p:ph idx="1"/>
-          </p:nvPr>
-        </p:nvPicPr>
-        <p:blipFill>
-          <a:blip r:embed="rId2">
-            <a:extLst>
-              <a:ext uri="{28A0092B-C50C-407E-A947-70E740481C1C}">
-                <a14:useLocalDpi xmlns:a14="http://schemas.microsoft.com/office/drawing/2010/main" val="0"/>
-              </a:ext>
-            </a:extLst>
-          </a:blip>
-          <a:stretch>
-            <a:fillRect/>
-          </a:stretch>
-        </p:blipFill>
-        <p:spPr>
-          <a:xfrm>
-            <a:off x="3777827" y="1253331"/>
-            <a:ext cx="4351338" cy="4351338"/>
-          </a:xfrm>
-        </p:spPr>
-        <p:style>
-          <a:lnRef idx="2">
-            <a:schemeClr val="dk1"/>
-          </a:lnRef>
-          <a:fillRef idx="1">
-            <a:schemeClr val="lt1"/>
-          </a:fillRef>
-          <a:effectRef idx="0">
-            <a:schemeClr val="dk1"/>
-          </a:effectRef>
-          <a:fontRef idx="minor">
-            <a:schemeClr val="dk1"/>
-          </a:fontRef>
-        </p:style>
-      </p:pic>
-      <p:sp>
-        <p:nvSpPr>
-          <p:cNvPr id="6" name="文本框 5">
-            <a:extLst>
-              <a:ext uri="{FF2B5EF4-FFF2-40B4-BE49-F238E27FC236}">
-                <a16:creationId xmlns:a16="http://schemas.microsoft.com/office/drawing/2014/main" id="{75B5B689-8B27-4B3D-B71B-1E684FAF03E7}"/>
-              </a:ext>
-            </a:extLst>
-          </p:cNvPr>
-          <p:cNvSpPr txBox="1"/>
+          <p:cNvSpPr/>
           <p:nvPr/>
         </p:nvSpPr>
         <p:spPr>
           <a:xfrm>
-            <a:off x="4275117" y="2113807"/>
-            <a:ext cx="3443843" cy="784830"/>
+            <a:off x="1555668" y="3018636"/>
+            <a:ext cx="2008108" cy="1531917"/>
           </a:xfrm>
           <a:prstGeom prst="rect">
             <a:avLst/>
           </a:prstGeom>
-          <a:ln>
-            <a:noFill/>
-          </a:ln>
         </p:spPr>
         <p:style>
           <a:lnRef idx="2">
@@ -12915,29 +13060,367 @@
           </a:fontRef>
         </p:style>
         <p:txBody>
-          <a:bodyPr wrap="square" rtlCol="0">
-            <a:spAutoFit/>
-          </a:bodyPr>
+          <a:bodyPr rtlCol="0" anchor="ctr"/>
           <a:lstStyle/>
           <a:p>
             <a:pPr algn="ctr"/>
             <a:r>
-              <a:rPr lang="en-US" sz="4500" dirty="0">
-                <a:solidFill>
-                  <a:srgbClr val="32BF99"/>
-                </a:solidFill>
-                <a:latin typeface="Berlin Sans FB" panose="020E0602020502020306" pitchFamily="34" charset="0"/>
+              <a:rPr lang="en-US" dirty="0">
+                <a:latin typeface="Times New Roman" panose="02020603050405020304" pitchFamily="18" charset="0"/>
                 <a:cs typeface="Times New Roman" panose="02020603050405020304" pitchFamily="18" charset="0"/>
               </a:rPr>
-              <a:t>Success</a:t>
+              <a:t>Scan the identification </a:t>
+            </a:r>
+            <a:r>
+              <a:rPr lang="en-US" dirty="0" smtClean="0">
+                <a:latin typeface="Times New Roman" panose="02020603050405020304" pitchFamily="18" charset="0"/>
+                <a:cs typeface="Times New Roman" panose="02020603050405020304" pitchFamily="18" charset="0"/>
+              </a:rPr>
+              <a:t>map1 </a:t>
+            </a:r>
+            <a:r>
+              <a:rPr lang="en-US" dirty="0">
+                <a:latin typeface="Times New Roman" panose="02020603050405020304" pitchFamily="18" charset="0"/>
+                <a:cs typeface="Times New Roman" panose="02020603050405020304" pitchFamily="18" charset="0"/>
+              </a:rPr>
+              <a:t>with camera</a:t>
             </a:r>
           </a:p>
         </p:txBody>
       </p:sp>
+      <p:cxnSp>
+        <p:nvCxnSpPr>
+          <p:cNvPr id="51" name="直接箭头连接符 50">
+            <a:extLst>
+              <a:ext uri="{FF2B5EF4-FFF2-40B4-BE49-F238E27FC236}">
+                <a16:creationId xmlns:a16="http://schemas.microsoft.com/office/drawing/2014/main" id="{49B12BB1-D6E3-460B-8EA0-C6DD2796B0A4}"/>
+              </a:ext>
+            </a:extLst>
+          </p:cNvPr>
+          <p:cNvCxnSpPr>
+            <a:cxnSpLocks/>
+            <a:stCxn id="37" idx="3"/>
+            <a:endCxn id="20" idx="1"/>
+          </p:cNvCxnSpPr>
+          <p:nvPr/>
+        </p:nvCxnSpPr>
+        <p:spPr>
+          <a:xfrm flipV="1">
+            <a:off x="3563776" y="3784594"/>
+            <a:ext cx="319032" cy="1"/>
+          </a:xfrm>
+          <a:prstGeom prst="straightConnector1">
+            <a:avLst/>
+          </a:prstGeom>
+          <a:ln>
+            <a:tailEnd type="triangle"/>
+          </a:ln>
+        </p:spPr>
+        <p:style>
+          <a:lnRef idx="1">
+            <a:schemeClr val="accent1"/>
+          </a:lnRef>
+          <a:fillRef idx="0">
+            <a:schemeClr val="accent1"/>
+          </a:fillRef>
+          <a:effectRef idx="0">
+            <a:schemeClr val="accent1"/>
+          </a:effectRef>
+          <a:fontRef idx="minor">
+            <a:schemeClr val="tx1"/>
+          </a:fontRef>
+        </p:style>
+      </p:cxnSp>
+      <p:sp>
+        <p:nvSpPr>
+          <p:cNvPr id="20" name="矩形 19">
+            <a:extLst>
+              <a:ext uri="{FF2B5EF4-FFF2-40B4-BE49-F238E27FC236}">
+                <a16:creationId xmlns:a16="http://schemas.microsoft.com/office/drawing/2014/main" id="{7BE92F61-FE33-49BF-B30A-46435B6EDB52}"/>
+              </a:ext>
+            </a:extLst>
+          </p:cNvPr>
+          <p:cNvSpPr/>
+          <p:nvPr/>
+        </p:nvSpPr>
+        <p:spPr>
+          <a:xfrm>
+            <a:off x="3882808" y="3018635"/>
+            <a:ext cx="1814563" cy="1531917"/>
+          </a:xfrm>
+          <a:prstGeom prst="rect">
+            <a:avLst/>
+          </a:prstGeom>
+        </p:spPr>
+        <p:style>
+          <a:lnRef idx="2">
+            <a:schemeClr val="dk1"/>
+          </a:lnRef>
+          <a:fillRef idx="1">
+            <a:schemeClr val="lt1"/>
+          </a:fillRef>
+          <a:effectRef idx="0">
+            <a:schemeClr val="dk1"/>
+          </a:effectRef>
+          <a:fontRef idx="minor">
+            <a:schemeClr val="dk1"/>
+          </a:fontRef>
+        </p:style>
+        <p:txBody>
+          <a:bodyPr rtlCol="0" anchor="ctr"/>
+          <a:lstStyle/>
+          <a:p>
+            <a:pPr algn="ctr"/>
+            <a:r>
+              <a:rPr lang="en-US" dirty="0" smtClean="0">
+                <a:latin typeface="Times New Roman" panose="02020603050405020304" pitchFamily="18" charset="0"/>
+                <a:cs typeface="Times New Roman" panose="02020603050405020304" pitchFamily="18" charset="0"/>
+              </a:rPr>
+              <a:t>Color </a:t>
+            </a:r>
+            <a:r>
+              <a:rPr lang="en-US" dirty="0" smtClean="0">
+                <a:latin typeface="Times New Roman" panose="02020603050405020304" pitchFamily="18" charset="0"/>
+                <a:cs typeface="Times New Roman" panose="02020603050405020304" pitchFamily="18" charset="0"/>
+              </a:rPr>
+              <a:t>the </a:t>
+            </a:r>
+            <a:r>
+              <a:rPr lang="en-US" dirty="0">
+                <a:latin typeface="Times New Roman" panose="02020603050405020304" pitchFamily="18" charset="0"/>
+                <a:cs typeface="Times New Roman" panose="02020603050405020304" pitchFamily="18" charset="0"/>
+              </a:rPr>
+              <a:t>identification </a:t>
+            </a:r>
+            <a:r>
+              <a:rPr lang="en-US" dirty="0" smtClean="0">
+                <a:latin typeface="Times New Roman" panose="02020603050405020304" pitchFamily="18" charset="0"/>
+                <a:cs typeface="Times New Roman" panose="02020603050405020304" pitchFamily="18" charset="0"/>
+              </a:rPr>
+              <a:t>map2 </a:t>
+            </a:r>
+            <a:endParaRPr lang="en-US" dirty="0">
+              <a:latin typeface="Times New Roman" panose="02020603050405020304" pitchFamily="18" charset="0"/>
+              <a:cs typeface="Times New Roman" panose="02020603050405020304" pitchFamily="18" charset="0"/>
+            </a:endParaRPr>
+          </a:p>
+        </p:txBody>
+      </p:sp>
+      <p:sp>
+        <p:nvSpPr>
+          <p:cNvPr id="23" name="矩形 22">
+            <a:extLst>
+              <a:ext uri="{FF2B5EF4-FFF2-40B4-BE49-F238E27FC236}">
+                <a16:creationId xmlns:a16="http://schemas.microsoft.com/office/drawing/2014/main" id="{7BE92F61-FE33-49BF-B30A-46435B6EDB52}"/>
+              </a:ext>
+            </a:extLst>
+          </p:cNvPr>
+          <p:cNvSpPr/>
+          <p:nvPr/>
+        </p:nvSpPr>
+        <p:spPr>
+          <a:xfrm>
+            <a:off x="6148633" y="3018635"/>
+            <a:ext cx="1974089" cy="1531917"/>
+          </a:xfrm>
+          <a:prstGeom prst="rect">
+            <a:avLst/>
+          </a:prstGeom>
+        </p:spPr>
+        <p:style>
+          <a:lnRef idx="2">
+            <a:schemeClr val="dk1"/>
+          </a:lnRef>
+          <a:fillRef idx="1">
+            <a:schemeClr val="lt1"/>
+          </a:fillRef>
+          <a:effectRef idx="0">
+            <a:schemeClr val="dk1"/>
+          </a:effectRef>
+          <a:fontRef idx="minor">
+            <a:schemeClr val="dk1"/>
+          </a:fontRef>
+        </p:style>
+        <p:txBody>
+          <a:bodyPr rtlCol="0" anchor="ctr"/>
+          <a:lstStyle/>
+          <a:p>
+            <a:pPr algn="ctr"/>
+            <a:r>
+              <a:rPr lang="en-US" dirty="0">
+                <a:latin typeface="Times New Roman" panose="02020603050405020304" pitchFamily="18" charset="0"/>
+                <a:cs typeface="Times New Roman" panose="02020603050405020304" pitchFamily="18" charset="0"/>
+              </a:rPr>
+              <a:t>Scan the identification </a:t>
+            </a:r>
+            <a:r>
+              <a:rPr lang="en-US" dirty="0" smtClean="0">
+                <a:latin typeface="Times New Roman" panose="02020603050405020304" pitchFamily="18" charset="0"/>
+                <a:cs typeface="Times New Roman" panose="02020603050405020304" pitchFamily="18" charset="0"/>
+              </a:rPr>
+              <a:t>map2 </a:t>
+            </a:r>
+            <a:r>
+              <a:rPr lang="en-US" dirty="0">
+                <a:latin typeface="Times New Roman" panose="02020603050405020304" pitchFamily="18" charset="0"/>
+                <a:cs typeface="Times New Roman" panose="02020603050405020304" pitchFamily="18" charset="0"/>
+              </a:rPr>
+              <a:t>with camera</a:t>
+            </a:r>
+          </a:p>
+        </p:txBody>
+      </p:sp>
+      <p:cxnSp>
+        <p:nvCxnSpPr>
+          <p:cNvPr id="24" name="直接箭头连接符 23">
+            <a:extLst>
+              <a:ext uri="{FF2B5EF4-FFF2-40B4-BE49-F238E27FC236}">
+                <a16:creationId xmlns:a16="http://schemas.microsoft.com/office/drawing/2014/main" id="{49B12BB1-D6E3-460B-8EA0-C6DD2796B0A4}"/>
+              </a:ext>
+            </a:extLst>
+          </p:cNvPr>
+          <p:cNvCxnSpPr>
+            <a:cxnSpLocks/>
+            <a:stCxn id="23" idx="3"/>
+            <a:endCxn id="25" idx="1"/>
+          </p:cNvCxnSpPr>
+          <p:nvPr/>
+        </p:nvCxnSpPr>
+        <p:spPr>
+          <a:xfrm>
+            <a:off x="8122722" y="3784594"/>
+            <a:ext cx="508236" cy="0"/>
+          </a:xfrm>
+          <a:prstGeom prst="straightConnector1">
+            <a:avLst/>
+          </a:prstGeom>
+          <a:ln>
+            <a:tailEnd type="triangle"/>
+          </a:ln>
+        </p:spPr>
+        <p:style>
+          <a:lnRef idx="1">
+            <a:schemeClr val="accent1"/>
+          </a:lnRef>
+          <a:fillRef idx="0">
+            <a:schemeClr val="accent1"/>
+          </a:fillRef>
+          <a:effectRef idx="0">
+            <a:schemeClr val="accent1"/>
+          </a:effectRef>
+          <a:fontRef idx="minor">
+            <a:schemeClr val="tx1"/>
+          </a:fontRef>
+        </p:style>
+      </p:cxnSp>
+      <p:sp>
+        <p:nvSpPr>
+          <p:cNvPr id="25" name="矩形 24">
+            <a:extLst>
+              <a:ext uri="{FF2B5EF4-FFF2-40B4-BE49-F238E27FC236}">
+                <a16:creationId xmlns:a16="http://schemas.microsoft.com/office/drawing/2014/main" id="{7BE92F61-FE33-49BF-B30A-46435B6EDB52}"/>
+              </a:ext>
+            </a:extLst>
+          </p:cNvPr>
+          <p:cNvSpPr/>
+          <p:nvPr/>
+        </p:nvSpPr>
+        <p:spPr>
+          <a:xfrm>
+            <a:off x="8630958" y="3018635"/>
+            <a:ext cx="1410744" cy="1531917"/>
+          </a:xfrm>
+          <a:prstGeom prst="rect">
+            <a:avLst/>
+          </a:prstGeom>
+        </p:spPr>
+        <p:style>
+          <a:lnRef idx="2">
+            <a:schemeClr val="dk1"/>
+          </a:lnRef>
+          <a:fillRef idx="1">
+            <a:schemeClr val="lt1"/>
+          </a:fillRef>
+          <a:effectRef idx="0">
+            <a:schemeClr val="dk1"/>
+          </a:effectRef>
+          <a:fontRef idx="minor">
+            <a:schemeClr val="dk1"/>
+          </a:fontRef>
+        </p:style>
+        <p:txBody>
+          <a:bodyPr rtlCol="0" anchor="ctr"/>
+          <a:lstStyle/>
+          <a:p>
+            <a:pPr algn="ctr"/>
+            <a:r>
+              <a:rPr lang="en-US" dirty="0" smtClean="0">
+                <a:latin typeface="Times New Roman" panose="02020603050405020304" pitchFamily="18" charset="0"/>
+                <a:cs typeface="Times New Roman" panose="02020603050405020304" pitchFamily="18" charset="0"/>
+              </a:rPr>
+              <a:t>Show the 3D mo</a:t>
+            </a:r>
+            <a:r>
+              <a:rPr lang="en-US" dirty="0" smtClean="0">
+                <a:latin typeface="Times New Roman" panose="02020603050405020304" pitchFamily="18" charset="0"/>
+                <a:cs typeface="Times New Roman" panose="02020603050405020304" pitchFamily="18" charset="0"/>
+              </a:rPr>
+              <a:t>del</a:t>
+            </a:r>
+            <a:endParaRPr lang="en-US" dirty="0">
+              <a:latin typeface="Times New Roman" panose="02020603050405020304" pitchFamily="18" charset="0"/>
+              <a:cs typeface="Times New Roman" panose="02020603050405020304" pitchFamily="18" charset="0"/>
+            </a:endParaRPr>
+          </a:p>
+        </p:txBody>
+      </p:sp>
+      <p:cxnSp>
+        <p:nvCxnSpPr>
+          <p:cNvPr id="26" name="直接箭头连接符 25">
+            <a:extLst>
+              <a:ext uri="{FF2B5EF4-FFF2-40B4-BE49-F238E27FC236}">
+                <a16:creationId xmlns:a16="http://schemas.microsoft.com/office/drawing/2014/main" id="{49B12BB1-D6E3-460B-8EA0-C6DD2796B0A4}"/>
+              </a:ext>
+            </a:extLst>
+          </p:cNvPr>
+          <p:cNvCxnSpPr>
+            <a:cxnSpLocks/>
+            <a:stCxn id="20" idx="3"/>
+            <a:endCxn id="23" idx="1"/>
+          </p:cNvCxnSpPr>
+          <p:nvPr/>
+        </p:nvCxnSpPr>
+        <p:spPr>
+          <a:xfrm>
+            <a:off x="5697371" y="3784594"/>
+            <a:ext cx="451262" cy="0"/>
+          </a:xfrm>
+          <a:prstGeom prst="straightConnector1">
+            <a:avLst/>
+          </a:prstGeom>
+          <a:ln>
+            <a:tailEnd type="triangle"/>
+          </a:ln>
+        </p:spPr>
+        <p:style>
+          <a:lnRef idx="1">
+            <a:schemeClr val="accent1"/>
+          </a:lnRef>
+          <a:fillRef idx="0">
+            <a:schemeClr val="accent1"/>
+          </a:fillRef>
+          <a:effectRef idx="0">
+            <a:schemeClr val="accent1"/>
+          </a:effectRef>
+          <a:fontRef idx="minor">
+            <a:schemeClr val="tx1"/>
+          </a:fontRef>
+        </p:style>
+      </p:cxnSp>
     </p:spTree>
     <p:extLst>
       <p:ext uri="{BB962C8B-B14F-4D97-AF65-F5344CB8AC3E}">
-        <p14:creationId xmlns:p14="http://schemas.microsoft.com/office/powerpoint/2010/main" val="1850865747"/>
+        <p14:creationId xmlns:p14="http://schemas.microsoft.com/office/powerpoint/2010/main" val="1144603072"/>
       </p:ext>
     </p:extLst>
   </p:cSld>

--- a/bi_ye_lun_wen/cao gao/temp files.pptx
+++ b/bi_ye_lun_wen/cao gao/temp files.pptx
@@ -13,8 +13,11 @@
     <p:sldId id="262" r:id="rId7"/>
     <p:sldId id="263" r:id="rId8"/>
     <p:sldId id="265" r:id="rId9"/>
-    <p:sldId id="266" r:id="rId10"/>
-    <p:sldId id="264" r:id="rId11"/>
+    <p:sldId id="267" r:id="rId10"/>
+    <p:sldId id="268" r:id="rId11"/>
+    <p:sldId id="269" r:id="rId12"/>
+    <p:sldId id="266" r:id="rId13"/>
+    <p:sldId id="264" r:id="rId14"/>
   </p:sldIdLst>
   <p:sldSz cx="12192000" cy="6858000"/>
   <p:notesSz cx="6858000" cy="9144000"/>
@@ -270,7 +273,7 @@
           <a:p>
             <a:fld id="{AD880408-622A-4071-A052-F5E03FFF4B10}" type="datetimeFigureOut">
               <a:rPr lang="en-US" smtClean="0"/>
-              <a:t>5/10/2018</a:t>
+              <a:t>5/14/2018</a:t>
             </a:fld>
             <a:endParaRPr lang="en-US"/>
           </a:p>
@@ -470,7 +473,7 @@
           <a:p>
             <a:fld id="{AD880408-622A-4071-A052-F5E03FFF4B10}" type="datetimeFigureOut">
               <a:rPr lang="en-US" smtClean="0"/>
-              <a:t>5/10/2018</a:t>
+              <a:t>5/14/2018</a:t>
             </a:fld>
             <a:endParaRPr lang="en-US"/>
           </a:p>
@@ -680,7 +683,7 @@
           <a:p>
             <a:fld id="{AD880408-622A-4071-A052-F5E03FFF4B10}" type="datetimeFigureOut">
               <a:rPr lang="en-US" smtClean="0"/>
-              <a:t>5/10/2018</a:t>
+              <a:t>5/14/2018</a:t>
             </a:fld>
             <a:endParaRPr lang="en-US"/>
           </a:p>
@@ -880,7 +883,7 @@
           <a:p>
             <a:fld id="{AD880408-622A-4071-A052-F5E03FFF4B10}" type="datetimeFigureOut">
               <a:rPr lang="en-US" smtClean="0"/>
-              <a:t>5/10/2018</a:t>
+              <a:t>5/14/2018</a:t>
             </a:fld>
             <a:endParaRPr lang="en-US"/>
           </a:p>
@@ -1156,7 +1159,7 @@
           <a:p>
             <a:fld id="{AD880408-622A-4071-A052-F5E03FFF4B10}" type="datetimeFigureOut">
               <a:rPr lang="en-US" smtClean="0"/>
-              <a:t>5/10/2018</a:t>
+              <a:t>5/14/2018</a:t>
             </a:fld>
             <a:endParaRPr lang="en-US"/>
           </a:p>
@@ -1424,7 +1427,7 @@
           <a:p>
             <a:fld id="{AD880408-622A-4071-A052-F5E03FFF4B10}" type="datetimeFigureOut">
               <a:rPr lang="en-US" smtClean="0"/>
-              <a:t>5/10/2018</a:t>
+              <a:t>5/14/2018</a:t>
             </a:fld>
             <a:endParaRPr lang="en-US"/>
           </a:p>
@@ -1839,7 +1842,7 @@
           <a:p>
             <a:fld id="{AD880408-622A-4071-A052-F5E03FFF4B10}" type="datetimeFigureOut">
               <a:rPr lang="en-US" smtClean="0"/>
-              <a:t>5/10/2018</a:t>
+              <a:t>5/14/2018</a:t>
             </a:fld>
             <a:endParaRPr lang="en-US"/>
           </a:p>
@@ -1981,7 +1984,7 @@
           <a:p>
             <a:fld id="{AD880408-622A-4071-A052-F5E03FFF4B10}" type="datetimeFigureOut">
               <a:rPr lang="en-US" smtClean="0"/>
-              <a:t>5/10/2018</a:t>
+              <a:t>5/14/2018</a:t>
             </a:fld>
             <a:endParaRPr lang="en-US"/>
           </a:p>
@@ -2094,7 +2097,7 @@
           <a:p>
             <a:fld id="{AD880408-622A-4071-A052-F5E03FFF4B10}" type="datetimeFigureOut">
               <a:rPr lang="en-US" smtClean="0"/>
-              <a:t>5/10/2018</a:t>
+              <a:t>5/14/2018</a:t>
             </a:fld>
             <a:endParaRPr lang="en-US"/>
           </a:p>
@@ -2407,7 +2410,7 @@
           <a:p>
             <a:fld id="{AD880408-622A-4071-A052-F5E03FFF4B10}" type="datetimeFigureOut">
               <a:rPr lang="en-US" smtClean="0"/>
-              <a:t>5/10/2018</a:t>
+              <a:t>5/14/2018</a:t>
             </a:fld>
             <a:endParaRPr lang="en-US"/>
           </a:p>
@@ -2696,7 +2699,7 @@
           <a:p>
             <a:fld id="{AD880408-622A-4071-A052-F5E03FFF4B10}" type="datetimeFigureOut">
               <a:rPr lang="en-US" smtClean="0"/>
-              <a:t>5/10/2018</a:t>
+              <a:t>5/14/2018</a:t>
             </a:fld>
             <a:endParaRPr lang="en-US"/>
           </a:p>
@@ -2939,7 +2942,7 @@
           <a:p>
             <a:fld id="{AD880408-622A-4071-A052-F5E03FFF4B10}" type="datetimeFigureOut">
               <a:rPr lang="en-US" smtClean="0"/>
-              <a:t>5/10/2018</a:t>
+              <a:t>5/14/2018</a:t>
             </a:fld>
             <a:endParaRPr lang="en-US"/>
           </a:p>
@@ -3436,6 +3439,2016 @@
           <a:chExt cx="0" cy="0"/>
         </a:xfrm>
       </p:grpSpPr>
+      <p:sp>
+        <p:nvSpPr>
+          <p:cNvPr id="14" name="矩形 13">
+            <a:extLst>
+              <a:ext uri="{FF2B5EF4-FFF2-40B4-BE49-F238E27FC236}">
+                <a16:creationId xmlns:a16="http://schemas.microsoft.com/office/drawing/2014/main" id="{8FEC9B02-D458-47A1-A1F5-9F144ABA9080}"/>
+              </a:ext>
+            </a:extLst>
+          </p:cNvPr>
+          <p:cNvSpPr/>
+          <p:nvPr/>
+        </p:nvSpPr>
+        <p:spPr>
+          <a:xfrm>
+            <a:off x="1295500" y="1410875"/>
+            <a:ext cx="5160935" cy="4036249"/>
+          </a:xfrm>
+          <a:prstGeom prst="rect">
+            <a:avLst/>
+          </a:prstGeom>
+        </p:spPr>
+        <p:style>
+          <a:lnRef idx="2">
+            <a:schemeClr val="dk1"/>
+          </a:lnRef>
+          <a:fillRef idx="1">
+            <a:schemeClr val="lt1"/>
+          </a:fillRef>
+          <a:effectRef idx="0">
+            <a:schemeClr val="dk1"/>
+          </a:effectRef>
+          <a:fontRef idx="minor">
+            <a:schemeClr val="dk1"/>
+          </a:fontRef>
+        </p:style>
+        <p:txBody>
+          <a:bodyPr rtlCol="0" anchor="ctr"/>
+          <a:lstStyle/>
+          <a:p>
+            <a:pPr algn="ctr"/>
+            <a:endParaRPr lang="en-US"/>
+          </a:p>
+        </p:txBody>
+      </p:sp>
+      <p:cxnSp>
+        <p:nvCxnSpPr>
+          <p:cNvPr id="5" name="直接连接符 4">
+            <a:extLst>
+              <a:ext uri="{FF2B5EF4-FFF2-40B4-BE49-F238E27FC236}">
+                <a16:creationId xmlns:a16="http://schemas.microsoft.com/office/drawing/2014/main" id="{B587489A-A37B-42EC-B749-F9E068CCD699}"/>
+              </a:ext>
+            </a:extLst>
+          </p:cNvPr>
+          <p:cNvCxnSpPr>
+            <a:cxnSpLocks/>
+          </p:cNvCxnSpPr>
+          <p:nvPr/>
+        </p:nvCxnSpPr>
+        <p:spPr>
+          <a:xfrm>
+            <a:off x="1295500" y="3413500"/>
+            <a:ext cx="5160936" cy="0"/>
+          </a:xfrm>
+          <a:prstGeom prst="line">
+            <a:avLst/>
+          </a:prstGeom>
+        </p:spPr>
+        <p:style>
+          <a:lnRef idx="3">
+            <a:schemeClr val="dk1"/>
+          </a:lnRef>
+          <a:fillRef idx="0">
+            <a:schemeClr val="dk1"/>
+          </a:fillRef>
+          <a:effectRef idx="2">
+            <a:schemeClr val="dk1"/>
+          </a:effectRef>
+          <a:fontRef idx="minor">
+            <a:schemeClr val="tx1"/>
+          </a:fontRef>
+        </p:style>
+      </p:cxnSp>
+      <p:cxnSp>
+        <p:nvCxnSpPr>
+          <p:cNvPr id="6" name="直接连接符 5">
+            <a:extLst>
+              <a:ext uri="{FF2B5EF4-FFF2-40B4-BE49-F238E27FC236}">
+                <a16:creationId xmlns:a16="http://schemas.microsoft.com/office/drawing/2014/main" id="{E63363A3-D388-438B-BC25-2B3917ED0BC1}"/>
+              </a:ext>
+            </a:extLst>
+          </p:cNvPr>
+          <p:cNvCxnSpPr>
+            <a:cxnSpLocks/>
+          </p:cNvCxnSpPr>
+          <p:nvPr/>
+        </p:nvCxnSpPr>
+        <p:spPr>
+          <a:xfrm flipV="1">
+            <a:off x="3875968" y="1410875"/>
+            <a:ext cx="1" cy="4036249"/>
+          </a:xfrm>
+          <a:prstGeom prst="line">
+            <a:avLst/>
+          </a:prstGeom>
+        </p:spPr>
+        <p:style>
+          <a:lnRef idx="3">
+            <a:schemeClr val="dk1"/>
+          </a:lnRef>
+          <a:fillRef idx="0">
+            <a:schemeClr val="dk1"/>
+          </a:fillRef>
+          <a:effectRef idx="2">
+            <a:schemeClr val="dk1"/>
+          </a:effectRef>
+          <a:fontRef idx="minor">
+            <a:schemeClr val="tx1"/>
+          </a:fontRef>
+        </p:style>
+      </p:cxnSp>
+      <p:sp>
+        <p:nvSpPr>
+          <p:cNvPr id="11" name="文本框 10">
+            <a:extLst>
+              <a:ext uri="{FF2B5EF4-FFF2-40B4-BE49-F238E27FC236}">
+                <a16:creationId xmlns:a16="http://schemas.microsoft.com/office/drawing/2014/main" id="{FB9D3862-D59F-41B3-A5E9-E253E39D7B57}"/>
+              </a:ext>
+            </a:extLst>
+          </p:cNvPr>
+          <p:cNvSpPr txBox="1"/>
+          <p:nvPr/>
+        </p:nvSpPr>
+        <p:spPr>
+          <a:xfrm>
+            <a:off x="3745770" y="3430568"/>
+            <a:ext cx="1112805" cy="369332"/>
+          </a:xfrm>
+          <a:prstGeom prst="rect">
+            <a:avLst/>
+          </a:prstGeom>
+          <a:noFill/>
+        </p:spPr>
+        <p:txBody>
+          <a:bodyPr wrap="square" rtlCol="0">
+            <a:spAutoFit/>
+          </a:bodyPr>
+          <a:lstStyle/>
+          <a:p>
+            <a:r>
+              <a:rPr lang="en-US" dirty="0"/>
+              <a:t>（0,0,0）</a:t>
+            </a:r>
+          </a:p>
+        </p:txBody>
+      </p:sp>
+      <p:sp>
+        <p:nvSpPr>
+          <p:cNvPr id="15" name="文本框 14">
+            <a:extLst>
+              <a:ext uri="{FF2B5EF4-FFF2-40B4-BE49-F238E27FC236}">
+                <a16:creationId xmlns:a16="http://schemas.microsoft.com/office/drawing/2014/main" id="{73AA4A56-88F8-4EA2-899B-47B133240E62}"/>
+              </a:ext>
+            </a:extLst>
+          </p:cNvPr>
+          <p:cNvSpPr txBox="1"/>
+          <p:nvPr/>
+        </p:nvSpPr>
+        <p:spPr>
+          <a:xfrm>
+            <a:off x="333503" y="441378"/>
+            <a:ext cx="2054420" cy="646331"/>
+          </a:xfrm>
+          <a:prstGeom prst="rect">
+            <a:avLst/>
+          </a:prstGeom>
+          <a:noFill/>
+        </p:spPr>
+        <p:txBody>
+          <a:bodyPr wrap="square" rtlCol="0">
+            <a:spAutoFit/>
+          </a:bodyPr>
+          <a:lstStyle/>
+          <a:p>
+            <a:r>
+              <a:rPr lang="en-US" dirty="0"/>
+              <a:t>targetAnglePoint1</a:t>
+            </a:r>
+          </a:p>
+          <a:p>
+            <a:r>
+              <a:rPr lang="en-US" dirty="0"/>
+              <a:t>（-X/2,Y/2,0）</a:t>
+            </a:r>
+          </a:p>
+        </p:txBody>
+      </p:sp>
+      <p:sp>
+        <p:nvSpPr>
+          <p:cNvPr id="16" name="文本框 15">
+            <a:extLst>
+              <a:ext uri="{FF2B5EF4-FFF2-40B4-BE49-F238E27FC236}">
+                <a16:creationId xmlns:a16="http://schemas.microsoft.com/office/drawing/2014/main" id="{D9DAFD51-66C5-4705-998F-C186063C6E03}"/>
+              </a:ext>
+            </a:extLst>
+          </p:cNvPr>
+          <p:cNvSpPr txBox="1"/>
+          <p:nvPr/>
+        </p:nvSpPr>
+        <p:spPr>
+          <a:xfrm>
+            <a:off x="5432204" y="493216"/>
+            <a:ext cx="1918040" cy="646331"/>
+          </a:xfrm>
+          <a:prstGeom prst="rect">
+            <a:avLst/>
+          </a:prstGeom>
+          <a:noFill/>
+        </p:spPr>
+        <p:txBody>
+          <a:bodyPr wrap="square" rtlCol="0">
+            <a:spAutoFit/>
+          </a:bodyPr>
+          <a:lstStyle/>
+          <a:p>
+            <a:r>
+              <a:rPr lang="en-US" dirty="0"/>
+              <a:t>targetAnglePoint3</a:t>
+            </a:r>
+          </a:p>
+          <a:p>
+            <a:r>
+              <a:rPr lang="en-US" dirty="0"/>
+              <a:t>（X/2,Y/2,0）</a:t>
+            </a:r>
+          </a:p>
+        </p:txBody>
+      </p:sp>
+      <p:sp>
+        <p:nvSpPr>
+          <p:cNvPr id="17" name="文本框 16">
+            <a:extLst>
+              <a:ext uri="{FF2B5EF4-FFF2-40B4-BE49-F238E27FC236}">
+                <a16:creationId xmlns:a16="http://schemas.microsoft.com/office/drawing/2014/main" id="{8E046BE2-A1B7-4742-85EE-418F88791C62}"/>
+              </a:ext>
+            </a:extLst>
+          </p:cNvPr>
+          <p:cNvSpPr txBox="1"/>
+          <p:nvPr/>
+        </p:nvSpPr>
+        <p:spPr>
+          <a:xfrm>
+            <a:off x="5607760" y="5548769"/>
+            <a:ext cx="1873497" cy="646331"/>
+          </a:xfrm>
+          <a:prstGeom prst="rect">
+            <a:avLst/>
+          </a:prstGeom>
+          <a:noFill/>
+        </p:spPr>
+        <p:txBody>
+          <a:bodyPr wrap="square" rtlCol="0">
+            <a:spAutoFit/>
+          </a:bodyPr>
+          <a:lstStyle/>
+          <a:p>
+            <a:r>
+              <a:rPr lang="en-US" dirty="0"/>
+              <a:t>targetAnglePoint4</a:t>
+            </a:r>
+          </a:p>
+          <a:p>
+            <a:r>
+              <a:rPr lang="en-US" dirty="0"/>
+              <a:t>（X/2,-Y/2,0）</a:t>
+            </a:r>
+          </a:p>
+        </p:txBody>
+      </p:sp>
+      <p:sp>
+        <p:nvSpPr>
+          <p:cNvPr id="18" name="文本框 17">
+            <a:extLst>
+              <a:ext uri="{FF2B5EF4-FFF2-40B4-BE49-F238E27FC236}">
+                <a16:creationId xmlns:a16="http://schemas.microsoft.com/office/drawing/2014/main" id="{97DBCBE5-0232-4A1F-A319-2B0BCCA7423D}"/>
+              </a:ext>
+            </a:extLst>
+          </p:cNvPr>
+          <p:cNvSpPr txBox="1"/>
+          <p:nvPr/>
+        </p:nvSpPr>
+        <p:spPr>
+          <a:xfrm>
+            <a:off x="657758" y="5548769"/>
+            <a:ext cx="1873496" cy="646331"/>
+          </a:xfrm>
+          <a:prstGeom prst="rect">
+            <a:avLst/>
+          </a:prstGeom>
+          <a:noFill/>
+        </p:spPr>
+        <p:txBody>
+          <a:bodyPr wrap="square" rtlCol="0">
+            <a:spAutoFit/>
+          </a:bodyPr>
+          <a:lstStyle/>
+          <a:p>
+            <a:r>
+              <a:rPr lang="en-US" dirty="0"/>
+              <a:t>targetAnglePoint2</a:t>
+            </a:r>
+          </a:p>
+          <a:p>
+            <a:r>
+              <a:rPr lang="en-US" dirty="0"/>
+              <a:t>（-X/2,-Y/2,0）</a:t>
+            </a:r>
+          </a:p>
+        </p:txBody>
+      </p:sp>
+      <p:sp>
+        <p:nvSpPr>
+          <p:cNvPr id="19" name="椭圆 18">
+            <a:extLst>
+              <a:ext uri="{FF2B5EF4-FFF2-40B4-BE49-F238E27FC236}">
+                <a16:creationId xmlns:a16="http://schemas.microsoft.com/office/drawing/2014/main" id="{A36E3DA3-E762-4D07-B58B-FF37752243FE}"/>
+              </a:ext>
+            </a:extLst>
+          </p:cNvPr>
+          <p:cNvSpPr/>
+          <p:nvPr/>
+        </p:nvSpPr>
+        <p:spPr>
+          <a:xfrm>
+            <a:off x="1207428" y="1352524"/>
+            <a:ext cx="153285" cy="144357"/>
+          </a:xfrm>
+          <a:prstGeom prst="ellipse">
+            <a:avLst/>
+          </a:prstGeom>
+        </p:spPr>
+        <p:style>
+          <a:lnRef idx="2">
+            <a:schemeClr val="dk1">
+              <a:shade val="50000"/>
+            </a:schemeClr>
+          </a:lnRef>
+          <a:fillRef idx="1">
+            <a:schemeClr val="dk1"/>
+          </a:fillRef>
+          <a:effectRef idx="0">
+            <a:schemeClr val="dk1"/>
+          </a:effectRef>
+          <a:fontRef idx="minor">
+            <a:schemeClr val="lt1"/>
+          </a:fontRef>
+        </p:style>
+        <p:txBody>
+          <a:bodyPr rtlCol="0" anchor="ctr"/>
+          <a:lstStyle/>
+          <a:p>
+            <a:pPr algn="ctr"/>
+            <a:endParaRPr lang="en-US"/>
+          </a:p>
+        </p:txBody>
+      </p:sp>
+      <p:sp>
+        <p:nvSpPr>
+          <p:cNvPr id="20" name="椭圆 19">
+            <a:extLst>
+              <a:ext uri="{FF2B5EF4-FFF2-40B4-BE49-F238E27FC236}">
+                <a16:creationId xmlns:a16="http://schemas.microsoft.com/office/drawing/2014/main" id="{EC2B1B19-A147-4385-A268-E54B19C7AEC8}"/>
+              </a:ext>
+            </a:extLst>
+          </p:cNvPr>
+          <p:cNvSpPr/>
+          <p:nvPr/>
+        </p:nvSpPr>
+        <p:spPr>
+          <a:xfrm>
+            <a:off x="6391224" y="1352524"/>
+            <a:ext cx="153285" cy="144357"/>
+          </a:xfrm>
+          <a:prstGeom prst="ellipse">
+            <a:avLst/>
+          </a:prstGeom>
+        </p:spPr>
+        <p:style>
+          <a:lnRef idx="2">
+            <a:schemeClr val="dk1">
+              <a:shade val="50000"/>
+            </a:schemeClr>
+          </a:lnRef>
+          <a:fillRef idx="1">
+            <a:schemeClr val="dk1"/>
+          </a:fillRef>
+          <a:effectRef idx="0">
+            <a:schemeClr val="dk1"/>
+          </a:effectRef>
+          <a:fontRef idx="minor">
+            <a:schemeClr val="lt1"/>
+          </a:fontRef>
+        </p:style>
+        <p:txBody>
+          <a:bodyPr rtlCol="0" anchor="ctr"/>
+          <a:lstStyle/>
+          <a:p>
+            <a:pPr algn="ctr"/>
+            <a:endParaRPr lang="en-US"/>
+          </a:p>
+        </p:txBody>
+      </p:sp>
+      <p:sp>
+        <p:nvSpPr>
+          <p:cNvPr id="21" name="椭圆 20">
+            <a:extLst>
+              <a:ext uri="{FF2B5EF4-FFF2-40B4-BE49-F238E27FC236}">
+                <a16:creationId xmlns:a16="http://schemas.microsoft.com/office/drawing/2014/main" id="{B1557336-D131-4CAE-A93D-BDDECECB73CF}"/>
+              </a:ext>
+            </a:extLst>
+          </p:cNvPr>
+          <p:cNvSpPr/>
+          <p:nvPr/>
+        </p:nvSpPr>
+        <p:spPr>
+          <a:xfrm>
+            <a:off x="6382425" y="5374945"/>
+            <a:ext cx="153285" cy="144357"/>
+          </a:xfrm>
+          <a:prstGeom prst="ellipse">
+            <a:avLst/>
+          </a:prstGeom>
+        </p:spPr>
+        <p:style>
+          <a:lnRef idx="2">
+            <a:schemeClr val="dk1">
+              <a:shade val="50000"/>
+            </a:schemeClr>
+          </a:lnRef>
+          <a:fillRef idx="1">
+            <a:schemeClr val="dk1"/>
+          </a:fillRef>
+          <a:effectRef idx="0">
+            <a:schemeClr val="dk1"/>
+          </a:effectRef>
+          <a:fontRef idx="minor">
+            <a:schemeClr val="lt1"/>
+          </a:fontRef>
+        </p:style>
+        <p:txBody>
+          <a:bodyPr rtlCol="0" anchor="ctr"/>
+          <a:lstStyle/>
+          <a:p>
+            <a:pPr algn="ctr"/>
+            <a:endParaRPr lang="en-US"/>
+          </a:p>
+        </p:txBody>
+      </p:sp>
+      <p:sp>
+        <p:nvSpPr>
+          <p:cNvPr id="22" name="椭圆 21">
+            <a:extLst>
+              <a:ext uri="{FF2B5EF4-FFF2-40B4-BE49-F238E27FC236}">
+                <a16:creationId xmlns:a16="http://schemas.microsoft.com/office/drawing/2014/main" id="{6F4CE066-1852-4F04-AF8F-DC3D66A5438F}"/>
+              </a:ext>
+            </a:extLst>
+          </p:cNvPr>
+          <p:cNvSpPr/>
+          <p:nvPr/>
+        </p:nvSpPr>
+        <p:spPr>
+          <a:xfrm>
+            <a:off x="1207428" y="5394830"/>
+            <a:ext cx="153285" cy="144357"/>
+          </a:xfrm>
+          <a:prstGeom prst="ellipse">
+            <a:avLst/>
+          </a:prstGeom>
+        </p:spPr>
+        <p:style>
+          <a:lnRef idx="2">
+            <a:schemeClr val="dk1">
+              <a:shade val="50000"/>
+            </a:schemeClr>
+          </a:lnRef>
+          <a:fillRef idx="1">
+            <a:schemeClr val="dk1"/>
+          </a:fillRef>
+          <a:effectRef idx="0">
+            <a:schemeClr val="dk1"/>
+          </a:effectRef>
+          <a:fontRef idx="minor">
+            <a:schemeClr val="lt1"/>
+          </a:fontRef>
+        </p:style>
+        <p:txBody>
+          <a:bodyPr rtlCol="0" anchor="ctr"/>
+          <a:lstStyle/>
+          <a:p>
+            <a:pPr algn="ctr"/>
+            <a:endParaRPr lang="en-US"/>
+          </a:p>
+        </p:txBody>
+      </p:sp>
+      <p:sp>
+        <p:nvSpPr>
+          <p:cNvPr id="25" name="箭头: 右 24">
+            <a:extLst>
+              <a:ext uri="{FF2B5EF4-FFF2-40B4-BE49-F238E27FC236}">
+                <a16:creationId xmlns:a16="http://schemas.microsoft.com/office/drawing/2014/main" id="{CCFC16EF-D011-45E6-8E79-4B5356541107}"/>
+              </a:ext>
+            </a:extLst>
+          </p:cNvPr>
+          <p:cNvSpPr/>
+          <p:nvPr/>
+        </p:nvSpPr>
+        <p:spPr>
+          <a:xfrm>
+            <a:off x="9059764" y="915208"/>
+            <a:ext cx="1074426" cy="646331"/>
+          </a:xfrm>
+          <a:prstGeom prst="rightArrow">
+            <a:avLst/>
+          </a:prstGeom>
+        </p:spPr>
+        <p:style>
+          <a:lnRef idx="2">
+            <a:schemeClr val="dk1"/>
+          </a:lnRef>
+          <a:fillRef idx="1">
+            <a:schemeClr val="lt1"/>
+          </a:fillRef>
+          <a:effectRef idx="0">
+            <a:schemeClr val="dk1"/>
+          </a:effectRef>
+          <a:fontRef idx="minor">
+            <a:schemeClr val="dk1"/>
+          </a:fontRef>
+        </p:style>
+        <p:txBody>
+          <a:bodyPr rtlCol="0" anchor="ctr"/>
+          <a:lstStyle/>
+          <a:p>
+            <a:pPr algn="ctr"/>
+            <a:endParaRPr lang="en-US"/>
+          </a:p>
+        </p:txBody>
+      </p:sp>
+      <p:sp>
+        <p:nvSpPr>
+          <p:cNvPr id="26" name="矩形 25">
+            <a:extLst>
+              <a:ext uri="{FF2B5EF4-FFF2-40B4-BE49-F238E27FC236}">
+                <a16:creationId xmlns:a16="http://schemas.microsoft.com/office/drawing/2014/main" id="{8C344E4A-95A0-4218-AD61-07E38C05F9FE}"/>
+              </a:ext>
+            </a:extLst>
+          </p:cNvPr>
+          <p:cNvSpPr/>
+          <p:nvPr/>
+        </p:nvSpPr>
+        <p:spPr>
+          <a:xfrm>
+            <a:off x="8383091" y="2264387"/>
+            <a:ext cx="2938618" cy="2298226"/>
+          </a:xfrm>
+          <a:prstGeom prst="rect">
+            <a:avLst/>
+          </a:prstGeom>
+        </p:spPr>
+        <p:style>
+          <a:lnRef idx="2">
+            <a:schemeClr val="dk1"/>
+          </a:lnRef>
+          <a:fillRef idx="1">
+            <a:schemeClr val="lt1"/>
+          </a:fillRef>
+          <a:effectRef idx="0">
+            <a:schemeClr val="dk1"/>
+          </a:effectRef>
+          <a:fontRef idx="minor">
+            <a:schemeClr val="dk1"/>
+          </a:fontRef>
+        </p:style>
+        <p:txBody>
+          <a:bodyPr rtlCol="0" anchor="ctr"/>
+          <a:lstStyle/>
+          <a:p>
+            <a:pPr algn="ctr"/>
+            <a:endParaRPr lang="en-US"/>
+          </a:p>
+        </p:txBody>
+      </p:sp>
+      <p:sp>
+        <p:nvSpPr>
+          <p:cNvPr id="27" name="矩形 26">
+            <a:extLst>
+              <a:ext uri="{FF2B5EF4-FFF2-40B4-BE49-F238E27FC236}">
+                <a16:creationId xmlns:a16="http://schemas.microsoft.com/office/drawing/2014/main" id="{C15AD3E9-1368-4576-9FCB-B2E473D409C0}"/>
+              </a:ext>
+            </a:extLst>
+          </p:cNvPr>
+          <p:cNvSpPr/>
+          <p:nvPr/>
+        </p:nvSpPr>
+        <p:spPr>
+          <a:xfrm>
+            <a:off x="7764350" y="1860085"/>
+            <a:ext cx="1197764" cy="369332"/>
+          </a:xfrm>
+          <a:prstGeom prst="rect">
+            <a:avLst/>
+          </a:prstGeom>
+        </p:spPr>
+        <p:txBody>
+          <a:bodyPr wrap="none">
+            <a:spAutoFit/>
+          </a:bodyPr>
+          <a:lstStyle/>
+          <a:p>
+            <a:r>
+              <a:rPr lang="en-US" dirty="0">
+                <a:solidFill>
+                  <a:srgbClr val="000000"/>
+                </a:solidFill>
+                <a:latin typeface="Consolas" panose="020B0609020204030204" pitchFamily="49" charset="0"/>
+              </a:rPr>
+              <a:t>P_Point1</a:t>
+            </a:r>
+            <a:endParaRPr lang="en-US" dirty="0"/>
+          </a:p>
+        </p:txBody>
+      </p:sp>
+      <p:sp>
+        <p:nvSpPr>
+          <p:cNvPr id="28" name="矩形 27">
+            <a:extLst>
+              <a:ext uri="{FF2B5EF4-FFF2-40B4-BE49-F238E27FC236}">
+                <a16:creationId xmlns:a16="http://schemas.microsoft.com/office/drawing/2014/main" id="{233819D0-BAB1-47C2-8580-F013BE51B292}"/>
+              </a:ext>
+            </a:extLst>
+          </p:cNvPr>
+          <p:cNvSpPr/>
+          <p:nvPr/>
+        </p:nvSpPr>
+        <p:spPr>
+          <a:xfrm>
+            <a:off x="10896500" y="1860085"/>
+            <a:ext cx="1197764" cy="369332"/>
+          </a:xfrm>
+          <a:prstGeom prst="rect">
+            <a:avLst/>
+          </a:prstGeom>
+        </p:spPr>
+        <p:txBody>
+          <a:bodyPr wrap="none">
+            <a:spAutoFit/>
+          </a:bodyPr>
+          <a:lstStyle/>
+          <a:p>
+            <a:r>
+              <a:rPr lang="en-US" dirty="0">
+                <a:solidFill>
+                  <a:srgbClr val="000000"/>
+                </a:solidFill>
+                <a:latin typeface="Consolas" panose="020B0609020204030204" pitchFamily="49" charset="0"/>
+              </a:rPr>
+              <a:t>P_Point3</a:t>
+            </a:r>
+            <a:endParaRPr lang="en-US" dirty="0"/>
+          </a:p>
+        </p:txBody>
+      </p:sp>
+      <p:sp>
+        <p:nvSpPr>
+          <p:cNvPr id="29" name="矩形 28">
+            <a:extLst>
+              <a:ext uri="{FF2B5EF4-FFF2-40B4-BE49-F238E27FC236}">
+                <a16:creationId xmlns:a16="http://schemas.microsoft.com/office/drawing/2014/main" id="{F1F6198D-F60A-4F71-AF34-E8D02DFB10A7}"/>
+              </a:ext>
+            </a:extLst>
+          </p:cNvPr>
+          <p:cNvSpPr/>
+          <p:nvPr/>
+        </p:nvSpPr>
+        <p:spPr>
+          <a:xfrm>
+            <a:off x="7764350" y="4628584"/>
+            <a:ext cx="1197764" cy="369332"/>
+          </a:xfrm>
+          <a:prstGeom prst="rect">
+            <a:avLst/>
+          </a:prstGeom>
+        </p:spPr>
+        <p:txBody>
+          <a:bodyPr wrap="none">
+            <a:spAutoFit/>
+          </a:bodyPr>
+          <a:lstStyle/>
+          <a:p>
+            <a:r>
+              <a:rPr lang="en-US" dirty="0">
+                <a:solidFill>
+                  <a:srgbClr val="000000"/>
+                </a:solidFill>
+                <a:latin typeface="Consolas" panose="020B0609020204030204" pitchFamily="49" charset="0"/>
+              </a:rPr>
+              <a:t>P_Point2</a:t>
+            </a:r>
+            <a:endParaRPr lang="en-US" dirty="0"/>
+          </a:p>
+        </p:txBody>
+      </p:sp>
+      <p:sp>
+        <p:nvSpPr>
+          <p:cNvPr id="30" name="矩形 29">
+            <a:extLst>
+              <a:ext uri="{FF2B5EF4-FFF2-40B4-BE49-F238E27FC236}">
+                <a16:creationId xmlns:a16="http://schemas.microsoft.com/office/drawing/2014/main" id="{2EDD641C-305E-4BBA-99C8-B8F997748406}"/>
+              </a:ext>
+            </a:extLst>
+          </p:cNvPr>
+          <p:cNvSpPr/>
+          <p:nvPr/>
+        </p:nvSpPr>
+        <p:spPr>
+          <a:xfrm>
+            <a:off x="10807369" y="4629626"/>
+            <a:ext cx="1197764" cy="369332"/>
+          </a:xfrm>
+          <a:prstGeom prst="rect">
+            <a:avLst/>
+          </a:prstGeom>
+        </p:spPr>
+        <p:txBody>
+          <a:bodyPr wrap="none">
+            <a:spAutoFit/>
+          </a:bodyPr>
+          <a:lstStyle/>
+          <a:p>
+            <a:r>
+              <a:rPr lang="en-US" dirty="0">
+                <a:solidFill>
+                  <a:srgbClr val="000000"/>
+                </a:solidFill>
+                <a:latin typeface="Consolas" panose="020B0609020204030204" pitchFamily="49" charset="0"/>
+              </a:rPr>
+              <a:t>P_Point4</a:t>
+            </a:r>
+            <a:endParaRPr lang="en-US" dirty="0"/>
+          </a:p>
+        </p:txBody>
+      </p:sp>
+    </p:spTree>
+    <p:extLst>
+      <p:ext uri="{BB962C8B-B14F-4D97-AF65-F5344CB8AC3E}">
+        <p14:creationId xmlns:p14="http://schemas.microsoft.com/office/powerpoint/2010/main" val="812547150"/>
+      </p:ext>
+    </p:extLst>
+  </p:cSld>
+  <p:clrMapOvr>
+    <a:masterClrMapping/>
+  </p:clrMapOvr>
+</p:sld>
+</file>
+
+<file path=ppt/slides/slide11.xml><?xml version="1.0" encoding="utf-8"?>
+<p:sld xmlns:a="http://schemas.openxmlformats.org/drawingml/2006/main" xmlns:r="http://schemas.openxmlformats.org/officeDocument/2006/relationships" xmlns:p="http://schemas.openxmlformats.org/presentationml/2006/main">
+  <p:cSld>
+    <p:spTree>
+      <p:nvGrpSpPr>
+        <p:cNvPr id="1" name=""/>
+        <p:cNvGrpSpPr/>
+        <p:nvPr/>
+      </p:nvGrpSpPr>
+      <p:grpSpPr>
+        <a:xfrm>
+          <a:off x="0" y="0"/>
+          <a:ext cx="0" cy="0"/>
+          <a:chOff x="0" y="0"/>
+          <a:chExt cx="0" cy="0"/>
+        </a:xfrm>
+      </p:grpSpPr>
+      <p:sp>
+        <p:nvSpPr>
+          <p:cNvPr id="6" name="矩形 5">
+            <a:extLst>
+              <a:ext uri="{FF2B5EF4-FFF2-40B4-BE49-F238E27FC236}">
+                <a16:creationId xmlns:a16="http://schemas.microsoft.com/office/drawing/2014/main" id="{319363E6-6F22-40F4-A4CF-E77239D579E8}"/>
+              </a:ext>
+            </a:extLst>
+          </p:cNvPr>
+          <p:cNvSpPr/>
+          <p:nvPr/>
+        </p:nvSpPr>
+        <p:spPr>
+          <a:xfrm>
+            <a:off x="2064326" y="419101"/>
+            <a:ext cx="7697191" cy="6019798"/>
+          </a:xfrm>
+          <a:prstGeom prst="rect">
+            <a:avLst/>
+          </a:prstGeom>
+        </p:spPr>
+        <p:style>
+          <a:lnRef idx="2">
+            <a:schemeClr val="dk1"/>
+          </a:lnRef>
+          <a:fillRef idx="1">
+            <a:schemeClr val="lt1"/>
+          </a:fillRef>
+          <a:effectRef idx="0">
+            <a:schemeClr val="dk1"/>
+          </a:effectRef>
+          <a:fontRef idx="minor">
+            <a:schemeClr val="dk1"/>
+          </a:fontRef>
+        </p:style>
+        <p:txBody>
+          <a:bodyPr rtlCol="0" anchor="ctr"/>
+          <a:lstStyle/>
+          <a:p>
+            <a:pPr algn="ctr"/>
+            <a:endParaRPr lang="en-US"/>
+          </a:p>
+        </p:txBody>
+      </p:sp>
+      <p:sp>
+        <p:nvSpPr>
+          <p:cNvPr id="4" name="矩形 3">
+            <a:extLst>
+              <a:ext uri="{FF2B5EF4-FFF2-40B4-BE49-F238E27FC236}">
+                <a16:creationId xmlns:a16="http://schemas.microsoft.com/office/drawing/2014/main" id="{8D065435-8B17-4379-9D31-E64103ACDA41}"/>
+              </a:ext>
+            </a:extLst>
+          </p:cNvPr>
+          <p:cNvSpPr/>
+          <p:nvPr/>
+        </p:nvSpPr>
+        <p:spPr>
+          <a:xfrm>
+            <a:off x="3289464" y="1421148"/>
+            <a:ext cx="5134665" cy="4015704"/>
+          </a:xfrm>
+          <a:prstGeom prst="rect">
+            <a:avLst/>
+          </a:prstGeom>
+          <a:ln w="38100"/>
+        </p:spPr>
+        <p:style>
+          <a:lnRef idx="1">
+            <a:schemeClr val="accent3"/>
+          </a:lnRef>
+          <a:fillRef idx="2">
+            <a:schemeClr val="accent3"/>
+          </a:fillRef>
+          <a:effectRef idx="1">
+            <a:schemeClr val="accent3"/>
+          </a:effectRef>
+          <a:fontRef idx="minor">
+            <a:schemeClr val="dk1"/>
+          </a:fontRef>
+        </p:style>
+        <p:txBody>
+          <a:bodyPr rtlCol="0" anchor="ctr"/>
+          <a:lstStyle/>
+          <a:p>
+            <a:pPr algn="ctr"/>
+            <a:endParaRPr lang="en-US"/>
+          </a:p>
+        </p:txBody>
+      </p:sp>
+      <p:sp>
+        <p:nvSpPr>
+          <p:cNvPr id="5" name="平行四边形 4">
+            <a:extLst>
+              <a:ext uri="{FF2B5EF4-FFF2-40B4-BE49-F238E27FC236}">
+                <a16:creationId xmlns:a16="http://schemas.microsoft.com/office/drawing/2014/main" id="{029E997C-E299-456A-B383-C6F61FE24078}"/>
+              </a:ext>
+            </a:extLst>
+          </p:cNvPr>
+          <p:cNvSpPr/>
+          <p:nvPr/>
+        </p:nvSpPr>
+        <p:spPr>
+          <a:xfrm>
+            <a:off x="3640917" y="1900052"/>
+            <a:ext cx="4431758" cy="2858656"/>
+          </a:xfrm>
+          <a:prstGeom prst="parallelogram">
+            <a:avLst/>
+          </a:prstGeom>
+          <a:ln w="38100"/>
+        </p:spPr>
+        <p:style>
+          <a:lnRef idx="2">
+            <a:schemeClr val="accent1">
+              <a:shade val="50000"/>
+            </a:schemeClr>
+          </a:lnRef>
+          <a:fillRef idx="1">
+            <a:schemeClr val="accent1"/>
+          </a:fillRef>
+          <a:effectRef idx="0">
+            <a:schemeClr val="accent1"/>
+          </a:effectRef>
+          <a:fontRef idx="minor">
+            <a:schemeClr val="lt1"/>
+          </a:fontRef>
+        </p:style>
+        <p:txBody>
+          <a:bodyPr rtlCol="0" anchor="ctr"/>
+          <a:lstStyle/>
+          <a:p>
+            <a:pPr algn="ctr"/>
+            <a:endParaRPr lang="en-US"/>
+          </a:p>
+        </p:txBody>
+      </p:sp>
+      <p:sp>
+        <p:nvSpPr>
+          <p:cNvPr id="7" name="椭圆 6">
+            <a:extLst>
+              <a:ext uri="{FF2B5EF4-FFF2-40B4-BE49-F238E27FC236}">
+                <a16:creationId xmlns:a16="http://schemas.microsoft.com/office/drawing/2014/main" id="{2148D5A7-F5CD-4516-84EF-28914BEE8267}"/>
+              </a:ext>
+            </a:extLst>
+          </p:cNvPr>
+          <p:cNvSpPr/>
+          <p:nvPr/>
+        </p:nvSpPr>
+        <p:spPr>
+          <a:xfrm>
+            <a:off x="4304805" y="1822862"/>
+            <a:ext cx="154379" cy="154379"/>
+          </a:xfrm>
+          <a:prstGeom prst="ellipse">
+            <a:avLst/>
+          </a:prstGeom>
+        </p:spPr>
+        <p:style>
+          <a:lnRef idx="2">
+            <a:schemeClr val="dk1">
+              <a:shade val="50000"/>
+            </a:schemeClr>
+          </a:lnRef>
+          <a:fillRef idx="1">
+            <a:schemeClr val="dk1"/>
+          </a:fillRef>
+          <a:effectRef idx="0">
+            <a:schemeClr val="dk1"/>
+          </a:effectRef>
+          <a:fontRef idx="minor">
+            <a:schemeClr val="lt1"/>
+          </a:fontRef>
+        </p:style>
+        <p:txBody>
+          <a:bodyPr rtlCol="0" anchor="ctr"/>
+          <a:lstStyle/>
+          <a:p>
+            <a:pPr algn="ctr"/>
+            <a:endParaRPr lang="en-US"/>
+          </a:p>
+        </p:txBody>
+      </p:sp>
+      <p:sp>
+        <p:nvSpPr>
+          <p:cNvPr id="8" name="椭圆 7">
+            <a:extLst>
+              <a:ext uri="{FF2B5EF4-FFF2-40B4-BE49-F238E27FC236}">
+                <a16:creationId xmlns:a16="http://schemas.microsoft.com/office/drawing/2014/main" id="{4A1BDC85-FDDE-48D1-B5E1-535F89B29EBD}"/>
+              </a:ext>
+            </a:extLst>
+          </p:cNvPr>
+          <p:cNvSpPr/>
+          <p:nvPr/>
+        </p:nvSpPr>
+        <p:spPr>
+          <a:xfrm>
+            <a:off x="8016833" y="1834737"/>
+            <a:ext cx="154379" cy="154379"/>
+          </a:xfrm>
+          <a:prstGeom prst="ellipse">
+            <a:avLst/>
+          </a:prstGeom>
+        </p:spPr>
+        <p:style>
+          <a:lnRef idx="2">
+            <a:schemeClr val="dk1">
+              <a:shade val="50000"/>
+            </a:schemeClr>
+          </a:lnRef>
+          <a:fillRef idx="1">
+            <a:schemeClr val="dk1"/>
+          </a:fillRef>
+          <a:effectRef idx="0">
+            <a:schemeClr val="dk1"/>
+          </a:effectRef>
+          <a:fontRef idx="minor">
+            <a:schemeClr val="lt1"/>
+          </a:fontRef>
+        </p:style>
+        <p:txBody>
+          <a:bodyPr rtlCol="0" anchor="ctr"/>
+          <a:lstStyle/>
+          <a:p>
+            <a:pPr algn="ctr"/>
+            <a:endParaRPr lang="en-US"/>
+          </a:p>
+        </p:txBody>
+      </p:sp>
+      <p:sp>
+        <p:nvSpPr>
+          <p:cNvPr id="9" name="椭圆 8">
+            <a:extLst>
+              <a:ext uri="{FF2B5EF4-FFF2-40B4-BE49-F238E27FC236}">
+                <a16:creationId xmlns:a16="http://schemas.microsoft.com/office/drawing/2014/main" id="{11169696-E0A2-4310-AF21-5F3384BC4080}"/>
+              </a:ext>
+            </a:extLst>
+          </p:cNvPr>
+          <p:cNvSpPr/>
+          <p:nvPr/>
+        </p:nvSpPr>
+        <p:spPr>
+          <a:xfrm>
+            <a:off x="3212274" y="1343958"/>
+            <a:ext cx="154379" cy="154379"/>
+          </a:xfrm>
+          <a:prstGeom prst="ellipse">
+            <a:avLst/>
+          </a:prstGeom>
+        </p:spPr>
+        <p:style>
+          <a:lnRef idx="2">
+            <a:schemeClr val="dk1">
+              <a:shade val="50000"/>
+            </a:schemeClr>
+          </a:lnRef>
+          <a:fillRef idx="1">
+            <a:schemeClr val="dk1"/>
+          </a:fillRef>
+          <a:effectRef idx="0">
+            <a:schemeClr val="dk1"/>
+          </a:effectRef>
+          <a:fontRef idx="minor">
+            <a:schemeClr val="lt1"/>
+          </a:fontRef>
+        </p:style>
+        <p:txBody>
+          <a:bodyPr rtlCol="0" anchor="ctr"/>
+          <a:lstStyle/>
+          <a:p>
+            <a:pPr algn="ctr"/>
+            <a:endParaRPr lang="en-US"/>
+          </a:p>
+        </p:txBody>
+      </p:sp>
+      <p:sp>
+        <p:nvSpPr>
+          <p:cNvPr id="10" name="椭圆 9">
+            <a:extLst>
+              <a:ext uri="{FF2B5EF4-FFF2-40B4-BE49-F238E27FC236}">
+                <a16:creationId xmlns:a16="http://schemas.microsoft.com/office/drawing/2014/main" id="{593C1ABD-8FFE-4F5D-9DFB-B9F89F44627C}"/>
+              </a:ext>
+            </a:extLst>
+          </p:cNvPr>
+          <p:cNvSpPr/>
+          <p:nvPr/>
+        </p:nvSpPr>
+        <p:spPr>
+          <a:xfrm>
+            <a:off x="3212274" y="5359662"/>
+            <a:ext cx="154379" cy="154379"/>
+          </a:xfrm>
+          <a:prstGeom prst="ellipse">
+            <a:avLst/>
+          </a:prstGeom>
+        </p:spPr>
+        <p:style>
+          <a:lnRef idx="2">
+            <a:schemeClr val="dk1">
+              <a:shade val="50000"/>
+            </a:schemeClr>
+          </a:lnRef>
+          <a:fillRef idx="1">
+            <a:schemeClr val="dk1"/>
+          </a:fillRef>
+          <a:effectRef idx="0">
+            <a:schemeClr val="dk1"/>
+          </a:effectRef>
+          <a:fontRef idx="minor">
+            <a:schemeClr val="lt1"/>
+          </a:fontRef>
+        </p:style>
+        <p:txBody>
+          <a:bodyPr rtlCol="0" anchor="ctr"/>
+          <a:lstStyle/>
+          <a:p>
+            <a:pPr algn="ctr"/>
+            <a:endParaRPr lang="en-US"/>
+          </a:p>
+        </p:txBody>
+      </p:sp>
+      <p:sp>
+        <p:nvSpPr>
+          <p:cNvPr id="11" name="椭圆 10">
+            <a:extLst>
+              <a:ext uri="{FF2B5EF4-FFF2-40B4-BE49-F238E27FC236}">
+                <a16:creationId xmlns:a16="http://schemas.microsoft.com/office/drawing/2014/main" id="{415547BC-E6AB-427F-AC29-20D2F92C7FAC}"/>
+              </a:ext>
+            </a:extLst>
+          </p:cNvPr>
+          <p:cNvSpPr/>
+          <p:nvPr/>
+        </p:nvSpPr>
+        <p:spPr>
+          <a:xfrm>
+            <a:off x="8346938" y="5359662"/>
+            <a:ext cx="154379" cy="154379"/>
+          </a:xfrm>
+          <a:prstGeom prst="ellipse">
+            <a:avLst/>
+          </a:prstGeom>
+        </p:spPr>
+        <p:style>
+          <a:lnRef idx="2">
+            <a:schemeClr val="dk1">
+              <a:shade val="50000"/>
+            </a:schemeClr>
+          </a:lnRef>
+          <a:fillRef idx="1">
+            <a:schemeClr val="dk1"/>
+          </a:fillRef>
+          <a:effectRef idx="0">
+            <a:schemeClr val="dk1"/>
+          </a:effectRef>
+          <a:fontRef idx="minor">
+            <a:schemeClr val="lt1"/>
+          </a:fontRef>
+        </p:style>
+        <p:txBody>
+          <a:bodyPr rtlCol="0" anchor="ctr"/>
+          <a:lstStyle/>
+          <a:p>
+            <a:pPr algn="ctr"/>
+            <a:endParaRPr lang="en-US"/>
+          </a:p>
+        </p:txBody>
+      </p:sp>
+      <p:sp>
+        <p:nvSpPr>
+          <p:cNvPr id="12" name="椭圆 11">
+            <a:extLst>
+              <a:ext uri="{FF2B5EF4-FFF2-40B4-BE49-F238E27FC236}">
+                <a16:creationId xmlns:a16="http://schemas.microsoft.com/office/drawing/2014/main" id="{783F4909-6F95-4D19-BED6-900938D7EFAE}"/>
+              </a:ext>
+            </a:extLst>
+          </p:cNvPr>
+          <p:cNvSpPr/>
+          <p:nvPr/>
+        </p:nvSpPr>
+        <p:spPr>
+          <a:xfrm>
+            <a:off x="8346938" y="1365661"/>
+            <a:ext cx="154379" cy="154379"/>
+          </a:xfrm>
+          <a:prstGeom prst="ellipse">
+            <a:avLst/>
+          </a:prstGeom>
+        </p:spPr>
+        <p:style>
+          <a:lnRef idx="2">
+            <a:schemeClr val="dk1">
+              <a:shade val="50000"/>
+            </a:schemeClr>
+          </a:lnRef>
+          <a:fillRef idx="1">
+            <a:schemeClr val="dk1"/>
+          </a:fillRef>
+          <a:effectRef idx="0">
+            <a:schemeClr val="dk1"/>
+          </a:effectRef>
+          <a:fontRef idx="minor">
+            <a:schemeClr val="lt1"/>
+          </a:fontRef>
+        </p:style>
+        <p:txBody>
+          <a:bodyPr rtlCol="0" anchor="ctr"/>
+          <a:lstStyle/>
+          <a:p>
+            <a:pPr algn="ctr"/>
+            <a:endParaRPr lang="en-US"/>
+          </a:p>
+        </p:txBody>
+      </p:sp>
+      <p:sp>
+        <p:nvSpPr>
+          <p:cNvPr id="13" name="椭圆 12">
+            <a:extLst>
+              <a:ext uri="{FF2B5EF4-FFF2-40B4-BE49-F238E27FC236}">
+                <a16:creationId xmlns:a16="http://schemas.microsoft.com/office/drawing/2014/main" id="{F74D2910-9671-4295-B28F-C9EF99E72160}"/>
+              </a:ext>
+            </a:extLst>
+          </p:cNvPr>
+          <p:cNvSpPr/>
+          <p:nvPr/>
+        </p:nvSpPr>
+        <p:spPr>
+          <a:xfrm>
+            <a:off x="3568251" y="4669644"/>
+            <a:ext cx="154379" cy="154379"/>
+          </a:xfrm>
+          <a:prstGeom prst="ellipse">
+            <a:avLst/>
+          </a:prstGeom>
+        </p:spPr>
+        <p:style>
+          <a:lnRef idx="2">
+            <a:schemeClr val="dk1">
+              <a:shade val="50000"/>
+            </a:schemeClr>
+          </a:lnRef>
+          <a:fillRef idx="1">
+            <a:schemeClr val="dk1"/>
+          </a:fillRef>
+          <a:effectRef idx="0">
+            <a:schemeClr val="dk1"/>
+          </a:effectRef>
+          <a:fontRef idx="minor">
+            <a:schemeClr val="lt1"/>
+          </a:fontRef>
+        </p:style>
+        <p:txBody>
+          <a:bodyPr rtlCol="0" anchor="ctr"/>
+          <a:lstStyle/>
+          <a:p>
+            <a:pPr algn="ctr"/>
+            <a:endParaRPr lang="en-US"/>
+          </a:p>
+        </p:txBody>
+      </p:sp>
+      <p:sp>
+        <p:nvSpPr>
+          <p:cNvPr id="14" name="椭圆 13">
+            <a:extLst>
+              <a:ext uri="{FF2B5EF4-FFF2-40B4-BE49-F238E27FC236}">
+                <a16:creationId xmlns:a16="http://schemas.microsoft.com/office/drawing/2014/main" id="{873F2D8B-5BAB-4715-856A-7508120261A4}"/>
+              </a:ext>
+            </a:extLst>
+          </p:cNvPr>
+          <p:cNvSpPr/>
+          <p:nvPr/>
+        </p:nvSpPr>
+        <p:spPr>
+          <a:xfrm>
+            <a:off x="7280421" y="4669644"/>
+            <a:ext cx="154379" cy="154379"/>
+          </a:xfrm>
+          <a:prstGeom prst="ellipse">
+            <a:avLst/>
+          </a:prstGeom>
+        </p:spPr>
+        <p:style>
+          <a:lnRef idx="2">
+            <a:schemeClr val="dk1">
+              <a:shade val="50000"/>
+            </a:schemeClr>
+          </a:lnRef>
+          <a:fillRef idx="1">
+            <a:schemeClr val="dk1"/>
+          </a:fillRef>
+          <a:effectRef idx="0">
+            <a:schemeClr val="dk1"/>
+          </a:effectRef>
+          <a:fontRef idx="minor">
+            <a:schemeClr val="lt1"/>
+          </a:fontRef>
+        </p:style>
+        <p:txBody>
+          <a:bodyPr rtlCol="0" anchor="ctr"/>
+          <a:lstStyle/>
+          <a:p>
+            <a:pPr algn="ctr"/>
+            <a:endParaRPr lang="en-US"/>
+          </a:p>
+        </p:txBody>
+      </p:sp>
+      <p:sp>
+        <p:nvSpPr>
+          <p:cNvPr id="15" name="矩形 14">
+            <a:extLst>
+              <a:ext uri="{FF2B5EF4-FFF2-40B4-BE49-F238E27FC236}">
+                <a16:creationId xmlns:a16="http://schemas.microsoft.com/office/drawing/2014/main" id="{BAE9091D-36FE-4BE7-9965-E027817700A7}"/>
+              </a:ext>
+            </a:extLst>
+          </p:cNvPr>
+          <p:cNvSpPr/>
+          <p:nvPr/>
+        </p:nvSpPr>
+        <p:spPr>
+          <a:xfrm>
+            <a:off x="3796983" y="1475934"/>
+            <a:ext cx="1324402" cy="369332"/>
+          </a:xfrm>
+          <a:prstGeom prst="rect">
+            <a:avLst/>
+          </a:prstGeom>
+        </p:spPr>
+        <p:txBody>
+          <a:bodyPr wrap="none">
+            <a:spAutoFit/>
+          </a:bodyPr>
+          <a:lstStyle/>
+          <a:p>
+            <a:r>
+              <a:rPr lang="en-US" dirty="0">
+                <a:solidFill>
+                  <a:srgbClr val="000000"/>
+                </a:solidFill>
+                <a:latin typeface="Consolas" panose="020B0609020204030204" pitchFamily="49" charset="0"/>
+                <a:ea typeface="맑은 고딕" panose="020B0503020000020004" pitchFamily="50" charset="-127"/>
+                <a:cs typeface="Consolas" panose="020B0609020204030204" pitchFamily="49" charset="0"/>
+              </a:rPr>
+              <a:t>P_Point1 </a:t>
+            </a:r>
+            <a:endParaRPr lang="en-US" dirty="0"/>
+          </a:p>
+        </p:txBody>
+      </p:sp>
+      <p:sp>
+        <p:nvSpPr>
+          <p:cNvPr id="16" name="矩形 15">
+            <a:extLst>
+              <a:ext uri="{FF2B5EF4-FFF2-40B4-BE49-F238E27FC236}">
+                <a16:creationId xmlns:a16="http://schemas.microsoft.com/office/drawing/2014/main" id="{67E4D1B0-ED96-4A87-96B6-8010CA9EC3F1}"/>
+              </a:ext>
+            </a:extLst>
+          </p:cNvPr>
+          <p:cNvSpPr/>
+          <p:nvPr/>
+        </p:nvSpPr>
+        <p:spPr>
+          <a:xfrm>
+            <a:off x="3367840" y="4835898"/>
+            <a:ext cx="1324402" cy="369332"/>
+          </a:xfrm>
+          <a:prstGeom prst="rect">
+            <a:avLst/>
+          </a:prstGeom>
+        </p:spPr>
+        <p:txBody>
+          <a:bodyPr wrap="none">
+            <a:spAutoFit/>
+          </a:bodyPr>
+          <a:lstStyle/>
+          <a:p>
+            <a:r>
+              <a:rPr lang="en-US" dirty="0">
+                <a:solidFill>
+                  <a:srgbClr val="000000"/>
+                </a:solidFill>
+                <a:latin typeface="Consolas" panose="020B0609020204030204" pitchFamily="49" charset="0"/>
+                <a:ea typeface="맑은 고딕" panose="020B0503020000020004" pitchFamily="50" charset="-127"/>
+                <a:cs typeface="Consolas" panose="020B0609020204030204" pitchFamily="49" charset="0"/>
+              </a:rPr>
+              <a:t>P_Point2 </a:t>
+            </a:r>
+            <a:endParaRPr lang="en-US" dirty="0"/>
+          </a:p>
+        </p:txBody>
+      </p:sp>
+      <p:sp>
+        <p:nvSpPr>
+          <p:cNvPr id="17" name="矩形 16">
+            <a:extLst>
+              <a:ext uri="{FF2B5EF4-FFF2-40B4-BE49-F238E27FC236}">
+                <a16:creationId xmlns:a16="http://schemas.microsoft.com/office/drawing/2014/main" id="{1481D37E-C3D7-418D-A0CE-228AB1F9B1DC}"/>
+              </a:ext>
+            </a:extLst>
+          </p:cNvPr>
+          <p:cNvSpPr/>
+          <p:nvPr/>
+        </p:nvSpPr>
+        <p:spPr>
+          <a:xfrm>
+            <a:off x="6895311" y="1530719"/>
+            <a:ext cx="1324402" cy="369332"/>
+          </a:xfrm>
+          <a:prstGeom prst="rect">
+            <a:avLst/>
+          </a:prstGeom>
+        </p:spPr>
+        <p:txBody>
+          <a:bodyPr wrap="none">
+            <a:spAutoFit/>
+          </a:bodyPr>
+          <a:lstStyle/>
+          <a:p>
+            <a:r>
+              <a:rPr lang="en-US" dirty="0">
+                <a:solidFill>
+                  <a:srgbClr val="000000"/>
+                </a:solidFill>
+                <a:latin typeface="Consolas" panose="020B0609020204030204" pitchFamily="49" charset="0"/>
+                <a:ea typeface="맑은 고딕" panose="020B0503020000020004" pitchFamily="50" charset="-127"/>
+                <a:cs typeface="Consolas" panose="020B0609020204030204" pitchFamily="49" charset="0"/>
+              </a:rPr>
+              <a:t>P_Point3 </a:t>
+            </a:r>
+            <a:endParaRPr lang="en-US" dirty="0"/>
+          </a:p>
+        </p:txBody>
+      </p:sp>
+      <p:sp>
+        <p:nvSpPr>
+          <p:cNvPr id="18" name="矩形 17">
+            <a:extLst>
+              <a:ext uri="{FF2B5EF4-FFF2-40B4-BE49-F238E27FC236}">
+                <a16:creationId xmlns:a16="http://schemas.microsoft.com/office/drawing/2014/main" id="{38757D81-3C86-4A51-8CC1-8DD279131D97}"/>
+              </a:ext>
+            </a:extLst>
+          </p:cNvPr>
+          <p:cNvSpPr/>
+          <p:nvPr/>
+        </p:nvSpPr>
+        <p:spPr>
+          <a:xfrm>
+            <a:off x="6833805" y="4890399"/>
+            <a:ext cx="1324402" cy="369332"/>
+          </a:xfrm>
+          <a:prstGeom prst="rect">
+            <a:avLst/>
+          </a:prstGeom>
+        </p:spPr>
+        <p:txBody>
+          <a:bodyPr wrap="none">
+            <a:spAutoFit/>
+          </a:bodyPr>
+          <a:lstStyle/>
+          <a:p>
+            <a:r>
+              <a:rPr lang="en-US" dirty="0">
+                <a:solidFill>
+                  <a:srgbClr val="000000"/>
+                </a:solidFill>
+                <a:latin typeface="Consolas" panose="020B0609020204030204" pitchFamily="49" charset="0"/>
+                <a:ea typeface="맑은 고딕" panose="020B0503020000020004" pitchFamily="50" charset="-127"/>
+                <a:cs typeface="Consolas" panose="020B0609020204030204" pitchFamily="49" charset="0"/>
+              </a:rPr>
+              <a:t>P_Point4 </a:t>
+            </a:r>
+            <a:endParaRPr lang="en-US" dirty="0"/>
+          </a:p>
+        </p:txBody>
+      </p:sp>
+      <p:sp>
+        <p:nvSpPr>
+          <p:cNvPr id="19" name="矩形 18">
+            <a:extLst>
+              <a:ext uri="{FF2B5EF4-FFF2-40B4-BE49-F238E27FC236}">
+                <a16:creationId xmlns:a16="http://schemas.microsoft.com/office/drawing/2014/main" id="{6F8AAB0D-9C06-4A74-A6F6-5BAB445786D2}"/>
+              </a:ext>
+            </a:extLst>
+          </p:cNvPr>
+          <p:cNvSpPr/>
+          <p:nvPr/>
+        </p:nvSpPr>
+        <p:spPr>
+          <a:xfrm>
+            <a:off x="2599219" y="941167"/>
+            <a:ext cx="1197764" cy="369332"/>
+          </a:xfrm>
+          <a:prstGeom prst="rect">
+            <a:avLst/>
+          </a:prstGeom>
+        </p:spPr>
+        <p:txBody>
+          <a:bodyPr wrap="none">
+            <a:spAutoFit/>
+          </a:bodyPr>
+          <a:lstStyle/>
+          <a:p>
+            <a:r>
+              <a:rPr lang="en-US" dirty="0">
+                <a:solidFill>
+                  <a:srgbClr val="000000"/>
+                </a:solidFill>
+                <a:latin typeface="Consolas" panose="020B0609020204030204" pitchFamily="49" charset="0"/>
+                <a:ea typeface="맑은 고딕" panose="020B0503020000020004" pitchFamily="50" charset="-127"/>
+                <a:cs typeface="Consolas" panose="020B0609020204030204" pitchFamily="49" charset="0"/>
+              </a:rPr>
+              <a:t>U_Point1</a:t>
+            </a:r>
+            <a:endParaRPr lang="en-US" dirty="0"/>
+          </a:p>
+        </p:txBody>
+      </p:sp>
+      <p:sp>
+        <p:nvSpPr>
+          <p:cNvPr id="20" name="矩形 19">
+            <a:extLst>
+              <a:ext uri="{FF2B5EF4-FFF2-40B4-BE49-F238E27FC236}">
+                <a16:creationId xmlns:a16="http://schemas.microsoft.com/office/drawing/2014/main" id="{03E162F3-45F8-4453-BC87-00858A06B94B}"/>
+              </a:ext>
+            </a:extLst>
+          </p:cNvPr>
+          <p:cNvSpPr/>
+          <p:nvPr/>
+        </p:nvSpPr>
+        <p:spPr>
+          <a:xfrm>
+            <a:off x="2524866" y="5668473"/>
+            <a:ext cx="1197764" cy="369332"/>
+          </a:xfrm>
+          <a:prstGeom prst="rect">
+            <a:avLst/>
+          </a:prstGeom>
+        </p:spPr>
+        <p:txBody>
+          <a:bodyPr wrap="none">
+            <a:spAutoFit/>
+          </a:bodyPr>
+          <a:lstStyle/>
+          <a:p>
+            <a:r>
+              <a:rPr lang="en-US" dirty="0">
+                <a:solidFill>
+                  <a:srgbClr val="000000"/>
+                </a:solidFill>
+                <a:latin typeface="Consolas" panose="020B0609020204030204" pitchFamily="49" charset="0"/>
+                <a:ea typeface="맑은 고딕" panose="020B0503020000020004" pitchFamily="50" charset="-127"/>
+                <a:cs typeface="Consolas" panose="020B0609020204030204" pitchFamily="49" charset="0"/>
+              </a:rPr>
+              <a:t>U_Point2</a:t>
+            </a:r>
+            <a:endParaRPr lang="en-US" dirty="0"/>
+          </a:p>
+        </p:txBody>
+      </p:sp>
+      <p:sp>
+        <p:nvSpPr>
+          <p:cNvPr id="21" name="矩形 20">
+            <a:extLst>
+              <a:ext uri="{FF2B5EF4-FFF2-40B4-BE49-F238E27FC236}">
+                <a16:creationId xmlns:a16="http://schemas.microsoft.com/office/drawing/2014/main" id="{F5260742-C919-45F3-8AC9-70480613C23A}"/>
+              </a:ext>
+            </a:extLst>
+          </p:cNvPr>
+          <p:cNvSpPr/>
+          <p:nvPr/>
+        </p:nvSpPr>
+        <p:spPr>
+          <a:xfrm>
+            <a:off x="8140110" y="963248"/>
+            <a:ext cx="1197764" cy="369332"/>
+          </a:xfrm>
+          <a:prstGeom prst="rect">
+            <a:avLst/>
+          </a:prstGeom>
+        </p:spPr>
+        <p:txBody>
+          <a:bodyPr wrap="none">
+            <a:spAutoFit/>
+          </a:bodyPr>
+          <a:lstStyle/>
+          <a:p>
+            <a:r>
+              <a:rPr lang="en-US" dirty="0">
+                <a:solidFill>
+                  <a:srgbClr val="000000"/>
+                </a:solidFill>
+                <a:latin typeface="Consolas" panose="020B0609020204030204" pitchFamily="49" charset="0"/>
+                <a:ea typeface="맑은 고딕" panose="020B0503020000020004" pitchFamily="50" charset="-127"/>
+                <a:cs typeface="Consolas" panose="020B0609020204030204" pitchFamily="49" charset="0"/>
+              </a:rPr>
+              <a:t>U_Point3</a:t>
+            </a:r>
+            <a:endParaRPr lang="en-US" dirty="0"/>
+          </a:p>
+        </p:txBody>
+      </p:sp>
+      <p:sp>
+        <p:nvSpPr>
+          <p:cNvPr id="22" name="矩形 21">
+            <a:extLst>
+              <a:ext uri="{FF2B5EF4-FFF2-40B4-BE49-F238E27FC236}">
+                <a16:creationId xmlns:a16="http://schemas.microsoft.com/office/drawing/2014/main" id="{E57C8610-29F9-40E2-81E9-060F8300246C}"/>
+              </a:ext>
+            </a:extLst>
+          </p:cNvPr>
+          <p:cNvSpPr/>
+          <p:nvPr/>
+        </p:nvSpPr>
+        <p:spPr>
+          <a:xfrm>
+            <a:off x="8219713" y="5607138"/>
+            <a:ext cx="1197764" cy="369332"/>
+          </a:xfrm>
+          <a:prstGeom prst="rect">
+            <a:avLst/>
+          </a:prstGeom>
+        </p:spPr>
+        <p:txBody>
+          <a:bodyPr wrap="none">
+            <a:spAutoFit/>
+          </a:bodyPr>
+          <a:lstStyle/>
+          <a:p>
+            <a:r>
+              <a:rPr lang="en-US" dirty="0">
+                <a:solidFill>
+                  <a:srgbClr val="000000"/>
+                </a:solidFill>
+                <a:latin typeface="Consolas" panose="020B0609020204030204" pitchFamily="49" charset="0"/>
+                <a:ea typeface="맑은 고딕" panose="020B0503020000020004" pitchFamily="50" charset="-127"/>
+                <a:cs typeface="Consolas" panose="020B0609020204030204" pitchFamily="49" charset="0"/>
+              </a:rPr>
+              <a:t>U_Point4</a:t>
+            </a:r>
+            <a:endParaRPr lang="en-US" dirty="0"/>
+          </a:p>
+        </p:txBody>
+      </p:sp>
+    </p:spTree>
+    <p:extLst>
+      <p:ext uri="{BB962C8B-B14F-4D97-AF65-F5344CB8AC3E}">
+        <p14:creationId xmlns:p14="http://schemas.microsoft.com/office/powerpoint/2010/main" val="1510527810"/>
+      </p:ext>
+    </p:extLst>
+  </p:cSld>
+  <p:clrMapOvr>
+    <a:masterClrMapping/>
+  </p:clrMapOvr>
+</p:sld>
+</file>
+
+<file path=ppt/slides/slide12.xml><?xml version="1.0" encoding="utf-8"?>
+<p:sld xmlns:a="http://schemas.openxmlformats.org/drawingml/2006/main" xmlns:r="http://schemas.openxmlformats.org/officeDocument/2006/relationships" xmlns:p="http://schemas.openxmlformats.org/presentationml/2006/main">
+  <p:cSld>
+    <p:spTree>
+      <p:nvGrpSpPr>
+        <p:cNvPr id="1" name=""/>
+        <p:cNvGrpSpPr/>
+        <p:nvPr/>
+      </p:nvGrpSpPr>
+      <p:grpSpPr>
+        <a:xfrm>
+          <a:off x="0" y="0"/>
+          <a:ext cx="0" cy="0"/>
+          <a:chOff x="0" y="0"/>
+          <a:chExt cx="0" cy="0"/>
+        </a:xfrm>
+      </p:grpSpPr>
+      <p:sp>
+        <p:nvSpPr>
+          <p:cNvPr id="37" name="矩形 36">
+            <a:extLst>
+              <a:ext uri="{FF2B5EF4-FFF2-40B4-BE49-F238E27FC236}">
+                <a16:creationId xmlns:a16="http://schemas.microsoft.com/office/drawing/2014/main" id="{7BE92F61-FE33-49BF-B30A-46435B6EDB52}"/>
+              </a:ext>
+            </a:extLst>
+          </p:cNvPr>
+          <p:cNvSpPr/>
+          <p:nvPr/>
+        </p:nvSpPr>
+        <p:spPr>
+          <a:xfrm>
+            <a:off x="1555668" y="3018636"/>
+            <a:ext cx="2008108" cy="1531917"/>
+          </a:xfrm>
+          <a:prstGeom prst="rect">
+            <a:avLst/>
+          </a:prstGeom>
+        </p:spPr>
+        <p:style>
+          <a:lnRef idx="2">
+            <a:schemeClr val="dk1"/>
+          </a:lnRef>
+          <a:fillRef idx="1">
+            <a:schemeClr val="lt1"/>
+          </a:fillRef>
+          <a:effectRef idx="0">
+            <a:schemeClr val="dk1"/>
+          </a:effectRef>
+          <a:fontRef idx="minor">
+            <a:schemeClr val="dk1"/>
+          </a:fontRef>
+        </p:style>
+        <p:txBody>
+          <a:bodyPr rtlCol="0" anchor="ctr"/>
+          <a:lstStyle/>
+          <a:p>
+            <a:pPr algn="ctr"/>
+            <a:r>
+              <a:rPr lang="en-US" dirty="0">
+                <a:latin typeface="Times New Roman" panose="02020603050405020304" pitchFamily="18" charset="0"/>
+                <a:cs typeface="Times New Roman" panose="02020603050405020304" pitchFamily="18" charset="0"/>
+              </a:rPr>
+              <a:t>Scan the identification map1 with camera</a:t>
+            </a:r>
+          </a:p>
+        </p:txBody>
+      </p:sp>
+      <p:cxnSp>
+        <p:nvCxnSpPr>
+          <p:cNvPr id="51" name="直接箭头连接符 50">
+            <a:extLst>
+              <a:ext uri="{FF2B5EF4-FFF2-40B4-BE49-F238E27FC236}">
+                <a16:creationId xmlns:a16="http://schemas.microsoft.com/office/drawing/2014/main" id="{49B12BB1-D6E3-460B-8EA0-C6DD2796B0A4}"/>
+              </a:ext>
+            </a:extLst>
+          </p:cNvPr>
+          <p:cNvCxnSpPr>
+            <a:cxnSpLocks/>
+            <a:stCxn id="37" idx="3"/>
+            <a:endCxn id="20" idx="1"/>
+          </p:cNvCxnSpPr>
+          <p:nvPr/>
+        </p:nvCxnSpPr>
+        <p:spPr>
+          <a:xfrm flipV="1">
+            <a:off x="3563776" y="3784594"/>
+            <a:ext cx="319032" cy="1"/>
+          </a:xfrm>
+          <a:prstGeom prst="straightConnector1">
+            <a:avLst/>
+          </a:prstGeom>
+          <a:ln>
+            <a:tailEnd type="triangle"/>
+          </a:ln>
+        </p:spPr>
+        <p:style>
+          <a:lnRef idx="1">
+            <a:schemeClr val="accent1"/>
+          </a:lnRef>
+          <a:fillRef idx="0">
+            <a:schemeClr val="accent1"/>
+          </a:fillRef>
+          <a:effectRef idx="0">
+            <a:schemeClr val="accent1"/>
+          </a:effectRef>
+          <a:fontRef idx="minor">
+            <a:schemeClr val="tx1"/>
+          </a:fontRef>
+        </p:style>
+      </p:cxnSp>
+      <p:sp>
+        <p:nvSpPr>
+          <p:cNvPr id="20" name="矩形 19">
+            <a:extLst>
+              <a:ext uri="{FF2B5EF4-FFF2-40B4-BE49-F238E27FC236}">
+                <a16:creationId xmlns:a16="http://schemas.microsoft.com/office/drawing/2014/main" id="{7BE92F61-FE33-49BF-B30A-46435B6EDB52}"/>
+              </a:ext>
+            </a:extLst>
+          </p:cNvPr>
+          <p:cNvSpPr/>
+          <p:nvPr/>
+        </p:nvSpPr>
+        <p:spPr>
+          <a:xfrm>
+            <a:off x="3882808" y="3018635"/>
+            <a:ext cx="1814563" cy="1531917"/>
+          </a:xfrm>
+          <a:prstGeom prst="rect">
+            <a:avLst/>
+          </a:prstGeom>
+        </p:spPr>
+        <p:style>
+          <a:lnRef idx="2">
+            <a:schemeClr val="dk1"/>
+          </a:lnRef>
+          <a:fillRef idx="1">
+            <a:schemeClr val="lt1"/>
+          </a:fillRef>
+          <a:effectRef idx="0">
+            <a:schemeClr val="dk1"/>
+          </a:effectRef>
+          <a:fontRef idx="minor">
+            <a:schemeClr val="dk1"/>
+          </a:fontRef>
+        </p:style>
+        <p:txBody>
+          <a:bodyPr rtlCol="0" anchor="ctr"/>
+          <a:lstStyle/>
+          <a:p>
+            <a:pPr algn="ctr"/>
+            <a:r>
+              <a:rPr lang="en-US" dirty="0">
+                <a:latin typeface="Times New Roman" panose="02020603050405020304" pitchFamily="18" charset="0"/>
+                <a:cs typeface="Times New Roman" panose="02020603050405020304" pitchFamily="18" charset="0"/>
+              </a:rPr>
+              <a:t>Color the identification map2 </a:t>
+            </a:r>
+          </a:p>
+        </p:txBody>
+      </p:sp>
+      <p:sp>
+        <p:nvSpPr>
+          <p:cNvPr id="23" name="矩形 22">
+            <a:extLst>
+              <a:ext uri="{FF2B5EF4-FFF2-40B4-BE49-F238E27FC236}">
+                <a16:creationId xmlns:a16="http://schemas.microsoft.com/office/drawing/2014/main" id="{7BE92F61-FE33-49BF-B30A-46435B6EDB52}"/>
+              </a:ext>
+            </a:extLst>
+          </p:cNvPr>
+          <p:cNvSpPr/>
+          <p:nvPr/>
+        </p:nvSpPr>
+        <p:spPr>
+          <a:xfrm>
+            <a:off x="6148633" y="3018635"/>
+            <a:ext cx="1974089" cy="1531917"/>
+          </a:xfrm>
+          <a:prstGeom prst="rect">
+            <a:avLst/>
+          </a:prstGeom>
+        </p:spPr>
+        <p:style>
+          <a:lnRef idx="2">
+            <a:schemeClr val="dk1"/>
+          </a:lnRef>
+          <a:fillRef idx="1">
+            <a:schemeClr val="lt1"/>
+          </a:fillRef>
+          <a:effectRef idx="0">
+            <a:schemeClr val="dk1"/>
+          </a:effectRef>
+          <a:fontRef idx="minor">
+            <a:schemeClr val="dk1"/>
+          </a:fontRef>
+        </p:style>
+        <p:txBody>
+          <a:bodyPr rtlCol="0" anchor="ctr"/>
+          <a:lstStyle/>
+          <a:p>
+            <a:pPr algn="ctr"/>
+            <a:r>
+              <a:rPr lang="en-US" dirty="0">
+                <a:latin typeface="Times New Roman" panose="02020603050405020304" pitchFamily="18" charset="0"/>
+                <a:cs typeface="Times New Roman" panose="02020603050405020304" pitchFamily="18" charset="0"/>
+              </a:rPr>
+              <a:t>Scan the identification map2 with camera</a:t>
+            </a:r>
+          </a:p>
+        </p:txBody>
+      </p:sp>
+      <p:cxnSp>
+        <p:nvCxnSpPr>
+          <p:cNvPr id="24" name="直接箭头连接符 23">
+            <a:extLst>
+              <a:ext uri="{FF2B5EF4-FFF2-40B4-BE49-F238E27FC236}">
+                <a16:creationId xmlns:a16="http://schemas.microsoft.com/office/drawing/2014/main" id="{49B12BB1-D6E3-460B-8EA0-C6DD2796B0A4}"/>
+              </a:ext>
+            </a:extLst>
+          </p:cNvPr>
+          <p:cNvCxnSpPr>
+            <a:cxnSpLocks/>
+            <a:stCxn id="23" idx="3"/>
+            <a:endCxn id="25" idx="1"/>
+          </p:cNvCxnSpPr>
+          <p:nvPr/>
+        </p:nvCxnSpPr>
+        <p:spPr>
+          <a:xfrm>
+            <a:off x="8122722" y="3784594"/>
+            <a:ext cx="508236" cy="0"/>
+          </a:xfrm>
+          <a:prstGeom prst="straightConnector1">
+            <a:avLst/>
+          </a:prstGeom>
+          <a:ln>
+            <a:tailEnd type="triangle"/>
+          </a:ln>
+        </p:spPr>
+        <p:style>
+          <a:lnRef idx="1">
+            <a:schemeClr val="accent1"/>
+          </a:lnRef>
+          <a:fillRef idx="0">
+            <a:schemeClr val="accent1"/>
+          </a:fillRef>
+          <a:effectRef idx="0">
+            <a:schemeClr val="accent1"/>
+          </a:effectRef>
+          <a:fontRef idx="minor">
+            <a:schemeClr val="tx1"/>
+          </a:fontRef>
+        </p:style>
+      </p:cxnSp>
+      <p:sp>
+        <p:nvSpPr>
+          <p:cNvPr id="25" name="矩形 24">
+            <a:extLst>
+              <a:ext uri="{FF2B5EF4-FFF2-40B4-BE49-F238E27FC236}">
+                <a16:creationId xmlns:a16="http://schemas.microsoft.com/office/drawing/2014/main" id="{7BE92F61-FE33-49BF-B30A-46435B6EDB52}"/>
+              </a:ext>
+            </a:extLst>
+          </p:cNvPr>
+          <p:cNvSpPr/>
+          <p:nvPr/>
+        </p:nvSpPr>
+        <p:spPr>
+          <a:xfrm>
+            <a:off x="8630958" y="3018635"/>
+            <a:ext cx="1410744" cy="1531917"/>
+          </a:xfrm>
+          <a:prstGeom prst="rect">
+            <a:avLst/>
+          </a:prstGeom>
+        </p:spPr>
+        <p:style>
+          <a:lnRef idx="2">
+            <a:schemeClr val="dk1"/>
+          </a:lnRef>
+          <a:fillRef idx="1">
+            <a:schemeClr val="lt1"/>
+          </a:fillRef>
+          <a:effectRef idx="0">
+            <a:schemeClr val="dk1"/>
+          </a:effectRef>
+          <a:fontRef idx="minor">
+            <a:schemeClr val="dk1"/>
+          </a:fontRef>
+        </p:style>
+        <p:txBody>
+          <a:bodyPr rtlCol="0" anchor="ctr"/>
+          <a:lstStyle/>
+          <a:p>
+            <a:pPr algn="ctr"/>
+            <a:r>
+              <a:rPr lang="en-US" dirty="0">
+                <a:latin typeface="Times New Roman" panose="02020603050405020304" pitchFamily="18" charset="0"/>
+                <a:cs typeface="Times New Roman" panose="02020603050405020304" pitchFamily="18" charset="0"/>
+              </a:rPr>
+              <a:t>Show the 3D model</a:t>
+            </a:r>
+          </a:p>
+        </p:txBody>
+      </p:sp>
+      <p:cxnSp>
+        <p:nvCxnSpPr>
+          <p:cNvPr id="26" name="直接箭头连接符 25">
+            <a:extLst>
+              <a:ext uri="{FF2B5EF4-FFF2-40B4-BE49-F238E27FC236}">
+                <a16:creationId xmlns:a16="http://schemas.microsoft.com/office/drawing/2014/main" id="{49B12BB1-D6E3-460B-8EA0-C6DD2796B0A4}"/>
+              </a:ext>
+            </a:extLst>
+          </p:cNvPr>
+          <p:cNvCxnSpPr>
+            <a:cxnSpLocks/>
+            <a:stCxn id="20" idx="3"/>
+            <a:endCxn id="23" idx="1"/>
+          </p:cNvCxnSpPr>
+          <p:nvPr/>
+        </p:nvCxnSpPr>
+        <p:spPr>
+          <a:xfrm>
+            <a:off x="5697371" y="3784594"/>
+            <a:ext cx="451262" cy="0"/>
+          </a:xfrm>
+          <a:prstGeom prst="straightConnector1">
+            <a:avLst/>
+          </a:prstGeom>
+          <a:ln>
+            <a:tailEnd type="triangle"/>
+          </a:ln>
+        </p:spPr>
+        <p:style>
+          <a:lnRef idx="1">
+            <a:schemeClr val="accent1"/>
+          </a:lnRef>
+          <a:fillRef idx="0">
+            <a:schemeClr val="accent1"/>
+          </a:fillRef>
+          <a:effectRef idx="0">
+            <a:schemeClr val="accent1"/>
+          </a:effectRef>
+          <a:fontRef idx="minor">
+            <a:schemeClr val="tx1"/>
+          </a:fontRef>
+        </p:style>
+      </p:cxnSp>
+    </p:spTree>
+    <p:extLst>
+      <p:ext uri="{BB962C8B-B14F-4D97-AF65-F5344CB8AC3E}">
+        <p14:creationId xmlns:p14="http://schemas.microsoft.com/office/powerpoint/2010/main" val="1144603072"/>
+      </p:ext>
+    </p:extLst>
+  </p:cSld>
+  <p:clrMapOvr>
+    <a:masterClrMapping/>
+  </p:clrMapOvr>
+</p:sld>
+</file>
+
+<file path=ppt/slides/slide13.xml><?xml version="1.0" encoding="utf-8"?>
+<p:sld xmlns:a="http://schemas.openxmlformats.org/drawingml/2006/main" xmlns:r="http://schemas.openxmlformats.org/officeDocument/2006/relationships" xmlns:p="http://schemas.openxmlformats.org/presentationml/2006/main">
+  <p:cSld>
+    <p:spTree>
+      <p:nvGrpSpPr>
+        <p:cNvPr id="1" name=""/>
+        <p:cNvGrpSpPr/>
+        <p:nvPr/>
+      </p:nvGrpSpPr>
+      <p:grpSpPr>
+        <a:xfrm>
+          <a:off x="0" y="0"/>
+          <a:ext cx="0" cy="0"/>
+          <a:chOff x="0" y="0"/>
+          <a:chExt cx="0" cy="0"/>
+        </a:xfrm>
+      </p:grpSpPr>
       <p:pic>
         <p:nvPicPr>
           <p:cNvPr id="5" name="内容占位符 4">
@@ -12201,21 +14214,7 @@
                 <a:latin typeface="Times New Roman" panose="02020603050405020304" pitchFamily="18" charset="0"/>
                 <a:cs typeface="Times New Roman" panose="02020603050405020304" pitchFamily="18" charset="0"/>
               </a:rPr>
-              <a:t>Identification map </a:t>
-            </a:r>
-            <a:r>
-              <a:rPr lang="en-US" dirty="0" smtClean="0">
-                <a:latin typeface="Times New Roman" panose="02020603050405020304" pitchFamily="18" charset="0"/>
-                <a:cs typeface="Times New Roman" panose="02020603050405020304" pitchFamily="18" charset="0"/>
-              </a:rPr>
-              <a:t>turn </a:t>
-            </a:r>
-            <a:r>
-              <a:rPr lang="en-US" dirty="0">
-                <a:latin typeface="Times New Roman" panose="02020603050405020304" pitchFamily="18" charset="0"/>
-                <a:cs typeface="Times New Roman" panose="02020603050405020304" pitchFamily="18" charset="0"/>
-              </a:rPr>
-              <a:t>green; Call delay function</a:t>
+              <a:t>Identification map turn green; Call delay function</a:t>
             </a:r>
           </a:p>
         </p:txBody>
@@ -12308,21 +14307,7 @@
                 <a:latin typeface="Times New Roman" panose="02020603050405020304" pitchFamily="18" charset="0"/>
                 <a:cs typeface="Times New Roman" panose="02020603050405020304" pitchFamily="18" charset="0"/>
               </a:rPr>
-              <a:t>Identification map </a:t>
-            </a:r>
-            <a:r>
-              <a:rPr lang="en-US" dirty="0" smtClean="0">
-                <a:latin typeface="Times New Roman" panose="02020603050405020304" pitchFamily="18" charset="0"/>
-                <a:cs typeface="Times New Roman" panose="02020603050405020304" pitchFamily="18" charset="0"/>
-              </a:rPr>
-              <a:t>turn </a:t>
-            </a:r>
-            <a:r>
-              <a:rPr lang="en-US" dirty="0">
-                <a:latin typeface="Times New Roman" panose="02020603050405020304" pitchFamily="18" charset="0"/>
-                <a:cs typeface="Times New Roman" panose="02020603050405020304" pitchFamily="18" charset="0"/>
-              </a:rPr>
-              <a:t>red</a:t>
+              <a:t>Identification map turn red</a:t>
             </a:r>
           </a:p>
         </p:txBody>
@@ -12448,21 +14433,7 @@
                 <a:latin typeface="Times New Roman" panose="02020603050405020304" pitchFamily="18" charset="0"/>
                 <a:cs typeface="Times New Roman" panose="02020603050405020304" pitchFamily="18" charset="0"/>
               </a:rPr>
-              <a:t>The </a:t>
-            </a:r>
-            <a:r>
-              <a:rPr lang="en-US" dirty="0" smtClean="0">
-                <a:latin typeface="Times New Roman" panose="02020603050405020304" pitchFamily="18" charset="0"/>
-                <a:cs typeface="Times New Roman" panose="02020603050405020304" pitchFamily="18" charset="0"/>
-              </a:rPr>
-              <a:t>Earth </a:t>
-            </a:r>
-            <a:r>
-              <a:rPr lang="en-US" dirty="0">
-                <a:latin typeface="Times New Roman" panose="02020603050405020304" pitchFamily="18" charset="0"/>
-                <a:cs typeface="Times New Roman" panose="02020603050405020304" pitchFamily="18" charset="0"/>
-              </a:rPr>
-              <a:t>rotate</a:t>
+              <a:t>The Earth rotate</a:t>
             </a:r>
           </a:p>
         </p:txBody>
@@ -12783,19 +14754,8 @@
                 <a:latin typeface="Times New Roman" panose="02020603050405020304" pitchFamily="18" charset="0"/>
                 <a:cs typeface="Times New Roman" panose="02020603050405020304" pitchFamily="18" charset="0"/>
               </a:rPr>
-              <a:t>Click the </a:t>
+              <a:t>Click the Earth</a:t>
             </a:r>
-            <a:r>
-              <a:rPr lang="en-US" dirty="0" smtClean="0">
-                <a:latin typeface="Times New Roman" panose="02020603050405020304" pitchFamily="18" charset="0"/>
-                <a:cs typeface="Times New Roman" panose="02020603050405020304" pitchFamily="18" charset="0"/>
-              </a:rPr>
-              <a:t>Earth</a:t>
-            </a:r>
-            <a:endParaRPr lang="en-US" dirty="0">
-              <a:latin typeface="Times New Roman" panose="02020603050405020304" pitchFamily="18" charset="0"/>
-              <a:cs typeface="Times New Roman" panose="02020603050405020304" pitchFamily="18" charset="0"/>
-            </a:endParaRPr>
           </a:p>
         </p:txBody>
       </p:sp>
@@ -12844,19 +14804,8 @@
                 <a:latin typeface="Times New Roman" panose="02020603050405020304" pitchFamily="18" charset="0"/>
                 <a:cs typeface="Times New Roman" panose="02020603050405020304" pitchFamily="18" charset="0"/>
               </a:rPr>
-              <a:t>Click the </a:t>
+              <a:t>Click the Earth</a:t>
             </a:r>
-            <a:r>
-              <a:rPr lang="en-US" dirty="0">
-                <a:latin typeface="Times New Roman" panose="02020603050405020304" pitchFamily="18" charset="0"/>
-                <a:cs typeface="Times New Roman" panose="02020603050405020304" pitchFamily="18" charset="0"/>
-              </a:rPr>
-              <a:t>Earth</a:t>
-            </a:r>
-            <a:endParaRPr lang="en-US" dirty="0">
-              <a:latin typeface="Times New Roman" panose="02020603050405020304" pitchFamily="18" charset="0"/>
-              <a:cs typeface="Times New Roman" panose="02020603050405020304" pitchFamily="18" charset="0"/>
-            </a:endParaRPr>
           </a:p>
         </p:txBody>
       </p:sp>
@@ -13026,10 +14975,10 @@
       </p:grpSpPr>
       <p:sp>
         <p:nvSpPr>
-          <p:cNvPr id="37" name="矩形 36">
-            <a:extLst>
-              <a:ext uri="{FF2B5EF4-FFF2-40B4-BE49-F238E27FC236}">
-                <a16:creationId xmlns:a16="http://schemas.microsoft.com/office/drawing/2014/main" id="{7BE92F61-FE33-49BF-B30A-46435B6EDB52}"/>
+          <p:cNvPr id="4" name="矩形 3">
+            <a:extLst>
+              <a:ext uri="{FF2B5EF4-FFF2-40B4-BE49-F238E27FC236}">
+                <a16:creationId xmlns:a16="http://schemas.microsoft.com/office/drawing/2014/main" id="{F6375645-0808-4637-A79A-C306E522D3B9}"/>
               </a:ext>
             </a:extLst>
           </p:cNvPr>
@@ -13038,12 +14987,58 @@
         </p:nvSpPr>
         <p:spPr>
           <a:xfrm>
-            <a:off x="1555668" y="3018636"/>
-            <a:ext cx="2008108" cy="1531917"/>
+            <a:off x="923255" y="1607396"/>
+            <a:ext cx="4857611" cy="3643208"/>
           </a:xfrm>
           <a:prstGeom prst="rect">
             <a:avLst/>
           </a:prstGeom>
+          <a:ln/>
+        </p:spPr>
+        <p:style>
+          <a:lnRef idx="1">
+            <a:schemeClr val="accent3"/>
+          </a:lnRef>
+          <a:fillRef idx="2">
+            <a:schemeClr val="accent3"/>
+          </a:fillRef>
+          <a:effectRef idx="1">
+            <a:schemeClr val="accent3"/>
+          </a:effectRef>
+          <a:fontRef idx="minor">
+            <a:schemeClr val="dk1"/>
+          </a:fontRef>
+        </p:style>
+        <p:txBody>
+          <a:bodyPr rtlCol="0" anchor="ctr"/>
+          <a:lstStyle/>
+          <a:p>
+            <a:pPr algn="ctr"/>
+            <a:endParaRPr lang="en-US" dirty="0"/>
+          </a:p>
+        </p:txBody>
+      </p:sp>
+      <p:sp>
+        <p:nvSpPr>
+          <p:cNvPr id="7" name="矩形 6">
+            <a:extLst>
+              <a:ext uri="{FF2B5EF4-FFF2-40B4-BE49-F238E27FC236}">
+                <a16:creationId xmlns:a16="http://schemas.microsoft.com/office/drawing/2014/main" id="{7520B95C-46C1-4E2E-9329-21D03313E255}"/>
+              </a:ext>
+            </a:extLst>
+          </p:cNvPr>
+          <p:cNvSpPr/>
+          <p:nvPr/>
+        </p:nvSpPr>
+        <p:spPr>
+          <a:xfrm>
+            <a:off x="2098541" y="2488861"/>
+            <a:ext cx="2507037" cy="1880278"/>
+          </a:xfrm>
+          <a:prstGeom prst="rect">
+            <a:avLst/>
+          </a:prstGeom>
+          <a:ln w="57150"/>
         </p:spPr>
         <p:style>
           <a:lnRef idx="2">
@@ -13064,50 +15059,116 @@
           <a:lstStyle/>
           <a:p>
             <a:pPr algn="ctr"/>
-            <a:r>
-              <a:rPr lang="en-US" dirty="0">
-                <a:latin typeface="Times New Roman" panose="02020603050405020304" pitchFamily="18" charset="0"/>
-                <a:cs typeface="Times New Roman" panose="02020603050405020304" pitchFamily="18" charset="0"/>
-              </a:rPr>
-              <a:t>Scan the identification </a:t>
-            </a:r>
-            <a:r>
-              <a:rPr lang="en-US" dirty="0" smtClean="0">
-                <a:latin typeface="Times New Roman" panose="02020603050405020304" pitchFamily="18" charset="0"/>
-                <a:cs typeface="Times New Roman" panose="02020603050405020304" pitchFamily="18" charset="0"/>
-              </a:rPr>
-              <a:t>map1 </a:t>
-            </a:r>
-            <a:r>
-              <a:rPr lang="en-US" dirty="0">
-                <a:latin typeface="Times New Roman" panose="02020603050405020304" pitchFamily="18" charset="0"/>
-                <a:cs typeface="Times New Roman" panose="02020603050405020304" pitchFamily="18" charset="0"/>
-              </a:rPr>
-              <a:t>with camera</a:t>
-            </a:r>
+            <a:endParaRPr lang="en-US" dirty="0"/>
+          </a:p>
+        </p:txBody>
+      </p:sp>
+      <p:sp>
+        <p:nvSpPr>
+          <p:cNvPr id="8" name="矩形 7">
+            <a:extLst>
+              <a:ext uri="{FF2B5EF4-FFF2-40B4-BE49-F238E27FC236}">
+                <a16:creationId xmlns:a16="http://schemas.microsoft.com/office/drawing/2014/main" id="{529D1F49-F3F4-4BE9-AD3B-ADBB9B410D63}"/>
+              </a:ext>
+            </a:extLst>
+          </p:cNvPr>
+          <p:cNvSpPr/>
+          <p:nvPr/>
+        </p:nvSpPr>
+        <p:spPr>
+          <a:xfrm>
+            <a:off x="6411136" y="1607396"/>
+            <a:ext cx="4857611" cy="3643208"/>
+          </a:xfrm>
+          <a:prstGeom prst="rect">
+            <a:avLst/>
+          </a:prstGeom>
+          <a:ln/>
+        </p:spPr>
+        <p:style>
+          <a:lnRef idx="1">
+            <a:schemeClr val="accent3"/>
+          </a:lnRef>
+          <a:fillRef idx="2">
+            <a:schemeClr val="accent3"/>
+          </a:fillRef>
+          <a:effectRef idx="1">
+            <a:schemeClr val="accent3"/>
+          </a:effectRef>
+          <a:fontRef idx="minor">
+            <a:schemeClr val="dk1"/>
+          </a:fontRef>
+        </p:style>
+        <p:txBody>
+          <a:bodyPr rtlCol="0" anchor="ctr"/>
+          <a:lstStyle/>
+          <a:p>
+            <a:pPr algn="ctr"/>
+            <a:endParaRPr lang="en-US" dirty="0"/>
+          </a:p>
+        </p:txBody>
+      </p:sp>
+      <p:sp>
+        <p:nvSpPr>
+          <p:cNvPr id="9" name="矩形 8">
+            <a:extLst>
+              <a:ext uri="{FF2B5EF4-FFF2-40B4-BE49-F238E27FC236}">
+                <a16:creationId xmlns:a16="http://schemas.microsoft.com/office/drawing/2014/main" id="{D8A63A11-FA1F-4EF6-85E0-5B6AC86B48CE}"/>
+              </a:ext>
+            </a:extLst>
+          </p:cNvPr>
+          <p:cNvSpPr/>
+          <p:nvPr/>
+        </p:nvSpPr>
+        <p:spPr>
+          <a:xfrm>
+            <a:off x="7586422" y="2488861"/>
+            <a:ext cx="2507037" cy="1880278"/>
+          </a:xfrm>
+          <a:prstGeom prst="rect">
+            <a:avLst/>
+          </a:prstGeom>
+          <a:ln w="57150"/>
+        </p:spPr>
+        <p:style>
+          <a:lnRef idx="2">
+            <a:schemeClr val="dk1"/>
+          </a:lnRef>
+          <a:fillRef idx="1">
+            <a:schemeClr val="lt1"/>
+          </a:fillRef>
+          <a:effectRef idx="0">
+            <a:schemeClr val="dk1"/>
+          </a:effectRef>
+          <a:fontRef idx="minor">
+            <a:schemeClr val="dk1"/>
+          </a:fontRef>
+        </p:style>
+        <p:txBody>
+          <a:bodyPr rtlCol="0" anchor="ctr"/>
+          <a:lstStyle/>
+          <a:p>
+            <a:pPr algn="ctr"/>
+            <a:endParaRPr lang="en-US" dirty="0"/>
           </a:p>
         </p:txBody>
       </p:sp>
       <p:cxnSp>
         <p:nvCxnSpPr>
-          <p:cNvPr id="51" name="直接箭头连接符 50">
-            <a:extLst>
-              <a:ext uri="{FF2B5EF4-FFF2-40B4-BE49-F238E27FC236}">
-                <a16:creationId xmlns:a16="http://schemas.microsoft.com/office/drawing/2014/main" id="{49B12BB1-D6E3-460B-8EA0-C6DD2796B0A4}"/>
-              </a:ext>
-            </a:extLst>
-          </p:cNvPr>
-          <p:cNvCxnSpPr>
-            <a:cxnSpLocks/>
-            <a:stCxn id="37" idx="3"/>
-            <a:endCxn id="20" idx="1"/>
-          </p:cNvCxnSpPr>
+          <p:cNvPr id="13" name="直接箭头连接符 12">
+            <a:extLst>
+              <a:ext uri="{FF2B5EF4-FFF2-40B4-BE49-F238E27FC236}">
+                <a16:creationId xmlns:a16="http://schemas.microsoft.com/office/drawing/2014/main" id="{03331E04-633D-418B-BAFD-C055C7EA48EE}"/>
+              </a:ext>
+            </a:extLst>
+          </p:cNvPr>
+          <p:cNvCxnSpPr/>
           <p:nvPr/>
         </p:nvCxnSpPr>
         <p:spPr>
-          <a:xfrm flipV="1">
-            <a:off x="3563776" y="3784594"/>
-            <a:ext cx="319032" cy="1"/>
+          <a:xfrm>
+            <a:off x="3735092" y="1332854"/>
+            <a:ext cx="2045774" cy="0"/>
           </a:xfrm>
           <a:prstGeom prst="straightConnector1">
             <a:avLst/>
@@ -13117,38 +15178,38 @@
           </a:ln>
         </p:spPr>
         <p:style>
-          <a:lnRef idx="1">
-            <a:schemeClr val="accent1"/>
+          <a:lnRef idx="2">
+            <a:schemeClr val="dk1"/>
           </a:lnRef>
           <a:fillRef idx="0">
-            <a:schemeClr val="accent1"/>
+            <a:schemeClr val="dk1"/>
           </a:fillRef>
-          <a:effectRef idx="0">
-            <a:schemeClr val="accent1"/>
+          <a:effectRef idx="1">
+            <a:schemeClr val="dk1"/>
           </a:effectRef>
           <a:fontRef idx="minor">
             <a:schemeClr val="tx1"/>
           </a:fontRef>
         </p:style>
       </p:cxnSp>
-      <p:sp>
-        <p:nvSpPr>
-          <p:cNvPr id="20" name="矩形 19">
-            <a:extLst>
-              <a:ext uri="{FF2B5EF4-FFF2-40B4-BE49-F238E27FC236}">
-                <a16:creationId xmlns:a16="http://schemas.microsoft.com/office/drawing/2014/main" id="{7BE92F61-FE33-49BF-B30A-46435B6EDB52}"/>
-              </a:ext>
-            </a:extLst>
-          </p:cNvPr>
-          <p:cNvSpPr/>
+      <p:cxnSp>
+        <p:nvCxnSpPr>
+          <p:cNvPr id="15" name="直接连接符 14">
+            <a:extLst>
+              <a:ext uri="{FF2B5EF4-FFF2-40B4-BE49-F238E27FC236}">
+                <a16:creationId xmlns:a16="http://schemas.microsoft.com/office/drawing/2014/main" id="{FB93E377-BBA7-4538-8C4E-D1C0C76D8B1C}"/>
+              </a:ext>
+            </a:extLst>
+          </p:cNvPr>
+          <p:cNvCxnSpPr/>
           <p:nvPr/>
-        </p:nvSpPr>
+        </p:nvCxnSpPr>
         <p:spPr>
-          <a:xfrm>
-            <a:off x="3882808" y="3018635"/>
-            <a:ext cx="1814563" cy="1531917"/>
+          <a:xfrm flipV="1">
+            <a:off x="5780866" y="1084881"/>
+            <a:ext cx="0" cy="522515"/>
           </a:xfrm>
-          <a:prstGeom prst="rect">
+          <a:prstGeom prst="line">
             <a:avLst/>
           </a:prstGeom>
         </p:spPr>
@@ -13156,140 +15217,35 @@
           <a:lnRef idx="2">
             <a:schemeClr val="dk1"/>
           </a:lnRef>
-          <a:fillRef idx="1">
-            <a:schemeClr val="lt1"/>
+          <a:fillRef idx="0">
+            <a:schemeClr val="dk1"/>
           </a:fillRef>
-          <a:effectRef idx="0">
+          <a:effectRef idx="1">
             <a:schemeClr val="dk1"/>
           </a:effectRef>
           <a:fontRef idx="minor">
-            <a:schemeClr val="dk1"/>
+            <a:schemeClr val="tx1"/>
           </a:fontRef>
         </p:style>
-        <p:txBody>
-          <a:bodyPr rtlCol="0" anchor="ctr"/>
-          <a:lstStyle/>
-          <a:p>
-            <a:pPr algn="ctr"/>
-            <a:r>
-              <a:rPr lang="en-US" dirty="0" smtClean="0">
-                <a:latin typeface="Times New Roman" panose="02020603050405020304" pitchFamily="18" charset="0"/>
-                <a:cs typeface="Times New Roman" panose="02020603050405020304" pitchFamily="18" charset="0"/>
-              </a:rPr>
-              <a:t>Color </a:t>
-            </a:r>
-            <a:r>
-              <a:rPr lang="en-US" dirty="0" smtClean="0">
-                <a:latin typeface="Times New Roman" panose="02020603050405020304" pitchFamily="18" charset="0"/>
-                <a:cs typeface="Times New Roman" panose="02020603050405020304" pitchFamily="18" charset="0"/>
-              </a:rPr>
-              <a:t>the </a:t>
-            </a:r>
-            <a:r>
-              <a:rPr lang="en-US" dirty="0">
-                <a:latin typeface="Times New Roman" panose="02020603050405020304" pitchFamily="18" charset="0"/>
-                <a:cs typeface="Times New Roman" panose="02020603050405020304" pitchFamily="18" charset="0"/>
-              </a:rPr>
-              <a:t>identification </a:t>
-            </a:r>
-            <a:r>
-              <a:rPr lang="en-US" dirty="0" smtClean="0">
-                <a:latin typeface="Times New Roman" panose="02020603050405020304" pitchFamily="18" charset="0"/>
-                <a:cs typeface="Times New Roman" panose="02020603050405020304" pitchFamily="18" charset="0"/>
-              </a:rPr>
-              <a:t>map2 </a:t>
-            </a:r>
-            <a:endParaRPr lang="en-US" dirty="0">
-              <a:latin typeface="Times New Roman" panose="02020603050405020304" pitchFamily="18" charset="0"/>
-              <a:cs typeface="Times New Roman" panose="02020603050405020304" pitchFamily="18" charset="0"/>
-            </a:endParaRPr>
-          </a:p>
-        </p:txBody>
-      </p:sp>
-      <p:sp>
-        <p:nvSpPr>
-          <p:cNvPr id="23" name="矩形 22">
-            <a:extLst>
-              <a:ext uri="{FF2B5EF4-FFF2-40B4-BE49-F238E27FC236}">
-                <a16:creationId xmlns:a16="http://schemas.microsoft.com/office/drawing/2014/main" id="{7BE92F61-FE33-49BF-B30A-46435B6EDB52}"/>
-              </a:ext>
-            </a:extLst>
-          </p:cNvPr>
-          <p:cNvSpPr/>
-          <p:nvPr/>
-        </p:nvSpPr>
-        <p:spPr>
-          <a:xfrm>
-            <a:off x="6148633" y="3018635"/>
-            <a:ext cx="1974089" cy="1531917"/>
-          </a:xfrm>
-          <a:prstGeom prst="rect">
-            <a:avLst/>
-          </a:prstGeom>
-        </p:spPr>
-        <p:style>
-          <a:lnRef idx="2">
-            <a:schemeClr val="dk1"/>
-          </a:lnRef>
-          <a:fillRef idx="1">
-            <a:schemeClr val="lt1"/>
-          </a:fillRef>
-          <a:effectRef idx="0">
-            <a:schemeClr val="dk1"/>
-          </a:effectRef>
-          <a:fontRef idx="minor">
-            <a:schemeClr val="dk1"/>
-          </a:fontRef>
-        </p:style>
-        <p:txBody>
-          <a:bodyPr rtlCol="0" anchor="ctr"/>
-          <a:lstStyle/>
-          <a:p>
-            <a:pPr algn="ctr"/>
-            <a:r>
-              <a:rPr lang="en-US" dirty="0">
-                <a:latin typeface="Times New Roman" panose="02020603050405020304" pitchFamily="18" charset="0"/>
-                <a:cs typeface="Times New Roman" panose="02020603050405020304" pitchFamily="18" charset="0"/>
-              </a:rPr>
-              <a:t>Scan the identification </a:t>
-            </a:r>
-            <a:r>
-              <a:rPr lang="en-US" dirty="0" smtClean="0">
-                <a:latin typeface="Times New Roman" panose="02020603050405020304" pitchFamily="18" charset="0"/>
-                <a:cs typeface="Times New Roman" panose="02020603050405020304" pitchFamily="18" charset="0"/>
-              </a:rPr>
-              <a:t>map2 </a:t>
-            </a:r>
-            <a:r>
-              <a:rPr lang="en-US" dirty="0">
-                <a:latin typeface="Times New Roman" panose="02020603050405020304" pitchFamily="18" charset="0"/>
-                <a:cs typeface="Times New Roman" panose="02020603050405020304" pitchFamily="18" charset="0"/>
-              </a:rPr>
-              <a:t>with camera</a:t>
-            </a:r>
-          </a:p>
-        </p:txBody>
-      </p:sp>
+      </p:cxnSp>
       <p:cxnSp>
         <p:nvCxnSpPr>
-          <p:cNvPr id="24" name="直接箭头连接符 23">
-            <a:extLst>
-              <a:ext uri="{FF2B5EF4-FFF2-40B4-BE49-F238E27FC236}">
-                <a16:creationId xmlns:a16="http://schemas.microsoft.com/office/drawing/2014/main" id="{49B12BB1-D6E3-460B-8EA0-C6DD2796B0A4}"/>
+          <p:cNvPr id="17" name="直接箭头连接符 16">
+            <a:extLst>
+              <a:ext uri="{FF2B5EF4-FFF2-40B4-BE49-F238E27FC236}">
+                <a16:creationId xmlns:a16="http://schemas.microsoft.com/office/drawing/2014/main" id="{6A441A8A-65FC-45BA-BD71-B5C4D1391114}"/>
               </a:ext>
             </a:extLst>
           </p:cNvPr>
           <p:cNvCxnSpPr>
             <a:cxnSpLocks/>
-            <a:stCxn id="23" idx="3"/>
-            <a:endCxn id="25" idx="1"/>
           </p:cNvCxnSpPr>
           <p:nvPr/>
         </p:nvCxnSpPr>
         <p:spPr>
-          <a:xfrm>
-            <a:off x="8122722" y="3784594"/>
-            <a:ext cx="508236" cy="0"/>
+          <a:xfrm flipH="1">
+            <a:off x="923255" y="1317354"/>
+            <a:ext cx="1866440" cy="0"/>
           </a:xfrm>
           <a:prstGeom prst="straightConnector1">
             <a:avLst/>
@@ -13299,14 +15255,50 @@
           </a:ln>
         </p:spPr>
         <p:style>
-          <a:lnRef idx="1">
-            <a:schemeClr val="accent1"/>
+          <a:lnRef idx="2">
+            <a:schemeClr val="dk1"/>
           </a:lnRef>
           <a:fillRef idx="0">
-            <a:schemeClr val="accent1"/>
+            <a:schemeClr val="dk1"/>
           </a:fillRef>
-          <a:effectRef idx="0">
-            <a:schemeClr val="accent1"/>
+          <a:effectRef idx="1">
+            <a:schemeClr val="dk1"/>
+          </a:effectRef>
+          <a:fontRef idx="minor">
+            <a:schemeClr val="tx1"/>
+          </a:fontRef>
+        </p:style>
+      </p:cxnSp>
+      <p:cxnSp>
+        <p:nvCxnSpPr>
+          <p:cNvPr id="18" name="直接连接符 17">
+            <a:extLst>
+              <a:ext uri="{FF2B5EF4-FFF2-40B4-BE49-F238E27FC236}">
+                <a16:creationId xmlns:a16="http://schemas.microsoft.com/office/drawing/2014/main" id="{4EFF2A5A-B823-4CFE-984F-63398252656F}"/>
+              </a:ext>
+            </a:extLst>
+          </p:cNvPr>
+          <p:cNvCxnSpPr/>
+          <p:nvPr/>
+        </p:nvCxnSpPr>
+        <p:spPr>
+          <a:xfrm flipV="1">
+            <a:off x="923255" y="1071596"/>
+            <a:ext cx="0" cy="522515"/>
+          </a:xfrm>
+          <a:prstGeom prst="line">
+            <a:avLst/>
+          </a:prstGeom>
+        </p:spPr>
+        <p:style>
+          <a:lnRef idx="2">
+            <a:schemeClr val="dk1"/>
+          </a:lnRef>
+          <a:fillRef idx="0">
+            <a:schemeClr val="dk1"/>
+          </a:fillRef>
+          <a:effectRef idx="1">
+            <a:schemeClr val="dk1"/>
           </a:effectRef>
           <a:fontRef idx="minor">
             <a:schemeClr val="tx1"/>
@@ -13315,85 +15307,57 @@
       </p:cxnSp>
       <p:sp>
         <p:nvSpPr>
-          <p:cNvPr id="25" name="矩形 24">
-            <a:extLst>
-              <a:ext uri="{FF2B5EF4-FFF2-40B4-BE49-F238E27FC236}">
-                <a16:creationId xmlns:a16="http://schemas.microsoft.com/office/drawing/2014/main" id="{7BE92F61-FE33-49BF-B30A-46435B6EDB52}"/>
-              </a:ext>
-            </a:extLst>
-          </p:cNvPr>
-          <p:cNvSpPr/>
+          <p:cNvPr id="20" name="文本框 19">
+            <a:extLst>
+              <a:ext uri="{FF2B5EF4-FFF2-40B4-BE49-F238E27FC236}">
+                <a16:creationId xmlns:a16="http://schemas.microsoft.com/office/drawing/2014/main" id="{C5A40D84-3E98-4BAE-8EE9-DDDAE0443C01}"/>
+              </a:ext>
+            </a:extLst>
+          </p:cNvPr>
+          <p:cNvSpPr txBox="1"/>
           <p:nvPr/>
         </p:nvSpPr>
         <p:spPr>
           <a:xfrm>
-            <a:off x="8630958" y="3018635"/>
-            <a:ext cx="1410744" cy="1531917"/>
+            <a:off x="3072864" y="871032"/>
+            <a:ext cx="429926" cy="707886"/>
           </a:xfrm>
           <a:prstGeom prst="rect">
             <a:avLst/>
           </a:prstGeom>
+          <a:noFill/>
         </p:spPr>
-        <p:style>
-          <a:lnRef idx="2">
-            <a:schemeClr val="dk1"/>
-          </a:lnRef>
-          <a:fillRef idx="1">
-            <a:schemeClr val="lt1"/>
-          </a:fillRef>
-          <a:effectRef idx="0">
-            <a:schemeClr val="dk1"/>
-          </a:effectRef>
-          <a:fontRef idx="minor">
-            <a:schemeClr val="dk1"/>
-          </a:fontRef>
-        </p:style>
         <p:txBody>
-          <a:bodyPr rtlCol="0" anchor="ctr"/>
+          <a:bodyPr wrap="none" rtlCol="0">
+            <a:spAutoFit/>
+          </a:bodyPr>
           <a:lstStyle/>
           <a:p>
-            <a:pPr algn="ctr"/>
             <a:r>
-              <a:rPr lang="en-US" dirty="0" smtClean="0">
-                <a:latin typeface="Times New Roman" panose="02020603050405020304" pitchFamily="18" charset="0"/>
-                <a:cs typeface="Times New Roman" panose="02020603050405020304" pitchFamily="18" charset="0"/>
-              </a:rPr>
-              <a:t>Show the 3D mo</a:t>
+              <a:rPr lang="en-US" sz="4000" dirty="0"/>
+              <a:t>a</a:t>
             </a:r>
-            <a:r>
-              <a:rPr lang="en-US" dirty="0" smtClean="0">
-                <a:latin typeface="Times New Roman" panose="02020603050405020304" pitchFamily="18" charset="0"/>
-                <a:cs typeface="Times New Roman" panose="02020603050405020304" pitchFamily="18" charset="0"/>
-              </a:rPr>
-              <a:t>del</a:t>
-            </a:r>
-            <a:endParaRPr lang="en-US" dirty="0">
-              <a:latin typeface="Times New Roman" panose="02020603050405020304" pitchFamily="18" charset="0"/>
-              <a:cs typeface="Times New Roman" panose="02020603050405020304" pitchFamily="18" charset="0"/>
-            </a:endParaRPr>
           </a:p>
         </p:txBody>
       </p:sp>
       <p:cxnSp>
         <p:nvCxnSpPr>
-          <p:cNvPr id="26" name="直接箭头连接符 25">
-            <a:extLst>
-              <a:ext uri="{FF2B5EF4-FFF2-40B4-BE49-F238E27FC236}">
-                <a16:creationId xmlns:a16="http://schemas.microsoft.com/office/drawing/2014/main" id="{49B12BB1-D6E3-460B-8EA0-C6DD2796B0A4}"/>
+          <p:cNvPr id="21" name="直接箭头连接符 20">
+            <a:extLst>
+              <a:ext uri="{FF2B5EF4-FFF2-40B4-BE49-F238E27FC236}">
+                <a16:creationId xmlns:a16="http://schemas.microsoft.com/office/drawing/2014/main" id="{D784ACC2-73D4-4EA6-8398-38A5F7D14906}"/>
               </a:ext>
             </a:extLst>
           </p:cNvPr>
           <p:cNvCxnSpPr>
             <a:cxnSpLocks/>
-            <a:stCxn id="20" idx="3"/>
-            <a:endCxn id="23" idx="1"/>
           </p:cNvCxnSpPr>
           <p:nvPr/>
         </p:nvCxnSpPr>
         <p:spPr>
           <a:xfrm>
-            <a:off x="5697371" y="3784594"/>
-            <a:ext cx="451262" cy="0"/>
+            <a:off x="8870572" y="2145105"/>
+            <a:ext cx="1222887" cy="0"/>
           </a:xfrm>
           <a:prstGeom prst="straightConnector1">
             <a:avLst/>
@@ -13403,24 +15367,1128 @@
           </a:ln>
         </p:spPr>
         <p:style>
-          <a:lnRef idx="1">
-            <a:schemeClr val="accent1"/>
+          <a:lnRef idx="2">
+            <a:schemeClr val="dk1"/>
           </a:lnRef>
           <a:fillRef idx="0">
-            <a:schemeClr val="accent1"/>
+            <a:schemeClr val="dk1"/>
           </a:fillRef>
-          <a:effectRef idx="0">
-            <a:schemeClr val="accent1"/>
+          <a:effectRef idx="1">
+            <a:schemeClr val="dk1"/>
           </a:effectRef>
           <a:fontRef idx="minor">
             <a:schemeClr val="tx1"/>
           </a:fontRef>
         </p:style>
       </p:cxnSp>
+      <p:cxnSp>
+        <p:nvCxnSpPr>
+          <p:cNvPr id="22" name="直接连接符 21">
+            <a:extLst>
+              <a:ext uri="{FF2B5EF4-FFF2-40B4-BE49-F238E27FC236}">
+                <a16:creationId xmlns:a16="http://schemas.microsoft.com/office/drawing/2014/main" id="{42248FB6-F434-4137-8DB4-1A6FA8F35337}"/>
+              </a:ext>
+            </a:extLst>
+          </p:cNvPr>
+          <p:cNvCxnSpPr/>
+          <p:nvPr/>
+        </p:nvCxnSpPr>
+        <p:spPr>
+          <a:xfrm flipV="1">
+            <a:off x="10093459" y="1966346"/>
+            <a:ext cx="0" cy="522515"/>
+          </a:xfrm>
+          <a:prstGeom prst="line">
+            <a:avLst/>
+          </a:prstGeom>
+        </p:spPr>
+        <p:style>
+          <a:lnRef idx="2">
+            <a:schemeClr val="dk1"/>
+          </a:lnRef>
+          <a:fillRef idx="0">
+            <a:schemeClr val="dk1"/>
+          </a:fillRef>
+          <a:effectRef idx="1">
+            <a:schemeClr val="dk1"/>
+          </a:effectRef>
+          <a:fontRef idx="minor">
+            <a:schemeClr val="tx1"/>
+          </a:fontRef>
+        </p:style>
+      </p:cxnSp>
+      <p:cxnSp>
+        <p:nvCxnSpPr>
+          <p:cNvPr id="23" name="直接箭头连接符 22">
+            <a:extLst>
+              <a:ext uri="{FF2B5EF4-FFF2-40B4-BE49-F238E27FC236}">
+                <a16:creationId xmlns:a16="http://schemas.microsoft.com/office/drawing/2014/main" id="{F270F791-688B-437C-92B0-4058DAFA3ACE}"/>
+              </a:ext>
+            </a:extLst>
+          </p:cNvPr>
+          <p:cNvCxnSpPr>
+            <a:cxnSpLocks/>
+          </p:cNvCxnSpPr>
+          <p:nvPr/>
+        </p:nvCxnSpPr>
+        <p:spPr>
+          <a:xfrm flipH="1">
+            <a:off x="6411134" y="2116321"/>
+            <a:ext cx="1656997" cy="0"/>
+          </a:xfrm>
+          <a:prstGeom prst="straightConnector1">
+            <a:avLst/>
+          </a:prstGeom>
+          <a:ln>
+            <a:tailEnd type="triangle"/>
+          </a:ln>
+        </p:spPr>
+        <p:style>
+          <a:lnRef idx="2">
+            <a:schemeClr val="dk1"/>
+          </a:lnRef>
+          <a:fillRef idx="0">
+            <a:schemeClr val="dk1"/>
+          </a:fillRef>
+          <a:effectRef idx="1">
+            <a:schemeClr val="dk1"/>
+          </a:effectRef>
+          <a:fontRef idx="minor">
+            <a:schemeClr val="tx1"/>
+          </a:fontRef>
+        </p:style>
+      </p:cxnSp>
+      <p:cxnSp>
+        <p:nvCxnSpPr>
+          <p:cNvPr id="24" name="直接连接符 23">
+            <a:extLst>
+              <a:ext uri="{FF2B5EF4-FFF2-40B4-BE49-F238E27FC236}">
+                <a16:creationId xmlns:a16="http://schemas.microsoft.com/office/drawing/2014/main" id="{E7084233-B027-47C7-9FAC-446CD106C92A}"/>
+              </a:ext>
+            </a:extLst>
+          </p:cNvPr>
+          <p:cNvCxnSpPr/>
+          <p:nvPr/>
+        </p:nvCxnSpPr>
+        <p:spPr>
+          <a:xfrm flipV="1">
+            <a:off x="6411134" y="1870563"/>
+            <a:ext cx="0" cy="522515"/>
+          </a:xfrm>
+          <a:prstGeom prst="line">
+            <a:avLst/>
+          </a:prstGeom>
+        </p:spPr>
+        <p:style>
+          <a:lnRef idx="2">
+            <a:schemeClr val="dk1"/>
+          </a:lnRef>
+          <a:fillRef idx="0">
+            <a:schemeClr val="dk1"/>
+          </a:fillRef>
+          <a:effectRef idx="1">
+            <a:schemeClr val="dk1"/>
+          </a:effectRef>
+          <a:fontRef idx="minor">
+            <a:schemeClr val="tx1"/>
+          </a:fontRef>
+        </p:style>
+      </p:cxnSp>
+      <p:sp>
+        <p:nvSpPr>
+          <p:cNvPr id="25" name="文本框 24">
+            <a:extLst>
+              <a:ext uri="{FF2B5EF4-FFF2-40B4-BE49-F238E27FC236}">
+                <a16:creationId xmlns:a16="http://schemas.microsoft.com/office/drawing/2014/main" id="{E6DBA2E1-CAE3-40CB-BF0D-C42454202261}"/>
+              </a:ext>
+            </a:extLst>
+          </p:cNvPr>
+          <p:cNvSpPr txBox="1"/>
+          <p:nvPr/>
+        </p:nvSpPr>
+        <p:spPr>
+          <a:xfrm>
+            <a:off x="8240302" y="1752193"/>
+            <a:ext cx="343443" cy="728255"/>
+          </a:xfrm>
+          <a:prstGeom prst="rect">
+            <a:avLst/>
+          </a:prstGeom>
+          <a:noFill/>
+        </p:spPr>
+        <p:txBody>
+          <a:bodyPr wrap="square" rtlCol="0">
+            <a:spAutoFit/>
+          </a:bodyPr>
+          <a:lstStyle/>
+          <a:p>
+            <a:r>
+              <a:rPr lang="en-US" sz="4000" dirty="0"/>
+              <a:t>e</a:t>
+            </a:r>
+          </a:p>
+        </p:txBody>
+      </p:sp>
+      <p:cxnSp>
+        <p:nvCxnSpPr>
+          <p:cNvPr id="29" name="直接箭头连接符 28">
+            <a:extLst>
+              <a:ext uri="{FF2B5EF4-FFF2-40B4-BE49-F238E27FC236}">
+                <a16:creationId xmlns:a16="http://schemas.microsoft.com/office/drawing/2014/main" id="{E9E3FD97-E31D-4145-B71D-7FD2C11D35FB}"/>
+              </a:ext>
+            </a:extLst>
+          </p:cNvPr>
+          <p:cNvCxnSpPr>
+            <a:cxnSpLocks/>
+          </p:cNvCxnSpPr>
+          <p:nvPr/>
+        </p:nvCxnSpPr>
+        <p:spPr>
+          <a:xfrm>
+            <a:off x="3735092" y="2216090"/>
+            <a:ext cx="870486" cy="0"/>
+          </a:xfrm>
+          <a:prstGeom prst="straightConnector1">
+            <a:avLst/>
+          </a:prstGeom>
+          <a:ln>
+            <a:tailEnd type="triangle"/>
+          </a:ln>
+        </p:spPr>
+        <p:style>
+          <a:lnRef idx="2">
+            <a:schemeClr val="dk1"/>
+          </a:lnRef>
+          <a:fillRef idx="0">
+            <a:schemeClr val="dk1"/>
+          </a:fillRef>
+          <a:effectRef idx="1">
+            <a:schemeClr val="dk1"/>
+          </a:effectRef>
+          <a:fontRef idx="minor">
+            <a:schemeClr val="tx1"/>
+          </a:fontRef>
+        </p:style>
+      </p:cxnSp>
+      <p:cxnSp>
+        <p:nvCxnSpPr>
+          <p:cNvPr id="30" name="直接连接符 29">
+            <a:extLst>
+              <a:ext uri="{FF2B5EF4-FFF2-40B4-BE49-F238E27FC236}">
+                <a16:creationId xmlns:a16="http://schemas.microsoft.com/office/drawing/2014/main" id="{289262B3-48DB-48B6-8A3E-96755126FF56}"/>
+              </a:ext>
+            </a:extLst>
+          </p:cNvPr>
+          <p:cNvCxnSpPr>
+            <a:cxnSpLocks/>
+          </p:cNvCxnSpPr>
+          <p:nvPr/>
+        </p:nvCxnSpPr>
+        <p:spPr>
+          <a:xfrm flipV="1">
+            <a:off x="4626151" y="2048129"/>
+            <a:ext cx="0" cy="522514"/>
+          </a:xfrm>
+          <a:prstGeom prst="line">
+            <a:avLst/>
+          </a:prstGeom>
+        </p:spPr>
+        <p:style>
+          <a:lnRef idx="2">
+            <a:schemeClr val="dk1"/>
+          </a:lnRef>
+          <a:fillRef idx="0">
+            <a:schemeClr val="dk1"/>
+          </a:fillRef>
+          <a:effectRef idx="1">
+            <a:schemeClr val="dk1"/>
+          </a:effectRef>
+          <a:fontRef idx="minor">
+            <a:schemeClr val="tx1"/>
+          </a:fontRef>
+        </p:style>
+      </p:cxnSp>
+      <p:cxnSp>
+        <p:nvCxnSpPr>
+          <p:cNvPr id="31" name="直接箭头连接符 30">
+            <a:extLst>
+              <a:ext uri="{FF2B5EF4-FFF2-40B4-BE49-F238E27FC236}">
+                <a16:creationId xmlns:a16="http://schemas.microsoft.com/office/drawing/2014/main" id="{06872EA8-0EDA-4A33-91D2-3EF86EDB8752}"/>
+              </a:ext>
+            </a:extLst>
+          </p:cNvPr>
+          <p:cNvCxnSpPr>
+            <a:cxnSpLocks/>
+          </p:cNvCxnSpPr>
+          <p:nvPr/>
+        </p:nvCxnSpPr>
+        <p:spPr>
+          <a:xfrm flipH="1">
+            <a:off x="2075206" y="2216090"/>
+            <a:ext cx="853974" cy="0"/>
+          </a:xfrm>
+          <a:prstGeom prst="straightConnector1">
+            <a:avLst/>
+          </a:prstGeom>
+          <a:ln>
+            <a:tailEnd type="triangle"/>
+          </a:ln>
+        </p:spPr>
+        <p:style>
+          <a:lnRef idx="2">
+            <a:schemeClr val="dk1"/>
+          </a:lnRef>
+          <a:fillRef idx="0">
+            <a:schemeClr val="dk1"/>
+          </a:fillRef>
+          <a:effectRef idx="1">
+            <a:schemeClr val="dk1"/>
+          </a:effectRef>
+          <a:fontRef idx="minor">
+            <a:schemeClr val="tx1"/>
+          </a:fontRef>
+        </p:style>
+      </p:cxnSp>
+      <p:cxnSp>
+        <p:nvCxnSpPr>
+          <p:cNvPr id="32" name="直接连接符 31">
+            <a:extLst>
+              <a:ext uri="{FF2B5EF4-FFF2-40B4-BE49-F238E27FC236}">
+                <a16:creationId xmlns:a16="http://schemas.microsoft.com/office/drawing/2014/main" id="{72448C6A-6903-4FBE-86C1-8BB31C7D36F2}"/>
+              </a:ext>
+            </a:extLst>
+          </p:cNvPr>
+          <p:cNvCxnSpPr>
+            <a:cxnSpLocks/>
+          </p:cNvCxnSpPr>
+          <p:nvPr/>
+        </p:nvCxnSpPr>
+        <p:spPr>
+          <a:xfrm flipV="1">
+            <a:off x="2075206" y="1970333"/>
+            <a:ext cx="0" cy="522514"/>
+          </a:xfrm>
+          <a:prstGeom prst="line">
+            <a:avLst/>
+          </a:prstGeom>
+        </p:spPr>
+        <p:style>
+          <a:lnRef idx="2">
+            <a:schemeClr val="dk1"/>
+          </a:lnRef>
+          <a:fillRef idx="0">
+            <a:schemeClr val="dk1"/>
+          </a:fillRef>
+          <a:effectRef idx="1">
+            <a:schemeClr val="dk1"/>
+          </a:effectRef>
+          <a:fontRef idx="minor">
+            <a:schemeClr val="tx1"/>
+          </a:fontRef>
+        </p:style>
+      </p:cxnSp>
+      <p:sp>
+        <p:nvSpPr>
+          <p:cNvPr id="33" name="文本框 32">
+            <a:extLst>
+              <a:ext uri="{FF2B5EF4-FFF2-40B4-BE49-F238E27FC236}">
+                <a16:creationId xmlns:a16="http://schemas.microsoft.com/office/drawing/2014/main" id="{8D59D701-C47A-4832-86FC-5F4B7CB28EAB}"/>
+              </a:ext>
+            </a:extLst>
+          </p:cNvPr>
+          <p:cNvSpPr txBox="1"/>
+          <p:nvPr/>
+        </p:nvSpPr>
+        <p:spPr>
+          <a:xfrm>
+            <a:off x="3129522" y="1774333"/>
+            <a:ext cx="429926" cy="707886"/>
+          </a:xfrm>
+          <a:prstGeom prst="rect">
+            <a:avLst/>
+          </a:prstGeom>
+          <a:noFill/>
+        </p:spPr>
+        <p:txBody>
+          <a:bodyPr wrap="square" rtlCol="0">
+            <a:spAutoFit/>
+          </a:bodyPr>
+          <a:lstStyle/>
+          <a:p>
+            <a:r>
+              <a:rPr lang="en-US" sz="4000" dirty="0"/>
+              <a:t>c</a:t>
+            </a:r>
+          </a:p>
+        </p:txBody>
+      </p:sp>
+      <p:cxnSp>
+        <p:nvCxnSpPr>
+          <p:cNvPr id="49" name="直接连接符 48">
+            <a:extLst>
+              <a:ext uri="{FF2B5EF4-FFF2-40B4-BE49-F238E27FC236}">
+                <a16:creationId xmlns:a16="http://schemas.microsoft.com/office/drawing/2014/main" id="{3D4C4800-AC39-4754-AA16-BE18E1EC2769}"/>
+              </a:ext>
+            </a:extLst>
+          </p:cNvPr>
+          <p:cNvCxnSpPr/>
+          <p:nvPr/>
+        </p:nvCxnSpPr>
+        <p:spPr>
+          <a:xfrm>
+            <a:off x="340963" y="1594111"/>
+            <a:ext cx="582292" cy="0"/>
+          </a:xfrm>
+          <a:prstGeom prst="line">
+            <a:avLst/>
+          </a:prstGeom>
+        </p:spPr>
+        <p:style>
+          <a:lnRef idx="2">
+            <a:schemeClr val="dk1"/>
+          </a:lnRef>
+          <a:fillRef idx="0">
+            <a:schemeClr val="dk1"/>
+          </a:fillRef>
+          <a:effectRef idx="1">
+            <a:schemeClr val="dk1"/>
+          </a:effectRef>
+          <a:fontRef idx="minor">
+            <a:schemeClr val="tx1"/>
+          </a:fontRef>
+        </p:style>
+      </p:cxnSp>
+      <p:cxnSp>
+        <p:nvCxnSpPr>
+          <p:cNvPr id="50" name="直接连接符 49">
+            <a:extLst>
+              <a:ext uri="{FF2B5EF4-FFF2-40B4-BE49-F238E27FC236}">
+                <a16:creationId xmlns:a16="http://schemas.microsoft.com/office/drawing/2014/main" id="{4B09FD59-C1CD-407D-8E08-27F6A2B386B8}"/>
+              </a:ext>
+            </a:extLst>
+          </p:cNvPr>
+          <p:cNvCxnSpPr/>
+          <p:nvPr/>
+        </p:nvCxnSpPr>
+        <p:spPr>
+          <a:xfrm>
+            <a:off x="340963" y="5250604"/>
+            <a:ext cx="582292" cy="0"/>
+          </a:xfrm>
+          <a:prstGeom prst="line">
+            <a:avLst/>
+          </a:prstGeom>
+        </p:spPr>
+        <p:style>
+          <a:lnRef idx="2">
+            <a:schemeClr val="dk1"/>
+          </a:lnRef>
+          <a:fillRef idx="0">
+            <a:schemeClr val="dk1"/>
+          </a:fillRef>
+          <a:effectRef idx="1">
+            <a:schemeClr val="dk1"/>
+          </a:effectRef>
+          <a:fontRef idx="minor">
+            <a:schemeClr val="tx1"/>
+          </a:fontRef>
+        </p:style>
+      </p:cxnSp>
+      <p:cxnSp>
+        <p:nvCxnSpPr>
+          <p:cNvPr id="51" name="直接连接符 50">
+            <a:extLst>
+              <a:ext uri="{FF2B5EF4-FFF2-40B4-BE49-F238E27FC236}">
+                <a16:creationId xmlns:a16="http://schemas.microsoft.com/office/drawing/2014/main" id="{62312A84-3CB7-4D09-85CD-DACC7A0120F8}"/>
+              </a:ext>
+            </a:extLst>
+          </p:cNvPr>
+          <p:cNvCxnSpPr/>
+          <p:nvPr/>
+        </p:nvCxnSpPr>
+        <p:spPr>
+          <a:xfrm>
+            <a:off x="1516249" y="2519720"/>
+            <a:ext cx="582292" cy="0"/>
+          </a:xfrm>
+          <a:prstGeom prst="line">
+            <a:avLst/>
+          </a:prstGeom>
+        </p:spPr>
+        <p:style>
+          <a:lnRef idx="2">
+            <a:schemeClr val="dk1"/>
+          </a:lnRef>
+          <a:fillRef idx="0">
+            <a:schemeClr val="dk1"/>
+          </a:fillRef>
+          <a:effectRef idx="1">
+            <a:schemeClr val="dk1"/>
+          </a:effectRef>
+          <a:fontRef idx="minor">
+            <a:schemeClr val="tx1"/>
+          </a:fontRef>
+        </p:style>
+      </p:cxnSp>
+      <p:cxnSp>
+        <p:nvCxnSpPr>
+          <p:cNvPr id="52" name="直接连接符 51">
+            <a:extLst>
+              <a:ext uri="{FF2B5EF4-FFF2-40B4-BE49-F238E27FC236}">
+                <a16:creationId xmlns:a16="http://schemas.microsoft.com/office/drawing/2014/main" id="{E46C2F7C-B57C-4860-9DEB-9912864DDB7E}"/>
+              </a:ext>
+            </a:extLst>
+          </p:cNvPr>
+          <p:cNvCxnSpPr/>
+          <p:nvPr/>
+        </p:nvCxnSpPr>
+        <p:spPr>
+          <a:xfrm>
+            <a:off x="1516249" y="4369139"/>
+            <a:ext cx="582292" cy="0"/>
+          </a:xfrm>
+          <a:prstGeom prst="line">
+            <a:avLst/>
+          </a:prstGeom>
+        </p:spPr>
+        <p:style>
+          <a:lnRef idx="2">
+            <a:schemeClr val="dk1"/>
+          </a:lnRef>
+          <a:fillRef idx="0">
+            <a:schemeClr val="dk1"/>
+          </a:fillRef>
+          <a:effectRef idx="1">
+            <a:schemeClr val="dk1"/>
+          </a:effectRef>
+          <a:fontRef idx="minor">
+            <a:schemeClr val="tx1"/>
+          </a:fontRef>
+        </p:style>
+      </p:cxnSp>
+      <p:cxnSp>
+        <p:nvCxnSpPr>
+          <p:cNvPr id="53" name="直接连接符 52">
+            <a:extLst>
+              <a:ext uri="{FF2B5EF4-FFF2-40B4-BE49-F238E27FC236}">
+                <a16:creationId xmlns:a16="http://schemas.microsoft.com/office/drawing/2014/main" id="{6358BB26-EA63-4737-BB19-AE56CA67679C}"/>
+              </a:ext>
+            </a:extLst>
+          </p:cNvPr>
+          <p:cNvCxnSpPr/>
+          <p:nvPr/>
+        </p:nvCxnSpPr>
+        <p:spPr>
+          <a:xfrm>
+            <a:off x="10093459" y="2480836"/>
+            <a:ext cx="582292" cy="0"/>
+          </a:xfrm>
+          <a:prstGeom prst="line">
+            <a:avLst/>
+          </a:prstGeom>
+        </p:spPr>
+        <p:style>
+          <a:lnRef idx="2">
+            <a:schemeClr val="dk1"/>
+          </a:lnRef>
+          <a:fillRef idx="0">
+            <a:schemeClr val="dk1"/>
+          </a:fillRef>
+          <a:effectRef idx="1">
+            <a:schemeClr val="dk1"/>
+          </a:effectRef>
+          <a:fontRef idx="minor">
+            <a:schemeClr val="tx1"/>
+          </a:fontRef>
+        </p:style>
+      </p:cxnSp>
+      <p:cxnSp>
+        <p:nvCxnSpPr>
+          <p:cNvPr id="55" name="直接箭头连接符 54">
+            <a:extLst>
+              <a:ext uri="{FF2B5EF4-FFF2-40B4-BE49-F238E27FC236}">
+                <a16:creationId xmlns:a16="http://schemas.microsoft.com/office/drawing/2014/main" id="{142B00D5-3626-46AC-BDC7-B176635DB7FE}"/>
+              </a:ext>
+            </a:extLst>
+          </p:cNvPr>
+          <p:cNvCxnSpPr/>
+          <p:nvPr/>
+        </p:nvCxnSpPr>
+        <p:spPr>
+          <a:xfrm>
+            <a:off x="1807395" y="3820195"/>
+            <a:ext cx="0" cy="548944"/>
+          </a:xfrm>
+          <a:prstGeom prst="straightConnector1">
+            <a:avLst/>
+          </a:prstGeom>
+          <a:ln>
+            <a:tailEnd type="triangle"/>
+          </a:ln>
+        </p:spPr>
+        <p:style>
+          <a:lnRef idx="3">
+            <a:schemeClr val="dk1"/>
+          </a:lnRef>
+          <a:fillRef idx="0">
+            <a:schemeClr val="dk1"/>
+          </a:fillRef>
+          <a:effectRef idx="2">
+            <a:schemeClr val="dk1"/>
+          </a:effectRef>
+          <a:fontRef idx="minor">
+            <a:schemeClr val="tx1"/>
+          </a:fontRef>
+        </p:style>
+      </p:cxnSp>
+      <p:cxnSp>
+        <p:nvCxnSpPr>
+          <p:cNvPr id="56" name="直接箭头连接符 55">
+            <a:extLst>
+              <a:ext uri="{FF2B5EF4-FFF2-40B4-BE49-F238E27FC236}">
+                <a16:creationId xmlns:a16="http://schemas.microsoft.com/office/drawing/2014/main" id="{2CC1D1DF-DBAF-4219-ADAE-F83484F2C4E6}"/>
+              </a:ext>
+            </a:extLst>
+          </p:cNvPr>
+          <p:cNvCxnSpPr>
+            <a:cxnSpLocks/>
+          </p:cNvCxnSpPr>
+          <p:nvPr/>
+        </p:nvCxnSpPr>
+        <p:spPr>
+          <a:xfrm flipV="1">
+            <a:off x="1807395" y="2570643"/>
+            <a:ext cx="0" cy="543595"/>
+          </a:xfrm>
+          <a:prstGeom prst="straightConnector1">
+            <a:avLst/>
+          </a:prstGeom>
+          <a:ln>
+            <a:tailEnd type="triangle"/>
+          </a:ln>
+        </p:spPr>
+        <p:style>
+          <a:lnRef idx="3">
+            <a:schemeClr val="dk1"/>
+          </a:lnRef>
+          <a:fillRef idx="0">
+            <a:schemeClr val="dk1"/>
+          </a:fillRef>
+          <a:effectRef idx="2">
+            <a:schemeClr val="dk1"/>
+          </a:effectRef>
+          <a:fontRef idx="minor">
+            <a:schemeClr val="tx1"/>
+          </a:fontRef>
+        </p:style>
+      </p:cxnSp>
+      <p:sp>
+        <p:nvSpPr>
+          <p:cNvPr id="58" name="文本框 57">
+            <a:extLst>
+              <a:ext uri="{FF2B5EF4-FFF2-40B4-BE49-F238E27FC236}">
+                <a16:creationId xmlns:a16="http://schemas.microsoft.com/office/drawing/2014/main" id="{B1DCC263-B690-4FCC-B9D9-7C5264D6770D}"/>
+              </a:ext>
+            </a:extLst>
+          </p:cNvPr>
+          <p:cNvSpPr txBox="1"/>
+          <p:nvPr/>
+        </p:nvSpPr>
+        <p:spPr>
+          <a:xfrm>
+            <a:off x="1592432" y="3090487"/>
+            <a:ext cx="429926" cy="707886"/>
+          </a:xfrm>
+          <a:prstGeom prst="rect">
+            <a:avLst/>
+          </a:prstGeom>
+          <a:noFill/>
+        </p:spPr>
+        <p:txBody>
+          <a:bodyPr wrap="square" rtlCol="0">
+            <a:spAutoFit/>
+          </a:bodyPr>
+          <a:lstStyle/>
+          <a:p>
+            <a:r>
+              <a:rPr lang="en-US" sz="4000" dirty="0"/>
+              <a:t>d</a:t>
+            </a:r>
+          </a:p>
+        </p:txBody>
+      </p:sp>
+      <p:cxnSp>
+        <p:nvCxnSpPr>
+          <p:cNvPr id="61" name="直接箭头连接符 60">
+            <a:extLst>
+              <a:ext uri="{FF2B5EF4-FFF2-40B4-BE49-F238E27FC236}">
+                <a16:creationId xmlns:a16="http://schemas.microsoft.com/office/drawing/2014/main" id="{183481DB-14A5-4B68-84A7-6DFF453FE4F6}"/>
+              </a:ext>
+            </a:extLst>
+          </p:cNvPr>
+          <p:cNvCxnSpPr>
+            <a:cxnSpLocks/>
+          </p:cNvCxnSpPr>
+          <p:nvPr/>
+        </p:nvCxnSpPr>
+        <p:spPr>
+          <a:xfrm>
+            <a:off x="632107" y="3490003"/>
+            <a:ext cx="0" cy="1760601"/>
+          </a:xfrm>
+          <a:prstGeom prst="straightConnector1">
+            <a:avLst/>
+          </a:prstGeom>
+          <a:ln>
+            <a:tailEnd type="triangle"/>
+          </a:ln>
+        </p:spPr>
+        <p:style>
+          <a:lnRef idx="3">
+            <a:schemeClr val="dk1"/>
+          </a:lnRef>
+          <a:fillRef idx="0">
+            <a:schemeClr val="dk1"/>
+          </a:fillRef>
+          <a:effectRef idx="2">
+            <a:schemeClr val="dk1"/>
+          </a:effectRef>
+          <a:fontRef idx="minor">
+            <a:schemeClr val="tx1"/>
+          </a:fontRef>
+        </p:style>
+      </p:cxnSp>
+      <p:cxnSp>
+        <p:nvCxnSpPr>
+          <p:cNvPr id="62" name="直接箭头连接符 61">
+            <a:extLst>
+              <a:ext uri="{FF2B5EF4-FFF2-40B4-BE49-F238E27FC236}">
+                <a16:creationId xmlns:a16="http://schemas.microsoft.com/office/drawing/2014/main" id="{1B1AD950-8963-4E31-B4A6-8B7E98BE7098}"/>
+              </a:ext>
+            </a:extLst>
+          </p:cNvPr>
+          <p:cNvCxnSpPr>
+            <a:cxnSpLocks/>
+          </p:cNvCxnSpPr>
+          <p:nvPr/>
+        </p:nvCxnSpPr>
+        <p:spPr>
+          <a:xfrm flipV="1">
+            <a:off x="632107" y="1607396"/>
+            <a:ext cx="0" cy="1176651"/>
+          </a:xfrm>
+          <a:prstGeom prst="straightConnector1">
+            <a:avLst/>
+          </a:prstGeom>
+          <a:ln>
+            <a:tailEnd type="triangle"/>
+          </a:ln>
+        </p:spPr>
+        <p:style>
+          <a:lnRef idx="3">
+            <a:schemeClr val="dk1"/>
+          </a:lnRef>
+          <a:fillRef idx="0">
+            <a:schemeClr val="dk1"/>
+          </a:fillRef>
+          <a:effectRef idx="2">
+            <a:schemeClr val="dk1"/>
+          </a:effectRef>
+          <a:fontRef idx="minor">
+            <a:schemeClr val="tx1"/>
+          </a:fontRef>
+        </p:style>
+      </p:cxnSp>
+      <p:sp>
+        <p:nvSpPr>
+          <p:cNvPr id="63" name="文本框 62">
+            <a:extLst>
+              <a:ext uri="{FF2B5EF4-FFF2-40B4-BE49-F238E27FC236}">
+                <a16:creationId xmlns:a16="http://schemas.microsoft.com/office/drawing/2014/main" id="{3E8B8841-FF39-43FB-BDDC-4FAB49A9794A}"/>
+              </a:ext>
+            </a:extLst>
+          </p:cNvPr>
+          <p:cNvSpPr txBox="1"/>
+          <p:nvPr/>
+        </p:nvSpPr>
+        <p:spPr>
+          <a:xfrm>
+            <a:off x="417144" y="2760295"/>
+            <a:ext cx="429926" cy="707886"/>
+          </a:xfrm>
+          <a:prstGeom prst="rect">
+            <a:avLst/>
+          </a:prstGeom>
+          <a:noFill/>
+        </p:spPr>
+        <p:txBody>
+          <a:bodyPr wrap="square" rtlCol="0">
+            <a:spAutoFit/>
+          </a:bodyPr>
+          <a:lstStyle/>
+          <a:p>
+            <a:r>
+              <a:rPr lang="en-US" sz="4000" dirty="0"/>
+              <a:t>b</a:t>
+            </a:r>
+          </a:p>
+        </p:txBody>
+      </p:sp>
+      <p:cxnSp>
+        <p:nvCxnSpPr>
+          <p:cNvPr id="73" name="直接箭头连接符 72">
+            <a:extLst>
+              <a:ext uri="{FF2B5EF4-FFF2-40B4-BE49-F238E27FC236}">
+                <a16:creationId xmlns:a16="http://schemas.microsoft.com/office/drawing/2014/main" id="{263E1D1A-175F-463C-BBEF-388A95F59D5A}"/>
+              </a:ext>
+            </a:extLst>
+          </p:cNvPr>
+          <p:cNvCxnSpPr>
+            <a:cxnSpLocks/>
+          </p:cNvCxnSpPr>
+          <p:nvPr/>
+        </p:nvCxnSpPr>
+        <p:spPr>
+          <a:xfrm>
+            <a:off x="10384605" y="4169392"/>
+            <a:ext cx="0" cy="1081212"/>
+          </a:xfrm>
+          <a:prstGeom prst="straightConnector1">
+            <a:avLst/>
+          </a:prstGeom>
+          <a:ln>
+            <a:tailEnd type="triangle"/>
+          </a:ln>
+        </p:spPr>
+        <p:style>
+          <a:lnRef idx="3">
+            <a:schemeClr val="dk1"/>
+          </a:lnRef>
+          <a:fillRef idx="0">
+            <a:schemeClr val="dk1"/>
+          </a:fillRef>
+          <a:effectRef idx="2">
+            <a:schemeClr val="dk1"/>
+          </a:effectRef>
+          <a:fontRef idx="minor">
+            <a:schemeClr val="tx1"/>
+          </a:fontRef>
+        </p:style>
+      </p:cxnSp>
+      <p:cxnSp>
+        <p:nvCxnSpPr>
+          <p:cNvPr id="74" name="直接箭头连接符 73">
+            <a:extLst>
+              <a:ext uri="{FF2B5EF4-FFF2-40B4-BE49-F238E27FC236}">
+                <a16:creationId xmlns:a16="http://schemas.microsoft.com/office/drawing/2014/main" id="{279A3A54-C0A5-462C-AEF7-A740A4AE4B58}"/>
+              </a:ext>
+            </a:extLst>
+          </p:cNvPr>
+          <p:cNvCxnSpPr>
+            <a:cxnSpLocks/>
+          </p:cNvCxnSpPr>
+          <p:nvPr/>
+        </p:nvCxnSpPr>
+        <p:spPr>
+          <a:xfrm flipV="1">
+            <a:off x="10384605" y="2519720"/>
+            <a:ext cx="0" cy="943716"/>
+          </a:xfrm>
+          <a:prstGeom prst="straightConnector1">
+            <a:avLst/>
+          </a:prstGeom>
+          <a:ln>
+            <a:tailEnd type="triangle"/>
+          </a:ln>
+        </p:spPr>
+        <p:style>
+          <a:lnRef idx="3">
+            <a:schemeClr val="dk1"/>
+          </a:lnRef>
+          <a:fillRef idx="0">
+            <a:schemeClr val="dk1"/>
+          </a:fillRef>
+          <a:effectRef idx="2">
+            <a:schemeClr val="dk1"/>
+          </a:effectRef>
+          <a:fontRef idx="minor">
+            <a:schemeClr val="tx1"/>
+          </a:fontRef>
+        </p:style>
+      </p:cxnSp>
+      <p:sp>
+        <p:nvSpPr>
+          <p:cNvPr id="75" name="文本框 74">
+            <a:extLst>
+              <a:ext uri="{FF2B5EF4-FFF2-40B4-BE49-F238E27FC236}">
+                <a16:creationId xmlns:a16="http://schemas.microsoft.com/office/drawing/2014/main" id="{B6709E43-2DC2-44F7-A5F2-DF155DB10AC3}"/>
+              </a:ext>
+            </a:extLst>
+          </p:cNvPr>
+          <p:cNvSpPr txBox="1"/>
+          <p:nvPr/>
+        </p:nvSpPr>
+        <p:spPr>
+          <a:xfrm>
+            <a:off x="10169642" y="3439684"/>
+            <a:ext cx="429926" cy="707886"/>
+          </a:xfrm>
+          <a:prstGeom prst="rect">
+            <a:avLst/>
+          </a:prstGeom>
+          <a:noFill/>
+        </p:spPr>
+        <p:txBody>
+          <a:bodyPr wrap="square" rtlCol="0">
+            <a:spAutoFit/>
+          </a:bodyPr>
+          <a:lstStyle/>
+          <a:p>
+            <a:r>
+              <a:rPr lang="en-US" sz="4000" dirty="0"/>
+              <a:t>r</a:t>
+            </a:r>
+          </a:p>
+        </p:txBody>
+      </p:sp>
+      <p:cxnSp>
+        <p:nvCxnSpPr>
+          <p:cNvPr id="79" name="直接箭头连接符 78">
+            <a:extLst>
+              <a:ext uri="{FF2B5EF4-FFF2-40B4-BE49-F238E27FC236}">
+                <a16:creationId xmlns:a16="http://schemas.microsoft.com/office/drawing/2014/main" id="{0C250B0C-00D9-4C77-AF65-F8F7F3BE40F8}"/>
+              </a:ext>
+            </a:extLst>
+          </p:cNvPr>
+          <p:cNvCxnSpPr>
+            <a:cxnSpLocks/>
+          </p:cNvCxnSpPr>
+          <p:nvPr/>
+        </p:nvCxnSpPr>
+        <p:spPr>
+          <a:xfrm>
+            <a:off x="7239632" y="4169392"/>
+            <a:ext cx="346790" cy="0"/>
+          </a:xfrm>
+          <a:prstGeom prst="straightConnector1">
+            <a:avLst/>
+          </a:prstGeom>
+          <a:ln>
+            <a:tailEnd type="triangle"/>
+          </a:ln>
+        </p:spPr>
+        <p:style>
+          <a:lnRef idx="2">
+            <a:schemeClr val="dk1"/>
+          </a:lnRef>
+          <a:fillRef idx="0">
+            <a:schemeClr val="dk1"/>
+          </a:fillRef>
+          <a:effectRef idx="1">
+            <a:schemeClr val="dk1"/>
+          </a:effectRef>
+          <a:fontRef idx="minor">
+            <a:schemeClr val="tx1"/>
+          </a:fontRef>
+        </p:style>
+      </p:cxnSp>
+      <p:cxnSp>
+        <p:nvCxnSpPr>
+          <p:cNvPr id="80" name="直接箭头连接符 79">
+            <a:extLst>
+              <a:ext uri="{FF2B5EF4-FFF2-40B4-BE49-F238E27FC236}">
+                <a16:creationId xmlns:a16="http://schemas.microsoft.com/office/drawing/2014/main" id="{E9443A57-2823-4CBC-A02C-EB0AB5C54E2D}"/>
+              </a:ext>
+            </a:extLst>
+          </p:cNvPr>
+          <p:cNvCxnSpPr>
+            <a:cxnSpLocks/>
+          </p:cNvCxnSpPr>
+          <p:nvPr/>
+        </p:nvCxnSpPr>
+        <p:spPr>
+          <a:xfrm flipH="1">
+            <a:off x="6411134" y="4169740"/>
+            <a:ext cx="346127" cy="0"/>
+          </a:xfrm>
+          <a:prstGeom prst="straightConnector1">
+            <a:avLst/>
+          </a:prstGeom>
+          <a:ln>
+            <a:tailEnd type="triangle"/>
+          </a:ln>
+        </p:spPr>
+        <p:style>
+          <a:lnRef idx="2">
+            <a:schemeClr val="dk1"/>
+          </a:lnRef>
+          <a:fillRef idx="0">
+            <a:schemeClr val="dk1"/>
+          </a:fillRef>
+          <a:effectRef idx="1">
+            <a:schemeClr val="dk1"/>
+          </a:effectRef>
+          <a:fontRef idx="minor">
+            <a:schemeClr val="tx1"/>
+          </a:fontRef>
+        </p:style>
+      </p:cxnSp>
+      <p:sp>
+        <p:nvSpPr>
+          <p:cNvPr id="84" name="文本框 83">
+            <a:extLst>
+              <a:ext uri="{FF2B5EF4-FFF2-40B4-BE49-F238E27FC236}">
+                <a16:creationId xmlns:a16="http://schemas.microsoft.com/office/drawing/2014/main" id="{41AF290F-2CD3-4ADF-9FC6-8061A9C3FD72}"/>
+              </a:ext>
+            </a:extLst>
+          </p:cNvPr>
+          <p:cNvSpPr txBox="1"/>
+          <p:nvPr/>
+        </p:nvSpPr>
+        <p:spPr>
+          <a:xfrm>
+            <a:off x="6784430" y="3730539"/>
+            <a:ext cx="343443" cy="728255"/>
+          </a:xfrm>
+          <a:prstGeom prst="rect">
+            <a:avLst/>
+          </a:prstGeom>
+          <a:noFill/>
+        </p:spPr>
+        <p:txBody>
+          <a:bodyPr wrap="square" rtlCol="0">
+            <a:spAutoFit/>
+          </a:bodyPr>
+          <a:lstStyle/>
+          <a:p>
+            <a:r>
+              <a:rPr lang="en-US" sz="4000" dirty="0"/>
+              <a:t>g</a:t>
+            </a:r>
+          </a:p>
+        </p:txBody>
+      </p:sp>
+      <p:cxnSp>
+        <p:nvCxnSpPr>
+          <p:cNvPr id="86" name="直接箭头连接符 85">
+            <a:extLst>
+              <a:ext uri="{FF2B5EF4-FFF2-40B4-BE49-F238E27FC236}">
+                <a16:creationId xmlns:a16="http://schemas.microsoft.com/office/drawing/2014/main" id="{50BF9AF8-1127-48B3-B7E4-35A49CDB37A4}"/>
+              </a:ext>
+            </a:extLst>
+          </p:cNvPr>
+          <p:cNvCxnSpPr>
+            <a:cxnSpLocks/>
+          </p:cNvCxnSpPr>
+          <p:nvPr/>
+        </p:nvCxnSpPr>
+        <p:spPr>
+          <a:xfrm flipV="1">
+            <a:off x="7795647" y="4369140"/>
+            <a:ext cx="0" cy="340858"/>
+          </a:xfrm>
+          <a:prstGeom prst="straightConnector1">
+            <a:avLst/>
+          </a:prstGeom>
+          <a:ln>
+            <a:tailEnd type="triangle"/>
+          </a:ln>
+        </p:spPr>
+        <p:style>
+          <a:lnRef idx="3">
+            <a:schemeClr val="dk1"/>
+          </a:lnRef>
+          <a:fillRef idx="0">
+            <a:schemeClr val="dk1"/>
+          </a:fillRef>
+          <a:effectRef idx="2">
+            <a:schemeClr val="dk1"/>
+          </a:effectRef>
+          <a:fontRef idx="minor">
+            <a:schemeClr val="tx1"/>
+          </a:fontRef>
+        </p:style>
+      </p:cxnSp>
+      <p:cxnSp>
+        <p:nvCxnSpPr>
+          <p:cNvPr id="88" name="直接箭头连接符 87">
+            <a:extLst>
+              <a:ext uri="{FF2B5EF4-FFF2-40B4-BE49-F238E27FC236}">
+                <a16:creationId xmlns:a16="http://schemas.microsoft.com/office/drawing/2014/main" id="{C66FF153-C1FD-420E-B4DF-CE38A8A75D0A}"/>
+              </a:ext>
+            </a:extLst>
+          </p:cNvPr>
+          <p:cNvCxnSpPr>
+            <a:cxnSpLocks/>
+          </p:cNvCxnSpPr>
+          <p:nvPr/>
+        </p:nvCxnSpPr>
+        <p:spPr>
+          <a:xfrm>
+            <a:off x="7795647" y="4974956"/>
+            <a:ext cx="0" cy="275648"/>
+          </a:xfrm>
+          <a:prstGeom prst="straightConnector1">
+            <a:avLst/>
+          </a:prstGeom>
+          <a:ln>
+            <a:tailEnd type="triangle"/>
+          </a:ln>
+        </p:spPr>
+        <p:style>
+          <a:lnRef idx="3">
+            <a:schemeClr val="dk1"/>
+          </a:lnRef>
+          <a:fillRef idx="0">
+            <a:schemeClr val="dk1"/>
+          </a:fillRef>
+          <a:effectRef idx="2">
+            <a:schemeClr val="dk1"/>
+          </a:effectRef>
+          <a:fontRef idx="minor">
+            <a:schemeClr val="tx1"/>
+          </a:fontRef>
+        </p:style>
+      </p:cxnSp>
+      <p:sp>
+        <p:nvSpPr>
+          <p:cNvPr id="92" name="文本框 91">
+            <a:extLst>
+              <a:ext uri="{FF2B5EF4-FFF2-40B4-BE49-F238E27FC236}">
+                <a16:creationId xmlns:a16="http://schemas.microsoft.com/office/drawing/2014/main" id="{2020F67E-5DFC-47A1-8065-953E6891F2FB}"/>
+              </a:ext>
+            </a:extLst>
+          </p:cNvPr>
+          <p:cNvSpPr txBox="1"/>
+          <p:nvPr/>
+        </p:nvSpPr>
+        <p:spPr>
+          <a:xfrm>
+            <a:off x="7768465" y="4377550"/>
+            <a:ext cx="343443" cy="728255"/>
+          </a:xfrm>
+          <a:prstGeom prst="rect">
+            <a:avLst/>
+          </a:prstGeom>
+          <a:noFill/>
+        </p:spPr>
+        <p:txBody>
+          <a:bodyPr wrap="square" rtlCol="0">
+            <a:spAutoFit/>
+          </a:bodyPr>
+          <a:lstStyle/>
+          <a:p>
+            <a:r>
+              <a:rPr lang="en-US" sz="4000" dirty="0"/>
+              <a:t>h</a:t>
+            </a:r>
+          </a:p>
+        </p:txBody>
+      </p:sp>
     </p:spTree>
     <p:extLst>
       <p:ext uri="{BB962C8B-B14F-4D97-AF65-F5344CB8AC3E}">
-        <p14:creationId xmlns:p14="http://schemas.microsoft.com/office/powerpoint/2010/main" val="1144603072"/>
+        <p14:creationId xmlns:p14="http://schemas.microsoft.com/office/powerpoint/2010/main" val="2089847838"/>
       </p:ext>
     </p:extLst>
   </p:cSld>

--- a/bi_ye_lun_wen/cao gao/temp files.pptx
+++ b/bi_ye_lun_wen/cao gao/temp files.pptx
@@ -18,6 +18,9 @@
     <p:sldId id="269" r:id="rId12"/>
     <p:sldId id="266" r:id="rId13"/>
     <p:sldId id="264" r:id="rId14"/>
+    <p:sldId id="257" r:id="rId15"/>
+    <p:sldId id="270" r:id="rId16"/>
+    <p:sldId id="271" r:id="rId17"/>
   </p:sldIdLst>
   <p:sldSz cx="12192000" cy="6858000"/>
   <p:notesSz cx="6858000" cy="9144000"/>
@@ -273,7 +276,7 @@
           <a:p>
             <a:fld id="{AD880408-622A-4071-A052-F5E03FFF4B10}" type="datetimeFigureOut">
               <a:rPr lang="en-US" smtClean="0"/>
-              <a:t>5/14/2018</a:t>
+              <a:t>5/18/2018</a:t>
             </a:fld>
             <a:endParaRPr lang="en-US"/>
           </a:p>
@@ -473,7 +476,7 @@
           <a:p>
             <a:fld id="{AD880408-622A-4071-A052-F5E03FFF4B10}" type="datetimeFigureOut">
               <a:rPr lang="en-US" smtClean="0"/>
-              <a:t>5/14/2018</a:t>
+              <a:t>5/18/2018</a:t>
             </a:fld>
             <a:endParaRPr lang="en-US"/>
           </a:p>
@@ -683,7 +686,7 @@
           <a:p>
             <a:fld id="{AD880408-622A-4071-A052-F5E03FFF4B10}" type="datetimeFigureOut">
               <a:rPr lang="en-US" smtClean="0"/>
-              <a:t>5/14/2018</a:t>
+              <a:t>5/18/2018</a:t>
             </a:fld>
             <a:endParaRPr lang="en-US"/>
           </a:p>
@@ -883,7 +886,7 @@
           <a:p>
             <a:fld id="{AD880408-622A-4071-A052-F5E03FFF4B10}" type="datetimeFigureOut">
               <a:rPr lang="en-US" smtClean="0"/>
-              <a:t>5/14/2018</a:t>
+              <a:t>5/18/2018</a:t>
             </a:fld>
             <a:endParaRPr lang="en-US"/>
           </a:p>
@@ -1159,7 +1162,7 @@
           <a:p>
             <a:fld id="{AD880408-622A-4071-A052-F5E03FFF4B10}" type="datetimeFigureOut">
               <a:rPr lang="en-US" smtClean="0"/>
-              <a:t>5/14/2018</a:t>
+              <a:t>5/18/2018</a:t>
             </a:fld>
             <a:endParaRPr lang="en-US"/>
           </a:p>
@@ -1427,7 +1430,7 @@
           <a:p>
             <a:fld id="{AD880408-622A-4071-A052-F5E03FFF4B10}" type="datetimeFigureOut">
               <a:rPr lang="en-US" smtClean="0"/>
-              <a:t>5/14/2018</a:t>
+              <a:t>5/18/2018</a:t>
             </a:fld>
             <a:endParaRPr lang="en-US"/>
           </a:p>
@@ -1842,7 +1845,7 @@
           <a:p>
             <a:fld id="{AD880408-622A-4071-A052-F5E03FFF4B10}" type="datetimeFigureOut">
               <a:rPr lang="en-US" smtClean="0"/>
-              <a:t>5/14/2018</a:t>
+              <a:t>5/18/2018</a:t>
             </a:fld>
             <a:endParaRPr lang="en-US"/>
           </a:p>
@@ -1984,7 +1987,7 @@
           <a:p>
             <a:fld id="{AD880408-622A-4071-A052-F5E03FFF4B10}" type="datetimeFigureOut">
               <a:rPr lang="en-US" smtClean="0"/>
-              <a:t>5/14/2018</a:t>
+              <a:t>5/18/2018</a:t>
             </a:fld>
             <a:endParaRPr lang="en-US"/>
           </a:p>
@@ -2097,7 +2100,7 @@
           <a:p>
             <a:fld id="{AD880408-622A-4071-A052-F5E03FFF4B10}" type="datetimeFigureOut">
               <a:rPr lang="en-US" smtClean="0"/>
-              <a:t>5/14/2018</a:t>
+              <a:t>5/18/2018</a:t>
             </a:fld>
             <a:endParaRPr lang="en-US"/>
           </a:p>
@@ -2410,7 +2413,7 @@
           <a:p>
             <a:fld id="{AD880408-622A-4071-A052-F5E03FFF4B10}" type="datetimeFigureOut">
               <a:rPr lang="en-US" smtClean="0"/>
-              <a:t>5/14/2018</a:t>
+              <a:t>5/18/2018</a:t>
             </a:fld>
             <a:endParaRPr lang="en-US"/>
           </a:p>
@@ -2699,7 +2702,7 @@
           <a:p>
             <a:fld id="{AD880408-622A-4071-A052-F5E03FFF4B10}" type="datetimeFigureOut">
               <a:rPr lang="en-US" smtClean="0"/>
-              <a:t>5/14/2018</a:t>
+              <a:t>5/18/2018</a:t>
             </a:fld>
             <a:endParaRPr lang="en-US"/>
           </a:p>
@@ -2942,7 +2945,7 @@
           <a:p>
             <a:fld id="{AD880408-622A-4071-A052-F5E03FFF4B10}" type="datetimeFigureOut">
               <a:rPr lang="en-US" smtClean="0"/>
-              <a:t>5/14/2018</a:t>
+              <a:t>5/18/2018</a:t>
             </a:fld>
             <a:endParaRPr lang="en-US"/>
           </a:p>
@@ -5569,6 +5572,2267 @@
 </p:sld>
 </file>
 
+<file path=ppt/slides/slide14.xml><?xml version="1.0" encoding="utf-8"?>
+<p:sld xmlns:a="http://schemas.openxmlformats.org/drawingml/2006/main" xmlns:r="http://schemas.openxmlformats.org/officeDocument/2006/relationships" xmlns:p="http://schemas.openxmlformats.org/presentationml/2006/main">
+  <p:cSld>
+    <p:spTree>
+      <p:nvGrpSpPr>
+        <p:cNvPr id="1" name=""/>
+        <p:cNvGrpSpPr/>
+        <p:nvPr/>
+      </p:nvGrpSpPr>
+      <p:grpSpPr>
+        <a:xfrm>
+          <a:off x="0" y="0"/>
+          <a:ext cx="0" cy="0"/>
+          <a:chOff x="0" y="0"/>
+          <a:chExt cx="0" cy="0"/>
+        </a:xfrm>
+      </p:grpSpPr>
+      <p:sp>
+        <p:nvSpPr>
+          <p:cNvPr id="16" name="矩形: 圆角 15">
+            <a:extLst>
+              <a:ext uri="{FF2B5EF4-FFF2-40B4-BE49-F238E27FC236}">
+                <a16:creationId xmlns:a16="http://schemas.microsoft.com/office/drawing/2014/main" id="{539EF78F-F89D-436E-957D-17A09A176C84}"/>
+              </a:ext>
+            </a:extLst>
+          </p:cNvPr>
+          <p:cNvSpPr/>
+          <p:nvPr/>
+        </p:nvSpPr>
+        <p:spPr>
+          <a:xfrm>
+            <a:off x="6096000" y="2291938"/>
+            <a:ext cx="4081153" cy="2707574"/>
+          </a:xfrm>
+          <a:prstGeom prst="roundRect">
+            <a:avLst/>
+          </a:prstGeom>
+        </p:spPr>
+        <p:style>
+          <a:lnRef idx="2">
+            <a:schemeClr val="accent1"/>
+          </a:lnRef>
+          <a:fillRef idx="1">
+            <a:schemeClr val="lt1"/>
+          </a:fillRef>
+          <a:effectRef idx="0">
+            <a:schemeClr val="accent1"/>
+          </a:effectRef>
+          <a:fontRef idx="minor">
+            <a:schemeClr val="dk1"/>
+          </a:fontRef>
+        </p:style>
+        <p:txBody>
+          <a:bodyPr rtlCol="0" anchor="ctr"/>
+          <a:lstStyle/>
+          <a:p>
+            <a:pPr algn="ctr"/>
+            <a:endParaRPr lang="en-US"/>
+          </a:p>
+        </p:txBody>
+      </p:sp>
+      <p:sp>
+        <p:nvSpPr>
+          <p:cNvPr id="13" name="矩形: 圆角 12">
+            <a:extLst>
+              <a:ext uri="{FF2B5EF4-FFF2-40B4-BE49-F238E27FC236}">
+                <a16:creationId xmlns:a16="http://schemas.microsoft.com/office/drawing/2014/main" id="{2C83C7AA-C2C5-43CD-A807-791EC21940A6}"/>
+              </a:ext>
+            </a:extLst>
+          </p:cNvPr>
+          <p:cNvSpPr/>
+          <p:nvPr/>
+        </p:nvSpPr>
+        <p:spPr>
+          <a:xfrm>
+            <a:off x="251365" y="2291938"/>
+            <a:ext cx="3304311" cy="2707574"/>
+          </a:xfrm>
+          <a:prstGeom prst="roundRect">
+            <a:avLst/>
+          </a:prstGeom>
+        </p:spPr>
+        <p:style>
+          <a:lnRef idx="2">
+            <a:schemeClr val="accent1"/>
+          </a:lnRef>
+          <a:fillRef idx="1">
+            <a:schemeClr val="lt1"/>
+          </a:fillRef>
+          <a:effectRef idx="0">
+            <a:schemeClr val="accent1"/>
+          </a:effectRef>
+          <a:fontRef idx="minor">
+            <a:schemeClr val="dk1"/>
+          </a:fontRef>
+        </p:style>
+        <p:txBody>
+          <a:bodyPr rtlCol="0" anchor="ctr"/>
+          <a:lstStyle/>
+          <a:p>
+            <a:pPr algn="ctr"/>
+            <a:endParaRPr lang="en-US"/>
+          </a:p>
+        </p:txBody>
+      </p:sp>
+      <p:sp>
+        <p:nvSpPr>
+          <p:cNvPr id="2" name="标题 1">
+            <a:extLst>
+              <a:ext uri="{FF2B5EF4-FFF2-40B4-BE49-F238E27FC236}">
+                <a16:creationId xmlns:a16="http://schemas.microsoft.com/office/drawing/2014/main" id="{329CEABB-0F55-4EFF-BA19-1AD0CFF47D7D}"/>
+              </a:ext>
+            </a:extLst>
+          </p:cNvPr>
+          <p:cNvSpPr>
+            <a:spLocks noGrp="1"/>
+          </p:cNvSpPr>
+          <p:nvPr>
+            <p:ph type="title"/>
+          </p:nvPr>
+        </p:nvSpPr>
+        <p:spPr/>
+        <p:txBody>
+          <a:bodyPr/>
+          <a:lstStyle/>
+          <a:p>
+            <a:endParaRPr lang="en-US"/>
+          </a:p>
+        </p:txBody>
+      </p:sp>
+      <p:sp>
+        <p:nvSpPr>
+          <p:cNvPr id="4" name="矩形 3">
+            <a:extLst>
+              <a:ext uri="{FF2B5EF4-FFF2-40B4-BE49-F238E27FC236}">
+                <a16:creationId xmlns:a16="http://schemas.microsoft.com/office/drawing/2014/main" id="{37DB9256-7649-478F-B6F0-3D24D4E72EB3}"/>
+              </a:ext>
+            </a:extLst>
+          </p:cNvPr>
+          <p:cNvSpPr/>
+          <p:nvPr/>
+        </p:nvSpPr>
+        <p:spPr>
+          <a:xfrm>
+            <a:off x="512622" y="2621478"/>
+            <a:ext cx="1117768" cy="807522"/>
+          </a:xfrm>
+          <a:prstGeom prst="rect">
+            <a:avLst/>
+          </a:prstGeom>
+        </p:spPr>
+        <p:style>
+          <a:lnRef idx="2">
+            <a:schemeClr val="dk1"/>
+          </a:lnRef>
+          <a:fillRef idx="1">
+            <a:schemeClr val="lt1"/>
+          </a:fillRef>
+          <a:effectRef idx="0">
+            <a:schemeClr val="dk1"/>
+          </a:effectRef>
+          <a:fontRef idx="minor">
+            <a:schemeClr val="dk1"/>
+          </a:fontRef>
+        </p:style>
+        <p:txBody>
+          <a:bodyPr rtlCol="0" anchor="ctr"/>
+          <a:lstStyle/>
+          <a:p>
+            <a:pPr algn="ctr"/>
+            <a:r>
+              <a:rPr lang="zh-CN" altLang="en-US" dirty="0"/>
+              <a:t>识别图制作</a:t>
+            </a:r>
+            <a:endParaRPr lang="en-US" dirty="0"/>
+          </a:p>
+        </p:txBody>
+      </p:sp>
+      <p:sp>
+        <p:nvSpPr>
+          <p:cNvPr id="5" name="矩形 4">
+            <a:extLst>
+              <a:ext uri="{FF2B5EF4-FFF2-40B4-BE49-F238E27FC236}">
+                <a16:creationId xmlns:a16="http://schemas.microsoft.com/office/drawing/2014/main" id="{9C9C5A0E-FF93-40E7-A78F-BD6DADC9AC98}"/>
+              </a:ext>
+            </a:extLst>
+          </p:cNvPr>
+          <p:cNvSpPr/>
+          <p:nvPr/>
+        </p:nvSpPr>
+        <p:spPr>
+          <a:xfrm>
+            <a:off x="512623" y="3645725"/>
+            <a:ext cx="1117768" cy="807522"/>
+          </a:xfrm>
+          <a:prstGeom prst="rect">
+            <a:avLst/>
+          </a:prstGeom>
+        </p:spPr>
+        <p:style>
+          <a:lnRef idx="2">
+            <a:schemeClr val="dk1"/>
+          </a:lnRef>
+          <a:fillRef idx="1">
+            <a:schemeClr val="lt1"/>
+          </a:fillRef>
+          <a:effectRef idx="0">
+            <a:schemeClr val="dk1"/>
+          </a:effectRef>
+          <a:fontRef idx="minor">
+            <a:schemeClr val="dk1"/>
+          </a:fontRef>
+        </p:style>
+        <p:txBody>
+          <a:bodyPr rtlCol="0" anchor="ctr"/>
+          <a:lstStyle/>
+          <a:p>
+            <a:pPr algn="ctr"/>
+            <a:r>
+              <a:rPr lang="zh-CN" altLang="en-US" dirty="0"/>
+              <a:t>显示模型制作</a:t>
+            </a:r>
+            <a:endParaRPr lang="en-US" dirty="0"/>
+          </a:p>
+        </p:txBody>
+      </p:sp>
+      <p:sp>
+        <p:nvSpPr>
+          <p:cNvPr id="6" name="矩形 5">
+            <a:extLst>
+              <a:ext uri="{FF2B5EF4-FFF2-40B4-BE49-F238E27FC236}">
+                <a16:creationId xmlns:a16="http://schemas.microsoft.com/office/drawing/2014/main" id="{286C7161-025D-4C80-A7AE-719A8F7B74D3}"/>
+              </a:ext>
+            </a:extLst>
+          </p:cNvPr>
+          <p:cNvSpPr/>
+          <p:nvPr/>
+        </p:nvSpPr>
+        <p:spPr>
+          <a:xfrm>
+            <a:off x="4070268" y="2744685"/>
+            <a:ext cx="1496291" cy="1534886"/>
+          </a:xfrm>
+          <a:prstGeom prst="rect">
+            <a:avLst/>
+          </a:prstGeom>
+        </p:spPr>
+        <p:style>
+          <a:lnRef idx="2">
+            <a:schemeClr val="dk1"/>
+          </a:lnRef>
+          <a:fillRef idx="1">
+            <a:schemeClr val="lt1"/>
+          </a:fillRef>
+          <a:effectRef idx="0">
+            <a:schemeClr val="dk1"/>
+          </a:effectRef>
+          <a:fontRef idx="minor">
+            <a:schemeClr val="dk1"/>
+          </a:fontRef>
+        </p:style>
+        <p:txBody>
+          <a:bodyPr rtlCol="0" anchor="ctr"/>
+          <a:lstStyle/>
+          <a:p>
+            <a:pPr algn="ctr"/>
+            <a:r>
+              <a:rPr lang="en-US" altLang="zh-CN" dirty="0" err="1"/>
+              <a:t>Vuforia</a:t>
+            </a:r>
+            <a:r>
+              <a:rPr lang="en-US" altLang="zh-CN" dirty="0"/>
+              <a:t> </a:t>
+            </a:r>
+            <a:r>
+              <a:rPr lang="zh-CN" altLang="en-US" dirty="0"/>
+              <a:t>网站上传识别图，然后下载包导入</a:t>
+            </a:r>
+            <a:r>
+              <a:rPr lang="en-US" altLang="zh-CN" dirty="0"/>
+              <a:t>Unity3d</a:t>
+            </a:r>
+            <a:endParaRPr lang="en-US" dirty="0"/>
+          </a:p>
+        </p:txBody>
+      </p:sp>
+      <p:sp>
+        <p:nvSpPr>
+          <p:cNvPr id="7" name="矩形 6">
+            <a:extLst>
+              <a:ext uri="{FF2B5EF4-FFF2-40B4-BE49-F238E27FC236}">
+                <a16:creationId xmlns:a16="http://schemas.microsoft.com/office/drawing/2014/main" id="{C653E7B1-C055-4B5F-B5CA-16361E3E65EF}"/>
+              </a:ext>
+            </a:extLst>
+          </p:cNvPr>
+          <p:cNvSpPr/>
+          <p:nvPr/>
+        </p:nvSpPr>
+        <p:spPr>
+          <a:xfrm>
+            <a:off x="8260277" y="3977492"/>
+            <a:ext cx="1655619" cy="807522"/>
+          </a:xfrm>
+          <a:prstGeom prst="rect">
+            <a:avLst/>
+          </a:prstGeom>
+        </p:spPr>
+        <p:style>
+          <a:lnRef idx="2">
+            <a:schemeClr val="dk1"/>
+          </a:lnRef>
+          <a:fillRef idx="1">
+            <a:schemeClr val="lt1"/>
+          </a:fillRef>
+          <a:effectRef idx="0">
+            <a:schemeClr val="dk1"/>
+          </a:effectRef>
+          <a:fontRef idx="minor">
+            <a:schemeClr val="dk1"/>
+          </a:fontRef>
+        </p:style>
+        <p:txBody>
+          <a:bodyPr rtlCol="0" anchor="ctr"/>
+          <a:lstStyle/>
+          <a:p>
+            <a:pPr algn="ctr"/>
+            <a:r>
+              <a:rPr lang="en-US" dirty="0" err="1"/>
+              <a:t>Shader</a:t>
+            </a:r>
+            <a:r>
+              <a:rPr lang="en-US" dirty="0"/>
+              <a:t> </a:t>
+            </a:r>
+            <a:r>
+              <a:rPr lang="zh-CN" altLang="en-US" dirty="0"/>
+              <a:t>值传递</a:t>
+            </a:r>
+            <a:endParaRPr lang="en-US" dirty="0"/>
+          </a:p>
+        </p:txBody>
+      </p:sp>
+      <p:sp>
+        <p:nvSpPr>
+          <p:cNvPr id="8" name="矩形 7">
+            <a:extLst>
+              <a:ext uri="{FF2B5EF4-FFF2-40B4-BE49-F238E27FC236}">
+                <a16:creationId xmlns:a16="http://schemas.microsoft.com/office/drawing/2014/main" id="{85ECBC49-3031-4725-95A9-A7FFF065F2A3}"/>
+              </a:ext>
+            </a:extLst>
+          </p:cNvPr>
+          <p:cNvSpPr/>
+          <p:nvPr/>
+        </p:nvSpPr>
+        <p:spPr>
+          <a:xfrm>
+            <a:off x="6349838" y="2490850"/>
+            <a:ext cx="1496291" cy="807522"/>
+          </a:xfrm>
+          <a:prstGeom prst="rect">
+            <a:avLst/>
+          </a:prstGeom>
+        </p:spPr>
+        <p:style>
+          <a:lnRef idx="2">
+            <a:schemeClr val="dk1"/>
+          </a:lnRef>
+          <a:fillRef idx="1">
+            <a:schemeClr val="lt1"/>
+          </a:fillRef>
+          <a:effectRef idx="0">
+            <a:schemeClr val="dk1"/>
+          </a:effectRef>
+          <a:fontRef idx="minor">
+            <a:schemeClr val="dk1"/>
+          </a:fontRef>
+        </p:style>
+        <p:txBody>
+          <a:bodyPr rtlCol="0" anchor="ctr"/>
+          <a:lstStyle/>
+          <a:p>
+            <a:pPr algn="ctr"/>
+            <a:r>
+              <a:rPr lang="zh-CN" altLang="en-US" dirty="0"/>
+              <a:t>获取屏幕截图</a:t>
+            </a:r>
+            <a:endParaRPr lang="en-US" dirty="0"/>
+          </a:p>
+        </p:txBody>
+      </p:sp>
+      <p:sp>
+        <p:nvSpPr>
+          <p:cNvPr id="9" name="矩形 8">
+            <a:extLst>
+              <a:ext uri="{FF2B5EF4-FFF2-40B4-BE49-F238E27FC236}">
+                <a16:creationId xmlns:a16="http://schemas.microsoft.com/office/drawing/2014/main" id="{4E0FF501-27C5-44C0-9107-3AB964A7941A}"/>
+              </a:ext>
+            </a:extLst>
+          </p:cNvPr>
+          <p:cNvSpPr/>
+          <p:nvPr/>
+        </p:nvSpPr>
+        <p:spPr>
+          <a:xfrm>
+            <a:off x="2280065" y="3108367"/>
+            <a:ext cx="1117768" cy="807522"/>
+          </a:xfrm>
+          <a:prstGeom prst="rect">
+            <a:avLst/>
+          </a:prstGeom>
+        </p:spPr>
+        <p:style>
+          <a:lnRef idx="2">
+            <a:schemeClr val="dk1"/>
+          </a:lnRef>
+          <a:fillRef idx="1">
+            <a:schemeClr val="lt1"/>
+          </a:fillRef>
+          <a:effectRef idx="0">
+            <a:schemeClr val="dk1"/>
+          </a:effectRef>
+          <a:fontRef idx="minor">
+            <a:schemeClr val="dk1"/>
+          </a:fontRef>
+        </p:style>
+        <p:txBody>
+          <a:bodyPr rtlCol="0" anchor="ctr"/>
+          <a:lstStyle/>
+          <a:p>
+            <a:pPr algn="ctr"/>
+            <a:r>
+              <a:rPr lang="en-US" dirty="0"/>
+              <a:t>UV </a:t>
+            </a:r>
+            <a:r>
+              <a:rPr lang="zh-CN" altLang="en-US" dirty="0"/>
+              <a:t>拆分和匹配</a:t>
+            </a:r>
+            <a:endParaRPr lang="en-US" dirty="0"/>
+          </a:p>
+        </p:txBody>
+      </p:sp>
+      <p:sp>
+        <p:nvSpPr>
+          <p:cNvPr id="10" name="箭头: 右 9">
+            <a:extLst>
+              <a:ext uri="{FF2B5EF4-FFF2-40B4-BE49-F238E27FC236}">
+                <a16:creationId xmlns:a16="http://schemas.microsoft.com/office/drawing/2014/main" id="{5E3621F9-61A9-494A-818D-9D9365CDC39B}"/>
+              </a:ext>
+            </a:extLst>
+          </p:cNvPr>
+          <p:cNvSpPr/>
+          <p:nvPr/>
+        </p:nvSpPr>
+        <p:spPr>
+          <a:xfrm>
+            <a:off x="3578436" y="3108367"/>
+            <a:ext cx="469072" cy="938150"/>
+          </a:xfrm>
+          <a:prstGeom prst="rightArrow">
+            <a:avLst/>
+          </a:prstGeom>
+        </p:spPr>
+        <p:style>
+          <a:lnRef idx="2">
+            <a:schemeClr val="accent1">
+              <a:shade val="50000"/>
+            </a:schemeClr>
+          </a:lnRef>
+          <a:fillRef idx="1">
+            <a:schemeClr val="accent1"/>
+          </a:fillRef>
+          <a:effectRef idx="0">
+            <a:schemeClr val="accent1"/>
+          </a:effectRef>
+          <a:fontRef idx="minor">
+            <a:schemeClr val="lt1"/>
+          </a:fontRef>
+        </p:style>
+        <p:txBody>
+          <a:bodyPr rtlCol="0" anchor="ctr"/>
+          <a:lstStyle/>
+          <a:p>
+            <a:pPr algn="ctr"/>
+            <a:endParaRPr lang="en-US"/>
+          </a:p>
+        </p:txBody>
+      </p:sp>
+      <p:sp>
+        <p:nvSpPr>
+          <p:cNvPr id="14" name="箭头: 右 13">
+            <a:extLst>
+              <a:ext uri="{FF2B5EF4-FFF2-40B4-BE49-F238E27FC236}">
+                <a16:creationId xmlns:a16="http://schemas.microsoft.com/office/drawing/2014/main" id="{81CF3B80-B7E2-4E46-83BE-FBD831FBC765}"/>
+              </a:ext>
+            </a:extLst>
+          </p:cNvPr>
+          <p:cNvSpPr/>
+          <p:nvPr/>
+        </p:nvSpPr>
+        <p:spPr>
+          <a:xfrm>
+            <a:off x="1775368" y="3298372"/>
+            <a:ext cx="422562" cy="617517"/>
+          </a:xfrm>
+          <a:prstGeom prst="rightArrow">
+            <a:avLst/>
+          </a:prstGeom>
+        </p:spPr>
+        <p:style>
+          <a:lnRef idx="2">
+            <a:schemeClr val="accent1">
+              <a:shade val="50000"/>
+            </a:schemeClr>
+          </a:lnRef>
+          <a:fillRef idx="1">
+            <a:schemeClr val="accent1"/>
+          </a:fillRef>
+          <a:effectRef idx="0">
+            <a:schemeClr val="accent1"/>
+          </a:effectRef>
+          <a:fontRef idx="minor">
+            <a:schemeClr val="lt1"/>
+          </a:fontRef>
+        </p:style>
+        <p:txBody>
+          <a:bodyPr rtlCol="0" anchor="ctr"/>
+          <a:lstStyle/>
+          <a:p>
+            <a:pPr algn="ctr"/>
+            <a:endParaRPr lang="en-US"/>
+          </a:p>
+        </p:txBody>
+      </p:sp>
+      <p:sp>
+        <p:nvSpPr>
+          <p:cNvPr id="15" name="矩形: 圆角 14">
+            <a:extLst>
+              <a:ext uri="{FF2B5EF4-FFF2-40B4-BE49-F238E27FC236}">
+                <a16:creationId xmlns:a16="http://schemas.microsoft.com/office/drawing/2014/main" id="{A59199A4-1627-413F-9C4C-A485D3496999}"/>
+              </a:ext>
+            </a:extLst>
+          </p:cNvPr>
+          <p:cNvSpPr/>
+          <p:nvPr/>
+        </p:nvSpPr>
+        <p:spPr>
+          <a:xfrm>
+            <a:off x="251364" y="5269676"/>
+            <a:ext cx="3304311" cy="816429"/>
+          </a:xfrm>
+          <a:prstGeom prst="roundRect">
+            <a:avLst/>
+          </a:prstGeom>
+        </p:spPr>
+        <p:style>
+          <a:lnRef idx="2">
+            <a:schemeClr val="accent1"/>
+          </a:lnRef>
+          <a:fillRef idx="1">
+            <a:schemeClr val="lt1"/>
+          </a:fillRef>
+          <a:effectRef idx="0">
+            <a:schemeClr val="accent1"/>
+          </a:effectRef>
+          <a:fontRef idx="minor">
+            <a:schemeClr val="dk1"/>
+          </a:fontRef>
+        </p:style>
+        <p:txBody>
+          <a:bodyPr rtlCol="0" anchor="ctr"/>
+          <a:lstStyle/>
+          <a:p>
+            <a:pPr algn="ctr"/>
+            <a:r>
+              <a:rPr lang="en-US" dirty="0"/>
+              <a:t>P</a:t>
+            </a:r>
+            <a:r>
+              <a:rPr lang="en-US" altLang="zh-CN" dirty="0"/>
+              <a:t>hotoshop </a:t>
+            </a:r>
+          </a:p>
+          <a:p>
+            <a:pPr algn="ctr"/>
+            <a:r>
+              <a:rPr lang="en-US" dirty="0"/>
+              <a:t>Maya/3D max</a:t>
+            </a:r>
+          </a:p>
+        </p:txBody>
+      </p:sp>
+      <p:sp>
+        <p:nvSpPr>
+          <p:cNvPr id="17" name="矩形: 圆角 16">
+            <a:extLst>
+              <a:ext uri="{FF2B5EF4-FFF2-40B4-BE49-F238E27FC236}">
+                <a16:creationId xmlns:a16="http://schemas.microsoft.com/office/drawing/2014/main" id="{FAAD77A9-7234-48CC-B3D1-19DA40CE3A01}"/>
+              </a:ext>
+            </a:extLst>
+          </p:cNvPr>
+          <p:cNvSpPr/>
+          <p:nvPr/>
+        </p:nvSpPr>
+        <p:spPr>
+          <a:xfrm>
+            <a:off x="6096000" y="5413664"/>
+            <a:ext cx="4081153" cy="816429"/>
+          </a:xfrm>
+          <a:prstGeom prst="roundRect">
+            <a:avLst/>
+          </a:prstGeom>
+        </p:spPr>
+        <p:style>
+          <a:lnRef idx="2">
+            <a:schemeClr val="accent1"/>
+          </a:lnRef>
+          <a:fillRef idx="1">
+            <a:schemeClr val="lt1"/>
+          </a:fillRef>
+          <a:effectRef idx="0">
+            <a:schemeClr val="accent1"/>
+          </a:effectRef>
+          <a:fontRef idx="minor">
+            <a:schemeClr val="dk1"/>
+          </a:fontRef>
+        </p:style>
+        <p:txBody>
+          <a:bodyPr rtlCol="0" anchor="ctr"/>
+          <a:lstStyle/>
+          <a:p>
+            <a:pPr algn="ctr"/>
+            <a:r>
+              <a:rPr lang="en-US" dirty="0"/>
+              <a:t>Unity 3D</a:t>
+            </a:r>
+          </a:p>
+        </p:txBody>
+      </p:sp>
+      <p:sp>
+        <p:nvSpPr>
+          <p:cNvPr id="18" name="矩形: 圆角 17">
+            <a:extLst>
+              <a:ext uri="{FF2B5EF4-FFF2-40B4-BE49-F238E27FC236}">
+                <a16:creationId xmlns:a16="http://schemas.microsoft.com/office/drawing/2014/main" id="{A4DC0078-5D78-44E0-914F-918150EECAC5}"/>
+              </a:ext>
+            </a:extLst>
+          </p:cNvPr>
+          <p:cNvSpPr/>
+          <p:nvPr/>
+        </p:nvSpPr>
+        <p:spPr>
+          <a:xfrm>
+            <a:off x="10640291" y="2291939"/>
+            <a:ext cx="1202377" cy="2707574"/>
+          </a:xfrm>
+          <a:prstGeom prst="roundRect">
+            <a:avLst/>
+          </a:prstGeom>
+        </p:spPr>
+        <p:style>
+          <a:lnRef idx="2">
+            <a:schemeClr val="accent1"/>
+          </a:lnRef>
+          <a:fillRef idx="1">
+            <a:schemeClr val="lt1"/>
+          </a:fillRef>
+          <a:effectRef idx="0">
+            <a:schemeClr val="accent1"/>
+          </a:effectRef>
+          <a:fontRef idx="minor">
+            <a:schemeClr val="dk1"/>
+          </a:fontRef>
+        </p:style>
+        <p:txBody>
+          <a:bodyPr rtlCol="0" anchor="ctr"/>
+          <a:lstStyle/>
+          <a:p>
+            <a:pPr algn="ctr"/>
+            <a:r>
+              <a:rPr lang="en-US" dirty="0"/>
+              <a:t>AR </a:t>
+            </a:r>
+            <a:r>
+              <a:rPr lang="zh-CN" altLang="en-US" dirty="0"/>
+              <a:t>显示</a:t>
+            </a:r>
+            <a:endParaRPr lang="en-US" dirty="0"/>
+          </a:p>
+        </p:txBody>
+      </p:sp>
+      <p:sp>
+        <p:nvSpPr>
+          <p:cNvPr id="19" name="矩形: 圆角 18">
+            <a:extLst>
+              <a:ext uri="{FF2B5EF4-FFF2-40B4-BE49-F238E27FC236}">
+                <a16:creationId xmlns:a16="http://schemas.microsoft.com/office/drawing/2014/main" id="{9B5128DF-12EE-4483-8B23-186DFC143258}"/>
+              </a:ext>
+            </a:extLst>
+          </p:cNvPr>
+          <p:cNvSpPr/>
+          <p:nvPr/>
+        </p:nvSpPr>
+        <p:spPr>
+          <a:xfrm>
+            <a:off x="10640291" y="5413663"/>
+            <a:ext cx="1202377" cy="816429"/>
+          </a:xfrm>
+          <a:prstGeom prst="roundRect">
+            <a:avLst/>
+          </a:prstGeom>
+        </p:spPr>
+        <p:style>
+          <a:lnRef idx="2">
+            <a:schemeClr val="accent1"/>
+          </a:lnRef>
+          <a:fillRef idx="1">
+            <a:schemeClr val="lt1"/>
+          </a:fillRef>
+          <a:effectRef idx="0">
+            <a:schemeClr val="accent1"/>
+          </a:effectRef>
+          <a:fontRef idx="minor">
+            <a:schemeClr val="dk1"/>
+          </a:fontRef>
+        </p:style>
+        <p:txBody>
+          <a:bodyPr rtlCol="0" anchor="ctr"/>
+          <a:lstStyle/>
+          <a:p>
+            <a:pPr algn="ctr"/>
+            <a:r>
+              <a:rPr lang="en-US" dirty="0"/>
+              <a:t>M</a:t>
+            </a:r>
+            <a:r>
+              <a:rPr lang="en-US" altLang="zh-CN" dirty="0"/>
+              <a:t>obile Devices</a:t>
+            </a:r>
+            <a:endParaRPr lang="en-US" dirty="0"/>
+          </a:p>
+        </p:txBody>
+      </p:sp>
+      <p:sp>
+        <p:nvSpPr>
+          <p:cNvPr id="20" name="箭头: 右 19">
+            <a:extLst>
+              <a:ext uri="{FF2B5EF4-FFF2-40B4-BE49-F238E27FC236}">
+                <a16:creationId xmlns:a16="http://schemas.microsoft.com/office/drawing/2014/main" id="{DE78A70B-7676-4A73-9270-76577CFBA6B8}"/>
+              </a:ext>
+            </a:extLst>
+          </p:cNvPr>
+          <p:cNvSpPr/>
+          <p:nvPr/>
+        </p:nvSpPr>
+        <p:spPr>
+          <a:xfrm>
+            <a:off x="5632622" y="3138055"/>
+            <a:ext cx="469072" cy="938150"/>
+          </a:xfrm>
+          <a:prstGeom prst="rightArrow">
+            <a:avLst/>
+          </a:prstGeom>
+        </p:spPr>
+        <p:style>
+          <a:lnRef idx="2">
+            <a:schemeClr val="accent1">
+              <a:shade val="50000"/>
+            </a:schemeClr>
+          </a:lnRef>
+          <a:fillRef idx="1">
+            <a:schemeClr val="accent1"/>
+          </a:fillRef>
+          <a:effectRef idx="0">
+            <a:schemeClr val="accent1"/>
+          </a:effectRef>
+          <a:fontRef idx="minor">
+            <a:schemeClr val="lt1"/>
+          </a:fontRef>
+        </p:style>
+        <p:txBody>
+          <a:bodyPr rtlCol="0" anchor="ctr"/>
+          <a:lstStyle/>
+          <a:p>
+            <a:pPr algn="ctr"/>
+            <a:endParaRPr lang="en-US"/>
+          </a:p>
+        </p:txBody>
+      </p:sp>
+      <p:sp>
+        <p:nvSpPr>
+          <p:cNvPr id="21" name="矩形 20">
+            <a:extLst>
+              <a:ext uri="{FF2B5EF4-FFF2-40B4-BE49-F238E27FC236}">
+                <a16:creationId xmlns:a16="http://schemas.microsoft.com/office/drawing/2014/main" id="{824ABD0B-93A4-45CE-9FD3-E0480EB8C706}"/>
+              </a:ext>
+            </a:extLst>
+          </p:cNvPr>
+          <p:cNvSpPr/>
+          <p:nvPr/>
+        </p:nvSpPr>
+        <p:spPr>
+          <a:xfrm>
+            <a:off x="8256316" y="2490850"/>
+            <a:ext cx="1655619" cy="807522"/>
+          </a:xfrm>
+          <a:prstGeom prst="rect">
+            <a:avLst/>
+          </a:prstGeom>
+        </p:spPr>
+        <p:style>
+          <a:lnRef idx="2">
+            <a:schemeClr val="dk1"/>
+          </a:lnRef>
+          <a:fillRef idx="1">
+            <a:schemeClr val="lt1"/>
+          </a:fillRef>
+          <a:effectRef idx="0">
+            <a:schemeClr val="dk1"/>
+          </a:effectRef>
+          <a:fontRef idx="minor">
+            <a:schemeClr val="dk1"/>
+          </a:fontRef>
+        </p:style>
+        <p:txBody>
+          <a:bodyPr rtlCol="0" anchor="ctr"/>
+          <a:lstStyle/>
+          <a:p>
+            <a:pPr algn="ctr"/>
+            <a:r>
+              <a:rPr lang="zh-CN" altLang="en-US" dirty="0"/>
+              <a:t>将获取的贴图贴到模型上</a:t>
+            </a:r>
+            <a:endParaRPr lang="en-US" dirty="0"/>
+          </a:p>
+        </p:txBody>
+      </p:sp>
+      <p:cxnSp>
+        <p:nvCxnSpPr>
+          <p:cNvPr id="23" name="直接箭头连接符 22">
+            <a:extLst>
+              <a:ext uri="{FF2B5EF4-FFF2-40B4-BE49-F238E27FC236}">
+                <a16:creationId xmlns:a16="http://schemas.microsoft.com/office/drawing/2014/main" id="{ECC7F993-EAC4-4FB1-A5A4-8E2A8E721611}"/>
+              </a:ext>
+            </a:extLst>
+          </p:cNvPr>
+          <p:cNvCxnSpPr>
+            <a:cxnSpLocks/>
+            <a:stCxn id="8" idx="2"/>
+          </p:cNvCxnSpPr>
+          <p:nvPr/>
+        </p:nvCxnSpPr>
+        <p:spPr>
+          <a:xfrm flipH="1">
+            <a:off x="7073481" y="3298372"/>
+            <a:ext cx="24503" cy="644237"/>
+          </a:xfrm>
+          <a:prstGeom prst="straightConnector1">
+            <a:avLst/>
+          </a:prstGeom>
+          <a:ln>
+            <a:tailEnd type="triangle"/>
+          </a:ln>
+        </p:spPr>
+        <p:style>
+          <a:lnRef idx="1">
+            <a:schemeClr val="accent1"/>
+          </a:lnRef>
+          <a:fillRef idx="0">
+            <a:schemeClr val="accent1"/>
+          </a:fillRef>
+          <a:effectRef idx="0">
+            <a:schemeClr val="accent1"/>
+          </a:effectRef>
+          <a:fontRef idx="minor">
+            <a:schemeClr val="tx1"/>
+          </a:fontRef>
+        </p:style>
+      </p:cxnSp>
+      <p:cxnSp>
+        <p:nvCxnSpPr>
+          <p:cNvPr id="25" name="直接箭头连接符 24">
+            <a:extLst>
+              <a:ext uri="{FF2B5EF4-FFF2-40B4-BE49-F238E27FC236}">
+                <a16:creationId xmlns:a16="http://schemas.microsoft.com/office/drawing/2014/main" id="{BFDA9FA3-B853-452A-8370-F4F9DD296F0D}"/>
+              </a:ext>
+            </a:extLst>
+          </p:cNvPr>
+          <p:cNvCxnSpPr>
+            <a:cxnSpLocks/>
+          </p:cNvCxnSpPr>
+          <p:nvPr/>
+        </p:nvCxnSpPr>
+        <p:spPr>
+          <a:xfrm>
+            <a:off x="7791701" y="4391644"/>
+            <a:ext cx="454968" cy="0"/>
+          </a:xfrm>
+          <a:prstGeom prst="straightConnector1">
+            <a:avLst/>
+          </a:prstGeom>
+          <a:ln>
+            <a:tailEnd type="triangle"/>
+          </a:ln>
+        </p:spPr>
+        <p:style>
+          <a:lnRef idx="1">
+            <a:schemeClr val="accent1"/>
+          </a:lnRef>
+          <a:fillRef idx="0">
+            <a:schemeClr val="accent1"/>
+          </a:fillRef>
+          <a:effectRef idx="0">
+            <a:schemeClr val="accent1"/>
+          </a:effectRef>
+          <a:fontRef idx="minor">
+            <a:schemeClr val="tx1"/>
+          </a:fontRef>
+        </p:style>
+      </p:cxnSp>
+      <p:sp>
+        <p:nvSpPr>
+          <p:cNvPr id="26" name="箭头: 右 25">
+            <a:extLst>
+              <a:ext uri="{FF2B5EF4-FFF2-40B4-BE49-F238E27FC236}">
+                <a16:creationId xmlns:a16="http://schemas.microsoft.com/office/drawing/2014/main" id="{77C1C87E-4BA4-4833-A7BE-DC1D7A65AC01}"/>
+              </a:ext>
+            </a:extLst>
+          </p:cNvPr>
+          <p:cNvSpPr/>
+          <p:nvPr/>
+        </p:nvSpPr>
+        <p:spPr>
+          <a:xfrm>
+            <a:off x="10190761" y="3138055"/>
+            <a:ext cx="469072" cy="938150"/>
+          </a:xfrm>
+          <a:prstGeom prst="rightArrow">
+            <a:avLst/>
+          </a:prstGeom>
+        </p:spPr>
+        <p:style>
+          <a:lnRef idx="2">
+            <a:schemeClr val="accent1">
+              <a:shade val="50000"/>
+            </a:schemeClr>
+          </a:lnRef>
+          <a:fillRef idx="1">
+            <a:schemeClr val="accent1"/>
+          </a:fillRef>
+          <a:effectRef idx="0">
+            <a:schemeClr val="accent1"/>
+          </a:effectRef>
+          <a:fontRef idx="minor">
+            <a:schemeClr val="lt1"/>
+          </a:fontRef>
+        </p:style>
+        <p:txBody>
+          <a:bodyPr rtlCol="0" anchor="ctr"/>
+          <a:lstStyle/>
+          <a:p>
+            <a:pPr algn="ctr"/>
+            <a:endParaRPr lang="en-US"/>
+          </a:p>
+        </p:txBody>
+      </p:sp>
+      <p:sp>
+        <p:nvSpPr>
+          <p:cNvPr id="27" name="矩形 26">
+            <a:extLst>
+              <a:ext uri="{FF2B5EF4-FFF2-40B4-BE49-F238E27FC236}">
+                <a16:creationId xmlns:a16="http://schemas.microsoft.com/office/drawing/2014/main" id="{5F329189-1E44-4034-9B6E-2A7AC8F07B4F}"/>
+              </a:ext>
+            </a:extLst>
+          </p:cNvPr>
+          <p:cNvSpPr/>
+          <p:nvPr/>
+        </p:nvSpPr>
+        <p:spPr>
+          <a:xfrm>
+            <a:off x="6349838" y="3942609"/>
+            <a:ext cx="1496291" cy="807522"/>
+          </a:xfrm>
+          <a:prstGeom prst="rect">
+            <a:avLst/>
+          </a:prstGeom>
+        </p:spPr>
+        <p:style>
+          <a:lnRef idx="2">
+            <a:schemeClr val="dk1"/>
+          </a:lnRef>
+          <a:fillRef idx="1">
+            <a:schemeClr val="lt1"/>
+          </a:fillRef>
+          <a:effectRef idx="0">
+            <a:schemeClr val="dk1"/>
+          </a:effectRef>
+          <a:fontRef idx="minor">
+            <a:schemeClr val="dk1"/>
+          </a:fontRef>
+        </p:style>
+        <p:txBody>
+          <a:bodyPr rtlCol="0" anchor="ctr"/>
+          <a:lstStyle/>
+          <a:p>
+            <a:pPr algn="ctr"/>
+            <a:r>
+              <a:rPr lang="zh-CN" altLang="en-US" dirty="0"/>
+              <a:t>贴图坐标计算</a:t>
+            </a:r>
+            <a:endParaRPr lang="en-US" dirty="0"/>
+          </a:p>
+        </p:txBody>
+      </p:sp>
+      <p:cxnSp>
+        <p:nvCxnSpPr>
+          <p:cNvPr id="31" name="直接箭头连接符 30">
+            <a:extLst>
+              <a:ext uri="{FF2B5EF4-FFF2-40B4-BE49-F238E27FC236}">
+                <a16:creationId xmlns:a16="http://schemas.microsoft.com/office/drawing/2014/main" id="{EFEE5F16-4586-4039-AA85-74C7DB4AABAE}"/>
+              </a:ext>
+            </a:extLst>
+          </p:cNvPr>
+          <p:cNvCxnSpPr>
+            <a:cxnSpLocks/>
+            <a:endCxn id="21" idx="2"/>
+          </p:cNvCxnSpPr>
+          <p:nvPr/>
+        </p:nvCxnSpPr>
+        <p:spPr>
+          <a:xfrm flipV="1">
+            <a:off x="9084125" y="3298372"/>
+            <a:ext cx="1" cy="644238"/>
+          </a:xfrm>
+          <a:prstGeom prst="straightConnector1">
+            <a:avLst/>
+          </a:prstGeom>
+          <a:ln>
+            <a:tailEnd type="triangle"/>
+          </a:ln>
+        </p:spPr>
+        <p:style>
+          <a:lnRef idx="1">
+            <a:schemeClr val="accent1"/>
+          </a:lnRef>
+          <a:fillRef idx="0">
+            <a:schemeClr val="accent1"/>
+          </a:fillRef>
+          <a:effectRef idx="0">
+            <a:schemeClr val="accent1"/>
+          </a:effectRef>
+          <a:fontRef idx="minor">
+            <a:schemeClr val="tx1"/>
+          </a:fontRef>
+        </p:style>
+      </p:cxnSp>
+    </p:spTree>
+    <p:extLst>
+      <p:ext uri="{BB962C8B-B14F-4D97-AF65-F5344CB8AC3E}">
+        <p14:creationId xmlns:p14="http://schemas.microsoft.com/office/powerpoint/2010/main" val="2470645123"/>
+      </p:ext>
+    </p:extLst>
+  </p:cSld>
+  <p:clrMapOvr>
+    <a:masterClrMapping/>
+  </p:clrMapOvr>
+</p:sld>
+</file>
+
+<file path=ppt/slides/slide15.xml><?xml version="1.0" encoding="utf-8"?>
+<p:sld xmlns:a="http://schemas.openxmlformats.org/drawingml/2006/main" xmlns:r="http://schemas.openxmlformats.org/officeDocument/2006/relationships" xmlns:p="http://schemas.openxmlformats.org/presentationml/2006/main">
+  <p:cSld>
+    <p:spTree>
+      <p:nvGrpSpPr>
+        <p:cNvPr id="1" name=""/>
+        <p:cNvGrpSpPr/>
+        <p:nvPr/>
+      </p:nvGrpSpPr>
+      <p:grpSpPr>
+        <a:xfrm>
+          <a:off x="0" y="0"/>
+          <a:ext cx="0" cy="0"/>
+          <a:chOff x="0" y="0"/>
+          <a:chExt cx="0" cy="0"/>
+        </a:xfrm>
+      </p:grpSpPr>
+      <p:sp>
+        <p:nvSpPr>
+          <p:cNvPr id="16" name="矩形: 圆角 15">
+            <a:extLst>
+              <a:ext uri="{FF2B5EF4-FFF2-40B4-BE49-F238E27FC236}">
+                <a16:creationId xmlns:a16="http://schemas.microsoft.com/office/drawing/2014/main" id="{539EF78F-F89D-436E-957D-17A09A176C84}"/>
+              </a:ext>
+            </a:extLst>
+          </p:cNvPr>
+          <p:cNvSpPr/>
+          <p:nvPr/>
+        </p:nvSpPr>
+        <p:spPr>
+          <a:xfrm>
+            <a:off x="6096000" y="2291938"/>
+            <a:ext cx="4081153" cy="2707574"/>
+          </a:xfrm>
+          <a:prstGeom prst="roundRect">
+            <a:avLst/>
+          </a:prstGeom>
+        </p:spPr>
+        <p:style>
+          <a:lnRef idx="2">
+            <a:schemeClr val="accent1"/>
+          </a:lnRef>
+          <a:fillRef idx="1">
+            <a:schemeClr val="lt1"/>
+          </a:fillRef>
+          <a:effectRef idx="0">
+            <a:schemeClr val="accent1"/>
+          </a:effectRef>
+          <a:fontRef idx="minor">
+            <a:schemeClr val="dk1"/>
+          </a:fontRef>
+        </p:style>
+        <p:txBody>
+          <a:bodyPr rtlCol="0" anchor="ctr"/>
+          <a:lstStyle/>
+          <a:p>
+            <a:pPr algn="ctr"/>
+            <a:endParaRPr lang="en-US"/>
+          </a:p>
+        </p:txBody>
+      </p:sp>
+      <p:sp>
+        <p:nvSpPr>
+          <p:cNvPr id="13" name="矩形: 圆角 12">
+            <a:extLst>
+              <a:ext uri="{FF2B5EF4-FFF2-40B4-BE49-F238E27FC236}">
+                <a16:creationId xmlns:a16="http://schemas.microsoft.com/office/drawing/2014/main" id="{2C83C7AA-C2C5-43CD-A807-791EC21940A6}"/>
+              </a:ext>
+            </a:extLst>
+          </p:cNvPr>
+          <p:cNvSpPr/>
+          <p:nvPr/>
+        </p:nvSpPr>
+        <p:spPr>
+          <a:xfrm>
+            <a:off x="251365" y="2291938"/>
+            <a:ext cx="3304311" cy="2707574"/>
+          </a:xfrm>
+          <a:prstGeom prst="roundRect">
+            <a:avLst/>
+          </a:prstGeom>
+        </p:spPr>
+        <p:style>
+          <a:lnRef idx="2">
+            <a:schemeClr val="accent1"/>
+          </a:lnRef>
+          <a:fillRef idx="1">
+            <a:schemeClr val="lt1"/>
+          </a:fillRef>
+          <a:effectRef idx="0">
+            <a:schemeClr val="accent1"/>
+          </a:effectRef>
+          <a:fontRef idx="minor">
+            <a:schemeClr val="dk1"/>
+          </a:fontRef>
+        </p:style>
+        <p:txBody>
+          <a:bodyPr rtlCol="0" anchor="ctr"/>
+          <a:lstStyle/>
+          <a:p>
+            <a:pPr algn="ctr"/>
+            <a:endParaRPr lang="en-US"/>
+          </a:p>
+        </p:txBody>
+      </p:sp>
+      <p:sp>
+        <p:nvSpPr>
+          <p:cNvPr id="2" name="标题 1">
+            <a:extLst>
+              <a:ext uri="{FF2B5EF4-FFF2-40B4-BE49-F238E27FC236}">
+                <a16:creationId xmlns:a16="http://schemas.microsoft.com/office/drawing/2014/main" id="{329CEABB-0F55-4EFF-BA19-1AD0CFF47D7D}"/>
+              </a:ext>
+            </a:extLst>
+          </p:cNvPr>
+          <p:cNvSpPr>
+            <a:spLocks noGrp="1"/>
+          </p:cNvSpPr>
+          <p:nvPr>
+            <p:ph type="title"/>
+          </p:nvPr>
+        </p:nvSpPr>
+        <p:spPr/>
+        <p:txBody>
+          <a:bodyPr/>
+          <a:lstStyle/>
+          <a:p>
+            <a:endParaRPr lang="en-US"/>
+          </a:p>
+        </p:txBody>
+      </p:sp>
+      <p:sp>
+        <p:nvSpPr>
+          <p:cNvPr id="4" name="矩形 3">
+            <a:extLst>
+              <a:ext uri="{FF2B5EF4-FFF2-40B4-BE49-F238E27FC236}">
+                <a16:creationId xmlns:a16="http://schemas.microsoft.com/office/drawing/2014/main" id="{37DB9256-7649-478F-B6F0-3D24D4E72EB3}"/>
+              </a:ext>
+            </a:extLst>
+          </p:cNvPr>
+          <p:cNvSpPr/>
+          <p:nvPr/>
+        </p:nvSpPr>
+        <p:spPr>
+          <a:xfrm>
+            <a:off x="512622" y="2621478"/>
+            <a:ext cx="1249138" cy="807522"/>
+          </a:xfrm>
+          <a:prstGeom prst="rect">
+            <a:avLst/>
+          </a:prstGeom>
+        </p:spPr>
+        <p:style>
+          <a:lnRef idx="2">
+            <a:schemeClr val="dk1"/>
+          </a:lnRef>
+          <a:fillRef idx="1">
+            <a:schemeClr val="lt1"/>
+          </a:fillRef>
+          <a:effectRef idx="0">
+            <a:schemeClr val="dk1"/>
+          </a:effectRef>
+          <a:fontRef idx="minor">
+            <a:schemeClr val="dk1"/>
+          </a:fontRef>
+        </p:style>
+        <p:txBody>
+          <a:bodyPr rtlCol="0" anchor="ctr"/>
+          <a:lstStyle/>
+          <a:p>
+            <a:pPr algn="ctr"/>
+            <a:r>
+              <a:rPr lang="en-US" altLang="zh-CN" dirty="0"/>
+              <a:t>Target pic production</a:t>
+            </a:r>
+            <a:endParaRPr lang="en-US" dirty="0"/>
+          </a:p>
+        </p:txBody>
+      </p:sp>
+      <p:sp>
+        <p:nvSpPr>
+          <p:cNvPr id="5" name="矩形 4">
+            <a:extLst>
+              <a:ext uri="{FF2B5EF4-FFF2-40B4-BE49-F238E27FC236}">
+                <a16:creationId xmlns:a16="http://schemas.microsoft.com/office/drawing/2014/main" id="{9C9C5A0E-FF93-40E7-A78F-BD6DADC9AC98}"/>
+              </a:ext>
+            </a:extLst>
+          </p:cNvPr>
+          <p:cNvSpPr/>
+          <p:nvPr/>
+        </p:nvSpPr>
+        <p:spPr>
+          <a:xfrm>
+            <a:off x="512622" y="3645725"/>
+            <a:ext cx="1238001" cy="807522"/>
+          </a:xfrm>
+          <a:prstGeom prst="rect">
+            <a:avLst/>
+          </a:prstGeom>
+        </p:spPr>
+        <p:style>
+          <a:lnRef idx="2">
+            <a:schemeClr val="dk1"/>
+          </a:lnRef>
+          <a:fillRef idx="1">
+            <a:schemeClr val="lt1"/>
+          </a:fillRef>
+          <a:effectRef idx="0">
+            <a:schemeClr val="dk1"/>
+          </a:effectRef>
+          <a:fontRef idx="minor">
+            <a:schemeClr val="dk1"/>
+          </a:fontRef>
+        </p:style>
+        <p:txBody>
+          <a:bodyPr rtlCol="0" anchor="ctr"/>
+          <a:lstStyle/>
+          <a:p>
+            <a:pPr algn="ctr"/>
+            <a:r>
+              <a:rPr lang="en-US" altLang="zh-CN" dirty="0"/>
+              <a:t>Model </a:t>
+            </a:r>
+            <a:r>
+              <a:rPr lang="en-US" altLang="zh-CN" dirty="0" err="1"/>
+              <a:t>producion</a:t>
+            </a:r>
+            <a:endParaRPr lang="en-US" dirty="0"/>
+          </a:p>
+        </p:txBody>
+      </p:sp>
+      <p:sp>
+        <p:nvSpPr>
+          <p:cNvPr id="6" name="矩形 5">
+            <a:extLst>
+              <a:ext uri="{FF2B5EF4-FFF2-40B4-BE49-F238E27FC236}">
+                <a16:creationId xmlns:a16="http://schemas.microsoft.com/office/drawing/2014/main" id="{286C7161-025D-4C80-A7AE-719A8F7B74D3}"/>
+              </a:ext>
+            </a:extLst>
+          </p:cNvPr>
+          <p:cNvSpPr/>
+          <p:nvPr/>
+        </p:nvSpPr>
+        <p:spPr>
+          <a:xfrm>
+            <a:off x="4070268" y="2314946"/>
+            <a:ext cx="1496291" cy="2524991"/>
+          </a:xfrm>
+          <a:prstGeom prst="rect">
+            <a:avLst/>
+          </a:prstGeom>
+        </p:spPr>
+        <p:style>
+          <a:lnRef idx="2">
+            <a:schemeClr val="dk1"/>
+          </a:lnRef>
+          <a:fillRef idx="1">
+            <a:schemeClr val="lt1"/>
+          </a:fillRef>
+          <a:effectRef idx="0">
+            <a:schemeClr val="dk1"/>
+          </a:effectRef>
+          <a:fontRef idx="minor">
+            <a:schemeClr val="dk1"/>
+          </a:fontRef>
+        </p:style>
+        <p:txBody>
+          <a:bodyPr rtlCol="0" anchor="ctr"/>
+          <a:lstStyle/>
+          <a:p>
+            <a:pPr algn="ctr"/>
+            <a:r>
+              <a:rPr lang="en-US" altLang="zh-CN" dirty="0"/>
+              <a:t>Upload the target pics to </a:t>
+            </a:r>
+            <a:r>
+              <a:rPr lang="en-US" altLang="zh-CN" dirty="0" err="1"/>
+              <a:t>Vuforia</a:t>
+            </a:r>
+            <a:r>
+              <a:rPr lang="en-US" altLang="zh-CN" dirty="0"/>
+              <a:t> site and download  and import the Unity package to  Unity3d</a:t>
+            </a:r>
+            <a:endParaRPr lang="en-US" dirty="0"/>
+          </a:p>
+        </p:txBody>
+      </p:sp>
+      <p:sp>
+        <p:nvSpPr>
+          <p:cNvPr id="7" name="矩形 6">
+            <a:extLst>
+              <a:ext uri="{FF2B5EF4-FFF2-40B4-BE49-F238E27FC236}">
+                <a16:creationId xmlns:a16="http://schemas.microsoft.com/office/drawing/2014/main" id="{C653E7B1-C055-4B5F-B5CA-16361E3E65EF}"/>
+              </a:ext>
+            </a:extLst>
+          </p:cNvPr>
+          <p:cNvSpPr/>
+          <p:nvPr/>
+        </p:nvSpPr>
+        <p:spPr>
+          <a:xfrm>
+            <a:off x="8260277" y="3977492"/>
+            <a:ext cx="1655619" cy="807522"/>
+          </a:xfrm>
+          <a:prstGeom prst="rect">
+            <a:avLst/>
+          </a:prstGeom>
+        </p:spPr>
+        <p:style>
+          <a:lnRef idx="2">
+            <a:schemeClr val="dk1"/>
+          </a:lnRef>
+          <a:fillRef idx="1">
+            <a:schemeClr val="lt1"/>
+          </a:fillRef>
+          <a:effectRef idx="0">
+            <a:schemeClr val="dk1"/>
+          </a:effectRef>
+          <a:fontRef idx="minor">
+            <a:schemeClr val="dk1"/>
+          </a:fontRef>
+        </p:style>
+        <p:txBody>
+          <a:bodyPr rtlCol="0" anchor="ctr"/>
+          <a:lstStyle/>
+          <a:p>
+            <a:pPr algn="ctr"/>
+            <a:r>
+              <a:rPr lang="en-US" dirty="0"/>
+              <a:t>Pass the </a:t>
+            </a:r>
+            <a:r>
+              <a:rPr lang="en-US" dirty="0" err="1"/>
+              <a:t>Shader</a:t>
+            </a:r>
+            <a:r>
+              <a:rPr lang="en-US" dirty="0"/>
+              <a:t> </a:t>
+            </a:r>
+            <a:r>
+              <a:rPr lang="en-US" altLang="zh-CN" dirty="0"/>
+              <a:t>value</a:t>
+            </a:r>
+            <a:endParaRPr lang="en-US" dirty="0"/>
+          </a:p>
+        </p:txBody>
+      </p:sp>
+      <p:sp>
+        <p:nvSpPr>
+          <p:cNvPr id="8" name="矩形 7">
+            <a:extLst>
+              <a:ext uri="{FF2B5EF4-FFF2-40B4-BE49-F238E27FC236}">
+                <a16:creationId xmlns:a16="http://schemas.microsoft.com/office/drawing/2014/main" id="{85ECBC49-3031-4725-95A9-A7FFF065F2A3}"/>
+              </a:ext>
+            </a:extLst>
+          </p:cNvPr>
+          <p:cNvSpPr/>
+          <p:nvPr/>
+        </p:nvSpPr>
+        <p:spPr>
+          <a:xfrm>
+            <a:off x="6337963" y="2490850"/>
+            <a:ext cx="1496291" cy="807522"/>
+          </a:xfrm>
+          <a:prstGeom prst="rect">
+            <a:avLst/>
+          </a:prstGeom>
+        </p:spPr>
+        <p:style>
+          <a:lnRef idx="2">
+            <a:schemeClr val="dk1"/>
+          </a:lnRef>
+          <a:fillRef idx="1">
+            <a:schemeClr val="lt1"/>
+          </a:fillRef>
+          <a:effectRef idx="0">
+            <a:schemeClr val="dk1"/>
+          </a:effectRef>
+          <a:fontRef idx="minor">
+            <a:schemeClr val="dk1"/>
+          </a:fontRef>
+        </p:style>
+        <p:txBody>
+          <a:bodyPr rtlCol="0" anchor="ctr"/>
+          <a:lstStyle/>
+          <a:p>
+            <a:pPr algn="ctr"/>
+            <a:r>
+              <a:rPr lang="en-US" altLang="zh-CN" dirty="0"/>
+              <a:t>Get the Screen capture</a:t>
+            </a:r>
+            <a:endParaRPr lang="en-US" dirty="0"/>
+          </a:p>
+        </p:txBody>
+      </p:sp>
+      <p:sp>
+        <p:nvSpPr>
+          <p:cNvPr id="9" name="矩形 8">
+            <a:extLst>
+              <a:ext uri="{FF2B5EF4-FFF2-40B4-BE49-F238E27FC236}">
+                <a16:creationId xmlns:a16="http://schemas.microsoft.com/office/drawing/2014/main" id="{4E0FF501-27C5-44C0-9107-3AB964A7941A}"/>
+              </a:ext>
+            </a:extLst>
+          </p:cNvPr>
+          <p:cNvSpPr/>
+          <p:nvPr/>
+        </p:nvSpPr>
+        <p:spPr>
+          <a:xfrm>
+            <a:off x="2291201" y="3108367"/>
+            <a:ext cx="1106632" cy="807522"/>
+          </a:xfrm>
+          <a:prstGeom prst="rect">
+            <a:avLst/>
+          </a:prstGeom>
+        </p:spPr>
+        <p:style>
+          <a:lnRef idx="2">
+            <a:schemeClr val="dk1"/>
+          </a:lnRef>
+          <a:fillRef idx="1">
+            <a:schemeClr val="lt1"/>
+          </a:fillRef>
+          <a:effectRef idx="0">
+            <a:schemeClr val="dk1"/>
+          </a:effectRef>
+          <a:fontRef idx="minor">
+            <a:schemeClr val="dk1"/>
+          </a:fontRef>
+        </p:style>
+        <p:txBody>
+          <a:bodyPr rtlCol="0" anchor="ctr"/>
+          <a:lstStyle/>
+          <a:p>
+            <a:pPr algn="ctr"/>
+            <a:r>
+              <a:rPr lang="en-US" dirty="0"/>
+              <a:t>UV Split and match</a:t>
+            </a:r>
+          </a:p>
+        </p:txBody>
+      </p:sp>
+      <p:sp>
+        <p:nvSpPr>
+          <p:cNvPr id="10" name="箭头: 右 9">
+            <a:extLst>
+              <a:ext uri="{FF2B5EF4-FFF2-40B4-BE49-F238E27FC236}">
+                <a16:creationId xmlns:a16="http://schemas.microsoft.com/office/drawing/2014/main" id="{5E3621F9-61A9-494A-818D-9D9365CDC39B}"/>
+              </a:ext>
+            </a:extLst>
+          </p:cNvPr>
+          <p:cNvSpPr/>
+          <p:nvPr/>
+        </p:nvSpPr>
+        <p:spPr>
+          <a:xfrm>
+            <a:off x="3578436" y="3108367"/>
+            <a:ext cx="469072" cy="938150"/>
+          </a:xfrm>
+          <a:prstGeom prst="rightArrow">
+            <a:avLst/>
+          </a:prstGeom>
+        </p:spPr>
+        <p:style>
+          <a:lnRef idx="2">
+            <a:schemeClr val="accent1">
+              <a:shade val="50000"/>
+            </a:schemeClr>
+          </a:lnRef>
+          <a:fillRef idx="1">
+            <a:schemeClr val="accent1"/>
+          </a:fillRef>
+          <a:effectRef idx="0">
+            <a:schemeClr val="accent1"/>
+          </a:effectRef>
+          <a:fontRef idx="minor">
+            <a:schemeClr val="lt1"/>
+          </a:fontRef>
+        </p:style>
+        <p:txBody>
+          <a:bodyPr rtlCol="0" anchor="ctr"/>
+          <a:lstStyle/>
+          <a:p>
+            <a:pPr algn="ctr"/>
+            <a:endParaRPr lang="en-US"/>
+          </a:p>
+        </p:txBody>
+      </p:sp>
+      <p:sp>
+        <p:nvSpPr>
+          <p:cNvPr id="14" name="箭头: 右 13">
+            <a:extLst>
+              <a:ext uri="{FF2B5EF4-FFF2-40B4-BE49-F238E27FC236}">
+                <a16:creationId xmlns:a16="http://schemas.microsoft.com/office/drawing/2014/main" id="{81CF3B80-B7E2-4E46-83BE-FBD831FBC765}"/>
+              </a:ext>
+            </a:extLst>
+          </p:cNvPr>
+          <p:cNvSpPr/>
+          <p:nvPr/>
+        </p:nvSpPr>
+        <p:spPr>
+          <a:xfrm>
+            <a:off x="1775368" y="3298372"/>
+            <a:ext cx="422562" cy="617517"/>
+          </a:xfrm>
+          <a:prstGeom prst="rightArrow">
+            <a:avLst/>
+          </a:prstGeom>
+        </p:spPr>
+        <p:style>
+          <a:lnRef idx="2">
+            <a:schemeClr val="accent1">
+              <a:shade val="50000"/>
+            </a:schemeClr>
+          </a:lnRef>
+          <a:fillRef idx="1">
+            <a:schemeClr val="accent1"/>
+          </a:fillRef>
+          <a:effectRef idx="0">
+            <a:schemeClr val="accent1"/>
+          </a:effectRef>
+          <a:fontRef idx="minor">
+            <a:schemeClr val="lt1"/>
+          </a:fontRef>
+        </p:style>
+        <p:txBody>
+          <a:bodyPr rtlCol="0" anchor="ctr"/>
+          <a:lstStyle/>
+          <a:p>
+            <a:pPr algn="ctr"/>
+            <a:endParaRPr lang="en-US"/>
+          </a:p>
+        </p:txBody>
+      </p:sp>
+      <p:sp>
+        <p:nvSpPr>
+          <p:cNvPr id="15" name="矩形: 圆角 14">
+            <a:extLst>
+              <a:ext uri="{FF2B5EF4-FFF2-40B4-BE49-F238E27FC236}">
+                <a16:creationId xmlns:a16="http://schemas.microsoft.com/office/drawing/2014/main" id="{A59199A4-1627-413F-9C4C-A485D3496999}"/>
+              </a:ext>
+            </a:extLst>
+          </p:cNvPr>
+          <p:cNvSpPr/>
+          <p:nvPr/>
+        </p:nvSpPr>
+        <p:spPr>
+          <a:xfrm>
+            <a:off x="251364" y="5269676"/>
+            <a:ext cx="3304311" cy="816429"/>
+          </a:xfrm>
+          <a:prstGeom prst="roundRect">
+            <a:avLst/>
+          </a:prstGeom>
+        </p:spPr>
+        <p:style>
+          <a:lnRef idx="2">
+            <a:schemeClr val="accent1"/>
+          </a:lnRef>
+          <a:fillRef idx="1">
+            <a:schemeClr val="lt1"/>
+          </a:fillRef>
+          <a:effectRef idx="0">
+            <a:schemeClr val="accent1"/>
+          </a:effectRef>
+          <a:fontRef idx="minor">
+            <a:schemeClr val="dk1"/>
+          </a:fontRef>
+        </p:style>
+        <p:txBody>
+          <a:bodyPr rtlCol="0" anchor="ctr"/>
+          <a:lstStyle/>
+          <a:p>
+            <a:pPr algn="ctr"/>
+            <a:r>
+              <a:rPr lang="en-US" dirty="0"/>
+              <a:t>P</a:t>
+            </a:r>
+            <a:r>
+              <a:rPr lang="en-US" altLang="zh-CN" dirty="0"/>
+              <a:t>hotoshop </a:t>
+            </a:r>
+          </a:p>
+          <a:p>
+            <a:pPr algn="ctr"/>
+            <a:r>
+              <a:rPr lang="en-US" dirty="0"/>
+              <a:t>Maya/3D max</a:t>
+            </a:r>
+          </a:p>
+        </p:txBody>
+      </p:sp>
+      <p:sp>
+        <p:nvSpPr>
+          <p:cNvPr id="17" name="矩形: 圆角 16">
+            <a:extLst>
+              <a:ext uri="{FF2B5EF4-FFF2-40B4-BE49-F238E27FC236}">
+                <a16:creationId xmlns:a16="http://schemas.microsoft.com/office/drawing/2014/main" id="{FAAD77A9-7234-48CC-B3D1-19DA40CE3A01}"/>
+              </a:ext>
+            </a:extLst>
+          </p:cNvPr>
+          <p:cNvSpPr/>
+          <p:nvPr/>
+        </p:nvSpPr>
+        <p:spPr>
+          <a:xfrm>
+            <a:off x="6095999" y="5269675"/>
+            <a:ext cx="4081153" cy="816429"/>
+          </a:xfrm>
+          <a:prstGeom prst="roundRect">
+            <a:avLst/>
+          </a:prstGeom>
+        </p:spPr>
+        <p:style>
+          <a:lnRef idx="2">
+            <a:schemeClr val="accent1"/>
+          </a:lnRef>
+          <a:fillRef idx="1">
+            <a:schemeClr val="lt1"/>
+          </a:fillRef>
+          <a:effectRef idx="0">
+            <a:schemeClr val="accent1"/>
+          </a:effectRef>
+          <a:fontRef idx="minor">
+            <a:schemeClr val="dk1"/>
+          </a:fontRef>
+        </p:style>
+        <p:txBody>
+          <a:bodyPr rtlCol="0" anchor="ctr"/>
+          <a:lstStyle/>
+          <a:p>
+            <a:pPr algn="ctr"/>
+            <a:r>
+              <a:rPr lang="en-US" dirty="0"/>
+              <a:t>Unity 3D</a:t>
+            </a:r>
+          </a:p>
+        </p:txBody>
+      </p:sp>
+      <p:sp>
+        <p:nvSpPr>
+          <p:cNvPr id="18" name="矩形: 圆角 17">
+            <a:extLst>
+              <a:ext uri="{FF2B5EF4-FFF2-40B4-BE49-F238E27FC236}">
+                <a16:creationId xmlns:a16="http://schemas.microsoft.com/office/drawing/2014/main" id="{A4DC0078-5D78-44E0-914F-918150EECAC5}"/>
+              </a:ext>
+            </a:extLst>
+          </p:cNvPr>
+          <p:cNvSpPr/>
+          <p:nvPr/>
+        </p:nvSpPr>
+        <p:spPr>
+          <a:xfrm>
+            <a:off x="10640291" y="2291939"/>
+            <a:ext cx="1202377" cy="2707574"/>
+          </a:xfrm>
+          <a:prstGeom prst="roundRect">
+            <a:avLst/>
+          </a:prstGeom>
+        </p:spPr>
+        <p:style>
+          <a:lnRef idx="2">
+            <a:schemeClr val="accent1"/>
+          </a:lnRef>
+          <a:fillRef idx="1">
+            <a:schemeClr val="lt1"/>
+          </a:fillRef>
+          <a:effectRef idx="0">
+            <a:schemeClr val="accent1"/>
+          </a:effectRef>
+          <a:fontRef idx="minor">
+            <a:schemeClr val="dk1"/>
+          </a:fontRef>
+        </p:style>
+        <p:txBody>
+          <a:bodyPr rtlCol="0" anchor="ctr"/>
+          <a:lstStyle/>
+          <a:p>
+            <a:pPr algn="ctr"/>
+            <a:r>
+              <a:rPr lang="en-US" dirty="0"/>
+              <a:t>AR </a:t>
+            </a:r>
+            <a:r>
+              <a:rPr lang="en-US" altLang="zh-CN" dirty="0"/>
+              <a:t>display</a:t>
+            </a:r>
+            <a:endParaRPr lang="en-US" dirty="0"/>
+          </a:p>
+        </p:txBody>
+      </p:sp>
+      <p:sp>
+        <p:nvSpPr>
+          <p:cNvPr id="19" name="矩形: 圆角 18">
+            <a:extLst>
+              <a:ext uri="{FF2B5EF4-FFF2-40B4-BE49-F238E27FC236}">
+                <a16:creationId xmlns:a16="http://schemas.microsoft.com/office/drawing/2014/main" id="{9B5128DF-12EE-4483-8B23-186DFC143258}"/>
+              </a:ext>
+            </a:extLst>
+          </p:cNvPr>
+          <p:cNvSpPr/>
+          <p:nvPr/>
+        </p:nvSpPr>
+        <p:spPr>
+          <a:xfrm>
+            <a:off x="10640291" y="5271903"/>
+            <a:ext cx="1202377" cy="816429"/>
+          </a:xfrm>
+          <a:prstGeom prst="roundRect">
+            <a:avLst/>
+          </a:prstGeom>
+        </p:spPr>
+        <p:style>
+          <a:lnRef idx="2">
+            <a:schemeClr val="accent1"/>
+          </a:lnRef>
+          <a:fillRef idx="1">
+            <a:schemeClr val="lt1"/>
+          </a:fillRef>
+          <a:effectRef idx="0">
+            <a:schemeClr val="accent1"/>
+          </a:effectRef>
+          <a:fontRef idx="minor">
+            <a:schemeClr val="dk1"/>
+          </a:fontRef>
+        </p:style>
+        <p:txBody>
+          <a:bodyPr rtlCol="0" anchor="ctr"/>
+          <a:lstStyle/>
+          <a:p>
+            <a:pPr algn="ctr"/>
+            <a:r>
+              <a:rPr lang="en-US" dirty="0"/>
+              <a:t>M</a:t>
+            </a:r>
+            <a:r>
+              <a:rPr lang="en-US" altLang="zh-CN" dirty="0"/>
+              <a:t>obile Devices</a:t>
+            </a:r>
+            <a:endParaRPr lang="en-US" dirty="0"/>
+          </a:p>
+        </p:txBody>
+      </p:sp>
+      <p:sp>
+        <p:nvSpPr>
+          <p:cNvPr id="20" name="箭头: 右 19">
+            <a:extLst>
+              <a:ext uri="{FF2B5EF4-FFF2-40B4-BE49-F238E27FC236}">
+                <a16:creationId xmlns:a16="http://schemas.microsoft.com/office/drawing/2014/main" id="{DE78A70B-7676-4A73-9270-76577CFBA6B8}"/>
+              </a:ext>
+            </a:extLst>
+          </p:cNvPr>
+          <p:cNvSpPr/>
+          <p:nvPr/>
+        </p:nvSpPr>
+        <p:spPr>
+          <a:xfrm>
+            <a:off x="5632622" y="3138055"/>
+            <a:ext cx="469072" cy="938150"/>
+          </a:xfrm>
+          <a:prstGeom prst="rightArrow">
+            <a:avLst/>
+          </a:prstGeom>
+        </p:spPr>
+        <p:style>
+          <a:lnRef idx="2">
+            <a:schemeClr val="accent1">
+              <a:shade val="50000"/>
+            </a:schemeClr>
+          </a:lnRef>
+          <a:fillRef idx="1">
+            <a:schemeClr val="accent1"/>
+          </a:fillRef>
+          <a:effectRef idx="0">
+            <a:schemeClr val="accent1"/>
+          </a:effectRef>
+          <a:fontRef idx="minor">
+            <a:schemeClr val="lt1"/>
+          </a:fontRef>
+        </p:style>
+        <p:txBody>
+          <a:bodyPr rtlCol="0" anchor="ctr"/>
+          <a:lstStyle/>
+          <a:p>
+            <a:pPr algn="ctr"/>
+            <a:endParaRPr lang="en-US"/>
+          </a:p>
+        </p:txBody>
+      </p:sp>
+      <p:sp>
+        <p:nvSpPr>
+          <p:cNvPr id="21" name="矩形 20">
+            <a:extLst>
+              <a:ext uri="{FF2B5EF4-FFF2-40B4-BE49-F238E27FC236}">
+                <a16:creationId xmlns:a16="http://schemas.microsoft.com/office/drawing/2014/main" id="{824ABD0B-93A4-45CE-9FD3-E0480EB8C706}"/>
+              </a:ext>
+            </a:extLst>
+          </p:cNvPr>
+          <p:cNvSpPr/>
+          <p:nvPr/>
+        </p:nvSpPr>
+        <p:spPr>
+          <a:xfrm>
+            <a:off x="8256316" y="2490850"/>
+            <a:ext cx="1655619" cy="807522"/>
+          </a:xfrm>
+          <a:prstGeom prst="rect">
+            <a:avLst/>
+          </a:prstGeom>
+        </p:spPr>
+        <p:style>
+          <a:lnRef idx="2">
+            <a:schemeClr val="dk1"/>
+          </a:lnRef>
+          <a:fillRef idx="1">
+            <a:schemeClr val="lt1"/>
+          </a:fillRef>
+          <a:effectRef idx="0">
+            <a:schemeClr val="dk1"/>
+          </a:effectRef>
+          <a:fontRef idx="minor">
+            <a:schemeClr val="dk1"/>
+          </a:fontRef>
+        </p:style>
+        <p:txBody>
+          <a:bodyPr rtlCol="0" anchor="ctr"/>
+          <a:lstStyle/>
+          <a:p>
+            <a:pPr algn="ctr"/>
+            <a:r>
+              <a:rPr lang="en-US" dirty="0"/>
+              <a:t>Attach the captured map to the model</a:t>
+            </a:r>
+          </a:p>
+        </p:txBody>
+      </p:sp>
+      <p:cxnSp>
+        <p:nvCxnSpPr>
+          <p:cNvPr id="23" name="直接箭头连接符 22">
+            <a:extLst>
+              <a:ext uri="{FF2B5EF4-FFF2-40B4-BE49-F238E27FC236}">
+                <a16:creationId xmlns:a16="http://schemas.microsoft.com/office/drawing/2014/main" id="{ECC7F993-EAC4-4FB1-A5A4-8E2A8E721611}"/>
+              </a:ext>
+            </a:extLst>
+          </p:cNvPr>
+          <p:cNvCxnSpPr>
+            <a:cxnSpLocks/>
+            <a:stCxn id="8" idx="2"/>
+          </p:cNvCxnSpPr>
+          <p:nvPr/>
+        </p:nvCxnSpPr>
+        <p:spPr>
+          <a:xfrm flipH="1">
+            <a:off x="7061606" y="3298372"/>
+            <a:ext cx="24503" cy="644237"/>
+          </a:xfrm>
+          <a:prstGeom prst="straightConnector1">
+            <a:avLst/>
+          </a:prstGeom>
+          <a:ln>
+            <a:tailEnd type="triangle"/>
+          </a:ln>
+        </p:spPr>
+        <p:style>
+          <a:lnRef idx="1">
+            <a:schemeClr val="accent1"/>
+          </a:lnRef>
+          <a:fillRef idx="0">
+            <a:schemeClr val="accent1"/>
+          </a:fillRef>
+          <a:effectRef idx="0">
+            <a:schemeClr val="accent1"/>
+          </a:effectRef>
+          <a:fontRef idx="minor">
+            <a:schemeClr val="tx1"/>
+          </a:fontRef>
+        </p:style>
+      </p:cxnSp>
+      <p:cxnSp>
+        <p:nvCxnSpPr>
+          <p:cNvPr id="25" name="直接箭头连接符 24">
+            <a:extLst>
+              <a:ext uri="{FF2B5EF4-FFF2-40B4-BE49-F238E27FC236}">
+                <a16:creationId xmlns:a16="http://schemas.microsoft.com/office/drawing/2014/main" id="{BFDA9FA3-B853-452A-8370-F4F9DD296F0D}"/>
+              </a:ext>
+            </a:extLst>
+          </p:cNvPr>
+          <p:cNvCxnSpPr>
+            <a:cxnSpLocks/>
+          </p:cNvCxnSpPr>
+          <p:nvPr/>
+        </p:nvCxnSpPr>
+        <p:spPr>
+          <a:xfrm>
+            <a:off x="7791701" y="4391644"/>
+            <a:ext cx="454968" cy="0"/>
+          </a:xfrm>
+          <a:prstGeom prst="straightConnector1">
+            <a:avLst/>
+          </a:prstGeom>
+          <a:ln>
+            <a:tailEnd type="triangle"/>
+          </a:ln>
+        </p:spPr>
+        <p:style>
+          <a:lnRef idx="1">
+            <a:schemeClr val="accent1"/>
+          </a:lnRef>
+          <a:fillRef idx="0">
+            <a:schemeClr val="accent1"/>
+          </a:fillRef>
+          <a:effectRef idx="0">
+            <a:schemeClr val="accent1"/>
+          </a:effectRef>
+          <a:fontRef idx="minor">
+            <a:schemeClr val="tx1"/>
+          </a:fontRef>
+        </p:style>
+      </p:cxnSp>
+      <p:sp>
+        <p:nvSpPr>
+          <p:cNvPr id="26" name="箭头: 右 25">
+            <a:extLst>
+              <a:ext uri="{FF2B5EF4-FFF2-40B4-BE49-F238E27FC236}">
+                <a16:creationId xmlns:a16="http://schemas.microsoft.com/office/drawing/2014/main" id="{77C1C87E-4BA4-4833-A7BE-DC1D7A65AC01}"/>
+              </a:ext>
+            </a:extLst>
+          </p:cNvPr>
+          <p:cNvSpPr/>
+          <p:nvPr/>
+        </p:nvSpPr>
+        <p:spPr>
+          <a:xfrm>
+            <a:off x="10190761" y="3138055"/>
+            <a:ext cx="469072" cy="938150"/>
+          </a:xfrm>
+          <a:prstGeom prst="rightArrow">
+            <a:avLst/>
+          </a:prstGeom>
+        </p:spPr>
+        <p:style>
+          <a:lnRef idx="2">
+            <a:schemeClr val="accent1">
+              <a:shade val="50000"/>
+            </a:schemeClr>
+          </a:lnRef>
+          <a:fillRef idx="1">
+            <a:schemeClr val="accent1"/>
+          </a:fillRef>
+          <a:effectRef idx="0">
+            <a:schemeClr val="accent1"/>
+          </a:effectRef>
+          <a:fontRef idx="minor">
+            <a:schemeClr val="lt1"/>
+          </a:fontRef>
+        </p:style>
+        <p:txBody>
+          <a:bodyPr rtlCol="0" anchor="ctr"/>
+          <a:lstStyle/>
+          <a:p>
+            <a:pPr algn="ctr"/>
+            <a:endParaRPr lang="en-US"/>
+          </a:p>
+        </p:txBody>
+      </p:sp>
+      <p:sp>
+        <p:nvSpPr>
+          <p:cNvPr id="27" name="矩形 26">
+            <a:extLst>
+              <a:ext uri="{FF2B5EF4-FFF2-40B4-BE49-F238E27FC236}">
+                <a16:creationId xmlns:a16="http://schemas.microsoft.com/office/drawing/2014/main" id="{5F329189-1E44-4034-9B6E-2A7AC8F07B4F}"/>
+              </a:ext>
+            </a:extLst>
+          </p:cNvPr>
+          <p:cNvSpPr/>
+          <p:nvPr/>
+        </p:nvSpPr>
+        <p:spPr>
+          <a:xfrm>
+            <a:off x="6349838" y="3942609"/>
+            <a:ext cx="1496291" cy="807522"/>
+          </a:xfrm>
+          <a:prstGeom prst="rect">
+            <a:avLst/>
+          </a:prstGeom>
+        </p:spPr>
+        <p:style>
+          <a:lnRef idx="2">
+            <a:schemeClr val="dk1"/>
+          </a:lnRef>
+          <a:fillRef idx="1">
+            <a:schemeClr val="lt1"/>
+          </a:fillRef>
+          <a:effectRef idx="0">
+            <a:schemeClr val="dk1"/>
+          </a:effectRef>
+          <a:fontRef idx="minor">
+            <a:schemeClr val="dk1"/>
+          </a:fontRef>
+        </p:style>
+        <p:txBody>
+          <a:bodyPr rtlCol="0" anchor="ctr"/>
+          <a:lstStyle/>
+          <a:p>
+            <a:pPr algn="ctr"/>
+            <a:r>
+              <a:rPr lang="en-US" dirty="0"/>
+              <a:t>Mapping coordinates</a:t>
+            </a:r>
+          </a:p>
+        </p:txBody>
+      </p:sp>
+      <p:cxnSp>
+        <p:nvCxnSpPr>
+          <p:cNvPr id="31" name="直接箭头连接符 30">
+            <a:extLst>
+              <a:ext uri="{FF2B5EF4-FFF2-40B4-BE49-F238E27FC236}">
+                <a16:creationId xmlns:a16="http://schemas.microsoft.com/office/drawing/2014/main" id="{EFEE5F16-4586-4039-AA85-74C7DB4AABAE}"/>
+              </a:ext>
+            </a:extLst>
+          </p:cNvPr>
+          <p:cNvCxnSpPr>
+            <a:cxnSpLocks/>
+            <a:endCxn id="21" idx="2"/>
+          </p:cNvCxnSpPr>
+          <p:nvPr/>
+        </p:nvCxnSpPr>
+        <p:spPr>
+          <a:xfrm flipV="1">
+            <a:off x="9084125" y="3298372"/>
+            <a:ext cx="1" cy="644238"/>
+          </a:xfrm>
+          <a:prstGeom prst="straightConnector1">
+            <a:avLst/>
+          </a:prstGeom>
+          <a:ln>
+            <a:tailEnd type="triangle"/>
+          </a:ln>
+        </p:spPr>
+        <p:style>
+          <a:lnRef idx="1">
+            <a:schemeClr val="accent1"/>
+          </a:lnRef>
+          <a:fillRef idx="0">
+            <a:schemeClr val="accent1"/>
+          </a:fillRef>
+          <a:effectRef idx="0">
+            <a:schemeClr val="accent1"/>
+          </a:effectRef>
+          <a:fontRef idx="minor">
+            <a:schemeClr val="tx1"/>
+          </a:fontRef>
+        </p:style>
+      </p:cxnSp>
+    </p:spTree>
+    <p:extLst>
+      <p:ext uri="{BB962C8B-B14F-4D97-AF65-F5344CB8AC3E}">
+        <p14:creationId xmlns:p14="http://schemas.microsoft.com/office/powerpoint/2010/main" val="65027225"/>
+      </p:ext>
+    </p:extLst>
+  </p:cSld>
+  <p:clrMapOvr>
+    <a:masterClrMapping/>
+  </p:clrMapOvr>
+</p:sld>
+</file>
+
+<file path=ppt/slides/slide16.xml><?xml version="1.0" encoding="utf-8"?>
+<p:sld xmlns:a="http://schemas.openxmlformats.org/drawingml/2006/main" xmlns:r="http://schemas.openxmlformats.org/officeDocument/2006/relationships" xmlns:p="http://schemas.openxmlformats.org/presentationml/2006/main">
+  <p:cSld>
+    <p:spTree>
+      <p:nvGrpSpPr>
+        <p:cNvPr id="1" name=""/>
+        <p:cNvGrpSpPr/>
+        <p:nvPr/>
+      </p:nvGrpSpPr>
+      <p:grpSpPr>
+        <a:xfrm>
+          <a:off x="0" y="0"/>
+          <a:ext cx="0" cy="0"/>
+          <a:chOff x="0" y="0"/>
+          <a:chExt cx="0" cy="0"/>
+        </a:xfrm>
+      </p:grpSpPr>
+      <p:sp>
+        <p:nvSpPr>
+          <p:cNvPr id="2" name="标题 1">
+            <a:extLst>
+              <a:ext uri="{FF2B5EF4-FFF2-40B4-BE49-F238E27FC236}">
+                <a16:creationId xmlns:a16="http://schemas.microsoft.com/office/drawing/2014/main" id="{D6229163-C780-4C8E-975D-310C16D53A67}"/>
+              </a:ext>
+            </a:extLst>
+          </p:cNvPr>
+          <p:cNvSpPr>
+            <a:spLocks noGrp="1"/>
+          </p:cNvSpPr>
+          <p:nvPr>
+            <p:ph type="title"/>
+          </p:nvPr>
+        </p:nvSpPr>
+        <p:spPr/>
+        <p:txBody>
+          <a:bodyPr/>
+          <a:lstStyle/>
+          <a:p>
+            <a:endParaRPr lang="en-US"/>
+          </a:p>
+        </p:txBody>
+      </p:sp>
+      <p:pic>
+        <p:nvPicPr>
+          <p:cNvPr id="4" name="内容占位符 3">
+            <a:extLst>
+              <a:ext uri="{FF2B5EF4-FFF2-40B4-BE49-F238E27FC236}">
+                <a16:creationId xmlns:a16="http://schemas.microsoft.com/office/drawing/2014/main" id="{F6226A99-CBC2-400A-86DC-A4DBFC91A120}"/>
+              </a:ext>
+            </a:extLst>
+          </p:cNvPr>
+          <p:cNvPicPr>
+            <a:picLocks noGrp="1"/>
+          </p:cNvPicPr>
+          <p:nvPr>
+            <p:ph idx="1"/>
+          </p:nvPr>
+        </p:nvPicPr>
+        <p:blipFill>
+          <a:blip r:embed="rId2"/>
+          <a:stretch>
+            <a:fillRect/>
+          </a:stretch>
+        </p:blipFill>
+        <p:spPr>
+          <a:xfrm>
+            <a:off x="2571563" y="1825625"/>
+            <a:ext cx="7048873" cy="4351338"/>
+          </a:xfrm>
+          <a:prstGeom prst="rect">
+            <a:avLst/>
+          </a:prstGeom>
+        </p:spPr>
+      </p:pic>
+      <p:pic>
+        <p:nvPicPr>
+          <p:cNvPr id="5" name="图片 4">
+            <a:extLst>
+              <a:ext uri="{FF2B5EF4-FFF2-40B4-BE49-F238E27FC236}">
+                <a16:creationId xmlns:a16="http://schemas.microsoft.com/office/drawing/2014/main" id="{47FD1E1C-4992-40C0-A69B-A5E3AF9359EC}"/>
+              </a:ext>
+            </a:extLst>
+          </p:cNvPr>
+          <p:cNvPicPr/>
+          <p:nvPr/>
+        </p:nvPicPr>
+        <p:blipFill>
+          <a:blip r:embed="rId3" cstate="print">
+            <a:extLst>
+              <a:ext uri="{28A0092B-C50C-407E-A947-70E740481C1C}">
+                <a14:useLocalDpi xmlns:a14="http://schemas.microsoft.com/office/drawing/2010/main" val="0"/>
+              </a:ext>
+            </a:extLst>
+          </a:blip>
+          <a:srcRect/>
+          <a:stretch>
+            <a:fillRect/>
+          </a:stretch>
+        </p:blipFill>
+        <p:spPr bwMode="auto">
+          <a:xfrm>
+            <a:off x="2676657" y="2347282"/>
+            <a:ext cx="3949774" cy="3949774"/>
+          </a:xfrm>
+          <a:prstGeom prst="rect">
+            <a:avLst/>
+          </a:prstGeom>
+          <a:noFill/>
+          <a:ln>
+            <a:noFill/>
+          </a:ln>
+        </p:spPr>
+      </p:pic>
+    </p:spTree>
+    <p:extLst>
+      <p:ext uri="{BB962C8B-B14F-4D97-AF65-F5344CB8AC3E}">
+        <p14:creationId xmlns:p14="http://schemas.microsoft.com/office/powerpoint/2010/main" val="1225769342"/>
+      </p:ext>
+    </p:extLst>
+  </p:cSld>
+  <p:clrMapOvr>
+    <a:masterClrMapping/>
+  </p:clrMapOvr>
+</p:sld>
+</file>
+
 <file path=ppt/slides/slide2.xml><?xml version="1.0" encoding="utf-8"?>
 <p:sld xmlns:a="http://schemas.openxmlformats.org/drawingml/2006/main" xmlns:r="http://schemas.openxmlformats.org/officeDocument/2006/relationships" xmlns:p="http://schemas.openxmlformats.org/presentationml/2006/main">
   <p:cSld>

--- a/bi_ye_lun_wen/cao gao/temp files.pptx
+++ b/bi_ye_lun_wen/cao gao/temp files.pptx
@@ -16,11 +16,13 @@
     <p:sldId id="267" r:id="rId10"/>
     <p:sldId id="268" r:id="rId11"/>
     <p:sldId id="269" r:id="rId12"/>
-    <p:sldId id="266" r:id="rId13"/>
-    <p:sldId id="264" r:id="rId14"/>
-    <p:sldId id="257" r:id="rId15"/>
-    <p:sldId id="270" r:id="rId16"/>
-    <p:sldId id="271" r:id="rId17"/>
+    <p:sldId id="273" r:id="rId13"/>
+    <p:sldId id="272" r:id="rId14"/>
+    <p:sldId id="266" r:id="rId15"/>
+    <p:sldId id="264" r:id="rId16"/>
+    <p:sldId id="257" r:id="rId17"/>
+    <p:sldId id="270" r:id="rId18"/>
+    <p:sldId id="271" r:id="rId19"/>
   </p:sldIdLst>
   <p:sldSz cx="12192000" cy="6858000"/>
   <p:notesSz cx="6858000" cy="9144000"/>
@@ -276,7 +278,7 @@
           <a:p>
             <a:fld id="{AD880408-622A-4071-A052-F5E03FFF4B10}" type="datetimeFigureOut">
               <a:rPr lang="en-US" smtClean="0"/>
-              <a:t>5/18/2018</a:t>
+              <a:t>5/21/2018</a:t>
             </a:fld>
             <a:endParaRPr lang="en-US"/>
           </a:p>
@@ -476,7 +478,7 @@
           <a:p>
             <a:fld id="{AD880408-622A-4071-A052-F5E03FFF4B10}" type="datetimeFigureOut">
               <a:rPr lang="en-US" smtClean="0"/>
-              <a:t>5/18/2018</a:t>
+              <a:t>5/21/2018</a:t>
             </a:fld>
             <a:endParaRPr lang="en-US"/>
           </a:p>
@@ -686,7 +688,7 @@
           <a:p>
             <a:fld id="{AD880408-622A-4071-A052-F5E03FFF4B10}" type="datetimeFigureOut">
               <a:rPr lang="en-US" smtClean="0"/>
-              <a:t>5/18/2018</a:t>
+              <a:t>5/21/2018</a:t>
             </a:fld>
             <a:endParaRPr lang="en-US"/>
           </a:p>
@@ -886,7 +888,7 @@
           <a:p>
             <a:fld id="{AD880408-622A-4071-A052-F5E03FFF4B10}" type="datetimeFigureOut">
               <a:rPr lang="en-US" smtClean="0"/>
-              <a:t>5/18/2018</a:t>
+              <a:t>5/21/2018</a:t>
             </a:fld>
             <a:endParaRPr lang="en-US"/>
           </a:p>
@@ -1162,7 +1164,7 @@
           <a:p>
             <a:fld id="{AD880408-622A-4071-A052-F5E03FFF4B10}" type="datetimeFigureOut">
               <a:rPr lang="en-US" smtClean="0"/>
-              <a:t>5/18/2018</a:t>
+              <a:t>5/21/2018</a:t>
             </a:fld>
             <a:endParaRPr lang="en-US"/>
           </a:p>
@@ -1430,7 +1432,7 @@
           <a:p>
             <a:fld id="{AD880408-622A-4071-A052-F5E03FFF4B10}" type="datetimeFigureOut">
               <a:rPr lang="en-US" smtClean="0"/>
-              <a:t>5/18/2018</a:t>
+              <a:t>5/21/2018</a:t>
             </a:fld>
             <a:endParaRPr lang="en-US"/>
           </a:p>
@@ -1845,7 +1847,7 @@
           <a:p>
             <a:fld id="{AD880408-622A-4071-A052-F5E03FFF4B10}" type="datetimeFigureOut">
               <a:rPr lang="en-US" smtClean="0"/>
-              <a:t>5/18/2018</a:t>
+              <a:t>5/21/2018</a:t>
             </a:fld>
             <a:endParaRPr lang="en-US"/>
           </a:p>
@@ -1987,7 +1989,7 @@
           <a:p>
             <a:fld id="{AD880408-622A-4071-A052-F5E03FFF4B10}" type="datetimeFigureOut">
               <a:rPr lang="en-US" smtClean="0"/>
-              <a:t>5/18/2018</a:t>
+              <a:t>5/21/2018</a:t>
             </a:fld>
             <a:endParaRPr lang="en-US"/>
           </a:p>
@@ -2100,7 +2102,7 @@
           <a:p>
             <a:fld id="{AD880408-622A-4071-A052-F5E03FFF4B10}" type="datetimeFigureOut">
               <a:rPr lang="en-US" smtClean="0"/>
-              <a:t>5/18/2018</a:t>
+              <a:t>5/21/2018</a:t>
             </a:fld>
             <a:endParaRPr lang="en-US"/>
           </a:p>
@@ -2413,7 +2415,7 @@
           <a:p>
             <a:fld id="{AD880408-622A-4071-A052-F5E03FFF4B10}" type="datetimeFigureOut">
               <a:rPr lang="en-US" smtClean="0"/>
-              <a:t>5/18/2018</a:t>
+              <a:t>5/21/2018</a:t>
             </a:fld>
             <a:endParaRPr lang="en-US"/>
           </a:p>
@@ -2702,7 +2704,7 @@
           <a:p>
             <a:fld id="{AD880408-622A-4071-A052-F5E03FFF4B10}" type="datetimeFigureOut">
               <a:rPr lang="en-US" smtClean="0"/>
-              <a:t>5/18/2018</a:t>
+              <a:t>5/21/2018</a:t>
             </a:fld>
             <a:endParaRPr lang="en-US"/>
           </a:p>
@@ -2945,7 +2947,7 @@
           <a:p>
             <a:fld id="{AD880408-622A-4071-A052-F5E03FFF4B10}" type="datetimeFigureOut">
               <a:rPr lang="en-US" smtClean="0"/>
-              <a:t>5/18/2018</a:t>
+              <a:t>5/21/2018</a:t>
             </a:fld>
             <a:endParaRPr lang="en-US"/>
           </a:p>
@@ -5093,6 +5095,947 @@
           <a:chExt cx="0" cy="0"/>
         </a:xfrm>
       </p:grpSpPr>
+      <p:pic>
+        <p:nvPicPr>
+          <p:cNvPr id="4" name="内容占位符 3">
+            <a:extLst>
+              <a:ext uri="{FF2B5EF4-FFF2-40B4-BE49-F238E27FC236}">
+                <a16:creationId xmlns:a16="http://schemas.microsoft.com/office/drawing/2014/main" id="{F6C8A62D-3D70-4488-81E6-87BDCFD397E0}"/>
+              </a:ext>
+            </a:extLst>
+          </p:cNvPr>
+          <p:cNvPicPr>
+            <a:picLocks noGrp="1"/>
+          </p:cNvPicPr>
+          <p:nvPr>
+            <p:ph idx="1"/>
+          </p:nvPr>
+        </p:nvPicPr>
+        <p:blipFill>
+          <a:blip r:embed="rId2"/>
+          <a:stretch>
+            <a:fillRect/>
+          </a:stretch>
+        </p:blipFill>
+        <p:spPr>
+          <a:xfrm>
+            <a:off x="315685" y="738858"/>
+            <a:ext cx="3200400" cy="2962275"/>
+          </a:xfrm>
+          <a:prstGeom prst="rect">
+            <a:avLst/>
+          </a:prstGeom>
+          <a:ln w="3175">
+            <a:solidFill>
+              <a:schemeClr val="tx1"/>
+            </a:solidFill>
+          </a:ln>
+        </p:spPr>
+      </p:pic>
+      <p:sp>
+        <p:nvSpPr>
+          <p:cNvPr id="5" name="矩形 4">
+            <a:extLst>
+              <a:ext uri="{FF2B5EF4-FFF2-40B4-BE49-F238E27FC236}">
+                <a16:creationId xmlns:a16="http://schemas.microsoft.com/office/drawing/2014/main" id="{592F61EF-102D-46A9-8358-B506D7B15BFE}"/>
+              </a:ext>
+            </a:extLst>
+          </p:cNvPr>
+          <p:cNvSpPr/>
+          <p:nvPr/>
+        </p:nvSpPr>
+        <p:spPr>
+          <a:xfrm>
+            <a:off x="6008914" y="2184369"/>
+            <a:ext cx="2719449" cy="2719449"/>
+          </a:xfrm>
+          <a:prstGeom prst="rect">
+            <a:avLst/>
+          </a:prstGeom>
+        </p:spPr>
+        <p:style>
+          <a:lnRef idx="2">
+            <a:schemeClr val="accent3">
+              <a:shade val="50000"/>
+            </a:schemeClr>
+          </a:lnRef>
+          <a:fillRef idx="1">
+            <a:schemeClr val="accent3"/>
+          </a:fillRef>
+          <a:effectRef idx="0">
+            <a:schemeClr val="accent3"/>
+          </a:effectRef>
+          <a:fontRef idx="minor">
+            <a:schemeClr val="lt1"/>
+          </a:fontRef>
+        </p:style>
+        <p:txBody>
+          <a:bodyPr rtlCol="0" anchor="ctr"/>
+          <a:lstStyle/>
+          <a:p>
+            <a:pPr algn="ctr"/>
+            <a:endParaRPr lang="en-US" sz="2800"/>
+          </a:p>
+        </p:txBody>
+      </p:sp>
+      <p:cxnSp>
+        <p:nvCxnSpPr>
+          <p:cNvPr id="7" name="直接箭头连接符 6">
+            <a:extLst>
+              <a:ext uri="{FF2B5EF4-FFF2-40B4-BE49-F238E27FC236}">
+                <a16:creationId xmlns:a16="http://schemas.microsoft.com/office/drawing/2014/main" id="{A5052F7A-2B46-4517-A1AF-3546B48EF73D}"/>
+              </a:ext>
+            </a:extLst>
+          </p:cNvPr>
+          <p:cNvCxnSpPr>
+            <a:cxnSpLocks/>
+          </p:cNvCxnSpPr>
+          <p:nvPr/>
+        </p:nvCxnSpPr>
+        <p:spPr>
+          <a:xfrm flipV="1">
+            <a:off x="6008914" y="1555668"/>
+            <a:ext cx="0" cy="3348150"/>
+          </a:xfrm>
+          <a:prstGeom prst="straightConnector1">
+            <a:avLst/>
+          </a:prstGeom>
+          <a:ln>
+            <a:tailEnd type="triangle"/>
+          </a:ln>
+        </p:spPr>
+        <p:style>
+          <a:lnRef idx="3">
+            <a:schemeClr val="dk1"/>
+          </a:lnRef>
+          <a:fillRef idx="0">
+            <a:schemeClr val="dk1"/>
+          </a:fillRef>
+          <a:effectRef idx="2">
+            <a:schemeClr val="dk1"/>
+          </a:effectRef>
+          <a:fontRef idx="minor">
+            <a:schemeClr val="tx1"/>
+          </a:fontRef>
+        </p:style>
+      </p:cxnSp>
+      <p:cxnSp>
+        <p:nvCxnSpPr>
+          <p:cNvPr id="8" name="直接箭头连接符 7">
+            <a:extLst>
+              <a:ext uri="{FF2B5EF4-FFF2-40B4-BE49-F238E27FC236}">
+                <a16:creationId xmlns:a16="http://schemas.microsoft.com/office/drawing/2014/main" id="{2BA4B987-FF0B-4B10-89E7-CEE5270D3642}"/>
+              </a:ext>
+            </a:extLst>
+          </p:cNvPr>
+          <p:cNvCxnSpPr>
+            <a:cxnSpLocks/>
+          </p:cNvCxnSpPr>
+          <p:nvPr/>
+        </p:nvCxnSpPr>
+        <p:spPr>
+          <a:xfrm>
+            <a:off x="6008914" y="4903818"/>
+            <a:ext cx="3194462" cy="0"/>
+          </a:xfrm>
+          <a:prstGeom prst="straightConnector1">
+            <a:avLst/>
+          </a:prstGeom>
+          <a:ln>
+            <a:tailEnd type="triangle"/>
+          </a:ln>
+        </p:spPr>
+        <p:style>
+          <a:lnRef idx="3">
+            <a:schemeClr val="dk1"/>
+          </a:lnRef>
+          <a:fillRef idx="0">
+            <a:schemeClr val="dk1"/>
+          </a:fillRef>
+          <a:effectRef idx="2">
+            <a:schemeClr val="dk1"/>
+          </a:effectRef>
+          <a:fontRef idx="minor">
+            <a:schemeClr val="tx1"/>
+          </a:fontRef>
+        </p:style>
+      </p:cxnSp>
+      <p:sp>
+        <p:nvSpPr>
+          <p:cNvPr id="12" name="文本框 11">
+            <a:extLst>
+              <a:ext uri="{FF2B5EF4-FFF2-40B4-BE49-F238E27FC236}">
+                <a16:creationId xmlns:a16="http://schemas.microsoft.com/office/drawing/2014/main" id="{CDC3F783-DBE6-4CC6-B7C5-66533B41112C}"/>
+              </a:ext>
+            </a:extLst>
+          </p:cNvPr>
+          <p:cNvSpPr txBox="1"/>
+          <p:nvPr/>
+        </p:nvSpPr>
+        <p:spPr>
+          <a:xfrm>
+            <a:off x="4926930" y="1815036"/>
+            <a:ext cx="1358064" cy="523220"/>
+          </a:xfrm>
+          <a:prstGeom prst="rect">
+            <a:avLst/>
+          </a:prstGeom>
+          <a:noFill/>
+        </p:spPr>
+        <p:txBody>
+          <a:bodyPr wrap="none" rtlCol="0">
+            <a:spAutoFit/>
+          </a:bodyPr>
+          <a:lstStyle/>
+          <a:p>
+            <a:r>
+              <a:rPr lang="en-US" sz="2800" dirty="0"/>
+              <a:t>（0,1）</a:t>
+            </a:r>
+          </a:p>
+        </p:txBody>
+      </p:sp>
+      <p:sp>
+        <p:nvSpPr>
+          <p:cNvPr id="13" name="文本框 12">
+            <a:extLst>
+              <a:ext uri="{FF2B5EF4-FFF2-40B4-BE49-F238E27FC236}">
+                <a16:creationId xmlns:a16="http://schemas.microsoft.com/office/drawing/2014/main" id="{4BF64120-2B7A-4FDE-A588-DFD107639877}"/>
+              </a:ext>
+            </a:extLst>
+          </p:cNvPr>
+          <p:cNvSpPr txBox="1"/>
+          <p:nvPr/>
+        </p:nvSpPr>
+        <p:spPr>
+          <a:xfrm>
+            <a:off x="8526556" y="1815036"/>
+            <a:ext cx="1358064" cy="523220"/>
+          </a:xfrm>
+          <a:prstGeom prst="rect">
+            <a:avLst/>
+          </a:prstGeom>
+          <a:noFill/>
+        </p:spPr>
+        <p:txBody>
+          <a:bodyPr wrap="none" rtlCol="0">
+            <a:spAutoFit/>
+          </a:bodyPr>
+          <a:lstStyle/>
+          <a:p>
+            <a:r>
+              <a:rPr lang="en-US" sz="2800" dirty="0"/>
+              <a:t>（1,1）</a:t>
+            </a:r>
+          </a:p>
+        </p:txBody>
+      </p:sp>
+      <p:sp>
+        <p:nvSpPr>
+          <p:cNvPr id="14" name="文本框 13">
+            <a:extLst>
+              <a:ext uri="{FF2B5EF4-FFF2-40B4-BE49-F238E27FC236}">
+                <a16:creationId xmlns:a16="http://schemas.microsoft.com/office/drawing/2014/main" id="{D95790A2-A3E4-4979-8D3F-20119AFFC4C5}"/>
+              </a:ext>
+            </a:extLst>
+          </p:cNvPr>
+          <p:cNvSpPr txBox="1"/>
+          <p:nvPr/>
+        </p:nvSpPr>
+        <p:spPr>
+          <a:xfrm>
+            <a:off x="8330539" y="4903817"/>
+            <a:ext cx="1358064" cy="523220"/>
+          </a:xfrm>
+          <a:prstGeom prst="rect">
+            <a:avLst/>
+          </a:prstGeom>
+          <a:noFill/>
+        </p:spPr>
+        <p:txBody>
+          <a:bodyPr wrap="none" rtlCol="0">
+            <a:spAutoFit/>
+          </a:bodyPr>
+          <a:lstStyle/>
+          <a:p>
+            <a:r>
+              <a:rPr lang="en-US" sz="2800" dirty="0"/>
+              <a:t>（1,0）</a:t>
+            </a:r>
+          </a:p>
+        </p:txBody>
+      </p:sp>
+      <p:sp>
+        <p:nvSpPr>
+          <p:cNvPr id="15" name="文本框 14">
+            <a:extLst>
+              <a:ext uri="{FF2B5EF4-FFF2-40B4-BE49-F238E27FC236}">
+                <a16:creationId xmlns:a16="http://schemas.microsoft.com/office/drawing/2014/main" id="{B723B767-A52A-4222-8D24-32B5327D7AAB}"/>
+              </a:ext>
+            </a:extLst>
+          </p:cNvPr>
+          <p:cNvSpPr txBox="1"/>
+          <p:nvPr/>
+        </p:nvSpPr>
+        <p:spPr>
+          <a:xfrm>
+            <a:off x="4966355" y="4861547"/>
+            <a:ext cx="1358064" cy="523220"/>
+          </a:xfrm>
+          <a:prstGeom prst="rect">
+            <a:avLst/>
+          </a:prstGeom>
+          <a:noFill/>
+        </p:spPr>
+        <p:txBody>
+          <a:bodyPr wrap="none" rtlCol="0">
+            <a:spAutoFit/>
+          </a:bodyPr>
+          <a:lstStyle/>
+          <a:p>
+            <a:r>
+              <a:rPr lang="en-US" sz="2800" dirty="0"/>
+              <a:t>（0,0）</a:t>
+            </a:r>
+          </a:p>
+        </p:txBody>
+      </p:sp>
+      <p:sp>
+        <p:nvSpPr>
+          <p:cNvPr id="16" name="文本框 15">
+            <a:extLst>
+              <a:ext uri="{FF2B5EF4-FFF2-40B4-BE49-F238E27FC236}">
+                <a16:creationId xmlns:a16="http://schemas.microsoft.com/office/drawing/2014/main" id="{9057ADFB-F590-4E08-8AA3-4519E7C3AC1F}"/>
+              </a:ext>
+            </a:extLst>
+          </p:cNvPr>
+          <p:cNvSpPr txBox="1"/>
+          <p:nvPr/>
+        </p:nvSpPr>
+        <p:spPr>
+          <a:xfrm>
+            <a:off x="5605962" y="3359427"/>
+            <a:ext cx="388248" cy="523220"/>
+          </a:xfrm>
+          <a:prstGeom prst="rect">
+            <a:avLst/>
+          </a:prstGeom>
+          <a:noFill/>
+        </p:spPr>
+        <p:txBody>
+          <a:bodyPr wrap="none" rtlCol="0">
+            <a:spAutoFit/>
+          </a:bodyPr>
+          <a:lstStyle/>
+          <a:p>
+            <a:r>
+              <a:rPr lang="en-US" sz="2800" dirty="0"/>
+              <a:t>V</a:t>
+            </a:r>
+          </a:p>
+        </p:txBody>
+      </p:sp>
+      <p:sp>
+        <p:nvSpPr>
+          <p:cNvPr id="17" name="文本框 16">
+            <a:extLst>
+              <a:ext uri="{FF2B5EF4-FFF2-40B4-BE49-F238E27FC236}">
+                <a16:creationId xmlns:a16="http://schemas.microsoft.com/office/drawing/2014/main" id="{E4A7C03E-0405-4770-BB52-24BC3E52EF8D}"/>
+              </a:ext>
+            </a:extLst>
+          </p:cNvPr>
+          <p:cNvSpPr txBox="1"/>
+          <p:nvPr/>
+        </p:nvSpPr>
+        <p:spPr>
+          <a:xfrm>
+            <a:off x="7072009" y="4945888"/>
+            <a:ext cx="415498" cy="523220"/>
+          </a:xfrm>
+          <a:prstGeom prst="rect">
+            <a:avLst/>
+          </a:prstGeom>
+          <a:noFill/>
+        </p:spPr>
+        <p:txBody>
+          <a:bodyPr wrap="none" rtlCol="0">
+            <a:spAutoFit/>
+          </a:bodyPr>
+          <a:lstStyle/>
+          <a:p>
+            <a:r>
+              <a:rPr lang="en-US" sz="2800" dirty="0"/>
+              <a:t>U</a:t>
+            </a:r>
+          </a:p>
+        </p:txBody>
+      </p:sp>
+    </p:spTree>
+    <p:extLst>
+      <p:ext uri="{BB962C8B-B14F-4D97-AF65-F5344CB8AC3E}">
+        <p14:creationId xmlns:p14="http://schemas.microsoft.com/office/powerpoint/2010/main" val="3052742762"/>
+      </p:ext>
+    </p:extLst>
+  </p:cSld>
+  <p:clrMapOvr>
+    <a:masterClrMapping/>
+  </p:clrMapOvr>
+</p:sld>
+</file>
+
+<file path=ppt/slides/slide13.xml><?xml version="1.0" encoding="utf-8"?>
+<p:sld xmlns:a="http://schemas.openxmlformats.org/drawingml/2006/main" xmlns:r="http://schemas.openxmlformats.org/officeDocument/2006/relationships" xmlns:p="http://schemas.openxmlformats.org/presentationml/2006/main">
+  <p:cSld>
+    <p:spTree>
+      <p:nvGrpSpPr>
+        <p:cNvPr id="1" name=""/>
+        <p:cNvGrpSpPr/>
+        <p:nvPr/>
+      </p:nvGrpSpPr>
+      <p:grpSpPr>
+        <a:xfrm>
+          <a:off x="0" y="0"/>
+          <a:ext cx="0" cy="0"/>
+          <a:chOff x="0" y="0"/>
+          <a:chExt cx="0" cy="0"/>
+        </a:xfrm>
+      </p:grpSpPr>
+      <p:pic>
+        <p:nvPicPr>
+          <p:cNvPr id="4" name="内容占位符 3">
+            <a:extLst>
+              <a:ext uri="{FF2B5EF4-FFF2-40B4-BE49-F238E27FC236}">
+                <a16:creationId xmlns:a16="http://schemas.microsoft.com/office/drawing/2014/main" id="{94A52648-43B9-4C58-85D1-9C631E055B8C}"/>
+              </a:ext>
+            </a:extLst>
+          </p:cNvPr>
+          <p:cNvPicPr>
+            <a:picLocks noGrp="1"/>
+          </p:cNvPicPr>
+          <p:nvPr>
+            <p:ph idx="1"/>
+          </p:nvPr>
+        </p:nvPicPr>
+        <p:blipFill>
+          <a:blip r:embed="rId2"/>
+          <a:stretch>
+            <a:fillRect/>
+          </a:stretch>
+        </p:blipFill>
+        <p:spPr>
+          <a:xfrm>
+            <a:off x="2231374" y="1413163"/>
+            <a:ext cx="7102260" cy="4536611"/>
+          </a:xfrm>
+          <a:prstGeom prst="rect">
+            <a:avLst/>
+          </a:prstGeom>
+        </p:spPr>
+      </p:pic>
+      <p:sp>
+        <p:nvSpPr>
+          <p:cNvPr id="20" name="箭头: 右 19">
+            <a:extLst>
+              <a:ext uri="{FF2B5EF4-FFF2-40B4-BE49-F238E27FC236}">
+                <a16:creationId xmlns:a16="http://schemas.microsoft.com/office/drawing/2014/main" id="{EE936E52-8EAD-4DCA-B827-B3036D4B6ECF}"/>
+              </a:ext>
+            </a:extLst>
+          </p:cNvPr>
+          <p:cNvSpPr/>
+          <p:nvPr/>
+        </p:nvSpPr>
+        <p:spPr>
+          <a:xfrm>
+            <a:off x="2333610" y="5670241"/>
+            <a:ext cx="7923383" cy="192072"/>
+          </a:xfrm>
+          <a:prstGeom prst="rightArrow">
+            <a:avLst/>
+          </a:prstGeom>
+        </p:spPr>
+        <p:style>
+          <a:lnRef idx="2">
+            <a:schemeClr val="dk1"/>
+          </a:lnRef>
+          <a:fillRef idx="1">
+            <a:schemeClr val="lt1"/>
+          </a:fillRef>
+          <a:effectRef idx="0">
+            <a:schemeClr val="dk1"/>
+          </a:effectRef>
+          <a:fontRef idx="minor">
+            <a:schemeClr val="dk1"/>
+          </a:fontRef>
+        </p:style>
+        <p:txBody>
+          <a:bodyPr rtlCol="0" anchor="ctr"/>
+          <a:lstStyle/>
+          <a:p>
+            <a:pPr algn="ctr"/>
+            <a:endParaRPr lang="en-US"/>
+          </a:p>
+        </p:txBody>
+      </p:sp>
+      <p:sp>
+        <p:nvSpPr>
+          <p:cNvPr id="21" name="箭头: 右 20">
+            <a:extLst>
+              <a:ext uri="{FF2B5EF4-FFF2-40B4-BE49-F238E27FC236}">
+                <a16:creationId xmlns:a16="http://schemas.microsoft.com/office/drawing/2014/main" id="{2D55F7D1-83B6-479A-BD32-1BEBF6436BC6}"/>
+              </a:ext>
+            </a:extLst>
+          </p:cNvPr>
+          <p:cNvSpPr/>
+          <p:nvPr/>
+        </p:nvSpPr>
+        <p:spPr>
+          <a:xfrm rot="16200000">
+            <a:off x="-167047" y="3174569"/>
+            <a:ext cx="5061972" cy="214962"/>
+          </a:xfrm>
+          <a:prstGeom prst="rightArrow">
+            <a:avLst/>
+          </a:prstGeom>
+        </p:spPr>
+        <p:style>
+          <a:lnRef idx="2">
+            <a:schemeClr val="dk1"/>
+          </a:lnRef>
+          <a:fillRef idx="1">
+            <a:schemeClr val="lt1"/>
+          </a:fillRef>
+          <a:effectRef idx="0">
+            <a:schemeClr val="dk1"/>
+          </a:effectRef>
+          <a:fontRef idx="minor">
+            <a:schemeClr val="dk1"/>
+          </a:fontRef>
+        </p:style>
+        <p:txBody>
+          <a:bodyPr rtlCol="0" anchor="ctr"/>
+          <a:lstStyle/>
+          <a:p>
+            <a:pPr algn="ctr"/>
+            <a:endParaRPr lang="en-US"/>
+          </a:p>
+        </p:txBody>
+      </p:sp>
+      <p:sp>
+        <p:nvSpPr>
+          <p:cNvPr id="22" name="椭圆 21">
+            <a:extLst>
+              <a:ext uri="{FF2B5EF4-FFF2-40B4-BE49-F238E27FC236}">
+                <a16:creationId xmlns:a16="http://schemas.microsoft.com/office/drawing/2014/main" id="{EE1D2620-F8AA-4761-A8ED-32D6089D6432}"/>
+              </a:ext>
+            </a:extLst>
+          </p:cNvPr>
+          <p:cNvSpPr/>
+          <p:nvPr/>
+        </p:nvSpPr>
+        <p:spPr>
+          <a:xfrm>
+            <a:off x="9069836" y="1448051"/>
+            <a:ext cx="213384" cy="213384"/>
+          </a:xfrm>
+          <a:prstGeom prst="ellipse">
+            <a:avLst/>
+          </a:prstGeom>
+        </p:spPr>
+        <p:style>
+          <a:lnRef idx="3">
+            <a:schemeClr val="lt1"/>
+          </a:lnRef>
+          <a:fillRef idx="1">
+            <a:schemeClr val="accent4"/>
+          </a:fillRef>
+          <a:effectRef idx="1">
+            <a:schemeClr val="accent4"/>
+          </a:effectRef>
+          <a:fontRef idx="minor">
+            <a:schemeClr val="lt1"/>
+          </a:fontRef>
+        </p:style>
+        <p:txBody>
+          <a:bodyPr rtlCol="0" anchor="ctr"/>
+          <a:lstStyle/>
+          <a:p>
+            <a:pPr algn="ctr"/>
+            <a:endParaRPr lang="en-US"/>
+          </a:p>
+        </p:txBody>
+      </p:sp>
+      <p:sp>
+        <p:nvSpPr>
+          <p:cNvPr id="23" name="椭圆 22">
+            <a:extLst>
+              <a:ext uri="{FF2B5EF4-FFF2-40B4-BE49-F238E27FC236}">
+                <a16:creationId xmlns:a16="http://schemas.microsoft.com/office/drawing/2014/main" id="{8E5A0096-EB00-45B5-9F58-81F48BEFFC7A}"/>
+              </a:ext>
+            </a:extLst>
+          </p:cNvPr>
+          <p:cNvSpPr/>
+          <p:nvPr/>
+        </p:nvSpPr>
+        <p:spPr>
+          <a:xfrm>
+            <a:off x="2215526" y="1409224"/>
+            <a:ext cx="213384" cy="213384"/>
+          </a:xfrm>
+          <a:prstGeom prst="ellipse">
+            <a:avLst/>
+          </a:prstGeom>
+        </p:spPr>
+        <p:style>
+          <a:lnRef idx="3">
+            <a:schemeClr val="lt1"/>
+          </a:lnRef>
+          <a:fillRef idx="1">
+            <a:schemeClr val="accent4"/>
+          </a:fillRef>
+          <a:effectRef idx="1">
+            <a:schemeClr val="accent4"/>
+          </a:effectRef>
+          <a:fontRef idx="minor">
+            <a:schemeClr val="lt1"/>
+          </a:fontRef>
+        </p:style>
+        <p:txBody>
+          <a:bodyPr rtlCol="0" anchor="ctr"/>
+          <a:lstStyle/>
+          <a:p>
+            <a:pPr algn="ctr"/>
+            <a:endParaRPr lang="en-US"/>
+          </a:p>
+        </p:txBody>
+      </p:sp>
+      <p:sp>
+        <p:nvSpPr>
+          <p:cNvPr id="24" name="椭圆 23">
+            <a:extLst>
+              <a:ext uri="{FF2B5EF4-FFF2-40B4-BE49-F238E27FC236}">
+                <a16:creationId xmlns:a16="http://schemas.microsoft.com/office/drawing/2014/main" id="{FBAAF3F9-126D-4DAB-8501-DF954DB0013C}"/>
+              </a:ext>
+            </a:extLst>
+          </p:cNvPr>
+          <p:cNvSpPr/>
+          <p:nvPr/>
+        </p:nvSpPr>
+        <p:spPr>
+          <a:xfrm>
+            <a:off x="2283120" y="5633491"/>
+            <a:ext cx="213384" cy="213384"/>
+          </a:xfrm>
+          <a:prstGeom prst="ellipse">
+            <a:avLst/>
+          </a:prstGeom>
+        </p:spPr>
+        <p:style>
+          <a:lnRef idx="3">
+            <a:schemeClr val="lt1"/>
+          </a:lnRef>
+          <a:fillRef idx="1">
+            <a:schemeClr val="accent4"/>
+          </a:fillRef>
+          <a:effectRef idx="1">
+            <a:schemeClr val="accent4"/>
+          </a:effectRef>
+          <a:fontRef idx="minor">
+            <a:schemeClr val="lt1"/>
+          </a:fontRef>
+        </p:style>
+        <p:txBody>
+          <a:bodyPr rtlCol="0" anchor="ctr"/>
+          <a:lstStyle/>
+          <a:p>
+            <a:pPr algn="ctr"/>
+            <a:endParaRPr lang="en-US"/>
+          </a:p>
+        </p:txBody>
+      </p:sp>
+      <p:sp>
+        <p:nvSpPr>
+          <p:cNvPr id="25" name="椭圆 24">
+            <a:extLst>
+              <a:ext uri="{FF2B5EF4-FFF2-40B4-BE49-F238E27FC236}">
+                <a16:creationId xmlns:a16="http://schemas.microsoft.com/office/drawing/2014/main" id="{633A48A6-38DA-4C97-9ED5-E730831F32C8}"/>
+              </a:ext>
+            </a:extLst>
+          </p:cNvPr>
+          <p:cNvSpPr/>
+          <p:nvPr/>
+        </p:nvSpPr>
+        <p:spPr>
+          <a:xfrm>
+            <a:off x="9069836" y="5606710"/>
+            <a:ext cx="213384" cy="213384"/>
+          </a:xfrm>
+          <a:prstGeom prst="ellipse">
+            <a:avLst/>
+          </a:prstGeom>
+        </p:spPr>
+        <p:style>
+          <a:lnRef idx="3">
+            <a:schemeClr val="lt1"/>
+          </a:lnRef>
+          <a:fillRef idx="1">
+            <a:schemeClr val="accent4"/>
+          </a:fillRef>
+          <a:effectRef idx="1">
+            <a:schemeClr val="accent4"/>
+          </a:effectRef>
+          <a:fontRef idx="minor">
+            <a:schemeClr val="lt1"/>
+          </a:fontRef>
+        </p:style>
+        <p:txBody>
+          <a:bodyPr rtlCol="0" anchor="ctr"/>
+          <a:lstStyle/>
+          <a:p>
+            <a:pPr algn="ctr"/>
+            <a:endParaRPr lang="en-US"/>
+          </a:p>
+        </p:txBody>
+      </p:sp>
+      <p:sp>
+        <p:nvSpPr>
+          <p:cNvPr id="26" name="文本框 25">
+            <a:extLst>
+              <a:ext uri="{FF2B5EF4-FFF2-40B4-BE49-F238E27FC236}">
+                <a16:creationId xmlns:a16="http://schemas.microsoft.com/office/drawing/2014/main" id="{EC088C33-0D63-4E2E-8301-28A5968FAE1A}"/>
+              </a:ext>
+            </a:extLst>
+          </p:cNvPr>
+          <p:cNvSpPr txBox="1"/>
+          <p:nvPr/>
+        </p:nvSpPr>
+        <p:spPr>
+          <a:xfrm>
+            <a:off x="8248734" y="938726"/>
+            <a:ext cx="1851711" cy="400110"/>
+          </a:xfrm>
+          <a:prstGeom prst="rect">
+            <a:avLst/>
+          </a:prstGeom>
+          <a:noFill/>
+        </p:spPr>
+        <p:txBody>
+          <a:bodyPr wrap="square" rtlCol="0">
+            <a:spAutoFit/>
+          </a:bodyPr>
+          <a:lstStyle/>
+          <a:p>
+            <a:r>
+              <a:rPr lang="en-US" sz="2000" dirty="0"/>
+              <a:t>（800，600）</a:t>
+            </a:r>
+          </a:p>
+        </p:txBody>
+      </p:sp>
+      <p:sp>
+        <p:nvSpPr>
+          <p:cNvPr id="27" name="文本框 26">
+            <a:extLst>
+              <a:ext uri="{FF2B5EF4-FFF2-40B4-BE49-F238E27FC236}">
+                <a16:creationId xmlns:a16="http://schemas.microsoft.com/office/drawing/2014/main" id="{5B592AA8-8E20-4AD3-8B4D-B0FF84A1C16B}"/>
+              </a:ext>
+            </a:extLst>
+          </p:cNvPr>
+          <p:cNvSpPr txBox="1"/>
+          <p:nvPr/>
+        </p:nvSpPr>
+        <p:spPr>
+          <a:xfrm>
+            <a:off x="850869" y="1017084"/>
+            <a:ext cx="1851711" cy="400110"/>
+          </a:xfrm>
+          <a:prstGeom prst="rect">
+            <a:avLst/>
+          </a:prstGeom>
+          <a:noFill/>
+        </p:spPr>
+        <p:txBody>
+          <a:bodyPr wrap="square" rtlCol="0">
+            <a:spAutoFit/>
+          </a:bodyPr>
+          <a:lstStyle/>
+          <a:p>
+            <a:r>
+              <a:rPr lang="en-US" sz="2000" dirty="0"/>
+              <a:t>（0，600）</a:t>
+            </a:r>
+          </a:p>
+        </p:txBody>
+      </p:sp>
+      <p:sp>
+        <p:nvSpPr>
+          <p:cNvPr id="28" name="文本框 27">
+            <a:extLst>
+              <a:ext uri="{FF2B5EF4-FFF2-40B4-BE49-F238E27FC236}">
+                <a16:creationId xmlns:a16="http://schemas.microsoft.com/office/drawing/2014/main" id="{8102D765-C659-4DDC-B42D-57C81B498F14}"/>
+              </a:ext>
+            </a:extLst>
+          </p:cNvPr>
+          <p:cNvSpPr txBox="1"/>
+          <p:nvPr/>
+        </p:nvSpPr>
+        <p:spPr>
+          <a:xfrm>
+            <a:off x="9170485" y="5208616"/>
+            <a:ext cx="1483454" cy="400110"/>
+          </a:xfrm>
+          <a:prstGeom prst="rect">
+            <a:avLst/>
+          </a:prstGeom>
+          <a:noFill/>
+        </p:spPr>
+        <p:txBody>
+          <a:bodyPr wrap="square" rtlCol="0">
+            <a:spAutoFit/>
+          </a:bodyPr>
+          <a:lstStyle/>
+          <a:p>
+            <a:r>
+              <a:rPr lang="en-US" sz="2000" dirty="0"/>
+              <a:t>（800，0）</a:t>
+            </a:r>
+          </a:p>
+        </p:txBody>
+      </p:sp>
+      <p:sp>
+        <p:nvSpPr>
+          <p:cNvPr id="29" name="文本框 28">
+            <a:extLst>
+              <a:ext uri="{FF2B5EF4-FFF2-40B4-BE49-F238E27FC236}">
+                <a16:creationId xmlns:a16="http://schemas.microsoft.com/office/drawing/2014/main" id="{B6BEFCD1-D463-43C7-A047-22846E637B36}"/>
+              </a:ext>
+            </a:extLst>
+          </p:cNvPr>
+          <p:cNvSpPr txBox="1"/>
+          <p:nvPr/>
+        </p:nvSpPr>
+        <p:spPr>
+          <a:xfrm>
+            <a:off x="1131847" y="5451811"/>
+            <a:ext cx="1364657" cy="400110"/>
+          </a:xfrm>
+          <a:prstGeom prst="rect">
+            <a:avLst/>
+          </a:prstGeom>
+          <a:noFill/>
+        </p:spPr>
+        <p:txBody>
+          <a:bodyPr wrap="square" rtlCol="0">
+            <a:spAutoFit/>
+          </a:bodyPr>
+          <a:lstStyle/>
+          <a:p>
+            <a:r>
+              <a:rPr lang="en-US" sz="2000" dirty="0"/>
+              <a:t>（0，0）</a:t>
+            </a:r>
+          </a:p>
+        </p:txBody>
+      </p:sp>
+      <p:sp>
+        <p:nvSpPr>
+          <p:cNvPr id="30" name="文本框 29">
+            <a:extLst>
+              <a:ext uri="{FF2B5EF4-FFF2-40B4-BE49-F238E27FC236}">
+                <a16:creationId xmlns:a16="http://schemas.microsoft.com/office/drawing/2014/main" id="{FE99B8A1-ABB8-417E-A39B-B99B706C4B62}"/>
+              </a:ext>
+            </a:extLst>
+          </p:cNvPr>
+          <p:cNvSpPr txBox="1"/>
+          <p:nvPr/>
+        </p:nvSpPr>
+        <p:spPr>
+          <a:xfrm>
+            <a:off x="1769692" y="1409224"/>
+            <a:ext cx="296876" cy="369332"/>
+          </a:xfrm>
+          <a:prstGeom prst="rect">
+            <a:avLst/>
+          </a:prstGeom>
+          <a:noFill/>
+        </p:spPr>
+        <p:txBody>
+          <a:bodyPr wrap="none" rtlCol="0">
+            <a:spAutoFit/>
+          </a:bodyPr>
+          <a:lstStyle/>
+          <a:p>
+            <a:r>
+              <a:rPr lang="en-US" dirty="0"/>
+              <a:t>Y</a:t>
+            </a:r>
+          </a:p>
+        </p:txBody>
+      </p:sp>
+      <p:sp>
+        <p:nvSpPr>
+          <p:cNvPr id="31" name="文本框 30">
+            <a:extLst>
+              <a:ext uri="{FF2B5EF4-FFF2-40B4-BE49-F238E27FC236}">
+                <a16:creationId xmlns:a16="http://schemas.microsoft.com/office/drawing/2014/main" id="{E621E906-FC62-49E2-B768-32E6558AC7B7}"/>
+              </a:ext>
+            </a:extLst>
+          </p:cNvPr>
+          <p:cNvSpPr txBox="1"/>
+          <p:nvPr/>
+        </p:nvSpPr>
+        <p:spPr>
+          <a:xfrm>
+            <a:off x="9363531" y="5954059"/>
+            <a:ext cx="304892" cy="369332"/>
+          </a:xfrm>
+          <a:prstGeom prst="rect">
+            <a:avLst/>
+          </a:prstGeom>
+          <a:noFill/>
+        </p:spPr>
+        <p:txBody>
+          <a:bodyPr wrap="none" rtlCol="0">
+            <a:spAutoFit/>
+          </a:bodyPr>
+          <a:lstStyle/>
+          <a:p>
+            <a:r>
+              <a:rPr lang="en-US" dirty="0"/>
+              <a:t>X</a:t>
+            </a:r>
+          </a:p>
+        </p:txBody>
+      </p:sp>
+    </p:spTree>
+    <p:extLst>
+      <p:ext uri="{BB962C8B-B14F-4D97-AF65-F5344CB8AC3E}">
+        <p14:creationId xmlns:p14="http://schemas.microsoft.com/office/powerpoint/2010/main" val="1352902002"/>
+      </p:ext>
+    </p:extLst>
+  </p:cSld>
+  <p:clrMapOvr>
+    <a:masterClrMapping/>
+  </p:clrMapOvr>
+</p:sld>
+</file>
+
+<file path=ppt/slides/slide14.xml><?xml version="1.0" encoding="utf-8"?>
+<p:sld xmlns:a="http://schemas.openxmlformats.org/drawingml/2006/main" xmlns:r="http://schemas.openxmlformats.org/officeDocument/2006/relationships" xmlns:p="http://schemas.openxmlformats.org/presentationml/2006/main">
+  <p:cSld>
+    <p:spTree>
+      <p:nvGrpSpPr>
+        <p:cNvPr id="1" name=""/>
+        <p:cNvGrpSpPr/>
+        <p:nvPr/>
+      </p:nvGrpSpPr>
+      <p:grpSpPr>
+        <a:xfrm>
+          <a:off x="0" y="0"/>
+          <a:ext cx="0" cy="0"/>
+          <a:chOff x="0" y="0"/>
+          <a:chExt cx="0" cy="0"/>
+        </a:xfrm>
+      </p:grpSpPr>
       <p:sp>
         <p:nvSpPr>
           <p:cNvPr id="37" name="矩形 36">
@@ -5435,7 +6378,7 @@
 </p:sld>
 </file>
 
-<file path=ppt/slides/slide13.xml><?xml version="1.0" encoding="utf-8"?>
+<file path=ppt/slides/slide15.xml><?xml version="1.0" encoding="utf-8"?>
 <p:sld xmlns:a="http://schemas.openxmlformats.org/drawingml/2006/main" xmlns:r="http://schemas.openxmlformats.org/officeDocument/2006/relationships" xmlns:p="http://schemas.openxmlformats.org/presentationml/2006/main">
   <p:cSld>
     <p:spTree>
@@ -5572,7 +6515,7 @@
 </p:sld>
 </file>
 
-<file path=ppt/slides/slide14.xml><?xml version="1.0" encoding="utf-8"?>
+<file path=ppt/slides/slide16.xml><?xml version="1.0" encoding="utf-8"?>
 <p:sld xmlns:a="http://schemas.openxmlformats.org/drawingml/2006/main" xmlns:r="http://schemas.openxmlformats.org/officeDocument/2006/relationships" xmlns:p="http://schemas.openxmlformats.org/presentationml/2006/main">
   <p:cSld>
     <p:spTree>
@@ -6641,7 +7584,7 @@
 </p:sld>
 </file>
 
-<file path=ppt/slides/slide15.xml><?xml version="1.0" encoding="utf-8"?>
+<file path=ppt/slides/slide17.xml><?xml version="1.0" encoding="utf-8"?>
 <p:sld xmlns:a="http://schemas.openxmlformats.org/drawingml/2006/main" xmlns:r="http://schemas.openxmlformats.org/officeDocument/2006/relationships" xmlns:p="http://schemas.openxmlformats.org/presentationml/2006/main">
   <p:cSld>
     <p:spTree>
@@ -7707,7 +8650,7 @@
 </p:sld>
 </file>
 
-<file path=ppt/slides/slide16.xml><?xml version="1.0" encoding="utf-8"?>
+<file path=ppt/slides/slide18.xml><?xml version="1.0" encoding="utf-8"?>
 <p:sld xmlns:a="http://schemas.openxmlformats.org/drawingml/2006/main" xmlns:r="http://schemas.openxmlformats.org/officeDocument/2006/relationships" xmlns:p="http://schemas.openxmlformats.org/presentationml/2006/main">
   <p:cSld>
     <p:spTree>
@@ -15590,7 +16533,7 @@
                 <a:latin typeface="Times New Roman" panose="02020603050405020304" pitchFamily="18" charset="0"/>
                 <a:cs typeface="Times New Roman" panose="02020603050405020304" pitchFamily="18" charset="0"/>
               </a:rPr>
-              <a:t>Identification map show green; Call delay function</a:t>
+              <a:t>Identification picture turn green; Call delay function</a:t>
             </a:r>
           </a:p>
         </p:txBody>
@@ -15686,7 +16629,7 @@
                 <a:latin typeface="Times New Roman" panose="02020603050405020304" pitchFamily="18" charset="0"/>
                 <a:cs typeface="Times New Roman" panose="02020603050405020304" pitchFamily="18" charset="0"/>
               </a:rPr>
-              <a:t>Identification map show red</a:t>
+              <a:t>Identification picture turn red</a:t>
             </a:r>
           </a:p>
         </p:txBody>
@@ -15833,7 +16776,7 @@
         </p:nvSpPr>
         <p:spPr>
           <a:xfrm>
-            <a:off x="7852177" y="4363439"/>
+            <a:off x="7215066" y="4005694"/>
             <a:ext cx="1983179" cy="1102922"/>
           </a:xfrm>
           <a:prstGeom prst="rect">
@@ -15932,9 +16875,9 @@
           <p:nvPr/>
         </p:nvCxnSpPr>
         <p:spPr>
-          <a:xfrm rot="16200000" flipH="1">
-            <a:off x="7851809" y="3371480"/>
-            <a:ext cx="1353045" cy="630871"/>
+          <a:xfrm rot="5400000">
+            <a:off x="7712126" y="3504924"/>
+            <a:ext cx="995300" cy="6240"/>
           </a:xfrm>
           <a:prstGeom prst="bentConnector3">
             <a:avLst>
@@ -15978,12 +16921,12 @@
         </p:nvCxnSpPr>
         <p:spPr>
           <a:xfrm rot="5400000">
-            <a:off x="6978853" y="4025247"/>
-            <a:ext cx="423800" cy="3306029"/>
+            <a:off x="6481425" y="4164929"/>
+            <a:ext cx="781545" cy="2668918"/>
           </a:xfrm>
           <a:prstGeom prst="bentConnector3">
             <a:avLst>
-              <a:gd name="adj1" fmla="val 153941"/>
+              <a:gd name="adj1" fmla="val 129250"/>
             </a:avLst>
           </a:prstGeom>
           <a:ln>
@@ -16050,7 +16993,7 @@
                 <a:latin typeface="Times New Roman" panose="02020603050405020304" pitchFamily="18" charset="0"/>
                 <a:cs typeface="Times New Roman" panose="02020603050405020304" pitchFamily="18" charset="0"/>
               </a:rPr>
-              <a:t>Identification map is in the scan box</a:t>
+              <a:t>Identification picture is in the scan box</a:t>
             </a:r>
           </a:p>
         </p:txBody>
@@ -16100,7 +17043,7 @@
                 <a:latin typeface="Times New Roman" panose="02020603050405020304" pitchFamily="18" charset="0"/>
                 <a:cs typeface="Times New Roman" panose="02020603050405020304" pitchFamily="18" charset="0"/>
               </a:rPr>
-              <a:t>Scan the identification map with camera</a:t>
+              <a:t>Scan the identification picture with camera</a:t>
             </a:r>
           </a:p>
         </p:txBody>
@@ -16193,7 +17136,7 @@
                 <a:latin typeface="Times New Roman" panose="02020603050405020304" pitchFamily="18" charset="0"/>
                 <a:cs typeface="Times New Roman" panose="02020603050405020304" pitchFamily="18" charset="0"/>
               </a:rPr>
-              <a:t>Identification map is stable in the scan box</a:t>
+              <a:t>Identification picture is stable in the scan box</a:t>
             </a:r>
           </a:p>
         </p:txBody>

--- a/bi_ye_lun_wen/cao gao/temp files.pptx
+++ b/bi_ye_lun_wen/cao gao/temp files.pptx
@@ -23,6 +23,7 @@
     <p:sldId id="257" r:id="rId17"/>
     <p:sldId id="270" r:id="rId18"/>
     <p:sldId id="271" r:id="rId19"/>
+    <p:sldId id="274" r:id="rId20"/>
   </p:sldIdLst>
   <p:sldSz cx="12192000" cy="6858000"/>
   <p:notesSz cx="6858000" cy="9144000"/>
@@ -278,7 +279,7 @@
           <a:p>
             <a:fld id="{AD880408-622A-4071-A052-F5E03FFF4B10}" type="datetimeFigureOut">
               <a:rPr lang="en-US" smtClean="0"/>
-              <a:t>5/21/2018</a:t>
+              <a:t>5/22/2018</a:t>
             </a:fld>
             <a:endParaRPr lang="en-US"/>
           </a:p>
@@ -478,7 +479,7 @@
           <a:p>
             <a:fld id="{AD880408-622A-4071-A052-F5E03FFF4B10}" type="datetimeFigureOut">
               <a:rPr lang="en-US" smtClean="0"/>
-              <a:t>5/21/2018</a:t>
+              <a:t>5/22/2018</a:t>
             </a:fld>
             <a:endParaRPr lang="en-US"/>
           </a:p>
@@ -688,7 +689,7 @@
           <a:p>
             <a:fld id="{AD880408-622A-4071-A052-F5E03FFF4B10}" type="datetimeFigureOut">
               <a:rPr lang="en-US" smtClean="0"/>
-              <a:t>5/21/2018</a:t>
+              <a:t>5/22/2018</a:t>
             </a:fld>
             <a:endParaRPr lang="en-US"/>
           </a:p>
@@ -888,7 +889,7 @@
           <a:p>
             <a:fld id="{AD880408-622A-4071-A052-F5E03FFF4B10}" type="datetimeFigureOut">
               <a:rPr lang="en-US" smtClean="0"/>
-              <a:t>5/21/2018</a:t>
+              <a:t>5/22/2018</a:t>
             </a:fld>
             <a:endParaRPr lang="en-US"/>
           </a:p>
@@ -1164,7 +1165,7 @@
           <a:p>
             <a:fld id="{AD880408-622A-4071-A052-F5E03FFF4B10}" type="datetimeFigureOut">
               <a:rPr lang="en-US" smtClean="0"/>
-              <a:t>5/21/2018</a:t>
+              <a:t>5/22/2018</a:t>
             </a:fld>
             <a:endParaRPr lang="en-US"/>
           </a:p>
@@ -1432,7 +1433,7 @@
           <a:p>
             <a:fld id="{AD880408-622A-4071-A052-F5E03FFF4B10}" type="datetimeFigureOut">
               <a:rPr lang="en-US" smtClean="0"/>
-              <a:t>5/21/2018</a:t>
+              <a:t>5/22/2018</a:t>
             </a:fld>
             <a:endParaRPr lang="en-US"/>
           </a:p>
@@ -1847,7 +1848,7 @@
           <a:p>
             <a:fld id="{AD880408-622A-4071-A052-F5E03FFF4B10}" type="datetimeFigureOut">
               <a:rPr lang="en-US" smtClean="0"/>
-              <a:t>5/21/2018</a:t>
+              <a:t>5/22/2018</a:t>
             </a:fld>
             <a:endParaRPr lang="en-US"/>
           </a:p>
@@ -1989,7 +1990,7 @@
           <a:p>
             <a:fld id="{AD880408-622A-4071-A052-F5E03FFF4B10}" type="datetimeFigureOut">
               <a:rPr lang="en-US" smtClean="0"/>
-              <a:t>5/21/2018</a:t>
+              <a:t>5/22/2018</a:t>
             </a:fld>
             <a:endParaRPr lang="en-US"/>
           </a:p>
@@ -2102,7 +2103,7 @@
           <a:p>
             <a:fld id="{AD880408-622A-4071-A052-F5E03FFF4B10}" type="datetimeFigureOut">
               <a:rPr lang="en-US" smtClean="0"/>
-              <a:t>5/21/2018</a:t>
+              <a:t>5/22/2018</a:t>
             </a:fld>
             <a:endParaRPr lang="en-US"/>
           </a:p>
@@ -2415,7 +2416,7 @@
           <a:p>
             <a:fld id="{AD880408-622A-4071-A052-F5E03FFF4B10}" type="datetimeFigureOut">
               <a:rPr lang="en-US" smtClean="0"/>
-              <a:t>5/21/2018</a:t>
+              <a:t>5/22/2018</a:t>
             </a:fld>
             <a:endParaRPr lang="en-US"/>
           </a:p>
@@ -2704,7 +2705,7 @@
           <a:p>
             <a:fld id="{AD880408-622A-4071-A052-F5E03FFF4B10}" type="datetimeFigureOut">
               <a:rPr lang="en-US" smtClean="0"/>
-              <a:t>5/21/2018</a:t>
+              <a:t>5/22/2018</a:t>
             </a:fld>
             <a:endParaRPr lang="en-US"/>
           </a:p>
@@ -2947,7 +2948,7 @@
           <a:p>
             <a:fld id="{AD880408-622A-4071-A052-F5E03FFF4B10}" type="datetimeFigureOut">
               <a:rPr lang="en-US" smtClean="0"/>
-              <a:t>5/21/2018</a:t>
+              <a:t>5/22/2018</a:t>
             </a:fld>
             <a:endParaRPr lang="en-US"/>
           </a:p>
@@ -8776,6 +8777,823 @@
 </p:sld>
 </file>
 
+<file path=ppt/slides/slide19.xml><?xml version="1.0" encoding="utf-8"?>
+<p:sld xmlns:a="http://schemas.openxmlformats.org/drawingml/2006/main" xmlns:r="http://schemas.openxmlformats.org/officeDocument/2006/relationships" xmlns:p="http://schemas.openxmlformats.org/presentationml/2006/main">
+  <p:cSld>
+    <p:spTree>
+      <p:nvGrpSpPr>
+        <p:cNvPr id="1" name=""/>
+        <p:cNvGrpSpPr/>
+        <p:nvPr/>
+      </p:nvGrpSpPr>
+      <p:grpSpPr>
+        <a:xfrm>
+          <a:off x="0" y="0"/>
+          <a:ext cx="0" cy="0"/>
+          <a:chOff x="0" y="0"/>
+          <a:chExt cx="0" cy="0"/>
+        </a:xfrm>
+      </p:grpSpPr>
+      <p:pic>
+        <p:nvPicPr>
+          <p:cNvPr id="1030" name="图片 215">
+            <a:extLst>
+              <a:ext uri="{FF2B5EF4-FFF2-40B4-BE49-F238E27FC236}">
+                <a16:creationId xmlns:a16="http://schemas.microsoft.com/office/drawing/2014/main" id="{6DD98F02-067D-48B8-A6DD-C52E1302512B}"/>
+              </a:ext>
+            </a:extLst>
+          </p:cNvPr>
+          <p:cNvPicPr>
+            <a:picLocks noChangeAspect="1" noChangeArrowheads="1"/>
+          </p:cNvPicPr>
+          <p:nvPr/>
+        </p:nvPicPr>
+        <p:blipFill>
+          <a:blip r:embed="rId2">
+            <a:extLst>
+              <a:ext uri="{28A0092B-C50C-407E-A947-70E740481C1C}">
+                <a14:useLocalDpi xmlns:a14="http://schemas.microsoft.com/office/drawing/2010/main" val="0"/>
+              </a:ext>
+            </a:extLst>
+          </a:blip>
+          <a:srcRect l="18306" t="10732" r="11855"/>
+          <a:stretch>
+            <a:fillRect/>
+          </a:stretch>
+        </p:blipFill>
+        <p:spPr bwMode="auto">
+          <a:xfrm rot="5400000">
+            <a:off x="9599840" y="942976"/>
+            <a:ext cx="2114550" cy="1524000"/>
+          </a:xfrm>
+          <a:prstGeom prst="rect">
+            <a:avLst/>
+          </a:prstGeom>
+          <a:noFill/>
+          <a:extLst>
+            <a:ext uri="{909E8E84-426E-40DD-AFC4-6F175D3DCCD1}">
+              <a14:hiddenFill xmlns:a14="http://schemas.microsoft.com/office/drawing/2010/main">
+                <a:solidFill>
+                  <a:srgbClr val="FFFFFF"/>
+                </a:solidFill>
+              </a14:hiddenFill>
+            </a:ext>
+          </a:extLst>
+        </p:spPr>
+      </p:pic>
+      <p:pic>
+        <p:nvPicPr>
+          <p:cNvPr id="1029" name="图片 216">
+            <a:extLst>
+              <a:ext uri="{FF2B5EF4-FFF2-40B4-BE49-F238E27FC236}">
+                <a16:creationId xmlns:a16="http://schemas.microsoft.com/office/drawing/2014/main" id="{8EFC9A72-3D3C-47D0-9CFB-ECA662936784}"/>
+              </a:ext>
+            </a:extLst>
+          </p:cNvPr>
+          <p:cNvPicPr>
+            <a:picLocks noChangeAspect="1" noChangeArrowheads="1"/>
+          </p:cNvPicPr>
+          <p:nvPr/>
+        </p:nvPicPr>
+        <p:blipFill>
+          <a:blip r:embed="rId3">
+            <a:extLst>
+              <a:ext uri="{28A0092B-C50C-407E-A947-70E740481C1C}">
+                <a14:useLocalDpi xmlns:a14="http://schemas.microsoft.com/office/drawing/2010/main" val="0"/>
+              </a:ext>
+            </a:extLst>
+          </a:blip>
+          <a:srcRect t="16942" r="5214" b="6067"/>
+          <a:stretch>
+            <a:fillRect/>
+          </a:stretch>
+        </p:blipFill>
+        <p:spPr bwMode="auto">
+          <a:xfrm>
+            <a:off x="7714138" y="533401"/>
+            <a:ext cx="1476375" cy="2124075"/>
+          </a:xfrm>
+          <a:prstGeom prst="rect">
+            <a:avLst/>
+          </a:prstGeom>
+          <a:noFill/>
+          <a:extLst>
+            <a:ext uri="{909E8E84-426E-40DD-AFC4-6F175D3DCCD1}">
+              <a14:hiddenFill xmlns:a14="http://schemas.microsoft.com/office/drawing/2010/main">
+                <a:solidFill>
+                  <a:srgbClr val="FFFFFF"/>
+                </a:solidFill>
+              </a14:hiddenFill>
+            </a:ext>
+          </a:extLst>
+        </p:spPr>
+      </p:pic>
+      <p:pic>
+        <p:nvPicPr>
+          <p:cNvPr id="1028" name="图片 214">
+            <a:extLst>
+              <a:ext uri="{FF2B5EF4-FFF2-40B4-BE49-F238E27FC236}">
+                <a16:creationId xmlns:a16="http://schemas.microsoft.com/office/drawing/2014/main" id="{FFA17D6A-FDC0-4368-A877-0B9AFAFAE2AC}"/>
+              </a:ext>
+            </a:extLst>
+          </p:cNvPr>
+          <p:cNvPicPr>
+            <a:picLocks noChangeAspect="1" noChangeArrowheads="1"/>
+          </p:cNvPicPr>
+          <p:nvPr/>
+        </p:nvPicPr>
+        <p:blipFill>
+          <a:blip r:embed="rId4">
+            <a:extLst>
+              <a:ext uri="{28A0092B-C50C-407E-A947-70E740481C1C}">
+                <a14:useLocalDpi xmlns:a14="http://schemas.microsoft.com/office/drawing/2010/main" val="0"/>
+              </a:ext>
+            </a:extLst>
+          </a:blip>
+          <a:srcRect t="9700" b="19083"/>
+          <a:stretch>
+            <a:fillRect/>
+          </a:stretch>
+        </p:blipFill>
+        <p:spPr bwMode="auto">
+          <a:xfrm>
+            <a:off x="5333136" y="788843"/>
+            <a:ext cx="1676400" cy="2124075"/>
+          </a:xfrm>
+          <a:prstGeom prst="rect">
+            <a:avLst/>
+          </a:prstGeom>
+          <a:noFill/>
+          <a:extLst>
+            <a:ext uri="{909E8E84-426E-40DD-AFC4-6F175D3DCCD1}">
+              <a14:hiddenFill xmlns:a14="http://schemas.microsoft.com/office/drawing/2010/main">
+                <a:solidFill>
+                  <a:srgbClr val="FFFFFF"/>
+                </a:solidFill>
+              </a14:hiddenFill>
+            </a:ext>
+          </a:extLst>
+        </p:spPr>
+      </p:pic>
+      <p:pic>
+        <p:nvPicPr>
+          <p:cNvPr id="1027" name="图片 212">
+            <a:extLst>
+              <a:ext uri="{FF2B5EF4-FFF2-40B4-BE49-F238E27FC236}">
+                <a16:creationId xmlns:a16="http://schemas.microsoft.com/office/drawing/2014/main" id="{FA7CB301-EFB9-4F56-96B0-CB72AB3E2FC8}"/>
+              </a:ext>
+            </a:extLst>
+          </p:cNvPr>
+          <p:cNvPicPr>
+            <a:picLocks noChangeAspect="1" noChangeArrowheads="1"/>
+          </p:cNvPicPr>
+          <p:nvPr/>
+        </p:nvPicPr>
+        <p:blipFill>
+          <a:blip r:embed="rId5">
+            <a:extLst>
+              <a:ext uri="{28A0092B-C50C-407E-A947-70E740481C1C}">
+                <a14:useLocalDpi xmlns:a14="http://schemas.microsoft.com/office/drawing/2010/main" val="0"/>
+              </a:ext>
+            </a:extLst>
+          </a:blip>
+          <a:srcRect t="18752" b="17709"/>
+          <a:stretch>
+            <a:fillRect/>
+          </a:stretch>
+        </p:blipFill>
+        <p:spPr bwMode="auto">
+          <a:xfrm>
+            <a:off x="2600696" y="1190625"/>
+            <a:ext cx="1714500" cy="1943100"/>
+          </a:xfrm>
+          <a:prstGeom prst="rect">
+            <a:avLst/>
+          </a:prstGeom>
+          <a:noFill/>
+          <a:extLst>
+            <a:ext uri="{909E8E84-426E-40DD-AFC4-6F175D3DCCD1}">
+              <a14:hiddenFill xmlns:a14="http://schemas.microsoft.com/office/drawing/2010/main">
+                <a:solidFill>
+                  <a:srgbClr val="FFFFFF"/>
+                </a:solidFill>
+              </a14:hiddenFill>
+            </a:ext>
+          </a:extLst>
+        </p:spPr>
+      </p:pic>
+      <p:pic>
+        <p:nvPicPr>
+          <p:cNvPr id="1026" name="图片 217">
+            <a:extLst>
+              <a:ext uri="{FF2B5EF4-FFF2-40B4-BE49-F238E27FC236}">
+                <a16:creationId xmlns:a16="http://schemas.microsoft.com/office/drawing/2014/main" id="{7BB181CE-ECC2-4FDD-9878-FB33FA97BFD8}"/>
+              </a:ext>
+            </a:extLst>
+          </p:cNvPr>
+          <p:cNvPicPr>
+            <a:picLocks noChangeAspect="1" noChangeArrowheads="1"/>
+          </p:cNvPicPr>
+          <p:nvPr/>
+        </p:nvPicPr>
+        <p:blipFill>
+          <a:blip r:embed="rId6">
+            <a:extLst>
+              <a:ext uri="{28A0092B-C50C-407E-A947-70E740481C1C}">
+                <a14:useLocalDpi xmlns:a14="http://schemas.microsoft.com/office/drawing/2010/main" val="0"/>
+              </a:ext>
+            </a:extLst>
+          </a:blip>
+          <a:srcRect t="20935" b="7848"/>
+          <a:stretch>
+            <a:fillRect/>
+          </a:stretch>
+        </p:blipFill>
+        <p:spPr bwMode="auto">
+          <a:xfrm>
+            <a:off x="4571136" y="4135582"/>
+            <a:ext cx="1524000" cy="1933575"/>
+          </a:xfrm>
+          <a:prstGeom prst="rect">
+            <a:avLst/>
+          </a:prstGeom>
+          <a:noFill/>
+          <a:extLst>
+            <a:ext uri="{909E8E84-426E-40DD-AFC4-6F175D3DCCD1}">
+              <a14:hiddenFill xmlns:a14="http://schemas.microsoft.com/office/drawing/2010/main">
+                <a:solidFill>
+                  <a:srgbClr val="FFFFFF"/>
+                </a:solidFill>
+              </a14:hiddenFill>
+            </a:ext>
+          </a:extLst>
+        </p:spPr>
+      </p:pic>
+      <p:pic>
+        <p:nvPicPr>
+          <p:cNvPr id="1025" name="图片 213">
+            <a:extLst>
+              <a:ext uri="{FF2B5EF4-FFF2-40B4-BE49-F238E27FC236}">
+                <a16:creationId xmlns:a16="http://schemas.microsoft.com/office/drawing/2014/main" id="{41471D09-62F0-426B-A157-332B92B60EC3}"/>
+              </a:ext>
+            </a:extLst>
+          </p:cNvPr>
+          <p:cNvPicPr>
+            <a:picLocks noChangeAspect="1" noChangeArrowheads="1"/>
+          </p:cNvPicPr>
+          <p:nvPr/>
+        </p:nvPicPr>
+        <p:blipFill>
+          <a:blip r:embed="rId7">
+            <a:extLst>
+              <a:ext uri="{28A0092B-C50C-407E-A947-70E740481C1C}">
+                <a14:useLocalDpi xmlns:a14="http://schemas.microsoft.com/office/drawing/2010/main" val="0"/>
+              </a:ext>
+            </a:extLst>
+          </a:blip>
+          <a:srcRect t="20935" r="19583" b="14719"/>
+          <a:stretch>
+            <a:fillRect/>
+          </a:stretch>
+        </p:blipFill>
+        <p:spPr bwMode="auto">
+          <a:xfrm>
+            <a:off x="8170224" y="4126056"/>
+            <a:ext cx="1371600" cy="1952625"/>
+          </a:xfrm>
+          <a:prstGeom prst="rect">
+            <a:avLst/>
+          </a:prstGeom>
+          <a:noFill/>
+          <a:extLst>
+            <a:ext uri="{909E8E84-426E-40DD-AFC4-6F175D3DCCD1}">
+              <a14:hiddenFill xmlns:a14="http://schemas.microsoft.com/office/drawing/2010/main">
+                <a:solidFill>
+                  <a:srgbClr val="FFFFFF"/>
+                </a:solidFill>
+              </a14:hiddenFill>
+            </a:ext>
+          </a:extLst>
+        </p:spPr>
+      </p:pic>
+      <p:sp>
+        <p:nvSpPr>
+          <p:cNvPr id="4" name="Rectangle 7">
+            <a:extLst>
+              <a:ext uri="{FF2B5EF4-FFF2-40B4-BE49-F238E27FC236}">
+                <a16:creationId xmlns:a16="http://schemas.microsoft.com/office/drawing/2014/main" id="{B09D5666-81DC-42D0-8AA6-A326F87C728F}"/>
+              </a:ext>
+            </a:extLst>
+          </p:cNvPr>
+          <p:cNvSpPr>
+            <a:spLocks noChangeArrowheads="1"/>
+          </p:cNvSpPr>
+          <p:nvPr/>
+        </p:nvSpPr>
+        <p:spPr bwMode="auto">
+          <a:xfrm>
+            <a:off x="0" y="0"/>
+            <a:ext cx="12192000" cy="457200"/>
+          </a:xfrm>
+          <a:prstGeom prst="rect">
+            <a:avLst/>
+          </a:prstGeom>
+          <a:noFill/>
+          <a:ln>
+            <a:noFill/>
+          </a:ln>
+          <a:effectLst/>
+          <a:extLst>
+            <a:ext uri="{909E8E84-426E-40DD-AFC4-6F175D3DCCD1}">
+              <a14:hiddenFill xmlns:a14="http://schemas.microsoft.com/office/drawing/2010/main">
+                <a:solidFill>
+                  <a:schemeClr val="accent1"/>
+                </a:solidFill>
+              </a14:hiddenFill>
+            </a:ext>
+            <a:ext uri="{91240B29-F687-4F45-9708-019B960494DF}">
+              <a14:hiddenLine xmlns:a14="http://schemas.microsoft.com/office/drawing/2010/main" w="9525">
+                <a:solidFill>
+                  <a:schemeClr val="tx1"/>
+                </a:solidFill>
+                <a:miter lim="800000"/>
+                <a:headEnd/>
+                <a:tailEnd/>
+              </a14:hiddenLine>
+            </a:ext>
+            <a:ext uri="{AF507438-7753-43E0-B8FC-AC1667EBCBE1}">
+              <a14:hiddenEffects xmlns:a14="http://schemas.microsoft.com/office/drawing/2010/main">
+                <a:effectLst>
+                  <a:outerShdw dist="35921" dir="2700000" algn="ctr" rotWithShape="0">
+                    <a:schemeClr val="bg2"/>
+                  </a:outerShdw>
+                </a:effectLst>
+              </a14:hiddenEffects>
+            </a:ext>
+          </a:extLst>
+        </p:spPr>
+        <p:txBody>
+          <a:bodyPr vert="horz" wrap="none" lIns="91440" tIns="45720" rIns="91440" bIns="45720" numCol="1" anchor="ctr" anchorCtr="0" compatLnSpc="1">
+            <a:prstTxWarp prst="textNoShape">
+              <a:avLst/>
+            </a:prstTxWarp>
+            <a:spAutoFit/>
+          </a:bodyPr>
+          <a:lstStyle/>
+          <a:p>
+            <a:endParaRPr lang="en-US"/>
+          </a:p>
+        </p:txBody>
+      </p:sp>
+      <p:sp>
+        <p:nvSpPr>
+          <p:cNvPr id="5" name="Rectangle 8">
+            <a:extLst>
+              <a:ext uri="{FF2B5EF4-FFF2-40B4-BE49-F238E27FC236}">
+                <a16:creationId xmlns:a16="http://schemas.microsoft.com/office/drawing/2014/main" id="{75605AF0-3C26-486B-898A-C7A86648DCA1}"/>
+              </a:ext>
+            </a:extLst>
+          </p:cNvPr>
+          <p:cNvSpPr>
+            <a:spLocks noChangeArrowheads="1"/>
+          </p:cNvSpPr>
+          <p:nvPr/>
+        </p:nvSpPr>
+        <p:spPr bwMode="auto">
+          <a:xfrm>
+            <a:off x="0" y="2571750"/>
+            <a:ext cx="12192000" cy="0"/>
+          </a:xfrm>
+          <a:prstGeom prst="rect">
+            <a:avLst/>
+          </a:prstGeom>
+          <a:noFill/>
+          <a:ln>
+            <a:noFill/>
+          </a:ln>
+          <a:effectLst/>
+          <a:extLst>
+            <a:ext uri="{909E8E84-426E-40DD-AFC4-6F175D3DCCD1}">
+              <a14:hiddenFill xmlns:a14="http://schemas.microsoft.com/office/drawing/2010/main">
+                <a:solidFill>
+                  <a:schemeClr val="accent1"/>
+                </a:solidFill>
+              </a14:hiddenFill>
+            </a:ext>
+            <a:ext uri="{91240B29-F687-4F45-9708-019B960494DF}">
+              <a14:hiddenLine xmlns:a14="http://schemas.microsoft.com/office/drawing/2010/main" w="9525">
+                <a:solidFill>
+                  <a:schemeClr val="tx1"/>
+                </a:solidFill>
+                <a:miter lim="800000"/>
+                <a:headEnd/>
+                <a:tailEnd/>
+              </a14:hiddenLine>
+            </a:ext>
+            <a:ext uri="{AF507438-7753-43E0-B8FC-AC1667EBCBE1}">
+              <a14:hiddenEffects xmlns:a14="http://schemas.microsoft.com/office/drawing/2010/main">
+                <a:effectLst>
+                  <a:outerShdw dist="35921" dir="2700000" algn="ctr" rotWithShape="0">
+                    <a:schemeClr val="bg2"/>
+                  </a:outerShdw>
+                </a:effectLst>
+              </a14:hiddenEffects>
+            </a:ext>
+          </a:extLst>
+        </p:spPr>
+        <p:txBody>
+          <a:bodyPr vert="horz" wrap="none" lIns="91440" tIns="45720" rIns="91440" bIns="45720" numCol="1" anchor="ctr" anchorCtr="0" compatLnSpc="1">
+            <a:prstTxWarp prst="textNoShape">
+              <a:avLst/>
+            </a:prstTxWarp>
+            <a:spAutoFit/>
+          </a:bodyPr>
+          <a:lstStyle/>
+          <a:p>
+            <a:pPr marL="0" marR="0" lvl="0" indent="0" algn="ctr" defTabSz="914400" rtl="0" eaLnBrk="0" fontAlgn="base" latinLnBrk="0" hangingPunct="0">
+              <a:lnSpc>
+                <a:spcPct val="100000"/>
+              </a:lnSpc>
+              <a:spcBef>
+                <a:spcPct val="0"/>
+              </a:spcBef>
+              <a:spcAft>
+                <a:spcPct val="0"/>
+              </a:spcAft>
+              <a:buClrTx/>
+              <a:buSzTx/>
+              <a:buFontTx/>
+              <a:buNone/>
+              <a:tabLst/>
+            </a:pPr>
+            <a:r>
+              <a:rPr kumimoji="0" lang="en-US" altLang="en-US" sz="1100" b="0" i="0" u="none" strike="noStrike" cap="none" normalizeH="0" baseline="0">
+                <a:ln>
+                  <a:noFill/>
+                </a:ln>
+                <a:solidFill>
+                  <a:srgbClr val="8EAADB"/>
+                </a:solidFill>
+                <a:effectLst/>
+                <a:latin typeface="Calibri" panose="020F0502020204030204" pitchFamily="34" charset="0"/>
+                <a:ea typeface="맑은 고딕" panose="020B0503020000020004" pitchFamily="50" charset="-127"/>
+                <a:cs typeface="Times New Roman" panose="02020603050405020304" pitchFamily="18" charset="0"/>
+              </a:rPr>
+              <a:t> </a:t>
+            </a:r>
+            <a:endParaRPr kumimoji="0" lang="en-US" altLang="en-US" sz="1800" b="0" i="0" u="none" strike="noStrike" cap="none" normalizeH="0" baseline="0">
+              <a:ln>
+                <a:noFill/>
+              </a:ln>
+              <a:solidFill>
+                <a:schemeClr val="tx1"/>
+              </a:solidFill>
+              <a:effectLst/>
+              <a:latin typeface="Arial" panose="020B0604020202020204" pitchFamily="34" charset="0"/>
+            </a:endParaRPr>
+          </a:p>
+        </p:txBody>
+      </p:sp>
+      <p:sp>
+        <p:nvSpPr>
+          <p:cNvPr id="6" name="Rectangle 9">
+            <a:extLst>
+              <a:ext uri="{FF2B5EF4-FFF2-40B4-BE49-F238E27FC236}">
+                <a16:creationId xmlns:a16="http://schemas.microsoft.com/office/drawing/2014/main" id="{58AC045B-9E14-42DC-9B7F-A6C552B04F8D}"/>
+              </a:ext>
+            </a:extLst>
+          </p:cNvPr>
+          <p:cNvSpPr>
+            <a:spLocks noChangeArrowheads="1"/>
+          </p:cNvSpPr>
+          <p:nvPr/>
+        </p:nvSpPr>
+        <p:spPr bwMode="auto">
+          <a:xfrm>
+            <a:off x="0" y="4695825"/>
+            <a:ext cx="12192000" cy="0"/>
+          </a:xfrm>
+          <a:prstGeom prst="rect">
+            <a:avLst/>
+          </a:prstGeom>
+          <a:noFill/>
+          <a:ln>
+            <a:noFill/>
+          </a:ln>
+          <a:effectLst/>
+          <a:extLst>
+            <a:ext uri="{909E8E84-426E-40DD-AFC4-6F175D3DCCD1}">
+              <a14:hiddenFill xmlns:a14="http://schemas.microsoft.com/office/drawing/2010/main">
+                <a:solidFill>
+                  <a:schemeClr val="accent1"/>
+                </a:solidFill>
+              </a14:hiddenFill>
+            </a:ext>
+            <a:ext uri="{91240B29-F687-4F45-9708-019B960494DF}">
+              <a14:hiddenLine xmlns:a14="http://schemas.microsoft.com/office/drawing/2010/main" w="9525">
+                <a:solidFill>
+                  <a:schemeClr val="tx1"/>
+                </a:solidFill>
+                <a:miter lim="800000"/>
+                <a:headEnd/>
+                <a:tailEnd/>
+              </a14:hiddenLine>
+            </a:ext>
+            <a:ext uri="{AF507438-7753-43E0-B8FC-AC1667EBCBE1}">
+              <a14:hiddenEffects xmlns:a14="http://schemas.microsoft.com/office/drawing/2010/main">
+                <a:effectLst>
+                  <a:outerShdw dist="35921" dir="2700000" algn="ctr" rotWithShape="0">
+                    <a:schemeClr val="bg2"/>
+                  </a:outerShdw>
+                </a:effectLst>
+              </a14:hiddenEffects>
+            </a:ext>
+          </a:extLst>
+        </p:spPr>
+        <p:txBody>
+          <a:bodyPr vert="horz" wrap="none" lIns="91440" tIns="45720" rIns="91440" bIns="45720" numCol="1" anchor="ctr" anchorCtr="0" compatLnSpc="1">
+            <a:prstTxWarp prst="textNoShape">
+              <a:avLst/>
+            </a:prstTxWarp>
+            <a:spAutoFit/>
+          </a:bodyPr>
+          <a:lstStyle/>
+          <a:p>
+            <a:pPr marL="0" marR="0" lvl="0" indent="0" algn="ctr" defTabSz="914400" rtl="0" eaLnBrk="0" fontAlgn="base" latinLnBrk="0" hangingPunct="0">
+              <a:lnSpc>
+                <a:spcPct val="100000"/>
+              </a:lnSpc>
+              <a:spcBef>
+                <a:spcPct val="0"/>
+              </a:spcBef>
+              <a:spcAft>
+                <a:spcPct val="0"/>
+              </a:spcAft>
+              <a:buClrTx/>
+              <a:buSzTx/>
+              <a:buFontTx/>
+              <a:buNone/>
+              <a:tabLst/>
+            </a:pPr>
+            <a:r>
+              <a:rPr kumimoji="0" lang="en-US" altLang="en-US" sz="1100" b="0" i="0" u="none" strike="noStrike" cap="none" normalizeH="0" baseline="0">
+                <a:ln>
+                  <a:noFill/>
+                </a:ln>
+                <a:solidFill>
+                  <a:srgbClr val="8EAADB"/>
+                </a:solidFill>
+                <a:effectLst/>
+                <a:latin typeface="Calibri" panose="020F0502020204030204" pitchFamily="34" charset="0"/>
+                <a:ea typeface="맑은 고딕" panose="020B0503020000020004" pitchFamily="50" charset="-127"/>
+                <a:cs typeface="Times New Roman" panose="02020603050405020304" pitchFamily="18" charset="0"/>
+              </a:rPr>
+              <a:t> </a:t>
+            </a:r>
+            <a:endParaRPr kumimoji="0" lang="en-US" altLang="en-US" sz="1800" b="0" i="0" u="none" strike="noStrike" cap="none" normalizeH="0" baseline="0">
+              <a:ln>
+                <a:noFill/>
+              </a:ln>
+              <a:solidFill>
+                <a:schemeClr val="tx1"/>
+              </a:solidFill>
+              <a:effectLst/>
+              <a:latin typeface="Arial" panose="020B0604020202020204" pitchFamily="34" charset="0"/>
+            </a:endParaRPr>
+          </a:p>
+        </p:txBody>
+      </p:sp>
+      <p:sp>
+        <p:nvSpPr>
+          <p:cNvPr id="8" name="Rectangle 11">
+            <a:extLst>
+              <a:ext uri="{FF2B5EF4-FFF2-40B4-BE49-F238E27FC236}">
+                <a16:creationId xmlns:a16="http://schemas.microsoft.com/office/drawing/2014/main" id="{4DA9F124-85C5-40D6-B61A-C4BD641C811A}"/>
+              </a:ext>
+            </a:extLst>
+          </p:cNvPr>
+          <p:cNvSpPr>
+            <a:spLocks noChangeArrowheads="1"/>
+          </p:cNvSpPr>
+          <p:nvPr/>
+        </p:nvSpPr>
+        <p:spPr bwMode="auto">
+          <a:xfrm>
+            <a:off x="0" y="9220200"/>
+            <a:ext cx="12192000" cy="0"/>
+          </a:xfrm>
+          <a:prstGeom prst="rect">
+            <a:avLst/>
+          </a:prstGeom>
+          <a:noFill/>
+          <a:ln>
+            <a:noFill/>
+          </a:ln>
+          <a:effectLst/>
+          <a:extLst>
+            <a:ext uri="{909E8E84-426E-40DD-AFC4-6F175D3DCCD1}">
+              <a14:hiddenFill xmlns:a14="http://schemas.microsoft.com/office/drawing/2010/main">
+                <a:solidFill>
+                  <a:schemeClr val="accent1"/>
+                </a:solidFill>
+              </a14:hiddenFill>
+            </a:ext>
+            <a:ext uri="{91240B29-F687-4F45-9708-019B960494DF}">
+              <a14:hiddenLine xmlns:a14="http://schemas.microsoft.com/office/drawing/2010/main" w="9525">
+                <a:solidFill>
+                  <a:schemeClr val="tx1"/>
+                </a:solidFill>
+                <a:miter lim="800000"/>
+                <a:headEnd/>
+                <a:tailEnd/>
+              </a14:hiddenLine>
+            </a:ext>
+            <a:ext uri="{AF507438-7753-43E0-B8FC-AC1667EBCBE1}">
+              <a14:hiddenEffects xmlns:a14="http://schemas.microsoft.com/office/drawing/2010/main">
+                <a:effectLst>
+                  <a:outerShdw dist="35921" dir="2700000" algn="ctr" rotWithShape="0">
+                    <a:schemeClr val="bg2"/>
+                  </a:outerShdw>
+                </a:effectLst>
+              </a14:hiddenEffects>
+            </a:ext>
+          </a:extLst>
+        </p:spPr>
+        <p:txBody>
+          <a:bodyPr vert="horz" wrap="none" lIns="91440" tIns="45720" rIns="91440" bIns="45720" numCol="1" anchor="ctr" anchorCtr="0" compatLnSpc="1">
+            <a:prstTxWarp prst="textNoShape">
+              <a:avLst/>
+            </a:prstTxWarp>
+            <a:spAutoFit/>
+          </a:bodyPr>
+          <a:lstStyle/>
+          <a:p>
+            <a:pPr marL="0" marR="0" lvl="0" indent="0" algn="ctr" defTabSz="914400" rtl="0" eaLnBrk="0" fontAlgn="base" latinLnBrk="0" hangingPunct="0">
+              <a:lnSpc>
+                <a:spcPct val="100000"/>
+              </a:lnSpc>
+              <a:spcBef>
+                <a:spcPct val="0"/>
+              </a:spcBef>
+              <a:spcAft>
+                <a:spcPct val="0"/>
+              </a:spcAft>
+              <a:buClrTx/>
+              <a:buSzTx/>
+              <a:buFontTx/>
+              <a:buNone/>
+              <a:tabLst/>
+            </a:pPr>
+            <a:r>
+              <a:rPr kumimoji="0" lang="en-US" altLang="en-US" sz="1100" b="0" i="0" u="none" strike="noStrike" cap="none" normalizeH="0" baseline="0">
+                <a:ln>
+                  <a:noFill/>
+                </a:ln>
+                <a:solidFill>
+                  <a:srgbClr val="8EAADB"/>
+                </a:solidFill>
+                <a:effectLst/>
+                <a:latin typeface="Calibri" panose="020F0502020204030204" pitchFamily="34" charset="0"/>
+                <a:ea typeface="맑은 고딕" panose="020B0503020000020004" pitchFamily="50" charset="-127"/>
+                <a:cs typeface="Times New Roman" panose="02020603050405020304" pitchFamily="18" charset="0"/>
+              </a:rPr>
+              <a:t> </a:t>
+            </a:r>
+            <a:endParaRPr kumimoji="0" lang="en-US" altLang="en-US" sz="1800" b="0" i="0" u="none" strike="noStrike" cap="none" normalizeH="0" baseline="0">
+              <a:ln>
+                <a:noFill/>
+              </a:ln>
+              <a:solidFill>
+                <a:schemeClr val="tx1"/>
+              </a:solidFill>
+              <a:effectLst/>
+              <a:latin typeface="Arial" panose="020B0604020202020204" pitchFamily="34" charset="0"/>
+            </a:endParaRPr>
+          </a:p>
+        </p:txBody>
+      </p:sp>
+      <p:sp>
+        <p:nvSpPr>
+          <p:cNvPr id="9" name="Rectangle 12">
+            <a:extLst>
+              <a:ext uri="{FF2B5EF4-FFF2-40B4-BE49-F238E27FC236}">
+                <a16:creationId xmlns:a16="http://schemas.microsoft.com/office/drawing/2014/main" id="{0585811A-A4F4-4EBB-AE3E-194C11F54F2E}"/>
+              </a:ext>
+            </a:extLst>
+          </p:cNvPr>
+          <p:cNvSpPr>
+            <a:spLocks noChangeArrowheads="1"/>
+          </p:cNvSpPr>
+          <p:nvPr/>
+        </p:nvSpPr>
+        <p:spPr bwMode="auto">
+          <a:xfrm>
+            <a:off x="0" y="11153775"/>
+            <a:ext cx="12192000" cy="0"/>
+          </a:xfrm>
+          <a:prstGeom prst="rect">
+            <a:avLst/>
+          </a:prstGeom>
+          <a:noFill/>
+          <a:ln>
+            <a:noFill/>
+          </a:ln>
+          <a:effectLst/>
+          <a:extLst>
+            <a:ext uri="{909E8E84-426E-40DD-AFC4-6F175D3DCCD1}">
+              <a14:hiddenFill xmlns:a14="http://schemas.microsoft.com/office/drawing/2010/main">
+                <a:solidFill>
+                  <a:schemeClr val="accent1"/>
+                </a:solidFill>
+              </a14:hiddenFill>
+            </a:ext>
+            <a:ext uri="{91240B29-F687-4F45-9708-019B960494DF}">
+              <a14:hiddenLine xmlns:a14="http://schemas.microsoft.com/office/drawing/2010/main" w="9525">
+                <a:solidFill>
+                  <a:schemeClr val="tx1"/>
+                </a:solidFill>
+                <a:miter lim="800000"/>
+                <a:headEnd/>
+                <a:tailEnd/>
+              </a14:hiddenLine>
+            </a:ext>
+            <a:ext uri="{AF507438-7753-43E0-B8FC-AC1667EBCBE1}">
+              <a14:hiddenEffects xmlns:a14="http://schemas.microsoft.com/office/drawing/2010/main">
+                <a:effectLst>
+                  <a:outerShdw dist="35921" dir="2700000" algn="ctr" rotWithShape="0">
+                    <a:schemeClr val="bg2"/>
+                  </a:outerShdw>
+                </a:effectLst>
+              </a14:hiddenEffects>
+            </a:ext>
+          </a:extLst>
+        </p:spPr>
+        <p:txBody>
+          <a:bodyPr vert="horz" wrap="none" lIns="91440" tIns="45720" rIns="91440" bIns="45720" numCol="1" anchor="ctr" anchorCtr="0" compatLnSpc="1">
+            <a:prstTxWarp prst="textNoShape">
+              <a:avLst/>
+            </a:prstTxWarp>
+            <a:spAutoFit/>
+          </a:bodyPr>
+          <a:lstStyle/>
+          <a:p>
+            <a:pPr marL="0" marR="0" lvl="0" indent="0" algn="ctr" defTabSz="914400" rtl="0" eaLnBrk="0" fontAlgn="base" latinLnBrk="0" hangingPunct="0">
+              <a:lnSpc>
+                <a:spcPct val="100000"/>
+              </a:lnSpc>
+              <a:spcBef>
+                <a:spcPct val="0"/>
+              </a:spcBef>
+              <a:spcAft>
+                <a:spcPct val="0"/>
+              </a:spcAft>
+              <a:buClrTx/>
+              <a:buSzTx/>
+              <a:buFontTx/>
+              <a:buNone/>
+              <a:tabLst/>
+            </a:pPr>
+            <a:r>
+              <a:rPr kumimoji="0" lang="en-US" altLang="en-US" sz="1100" b="0" i="0" u="none" strike="noStrike" cap="none" normalizeH="0" baseline="0">
+                <a:ln>
+                  <a:noFill/>
+                </a:ln>
+                <a:solidFill>
+                  <a:srgbClr val="8EAADB"/>
+                </a:solidFill>
+                <a:effectLst/>
+                <a:latin typeface="Calibri" panose="020F0502020204030204" pitchFamily="34" charset="0"/>
+                <a:ea typeface="맑은 고딕" panose="020B0503020000020004" pitchFamily="50" charset="-127"/>
+                <a:cs typeface="Times New Roman" panose="02020603050405020304" pitchFamily="18" charset="0"/>
+              </a:rPr>
+              <a:t> </a:t>
+            </a:r>
+            <a:endParaRPr kumimoji="0" lang="en-US" altLang="en-US" sz="1800" b="0" i="0" u="none" strike="noStrike" cap="none" normalizeH="0" baseline="0">
+              <a:ln>
+                <a:noFill/>
+              </a:ln>
+              <a:solidFill>
+                <a:schemeClr val="tx1"/>
+              </a:solidFill>
+              <a:effectLst/>
+              <a:latin typeface="Arial" panose="020B0604020202020204" pitchFamily="34" charset="0"/>
+            </a:endParaRPr>
+          </a:p>
+        </p:txBody>
+      </p:sp>
+    </p:spTree>
+    <p:extLst>
+      <p:ext uri="{BB962C8B-B14F-4D97-AF65-F5344CB8AC3E}">
+        <p14:creationId xmlns:p14="http://schemas.microsoft.com/office/powerpoint/2010/main" val="3730827589"/>
+      </p:ext>
+    </p:extLst>
+  </p:cSld>
+  <p:clrMapOvr>
+    <a:masterClrMapping/>
+  </p:clrMapOvr>
+</p:sld>
+</file>
+
 <file path=ppt/slides/slide2.xml><?xml version="1.0" encoding="utf-8"?>
 <p:sld xmlns:a="http://schemas.openxmlformats.org/drawingml/2006/main" xmlns:r="http://schemas.openxmlformats.org/officeDocument/2006/relationships" xmlns:p="http://schemas.openxmlformats.org/presentationml/2006/main">
   <p:cSld>
